--- a/Weekly Updates/Meeting minutes and Action slides template-1.pptx
+++ b/Weekly Updates/Meeting minutes and Action slides template-1.pptx
@@ -1,37 +1,37 @@
 
 <file path=ppt/presentation.xml><?xml version="1.0" encoding="utf-8"?>
-<p:presentation xmlns:a="http://schemas.openxmlformats.org/drawingml/2006/main" xmlns:r="http://schemas.openxmlformats.org/officeDocument/2006/relationships" xmlns:p="http://schemas.openxmlformats.org/presentationml/2006/main" saveSubsetFonts="1" autoCompressPictures="0">
+<p:presentation xmlns:a="http://schemas.openxmlformats.org/drawingml/2006/main" xmlns:r="http://schemas.openxmlformats.org/officeDocument/2006/relationships" xmlns:p="http://schemas.openxmlformats.org/presentationml/2006/main" autoCompressPictures="0">
   <p:sldMasterIdLst>
-    <p:sldMasterId id="2147483790" r:id="rId1"/>
+    <p:sldMasterId id="2147483648" r:id="rId1"/>
   </p:sldMasterIdLst>
   <p:notesMasterIdLst>
-    <p:notesMasterId r:id="rId23"/>
+    <p:notesMasterId r:id="rId24"/>
   </p:notesMasterIdLst>
   <p:handoutMasterIdLst>
-    <p:handoutMasterId r:id="rId24"/>
+    <p:handoutMasterId r:id="rId25"/>
   </p:handoutMasterIdLst>
   <p:sldIdLst>
-    <p:sldId id="312" r:id="rId2"/>
-    <p:sldId id="328" r:id="rId3"/>
-    <p:sldId id="332" r:id="rId4"/>
-    <p:sldId id="259" r:id="rId5"/>
-    <p:sldId id="331" r:id="rId6"/>
-    <p:sldId id="314" r:id="rId7"/>
-    <p:sldId id="339" r:id="rId8"/>
-    <p:sldId id="333" r:id="rId9"/>
-    <p:sldId id="341" r:id="rId10"/>
-    <p:sldId id="345" r:id="rId11"/>
-    <p:sldId id="334" r:id="rId12"/>
-    <p:sldId id="340" r:id="rId13"/>
-    <p:sldId id="343" r:id="rId14"/>
-    <p:sldId id="344" r:id="rId15"/>
-    <p:sldId id="347" r:id="rId16"/>
-    <p:sldId id="335" r:id="rId17"/>
-    <p:sldId id="337" r:id="rId18"/>
-    <p:sldId id="348" r:id="rId19"/>
-    <p:sldId id="349" r:id="rId20"/>
-    <p:sldId id="342" r:id="rId21"/>
-    <p:sldId id="336" r:id="rId22"/>
+    <p:sldId id="312" r:id="rId3"/>
+    <p:sldId id="328" r:id="rId4"/>
+    <p:sldId id="332" r:id="rId5"/>
+    <p:sldId id="259" r:id="rId6"/>
+    <p:sldId id="331" r:id="rId7"/>
+    <p:sldId id="314" r:id="rId8"/>
+    <p:sldId id="339" r:id="rId9"/>
+    <p:sldId id="333" r:id="rId10"/>
+    <p:sldId id="341" r:id="rId11"/>
+    <p:sldId id="345" r:id="rId12"/>
+    <p:sldId id="334" r:id="rId13"/>
+    <p:sldId id="340" r:id="rId14"/>
+    <p:sldId id="343" r:id="rId15"/>
+    <p:sldId id="344" r:id="rId16"/>
+    <p:sldId id="347" r:id="rId17"/>
+    <p:sldId id="335" r:id="rId18"/>
+    <p:sldId id="337" r:id="rId19"/>
+    <p:sldId id="348" r:id="rId20"/>
+    <p:sldId id="349" r:id="rId21"/>
+    <p:sldId id="342" r:id="rId22"/>
+    <p:sldId id="336" r:id="rId23"/>
   </p:sldIdLst>
   <p:sldSz cx="9144000" cy="5143500" type="screen16x9"/>
   <p:notesSz cx="6858000" cy="9144000"/>
@@ -50,9 +50,9 @@
         <a:solidFill>
           <a:schemeClr val="tx1"/>
         </a:solidFill>
-        <a:latin typeface="Arial" charset="0"/>
-        <a:ea typeface="ＭＳ Ｐゴシック" charset="0"/>
-        <a:cs typeface="ＭＳ Ｐゴシック" charset="0"/>
+        <a:latin typeface="Arial" panose="020B0604020202090204" pitchFamily="34" charset="0"/>
+        <a:ea typeface="MS PGothic" charset="0"/>
+        <a:cs typeface="MS PGothic" charset="0"/>
       </a:defRPr>
     </a:lvl1pPr>
     <a:lvl2pPr marL="457200" algn="l" defTabSz="457200" rtl="0" fontAlgn="base">
@@ -66,9 +66,9 @@
         <a:solidFill>
           <a:schemeClr val="tx1"/>
         </a:solidFill>
-        <a:latin typeface="Arial" charset="0"/>
-        <a:ea typeface="ＭＳ Ｐゴシック" charset="0"/>
-        <a:cs typeface="ＭＳ Ｐゴシック" charset="0"/>
+        <a:latin typeface="Arial" panose="020B0604020202090204" pitchFamily="34" charset="0"/>
+        <a:ea typeface="MS PGothic" charset="0"/>
+        <a:cs typeface="MS PGothic" charset="0"/>
       </a:defRPr>
     </a:lvl2pPr>
     <a:lvl3pPr marL="914400" algn="l" defTabSz="457200" rtl="0" fontAlgn="base">
@@ -82,9 +82,9 @@
         <a:solidFill>
           <a:schemeClr val="tx1"/>
         </a:solidFill>
-        <a:latin typeface="Arial" charset="0"/>
-        <a:ea typeface="ＭＳ Ｐゴシック" charset="0"/>
-        <a:cs typeface="ＭＳ Ｐゴシック" charset="0"/>
+        <a:latin typeface="Arial" panose="020B0604020202090204" pitchFamily="34" charset="0"/>
+        <a:ea typeface="MS PGothic" charset="0"/>
+        <a:cs typeface="MS PGothic" charset="0"/>
       </a:defRPr>
     </a:lvl3pPr>
     <a:lvl4pPr marL="1371600" algn="l" defTabSz="457200" rtl="0" fontAlgn="base">
@@ -98,9 +98,9 @@
         <a:solidFill>
           <a:schemeClr val="tx1"/>
         </a:solidFill>
-        <a:latin typeface="Arial" charset="0"/>
-        <a:ea typeface="ＭＳ Ｐゴシック" charset="0"/>
-        <a:cs typeface="ＭＳ Ｐゴシック" charset="0"/>
+        <a:latin typeface="Arial" panose="020B0604020202090204" pitchFamily="34" charset="0"/>
+        <a:ea typeface="MS PGothic" charset="0"/>
+        <a:cs typeface="MS PGothic" charset="0"/>
       </a:defRPr>
     </a:lvl4pPr>
     <a:lvl5pPr marL="1828800" algn="l" defTabSz="457200" rtl="0" fontAlgn="base">
@@ -114,9 +114,9 @@
         <a:solidFill>
           <a:schemeClr val="tx1"/>
         </a:solidFill>
-        <a:latin typeface="Arial" charset="0"/>
-        <a:ea typeface="ＭＳ Ｐゴシック" charset="0"/>
-        <a:cs typeface="ＭＳ Ｐゴシック" charset="0"/>
+        <a:latin typeface="Arial" panose="020B0604020202090204" pitchFamily="34" charset="0"/>
+        <a:ea typeface="MS PGothic" charset="0"/>
+        <a:cs typeface="MS PGothic" charset="0"/>
       </a:defRPr>
     </a:lvl5pPr>
     <a:lvl6pPr marL="2286000" algn="l" defTabSz="457200" rtl="0" eaLnBrk="1" latinLnBrk="0" hangingPunct="1">
@@ -124,9 +124,9 @@
         <a:solidFill>
           <a:schemeClr val="tx1"/>
         </a:solidFill>
-        <a:latin typeface="Arial" charset="0"/>
-        <a:ea typeface="ＭＳ Ｐゴシック" charset="0"/>
-        <a:cs typeface="ＭＳ Ｐゴシック" charset="0"/>
+        <a:latin typeface="Arial" panose="020B0604020202090204" pitchFamily="34" charset="0"/>
+        <a:ea typeface="MS PGothic" charset="0"/>
+        <a:cs typeface="MS PGothic" charset="0"/>
       </a:defRPr>
     </a:lvl6pPr>
     <a:lvl7pPr marL="2743200" algn="l" defTabSz="457200" rtl="0" eaLnBrk="1" latinLnBrk="0" hangingPunct="1">
@@ -134,9 +134,9 @@
         <a:solidFill>
           <a:schemeClr val="tx1"/>
         </a:solidFill>
-        <a:latin typeface="Arial" charset="0"/>
-        <a:ea typeface="ＭＳ Ｐゴシック" charset="0"/>
-        <a:cs typeface="ＭＳ Ｐゴシック" charset="0"/>
+        <a:latin typeface="Arial" panose="020B0604020202090204" pitchFamily="34" charset="0"/>
+        <a:ea typeface="MS PGothic" charset="0"/>
+        <a:cs typeface="MS PGothic" charset="0"/>
       </a:defRPr>
     </a:lvl7pPr>
     <a:lvl8pPr marL="3200400" algn="l" defTabSz="457200" rtl="0" eaLnBrk="1" latinLnBrk="0" hangingPunct="1">
@@ -144,9 +144,9 @@
         <a:solidFill>
           <a:schemeClr val="tx1"/>
         </a:solidFill>
-        <a:latin typeface="Arial" charset="0"/>
-        <a:ea typeface="ＭＳ Ｐゴシック" charset="0"/>
-        <a:cs typeface="ＭＳ Ｐゴシック" charset="0"/>
+        <a:latin typeface="Arial" panose="020B0604020202090204" pitchFamily="34" charset="0"/>
+        <a:ea typeface="MS PGothic" charset="0"/>
+        <a:cs typeface="MS PGothic" charset="0"/>
       </a:defRPr>
     </a:lvl8pPr>
     <a:lvl9pPr marL="3657600" algn="l" defTabSz="457200" rtl="0" eaLnBrk="1" latinLnBrk="0" hangingPunct="1">
@@ -154,9 +154,9 @@
         <a:solidFill>
           <a:schemeClr val="tx1"/>
         </a:solidFill>
-        <a:latin typeface="Arial" charset="0"/>
-        <a:ea typeface="ＭＳ Ｐゴシック" charset="0"/>
-        <a:cs typeface="ＭＳ Ｐゴシック" charset="0"/>
+        <a:latin typeface="Arial" panose="020B0604020202090204" pitchFamily="34" charset="0"/>
+        <a:ea typeface="MS PGothic" charset="0"/>
+        <a:cs typeface="MS PGothic" charset="0"/>
       </a:defRPr>
     </a:lvl9pPr>
   </p:defaultTextStyle>
@@ -202,23 +202,6 @@
         </p14:section>
       </p14:sectionLst>
     </p:ext>
-    <p:ext uri="{EFAFB233-063F-42B5-8137-9DF3F51BA10A}">
-      <p15:sldGuideLst xmlns:p15="http://schemas.microsoft.com/office/powerpoint/2012/main">
-        <p15:guide id="1" orient="horz" pos="1620">
-          <p15:clr>
-            <a:srgbClr val="A4A3A4"/>
-          </p15:clr>
-        </p15:guide>
-        <p15:guide id="2" pos="2880">
-          <p15:clr>
-            <a:srgbClr val="A4A3A4"/>
-          </p15:clr>
-        </p15:guide>
-      </p15:sldGuideLst>
-    </p:ext>
-    <p:ext uri="{2D200454-40CA-4A62-9FC3-DE9A4176ACB9}">
-      <p15:notesGuideLst xmlns:p15="http://schemas.microsoft.com/office/powerpoint/2012/main"/>
-    </p:ext>
   </p:extLst>
 </p:presentation>
 </file>
@@ -247,13 +230,7 @@
       </p:grpSpPr>
       <p:sp>
         <p:nvSpPr>
-          <p:cNvPr id="2" name="Header Placeholder 1">
-            <a:extLst>
-              <a:ext uri="{FF2B5EF4-FFF2-40B4-BE49-F238E27FC236}">
-                <a16:creationId xmlns:a16="http://schemas.microsoft.com/office/drawing/2014/main" id="{A7F27B51-57A6-844B-9DA7-683C5F8607D0}"/>
-              </a:ext>
-            </a:extLst>
-          </p:cNvPr>
+          <p:cNvPr id="2" name="Header Placeholder 1"/>
           <p:cNvSpPr>
             <a:spLocks noGrp="1"/>
           </p:cNvSpPr>
@@ -284,13 +261,7 @@
       </p:sp>
       <p:sp>
         <p:nvSpPr>
-          <p:cNvPr id="3" name="Date Placeholder 2">
-            <a:extLst>
-              <a:ext uri="{FF2B5EF4-FFF2-40B4-BE49-F238E27FC236}">
-                <a16:creationId xmlns:a16="http://schemas.microsoft.com/office/drawing/2014/main" id="{0BBA62AA-0342-CF43-B481-DA114DAADB6F}"/>
-              </a:ext>
-            </a:extLst>
-          </p:cNvPr>
+          <p:cNvPr id="3" name="Date Placeholder 2"/>
           <p:cNvSpPr>
             <a:spLocks noGrp="1"/>
           </p:cNvSpPr>
@@ -317,7 +288,6 @@
           <a:p>
             <a:fld id="{BDA335CD-1F04-BE47-B798-E7E5B302FEE2}" type="datetimeFigureOut">
               <a:rPr lang="en-US" smtClean="0"/>
-              <a:t>2/5/22</a:t>
             </a:fld>
             <a:endParaRPr lang="en-US"/>
           </a:p>
@@ -325,13 +295,7 @@
       </p:sp>
       <p:sp>
         <p:nvSpPr>
-          <p:cNvPr id="4" name="Footer Placeholder 3">
-            <a:extLst>
-              <a:ext uri="{FF2B5EF4-FFF2-40B4-BE49-F238E27FC236}">
-                <a16:creationId xmlns:a16="http://schemas.microsoft.com/office/drawing/2014/main" id="{D8E65384-F942-4A49-B542-FADCC09BE016}"/>
-              </a:ext>
-            </a:extLst>
-          </p:cNvPr>
+          <p:cNvPr id="4" name="Footer Placeholder 3"/>
           <p:cNvSpPr>
             <a:spLocks noGrp="1"/>
           </p:cNvSpPr>
@@ -362,13 +326,7 @@
       </p:sp>
       <p:sp>
         <p:nvSpPr>
-          <p:cNvPr id="5" name="Slide Number Placeholder 4">
-            <a:extLst>
-              <a:ext uri="{FF2B5EF4-FFF2-40B4-BE49-F238E27FC236}">
-                <a16:creationId xmlns:a16="http://schemas.microsoft.com/office/drawing/2014/main" id="{9A0E53E6-90B7-1543-B38F-5BA5C6BC3680}"/>
-              </a:ext>
-            </a:extLst>
-          </p:cNvPr>
+          <p:cNvPr id="5" name="Slide Number Placeholder 4"/>
           <p:cNvSpPr>
             <a:spLocks noGrp="1"/>
           </p:cNvSpPr>
@@ -395,18 +353,12 @@
           <a:p>
             <a:fld id="{8FC9C213-2A45-3B47-88D6-254185129B62}" type="slidenum">
               <a:rPr lang="en-US" smtClean="0"/>
-              <a:t>‹#›</a:t>
             </a:fld>
             <a:endParaRPr lang="en-US"/>
           </a:p>
         </p:txBody>
       </p:sp>
     </p:spTree>
-    <p:extLst>
-      <p:ext uri="{BB962C8B-B14F-4D97-AF65-F5344CB8AC3E}">
-        <p14:creationId xmlns:p14="http://schemas.microsoft.com/office/powerpoint/2010/main" val="3954518253"/>
-      </p:ext>
-    </p:extLst>
   </p:cSld>
   <p:clrMap bg1="lt1" tx1="dk1" bg2="lt2" tx2="dk2" accent1="accent1" accent2="accent2" accent3="accent3" accent4="accent4" accent5="accent5" accent6="accent6" hlink="hlink" folHlink="folHlink"/>
 </p:handoutMaster>
@@ -494,7 +446,6 @@
           <a:p>
             <a:fld id="{54F5B07A-87A9-CF40-86D9-D2F6BB28DC45}" type="datetimeFigureOut">
               <a:rPr lang="en-US" smtClean="0"/>
-              <a:t>2/5/22</a:t>
             </a:fld>
             <a:endParaRPr lang="en-US"/>
           </a:p>
@@ -561,6 +512,7 @@
               <a:rPr lang="en-US"/>
               <a:t>Edit Master text styles</a:t>
             </a:r>
+            <a:endParaRPr lang="en-US"/>
           </a:p>
           <a:p>
             <a:pPr lvl="1"/>
@@ -568,6 +520,7 @@
               <a:rPr lang="en-US"/>
               <a:t>Second level</a:t>
             </a:r>
+            <a:endParaRPr lang="en-US"/>
           </a:p>
           <a:p>
             <a:pPr lvl="2"/>
@@ -575,6 +528,7 @@
               <a:rPr lang="en-US"/>
               <a:t>Third level</a:t>
             </a:r>
+            <a:endParaRPr lang="en-US"/>
           </a:p>
           <a:p>
             <a:pPr lvl="3"/>
@@ -582,6 +536,7 @@
               <a:rPr lang="en-US"/>
               <a:t>Fourth level</a:t>
             </a:r>
+            <a:endParaRPr lang="en-US"/>
           </a:p>
           <a:p>
             <a:pPr lvl="4"/>
@@ -589,6 +544,7 @@
               <a:rPr lang="en-US"/>
               <a:t>Fifth level</a:t>
             </a:r>
+            <a:endParaRPr lang="en-US"/>
           </a:p>
         </p:txBody>
       </p:sp>
@@ -652,18 +608,12 @@
           <a:p>
             <a:fld id="{BCA0A316-D1E1-9745-B24E-D11400EED8A1}" type="slidenum">
               <a:rPr lang="en-US" smtClean="0"/>
-              <a:t>‹#›</a:t>
             </a:fld>
             <a:endParaRPr lang="en-US"/>
           </a:p>
         </p:txBody>
       </p:sp>
     </p:spTree>
-    <p:extLst>
-      <p:ext uri="{BB962C8B-B14F-4D97-AF65-F5344CB8AC3E}">
-        <p14:creationId xmlns:p14="http://schemas.microsoft.com/office/powerpoint/2010/main" val="654163294"/>
-      </p:ext>
-    </p:extLst>
   </p:cSld>
   <p:clrMap bg1="lt1" tx1="dk1" bg2="lt2" tx2="dk2" accent1="accent1" accent2="accent2" accent3="accent3" accent4="accent4" accent5="accent5" accent6="accent6" hlink="hlink" folHlink="folHlink"/>
   <p:notesStyle>
@@ -780,13 +730,7 @@
       </p:grpSpPr>
       <p:sp>
         <p:nvSpPr>
-          <p:cNvPr id="6" name="Rectangle 5">
-            <a:extLst>
-              <a:ext uri="{FF2B5EF4-FFF2-40B4-BE49-F238E27FC236}">
-                <a16:creationId xmlns:a16="http://schemas.microsoft.com/office/drawing/2014/main" id="{82AB734E-09E2-4C5B-B359-F44C155BFDAF}"/>
-              </a:ext>
-            </a:extLst>
-          </p:cNvPr>
+          <p:cNvPr id="6" name="Rectangle 5"/>
           <p:cNvSpPr/>
           <p:nvPr userDrawn="1"/>
         </p:nvSpPr>
@@ -907,7 +851,7 @@
                   <a:schemeClr val="bg1"/>
                 </a:solidFill>
                 <a:latin typeface="+mj-lt"/>
-                <a:cs typeface="Arial" panose="020B0604020202020204" pitchFamily="34" charset="0"/>
+                <a:cs typeface="Arial" panose="020B0604020202090204" pitchFamily="34" charset="0"/>
               </a:defRPr>
             </a:lvl1pPr>
           </a:lstStyle>
@@ -916,6 +860,7 @@
               <a:rPr lang="en-US" dirty="0"/>
               <a:t>Click to edit Master title style</a:t>
             </a:r>
+            <a:endParaRPr lang="en-US" dirty="0"/>
           </a:p>
         </p:txBody>
       </p:sp>
@@ -973,6 +918,7 @@
               <a:rPr lang="en-US" dirty="0"/>
               <a:t>Click to edit Master text styles</a:t>
             </a:r>
+            <a:endParaRPr lang="en-US" dirty="0"/>
           </a:p>
           <a:p>
             <a:pPr lvl="1"/>
@@ -980,6 +926,7 @@
               <a:rPr lang="en-US" dirty="0"/>
               <a:t>Second level</a:t>
             </a:r>
+            <a:endParaRPr lang="en-US" dirty="0"/>
           </a:p>
           <a:p>
             <a:pPr lvl="2"/>
@@ -987,31 +934,20 @@
               <a:rPr lang="en-US" dirty="0"/>
               <a:t>Third level</a:t>
             </a:r>
+            <a:endParaRPr lang="en-US" dirty="0"/>
           </a:p>
         </p:txBody>
       </p:sp>
       <p:pic>
         <p:nvPicPr>
-          <p:cNvPr id="15" name="Picture 14" descr="A close up of a logo&#10;&#10;Description automatically generated">
-            <a:extLst>
-              <a:ext uri="{FF2B5EF4-FFF2-40B4-BE49-F238E27FC236}">
-                <a16:creationId xmlns:a16="http://schemas.microsoft.com/office/drawing/2014/main" id="{FA42B4BB-E4AF-4E77-8720-34E6A0B4EC17}"/>
-              </a:ext>
-            </a:extLst>
-          </p:cNvPr>
+          <p:cNvPr id="15" name="Picture 14" descr="A close up of a logo&#10;&#10;Description automatically generated"/>
           <p:cNvPicPr>
             <a:picLocks noChangeAspect="1"/>
           </p:cNvPicPr>
           <p:nvPr userDrawn="1"/>
         </p:nvPicPr>
         <p:blipFill>
-          <a:blip r:embed="rId2" cstate="email">
-            <a:extLst>
-              <a:ext uri="{28A0092B-C50C-407E-A947-70E740481C1C}">
-                <a14:useLocalDpi xmlns:a14="http://schemas.microsoft.com/office/drawing/2010/main"/>
-              </a:ext>
-            </a:extLst>
-          </a:blip>
+          <a:blip r:embed="rId2" cstate="email"/>
           <a:stretch>
             <a:fillRect/>
           </a:stretch>
@@ -1027,11 +963,6 @@
         </p:spPr>
       </p:pic>
     </p:spTree>
-    <p:extLst>
-      <p:ext uri="{BB962C8B-B14F-4D97-AF65-F5344CB8AC3E}">
-        <p14:creationId xmlns:p14="http://schemas.microsoft.com/office/powerpoint/2010/main" val="320322861"/>
-      </p:ext>
-    </p:extLst>
   </p:cSld>
   <p:clrMapOvr>
     <a:masterClrMapping/>
@@ -1058,26 +989,14 @@
       </p:grpSpPr>
       <p:pic>
         <p:nvPicPr>
-          <p:cNvPr id="11" name="Picture 10" descr="A close up of a logo&#10;&#10;Description automatically generated">
-            <a:extLst>
-              <a:ext uri="{FF2B5EF4-FFF2-40B4-BE49-F238E27FC236}">
-                <a16:creationId xmlns:a16="http://schemas.microsoft.com/office/drawing/2014/main" id="{01474F3C-BF30-4838-BE7E-29B6762A0306}"/>
-              </a:ext>
-            </a:extLst>
-          </p:cNvPr>
+          <p:cNvPr id="11" name="Picture 10" descr="A close up of a logo&#10;&#10;Description automatically generated"/>
           <p:cNvPicPr>
             <a:picLocks noChangeAspect="1"/>
           </p:cNvPicPr>
           <p:nvPr userDrawn="1"/>
         </p:nvPicPr>
         <p:blipFill>
-          <a:blip r:embed="rId2" cstate="email">
-            <a:extLst>
-              <a:ext uri="{28A0092B-C50C-407E-A947-70E740481C1C}">
-                <a14:useLocalDpi xmlns:a14="http://schemas.microsoft.com/office/drawing/2010/main"/>
-              </a:ext>
-            </a:extLst>
-          </a:blip>
+          <a:blip r:embed="rId2" cstate="email"/>
           <a:stretch>
             <a:fillRect/>
           </a:stretch>
@@ -1094,28 +1013,18 @@
       </p:pic>
       <p:pic>
         <p:nvPicPr>
-          <p:cNvPr id="10" name="Picture 9" descr="A picture containing building, outdoor&#10;&#10;Description automatically generated">
-            <a:extLst>
-              <a:ext uri="{FF2B5EF4-FFF2-40B4-BE49-F238E27FC236}">
-                <a16:creationId xmlns:a16="http://schemas.microsoft.com/office/drawing/2014/main" id="{39EDEF0E-237F-6F49-A871-2C910D1EFA16}"/>
-              </a:ext>
-            </a:extLst>
-          </p:cNvPr>
+          <p:cNvPr id="10" name="Picture 9" descr="A picture containing building, outdoor&#10;&#10;Description automatically generated"/>
           <p:cNvPicPr>
             <a:picLocks noChangeAspect="1"/>
           </p:cNvPicPr>
           <p:nvPr userDrawn="1"/>
         </p:nvPicPr>
         <p:blipFill rotWithShape="1">
-          <a:blip r:embed="rId3" cstate="email">
-            <a:extLst>
-              <a:ext uri="{28A0092B-C50C-407E-A947-70E740481C1C}">
-                <a14:useLocalDpi xmlns:a14="http://schemas.microsoft.com/office/drawing/2010/main"/>
-              </a:ext>
-            </a:extLst>
-          </a:blip>
+          <a:blip r:embed="rId3" cstate="email"/>
           <a:srcRect/>
-          <a:stretch/>
+          <a:stretch>
+            <a:fillRect/>
+          </a:stretch>
         </p:blipFill>
         <p:spPr>
           <a:xfrm>
@@ -1129,13 +1038,7 @@
       </p:pic>
       <p:sp>
         <p:nvSpPr>
-          <p:cNvPr id="6" name="Title 8">
-            <a:extLst>
-              <a:ext uri="{FF2B5EF4-FFF2-40B4-BE49-F238E27FC236}">
-                <a16:creationId xmlns:a16="http://schemas.microsoft.com/office/drawing/2014/main" id="{F50896C5-9111-8242-BCE0-7CC0BD50EAD4}"/>
-              </a:ext>
-            </a:extLst>
-          </p:cNvPr>
+          <p:cNvPr id="6" name="Title 8"/>
           <p:cNvSpPr>
             <a:spLocks noGrp="1"/>
           </p:cNvSpPr>
@@ -1161,7 +1064,7 @@
                   <a:srgbClr val="E64626"/>
                 </a:solidFill>
                 <a:latin typeface="+mj-lt"/>
-                <a:cs typeface="Arial" panose="020B0604020202020204" pitchFamily="34" charset="0"/>
+                <a:cs typeface="Arial" panose="020B0604020202090204" pitchFamily="34" charset="0"/>
               </a:defRPr>
             </a:lvl1pPr>
           </a:lstStyle>
@@ -1170,18 +1073,13 @@
               <a:rPr lang="en-US" dirty="0"/>
               <a:t>Click to edit Master title style</a:t>
             </a:r>
+            <a:endParaRPr lang="en-US" dirty="0"/>
           </a:p>
         </p:txBody>
       </p:sp>
       <p:sp>
         <p:nvSpPr>
-          <p:cNvPr id="9" name="Text Placeholder 4">
-            <a:extLst>
-              <a:ext uri="{FF2B5EF4-FFF2-40B4-BE49-F238E27FC236}">
-                <a16:creationId xmlns:a16="http://schemas.microsoft.com/office/drawing/2014/main" id="{51F6DD38-B279-FA48-AB2C-5722EABCCA23}"/>
-              </a:ext>
-            </a:extLst>
-          </p:cNvPr>
+          <p:cNvPr id="9" name="Text Placeholder 4"/>
           <p:cNvSpPr>
             <a:spLocks noGrp="1"/>
           </p:cNvSpPr>
@@ -1233,6 +1131,7 @@
               <a:rPr lang="en-US" dirty="0"/>
               <a:t>Click to edit Master text styles</a:t>
             </a:r>
+            <a:endParaRPr lang="en-US" dirty="0"/>
           </a:p>
           <a:p>
             <a:pPr lvl="1"/>
@@ -1240,6 +1139,7 @@
               <a:rPr lang="en-US" dirty="0"/>
               <a:t>Second level</a:t>
             </a:r>
+            <a:endParaRPr lang="en-US" dirty="0"/>
           </a:p>
           <a:p>
             <a:pPr lvl="2"/>
@@ -1247,15 +1147,11 @@
               <a:rPr lang="en-US" dirty="0"/>
               <a:t>Third level</a:t>
             </a:r>
+            <a:endParaRPr lang="en-US" dirty="0"/>
           </a:p>
         </p:txBody>
       </p:sp>
     </p:spTree>
-    <p:extLst>
-      <p:ext uri="{BB962C8B-B14F-4D97-AF65-F5344CB8AC3E}">
-        <p14:creationId xmlns:p14="http://schemas.microsoft.com/office/powerpoint/2010/main" val="3128823234"/>
-      </p:ext>
-    </p:extLst>
   </p:cSld>
   <p:clrMapOvr>
     <a:masterClrMapping/>
@@ -1282,26 +1178,14 @@
       </p:grpSpPr>
       <p:pic>
         <p:nvPicPr>
-          <p:cNvPr id="11" name="Picture 10" descr="A close up of a logo&#10;&#10;Description automatically generated">
-            <a:extLst>
-              <a:ext uri="{FF2B5EF4-FFF2-40B4-BE49-F238E27FC236}">
-                <a16:creationId xmlns:a16="http://schemas.microsoft.com/office/drawing/2014/main" id="{01474F3C-BF30-4838-BE7E-29B6762A0306}"/>
-              </a:ext>
-            </a:extLst>
-          </p:cNvPr>
+          <p:cNvPr id="11" name="Picture 10" descr="A close up of a logo&#10;&#10;Description automatically generated"/>
           <p:cNvPicPr>
             <a:picLocks noChangeAspect="1"/>
           </p:cNvPicPr>
           <p:nvPr userDrawn="1"/>
         </p:nvPicPr>
         <p:blipFill>
-          <a:blip r:embed="rId2" cstate="email">
-            <a:extLst>
-              <a:ext uri="{28A0092B-C50C-407E-A947-70E740481C1C}">
-                <a14:useLocalDpi xmlns:a14="http://schemas.microsoft.com/office/drawing/2010/main"/>
-              </a:ext>
-            </a:extLst>
-          </a:blip>
+          <a:blip r:embed="rId2" cstate="email"/>
           <a:stretch>
             <a:fillRect/>
           </a:stretch>
@@ -1318,28 +1202,18 @@
       </p:pic>
       <p:pic>
         <p:nvPicPr>
-          <p:cNvPr id="10" name="Picture 9" descr="A picture containing building, outdoor&#10;&#10;Description automatically generated">
-            <a:extLst>
-              <a:ext uri="{FF2B5EF4-FFF2-40B4-BE49-F238E27FC236}">
-                <a16:creationId xmlns:a16="http://schemas.microsoft.com/office/drawing/2014/main" id="{39EDEF0E-237F-6F49-A871-2C910D1EFA16}"/>
-              </a:ext>
-            </a:extLst>
-          </p:cNvPr>
+          <p:cNvPr id="10" name="Picture 9" descr="A picture containing building, outdoor&#10;&#10;Description automatically generated"/>
           <p:cNvPicPr>
             <a:picLocks noChangeAspect="1"/>
           </p:cNvPicPr>
           <p:nvPr userDrawn="1"/>
         </p:nvPicPr>
         <p:blipFill rotWithShape="1">
-          <a:blip r:embed="rId3" cstate="email">
-            <a:extLst>
-              <a:ext uri="{28A0092B-C50C-407E-A947-70E740481C1C}">
-                <a14:useLocalDpi xmlns:a14="http://schemas.microsoft.com/office/drawing/2010/main"/>
-              </a:ext>
-            </a:extLst>
-          </a:blip>
+          <a:blip r:embed="rId3" cstate="email"/>
           <a:srcRect/>
-          <a:stretch/>
+          <a:stretch>
+            <a:fillRect/>
+          </a:stretch>
         </p:blipFill>
         <p:spPr>
           <a:xfrm>
@@ -1353,28 +1227,18 @@
       </p:pic>
       <p:pic>
         <p:nvPicPr>
-          <p:cNvPr id="12" name="Picture 11" descr="A picture containing wooden, indoor, building, floor&#10;&#10;Description automatically generated">
-            <a:extLst>
-              <a:ext uri="{FF2B5EF4-FFF2-40B4-BE49-F238E27FC236}">
-                <a16:creationId xmlns:a16="http://schemas.microsoft.com/office/drawing/2014/main" id="{A5010B32-7C91-414A-9463-50EDA9DDD9CA}"/>
-              </a:ext>
-            </a:extLst>
-          </p:cNvPr>
+          <p:cNvPr id="12" name="Picture 11" descr="A picture containing wooden, indoor, building, floor&#10;&#10;Description automatically generated"/>
           <p:cNvPicPr>
             <a:picLocks noChangeAspect="1"/>
           </p:cNvPicPr>
           <p:nvPr userDrawn="1"/>
         </p:nvPicPr>
         <p:blipFill rotWithShape="1">
-          <a:blip r:embed="rId4" cstate="email">
-            <a:extLst>
-              <a:ext uri="{28A0092B-C50C-407E-A947-70E740481C1C}">
-                <a14:useLocalDpi xmlns:a14="http://schemas.microsoft.com/office/drawing/2010/main"/>
-              </a:ext>
-            </a:extLst>
-          </a:blip>
+          <a:blip r:embed="rId4" cstate="email"/>
           <a:srcRect/>
-          <a:stretch/>
+          <a:stretch>
+            <a:fillRect/>
+          </a:stretch>
         </p:blipFill>
         <p:spPr>
           <a:xfrm>
@@ -1388,13 +1252,7 @@
       </p:pic>
       <p:sp>
         <p:nvSpPr>
-          <p:cNvPr id="9" name="Title 8">
-            <a:extLst>
-              <a:ext uri="{FF2B5EF4-FFF2-40B4-BE49-F238E27FC236}">
-                <a16:creationId xmlns:a16="http://schemas.microsoft.com/office/drawing/2014/main" id="{B64715E0-8DEA-FB4F-A337-428CA273AD16}"/>
-              </a:ext>
-            </a:extLst>
-          </p:cNvPr>
+          <p:cNvPr id="9" name="Title 8"/>
           <p:cNvSpPr>
             <a:spLocks noGrp="1"/>
           </p:cNvSpPr>
@@ -1420,7 +1278,7 @@
                   <a:srgbClr val="E64626"/>
                 </a:solidFill>
                 <a:latin typeface="+mj-lt"/>
-                <a:cs typeface="Arial" panose="020B0604020202020204" pitchFamily="34" charset="0"/>
+                <a:cs typeface="Arial" panose="020B0604020202090204" pitchFamily="34" charset="0"/>
               </a:defRPr>
             </a:lvl1pPr>
           </a:lstStyle>
@@ -1429,18 +1287,13 @@
               <a:rPr lang="en-US" dirty="0"/>
               <a:t>Click to edit Master title style</a:t>
             </a:r>
+            <a:endParaRPr lang="en-US" dirty="0"/>
           </a:p>
         </p:txBody>
       </p:sp>
       <p:sp>
         <p:nvSpPr>
-          <p:cNvPr id="13" name="Text Placeholder 4">
-            <a:extLst>
-              <a:ext uri="{FF2B5EF4-FFF2-40B4-BE49-F238E27FC236}">
-                <a16:creationId xmlns:a16="http://schemas.microsoft.com/office/drawing/2014/main" id="{7DAFEEDC-1B2B-8A47-BF9E-A02A65A59508}"/>
-              </a:ext>
-            </a:extLst>
-          </p:cNvPr>
+          <p:cNvPr id="13" name="Text Placeholder 4"/>
           <p:cNvSpPr>
             <a:spLocks noGrp="1"/>
           </p:cNvSpPr>
@@ -1492,6 +1345,7 @@
               <a:rPr lang="en-US" dirty="0"/>
               <a:t>Click to edit Master text styles</a:t>
             </a:r>
+            <a:endParaRPr lang="en-US" dirty="0"/>
           </a:p>
           <a:p>
             <a:pPr lvl="1"/>
@@ -1499,6 +1353,7 @@
               <a:rPr lang="en-US" dirty="0"/>
               <a:t>Second level</a:t>
             </a:r>
+            <a:endParaRPr lang="en-US" dirty="0"/>
           </a:p>
           <a:p>
             <a:pPr lvl="2"/>
@@ -1506,15 +1361,11 @@
               <a:rPr lang="en-US" dirty="0"/>
               <a:t>Third level</a:t>
             </a:r>
+            <a:endParaRPr lang="en-US" dirty="0"/>
           </a:p>
         </p:txBody>
       </p:sp>
     </p:spTree>
-    <p:extLst>
-      <p:ext uri="{BB962C8B-B14F-4D97-AF65-F5344CB8AC3E}">
-        <p14:creationId xmlns:p14="http://schemas.microsoft.com/office/powerpoint/2010/main" val="3124597514"/>
-      </p:ext>
-    </p:extLst>
   </p:cSld>
   <p:clrMapOvr>
     <a:masterClrMapping/>
@@ -1541,26 +1392,14 @@
       </p:grpSpPr>
       <p:pic>
         <p:nvPicPr>
-          <p:cNvPr id="10" name="Picture 9" descr="A close up of a logo&#10;&#10;Description automatically generated">
-            <a:extLst>
-              <a:ext uri="{FF2B5EF4-FFF2-40B4-BE49-F238E27FC236}">
-                <a16:creationId xmlns:a16="http://schemas.microsoft.com/office/drawing/2014/main" id="{B27217AD-F199-408C-87CD-6B9EAF72773E}"/>
-              </a:ext>
-            </a:extLst>
-          </p:cNvPr>
+          <p:cNvPr id="10" name="Picture 9" descr="A close up of a logo&#10;&#10;Description automatically generated"/>
           <p:cNvPicPr>
             <a:picLocks noChangeAspect="1"/>
           </p:cNvPicPr>
           <p:nvPr userDrawn="1"/>
         </p:nvPicPr>
         <p:blipFill>
-          <a:blip r:embed="rId2" cstate="email">
-            <a:extLst>
-              <a:ext uri="{28A0092B-C50C-407E-A947-70E740481C1C}">
-                <a14:useLocalDpi xmlns:a14="http://schemas.microsoft.com/office/drawing/2010/main"/>
-              </a:ext>
-            </a:extLst>
-          </a:blip>
+          <a:blip r:embed="rId2" cstate="email"/>
           <a:stretch>
             <a:fillRect/>
           </a:stretch>
@@ -1577,28 +1416,18 @@
       </p:pic>
       <p:pic>
         <p:nvPicPr>
-          <p:cNvPr id="12" name="Picture 11" descr="A close up of a device&#10;&#10;Description automatically generated">
-            <a:extLst>
-              <a:ext uri="{FF2B5EF4-FFF2-40B4-BE49-F238E27FC236}">
-                <a16:creationId xmlns:a16="http://schemas.microsoft.com/office/drawing/2014/main" id="{B96438B9-5925-5042-9335-CD7B46F25CF3}"/>
-              </a:ext>
-            </a:extLst>
-          </p:cNvPr>
+          <p:cNvPr id="12" name="Picture 11" descr="A close up of a device&#10;&#10;Description automatically generated"/>
           <p:cNvPicPr>
             <a:picLocks noChangeAspect="1"/>
           </p:cNvPicPr>
           <p:nvPr userDrawn="1"/>
         </p:nvPicPr>
         <p:blipFill rotWithShape="1">
-          <a:blip r:embed="rId3" cstate="email">
-            <a:extLst>
-              <a:ext uri="{28A0092B-C50C-407E-A947-70E740481C1C}">
-                <a14:useLocalDpi xmlns:a14="http://schemas.microsoft.com/office/drawing/2010/main"/>
-              </a:ext>
-            </a:extLst>
-          </a:blip>
+          <a:blip r:embed="rId3" cstate="email"/>
           <a:srcRect/>
-          <a:stretch/>
+          <a:stretch>
+            <a:fillRect/>
+          </a:stretch>
         </p:blipFill>
         <p:spPr>
           <a:xfrm>
@@ -1612,13 +1441,7 @@
       </p:pic>
       <p:sp>
         <p:nvSpPr>
-          <p:cNvPr id="6" name="Title 8">
-            <a:extLst>
-              <a:ext uri="{FF2B5EF4-FFF2-40B4-BE49-F238E27FC236}">
-                <a16:creationId xmlns:a16="http://schemas.microsoft.com/office/drawing/2014/main" id="{645BC672-5E5B-4548-A603-8A42D88BE5AC}"/>
-              </a:ext>
-            </a:extLst>
-          </p:cNvPr>
+          <p:cNvPr id="6" name="Title 8"/>
           <p:cNvSpPr>
             <a:spLocks noGrp="1"/>
           </p:cNvSpPr>
@@ -1644,7 +1467,7 @@
                   <a:srgbClr val="E64626"/>
                 </a:solidFill>
                 <a:latin typeface="+mj-lt"/>
-                <a:cs typeface="Arial" panose="020B0604020202020204" pitchFamily="34" charset="0"/>
+                <a:cs typeface="Arial" panose="020B0604020202090204" pitchFamily="34" charset="0"/>
               </a:defRPr>
             </a:lvl1pPr>
           </a:lstStyle>
@@ -1653,18 +1476,13 @@
               <a:rPr lang="en-US" dirty="0"/>
               <a:t>Click to edit Master title style</a:t>
             </a:r>
+            <a:endParaRPr lang="en-US" dirty="0"/>
           </a:p>
         </p:txBody>
       </p:sp>
       <p:sp>
         <p:nvSpPr>
-          <p:cNvPr id="9" name="Text Placeholder 4">
-            <a:extLst>
-              <a:ext uri="{FF2B5EF4-FFF2-40B4-BE49-F238E27FC236}">
-                <a16:creationId xmlns:a16="http://schemas.microsoft.com/office/drawing/2014/main" id="{A80F6BFC-829B-8342-9BB6-B0F938D83711}"/>
-              </a:ext>
-            </a:extLst>
-          </p:cNvPr>
+          <p:cNvPr id="9" name="Text Placeholder 4"/>
           <p:cNvSpPr>
             <a:spLocks noGrp="1"/>
           </p:cNvSpPr>
@@ -1716,6 +1534,7 @@
               <a:rPr lang="en-US" dirty="0"/>
               <a:t>Click to edit Master text styles</a:t>
             </a:r>
+            <a:endParaRPr lang="en-US" dirty="0"/>
           </a:p>
           <a:p>
             <a:pPr lvl="1"/>
@@ -1723,6 +1542,7 @@
               <a:rPr lang="en-US" dirty="0"/>
               <a:t>Second level</a:t>
             </a:r>
+            <a:endParaRPr lang="en-US" dirty="0"/>
           </a:p>
           <a:p>
             <a:pPr lvl="2"/>
@@ -1730,15 +1550,11 @@
               <a:rPr lang="en-US" dirty="0"/>
               <a:t>Third level</a:t>
             </a:r>
+            <a:endParaRPr lang="en-US" dirty="0"/>
           </a:p>
         </p:txBody>
       </p:sp>
     </p:spTree>
-    <p:extLst>
-      <p:ext uri="{BB962C8B-B14F-4D97-AF65-F5344CB8AC3E}">
-        <p14:creationId xmlns:p14="http://schemas.microsoft.com/office/powerpoint/2010/main" val="1006123175"/>
-      </p:ext>
-    </p:extLst>
   </p:cSld>
   <p:clrMapOvr>
     <a:masterClrMapping/>
@@ -1765,26 +1581,14 @@
       </p:grpSpPr>
       <p:pic>
         <p:nvPicPr>
-          <p:cNvPr id="6" name="Picture 5" descr="A close up of a logo&#10;&#10;Description automatically generated">
-            <a:extLst>
-              <a:ext uri="{FF2B5EF4-FFF2-40B4-BE49-F238E27FC236}">
-                <a16:creationId xmlns:a16="http://schemas.microsoft.com/office/drawing/2014/main" id="{8EA2DDC0-E24B-44C0-A773-C0BEC90B3BA9}"/>
-              </a:ext>
-            </a:extLst>
-          </p:cNvPr>
+          <p:cNvPr id="6" name="Picture 5" descr="A close up of a logo&#10;&#10;Description automatically generated"/>
           <p:cNvPicPr>
             <a:picLocks noChangeAspect="1"/>
           </p:cNvPicPr>
           <p:nvPr userDrawn="1"/>
         </p:nvPicPr>
         <p:blipFill>
-          <a:blip r:embed="rId2" cstate="email">
-            <a:extLst>
-              <a:ext uri="{28A0092B-C50C-407E-A947-70E740481C1C}">
-                <a14:useLocalDpi xmlns:a14="http://schemas.microsoft.com/office/drawing/2010/main"/>
-              </a:ext>
-            </a:extLst>
-          </a:blip>
+          <a:blip r:embed="rId2" cstate="email"/>
           <a:stretch>
             <a:fillRect/>
           </a:stretch>
@@ -1801,28 +1605,18 @@
       </p:pic>
       <p:pic>
         <p:nvPicPr>
-          <p:cNvPr id="5" name="Picture 4" descr="A large brick building with many windows&#10;&#10;Description automatically generated">
-            <a:extLst>
-              <a:ext uri="{FF2B5EF4-FFF2-40B4-BE49-F238E27FC236}">
-                <a16:creationId xmlns:a16="http://schemas.microsoft.com/office/drawing/2014/main" id="{D9DB67EB-CF0D-4447-8C77-9CD316FB6FBD}"/>
-              </a:ext>
-            </a:extLst>
-          </p:cNvPr>
+          <p:cNvPr id="5" name="Picture 4" descr="A large brick building with many windows&#10;&#10;Description automatically generated"/>
           <p:cNvPicPr>
             <a:picLocks noChangeAspect="1"/>
           </p:cNvPicPr>
           <p:nvPr userDrawn="1"/>
         </p:nvPicPr>
         <p:blipFill rotWithShape="1">
-          <a:blip r:embed="rId3" cstate="email">
-            <a:extLst>
-              <a:ext uri="{28A0092B-C50C-407E-A947-70E740481C1C}">
-                <a14:useLocalDpi xmlns:a14="http://schemas.microsoft.com/office/drawing/2010/main"/>
-              </a:ext>
-            </a:extLst>
-          </a:blip>
+          <a:blip r:embed="rId3" cstate="email"/>
           <a:srcRect l="-91" t="-1"/>
-          <a:stretch/>
+          <a:stretch>
+            <a:fillRect/>
+          </a:stretch>
         </p:blipFill>
         <p:spPr>
           <a:xfrm>
@@ -1836,13 +1630,7 @@
       </p:pic>
       <p:sp>
         <p:nvSpPr>
-          <p:cNvPr id="7" name="Title 8">
-            <a:extLst>
-              <a:ext uri="{FF2B5EF4-FFF2-40B4-BE49-F238E27FC236}">
-                <a16:creationId xmlns:a16="http://schemas.microsoft.com/office/drawing/2014/main" id="{B7887FE3-B843-AB43-8133-90352A56239B}"/>
-              </a:ext>
-            </a:extLst>
-          </p:cNvPr>
+          <p:cNvPr id="7" name="Title 8"/>
           <p:cNvSpPr>
             <a:spLocks noGrp="1"/>
           </p:cNvSpPr>
@@ -1868,7 +1656,7 @@
                   <a:srgbClr val="E64626"/>
                 </a:solidFill>
                 <a:latin typeface="+mj-lt"/>
-                <a:cs typeface="Arial" panose="020B0604020202020204" pitchFamily="34" charset="0"/>
+                <a:cs typeface="Arial" panose="020B0604020202090204" pitchFamily="34" charset="0"/>
               </a:defRPr>
             </a:lvl1pPr>
           </a:lstStyle>
@@ -1877,18 +1665,13 @@
               <a:rPr lang="en-US" dirty="0"/>
               <a:t>Click to edit Master title style</a:t>
             </a:r>
+            <a:endParaRPr lang="en-US" dirty="0"/>
           </a:p>
         </p:txBody>
       </p:sp>
       <p:sp>
         <p:nvSpPr>
-          <p:cNvPr id="8" name="Text Placeholder 4">
-            <a:extLst>
-              <a:ext uri="{FF2B5EF4-FFF2-40B4-BE49-F238E27FC236}">
-                <a16:creationId xmlns:a16="http://schemas.microsoft.com/office/drawing/2014/main" id="{E30898AC-7514-D64D-AAAC-3D568569ED99}"/>
-              </a:ext>
-            </a:extLst>
-          </p:cNvPr>
+          <p:cNvPr id="8" name="Text Placeholder 4"/>
           <p:cNvSpPr>
             <a:spLocks noGrp="1"/>
           </p:cNvSpPr>
@@ -1940,6 +1723,7 @@
               <a:rPr lang="en-US" dirty="0"/>
               <a:t>Click to edit Master text styles</a:t>
             </a:r>
+            <a:endParaRPr lang="en-US" dirty="0"/>
           </a:p>
           <a:p>
             <a:pPr lvl="1"/>
@@ -1947,6 +1731,7 @@
               <a:rPr lang="en-US" dirty="0"/>
               <a:t>Second level</a:t>
             </a:r>
+            <a:endParaRPr lang="en-US" dirty="0"/>
           </a:p>
           <a:p>
             <a:pPr lvl="2"/>
@@ -1954,15 +1739,11 @@
               <a:rPr lang="en-US" dirty="0"/>
               <a:t>Third level</a:t>
             </a:r>
+            <a:endParaRPr lang="en-US" dirty="0"/>
           </a:p>
         </p:txBody>
       </p:sp>
     </p:spTree>
-    <p:extLst>
-      <p:ext uri="{BB962C8B-B14F-4D97-AF65-F5344CB8AC3E}">
-        <p14:creationId xmlns:p14="http://schemas.microsoft.com/office/powerpoint/2010/main" val="3809351033"/>
-      </p:ext>
-    </p:extLst>
   </p:cSld>
   <p:clrMapOvr>
     <a:masterClrMapping/>
@@ -2042,26 +1823,14 @@
       </p:sp>
       <p:pic>
         <p:nvPicPr>
-          <p:cNvPr id="8" name="Picture 7" descr="A close up of a logo&#10;&#10;Description automatically generated">
-            <a:extLst>
-              <a:ext uri="{FF2B5EF4-FFF2-40B4-BE49-F238E27FC236}">
-                <a16:creationId xmlns:a16="http://schemas.microsoft.com/office/drawing/2014/main" id="{401895F3-6600-4703-81D0-F9299C9F68D8}"/>
-              </a:ext>
-            </a:extLst>
-          </p:cNvPr>
+          <p:cNvPr id="8" name="Picture 7" descr="A close up of a logo&#10;&#10;Description automatically generated"/>
           <p:cNvPicPr>
             <a:picLocks noChangeAspect="1"/>
           </p:cNvPicPr>
           <p:nvPr userDrawn="1"/>
         </p:nvPicPr>
         <p:blipFill>
-          <a:blip r:embed="rId2" cstate="email">
-            <a:extLst>
-              <a:ext uri="{28A0092B-C50C-407E-A947-70E740481C1C}">
-                <a14:useLocalDpi xmlns:a14="http://schemas.microsoft.com/office/drawing/2010/main"/>
-              </a:ext>
-            </a:extLst>
-          </a:blip>
+          <a:blip r:embed="rId2" cstate="email"/>
           <a:stretch>
             <a:fillRect/>
           </a:stretch>
@@ -2078,28 +1847,18 @@
       </p:pic>
       <p:pic>
         <p:nvPicPr>
-          <p:cNvPr id="9" name="Picture 8" descr="An old stone building&#10;&#10;Description automatically generated">
-            <a:extLst>
-              <a:ext uri="{FF2B5EF4-FFF2-40B4-BE49-F238E27FC236}">
-                <a16:creationId xmlns:a16="http://schemas.microsoft.com/office/drawing/2014/main" id="{D6DC994B-465B-994A-9B9B-E5E79BD746A0}"/>
-              </a:ext>
-            </a:extLst>
-          </p:cNvPr>
+          <p:cNvPr id="9" name="Picture 8" descr="An old stone building&#10;&#10;Description automatically generated"/>
           <p:cNvPicPr>
             <a:picLocks noChangeAspect="1"/>
           </p:cNvPicPr>
           <p:nvPr userDrawn="1"/>
         </p:nvPicPr>
         <p:blipFill rotWithShape="1">
-          <a:blip r:embed="rId3" cstate="email">
-            <a:extLst>
-              <a:ext uri="{28A0092B-C50C-407E-A947-70E740481C1C}">
-                <a14:useLocalDpi xmlns:a14="http://schemas.microsoft.com/office/drawing/2010/main"/>
-              </a:ext>
-            </a:extLst>
-          </a:blip>
+          <a:blip r:embed="rId3" cstate="email"/>
           <a:srcRect t="-4194" r="-2755" b="-1"/>
-          <a:stretch/>
+          <a:stretch>
+            <a:fillRect/>
+          </a:stretch>
         </p:blipFill>
         <p:spPr>
           <a:xfrm rot="16200000">
@@ -2113,13 +1872,7 @@
       </p:pic>
       <p:sp>
         <p:nvSpPr>
-          <p:cNvPr id="7" name="Title 8">
-            <a:extLst>
-              <a:ext uri="{FF2B5EF4-FFF2-40B4-BE49-F238E27FC236}">
-                <a16:creationId xmlns:a16="http://schemas.microsoft.com/office/drawing/2014/main" id="{EEEBB5D8-B3F6-8746-82B9-1A1950962D1B}"/>
-              </a:ext>
-            </a:extLst>
-          </p:cNvPr>
+          <p:cNvPr id="7" name="Title 8"/>
           <p:cNvSpPr>
             <a:spLocks noGrp="1"/>
           </p:cNvSpPr>
@@ -2145,7 +1898,7 @@
                   <a:srgbClr val="E64626"/>
                 </a:solidFill>
                 <a:latin typeface="+mj-lt"/>
-                <a:cs typeface="Arial" panose="020B0604020202020204" pitchFamily="34" charset="0"/>
+                <a:cs typeface="Arial" panose="020B0604020202090204" pitchFamily="34" charset="0"/>
               </a:defRPr>
             </a:lvl1pPr>
           </a:lstStyle>
@@ -2154,18 +1907,13 @@
               <a:rPr lang="en-US" dirty="0"/>
               <a:t>Click to edit Master title style</a:t>
             </a:r>
+            <a:endParaRPr lang="en-US" dirty="0"/>
           </a:p>
         </p:txBody>
       </p:sp>
       <p:sp>
         <p:nvSpPr>
-          <p:cNvPr id="12" name="Text Placeholder 4">
-            <a:extLst>
-              <a:ext uri="{FF2B5EF4-FFF2-40B4-BE49-F238E27FC236}">
-                <a16:creationId xmlns:a16="http://schemas.microsoft.com/office/drawing/2014/main" id="{E60780D3-67D5-A543-9998-77BA20446710}"/>
-              </a:ext>
-            </a:extLst>
-          </p:cNvPr>
+          <p:cNvPr id="12" name="Text Placeholder 4"/>
           <p:cNvSpPr>
             <a:spLocks noGrp="1"/>
           </p:cNvSpPr>
@@ -2217,6 +1965,7 @@
               <a:rPr lang="en-US" dirty="0"/>
               <a:t>Click to edit Master text styles</a:t>
             </a:r>
+            <a:endParaRPr lang="en-US" dirty="0"/>
           </a:p>
           <a:p>
             <a:pPr lvl="1"/>
@@ -2224,6 +1973,7 @@
               <a:rPr lang="en-US" dirty="0"/>
               <a:t>Second level</a:t>
             </a:r>
+            <a:endParaRPr lang="en-US" dirty="0"/>
           </a:p>
           <a:p>
             <a:pPr lvl="2"/>
@@ -2231,15 +1981,11 @@
               <a:rPr lang="en-US" dirty="0"/>
               <a:t>Third level</a:t>
             </a:r>
+            <a:endParaRPr lang="en-US" dirty="0"/>
           </a:p>
         </p:txBody>
       </p:sp>
     </p:spTree>
-    <p:extLst>
-      <p:ext uri="{BB962C8B-B14F-4D97-AF65-F5344CB8AC3E}">
-        <p14:creationId xmlns:p14="http://schemas.microsoft.com/office/powerpoint/2010/main" val="3296431246"/>
-      </p:ext>
-    </p:extLst>
   </p:cSld>
   <p:clrMapOvr>
     <a:masterClrMapping/>
@@ -2319,26 +2065,14 @@
       </p:sp>
       <p:pic>
         <p:nvPicPr>
-          <p:cNvPr id="8" name="Picture 7" descr="A close up of a logo&#10;&#10;Description automatically generated">
-            <a:extLst>
-              <a:ext uri="{FF2B5EF4-FFF2-40B4-BE49-F238E27FC236}">
-                <a16:creationId xmlns:a16="http://schemas.microsoft.com/office/drawing/2014/main" id="{E53D6B9D-DA9F-4DBB-A832-ADED78BEACFB}"/>
-              </a:ext>
-            </a:extLst>
-          </p:cNvPr>
+          <p:cNvPr id="8" name="Picture 7" descr="A close up of a logo&#10;&#10;Description automatically generated"/>
           <p:cNvPicPr>
             <a:picLocks noChangeAspect="1"/>
           </p:cNvPicPr>
           <p:nvPr userDrawn="1"/>
         </p:nvPicPr>
         <p:blipFill>
-          <a:blip r:embed="rId2" cstate="email">
-            <a:extLst>
-              <a:ext uri="{28A0092B-C50C-407E-A947-70E740481C1C}">
-                <a14:useLocalDpi xmlns:a14="http://schemas.microsoft.com/office/drawing/2010/main"/>
-              </a:ext>
-            </a:extLst>
-          </a:blip>
+          <a:blip r:embed="rId2" cstate="email"/>
           <a:stretch>
             <a:fillRect/>
           </a:stretch>
@@ -2355,28 +2089,18 @@
       </p:pic>
       <p:pic>
         <p:nvPicPr>
-          <p:cNvPr id="9" name="Picture 8" descr="A picture containing building, indoor, wall&#10;&#10;Description automatically generated">
-            <a:extLst>
-              <a:ext uri="{FF2B5EF4-FFF2-40B4-BE49-F238E27FC236}">
-                <a16:creationId xmlns:a16="http://schemas.microsoft.com/office/drawing/2014/main" id="{27B1F5B5-4B41-1F49-88EB-D146DE7759A4}"/>
-              </a:ext>
-            </a:extLst>
-          </p:cNvPr>
+          <p:cNvPr id="9" name="Picture 8" descr="A picture containing building, indoor, wall&#10;&#10;Description automatically generated"/>
           <p:cNvPicPr>
             <a:picLocks noChangeAspect="1"/>
           </p:cNvPicPr>
           <p:nvPr userDrawn="1"/>
         </p:nvPicPr>
         <p:blipFill rotWithShape="1">
-          <a:blip r:embed="rId3" cstate="email">
-            <a:extLst>
-              <a:ext uri="{28A0092B-C50C-407E-A947-70E740481C1C}">
-                <a14:useLocalDpi xmlns:a14="http://schemas.microsoft.com/office/drawing/2010/main"/>
-              </a:ext>
-            </a:extLst>
-          </a:blip>
+          <a:blip r:embed="rId3" cstate="email"/>
           <a:srcRect/>
-          <a:stretch/>
+          <a:stretch>
+            <a:fillRect/>
+          </a:stretch>
         </p:blipFill>
         <p:spPr>
           <a:xfrm>
@@ -2390,13 +2114,7 @@
       </p:pic>
       <p:sp>
         <p:nvSpPr>
-          <p:cNvPr id="7" name="Title 8">
-            <a:extLst>
-              <a:ext uri="{FF2B5EF4-FFF2-40B4-BE49-F238E27FC236}">
-                <a16:creationId xmlns:a16="http://schemas.microsoft.com/office/drawing/2014/main" id="{DFD74F92-37B3-394E-B202-29A8A37B31C6}"/>
-              </a:ext>
-            </a:extLst>
-          </p:cNvPr>
+          <p:cNvPr id="7" name="Title 8"/>
           <p:cNvSpPr>
             <a:spLocks noGrp="1"/>
           </p:cNvSpPr>
@@ -2422,7 +2140,7 @@
                   <a:srgbClr val="E64626"/>
                 </a:solidFill>
                 <a:latin typeface="+mj-lt"/>
-                <a:cs typeface="Arial" panose="020B0604020202020204" pitchFamily="34" charset="0"/>
+                <a:cs typeface="Arial" panose="020B0604020202090204" pitchFamily="34" charset="0"/>
               </a:defRPr>
             </a:lvl1pPr>
           </a:lstStyle>
@@ -2431,18 +2149,13 @@
               <a:rPr lang="en-US" dirty="0"/>
               <a:t>Click to edit Master title style</a:t>
             </a:r>
+            <a:endParaRPr lang="en-US" dirty="0"/>
           </a:p>
         </p:txBody>
       </p:sp>
       <p:sp>
         <p:nvSpPr>
-          <p:cNvPr id="12" name="Text Placeholder 4">
-            <a:extLst>
-              <a:ext uri="{FF2B5EF4-FFF2-40B4-BE49-F238E27FC236}">
-                <a16:creationId xmlns:a16="http://schemas.microsoft.com/office/drawing/2014/main" id="{03E6C43D-9388-3A4D-8A4D-386BB2AE3AF4}"/>
-              </a:ext>
-            </a:extLst>
-          </p:cNvPr>
+          <p:cNvPr id="12" name="Text Placeholder 4"/>
           <p:cNvSpPr>
             <a:spLocks noGrp="1"/>
           </p:cNvSpPr>
@@ -2494,6 +2207,7 @@
               <a:rPr lang="en-US" dirty="0"/>
               <a:t>Click to edit Master text styles</a:t>
             </a:r>
+            <a:endParaRPr lang="en-US" dirty="0"/>
           </a:p>
           <a:p>
             <a:pPr lvl="1"/>
@@ -2501,6 +2215,7 @@
               <a:rPr lang="en-US" dirty="0"/>
               <a:t>Second level</a:t>
             </a:r>
+            <a:endParaRPr lang="en-US" dirty="0"/>
           </a:p>
           <a:p>
             <a:pPr lvl="2"/>
@@ -2508,15 +2223,11 @@
               <a:rPr lang="en-US" dirty="0"/>
               <a:t>Third level</a:t>
             </a:r>
+            <a:endParaRPr lang="en-US" dirty="0"/>
           </a:p>
         </p:txBody>
       </p:sp>
     </p:spTree>
-    <p:extLst>
-      <p:ext uri="{BB962C8B-B14F-4D97-AF65-F5344CB8AC3E}">
-        <p14:creationId xmlns:p14="http://schemas.microsoft.com/office/powerpoint/2010/main" val="1111638978"/>
-      </p:ext>
-    </p:extLst>
   </p:cSld>
   <p:clrMapOvr>
     <a:masterClrMapping/>
@@ -2596,26 +2307,14 @@
       </p:sp>
       <p:pic>
         <p:nvPicPr>
-          <p:cNvPr id="8" name="Picture 7" descr="A close up of a logo&#10;&#10;Description automatically generated">
-            <a:extLst>
-              <a:ext uri="{FF2B5EF4-FFF2-40B4-BE49-F238E27FC236}">
-                <a16:creationId xmlns:a16="http://schemas.microsoft.com/office/drawing/2014/main" id="{A9AC8E03-D9CF-4419-A394-1206FE31243F}"/>
-              </a:ext>
-            </a:extLst>
-          </p:cNvPr>
+          <p:cNvPr id="8" name="Picture 7" descr="A close up of a logo&#10;&#10;Description automatically generated"/>
           <p:cNvPicPr>
             <a:picLocks noChangeAspect="1"/>
           </p:cNvPicPr>
           <p:nvPr userDrawn="1"/>
         </p:nvPicPr>
         <p:blipFill>
-          <a:blip r:embed="rId2" cstate="email">
-            <a:extLst>
-              <a:ext uri="{28A0092B-C50C-407E-A947-70E740481C1C}">
-                <a14:useLocalDpi xmlns:a14="http://schemas.microsoft.com/office/drawing/2010/main"/>
-              </a:ext>
-            </a:extLst>
-          </a:blip>
+          <a:blip r:embed="rId2" cstate="email"/>
           <a:stretch>
             <a:fillRect/>
           </a:stretch>
@@ -2632,28 +2331,18 @@
       </p:pic>
       <p:pic>
         <p:nvPicPr>
-          <p:cNvPr id="7" name="Picture 6" descr="A person standing in front of a building&#10;&#10;Description automatically generated">
-            <a:extLst>
-              <a:ext uri="{FF2B5EF4-FFF2-40B4-BE49-F238E27FC236}">
-                <a16:creationId xmlns:a16="http://schemas.microsoft.com/office/drawing/2014/main" id="{41A14488-47A9-A945-B125-A2DF5ABC69AA}"/>
-              </a:ext>
-            </a:extLst>
-          </p:cNvPr>
+          <p:cNvPr id="7" name="Picture 6" descr="A person standing in front of a building&#10;&#10;Description automatically generated"/>
           <p:cNvPicPr>
             <a:picLocks noChangeAspect="1"/>
           </p:cNvPicPr>
           <p:nvPr userDrawn="1"/>
         </p:nvPicPr>
         <p:blipFill rotWithShape="1">
-          <a:blip r:embed="rId3" cstate="email">
-            <a:extLst>
-              <a:ext uri="{28A0092B-C50C-407E-A947-70E740481C1C}">
-                <a14:useLocalDpi xmlns:a14="http://schemas.microsoft.com/office/drawing/2010/main"/>
-              </a:ext>
-            </a:extLst>
-          </a:blip>
+          <a:blip r:embed="rId3" cstate="email"/>
           <a:srcRect/>
-          <a:stretch/>
+          <a:stretch>
+            <a:fillRect/>
+          </a:stretch>
         </p:blipFill>
         <p:spPr>
           <a:xfrm>
@@ -2667,13 +2356,7 @@
       </p:pic>
       <p:sp>
         <p:nvSpPr>
-          <p:cNvPr id="9" name="Title 8">
-            <a:extLst>
-              <a:ext uri="{FF2B5EF4-FFF2-40B4-BE49-F238E27FC236}">
-                <a16:creationId xmlns:a16="http://schemas.microsoft.com/office/drawing/2014/main" id="{F461E885-3D24-3E49-B4F1-F3DFEC9F49E9}"/>
-              </a:ext>
-            </a:extLst>
-          </p:cNvPr>
+          <p:cNvPr id="9" name="Title 8"/>
           <p:cNvSpPr>
             <a:spLocks noGrp="1"/>
           </p:cNvSpPr>
@@ -2699,7 +2382,7 @@
                   <a:srgbClr val="E64626"/>
                 </a:solidFill>
                 <a:latin typeface="+mj-lt"/>
-                <a:cs typeface="Arial" panose="020B0604020202020204" pitchFamily="34" charset="0"/>
+                <a:cs typeface="Arial" panose="020B0604020202090204" pitchFamily="34" charset="0"/>
               </a:defRPr>
             </a:lvl1pPr>
           </a:lstStyle>
@@ -2708,18 +2391,13 @@
               <a:rPr lang="en-US" dirty="0"/>
               <a:t>Click to edit Master title style</a:t>
             </a:r>
+            <a:endParaRPr lang="en-US" dirty="0"/>
           </a:p>
         </p:txBody>
       </p:sp>
       <p:sp>
         <p:nvSpPr>
-          <p:cNvPr id="12" name="Text Placeholder 4">
-            <a:extLst>
-              <a:ext uri="{FF2B5EF4-FFF2-40B4-BE49-F238E27FC236}">
-                <a16:creationId xmlns:a16="http://schemas.microsoft.com/office/drawing/2014/main" id="{15566B4F-A041-714E-8C6B-B064CCCCFDF7}"/>
-              </a:ext>
-            </a:extLst>
-          </p:cNvPr>
+          <p:cNvPr id="12" name="Text Placeholder 4"/>
           <p:cNvSpPr>
             <a:spLocks noGrp="1"/>
           </p:cNvSpPr>
@@ -2771,6 +2449,7 @@
               <a:rPr lang="en-US" dirty="0"/>
               <a:t>Click to edit Master text styles</a:t>
             </a:r>
+            <a:endParaRPr lang="en-US" dirty="0"/>
           </a:p>
           <a:p>
             <a:pPr lvl="1"/>
@@ -2778,6 +2457,7 @@
               <a:rPr lang="en-US" dirty="0"/>
               <a:t>Second level</a:t>
             </a:r>
+            <a:endParaRPr lang="en-US" dirty="0"/>
           </a:p>
           <a:p>
             <a:pPr lvl="2"/>
@@ -2785,15 +2465,11 @@
               <a:rPr lang="en-US" dirty="0"/>
               <a:t>Third level</a:t>
             </a:r>
+            <a:endParaRPr lang="en-US" dirty="0"/>
           </a:p>
         </p:txBody>
       </p:sp>
     </p:spTree>
-    <p:extLst>
-      <p:ext uri="{BB962C8B-B14F-4D97-AF65-F5344CB8AC3E}">
-        <p14:creationId xmlns:p14="http://schemas.microsoft.com/office/powerpoint/2010/main" val="1827678181"/>
-      </p:ext>
-    </p:extLst>
   </p:cSld>
   <p:clrMapOvr>
     <a:masterClrMapping/>
@@ -2873,26 +2549,14 @@
       </p:sp>
       <p:pic>
         <p:nvPicPr>
-          <p:cNvPr id="7" name="Picture 6" descr="A close up of a logo&#10;&#10;Description automatically generated">
-            <a:extLst>
-              <a:ext uri="{FF2B5EF4-FFF2-40B4-BE49-F238E27FC236}">
-                <a16:creationId xmlns:a16="http://schemas.microsoft.com/office/drawing/2014/main" id="{396E9556-837F-4DA9-91CD-BD19A69947B1}"/>
-              </a:ext>
-            </a:extLst>
-          </p:cNvPr>
+          <p:cNvPr id="7" name="Picture 6" descr="A close up of a logo&#10;&#10;Description automatically generated"/>
           <p:cNvPicPr>
             <a:picLocks noChangeAspect="1"/>
           </p:cNvPicPr>
           <p:nvPr userDrawn="1"/>
         </p:nvPicPr>
         <p:blipFill>
-          <a:blip r:embed="rId2" cstate="email">
-            <a:extLst>
-              <a:ext uri="{28A0092B-C50C-407E-A947-70E740481C1C}">
-                <a14:useLocalDpi xmlns:a14="http://schemas.microsoft.com/office/drawing/2010/main"/>
-              </a:ext>
-            </a:extLst>
-          </a:blip>
+          <a:blip r:embed="rId2" cstate="email"/>
           <a:stretch>
             <a:fillRect/>
           </a:stretch>
@@ -2909,28 +2573,18 @@
       </p:pic>
       <p:pic>
         <p:nvPicPr>
-          <p:cNvPr id="6" name="Picture 5" descr="A sign on the side of a building&#10;&#10;Description automatically generated">
-            <a:extLst>
-              <a:ext uri="{FF2B5EF4-FFF2-40B4-BE49-F238E27FC236}">
-                <a16:creationId xmlns:a16="http://schemas.microsoft.com/office/drawing/2014/main" id="{5930A8DD-DC0F-AD49-94A8-52E7C1C378BC}"/>
-              </a:ext>
-            </a:extLst>
-          </p:cNvPr>
+          <p:cNvPr id="6" name="Picture 5" descr="A sign on the side of a building&#10;&#10;Description automatically generated"/>
           <p:cNvPicPr>
             <a:picLocks noChangeAspect="1"/>
           </p:cNvPicPr>
           <p:nvPr userDrawn="1"/>
         </p:nvPicPr>
         <p:blipFill rotWithShape="1">
-          <a:blip r:embed="rId3" cstate="email">
-            <a:extLst>
-              <a:ext uri="{28A0092B-C50C-407E-A947-70E740481C1C}">
-                <a14:useLocalDpi xmlns:a14="http://schemas.microsoft.com/office/drawing/2010/main"/>
-              </a:ext>
-            </a:extLst>
-          </a:blip>
+          <a:blip r:embed="rId3" cstate="email"/>
           <a:srcRect/>
-          <a:stretch/>
+          <a:stretch>
+            <a:fillRect/>
+          </a:stretch>
         </p:blipFill>
         <p:spPr>
           <a:xfrm>
@@ -2944,13 +2598,7 @@
       </p:pic>
       <p:sp>
         <p:nvSpPr>
-          <p:cNvPr id="8" name="Title 8">
-            <a:extLst>
-              <a:ext uri="{FF2B5EF4-FFF2-40B4-BE49-F238E27FC236}">
-                <a16:creationId xmlns:a16="http://schemas.microsoft.com/office/drawing/2014/main" id="{6A3B0B07-DCE3-B146-9B6A-3994B003FCF0}"/>
-              </a:ext>
-            </a:extLst>
-          </p:cNvPr>
+          <p:cNvPr id="8" name="Title 8"/>
           <p:cNvSpPr>
             <a:spLocks noGrp="1"/>
           </p:cNvSpPr>
@@ -2976,7 +2624,7 @@
                   <a:srgbClr val="E64626"/>
                 </a:solidFill>
                 <a:latin typeface="+mj-lt"/>
-                <a:cs typeface="Arial" panose="020B0604020202020204" pitchFamily="34" charset="0"/>
+                <a:cs typeface="Arial" panose="020B0604020202090204" pitchFamily="34" charset="0"/>
               </a:defRPr>
             </a:lvl1pPr>
           </a:lstStyle>
@@ -2985,18 +2633,13 @@
               <a:rPr lang="en-US" dirty="0"/>
               <a:t>Click to edit Master title style</a:t>
             </a:r>
+            <a:endParaRPr lang="en-US" dirty="0"/>
           </a:p>
         </p:txBody>
       </p:sp>
       <p:sp>
         <p:nvSpPr>
-          <p:cNvPr id="9" name="Text Placeholder 4">
-            <a:extLst>
-              <a:ext uri="{FF2B5EF4-FFF2-40B4-BE49-F238E27FC236}">
-                <a16:creationId xmlns:a16="http://schemas.microsoft.com/office/drawing/2014/main" id="{6C92D8F4-96A2-874D-BF99-4E97000C7B61}"/>
-              </a:ext>
-            </a:extLst>
-          </p:cNvPr>
+          <p:cNvPr id="9" name="Text Placeholder 4"/>
           <p:cNvSpPr>
             <a:spLocks noGrp="1"/>
           </p:cNvSpPr>
@@ -3048,6 +2691,7 @@
               <a:rPr lang="en-US" dirty="0"/>
               <a:t>Click to edit Master text styles</a:t>
             </a:r>
+            <a:endParaRPr lang="en-US" dirty="0"/>
           </a:p>
           <a:p>
             <a:pPr lvl="1"/>
@@ -3055,6 +2699,7 @@
               <a:rPr lang="en-US" dirty="0"/>
               <a:t>Second level</a:t>
             </a:r>
+            <a:endParaRPr lang="en-US" dirty="0"/>
           </a:p>
           <a:p>
             <a:pPr lvl="2"/>
@@ -3062,15 +2707,11 @@
               <a:rPr lang="en-US" dirty="0"/>
               <a:t>Third level</a:t>
             </a:r>
+            <a:endParaRPr lang="en-US" dirty="0"/>
           </a:p>
         </p:txBody>
       </p:sp>
     </p:spTree>
-    <p:extLst>
-      <p:ext uri="{BB962C8B-B14F-4D97-AF65-F5344CB8AC3E}">
-        <p14:creationId xmlns:p14="http://schemas.microsoft.com/office/powerpoint/2010/main" val="1705297901"/>
-      </p:ext>
-    </p:extLst>
   </p:cSld>
   <p:clrMapOvr>
     <a:masterClrMapping/>
@@ -3150,26 +2791,14 @@
       </p:sp>
       <p:pic>
         <p:nvPicPr>
-          <p:cNvPr id="7" name="Picture 6" descr="A close up of a logo&#10;&#10;Description automatically generated">
-            <a:extLst>
-              <a:ext uri="{FF2B5EF4-FFF2-40B4-BE49-F238E27FC236}">
-                <a16:creationId xmlns:a16="http://schemas.microsoft.com/office/drawing/2014/main" id="{396E9556-837F-4DA9-91CD-BD19A69947B1}"/>
-              </a:ext>
-            </a:extLst>
-          </p:cNvPr>
+          <p:cNvPr id="7" name="Picture 6" descr="A close up of a logo&#10;&#10;Description automatically generated"/>
           <p:cNvPicPr>
             <a:picLocks noChangeAspect="1"/>
           </p:cNvPicPr>
           <p:nvPr userDrawn="1"/>
         </p:nvPicPr>
         <p:blipFill>
-          <a:blip r:embed="rId2" cstate="email">
-            <a:extLst>
-              <a:ext uri="{28A0092B-C50C-407E-A947-70E740481C1C}">
-                <a14:useLocalDpi xmlns:a14="http://schemas.microsoft.com/office/drawing/2010/main"/>
-              </a:ext>
-            </a:extLst>
-          </a:blip>
+          <a:blip r:embed="rId2" cstate="email"/>
           <a:stretch>
             <a:fillRect/>
           </a:stretch>
@@ -3186,28 +2815,18 @@
       </p:pic>
       <p:pic>
         <p:nvPicPr>
-          <p:cNvPr id="9" name="Picture 8" descr="A picture containing indoor, cabinet, wall&#10;&#10;Description automatically generated">
-            <a:extLst>
-              <a:ext uri="{FF2B5EF4-FFF2-40B4-BE49-F238E27FC236}">
-                <a16:creationId xmlns:a16="http://schemas.microsoft.com/office/drawing/2014/main" id="{89702472-5231-D549-9CEF-FFE6B3F4016D}"/>
-              </a:ext>
-            </a:extLst>
-          </p:cNvPr>
+          <p:cNvPr id="9" name="Picture 8" descr="A picture containing indoor, cabinet, wall&#10;&#10;Description automatically generated"/>
           <p:cNvPicPr>
             <a:picLocks noChangeAspect="1"/>
           </p:cNvPicPr>
           <p:nvPr userDrawn="1"/>
         </p:nvPicPr>
         <p:blipFill rotWithShape="1">
-          <a:blip r:embed="rId3" cstate="email">
-            <a:extLst>
-              <a:ext uri="{28A0092B-C50C-407E-A947-70E740481C1C}">
-                <a14:useLocalDpi xmlns:a14="http://schemas.microsoft.com/office/drawing/2010/main"/>
-              </a:ext>
-            </a:extLst>
-          </a:blip>
+          <a:blip r:embed="rId3" cstate="email"/>
           <a:srcRect/>
-          <a:stretch/>
+          <a:stretch>
+            <a:fillRect/>
+          </a:stretch>
         </p:blipFill>
         <p:spPr>
           <a:xfrm>
@@ -3221,13 +2840,7 @@
       </p:pic>
       <p:sp>
         <p:nvSpPr>
-          <p:cNvPr id="8" name="Title 8">
-            <a:extLst>
-              <a:ext uri="{FF2B5EF4-FFF2-40B4-BE49-F238E27FC236}">
-                <a16:creationId xmlns:a16="http://schemas.microsoft.com/office/drawing/2014/main" id="{38858BE2-0703-F94C-AC5A-D375D26FEF69}"/>
-              </a:ext>
-            </a:extLst>
-          </p:cNvPr>
+          <p:cNvPr id="8" name="Title 8"/>
           <p:cNvSpPr>
             <a:spLocks noGrp="1"/>
           </p:cNvSpPr>
@@ -3253,7 +2866,7 @@
                   <a:srgbClr val="E64626"/>
                 </a:solidFill>
                 <a:latin typeface="+mj-lt"/>
-                <a:cs typeface="Arial" panose="020B0604020202020204" pitchFamily="34" charset="0"/>
+                <a:cs typeface="Arial" panose="020B0604020202090204" pitchFamily="34" charset="0"/>
               </a:defRPr>
             </a:lvl1pPr>
           </a:lstStyle>
@@ -3262,18 +2875,13 @@
               <a:rPr lang="en-US" dirty="0"/>
               <a:t>Click to edit Master title style</a:t>
             </a:r>
+            <a:endParaRPr lang="en-US" dirty="0"/>
           </a:p>
         </p:txBody>
       </p:sp>
       <p:sp>
         <p:nvSpPr>
-          <p:cNvPr id="12" name="Text Placeholder 4">
-            <a:extLst>
-              <a:ext uri="{FF2B5EF4-FFF2-40B4-BE49-F238E27FC236}">
-                <a16:creationId xmlns:a16="http://schemas.microsoft.com/office/drawing/2014/main" id="{131B73F3-BB2F-7649-9898-67A78F7247B8}"/>
-              </a:ext>
-            </a:extLst>
-          </p:cNvPr>
+          <p:cNvPr id="12" name="Text Placeholder 4"/>
           <p:cNvSpPr>
             <a:spLocks noGrp="1"/>
           </p:cNvSpPr>
@@ -3325,6 +2933,7 @@
               <a:rPr lang="en-US" dirty="0"/>
               <a:t>Click to edit Master text styles</a:t>
             </a:r>
+            <a:endParaRPr lang="en-US" dirty="0"/>
           </a:p>
           <a:p>
             <a:pPr lvl="1"/>
@@ -3332,6 +2941,7 @@
               <a:rPr lang="en-US" dirty="0"/>
               <a:t>Second level</a:t>
             </a:r>
+            <a:endParaRPr lang="en-US" dirty="0"/>
           </a:p>
           <a:p>
             <a:pPr lvl="2"/>
@@ -3339,15 +2949,11 @@
               <a:rPr lang="en-US" dirty="0"/>
               <a:t>Third level</a:t>
             </a:r>
+            <a:endParaRPr lang="en-US" dirty="0"/>
           </a:p>
         </p:txBody>
       </p:sp>
     </p:spTree>
-    <p:extLst>
-      <p:ext uri="{BB962C8B-B14F-4D97-AF65-F5344CB8AC3E}">
-        <p14:creationId xmlns:p14="http://schemas.microsoft.com/office/powerpoint/2010/main" val="1855301458"/>
-      </p:ext>
-    </p:extLst>
   </p:cSld>
   <p:clrMapOvr>
     <a:masterClrMapping/>
@@ -3472,26 +3078,14 @@
       </p:sp>
       <p:pic>
         <p:nvPicPr>
-          <p:cNvPr id="10" name="Picture 9" descr="A close up of a logo&#10;&#10;Description automatically generated">
-            <a:extLst>
-              <a:ext uri="{FF2B5EF4-FFF2-40B4-BE49-F238E27FC236}">
-                <a16:creationId xmlns:a16="http://schemas.microsoft.com/office/drawing/2014/main" id="{84F9BD62-11D8-462A-B64E-C30BAC85B36B}"/>
-              </a:ext>
-            </a:extLst>
-          </p:cNvPr>
+          <p:cNvPr id="10" name="Picture 9" descr="A close up of a logo&#10;&#10;Description automatically generated"/>
           <p:cNvPicPr>
             <a:picLocks noChangeAspect="1"/>
           </p:cNvPicPr>
           <p:nvPr userDrawn="1"/>
         </p:nvPicPr>
         <p:blipFill>
-          <a:blip r:embed="rId2" cstate="email">
-            <a:extLst>
-              <a:ext uri="{28A0092B-C50C-407E-A947-70E740481C1C}">
-                <a14:useLocalDpi xmlns:a14="http://schemas.microsoft.com/office/drawing/2010/main"/>
-              </a:ext>
-            </a:extLst>
-          </a:blip>
+          <a:blip r:embed="rId2" cstate="email"/>
           <a:stretch>
             <a:fillRect/>
           </a:stretch>
@@ -3508,13 +3102,7 @@
       </p:pic>
       <p:sp>
         <p:nvSpPr>
-          <p:cNvPr id="7" name="Title 8">
-            <a:extLst>
-              <a:ext uri="{FF2B5EF4-FFF2-40B4-BE49-F238E27FC236}">
-                <a16:creationId xmlns:a16="http://schemas.microsoft.com/office/drawing/2014/main" id="{4643FC5D-68CC-524A-A2AA-180E44A70BE1}"/>
-              </a:ext>
-            </a:extLst>
-          </p:cNvPr>
+          <p:cNvPr id="7" name="Title 8"/>
           <p:cNvSpPr>
             <a:spLocks noGrp="1"/>
           </p:cNvSpPr>
@@ -3540,7 +3128,7 @@
                   <a:srgbClr val="E64626"/>
                 </a:solidFill>
                 <a:latin typeface="+mj-lt"/>
-                <a:cs typeface="Arial" panose="020B0604020202020204" pitchFamily="34" charset="0"/>
+                <a:cs typeface="Arial" panose="020B0604020202090204" pitchFamily="34" charset="0"/>
               </a:defRPr>
             </a:lvl1pPr>
           </a:lstStyle>
@@ -3549,18 +3137,13 @@
               <a:rPr lang="en-US" dirty="0"/>
               <a:t>Click to edit Master title style</a:t>
             </a:r>
+            <a:endParaRPr lang="en-US" dirty="0"/>
           </a:p>
         </p:txBody>
       </p:sp>
       <p:sp>
         <p:nvSpPr>
-          <p:cNvPr id="11" name="Text Placeholder 4">
-            <a:extLst>
-              <a:ext uri="{FF2B5EF4-FFF2-40B4-BE49-F238E27FC236}">
-                <a16:creationId xmlns:a16="http://schemas.microsoft.com/office/drawing/2014/main" id="{4301ADD1-6AF0-EB4D-BFC7-6145C24D2B9A}"/>
-              </a:ext>
-            </a:extLst>
-          </p:cNvPr>
+          <p:cNvPr id="11" name="Text Placeholder 4"/>
           <p:cNvSpPr>
             <a:spLocks noGrp="1"/>
           </p:cNvSpPr>
@@ -3612,6 +3195,7 @@
               <a:rPr lang="en-US" dirty="0"/>
               <a:t>Click to edit Master text styles</a:t>
             </a:r>
+            <a:endParaRPr lang="en-US" dirty="0"/>
           </a:p>
           <a:p>
             <a:pPr lvl="1"/>
@@ -3619,6 +3203,7 @@
               <a:rPr lang="en-US" dirty="0"/>
               <a:t>Second level</a:t>
             </a:r>
+            <a:endParaRPr lang="en-US" dirty="0"/>
           </a:p>
           <a:p>
             <a:pPr lvl="2"/>
@@ -3626,15 +3211,11 @@
               <a:rPr lang="en-US" dirty="0"/>
               <a:t>Third level</a:t>
             </a:r>
+            <a:endParaRPr lang="en-US" dirty="0"/>
           </a:p>
         </p:txBody>
       </p:sp>
     </p:spTree>
-    <p:extLst>
-      <p:ext uri="{BB962C8B-B14F-4D97-AF65-F5344CB8AC3E}">
-        <p14:creationId xmlns:p14="http://schemas.microsoft.com/office/powerpoint/2010/main" val="535102347"/>
-      </p:ext>
-    </p:extLst>
   </p:cSld>
   <p:clrMapOvr>
     <a:masterClrMapping/>
@@ -3661,13 +3242,7 @@
       </p:grpSpPr>
       <p:sp>
         <p:nvSpPr>
-          <p:cNvPr id="12" name="Rectangle 11">
-            <a:extLst>
-              <a:ext uri="{FF2B5EF4-FFF2-40B4-BE49-F238E27FC236}">
-                <a16:creationId xmlns:a16="http://schemas.microsoft.com/office/drawing/2014/main" id="{C6464A0A-2E52-4325-8E9A-4FE513E8B588}"/>
-              </a:ext>
-            </a:extLst>
-          </p:cNvPr>
+          <p:cNvPr id="12" name="Rectangle 11"/>
           <p:cNvSpPr/>
           <p:nvPr userDrawn="1"/>
         </p:nvSpPr>
@@ -3720,26 +3295,14 @@
       </p:sp>
       <p:pic>
         <p:nvPicPr>
-          <p:cNvPr id="14" name="Picture 13" descr="A close up of a logo&#10;&#10;Description automatically generated">
-            <a:extLst>
-              <a:ext uri="{FF2B5EF4-FFF2-40B4-BE49-F238E27FC236}">
-                <a16:creationId xmlns:a16="http://schemas.microsoft.com/office/drawing/2014/main" id="{B1AC6F61-871E-4989-A8F8-D68037365963}"/>
-              </a:ext>
-            </a:extLst>
-          </p:cNvPr>
+          <p:cNvPr id="14" name="Picture 13" descr="A close up of a logo&#10;&#10;Description automatically generated"/>
           <p:cNvPicPr>
             <a:picLocks noChangeAspect="1"/>
           </p:cNvPicPr>
           <p:nvPr userDrawn="1"/>
         </p:nvPicPr>
         <p:blipFill>
-          <a:blip r:embed="rId2" cstate="email">
-            <a:extLst>
-              <a:ext uri="{28A0092B-C50C-407E-A947-70E740481C1C}">
-                <a14:useLocalDpi xmlns:a14="http://schemas.microsoft.com/office/drawing/2010/main"/>
-              </a:ext>
-            </a:extLst>
-          </a:blip>
+          <a:blip r:embed="rId2" cstate="email"/>
           <a:stretch>
             <a:fillRect/>
           </a:stretch>
@@ -3756,28 +3319,18 @@
       </p:pic>
       <p:pic>
         <p:nvPicPr>
-          <p:cNvPr id="11" name="Picture 10" descr="A view of a city street&#10;&#10;Description automatically generated">
-            <a:extLst>
-              <a:ext uri="{FF2B5EF4-FFF2-40B4-BE49-F238E27FC236}">
-                <a16:creationId xmlns:a16="http://schemas.microsoft.com/office/drawing/2014/main" id="{2B220021-3B22-7E45-9076-398C1519C99B}"/>
-              </a:ext>
-            </a:extLst>
-          </p:cNvPr>
+          <p:cNvPr id="11" name="Picture 10" descr="A view of a city street&#10;&#10;Description automatically generated"/>
           <p:cNvPicPr>
             <a:picLocks noChangeAspect="1"/>
           </p:cNvPicPr>
           <p:nvPr userDrawn="1"/>
         </p:nvPicPr>
         <p:blipFill rotWithShape="1">
-          <a:blip r:embed="rId3" cstate="email">
-            <a:extLst>
-              <a:ext uri="{28A0092B-C50C-407E-A947-70E740481C1C}">
-                <a14:useLocalDpi xmlns:a14="http://schemas.microsoft.com/office/drawing/2010/main"/>
-              </a:ext>
-            </a:extLst>
-          </a:blip>
+          <a:blip r:embed="rId3" cstate="email"/>
           <a:srcRect/>
-          <a:stretch/>
+          <a:stretch>
+            <a:fillRect/>
+          </a:stretch>
         </p:blipFill>
         <p:spPr>
           <a:xfrm>
@@ -3791,13 +3344,7 @@
       </p:pic>
       <p:sp>
         <p:nvSpPr>
-          <p:cNvPr id="7" name="Title 8">
-            <a:extLst>
-              <a:ext uri="{FF2B5EF4-FFF2-40B4-BE49-F238E27FC236}">
-                <a16:creationId xmlns:a16="http://schemas.microsoft.com/office/drawing/2014/main" id="{C79F5080-F28E-F44F-9B25-C31F7F3A1F4B}"/>
-              </a:ext>
-            </a:extLst>
-          </p:cNvPr>
+          <p:cNvPr id="7" name="Title 8"/>
           <p:cNvSpPr>
             <a:spLocks noGrp="1"/>
           </p:cNvSpPr>
@@ -3823,7 +3370,7 @@
                   <a:schemeClr val="bg1"/>
                 </a:solidFill>
                 <a:latin typeface="+mj-lt"/>
-                <a:cs typeface="Arial" panose="020B0604020202020204" pitchFamily="34" charset="0"/>
+                <a:cs typeface="Arial" panose="020B0604020202090204" pitchFamily="34" charset="0"/>
               </a:defRPr>
             </a:lvl1pPr>
           </a:lstStyle>
@@ -3832,18 +3379,13 @@
               <a:rPr lang="en-US" dirty="0"/>
               <a:t>Click to edit Master title style</a:t>
             </a:r>
+            <a:endParaRPr lang="en-US" dirty="0"/>
           </a:p>
         </p:txBody>
       </p:sp>
       <p:sp>
         <p:nvSpPr>
-          <p:cNvPr id="9" name="Text Placeholder 4">
-            <a:extLst>
-              <a:ext uri="{FF2B5EF4-FFF2-40B4-BE49-F238E27FC236}">
-                <a16:creationId xmlns:a16="http://schemas.microsoft.com/office/drawing/2014/main" id="{C7867AF6-A955-C34B-B908-6464AA12DD26}"/>
-              </a:ext>
-            </a:extLst>
-          </p:cNvPr>
+          <p:cNvPr id="9" name="Text Placeholder 4"/>
           <p:cNvSpPr>
             <a:spLocks noGrp="1"/>
           </p:cNvSpPr>
@@ -3895,6 +3437,7 @@
               <a:rPr lang="en-US" dirty="0"/>
               <a:t>Click to edit Master text styles</a:t>
             </a:r>
+            <a:endParaRPr lang="en-US" dirty="0"/>
           </a:p>
           <a:p>
             <a:pPr lvl="1"/>
@@ -3902,6 +3445,7 @@
               <a:rPr lang="en-US" dirty="0"/>
               <a:t>Second level</a:t>
             </a:r>
+            <a:endParaRPr lang="en-US" dirty="0"/>
           </a:p>
           <a:p>
             <a:pPr lvl="2"/>
@@ -3909,15 +3453,11 @@
               <a:rPr lang="en-US" dirty="0"/>
               <a:t>Third level</a:t>
             </a:r>
+            <a:endParaRPr lang="en-US" dirty="0"/>
           </a:p>
         </p:txBody>
       </p:sp>
     </p:spTree>
-    <p:extLst>
-      <p:ext uri="{BB962C8B-B14F-4D97-AF65-F5344CB8AC3E}">
-        <p14:creationId xmlns:p14="http://schemas.microsoft.com/office/powerpoint/2010/main" val="2657332968"/>
-      </p:ext>
-    </p:extLst>
   </p:cSld>
   <p:clrMapOvr>
     <a:masterClrMapping/>
@@ -3944,13 +3484,7 @@
       </p:grpSpPr>
       <p:sp>
         <p:nvSpPr>
-          <p:cNvPr id="2" name="Title 1">
-            <a:extLst>
-              <a:ext uri="{FF2B5EF4-FFF2-40B4-BE49-F238E27FC236}">
-                <a16:creationId xmlns:a16="http://schemas.microsoft.com/office/drawing/2014/main" id="{2D683605-FFBB-DF40-9F65-A763316E8C46}"/>
-              </a:ext>
-            </a:extLst>
-          </p:cNvPr>
+          <p:cNvPr id="2" name="Title 1"/>
           <p:cNvSpPr>
             <a:spLocks noGrp="1"/>
           </p:cNvSpPr>
@@ -3972,18 +3506,13 @@
               <a:rPr lang="en-US" dirty="0"/>
               <a:t>Click to edit Master title style</a:t>
             </a:r>
+            <a:endParaRPr lang="en-US" dirty="0"/>
           </a:p>
         </p:txBody>
       </p:sp>
       <p:sp>
         <p:nvSpPr>
-          <p:cNvPr id="3" name="Content Placeholder 2">
-            <a:extLst>
-              <a:ext uri="{FF2B5EF4-FFF2-40B4-BE49-F238E27FC236}">
-                <a16:creationId xmlns:a16="http://schemas.microsoft.com/office/drawing/2014/main" id="{9E38F0D4-8996-1340-9692-21C5B4DC5D31}"/>
-              </a:ext>
-            </a:extLst>
-          </p:cNvPr>
+          <p:cNvPr id="3" name="Content Placeholder 2"/>
           <p:cNvSpPr>
             <a:spLocks noGrp="1"/>
           </p:cNvSpPr>
@@ -4019,6 +3548,9 @@
               </a:rPr>
               <a:t>Sub-heading bold… 24pt</a:t>
             </a:r>
+            <a:endParaRPr lang="en-US" b="1" dirty="0">
+              <a:ea typeface="+mn-ea"/>
+            </a:endParaRPr>
           </a:p>
           <a:p>
             <a:pPr fontAlgn="auto">
@@ -4036,13 +3568,19 @@
               </a:rPr>
               <a:t>Body copy… 24pt</a:t>
             </a:r>
+            <a:endParaRPr lang="en-US" dirty="0">
+              <a:solidFill>
+                <a:prstClr val="black"/>
+              </a:solidFill>
+              <a:ea typeface="+mn-ea"/>
+            </a:endParaRPr>
           </a:p>
           <a:p>
             <a:pPr fontAlgn="auto">
               <a:spcAft>
                 <a:spcPts val="450"/>
               </a:spcAft>
-              <a:buFont typeface="Lucida Grande"/>
+              <a:buFont typeface="Lucida Grande" panose="020B0600040502020204"/>
               <a:buChar char="–"/>
               <a:defRPr/>
             </a:pPr>
@@ -4055,28 +3593,22 @@
               </a:rPr>
               <a:t>Bullet point… 24pt</a:t>
             </a:r>
+            <a:endParaRPr lang="en-US" dirty="0">
+              <a:solidFill>
+                <a:prstClr val="black"/>
+              </a:solidFill>
+              <a:ea typeface="+mn-ea"/>
+            </a:endParaRPr>
           </a:p>
         </p:txBody>
       </p:sp>
       <p:graphicFrame>
         <p:nvGraphicFramePr>
-          <p:cNvPr id="4" name="Table 3">
-            <a:extLst>
-              <a:ext uri="{FF2B5EF4-FFF2-40B4-BE49-F238E27FC236}">
-                <a16:creationId xmlns:a16="http://schemas.microsoft.com/office/drawing/2014/main" id="{53F5080A-DFFE-664C-B514-2BB0E750C953}"/>
-              </a:ext>
-            </a:extLst>
-          </p:cNvPr>
+          <p:cNvPr id="4" name="Table 3"/>
           <p:cNvGraphicFramePr>
             <a:graphicFrameLocks noGrp="1"/>
           </p:cNvGraphicFramePr>
-          <p:nvPr userDrawn="1">
-            <p:extLst>
-              <p:ext uri="{D42A27DB-BD31-4B8C-83A1-F6EECF244321}">
-                <p14:modId xmlns:p14="http://schemas.microsoft.com/office/powerpoint/2010/main" val="2959288708"/>
-              </p:ext>
-            </p:extLst>
-          </p:nvPr>
+          <p:nvPr userDrawn="1"/>
         </p:nvGraphicFramePr>
         <p:xfrm>
           <a:off x="358774" y="2422923"/>
@@ -4089,27 +3621,9 @@
                 <a:tableStyleId>{0660B408-B3CF-4A94-85FC-2B1E0A45F4A2}</a:tableStyleId>
               </a:tblPr>
               <a:tblGrid>
-                <a:gridCol w="2808816">
-                  <a:extLst>
-                    <a:ext uri="{9D8B030D-6E8A-4147-A177-3AD203B41FA5}">
-                      <a16:colId xmlns:a16="http://schemas.microsoft.com/office/drawing/2014/main" val="20000"/>
-                    </a:ext>
-                  </a:extLst>
-                </a:gridCol>
-                <a:gridCol w="2808816">
-                  <a:extLst>
-                    <a:ext uri="{9D8B030D-6E8A-4147-A177-3AD203B41FA5}">
-                      <a16:colId xmlns:a16="http://schemas.microsoft.com/office/drawing/2014/main" val="20001"/>
-                    </a:ext>
-                  </a:extLst>
-                </a:gridCol>
-                <a:gridCol w="2808816">
-                  <a:extLst>
-                    <a:ext uri="{9D8B030D-6E8A-4147-A177-3AD203B41FA5}">
-                      <a16:colId xmlns:a16="http://schemas.microsoft.com/office/drawing/2014/main" val="20002"/>
-                    </a:ext>
-                  </a:extLst>
-                </a:gridCol>
+                <a:gridCol w="2808816"/>
+                <a:gridCol w="2808816"/>
+                <a:gridCol w="2808816"/>
               </a:tblGrid>
               <a:tr h="251460">
                 <a:tc>
@@ -4171,7 +3685,6 @@
                         <a:buSzTx/>
                         <a:buFontTx/>
                         <a:buNone/>
-                        <a:tabLst/>
                         <a:defRPr/>
                       </a:pPr>
                       <a:r>
@@ -4228,7 +3741,6 @@
                         <a:buSzTx/>
                         <a:buFontTx/>
                         <a:buNone/>
-                        <a:tabLst/>
                         <a:defRPr/>
                       </a:pPr>
                       <a:r>
@@ -4266,11 +3778,6 @@
                     </a:solidFill>
                   </a:tcPr>
                 </a:tc>
-                <a:extLst>
-                  <a:ext uri="{0D108BD9-81ED-4DB2-BD59-A6C34878D82A}">
-                    <a16:rowId xmlns:a16="http://schemas.microsoft.com/office/drawing/2014/main" val="10000"/>
-                  </a:ext>
-                </a:extLst>
               </a:tr>
               <a:tr h="251460">
                 <a:tc>
@@ -4278,7 +3785,7 @@
                     <a:bodyPr/>
                     <a:lstStyle/>
                     <a:p>
-                      <a:pPr marL="0" marR="0" indent="0" algn="l" defTabSz="457187" rtl="0" eaLnBrk="1" fontAlgn="auto" latinLnBrk="0" hangingPunct="1">
+                      <a:pPr marL="0" marR="0" indent="0" algn="l" defTabSz="456565" rtl="0" eaLnBrk="1" fontAlgn="auto" latinLnBrk="0" hangingPunct="1">
                         <a:lnSpc>
                           <a:spcPct val="100000"/>
                         </a:lnSpc>
@@ -4292,7 +3799,6 @@
                         <a:buSzTx/>
                         <a:buFontTx/>
                         <a:buNone/>
-                        <a:tabLst/>
                         <a:defRPr/>
                       </a:pPr>
                       <a:r>
@@ -4341,7 +3847,7 @@
                     <a:bodyPr/>
                     <a:lstStyle/>
                     <a:p>
-                      <a:pPr marL="0" marR="0" indent="0" algn="l" defTabSz="457187" rtl="0" eaLnBrk="1" fontAlgn="auto" latinLnBrk="0" hangingPunct="1">
+                      <a:pPr marL="0" marR="0" indent="0" algn="l" defTabSz="456565" rtl="0" eaLnBrk="1" fontAlgn="auto" latinLnBrk="0" hangingPunct="1">
                         <a:lnSpc>
                           <a:spcPct val="100000"/>
                         </a:lnSpc>
@@ -4355,7 +3861,6 @@
                         <a:buSzTx/>
                         <a:buFontTx/>
                         <a:buNone/>
-                        <a:tabLst/>
                         <a:defRPr/>
                       </a:pPr>
                       <a:endParaRPr lang="en-US" sz="2400" dirty="0">
@@ -4390,7 +3895,7 @@
                     <a:bodyPr/>
                     <a:lstStyle/>
                     <a:p>
-                      <a:pPr marL="0" marR="0" indent="0" algn="l" defTabSz="457187" rtl="0" eaLnBrk="1" fontAlgn="auto" latinLnBrk="0" hangingPunct="1">
+                      <a:pPr marL="0" marR="0" indent="0" algn="l" defTabSz="456565" rtl="0" eaLnBrk="1" fontAlgn="auto" latinLnBrk="0" hangingPunct="1">
                         <a:lnSpc>
                           <a:spcPct val="100000"/>
                         </a:lnSpc>
@@ -4404,7 +3909,6 @@
                         <a:buSzTx/>
                         <a:buFontTx/>
                         <a:buNone/>
-                        <a:tabLst/>
                         <a:defRPr/>
                       </a:pPr>
                       <a:endParaRPr lang="en-US" sz="2400" dirty="0">
@@ -4434,11 +3938,6 @@
                     </a:lnB>
                   </a:tcPr>
                 </a:tc>
-                <a:extLst>
-                  <a:ext uri="{0D108BD9-81ED-4DB2-BD59-A6C34878D82A}">
-                    <a16:rowId xmlns:a16="http://schemas.microsoft.com/office/drawing/2014/main" val="10001"/>
-                  </a:ext>
-                </a:extLst>
               </a:tr>
               <a:tr h="251460">
                 <a:tc>
@@ -4453,6 +3952,10 @@
                         </a:rPr>
                         <a:t>xxx</a:t>
                       </a:r>
+                      <a:endParaRPr lang="en-US" sz="2400" dirty="0">
+                        <a:latin typeface="Tw Cen MT"/>
+                        <a:cs typeface="Tw Cen MT"/>
+                      </a:endParaRPr>
                     </a:p>
                   </a:txBody>
                   <a:tcPr marL="68580" marR="68580" marT="34290" marB="34290">
@@ -4540,11 +4043,6 @@
                     </a:lnB>
                   </a:tcPr>
                 </a:tc>
-                <a:extLst>
-                  <a:ext uri="{0D108BD9-81ED-4DB2-BD59-A6C34878D82A}">
-                    <a16:rowId xmlns:a16="http://schemas.microsoft.com/office/drawing/2014/main" val="10002"/>
-                  </a:ext>
-                </a:extLst>
               </a:tr>
               <a:tr h="251460">
                 <a:tc>
@@ -4559,6 +4057,10 @@
                         </a:rPr>
                         <a:t>xxx</a:t>
                       </a:r>
+                      <a:endParaRPr lang="en-US" sz="2400" dirty="0">
+                        <a:latin typeface="Tw Cen MT"/>
+                        <a:cs typeface="Tw Cen MT"/>
+                      </a:endParaRPr>
                     </a:p>
                   </a:txBody>
                   <a:tcPr marL="68580" marR="68580" marT="34290" marB="34290">
@@ -4646,11 +4148,6 @@
                     </a:lnB>
                   </a:tcPr>
                 </a:tc>
-                <a:extLst>
-                  <a:ext uri="{0D108BD9-81ED-4DB2-BD59-A6C34878D82A}">
-                    <a16:rowId xmlns:a16="http://schemas.microsoft.com/office/drawing/2014/main" val="10003"/>
-                  </a:ext>
-                </a:extLst>
               </a:tr>
               <a:tr h="251460">
                 <a:tc>
@@ -4665,6 +4162,10 @@
                         </a:rPr>
                         <a:t>xxx</a:t>
                       </a:r>
+                      <a:endParaRPr lang="en-US" sz="2400" dirty="0">
+                        <a:latin typeface="Tw Cen MT"/>
+                        <a:cs typeface="Tw Cen MT"/>
+                      </a:endParaRPr>
                     </a:p>
                   </a:txBody>
                   <a:tcPr marL="68580" marR="68580" marT="34290" marB="34290">
@@ -4725,22 +4226,12 @@
                     </a:lnT>
                   </a:tcPr>
                 </a:tc>
-                <a:extLst>
-                  <a:ext uri="{0D108BD9-81ED-4DB2-BD59-A6C34878D82A}">
-                    <a16:rowId xmlns:a16="http://schemas.microsoft.com/office/drawing/2014/main" val="10004"/>
-                  </a:ext>
-                </a:extLst>
               </a:tr>
             </a:tbl>
           </a:graphicData>
         </a:graphic>
       </p:graphicFrame>
     </p:spTree>
-    <p:extLst>
-      <p:ext uri="{BB962C8B-B14F-4D97-AF65-F5344CB8AC3E}">
-        <p14:creationId xmlns:p14="http://schemas.microsoft.com/office/powerpoint/2010/main" val="1703555224"/>
-      </p:ext>
-    </p:extLst>
   </p:cSld>
   <p:clrMapOvr>
     <a:masterClrMapping/>
@@ -4793,11 +4284,11 @@
               </a:lnSpc>
               <a:defRPr/>
             </a:lvl1pPr>
-            <a:lvl2pPr marL="557213" indent="-214313">
+            <a:lvl2pPr marL="557530" indent="-214630">
               <a:lnSpc>
                 <a:spcPct val="90000"/>
               </a:lnSpc>
-              <a:buFont typeface="Lucida Grande"/>
+              <a:buFont typeface="Lucida Grande" panose="020B0600040502020204"/>
               <a:buChar char="–"/>
               <a:defRPr sz="2400"/>
             </a:lvl2pPr>
@@ -4814,6 +4305,7 @@
               <a:rPr lang="en-US" dirty="0"/>
               <a:t>Click to edit Master text styles</a:t>
             </a:r>
+            <a:endParaRPr lang="en-US" dirty="0"/>
           </a:p>
           <a:p>
             <a:pPr lvl="1"/>
@@ -4821,6 +4313,7 @@
               <a:rPr lang="en-US" dirty="0"/>
               <a:t>Second level</a:t>
             </a:r>
+            <a:endParaRPr lang="en-US" dirty="0"/>
           </a:p>
           <a:p>
             <a:pPr lvl="2"/>
@@ -4828,18 +4321,13 @@
               <a:rPr lang="en-US" dirty="0"/>
               <a:t>Third level</a:t>
             </a:r>
+            <a:endParaRPr lang="en-US" dirty="0"/>
           </a:p>
         </p:txBody>
       </p:sp>
       <p:sp>
         <p:nvSpPr>
-          <p:cNvPr id="5" name="Title Placeholder 1">
-            <a:extLst>
-              <a:ext uri="{FF2B5EF4-FFF2-40B4-BE49-F238E27FC236}">
-                <a16:creationId xmlns:a16="http://schemas.microsoft.com/office/drawing/2014/main" id="{63D16220-4F50-6A45-8A5C-0AB56F7CE96C}"/>
-              </a:ext>
-            </a:extLst>
-          </p:cNvPr>
+          <p:cNvPr id="5" name="Title Placeholder 1"/>
           <p:cNvSpPr>
             <a:spLocks noGrp="1"/>
           </p:cNvSpPr>
@@ -4859,35 +4347,9 @@
           <a:ln>
             <a:noFill/>
           </a:ln>
-          <a:extLst>
-            <a:ext uri="{909E8E84-426E-40dd-AFC4-6F175D3DCCD1}">
-              <a14:hiddenFill xmlns="" xmlns:a14="http://schemas.microsoft.com/office/drawing/2010/main">
-                <a:solidFill>
-                  <a:srgbClr val="FFFFFF"/>
-                </a:solidFill>
-              </a14:hiddenFill>
-            </a:ext>
-            <a:ext uri="{91240B29-F687-4f45-9708-019B960494DF}">
-              <a14:hiddenLine xmlns="" xmlns:a14="http://schemas.microsoft.com/office/drawing/2010/main" w="9525">
-                <a:solidFill>
-                  <a:srgbClr val="000000"/>
-                </a:solidFill>
-                <a:miter lim="800000"/>
-                <a:headEnd/>
-                <a:tailEnd/>
-              </a14:hiddenLine>
-            </a:ext>
-            <a:ext uri="{FAA26D3D-D897-4be2-8F04-BA451C77F1D7}">
-              <ma14:placeholderFlag xmlns="" xmlns:ma14="http://schemas.microsoft.com/office/mac/drawingml/2011/main" val="1"/>
-            </a:ext>
-          </a:extLst>
         </p:spPr>
         <p:txBody>
-          <a:bodyPr vert="horz" wrap="square" lIns="0" tIns="0" rIns="0" bIns="0" numCol="1" anchor="t" anchorCtr="0" compatLnSpc="1">
-            <a:prstTxWarp prst="textNoShape">
-              <a:avLst/>
-            </a:prstTxWarp>
-          </a:bodyPr>
+          <a:bodyPr vert="horz" wrap="square" lIns="0" tIns="0" rIns="0" bIns="0" numCol="1" anchor="t" anchorCtr="0" compatLnSpc="1"/>
           <a:lstStyle/>
           <a:p>
             <a:pPr lvl="0"/>
@@ -4895,15 +4357,11 @@
               <a:rPr lang="en-US" dirty="0"/>
               <a:t>Insert slide title </a:t>
             </a:r>
+            <a:endParaRPr lang="en-US" dirty="0"/>
           </a:p>
         </p:txBody>
       </p:sp>
     </p:spTree>
-    <p:extLst>
-      <p:ext uri="{BB962C8B-B14F-4D97-AF65-F5344CB8AC3E}">
-        <p14:creationId xmlns:p14="http://schemas.microsoft.com/office/powerpoint/2010/main" val="1180499330"/>
-      </p:ext>
-    </p:extLst>
   </p:cSld>
   <p:clrMapOvr>
     <a:masterClrMapping/>
@@ -4930,13 +4388,7 @@
       </p:grpSpPr>
       <p:sp>
         <p:nvSpPr>
-          <p:cNvPr id="5" name="Title Placeholder 1">
-            <a:extLst>
-              <a:ext uri="{FF2B5EF4-FFF2-40B4-BE49-F238E27FC236}">
-                <a16:creationId xmlns:a16="http://schemas.microsoft.com/office/drawing/2014/main" id="{70A60416-C836-0E45-976A-13A986DE89E8}"/>
-              </a:ext>
-            </a:extLst>
-          </p:cNvPr>
+          <p:cNvPr id="5" name="Title Placeholder 1"/>
           <p:cNvSpPr>
             <a:spLocks noGrp="1"/>
           </p:cNvSpPr>
@@ -4956,35 +4408,9 @@
           <a:ln>
             <a:noFill/>
           </a:ln>
-          <a:extLst>
-            <a:ext uri="{909E8E84-426E-40dd-AFC4-6F175D3DCCD1}">
-              <a14:hiddenFill xmlns="" xmlns:a14="http://schemas.microsoft.com/office/drawing/2010/main">
-                <a:solidFill>
-                  <a:srgbClr val="FFFFFF"/>
-                </a:solidFill>
-              </a14:hiddenFill>
-            </a:ext>
-            <a:ext uri="{91240B29-F687-4f45-9708-019B960494DF}">
-              <a14:hiddenLine xmlns="" xmlns:a14="http://schemas.microsoft.com/office/drawing/2010/main" w="9525">
-                <a:solidFill>
-                  <a:srgbClr val="000000"/>
-                </a:solidFill>
-                <a:miter lim="800000"/>
-                <a:headEnd/>
-                <a:tailEnd/>
-              </a14:hiddenLine>
-            </a:ext>
-            <a:ext uri="{FAA26D3D-D897-4be2-8F04-BA451C77F1D7}">
-              <ma14:placeholderFlag xmlns="" xmlns:ma14="http://schemas.microsoft.com/office/mac/drawingml/2011/main" val="1"/>
-            </a:ext>
-          </a:extLst>
         </p:spPr>
         <p:txBody>
-          <a:bodyPr vert="horz" wrap="square" lIns="0" tIns="0" rIns="0" bIns="0" numCol="1" anchor="t" anchorCtr="0" compatLnSpc="1">
-            <a:prstTxWarp prst="textNoShape">
-              <a:avLst/>
-            </a:prstTxWarp>
-          </a:bodyPr>
+          <a:bodyPr vert="horz" wrap="square" lIns="0" tIns="0" rIns="0" bIns="0" numCol="1" anchor="t" anchorCtr="0" compatLnSpc="1"/>
           <a:lstStyle/>
           <a:p>
             <a:pPr lvl="0"/>
@@ -4992,18 +4418,13 @@
               <a:rPr lang="en-US" dirty="0"/>
               <a:t>Insert slide title</a:t>
             </a:r>
+            <a:endParaRPr lang="en-US" dirty="0"/>
           </a:p>
         </p:txBody>
       </p:sp>
       <p:sp>
         <p:nvSpPr>
-          <p:cNvPr id="7" name="Content Placeholder 2">
-            <a:extLst>
-              <a:ext uri="{FF2B5EF4-FFF2-40B4-BE49-F238E27FC236}">
-                <a16:creationId xmlns:a16="http://schemas.microsoft.com/office/drawing/2014/main" id="{8337E35D-E929-4CDD-AFA3-DDA5D95A9F9F}"/>
-              </a:ext>
-            </a:extLst>
-          </p:cNvPr>
+          <p:cNvPr id="7" name="Content Placeholder 2"/>
           <p:cNvSpPr>
             <a:spLocks noGrp="1"/>
           </p:cNvSpPr>
@@ -5059,6 +4480,7 @@
               <a:rPr lang="en-US" dirty="0"/>
               <a:t>Click to edit Master text styles</a:t>
             </a:r>
+            <a:endParaRPr lang="en-US" dirty="0"/>
           </a:p>
           <a:p>
             <a:pPr lvl="1"/>
@@ -5066,6 +4488,7 @@
               <a:rPr lang="en-US" dirty="0"/>
               <a:t>Second level</a:t>
             </a:r>
+            <a:endParaRPr lang="en-US" dirty="0"/>
           </a:p>
           <a:p>
             <a:pPr lvl="2"/>
@@ -5073,18 +4496,13 @@
               <a:rPr lang="en-US" dirty="0"/>
               <a:t>Third level</a:t>
             </a:r>
+            <a:endParaRPr lang="en-US" dirty="0"/>
           </a:p>
         </p:txBody>
       </p:sp>
       <p:sp>
         <p:nvSpPr>
-          <p:cNvPr id="9" name="Content Placeholder 3">
-            <a:extLst>
-              <a:ext uri="{FF2B5EF4-FFF2-40B4-BE49-F238E27FC236}">
-                <a16:creationId xmlns:a16="http://schemas.microsoft.com/office/drawing/2014/main" id="{DBCD8866-5C79-4769-B022-E56134A505BB}"/>
-              </a:ext>
-            </a:extLst>
-          </p:cNvPr>
+          <p:cNvPr id="9" name="Content Placeholder 3"/>
           <p:cNvSpPr>
             <a:spLocks noGrp="1"/>
           </p:cNvSpPr>
@@ -5140,6 +4558,7 @@
               <a:rPr lang="en-US" dirty="0"/>
               <a:t>Click to edit Master text styles</a:t>
             </a:r>
+            <a:endParaRPr lang="en-US" dirty="0"/>
           </a:p>
           <a:p>
             <a:pPr lvl="1"/>
@@ -5147,6 +4566,7 @@
               <a:rPr lang="en-US" dirty="0"/>
               <a:t>Second level</a:t>
             </a:r>
+            <a:endParaRPr lang="en-US" dirty="0"/>
           </a:p>
           <a:p>
             <a:pPr lvl="2"/>
@@ -5154,15 +4574,11 @@
               <a:rPr lang="en-US" dirty="0"/>
               <a:t>Third level</a:t>
             </a:r>
+            <a:endParaRPr lang="en-US" dirty="0"/>
           </a:p>
         </p:txBody>
       </p:sp>
     </p:spTree>
-    <p:extLst>
-      <p:ext uri="{BB962C8B-B14F-4D97-AF65-F5344CB8AC3E}">
-        <p14:creationId xmlns:p14="http://schemas.microsoft.com/office/powerpoint/2010/main" val="1899059807"/>
-      </p:ext>
-    </p:extLst>
   </p:cSld>
   <p:clrMapOvr>
     <a:masterClrMapping/>
@@ -5220,18 +4636,13 @@
               <a:rPr lang="en-US" noProof="0" dirty="0"/>
               <a:t>Click icon to add picture</a:t>
             </a:r>
+            <a:endParaRPr lang="en-US" noProof="0" dirty="0"/>
           </a:p>
         </p:txBody>
       </p:sp>
       <p:sp>
         <p:nvSpPr>
-          <p:cNvPr id="8" name="Text Placeholder 2">
-            <a:extLst>
-              <a:ext uri="{FF2B5EF4-FFF2-40B4-BE49-F238E27FC236}">
-                <a16:creationId xmlns:a16="http://schemas.microsoft.com/office/drawing/2014/main" id="{6B9C7BF1-6F0E-974D-9D90-8D2E3B8614D2}"/>
-              </a:ext>
-            </a:extLst>
-          </p:cNvPr>
+          <p:cNvPr id="8" name="Text Placeholder 2"/>
           <p:cNvSpPr>
             <a:spLocks noGrp="1"/>
           </p:cNvSpPr>
@@ -5259,18 +4670,13 @@
               <a:rPr lang="en-US" dirty="0"/>
               <a:t>* Include source</a:t>
             </a:r>
+            <a:endParaRPr lang="en-US" dirty="0"/>
           </a:p>
         </p:txBody>
       </p:sp>
       <p:sp>
         <p:nvSpPr>
-          <p:cNvPr id="9" name="Title Placeholder 1">
-            <a:extLst>
-              <a:ext uri="{FF2B5EF4-FFF2-40B4-BE49-F238E27FC236}">
-                <a16:creationId xmlns:a16="http://schemas.microsoft.com/office/drawing/2014/main" id="{1A6E8EBA-F725-4134-BDCE-9523A37EB37D}"/>
-              </a:ext>
-            </a:extLst>
-          </p:cNvPr>
+          <p:cNvPr id="9" name="Title Placeholder 1"/>
           <p:cNvSpPr>
             <a:spLocks noGrp="1"/>
           </p:cNvSpPr>
@@ -5290,35 +4696,9 @@
           <a:ln>
             <a:noFill/>
           </a:ln>
-          <a:extLst>
-            <a:ext uri="{909E8E84-426E-40dd-AFC4-6F175D3DCCD1}">
-              <a14:hiddenFill xmlns="" xmlns:a14="http://schemas.microsoft.com/office/drawing/2010/main">
-                <a:solidFill>
-                  <a:srgbClr val="FFFFFF"/>
-                </a:solidFill>
-              </a14:hiddenFill>
-            </a:ext>
-            <a:ext uri="{91240B29-F687-4f45-9708-019B960494DF}">
-              <a14:hiddenLine xmlns="" xmlns:a14="http://schemas.microsoft.com/office/drawing/2010/main" w="9525">
-                <a:solidFill>
-                  <a:srgbClr val="000000"/>
-                </a:solidFill>
-                <a:miter lim="800000"/>
-                <a:headEnd/>
-                <a:tailEnd/>
-              </a14:hiddenLine>
-            </a:ext>
-            <a:ext uri="{FAA26D3D-D897-4be2-8F04-BA451C77F1D7}">
-              <ma14:placeholderFlag xmlns="" xmlns:ma14="http://schemas.microsoft.com/office/mac/drawingml/2011/main" val="1"/>
-            </a:ext>
-          </a:extLst>
         </p:spPr>
         <p:txBody>
-          <a:bodyPr vert="horz" wrap="square" lIns="0" tIns="0" rIns="0" bIns="0" numCol="1" anchor="t" anchorCtr="0" compatLnSpc="1">
-            <a:prstTxWarp prst="textNoShape">
-              <a:avLst/>
-            </a:prstTxWarp>
-          </a:bodyPr>
+          <a:bodyPr vert="horz" wrap="square" lIns="0" tIns="0" rIns="0" bIns="0" numCol="1" anchor="t" anchorCtr="0" compatLnSpc="1"/>
           <a:lstStyle/>
           <a:p>
             <a:pPr lvl="0"/>
@@ -5326,18 +4706,13 @@
               <a:rPr lang="en-US" dirty="0"/>
               <a:t>Insert slide title</a:t>
             </a:r>
+            <a:endParaRPr lang="en-US" dirty="0"/>
           </a:p>
         </p:txBody>
       </p:sp>
       <p:sp>
         <p:nvSpPr>
-          <p:cNvPr id="10" name="Content Placeholder 3">
-            <a:extLst>
-              <a:ext uri="{FF2B5EF4-FFF2-40B4-BE49-F238E27FC236}">
-                <a16:creationId xmlns:a16="http://schemas.microsoft.com/office/drawing/2014/main" id="{F396C485-F9F3-4645-B4AF-D94B2D375008}"/>
-              </a:ext>
-            </a:extLst>
-          </p:cNvPr>
+          <p:cNvPr id="10" name="Content Placeholder 3"/>
           <p:cNvSpPr>
             <a:spLocks noGrp="1"/>
           </p:cNvSpPr>
@@ -5393,6 +4768,7 @@
               <a:rPr lang="en-US" dirty="0"/>
               <a:t>Click to edit Master text styles</a:t>
             </a:r>
+            <a:endParaRPr lang="en-US" dirty="0"/>
           </a:p>
           <a:p>
             <a:pPr lvl="1"/>
@@ -5400,6 +4776,7 @@
               <a:rPr lang="en-US" dirty="0"/>
               <a:t>Second level</a:t>
             </a:r>
+            <a:endParaRPr lang="en-US" dirty="0"/>
           </a:p>
           <a:p>
             <a:pPr lvl="2"/>
@@ -5407,15 +4784,11 @@
               <a:rPr lang="en-US" dirty="0"/>
               <a:t>Third level</a:t>
             </a:r>
+            <a:endParaRPr lang="en-US" dirty="0"/>
           </a:p>
         </p:txBody>
       </p:sp>
     </p:spTree>
-    <p:extLst>
-      <p:ext uri="{BB962C8B-B14F-4D97-AF65-F5344CB8AC3E}">
-        <p14:creationId xmlns:p14="http://schemas.microsoft.com/office/powerpoint/2010/main" val="2758245220"/>
-      </p:ext>
-    </p:extLst>
   </p:cSld>
   <p:clrMapOvr>
     <a:masterClrMapping/>
@@ -5447,7 +4820,7 @@
             <a:spLocks noGrp="1"/>
           </p:cNvSpPr>
           <p:nvPr>
-            <p:ph type="tbl" sz="quarter" idx="12"/>
+            <p:ph type="tbl" sz="quarter" idx="12" hasCustomPrompt="1"/>
           </p:nvPr>
         </p:nvSpPr>
         <p:spPr>
@@ -5473,18 +4846,13 @@
               <a:rPr lang="en-US" noProof="0" dirty="0"/>
               <a:t>Click icon to add table</a:t>
             </a:r>
+            <a:endParaRPr lang="en-US" noProof="0" dirty="0"/>
           </a:p>
         </p:txBody>
       </p:sp>
       <p:sp>
         <p:nvSpPr>
-          <p:cNvPr id="6" name="Title Placeholder 1">
-            <a:extLst>
-              <a:ext uri="{FF2B5EF4-FFF2-40B4-BE49-F238E27FC236}">
-                <a16:creationId xmlns:a16="http://schemas.microsoft.com/office/drawing/2014/main" id="{9842CB90-B2C6-9F49-B023-F8F8398B98F1}"/>
-              </a:ext>
-            </a:extLst>
-          </p:cNvPr>
+          <p:cNvPr id="6" name="Title Placeholder 1"/>
           <p:cNvSpPr>
             <a:spLocks noGrp="1"/>
           </p:cNvSpPr>
@@ -5504,35 +4872,9 @@
           <a:ln>
             <a:noFill/>
           </a:ln>
-          <a:extLst>
-            <a:ext uri="{909E8E84-426E-40dd-AFC4-6F175D3DCCD1}">
-              <a14:hiddenFill xmlns="" xmlns:a14="http://schemas.microsoft.com/office/drawing/2010/main">
-                <a:solidFill>
-                  <a:srgbClr val="FFFFFF"/>
-                </a:solidFill>
-              </a14:hiddenFill>
-            </a:ext>
-            <a:ext uri="{91240B29-F687-4f45-9708-019B960494DF}">
-              <a14:hiddenLine xmlns="" xmlns:a14="http://schemas.microsoft.com/office/drawing/2010/main" w="9525">
-                <a:solidFill>
-                  <a:srgbClr val="000000"/>
-                </a:solidFill>
-                <a:miter lim="800000"/>
-                <a:headEnd/>
-                <a:tailEnd/>
-              </a14:hiddenLine>
-            </a:ext>
-            <a:ext uri="{FAA26D3D-D897-4be2-8F04-BA451C77F1D7}">
-              <ma14:placeholderFlag xmlns="" xmlns:ma14="http://schemas.microsoft.com/office/mac/drawingml/2011/main" val="1"/>
-            </a:ext>
-          </a:extLst>
         </p:spPr>
         <p:txBody>
-          <a:bodyPr vert="horz" wrap="square" lIns="0" tIns="0" rIns="0" bIns="0" numCol="1" anchor="t" anchorCtr="0" compatLnSpc="1">
-            <a:prstTxWarp prst="textNoShape">
-              <a:avLst/>
-            </a:prstTxWarp>
-          </a:bodyPr>
+          <a:bodyPr vert="horz" wrap="square" lIns="0" tIns="0" rIns="0" bIns="0" numCol="1" anchor="t" anchorCtr="0" compatLnSpc="1"/>
           <a:lstStyle/>
           <a:p>
             <a:pPr lvl="0"/>
@@ -5540,18 +4882,13 @@
               <a:rPr lang="en-US" dirty="0"/>
               <a:t>Insert slide title</a:t>
             </a:r>
+            <a:endParaRPr lang="en-US" dirty="0"/>
           </a:p>
         </p:txBody>
       </p:sp>
       <p:sp>
         <p:nvSpPr>
-          <p:cNvPr id="9" name="Text Placeholder 2">
-            <a:extLst>
-              <a:ext uri="{FF2B5EF4-FFF2-40B4-BE49-F238E27FC236}">
-                <a16:creationId xmlns:a16="http://schemas.microsoft.com/office/drawing/2014/main" id="{DCFEABC9-8CBC-4BFF-A091-0B1175D7A66C}"/>
-              </a:ext>
-            </a:extLst>
-          </p:cNvPr>
+          <p:cNvPr id="9" name="Text Placeholder 2"/>
           <p:cNvSpPr>
             <a:spLocks noGrp="1"/>
           </p:cNvSpPr>
@@ -5579,18 +4916,13 @@
               <a:rPr lang="en-US" dirty="0"/>
               <a:t>* Include source</a:t>
             </a:r>
+            <a:endParaRPr lang="en-US" dirty="0"/>
           </a:p>
         </p:txBody>
       </p:sp>
       <p:sp>
         <p:nvSpPr>
-          <p:cNvPr id="10" name="Content Placeholder 3">
-            <a:extLst>
-              <a:ext uri="{FF2B5EF4-FFF2-40B4-BE49-F238E27FC236}">
-                <a16:creationId xmlns:a16="http://schemas.microsoft.com/office/drawing/2014/main" id="{FC11E0B3-4BC6-4FDE-8A73-E95CF528DD93}"/>
-              </a:ext>
-            </a:extLst>
-          </p:cNvPr>
+          <p:cNvPr id="10" name="Content Placeholder 3"/>
           <p:cNvSpPr>
             <a:spLocks noGrp="1"/>
           </p:cNvSpPr>
@@ -5646,6 +4978,7 @@
               <a:rPr lang="en-US" dirty="0"/>
               <a:t>Click to edit Master text styles</a:t>
             </a:r>
+            <a:endParaRPr lang="en-US" dirty="0"/>
           </a:p>
           <a:p>
             <a:pPr lvl="1"/>
@@ -5653,6 +4986,7 @@
               <a:rPr lang="en-US" dirty="0"/>
               <a:t>Second level</a:t>
             </a:r>
+            <a:endParaRPr lang="en-US" dirty="0"/>
           </a:p>
           <a:p>
             <a:pPr lvl="2"/>
@@ -5660,15 +4994,11 @@
               <a:rPr lang="en-US" dirty="0"/>
               <a:t>Third level</a:t>
             </a:r>
+            <a:endParaRPr lang="en-US" dirty="0"/>
           </a:p>
         </p:txBody>
       </p:sp>
     </p:spTree>
-    <p:extLst>
-      <p:ext uri="{BB962C8B-B14F-4D97-AF65-F5344CB8AC3E}">
-        <p14:creationId xmlns:p14="http://schemas.microsoft.com/office/powerpoint/2010/main" val="3588238536"/>
-      </p:ext>
-    </p:extLst>
   </p:cSld>
   <p:clrMapOvr>
     <a:masterClrMapping/>
@@ -5700,7 +5030,7 @@
             <a:spLocks noGrp="1"/>
           </p:cNvSpPr>
           <p:nvPr>
-            <p:ph type="chart" sz="quarter" idx="13"/>
+            <p:ph type="chart" sz="quarter" idx="13" hasCustomPrompt="1"/>
           </p:nvPr>
         </p:nvSpPr>
         <p:spPr>
@@ -5727,9 +5057,8 @@
               </a:spcAft>
               <a:buClrTx/>
               <a:buSzTx/>
-              <a:buFont typeface="Lucida Grande"/>
-              <a:buNone/>
-              <a:tabLst/>
+              <a:buFont typeface="Lucida Grande" panose="020B0600040502020204"/>
+              <a:buNone/>
               <a:defRPr/>
             </a:lvl1pPr>
           </a:lstStyle>
@@ -5745,13 +5074,7 @@
       </p:sp>
       <p:sp>
         <p:nvSpPr>
-          <p:cNvPr id="7" name="Title Placeholder 1">
-            <a:extLst>
-              <a:ext uri="{FF2B5EF4-FFF2-40B4-BE49-F238E27FC236}">
-                <a16:creationId xmlns:a16="http://schemas.microsoft.com/office/drawing/2014/main" id="{A9E197AB-B83A-F542-A11A-CDE4241E8C70}"/>
-              </a:ext>
-            </a:extLst>
-          </p:cNvPr>
+          <p:cNvPr id="7" name="Title Placeholder 1"/>
           <p:cNvSpPr>
             <a:spLocks noGrp="1"/>
           </p:cNvSpPr>
@@ -5771,35 +5094,9 @@
           <a:ln>
             <a:noFill/>
           </a:ln>
-          <a:extLst>
-            <a:ext uri="{909E8E84-426E-40dd-AFC4-6F175D3DCCD1}">
-              <a14:hiddenFill xmlns="" xmlns:a14="http://schemas.microsoft.com/office/drawing/2010/main">
-                <a:solidFill>
-                  <a:srgbClr val="FFFFFF"/>
-                </a:solidFill>
-              </a14:hiddenFill>
-            </a:ext>
-            <a:ext uri="{91240B29-F687-4f45-9708-019B960494DF}">
-              <a14:hiddenLine xmlns="" xmlns:a14="http://schemas.microsoft.com/office/drawing/2010/main" w="9525">
-                <a:solidFill>
-                  <a:srgbClr val="000000"/>
-                </a:solidFill>
-                <a:miter lim="800000"/>
-                <a:headEnd/>
-                <a:tailEnd/>
-              </a14:hiddenLine>
-            </a:ext>
-            <a:ext uri="{FAA26D3D-D897-4be2-8F04-BA451C77F1D7}">
-              <ma14:placeholderFlag xmlns="" xmlns:ma14="http://schemas.microsoft.com/office/mac/drawingml/2011/main" val="1"/>
-            </a:ext>
-          </a:extLst>
         </p:spPr>
         <p:txBody>
-          <a:bodyPr vert="horz" wrap="square" lIns="0" tIns="0" rIns="0" bIns="0" numCol="1" anchor="t" anchorCtr="0" compatLnSpc="1">
-            <a:prstTxWarp prst="textNoShape">
-              <a:avLst/>
-            </a:prstTxWarp>
-          </a:bodyPr>
+          <a:bodyPr vert="horz" wrap="square" lIns="0" tIns="0" rIns="0" bIns="0" numCol="1" anchor="t" anchorCtr="0" compatLnSpc="1"/>
           <a:lstStyle/>
           <a:p>
             <a:pPr lvl="0"/>
@@ -5807,18 +5104,13 @@
               <a:rPr lang="en-US" dirty="0"/>
               <a:t>Insert slide title</a:t>
             </a:r>
+            <a:endParaRPr lang="en-US" dirty="0"/>
           </a:p>
         </p:txBody>
       </p:sp>
       <p:sp>
         <p:nvSpPr>
-          <p:cNvPr id="8" name="Text Placeholder 2">
-            <a:extLst>
-              <a:ext uri="{FF2B5EF4-FFF2-40B4-BE49-F238E27FC236}">
-                <a16:creationId xmlns:a16="http://schemas.microsoft.com/office/drawing/2014/main" id="{FDEF6A8B-FE55-424B-91EF-87F23AFF3A8E}"/>
-              </a:ext>
-            </a:extLst>
-          </p:cNvPr>
+          <p:cNvPr id="8" name="Text Placeholder 2"/>
           <p:cNvSpPr>
             <a:spLocks noGrp="1"/>
           </p:cNvSpPr>
@@ -5846,18 +5138,13 @@
               <a:rPr lang="en-US" dirty="0"/>
               <a:t>* Include source</a:t>
             </a:r>
+            <a:endParaRPr lang="en-US" dirty="0"/>
           </a:p>
         </p:txBody>
       </p:sp>
       <p:sp>
         <p:nvSpPr>
-          <p:cNvPr id="10" name="Content Placeholder 3">
-            <a:extLst>
-              <a:ext uri="{FF2B5EF4-FFF2-40B4-BE49-F238E27FC236}">
-                <a16:creationId xmlns:a16="http://schemas.microsoft.com/office/drawing/2014/main" id="{FBDBDC34-494F-4FD9-8BD2-78F992CF9F94}"/>
-              </a:ext>
-            </a:extLst>
-          </p:cNvPr>
+          <p:cNvPr id="10" name="Content Placeholder 3"/>
           <p:cNvSpPr>
             <a:spLocks noGrp="1"/>
           </p:cNvSpPr>
@@ -5911,6 +5198,7 @@
               <a:rPr lang="en-US" dirty="0"/>
               <a:t>Click to edit Master text styles</a:t>
             </a:r>
+            <a:endParaRPr lang="en-US" dirty="0"/>
           </a:p>
           <a:p>
             <a:pPr lvl="1"/>
@@ -5918,6 +5206,7 @@
               <a:rPr lang="en-US" dirty="0"/>
               <a:t>Second level</a:t>
             </a:r>
+            <a:endParaRPr lang="en-US" dirty="0"/>
           </a:p>
           <a:p>
             <a:pPr lvl="2"/>
@@ -5925,15 +5214,11 @@
               <a:rPr lang="en-US" dirty="0"/>
               <a:t>Third level</a:t>
             </a:r>
+            <a:endParaRPr lang="en-US" dirty="0"/>
           </a:p>
         </p:txBody>
       </p:sp>
     </p:spTree>
-    <p:extLst>
-      <p:ext uri="{BB962C8B-B14F-4D97-AF65-F5344CB8AC3E}">
-        <p14:creationId xmlns:p14="http://schemas.microsoft.com/office/powerpoint/2010/main" val="4265977939"/>
-      </p:ext>
-    </p:extLst>
   </p:cSld>
   <p:clrMapOvr>
     <a:masterClrMapping/>
@@ -5997,13 +5282,7 @@
       </p:sp>
       <p:sp>
         <p:nvSpPr>
-          <p:cNvPr id="4" name="Title Placeholder 1">
-            <a:extLst>
-              <a:ext uri="{FF2B5EF4-FFF2-40B4-BE49-F238E27FC236}">
-                <a16:creationId xmlns:a16="http://schemas.microsoft.com/office/drawing/2014/main" id="{716DB442-97F9-2241-AE70-FE1000B8FF4F}"/>
-              </a:ext>
-            </a:extLst>
-          </p:cNvPr>
+          <p:cNvPr id="4" name="Title Placeholder 1"/>
           <p:cNvSpPr>
             <a:spLocks noGrp="1"/>
           </p:cNvSpPr>
@@ -6023,35 +5302,9 @@
           <a:ln>
             <a:noFill/>
           </a:ln>
-          <a:extLst>
-            <a:ext uri="{909E8E84-426E-40dd-AFC4-6F175D3DCCD1}">
-              <a14:hiddenFill xmlns="" xmlns:a14="http://schemas.microsoft.com/office/drawing/2010/main">
-                <a:solidFill>
-                  <a:srgbClr val="FFFFFF"/>
-                </a:solidFill>
-              </a14:hiddenFill>
-            </a:ext>
-            <a:ext uri="{91240B29-F687-4f45-9708-019B960494DF}">
-              <a14:hiddenLine xmlns="" xmlns:a14="http://schemas.microsoft.com/office/drawing/2010/main" w="9525">
-                <a:solidFill>
-                  <a:srgbClr val="000000"/>
-                </a:solidFill>
-                <a:miter lim="800000"/>
-                <a:headEnd/>
-                <a:tailEnd/>
-              </a14:hiddenLine>
-            </a:ext>
-            <a:ext uri="{FAA26D3D-D897-4be2-8F04-BA451C77F1D7}">
-              <ma14:placeholderFlag xmlns="" xmlns:ma14="http://schemas.microsoft.com/office/mac/drawingml/2011/main" val="1"/>
-            </a:ext>
-          </a:extLst>
         </p:spPr>
         <p:txBody>
-          <a:bodyPr vert="horz" wrap="square" lIns="0" tIns="0" rIns="0" bIns="0" numCol="1" anchor="t" anchorCtr="0" compatLnSpc="1">
-            <a:prstTxWarp prst="textNoShape">
-              <a:avLst/>
-            </a:prstTxWarp>
-          </a:bodyPr>
+          <a:bodyPr vert="horz" wrap="square" lIns="0" tIns="0" rIns="0" bIns="0" numCol="1" anchor="t" anchorCtr="0" compatLnSpc="1"/>
           <a:lstStyle/>
           <a:p>
             <a:pPr lvl="0"/>
@@ -6059,15 +5312,11 @@
               <a:rPr lang="en-US" dirty="0"/>
               <a:t>Insert slide title</a:t>
             </a:r>
+            <a:endParaRPr lang="en-US" dirty="0"/>
           </a:p>
         </p:txBody>
       </p:sp>
     </p:spTree>
-    <p:extLst>
-      <p:ext uri="{BB962C8B-B14F-4D97-AF65-F5344CB8AC3E}">
-        <p14:creationId xmlns:p14="http://schemas.microsoft.com/office/powerpoint/2010/main" val="1996099708"/>
-      </p:ext>
-    </p:extLst>
   </p:cSld>
   <p:clrMapOvr>
     <a:masterClrMapping/>
@@ -6094,13 +5343,7 @@
       </p:grpSpPr>
       <p:sp>
         <p:nvSpPr>
-          <p:cNvPr id="3" name="Title Placeholder 1">
-            <a:extLst>
-              <a:ext uri="{FF2B5EF4-FFF2-40B4-BE49-F238E27FC236}">
-                <a16:creationId xmlns:a16="http://schemas.microsoft.com/office/drawing/2014/main" id="{861D717C-1AC4-394E-91B8-A016BB12DA1B}"/>
-              </a:ext>
-            </a:extLst>
-          </p:cNvPr>
+          <p:cNvPr id="3" name="Title Placeholder 1"/>
           <p:cNvSpPr>
             <a:spLocks noGrp="1"/>
           </p:cNvSpPr>
@@ -6120,35 +5363,9 @@
           <a:ln>
             <a:noFill/>
           </a:ln>
-          <a:extLst>
-            <a:ext uri="{909E8E84-426E-40dd-AFC4-6F175D3DCCD1}">
-              <a14:hiddenFill xmlns="" xmlns:a14="http://schemas.microsoft.com/office/drawing/2010/main">
-                <a:solidFill>
-                  <a:srgbClr val="FFFFFF"/>
-                </a:solidFill>
-              </a14:hiddenFill>
-            </a:ext>
-            <a:ext uri="{91240B29-F687-4f45-9708-019B960494DF}">
-              <a14:hiddenLine xmlns="" xmlns:a14="http://schemas.microsoft.com/office/drawing/2010/main" w="9525">
-                <a:solidFill>
-                  <a:srgbClr val="000000"/>
-                </a:solidFill>
-                <a:miter lim="800000"/>
-                <a:headEnd/>
-                <a:tailEnd/>
-              </a14:hiddenLine>
-            </a:ext>
-            <a:ext uri="{FAA26D3D-D897-4be2-8F04-BA451C77F1D7}">
-              <ma14:placeholderFlag xmlns="" xmlns:ma14="http://schemas.microsoft.com/office/mac/drawingml/2011/main" val="1"/>
-            </a:ext>
-          </a:extLst>
         </p:spPr>
         <p:txBody>
-          <a:bodyPr vert="horz" wrap="square" lIns="0" tIns="0" rIns="0" bIns="0" numCol="1" anchor="t" anchorCtr="0" compatLnSpc="1">
-            <a:prstTxWarp prst="textNoShape">
-              <a:avLst/>
-            </a:prstTxWarp>
-          </a:bodyPr>
+          <a:bodyPr vert="horz" wrap="square" lIns="0" tIns="0" rIns="0" bIns="0" numCol="1" anchor="t" anchorCtr="0" compatLnSpc="1"/>
           <a:lstStyle/>
           <a:p>
             <a:pPr lvl="0"/>
@@ -6156,15 +5373,11 @@
               <a:rPr lang="en-US" dirty="0"/>
               <a:t>Insert slide title</a:t>
             </a:r>
+            <a:endParaRPr lang="en-US" dirty="0"/>
           </a:p>
         </p:txBody>
       </p:sp>
     </p:spTree>
-    <p:extLst>
-      <p:ext uri="{BB962C8B-B14F-4D97-AF65-F5344CB8AC3E}">
-        <p14:creationId xmlns:p14="http://schemas.microsoft.com/office/powerpoint/2010/main" val="1605899515"/>
-      </p:ext>
-    </p:extLst>
   </p:cSld>
   <p:clrMapOvr>
     <a:masterClrMapping/>
@@ -6198,13 +5411,7 @@
           <p:nvPr/>
         </p:nvPicPr>
         <p:blipFill>
-          <a:blip r:embed="rId2" cstate="email">
-            <a:extLst>
-              <a:ext uri="{28A0092B-C50C-407E-A947-70E740481C1C}">
-                <a14:useLocalDpi xmlns:a14="http://schemas.microsoft.com/office/drawing/2010/main"/>
-              </a:ext>
-            </a:extLst>
-          </a:blip>
+          <a:blip r:embed="rId2" cstate="email"/>
           <a:srcRect/>
           <a:stretch>
             <a:fillRect/>
@@ -6222,25 +5429,6 @@
           <a:ln>
             <a:noFill/>
           </a:ln>
-          <a:extLst>
-            <a:ext uri="{909E8E84-426E-40dd-AFC4-6F175D3DCCD1}">
-              <a14:hiddenFill xmlns="" xmlns:a14="http://schemas.microsoft.com/office/drawing/2010/main">
-                <a:solidFill>
-                  <a:srgbClr val="FFFFFF"/>
-                </a:solidFill>
-              </a14:hiddenFill>
-            </a:ext>
-            <a:ext uri="{91240B29-F687-4f45-9708-019B960494DF}">
-              <a14:hiddenLine xmlns="" xmlns:a14="http://schemas.microsoft.com/office/drawing/2010/main" w="9525">
-                <a:solidFill>
-                  <a:srgbClr val="000000"/>
-                </a:solidFill>
-                <a:miter lim="800000"/>
-                <a:headEnd/>
-                <a:tailEnd/>
-              </a14:hiddenLine>
-            </a:ext>
-          </a:extLst>
         </p:spPr>
       </p:pic>
       <p:sp>
@@ -6300,6 +5488,7 @@
               <a:rPr lang="en-US" dirty="0"/>
               <a:t>Click to edit Master text styles</a:t>
             </a:r>
+            <a:endParaRPr lang="en-US" dirty="0"/>
           </a:p>
         </p:txBody>
       </p:sp>
@@ -6345,13 +5534,7 @@
       </p:sp>
       <p:sp>
         <p:nvSpPr>
-          <p:cNvPr id="10" name="Title Placeholder 1">
-            <a:extLst>
-              <a:ext uri="{FF2B5EF4-FFF2-40B4-BE49-F238E27FC236}">
-                <a16:creationId xmlns:a16="http://schemas.microsoft.com/office/drawing/2014/main" id="{8AB9FAD1-F758-AF4C-BAD5-AFAD67046B97}"/>
-              </a:ext>
-            </a:extLst>
-          </p:cNvPr>
+          <p:cNvPr id="10" name="Title Placeholder 1"/>
           <p:cNvSpPr>
             <a:spLocks noGrp="1"/>
           </p:cNvSpPr>
@@ -6371,35 +5554,9 @@
           <a:ln>
             <a:noFill/>
           </a:ln>
-          <a:extLst>
-            <a:ext uri="{909E8E84-426E-40dd-AFC4-6F175D3DCCD1}">
-              <a14:hiddenFill xmlns="" xmlns:a14="http://schemas.microsoft.com/office/drawing/2010/main">
-                <a:solidFill>
-                  <a:srgbClr val="FFFFFF"/>
-                </a:solidFill>
-              </a14:hiddenFill>
-            </a:ext>
-            <a:ext uri="{91240B29-F687-4f45-9708-019B960494DF}">
-              <a14:hiddenLine xmlns="" xmlns:a14="http://schemas.microsoft.com/office/drawing/2010/main" w="9525">
-                <a:solidFill>
-                  <a:srgbClr val="000000"/>
-                </a:solidFill>
-                <a:miter lim="800000"/>
-                <a:headEnd/>
-                <a:tailEnd/>
-              </a14:hiddenLine>
-            </a:ext>
-            <a:ext uri="{FAA26D3D-D897-4be2-8F04-BA451C77F1D7}">
-              <ma14:placeholderFlag xmlns="" xmlns:ma14="http://schemas.microsoft.com/office/mac/drawingml/2011/main" val="1"/>
-            </a:ext>
-          </a:extLst>
         </p:spPr>
         <p:txBody>
-          <a:bodyPr vert="horz" wrap="square" lIns="0" tIns="0" rIns="0" bIns="0" numCol="1" anchor="t" anchorCtr="0" compatLnSpc="1">
-            <a:prstTxWarp prst="textNoShape">
-              <a:avLst/>
-            </a:prstTxWarp>
-          </a:bodyPr>
+          <a:bodyPr vert="horz" wrap="square" lIns="0" tIns="0" rIns="0" bIns="0" numCol="1" anchor="t" anchorCtr="0" compatLnSpc="1"/>
           <a:lstStyle/>
           <a:p>
             <a:pPr lvl="0"/>
@@ -6407,15 +5564,11 @@
               <a:rPr lang="en-US" dirty="0"/>
               <a:t>Insert slide title</a:t>
             </a:r>
+            <a:endParaRPr lang="en-US" dirty="0"/>
           </a:p>
         </p:txBody>
       </p:sp>
     </p:spTree>
-    <p:extLst>
-      <p:ext uri="{BB962C8B-B14F-4D97-AF65-F5344CB8AC3E}">
-        <p14:creationId xmlns:p14="http://schemas.microsoft.com/office/powerpoint/2010/main" val="941797567"/>
-      </p:ext>
-    </p:extLst>
   </p:cSld>
   <p:clrMapOvr>
     <a:masterClrMapping/>
@@ -6442,13 +5595,7 @@
       </p:grpSpPr>
       <p:sp>
         <p:nvSpPr>
-          <p:cNvPr id="6" name="Rectangle 5">
-            <a:extLst>
-              <a:ext uri="{FF2B5EF4-FFF2-40B4-BE49-F238E27FC236}">
-                <a16:creationId xmlns:a16="http://schemas.microsoft.com/office/drawing/2014/main" id="{C4382753-51C7-0C46-B853-1DBA86E4E953}"/>
-              </a:ext>
-            </a:extLst>
-          </p:cNvPr>
+          <p:cNvPr id="6" name="Rectangle 5"/>
           <p:cNvSpPr/>
           <p:nvPr userDrawn="1"/>
         </p:nvSpPr>
@@ -6501,13 +5648,7 @@
       </p:sp>
       <p:sp>
         <p:nvSpPr>
-          <p:cNvPr id="8" name="Title 8">
-            <a:extLst>
-              <a:ext uri="{FF2B5EF4-FFF2-40B4-BE49-F238E27FC236}">
-                <a16:creationId xmlns:a16="http://schemas.microsoft.com/office/drawing/2014/main" id="{F6164CB4-EC8E-0144-9230-9A41AA8066A6}"/>
-              </a:ext>
-            </a:extLst>
-          </p:cNvPr>
+          <p:cNvPr id="8" name="Title 8"/>
           <p:cNvSpPr>
             <a:spLocks noGrp="1"/>
           </p:cNvSpPr>
@@ -6537,18 +5678,13 @@
               <a:rPr lang="en-US" dirty="0"/>
               <a:t>Title heading here</a:t>
             </a:r>
+            <a:endParaRPr lang="en-US" dirty="0"/>
           </a:p>
         </p:txBody>
       </p:sp>
       <p:sp>
         <p:nvSpPr>
-          <p:cNvPr id="10" name="Text Placeholder 4">
-            <a:extLst>
-              <a:ext uri="{FF2B5EF4-FFF2-40B4-BE49-F238E27FC236}">
-                <a16:creationId xmlns:a16="http://schemas.microsoft.com/office/drawing/2014/main" id="{C7C3DC85-C5E4-9F4F-9A53-A30541465834}"/>
-              </a:ext>
-            </a:extLst>
-          </p:cNvPr>
+          <p:cNvPr id="10" name="Text Placeholder 4"/>
           <p:cNvSpPr>
             <a:spLocks noGrp="1"/>
           </p:cNvSpPr>
@@ -6599,31 +5735,20 @@
               <a:rPr lang="en-US" dirty="0"/>
               <a:t>Presented by</a:t>
             </a:r>
+            <a:endParaRPr lang="en-US" dirty="0"/>
           </a:p>
         </p:txBody>
       </p:sp>
       <p:pic>
         <p:nvPicPr>
-          <p:cNvPr id="9" name="Picture 8">
-            <a:extLst>
-              <a:ext uri="{FF2B5EF4-FFF2-40B4-BE49-F238E27FC236}">
-                <a16:creationId xmlns:a16="http://schemas.microsoft.com/office/drawing/2014/main" id="{C4F743E6-42C8-45D8-A63F-90FE0651F22C}"/>
-              </a:ext>
-            </a:extLst>
-          </p:cNvPr>
+          <p:cNvPr id="9" name="Picture 8"/>
           <p:cNvPicPr>
             <a:picLocks noChangeAspect="1"/>
           </p:cNvPicPr>
           <p:nvPr userDrawn="1"/>
         </p:nvPicPr>
         <p:blipFill>
-          <a:blip r:embed="rId2" cstate="email">
-            <a:extLst>
-              <a:ext uri="{28A0092B-C50C-407E-A947-70E740481C1C}">
-                <a14:useLocalDpi xmlns:a14="http://schemas.microsoft.com/office/drawing/2010/main"/>
-              </a:ext>
-            </a:extLst>
-          </a:blip>
+          <a:blip r:embed="rId2" cstate="email"/>
           <a:stretch>
             <a:fillRect/>
           </a:stretch>
@@ -6639,11 +5764,6 @@
         </p:spPr>
       </p:pic>
     </p:spTree>
-    <p:extLst>
-      <p:ext uri="{BB962C8B-B14F-4D97-AF65-F5344CB8AC3E}">
-        <p14:creationId xmlns:p14="http://schemas.microsoft.com/office/powerpoint/2010/main" val="113176616"/>
-      </p:ext>
-    </p:extLst>
   </p:cSld>
   <p:clrMapOvr>
     <a:masterClrMapping/>
@@ -6670,13 +5790,7 @@
       </p:grpSpPr>
       <p:sp>
         <p:nvSpPr>
-          <p:cNvPr id="6" name="Rectangle 5">
-            <a:extLst>
-              <a:ext uri="{FF2B5EF4-FFF2-40B4-BE49-F238E27FC236}">
-                <a16:creationId xmlns:a16="http://schemas.microsoft.com/office/drawing/2014/main" id="{B576A394-6B1F-4D42-AB9D-E8AC240619B4}"/>
-              </a:ext>
-            </a:extLst>
-          </p:cNvPr>
+          <p:cNvPr id="6" name="Rectangle 5"/>
           <p:cNvSpPr/>
           <p:nvPr userDrawn="1"/>
         </p:nvSpPr>
@@ -6729,26 +5843,14 @@
       </p:sp>
       <p:pic>
         <p:nvPicPr>
-          <p:cNvPr id="10" name="Picture 9" descr="A close up of a logo&#10;&#10;Description automatically generated">
-            <a:extLst>
-              <a:ext uri="{FF2B5EF4-FFF2-40B4-BE49-F238E27FC236}">
-                <a16:creationId xmlns:a16="http://schemas.microsoft.com/office/drawing/2014/main" id="{1811C849-DF8E-4316-9166-B19E70AB3203}"/>
-              </a:ext>
-            </a:extLst>
-          </p:cNvPr>
+          <p:cNvPr id="10" name="Picture 9" descr="A close up of a logo&#10;&#10;Description automatically generated"/>
           <p:cNvPicPr>
             <a:picLocks noChangeAspect="1"/>
           </p:cNvPicPr>
           <p:nvPr userDrawn="1"/>
         </p:nvPicPr>
         <p:blipFill>
-          <a:blip r:embed="rId2" cstate="email">
-            <a:extLst>
-              <a:ext uri="{28A0092B-C50C-407E-A947-70E740481C1C}">
-                <a14:useLocalDpi xmlns:a14="http://schemas.microsoft.com/office/drawing/2010/main"/>
-              </a:ext>
-            </a:extLst>
-          </a:blip>
+          <a:blip r:embed="rId2" cstate="email"/>
           <a:stretch>
             <a:fillRect/>
           </a:stretch>
@@ -6765,28 +5867,18 @@
       </p:pic>
       <p:pic>
         <p:nvPicPr>
-          <p:cNvPr id="9" name="Picture 8" descr="A picture containing outdoor, tree, sky, grass&#10;&#10;Description automatically generated">
-            <a:extLst>
-              <a:ext uri="{FF2B5EF4-FFF2-40B4-BE49-F238E27FC236}">
-                <a16:creationId xmlns:a16="http://schemas.microsoft.com/office/drawing/2014/main" id="{8900E50B-2392-CD4C-BA60-1A5D1F6E0EFB}"/>
-              </a:ext>
-            </a:extLst>
-          </p:cNvPr>
+          <p:cNvPr id="9" name="Picture 8" descr="A picture containing outdoor, tree, sky, grass&#10;&#10;Description automatically generated"/>
           <p:cNvPicPr>
             <a:picLocks noChangeAspect="1"/>
           </p:cNvPicPr>
           <p:nvPr userDrawn="1"/>
         </p:nvPicPr>
         <p:blipFill rotWithShape="1">
-          <a:blip r:embed="rId3" cstate="email">
-            <a:extLst>
-              <a:ext uri="{28A0092B-C50C-407E-A947-70E740481C1C}">
-                <a14:useLocalDpi xmlns:a14="http://schemas.microsoft.com/office/drawing/2010/main"/>
-              </a:ext>
-            </a:extLst>
-          </a:blip>
+          <a:blip r:embed="rId3" cstate="email"/>
           <a:srcRect/>
-          <a:stretch/>
+          <a:stretch>
+            <a:fillRect/>
+          </a:stretch>
         </p:blipFill>
         <p:spPr>
           <a:xfrm>
@@ -6800,13 +5892,7 @@
       </p:pic>
       <p:sp>
         <p:nvSpPr>
-          <p:cNvPr id="11" name="Title 8">
-            <a:extLst>
-              <a:ext uri="{FF2B5EF4-FFF2-40B4-BE49-F238E27FC236}">
-                <a16:creationId xmlns:a16="http://schemas.microsoft.com/office/drawing/2014/main" id="{C7E383C9-FC2F-DD40-A99B-D1719CB2976F}"/>
-              </a:ext>
-            </a:extLst>
-          </p:cNvPr>
+          <p:cNvPr id="11" name="Title 8"/>
           <p:cNvSpPr>
             <a:spLocks noGrp="1"/>
           </p:cNvSpPr>
@@ -6832,7 +5918,7 @@
                   <a:schemeClr val="bg1"/>
                 </a:solidFill>
                 <a:latin typeface="+mj-lt"/>
-                <a:cs typeface="Arial" panose="020B0604020202020204" pitchFamily="34" charset="0"/>
+                <a:cs typeface="Arial" panose="020B0604020202090204" pitchFamily="34" charset="0"/>
               </a:defRPr>
             </a:lvl1pPr>
           </a:lstStyle>
@@ -6841,18 +5927,13 @@
               <a:rPr lang="en-US" dirty="0"/>
               <a:t>Click to edit Master title style</a:t>
             </a:r>
+            <a:endParaRPr lang="en-US" dirty="0"/>
           </a:p>
         </p:txBody>
       </p:sp>
       <p:sp>
         <p:nvSpPr>
-          <p:cNvPr id="12" name="Text Placeholder 4">
-            <a:extLst>
-              <a:ext uri="{FF2B5EF4-FFF2-40B4-BE49-F238E27FC236}">
-                <a16:creationId xmlns:a16="http://schemas.microsoft.com/office/drawing/2014/main" id="{CA598213-522E-B64C-9CF2-29DA95C5F932}"/>
-              </a:ext>
-            </a:extLst>
-          </p:cNvPr>
+          <p:cNvPr id="12" name="Text Placeholder 4"/>
           <p:cNvSpPr>
             <a:spLocks noGrp="1"/>
           </p:cNvSpPr>
@@ -6904,6 +5985,7 @@
               <a:rPr lang="en-US" dirty="0"/>
               <a:t>Click to edit Master text styles</a:t>
             </a:r>
+            <a:endParaRPr lang="en-US" dirty="0"/>
           </a:p>
           <a:p>
             <a:pPr lvl="1"/>
@@ -6911,6 +5993,7 @@
               <a:rPr lang="en-US" dirty="0"/>
               <a:t>Second level</a:t>
             </a:r>
+            <a:endParaRPr lang="en-US" dirty="0"/>
           </a:p>
           <a:p>
             <a:pPr lvl="2"/>
@@ -6918,15 +6001,11 @@
               <a:rPr lang="en-US" dirty="0"/>
               <a:t>Third level</a:t>
             </a:r>
+            <a:endParaRPr lang="en-US" dirty="0"/>
           </a:p>
         </p:txBody>
       </p:sp>
     </p:spTree>
-    <p:extLst>
-      <p:ext uri="{BB962C8B-B14F-4D97-AF65-F5344CB8AC3E}">
-        <p14:creationId xmlns:p14="http://schemas.microsoft.com/office/powerpoint/2010/main" val="1384628647"/>
-      </p:ext>
-    </p:extLst>
   </p:cSld>
   <p:clrMapOvr>
     <a:masterClrMapping/>
@@ -6953,13 +6032,7 @@
       </p:grpSpPr>
       <p:sp>
         <p:nvSpPr>
-          <p:cNvPr id="13" name="Rectangle 12">
-            <a:extLst>
-              <a:ext uri="{FF2B5EF4-FFF2-40B4-BE49-F238E27FC236}">
-                <a16:creationId xmlns:a16="http://schemas.microsoft.com/office/drawing/2014/main" id="{CF277205-D819-0E49-850F-A3DCF077A5B8}"/>
-              </a:ext>
-            </a:extLst>
-          </p:cNvPr>
+          <p:cNvPr id="13" name="Rectangle 12"/>
           <p:cNvSpPr/>
           <p:nvPr userDrawn="1"/>
         </p:nvSpPr>
@@ -6998,7 +6071,6 @@
               <a:buSzTx/>
               <a:buFontTx/>
               <a:buNone/>
-              <a:tabLst/>
               <a:defRPr/>
             </a:pPr>
             <a:endParaRPr kumimoji="0" lang="en-US" sz="1800" b="0" i="0" u="none" strike="noStrike" kern="0" cap="none" spc="0" normalizeH="0" baseline="0" noProof="0">
@@ -7011,7 +6083,7 @@
               <a:effectLst/>
               <a:uLnTx/>
               <a:uFillTx/>
-              <a:latin typeface="Arial" panose="020B0604020202020204"/>
+              <a:latin typeface="Arial" panose="020B0604020202090204"/>
               <a:ea typeface="+mn-ea"/>
               <a:cs typeface="+mn-cs"/>
             </a:endParaRPr>
@@ -7020,13 +6092,7 @@
       </p:sp>
       <p:sp>
         <p:nvSpPr>
-          <p:cNvPr id="7" name="Title 8">
-            <a:extLst>
-              <a:ext uri="{FF2B5EF4-FFF2-40B4-BE49-F238E27FC236}">
-                <a16:creationId xmlns:a16="http://schemas.microsoft.com/office/drawing/2014/main" id="{C20D03EA-04EC-3E4D-A8DD-25B0B1CFB907}"/>
-              </a:ext>
-            </a:extLst>
-          </p:cNvPr>
+          <p:cNvPr id="7" name="Title 8"/>
           <p:cNvSpPr>
             <a:spLocks noGrp="1"/>
           </p:cNvSpPr>
@@ -7056,18 +6122,13 @@
               <a:rPr lang="en-US" dirty="0"/>
               <a:t>Title heading here</a:t>
             </a:r>
+            <a:endParaRPr lang="en-US" dirty="0"/>
           </a:p>
         </p:txBody>
       </p:sp>
       <p:sp>
         <p:nvSpPr>
-          <p:cNvPr id="8" name="Text Placeholder 4">
-            <a:extLst>
-              <a:ext uri="{FF2B5EF4-FFF2-40B4-BE49-F238E27FC236}">
-                <a16:creationId xmlns:a16="http://schemas.microsoft.com/office/drawing/2014/main" id="{77BCA0C8-FD5B-AE4C-9999-548657AE139B}"/>
-              </a:ext>
-            </a:extLst>
-          </p:cNvPr>
+          <p:cNvPr id="8" name="Text Placeholder 4"/>
           <p:cNvSpPr>
             <a:spLocks noGrp="1"/>
           </p:cNvSpPr>
@@ -7118,31 +6179,20 @@
               <a:rPr lang="en-US" dirty="0"/>
               <a:t>Presented by</a:t>
             </a:r>
+            <a:endParaRPr lang="en-US" dirty="0"/>
           </a:p>
         </p:txBody>
       </p:sp>
       <p:pic>
         <p:nvPicPr>
-          <p:cNvPr id="9" name="Picture 8" descr="A close up of a logo&#10;&#10;Description automatically generated">
-            <a:extLst>
-              <a:ext uri="{FF2B5EF4-FFF2-40B4-BE49-F238E27FC236}">
-                <a16:creationId xmlns:a16="http://schemas.microsoft.com/office/drawing/2014/main" id="{2C89BC04-6416-479F-AF58-1E9563CF6521}"/>
-              </a:ext>
-            </a:extLst>
-          </p:cNvPr>
+          <p:cNvPr id="9" name="Picture 8" descr="A close up of a logo&#10;&#10;Description automatically generated"/>
           <p:cNvPicPr>
             <a:picLocks noChangeAspect="1"/>
           </p:cNvPicPr>
           <p:nvPr userDrawn="1"/>
         </p:nvPicPr>
         <p:blipFill>
-          <a:blip r:embed="rId2" cstate="email">
-            <a:extLst>
-              <a:ext uri="{28A0092B-C50C-407E-A947-70E740481C1C}">
-                <a14:useLocalDpi xmlns:a14="http://schemas.microsoft.com/office/drawing/2010/main"/>
-              </a:ext>
-            </a:extLst>
-          </a:blip>
+          <a:blip r:embed="rId2" cstate="email"/>
           <a:stretch>
             <a:fillRect/>
           </a:stretch>
@@ -7158,11 +6208,6 @@
         </p:spPr>
       </p:pic>
     </p:spTree>
-    <p:extLst>
-      <p:ext uri="{BB962C8B-B14F-4D97-AF65-F5344CB8AC3E}">
-        <p14:creationId xmlns:p14="http://schemas.microsoft.com/office/powerpoint/2010/main" val="1783416009"/>
-      </p:ext>
-    </p:extLst>
   </p:cSld>
   <p:clrMapOvr>
     <a:masterClrMapping/>
@@ -7189,13 +6234,7 @@
       </p:grpSpPr>
       <p:sp>
         <p:nvSpPr>
-          <p:cNvPr id="11" name="Rectangle 10">
-            <a:extLst>
-              <a:ext uri="{FF2B5EF4-FFF2-40B4-BE49-F238E27FC236}">
-                <a16:creationId xmlns:a16="http://schemas.microsoft.com/office/drawing/2014/main" id="{21437180-96FB-744F-865F-A5F1DCF5F20E}"/>
-              </a:ext>
-            </a:extLst>
-          </p:cNvPr>
+          <p:cNvPr id="11" name="Rectangle 10"/>
           <p:cNvSpPr/>
           <p:nvPr userDrawn="1"/>
         </p:nvSpPr>
@@ -7239,13 +6278,7 @@
       </p:sp>
       <p:sp>
         <p:nvSpPr>
-          <p:cNvPr id="13" name="Title 8">
-            <a:extLst>
-              <a:ext uri="{FF2B5EF4-FFF2-40B4-BE49-F238E27FC236}">
-                <a16:creationId xmlns:a16="http://schemas.microsoft.com/office/drawing/2014/main" id="{378A92A4-48B7-0340-8B92-C0F9AC1FDA6C}"/>
-              </a:ext>
-            </a:extLst>
-          </p:cNvPr>
+          <p:cNvPr id="13" name="Title 8"/>
           <p:cNvSpPr>
             <a:spLocks noGrp="1"/>
           </p:cNvSpPr>
@@ -7275,18 +6308,13 @@
               <a:rPr lang="en-US" dirty="0"/>
               <a:t>Title heading here</a:t>
             </a:r>
+            <a:endParaRPr lang="en-US" dirty="0"/>
           </a:p>
         </p:txBody>
       </p:sp>
       <p:sp>
         <p:nvSpPr>
-          <p:cNvPr id="14" name="Text Placeholder 4">
-            <a:extLst>
-              <a:ext uri="{FF2B5EF4-FFF2-40B4-BE49-F238E27FC236}">
-                <a16:creationId xmlns:a16="http://schemas.microsoft.com/office/drawing/2014/main" id="{55933010-02AF-864A-B29C-468E3DDEEA5E}"/>
-              </a:ext>
-            </a:extLst>
-          </p:cNvPr>
+          <p:cNvPr id="14" name="Text Placeholder 4"/>
           <p:cNvSpPr>
             <a:spLocks noGrp="1"/>
           </p:cNvSpPr>
@@ -7337,31 +6365,20 @@
               <a:rPr lang="en-US" dirty="0"/>
               <a:t>Presented by</a:t>
             </a:r>
+            <a:endParaRPr lang="en-US" dirty="0"/>
           </a:p>
         </p:txBody>
       </p:sp>
       <p:pic>
         <p:nvPicPr>
-          <p:cNvPr id="7" name="Picture 6">
-            <a:extLst>
-              <a:ext uri="{FF2B5EF4-FFF2-40B4-BE49-F238E27FC236}">
-                <a16:creationId xmlns:a16="http://schemas.microsoft.com/office/drawing/2014/main" id="{A8B4EEB1-42E3-41C0-B7C0-8A0DC6F52F0A}"/>
-              </a:ext>
-            </a:extLst>
-          </p:cNvPr>
+          <p:cNvPr id="7" name="Picture 6"/>
           <p:cNvPicPr>
             <a:picLocks noChangeAspect="1"/>
           </p:cNvPicPr>
           <p:nvPr userDrawn="1"/>
         </p:nvPicPr>
         <p:blipFill>
-          <a:blip r:embed="rId2" cstate="email">
-            <a:extLst>
-              <a:ext uri="{28A0092B-C50C-407E-A947-70E740481C1C}">
-                <a14:useLocalDpi xmlns:a14="http://schemas.microsoft.com/office/drawing/2010/main"/>
-              </a:ext>
-            </a:extLst>
-          </a:blip>
+          <a:blip r:embed="rId2" cstate="email"/>
           <a:stretch>
             <a:fillRect/>
           </a:stretch>
@@ -7377,11 +6394,6 @@
         </p:spPr>
       </p:pic>
     </p:spTree>
-    <p:extLst>
-      <p:ext uri="{BB962C8B-B14F-4D97-AF65-F5344CB8AC3E}">
-        <p14:creationId xmlns:p14="http://schemas.microsoft.com/office/powerpoint/2010/main" val="3811738344"/>
-      </p:ext>
-    </p:extLst>
   </p:cSld>
   <p:clrMapOvr>
     <a:masterClrMapping/>
@@ -7408,13 +6420,7 @@
       </p:grpSpPr>
       <p:sp>
         <p:nvSpPr>
-          <p:cNvPr id="6" name="Rectangle 5">
-            <a:extLst>
-              <a:ext uri="{FF2B5EF4-FFF2-40B4-BE49-F238E27FC236}">
-                <a16:creationId xmlns:a16="http://schemas.microsoft.com/office/drawing/2014/main" id="{B576A394-6B1F-4D42-AB9D-E8AC240619B4}"/>
-              </a:ext>
-            </a:extLst>
-          </p:cNvPr>
+          <p:cNvPr id="6" name="Rectangle 5"/>
           <p:cNvSpPr/>
           <p:nvPr userDrawn="1"/>
         </p:nvSpPr>
@@ -7467,26 +6473,14 @@
       </p:sp>
       <p:pic>
         <p:nvPicPr>
-          <p:cNvPr id="10" name="Picture 9" descr="A close up of a logo&#10;&#10;Description automatically generated">
-            <a:extLst>
-              <a:ext uri="{FF2B5EF4-FFF2-40B4-BE49-F238E27FC236}">
-                <a16:creationId xmlns:a16="http://schemas.microsoft.com/office/drawing/2014/main" id="{1811C849-DF8E-4316-9166-B19E70AB3203}"/>
-              </a:ext>
-            </a:extLst>
-          </p:cNvPr>
+          <p:cNvPr id="10" name="Picture 9" descr="A close up of a logo&#10;&#10;Description automatically generated"/>
           <p:cNvPicPr>
             <a:picLocks noChangeAspect="1"/>
           </p:cNvPicPr>
           <p:nvPr userDrawn="1"/>
         </p:nvPicPr>
         <p:blipFill>
-          <a:blip r:embed="rId2" cstate="email">
-            <a:extLst>
-              <a:ext uri="{28A0092B-C50C-407E-A947-70E740481C1C}">
-                <a14:useLocalDpi xmlns:a14="http://schemas.microsoft.com/office/drawing/2010/main"/>
-              </a:ext>
-            </a:extLst>
-          </a:blip>
+          <a:blip r:embed="rId2" cstate="email"/>
           <a:stretch>
             <a:fillRect/>
           </a:stretch>
@@ -7503,28 +6497,18 @@
       </p:pic>
       <p:pic>
         <p:nvPicPr>
-          <p:cNvPr id="11" name="Picture 10" descr="A picture containing building, outdoor&#10;&#10;Description automatically generated">
-            <a:extLst>
-              <a:ext uri="{FF2B5EF4-FFF2-40B4-BE49-F238E27FC236}">
-                <a16:creationId xmlns:a16="http://schemas.microsoft.com/office/drawing/2014/main" id="{7F04E902-5E8F-2341-BD2B-645DFE5A032C}"/>
-              </a:ext>
-            </a:extLst>
-          </p:cNvPr>
+          <p:cNvPr id="11" name="Picture 10" descr="A picture containing building, outdoor&#10;&#10;Description automatically generated"/>
           <p:cNvPicPr>
             <a:picLocks noChangeAspect="1"/>
           </p:cNvPicPr>
           <p:nvPr userDrawn="1"/>
         </p:nvPicPr>
         <p:blipFill rotWithShape="1">
-          <a:blip r:embed="rId3" cstate="email">
-            <a:extLst>
-              <a:ext uri="{28A0092B-C50C-407E-A947-70E740481C1C}">
-                <a14:useLocalDpi xmlns:a14="http://schemas.microsoft.com/office/drawing/2010/main"/>
-              </a:ext>
-            </a:extLst>
-          </a:blip>
+          <a:blip r:embed="rId3" cstate="email"/>
           <a:srcRect/>
-          <a:stretch/>
+          <a:stretch>
+            <a:fillRect/>
+          </a:stretch>
         </p:blipFill>
         <p:spPr>
           <a:xfrm>
@@ -7538,13 +6522,7 @@
       </p:pic>
       <p:sp>
         <p:nvSpPr>
-          <p:cNvPr id="9" name="Title 8">
-            <a:extLst>
-              <a:ext uri="{FF2B5EF4-FFF2-40B4-BE49-F238E27FC236}">
-                <a16:creationId xmlns:a16="http://schemas.microsoft.com/office/drawing/2014/main" id="{2247765B-C297-9D4C-88A6-DD7AAB3B7E08}"/>
-              </a:ext>
-            </a:extLst>
-          </p:cNvPr>
+          <p:cNvPr id="9" name="Title 8"/>
           <p:cNvSpPr>
             <a:spLocks noGrp="1"/>
           </p:cNvSpPr>
@@ -7570,7 +6548,7 @@
                   <a:schemeClr val="bg1"/>
                 </a:solidFill>
                 <a:latin typeface="+mj-lt"/>
-                <a:cs typeface="Arial" panose="020B0604020202020204" pitchFamily="34" charset="0"/>
+                <a:cs typeface="Arial" panose="020B0604020202090204" pitchFamily="34" charset="0"/>
               </a:defRPr>
             </a:lvl1pPr>
           </a:lstStyle>
@@ -7579,18 +6557,13 @@
               <a:rPr lang="en-US" dirty="0"/>
               <a:t>Click to edit Master title style</a:t>
             </a:r>
+            <a:endParaRPr lang="en-US" dirty="0"/>
           </a:p>
         </p:txBody>
       </p:sp>
       <p:sp>
         <p:nvSpPr>
-          <p:cNvPr id="12" name="Text Placeholder 4">
-            <a:extLst>
-              <a:ext uri="{FF2B5EF4-FFF2-40B4-BE49-F238E27FC236}">
-                <a16:creationId xmlns:a16="http://schemas.microsoft.com/office/drawing/2014/main" id="{46AA5A77-B4AD-FB4D-9C50-E5814553BF0E}"/>
-              </a:ext>
-            </a:extLst>
-          </p:cNvPr>
+          <p:cNvPr id="12" name="Text Placeholder 4"/>
           <p:cNvSpPr>
             <a:spLocks noGrp="1"/>
           </p:cNvSpPr>
@@ -7642,6 +6615,7 @@
               <a:rPr lang="en-US" dirty="0"/>
               <a:t>Click to edit Master text styles</a:t>
             </a:r>
+            <a:endParaRPr lang="en-US" dirty="0"/>
           </a:p>
           <a:p>
             <a:pPr lvl="1"/>
@@ -7649,6 +6623,7 @@
               <a:rPr lang="en-US" dirty="0"/>
               <a:t>Second level</a:t>
             </a:r>
+            <a:endParaRPr lang="en-US" dirty="0"/>
           </a:p>
           <a:p>
             <a:pPr lvl="2"/>
@@ -7656,15 +6631,11 @@
               <a:rPr lang="en-US" dirty="0"/>
               <a:t>Third level</a:t>
             </a:r>
+            <a:endParaRPr lang="en-US" dirty="0"/>
           </a:p>
         </p:txBody>
       </p:sp>
     </p:spTree>
-    <p:extLst>
-      <p:ext uri="{BB962C8B-B14F-4D97-AF65-F5344CB8AC3E}">
-        <p14:creationId xmlns:p14="http://schemas.microsoft.com/office/powerpoint/2010/main" val="2598805060"/>
-      </p:ext>
-    </p:extLst>
   </p:cSld>
   <p:clrMapOvr>
     <a:masterClrMapping/>
@@ -7691,13 +6662,7 @@
       </p:grpSpPr>
       <p:sp>
         <p:nvSpPr>
-          <p:cNvPr id="6" name="Rectangle 5">
-            <a:extLst>
-              <a:ext uri="{FF2B5EF4-FFF2-40B4-BE49-F238E27FC236}">
-                <a16:creationId xmlns:a16="http://schemas.microsoft.com/office/drawing/2014/main" id="{B576A394-6B1F-4D42-AB9D-E8AC240619B4}"/>
-              </a:ext>
-            </a:extLst>
-          </p:cNvPr>
+          <p:cNvPr id="6" name="Rectangle 5"/>
           <p:cNvSpPr/>
           <p:nvPr userDrawn="1"/>
         </p:nvSpPr>
@@ -7750,26 +6715,14 @@
       </p:sp>
       <p:pic>
         <p:nvPicPr>
-          <p:cNvPr id="10" name="Picture 9" descr="A close up of a logo&#10;&#10;Description automatically generated">
-            <a:extLst>
-              <a:ext uri="{FF2B5EF4-FFF2-40B4-BE49-F238E27FC236}">
-                <a16:creationId xmlns:a16="http://schemas.microsoft.com/office/drawing/2014/main" id="{1811C849-DF8E-4316-9166-B19E70AB3203}"/>
-              </a:ext>
-            </a:extLst>
-          </p:cNvPr>
+          <p:cNvPr id="10" name="Picture 9" descr="A close up of a logo&#10;&#10;Description automatically generated"/>
           <p:cNvPicPr>
             <a:picLocks noChangeAspect="1"/>
           </p:cNvPicPr>
           <p:nvPr userDrawn="1"/>
         </p:nvPicPr>
         <p:blipFill>
-          <a:blip r:embed="rId2" cstate="email">
-            <a:extLst>
-              <a:ext uri="{28A0092B-C50C-407E-A947-70E740481C1C}">
-                <a14:useLocalDpi xmlns:a14="http://schemas.microsoft.com/office/drawing/2010/main"/>
-              </a:ext>
-            </a:extLst>
-          </a:blip>
+          <a:blip r:embed="rId2" cstate="email"/>
           <a:stretch>
             <a:fillRect/>
           </a:stretch>
@@ -7786,28 +6739,18 @@
       </p:pic>
       <p:pic>
         <p:nvPicPr>
-          <p:cNvPr id="11" name="Picture 10" descr="A picture containing wall, indoor, ceiling, floor&#10;&#10;Description automatically generated">
-            <a:extLst>
-              <a:ext uri="{FF2B5EF4-FFF2-40B4-BE49-F238E27FC236}">
-                <a16:creationId xmlns:a16="http://schemas.microsoft.com/office/drawing/2014/main" id="{A0E5CEAC-0663-5246-91BD-F5AF7EAADAD2}"/>
-              </a:ext>
-            </a:extLst>
-          </p:cNvPr>
+          <p:cNvPr id="11" name="Picture 10" descr="A picture containing wall, indoor, ceiling, floor&#10;&#10;Description automatically generated"/>
           <p:cNvPicPr>
             <a:picLocks noChangeAspect="1"/>
           </p:cNvPicPr>
           <p:nvPr userDrawn="1"/>
         </p:nvPicPr>
         <p:blipFill rotWithShape="1">
-          <a:blip r:embed="rId3" cstate="email">
-            <a:extLst>
-              <a:ext uri="{28A0092B-C50C-407E-A947-70E740481C1C}">
-                <a14:useLocalDpi xmlns:a14="http://schemas.microsoft.com/office/drawing/2010/main"/>
-              </a:ext>
-            </a:extLst>
-          </a:blip>
+          <a:blip r:embed="rId3" cstate="email"/>
           <a:srcRect/>
-          <a:stretch/>
+          <a:stretch>
+            <a:fillRect/>
+          </a:stretch>
         </p:blipFill>
         <p:spPr>
           <a:xfrm>
@@ -7821,13 +6764,7 @@
       </p:pic>
       <p:sp>
         <p:nvSpPr>
-          <p:cNvPr id="9" name="Title 8">
-            <a:extLst>
-              <a:ext uri="{FF2B5EF4-FFF2-40B4-BE49-F238E27FC236}">
-                <a16:creationId xmlns:a16="http://schemas.microsoft.com/office/drawing/2014/main" id="{812F6B4B-1723-1A4C-AF09-F05B8AB2C51D}"/>
-              </a:ext>
-            </a:extLst>
-          </p:cNvPr>
+          <p:cNvPr id="9" name="Title 8"/>
           <p:cNvSpPr>
             <a:spLocks noGrp="1"/>
           </p:cNvSpPr>
@@ -7853,7 +6790,7 @@
                   <a:schemeClr val="bg1"/>
                 </a:solidFill>
                 <a:latin typeface="+mj-lt"/>
-                <a:cs typeface="Arial" panose="020B0604020202020204" pitchFamily="34" charset="0"/>
+                <a:cs typeface="Arial" panose="020B0604020202090204" pitchFamily="34" charset="0"/>
               </a:defRPr>
             </a:lvl1pPr>
           </a:lstStyle>
@@ -7862,18 +6799,13 @@
               <a:rPr lang="en-US" dirty="0"/>
               <a:t>Click to edit Master title style</a:t>
             </a:r>
+            <a:endParaRPr lang="en-US" dirty="0"/>
           </a:p>
         </p:txBody>
       </p:sp>
       <p:sp>
         <p:nvSpPr>
-          <p:cNvPr id="12" name="Text Placeholder 4">
-            <a:extLst>
-              <a:ext uri="{FF2B5EF4-FFF2-40B4-BE49-F238E27FC236}">
-                <a16:creationId xmlns:a16="http://schemas.microsoft.com/office/drawing/2014/main" id="{F4AA7A69-63DD-8B41-B717-35D96A7976FE}"/>
-              </a:ext>
-            </a:extLst>
-          </p:cNvPr>
+          <p:cNvPr id="12" name="Text Placeholder 4"/>
           <p:cNvSpPr>
             <a:spLocks noGrp="1"/>
           </p:cNvSpPr>
@@ -7925,6 +6857,7 @@
               <a:rPr lang="en-US" dirty="0"/>
               <a:t>Click to edit Master text styles</a:t>
             </a:r>
+            <a:endParaRPr lang="en-US" dirty="0"/>
           </a:p>
           <a:p>
             <a:pPr lvl="1"/>
@@ -7932,6 +6865,7 @@
               <a:rPr lang="en-US" dirty="0"/>
               <a:t>Second level</a:t>
             </a:r>
+            <a:endParaRPr lang="en-US" dirty="0"/>
           </a:p>
           <a:p>
             <a:pPr lvl="2"/>
@@ -7939,15 +6873,11 @@
               <a:rPr lang="en-US" dirty="0"/>
               <a:t>Third level</a:t>
             </a:r>
+            <a:endParaRPr lang="en-US" dirty="0"/>
           </a:p>
         </p:txBody>
       </p:sp>
     </p:spTree>
-    <p:extLst>
-      <p:ext uri="{BB962C8B-B14F-4D97-AF65-F5344CB8AC3E}">
-        <p14:creationId xmlns:p14="http://schemas.microsoft.com/office/powerpoint/2010/main" val="331193768"/>
-      </p:ext>
-    </p:extLst>
   </p:cSld>
   <p:clrMapOvr>
     <a:masterClrMapping/>
@@ -7974,13 +6904,7 @@
       </p:grpSpPr>
       <p:sp>
         <p:nvSpPr>
-          <p:cNvPr id="6" name="Rectangle 5">
-            <a:extLst>
-              <a:ext uri="{FF2B5EF4-FFF2-40B4-BE49-F238E27FC236}">
-                <a16:creationId xmlns:a16="http://schemas.microsoft.com/office/drawing/2014/main" id="{B576A394-6B1F-4D42-AB9D-E8AC240619B4}"/>
-              </a:ext>
-            </a:extLst>
-          </p:cNvPr>
+          <p:cNvPr id="6" name="Rectangle 5"/>
           <p:cNvSpPr/>
           <p:nvPr userDrawn="1"/>
         </p:nvSpPr>
@@ -8033,26 +6957,14 @@
       </p:sp>
       <p:pic>
         <p:nvPicPr>
-          <p:cNvPr id="10" name="Picture 9" descr="A close up of a logo&#10;&#10;Description automatically generated">
-            <a:extLst>
-              <a:ext uri="{FF2B5EF4-FFF2-40B4-BE49-F238E27FC236}">
-                <a16:creationId xmlns:a16="http://schemas.microsoft.com/office/drawing/2014/main" id="{1811C849-DF8E-4316-9166-B19E70AB3203}"/>
-              </a:ext>
-            </a:extLst>
-          </p:cNvPr>
+          <p:cNvPr id="10" name="Picture 9" descr="A close up of a logo&#10;&#10;Description automatically generated"/>
           <p:cNvPicPr>
             <a:picLocks noChangeAspect="1"/>
           </p:cNvPicPr>
           <p:nvPr userDrawn="1"/>
         </p:nvPicPr>
         <p:blipFill>
-          <a:blip r:embed="rId2" cstate="email">
-            <a:extLst>
-              <a:ext uri="{28A0092B-C50C-407E-A947-70E740481C1C}">
-                <a14:useLocalDpi xmlns:a14="http://schemas.microsoft.com/office/drawing/2010/main"/>
-              </a:ext>
-            </a:extLst>
-          </a:blip>
+          <a:blip r:embed="rId2" cstate="email"/>
           <a:stretch>
             <a:fillRect/>
           </a:stretch>
@@ -8069,28 +6981,18 @@
       </p:pic>
       <p:pic>
         <p:nvPicPr>
-          <p:cNvPr id="11" name="Picture 10" descr="A view of a large building&#10;&#10;Description automatically generated">
-            <a:extLst>
-              <a:ext uri="{FF2B5EF4-FFF2-40B4-BE49-F238E27FC236}">
-                <a16:creationId xmlns:a16="http://schemas.microsoft.com/office/drawing/2014/main" id="{B1EF443F-1551-0648-BE62-2C268A5287F3}"/>
-              </a:ext>
-            </a:extLst>
-          </p:cNvPr>
+          <p:cNvPr id="11" name="Picture 10" descr="A view of a large building&#10;&#10;Description automatically generated"/>
           <p:cNvPicPr>
             <a:picLocks noChangeAspect="1"/>
           </p:cNvPicPr>
           <p:nvPr userDrawn="1"/>
         </p:nvPicPr>
         <p:blipFill rotWithShape="1">
-          <a:blip r:embed="rId3" cstate="email">
-            <a:extLst>
-              <a:ext uri="{28A0092B-C50C-407E-A947-70E740481C1C}">
-                <a14:useLocalDpi xmlns:a14="http://schemas.microsoft.com/office/drawing/2010/main"/>
-              </a:ext>
-            </a:extLst>
-          </a:blip>
+          <a:blip r:embed="rId3" cstate="email"/>
           <a:srcRect/>
-          <a:stretch/>
+          <a:stretch>
+            <a:fillRect/>
+          </a:stretch>
         </p:blipFill>
         <p:spPr>
           <a:xfrm>
@@ -8104,13 +7006,7 @@
       </p:pic>
       <p:sp>
         <p:nvSpPr>
-          <p:cNvPr id="9" name="Title 8">
-            <a:extLst>
-              <a:ext uri="{FF2B5EF4-FFF2-40B4-BE49-F238E27FC236}">
-                <a16:creationId xmlns:a16="http://schemas.microsoft.com/office/drawing/2014/main" id="{071A3A1C-E272-4843-89CE-EDECE6BC73FE}"/>
-              </a:ext>
-            </a:extLst>
-          </p:cNvPr>
+          <p:cNvPr id="9" name="Title 8"/>
           <p:cNvSpPr>
             <a:spLocks noGrp="1"/>
           </p:cNvSpPr>
@@ -8136,7 +7032,7 @@
                   <a:schemeClr val="bg1"/>
                 </a:solidFill>
                 <a:latin typeface="+mj-lt"/>
-                <a:cs typeface="Arial" panose="020B0604020202020204" pitchFamily="34" charset="0"/>
+                <a:cs typeface="Arial" panose="020B0604020202090204" pitchFamily="34" charset="0"/>
               </a:defRPr>
             </a:lvl1pPr>
           </a:lstStyle>
@@ -8145,18 +7041,13 @@
               <a:rPr lang="en-US" dirty="0"/>
               <a:t>Click to edit Master title style</a:t>
             </a:r>
+            <a:endParaRPr lang="en-US" dirty="0"/>
           </a:p>
         </p:txBody>
       </p:sp>
       <p:sp>
         <p:nvSpPr>
-          <p:cNvPr id="12" name="Text Placeholder 4">
-            <a:extLst>
-              <a:ext uri="{FF2B5EF4-FFF2-40B4-BE49-F238E27FC236}">
-                <a16:creationId xmlns:a16="http://schemas.microsoft.com/office/drawing/2014/main" id="{024402D9-880D-8140-95EC-69FB769CC429}"/>
-              </a:ext>
-            </a:extLst>
-          </p:cNvPr>
+          <p:cNvPr id="12" name="Text Placeholder 4"/>
           <p:cNvSpPr>
             <a:spLocks noGrp="1"/>
           </p:cNvSpPr>
@@ -8208,6 +7099,7 @@
               <a:rPr lang="en-US" dirty="0"/>
               <a:t>Click to edit Master text styles</a:t>
             </a:r>
+            <a:endParaRPr lang="en-US" dirty="0"/>
           </a:p>
           <a:p>
             <a:pPr lvl="1"/>
@@ -8215,6 +7107,7 @@
               <a:rPr lang="en-US" dirty="0"/>
               <a:t>Second level</a:t>
             </a:r>
+            <a:endParaRPr lang="en-US" dirty="0"/>
           </a:p>
           <a:p>
             <a:pPr lvl="2"/>
@@ -8222,15 +7115,11 @@
               <a:rPr lang="en-US" dirty="0"/>
               <a:t>Third level</a:t>
             </a:r>
+            <a:endParaRPr lang="en-US" dirty="0"/>
           </a:p>
         </p:txBody>
       </p:sp>
     </p:spTree>
-    <p:extLst>
-      <p:ext uri="{BB962C8B-B14F-4D97-AF65-F5344CB8AC3E}">
-        <p14:creationId xmlns:p14="http://schemas.microsoft.com/office/powerpoint/2010/main" val="1054383595"/>
-      </p:ext>
-    </p:extLst>
   </p:cSld>
   <p:clrMapOvr>
     <a:masterClrMapping/>
@@ -8257,13 +7146,7 @@
       </p:grpSpPr>
       <p:sp>
         <p:nvSpPr>
-          <p:cNvPr id="6" name="Rectangle 5">
-            <a:extLst>
-              <a:ext uri="{FF2B5EF4-FFF2-40B4-BE49-F238E27FC236}">
-                <a16:creationId xmlns:a16="http://schemas.microsoft.com/office/drawing/2014/main" id="{B576A394-6B1F-4D42-AB9D-E8AC240619B4}"/>
-              </a:ext>
-            </a:extLst>
-          </p:cNvPr>
+          <p:cNvPr id="6" name="Rectangle 5"/>
           <p:cNvSpPr/>
           <p:nvPr userDrawn="1"/>
         </p:nvSpPr>
@@ -8316,26 +7199,14 @@
       </p:sp>
       <p:pic>
         <p:nvPicPr>
-          <p:cNvPr id="10" name="Picture 9" descr="A close up of a logo&#10;&#10;Description automatically generated">
-            <a:extLst>
-              <a:ext uri="{FF2B5EF4-FFF2-40B4-BE49-F238E27FC236}">
-                <a16:creationId xmlns:a16="http://schemas.microsoft.com/office/drawing/2014/main" id="{1811C849-DF8E-4316-9166-B19E70AB3203}"/>
-              </a:ext>
-            </a:extLst>
-          </p:cNvPr>
+          <p:cNvPr id="10" name="Picture 9" descr="A close up of a logo&#10;&#10;Description automatically generated"/>
           <p:cNvPicPr>
             <a:picLocks noChangeAspect="1"/>
           </p:cNvPicPr>
           <p:nvPr userDrawn="1"/>
         </p:nvPicPr>
         <p:blipFill>
-          <a:blip r:embed="rId2" cstate="email">
-            <a:extLst>
-              <a:ext uri="{28A0092B-C50C-407E-A947-70E740481C1C}">
-                <a14:useLocalDpi xmlns:a14="http://schemas.microsoft.com/office/drawing/2010/main"/>
-              </a:ext>
-            </a:extLst>
-          </a:blip>
+          <a:blip r:embed="rId2" cstate="email"/>
           <a:stretch>
             <a:fillRect/>
           </a:stretch>
@@ -8352,28 +7223,18 @@
       </p:pic>
       <p:pic>
         <p:nvPicPr>
-          <p:cNvPr id="12" name="Picture 11" descr="A view of a large window&#10;&#10;Description automatically generated">
-            <a:extLst>
-              <a:ext uri="{FF2B5EF4-FFF2-40B4-BE49-F238E27FC236}">
-                <a16:creationId xmlns:a16="http://schemas.microsoft.com/office/drawing/2014/main" id="{420423EE-BBB8-3641-9440-EA11434269FF}"/>
-              </a:ext>
-            </a:extLst>
-          </p:cNvPr>
+          <p:cNvPr id="12" name="Picture 11" descr="A view of a large window&#10;&#10;Description automatically generated"/>
           <p:cNvPicPr>
             <a:picLocks noChangeAspect="1"/>
           </p:cNvPicPr>
           <p:nvPr userDrawn="1"/>
         </p:nvPicPr>
         <p:blipFill rotWithShape="1">
-          <a:blip r:embed="rId3" cstate="email">
-            <a:extLst>
-              <a:ext uri="{28A0092B-C50C-407E-A947-70E740481C1C}">
-                <a14:useLocalDpi xmlns:a14="http://schemas.microsoft.com/office/drawing/2010/main"/>
-              </a:ext>
-            </a:extLst>
-          </a:blip>
+          <a:blip r:embed="rId3" cstate="email"/>
           <a:srcRect/>
-          <a:stretch/>
+          <a:stretch>
+            <a:fillRect/>
+          </a:stretch>
         </p:blipFill>
         <p:spPr>
           <a:xfrm>
@@ -8387,13 +7248,7 @@
       </p:pic>
       <p:sp>
         <p:nvSpPr>
-          <p:cNvPr id="9" name="Title 8">
-            <a:extLst>
-              <a:ext uri="{FF2B5EF4-FFF2-40B4-BE49-F238E27FC236}">
-                <a16:creationId xmlns:a16="http://schemas.microsoft.com/office/drawing/2014/main" id="{CA20B820-D2E2-C848-9E8F-F76BE1FE3980}"/>
-              </a:ext>
-            </a:extLst>
-          </p:cNvPr>
+          <p:cNvPr id="9" name="Title 8"/>
           <p:cNvSpPr>
             <a:spLocks noGrp="1"/>
           </p:cNvSpPr>
@@ -8419,7 +7274,7 @@
                   <a:schemeClr val="bg1"/>
                 </a:solidFill>
                 <a:latin typeface="+mj-lt"/>
-                <a:cs typeface="Arial" panose="020B0604020202020204" pitchFamily="34" charset="0"/>
+                <a:cs typeface="Arial" panose="020B0604020202090204" pitchFamily="34" charset="0"/>
               </a:defRPr>
             </a:lvl1pPr>
           </a:lstStyle>
@@ -8428,18 +7283,13 @@
               <a:rPr lang="en-US" dirty="0"/>
               <a:t>Click to edit Master title style</a:t>
             </a:r>
+            <a:endParaRPr lang="en-US" dirty="0"/>
           </a:p>
         </p:txBody>
       </p:sp>
       <p:sp>
         <p:nvSpPr>
-          <p:cNvPr id="11" name="Text Placeholder 4">
-            <a:extLst>
-              <a:ext uri="{FF2B5EF4-FFF2-40B4-BE49-F238E27FC236}">
-                <a16:creationId xmlns:a16="http://schemas.microsoft.com/office/drawing/2014/main" id="{3A26D019-3A8C-1B41-B128-5C2268769584}"/>
-              </a:ext>
-            </a:extLst>
-          </p:cNvPr>
+          <p:cNvPr id="11" name="Text Placeholder 4"/>
           <p:cNvSpPr>
             <a:spLocks noGrp="1"/>
           </p:cNvSpPr>
@@ -8491,6 +7341,7 @@
               <a:rPr lang="en-US" dirty="0"/>
               <a:t>Click to edit Master text styles</a:t>
             </a:r>
+            <a:endParaRPr lang="en-US" dirty="0"/>
           </a:p>
           <a:p>
             <a:pPr lvl="1"/>
@@ -8498,6 +7349,7 @@
               <a:rPr lang="en-US" dirty="0"/>
               <a:t>Second level</a:t>
             </a:r>
+            <a:endParaRPr lang="en-US" dirty="0"/>
           </a:p>
           <a:p>
             <a:pPr lvl="2"/>
@@ -8505,15 +7357,11 @@
               <a:rPr lang="en-US" dirty="0"/>
               <a:t>Third level</a:t>
             </a:r>
+            <a:endParaRPr lang="en-US" dirty="0"/>
           </a:p>
         </p:txBody>
       </p:sp>
     </p:spTree>
-    <p:extLst>
-      <p:ext uri="{BB962C8B-B14F-4D97-AF65-F5344CB8AC3E}">
-        <p14:creationId xmlns:p14="http://schemas.microsoft.com/office/powerpoint/2010/main" val="3184526765"/>
-      </p:ext>
-    </p:extLst>
   </p:cSld>
   <p:clrMapOvr>
     <a:masterClrMapping/>
@@ -8540,13 +7388,7 @@
       </p:grpSpPr>
       <p:sp>
         <p:nvSpPr>
-          <p:cNvPr id="6" name="Rectangle 5">
-            <a:extLst>
-              <a:ext uri="{FF2B5EF4-FFF2-40B4-BE49-F238E27FC236}">
-                <a16:creationId xmlns:a16="http://schemas.microsoft.com/office/drawing/2014/main" id="{B576A394-6B1F-4D42-AB9D-E8AC240619B4}"/>
-              </a:ext>
-            </a:extLst>
-          </p:cNvPr>
+          <p:cNvPr id="6" name="Rectangle 5"/>
           <p:cNvSpPr/>
           <p:nvPr userDrawn="1"/>
         </p:nvSpPr>
@@ -8599,26 +7441,14 @@
       </p:sp>
       <p:pic>
         <p:nvPicPr>
-          <p:cNvPr id="10" name="Picture 9" descr="A close up of a logo&#10;&#10;Description automatically generated">
-            <a:extLst>
-              <a:ext uri="{FF2B5EF4-FFF2-40B4-BE49-F238E27FC236}">
-                <a16:creationId xmlns:a16="http://schemas.microsoft.com/office/drawing/2014/main" id="{1811C849-DF8E-4316-9166-B19E70AB3203}"/>
-              </a:ext>
-            </a:extLst>
-          </p:cNvPr>
+          <p:cNvPr id="10" name="Picture 9" descr="A close up of a logo&#10;&#10;Description automatically generated"/>
           <p:cNvPicPr>
             <a:picLocks noChangeAspect="1"/>
           </p:cNvPicPr>
           <p:nvPr userDrawn="1"/>
         </p:nvPicPr>
         <p:blipFill>
-          <a:blip r:embed="rId2" cstate="email">
-            <a:extLst>
-              <a:ext uri="{28A0092B-C50C-407E-A947-70E740481C1C}">
-                <a14:useLocalDpi xmlns:a14="http://schemas.microsoft.com/office/drawing/2010/main"/>
-              </a:ext>
-            </a:extLst>
-          </a:blip>
+          <a:blip r:embed="rId2" cstate="email"/>
           <a:stretch>
             <a:fillRect/>
           </a:stretch>
@@ -8635,28 +7465,18 @@
       </p:pic>
       <p:pic>
         <p:nvPicPr>
-          <p:cNvPr id="12" name="Picture 11" descr="A bench in front of a building&#10;&#10;Description automatically generated">
-            <a:extLst>
-              <a:ext uri="{FF2B5EF4-FFF2-40B4-BE49-F238E27FC236}">
-                <a16:creationId xmlns:a16="http://schemas.microsoft.com/office/drawing/2014/main" id="{9DA25CDA-EEDD-A747-B55E-843FD2345DED}"/>
-              </a:ext>
-            </a:extLst>
-          </p:cNvPr>
+          <p:cNvPr id="12" name="Picture 11" descr="A bench in front of a building&#10;&#10;Description automatically generated"/>
           <p:cNvPicPr>
             <a:picLocks noChangeAspect="1"/>
           </p:cNvPicPr>
           <p:nvPr userDrawn="1"/>
         </p:nvPicPr>
         <p:blipFill rotWithShape="1">
-          <a:blip r:embed="rId3" cstate="email">
-            <a:extLst>
-              <a:ext uri="{28A0092B-C50C-407E-A947-70E740481C1C}">
-                <a14:useLocalDpi xmlns:a14="http://schemas.microsoft.com/office/drawing/2010/main"/>
-              </a:ext>
-            </a:extLst>
-          </a:blip>
+          <a:blip r:embed="rId3" cstate="email"/>
           <a:srcRect b="-3014"/>
-          <a:stretch/>
+          <a:stretch>
+            <a:fillRect/>
+          </a:stretch>
         </p:blipFill>
         <p:spPr>
           <a:xfrm>
@@ -8670,13 +7490,7 @@
       </p:pic>
       <p:sp>
         <p:nvSpPr>
-          <p:cNvPr id="9" name="Title 8">
-            <a:extLst>
-              <a:ext uri="{FF2B5EF4-FFF2-40B4-BE49-F238E27FC236}">
-                <a16:creationId xmlns:a16="http://schemas.microsoft.com/office/drawing/2014/main" id="{D4F558B5-645F-6C4B-801D-D20713615862}"/>
-              </a:ext>
-            </a:extLst>
-          </p:cNvPr>
+          <p:cNvPr id="9" name="Title 8"/>
           <p:cNvSpPr>
             <a:spLocks noGrp="1"/>
           </p:cNvSpPr>
@@ -8702,7 +7516,7 @@
                   <a:schemeClr val="bg1"/>
                 </a:solidFill>
                 <a:latin typeface="+mj-lt"/>
-                <a:cs typeface="Arial" panose="020B0604020202020204" pitchFamily="34" charset="0"/>
+                <a:cs typeface="Arial" panose="020B0604020202090204" pitchFamily="34" charset="0"/>
               </a:defRPr>
             </a:lvl1pPr>
           </a:lstStyle>
@@ -8711,18 +7525,13 @@
               <a:rPr lang="en-US" dirty="0"/>
               <a:t>Click to edit Master title style</a:t>
             </a:r>
+            <a:endParaRPr lang="en-US" dirty="0"/>
           </a:p>
         </p:txBody>
       </p:sp>
       <p:sp>
         <p:nvSpPr>
-          <p:cNvPr id="11" name="Text Placeholder 4">
-            <a:extLst>
-              <a:ext uri="{FF2B5EF4-FFF2-40B4-BE49-F238E27FC236}">
-                <a16:creationId xmlns:a16="http://schemas.microsoft.com/office/drawing/2014/main" id="{29DC9766-3762-D345-9507-0129C70C46C6}"/>
-              </a:ext>
-            </a:extLst>
-          </p:cNvPr>
+          <p:cNvPr id="11" name="Text Placeholder 4"/>
           <p:cNvSpPr>
             <a:spLocks noGrp="1"/>
           </p:cNvSpPr>
@@ -8774,6 +7583,7 @@
               <a:rPr lang="en-US" dirty="0"/>
               <a:t>Click to edit Master text styles</a:t>
             </a:r>
+            <a:endParaRPr lang="en-US" dirty="0"/>
           </a:p>
           <a:p>
             <a:pPr lvl="1"/>
@@ -8781,6 +7591,7 @@
               <a:rPr lang="en-US" dirty="0"/>
               <a:t>Second level</a:t>
             </a:r>
+            <a:endParaRPr lang="en-US" dirty="0"/>
           </a:p>
           <a:p>
             <a:pPr lvl="2"/>
@@ -8788,15 +7599,11 @@
               <a:rPr lang="en-US" dirty="0"/>
               <a:t>Third level</a:t>
             </a:r>
+            <a:endParaRPr lang="en-US" dirty="0"/>
           </a:p>
         </p:txBody>
       </p:sp>
     </p:spTree>
-    <p:extLst>
-      <p:ext uri="{BB962C8B-B14F-4D97-AF65-F5344CB8AC3E}">
-        <p14:creationId xmlns:p14="http://schemas.microsoft.com/office/powerpoint/2010/main" val="1217307955"/>
-      </p:ext>
-    </p:extLst>
   </p:cSld>
   <p:clrMapOvr>
     <a:masterClrMapping/>
@@ -8823,13 +7630,7 @@
       </p:grpSpPr>
       <p:sp>
         <p:nvSpPr>
-          <p:cNvPr id="6" name="Rectangle 5">
-            <a:extLst>
-              <a:ext uri="{FF2B5EF4-FFF2-40B4-BE49-F238E27FC236}">
-                <a16:creationId xmlns:a16="http://schemas.microsoft.com/office/drawing/2014/main" id="{B576A394-6B1F-4D42-AB9D-E8AC240619B4}"/>
-              </a:ext>
-            </a:extLst>
-          </p:cNvPr>
+          <p:cNvPr id="6" name="Rectangle 5"/>
           <p:cNvSpPr/>
           <p:nvPr userDrawn="1"/>
         </p:nvSpPr>
@@ -8882,26 +7683,14 @@
       </p:sp>
       <p:pic>
         <p:nvPicPr>
-          <p:cNvPr id="10" name="Picture 9" descr="A close up of a logo&#10;&#10;Description automatically generated">
-            <a:extLst>
-              <a:ext uri="{FF2B5EF4-FFF2-40B4-BE49-F238E27FC236}">
-                <a16:creationId xmlns:a16="http://schemas.microsoft.com/office/drawing/2014/main" id="{1811C849-DF8E-4316-9166-B19E70AB3203}"/>
-              </a:ext>
-            </a:extLst>
-          </p:cNvPr>
+          <p:cNvPr id="10" name="Picture 9" descr="A close up of a logo&#10;&#10;Description automatically generated"/>
           <p:cNvPicPr>
             <a:picLocks noChangeAspect="1"/>
           </p:cNvPicPr>
           <p:nvPr userDrawn="1"/>
         </p:nvPicPr>
         <p:blipFill>
-          <a:blip r:embed="rId2" cstate="email">
-            <a:extLst>
-              <a:ext uri="{28A0092B-C50C-407E-A947-70E740481C1C}">
-                <a14:useLocalDpi xmlns:a14="http://schemas.microsoft.com/office/drawing/2010/main"/>
-              </a:ext>
-            </a:extLst>
-          </a:blip>
+          <a:blip r:embed="rId2" cstate="email"/>
           <a:stretch>
             <a:fillRect/>
           </a:stretch>
@@ -8918,28 +7707,18 @@
       </p:pic>
       <p:pic>
         <p:nvPicPr>
-          <p:cNvPr id="11" name="Picture 10" descr="A close up of a brick building&#10;&#10;Description automatically generated">
-            <a:extLst>
-              <a:ext uri="{FF2B5EF4-FFF2-40B4-BE49-F238E27FC236}">
-                <a16:creationId xmlns:a16="http://schemas.microsoft.com/office/drawing/2014/main" id="{42F16A81-DDB6-9744-A640-ECE9CE4414F5}"/>
-              </a:ext>
-            </a:extLst>
-          </p:cNvPr>
+          <p:cNvPr id="11" name="Picture 10" descr="A close up of a brick building&#10;&#10;Description automatically generated"/>
           <p:cNvPicPr>
             <a:picLocks noChangeAspect="1"/>
           </p:cNvPicPr>
           <p:nvPr userDrawn="1"/>
         </p:nvPicPr>
         <p:blipFill rotWithShape="1">
-          <a:blip r:embed="rId3" cstate="email">
-            <a:extLst>
-              <a:ext uri="{28A0092B-C50C-407E-A947-70E740481C1C}">
-                <a14:useLocalDpi xmlns:a14="http://schemas.microsoft.com/office/drawing/2010/main"/>
-              </a:ext>
-            </a:extLst>
-          </a:blip>
+          <a:blip r:embed="rId3" cstate="email"/>
           <a:srcRect/>
-          <a:stretch/>
+          <a:stretch>
+            <a:fillRect/>
+          </a:stretch>
         </p:blipFill>
         <p:spPr>
           <a:xfrm>
@@ -8953,13 +7732,7 @@
       </p:pic>
       <p:sp>
         <p:nvSpPr>
-          <p:cNvPr id="9" name="Title 8">
-            <a:extLst>
-              <a:ext uri="{FF2B5EF4-FFF2-40B4-BE49-F238E27FC236}">
-                <a16:creationId xmlns:a16="http://schemas.microsoft.com/office/drawing/2014/main" id="{D3EFE137-6AA8-5146-BB5B-1B41A5B34CB7}"/>
-              </a:ext>
-            </a:extLst>
-          </p:cNvPr>
+          <p:cNvPr id="9" name="Title 8"/>
           <p:cNvSpPr>
             <a:spLocks noGrp="1"/>
           </p:cNvSpPr>
@@ -8985,7 +7758,7 @@
                   <a:schemeClr val="bg1"/>
                 </a:solidFill>
                 <a:latin typeface="+mj-lt"/>
-                <a:cs typeface="Arial" panose="020B0604020202020204" pitchFamily="34" charset="0"/>
+                <a:cs typeface="Arial" panose="020B0604020202090204" pitchFamily="34" charset="0"/>
               </a:defRPr>
             </a:lvl1pPr>
           </a:lstStyle>
@@ -8994,18 +7767,13 @@
               <a:rPr lang="en-US" dirty="0"/>
               <a:t>Click to edit Master title style</a:t>
             </a:r>
+            <a:endParaRPr lang="en-US" dirty="0"/>
           </a:p>
         </p:txBody>
       </p:sp>
       <p:sp>
         <p:nvSpPr>
-          <p:cNvPr id="12" name="Text Placeholder 4">
-            <a:extLst>
-              <a:ext uri="{FF2B5EF4-FFF2-40B4-BE49-F238E27FC236}">
-                <a16:creationId xmlns:a16="http://schemas.microsoft.com/office/drawing/2014/main" id="{9BF42F2D-F344-4347-A77A-879196FB6781}"/>
-              </a:ext>
-            </a:extLst>
-          </p:cNvPr>
+          <p:cNvPr id="12" name="Text Placeholder 4"/>
           <p:cNvSpPr>
             <a:spLocks noGrp="1"/>
           </p:cNvSpPr>
@@ -9057,6 +7825,7 @@
               <a:rPr lang="en-US" dirty="0"/>
               <a:t>Click to edit Master text styles</a:t>
             </a:r>
+            <a:endParaRPr lang="en-US" dirty="0"/>
           </a:p>
           <a:p>
             <a:pPr lvl="1"/>
@@ -9064,6 +7833,7 @@
               <a:rPr lang="en-US" dirty="0"/>
               <a:t>Second level</a:t>
             </a:r>
+            <a:endParaRPr lang="en-US" dirty="0"/>
           </a:p>
           <a:p>
             <a:pPr lvl="2"/>
@@ -9071,15 +7841,11 @@
               <a:rPr lang="en-US" dirty="0"/>
               <a:t>Third level</a:t>
             </a:r>
+            <a:endParaRPr lang="en-US" dirty="0"/>
           </a:p>
         </p:txBody>
       </p:sp>
     </p:spTree>
-    <p:extLst>
-      <p:ext uri="{BB962C8B-B14F-4D97-AF65-F5344CB8AC3E}">
-        <p14:creationId xmlns:p14="http://schemas.microsoft.com/office/powerpoint/2010/main" val="2791457534"/>
-      </p:ext>
-    </p:extLst>
   </p:cSld>
   <p:clrMapOvr>
     <a:masterClrMapping/>
@@ -9112,9 +7878,7 @@
       <p:sp>
         <p:nvSpPr>
           <p:cNvPr id="12" name="Slide Number Placeholder 5"/>
-          <p:cNvSpPr txBox="1">
-            <a:spLocks/>
-          </p:cNvSpPr>
+          <p:cNvSpPr txBox="1"/>
           <p:nvPr/>
         </p:nvSpPr>
         <p:spPr>
@@ -9239,16 +8003,6 @@
             </a:r>
             <a:fld id="{3B11C02F-2186-5E4E-90C0-5210A150EF90}" type="slidenum">
               <a:rPr lang="en-US" sz="675" smtClean="0"/>
-              <a:pPr fontAlgn="auto">
-                <a:spcBef>
-                  <a:spcPts val="0"/>
-                </a:spcBef>
-                <a:spcAft>
-                  <a:spcPts val="0"/>
-                </a:spcAft>
-                <a:defRPr/>
-              </a:pPr>
-              <a:t>‹#›</a:t>
             </a:fld>
             <a:endParaRPr lang="en-US" sz="675" dirty="0"/>
           </a:p>
@@ -9256,16 +8010,8 @@
       </p:sp>
       <p:sp>
         <p:nvSpPr>
-          <p:cNvPr id="6" name="Date Placeholder 3">
-            <a:extLst>
-              <a:ext uri="{FF2B5EF4-FFF2-40B4-BE49-F238E27FC236}">
-                <a16:creationId xmlns:a16="http://schemas.microsoft.com/office/drawing/2014/main" id="{B454F75B-D7A2-4B14-8535-B803517C2A15}"/>
-              </a:ext>
-            </a:extLst>
-          </p:cNvPr>
-          <p:cNvSpPr txBox="1">
-            <a:spLocks/>
-          </p:cNvSpPr>
+          <p:cNvPr id="6" name="Date Placeholder 3"/>
+          <p:cNvSpPr txBox="1"/>
           <p:nvPr userDrawn="1"/>
         </p:nvSpPr>
         <p:spPr>
@@ -9386,34 +8132,28 @@
             </a:pPr>
             <a:r>
               <a:rPr dirty="0">
-                <a:latin typeface="Arial" panose="020B0604020202020204" pitchFamily="34" charset="0"/>
-                <a:cs typeface="Arial" panose="020B0604020202020204" pitchFamily="34" charset="0"/>
+                <a:latin typeface="Arial" panose="020B0604020202090204" pitchFamily="34" charset="0"/>
+                <a:cs typeface="Arial" panose="020B0604020202090204" pitchFamily="34" charset="0"/>
               </a:rPr>
               <a:t>The </a:t>
             </a:r>
             <a:r>
               <a:rPr lang="en-AU" dirty="0">
-                <a:latin typeface="Arial" panose="020B0604020202020204" pitchFamily="34" charset="0"/>
-                <a:cs typeface="Arial" panose="020B0604020202020204" pitchFamily="34" charset="0"/>
+                <a:latin typeface="Arial" panose="020B0604020202090204" pitchFamily="34" charset="0"/>
+                <a:cs typeface="Arial" panose="020B0604020202090204" pitchFamily="34" charset="0"/>
               </a:rPr>
               <a:t>University of Sydney</a:t>
             </a:r>
             <a:endParaRPr dirty="0">
-              <a:latin typeface="Arial" panose="020B0604020202020204" pitchFamily="34" charset="0"/>
-              <a:cs typeface="Arial" panose="020B0604020202020204" pitchFamily="34" charset="0"/>
+              <a:latin typeface="Arial" panose="020B0604020202090204" pitchFamily="34" charset="0"/>
+              <a:cs typeface="Arial" panose="020B0604020202090204" pitchFamily="34" charset="0"/>
             </a:endParaRPr>
           </a:p>
         </p:txBody>
       </p:sp>
       <p:sp>
         <p:nvSpPr>
-          <p:cNvPr id="7" name="Title Placeholder 1">
-            <a:extLst>
-              <a:ext uri="{FF2B5EF4-FFF2-40B4-BE49-F238E27FC236}">
-                <a16:creationId xmlns:a16="http://schemas.microsoft.com/office/drawing/2014/main" id="{BE9EF11D-F5BE-ED40-AB5F-104A2C9A67EF}"/>
-              </a:ext>
-            </a:extLst>
-          </p:cNvPr>
+          <p:cNvPr id="7" name="Title Placeholder 1"/>
           <p:cNvSpPr>
             <a:spLocks noGrp="1"/>
           </p:cNvSpPr>
@@ -9433,35 +8173,9 @@
           <a:ln>
             <a:noFill/>
           </a:ln>
-          <a:extLst>
-            <a:ext uri="{909E8E84-426E-40dd-AFC4-6F175D3DCCD1}">
-              <a14:hiddenFill xmlns="" xmlns:a14="http://schemas.microsoft.com/office/drawing/2010/main">
-                <a:solidFill>
-                  <a:srgbClr val="FFFFFF"/>
-                </a:solidFill>
-              </a14:hiddenFill>
-            </a:ext>
-            <a:ext uri="{91240B29-F687-4f45-9708-019B960494DF}">
-              <a14:hiddenLine xmlns="" xmlns:a14="http://schemas.microsoft.com/office/drawing/2010/main" w="9525">
-                <a:solidFill>
-                  <a:srgbClr val="000000"/>
-                </a:solidFill>
-                <a:miter lim="800000"/>
-                <a:headEnd/>
-                <a:tailEnd/>
-              </a14:hiddenLine>
-            </a:ext>
-            <a:ext uri="{FAA26D3D-D897-4be2-8F04-BA451C77F1D7}">
-              <ma14:placeholderFlag xmlns="" xmlns:ma14="http://schemas.microsoft.com/office/mac/drawingml/2011/main" val="1"/>
-            </a:ext>
-          </a:extLst>
         </p:spPr>
         <p:txBody>
-          <a:bodyPr vert="horz" wrap="square" lIns="0" tIns="0" rIns="0" bIns="0" numCol="1" anchor="t" anchorCtr="0" compatLnSpc="1">
-            <a:prstTxWarp prst="textNoShape">
-              <a:avLst/>
-            </a:prstTxWarp>
-          </a:bodyPr>
+          <a:bodyPr vert="horz" wrap="square" lIns="0" tIns="0" rIns="0" bIns="0" numCol="1" anchor="t" anchorCtr="0" compatLnSpc="1"/>
           <a:lstStyle/>
           <a:p>
             <a:pPr lvl="0"/>
@@ -9469,18 +8183,13 @@
               <a:rPr lang="en-US" dirty="0"/>
               <a:t>Insert title here</a:t>
             </a:r>
+            <a:endParaRPr lang="en-US" dirty="0"/>
           </a:p>
         </p:txBody>
       </p:sp>
       <p:sp>
         <p:nvSpPr>
-          <p:cNvPr id="8" name="Text Placeholder 2">
-            <a:extLst>
-              <a:ext uri="{FF2B5EF4-FFF2-40B4-BE49-F238E27FC236}">
-                <a16:creationId xmlns:a16="http://schemas.microsoft.com/office/drawing/2014/main" id="{31D8007C-8639-1A4A-A2BB-5F88DD41E22F}"/>
-              </a:ext>
-            </a:extLst>
-          </p:cNvPr>
+          <p:cNvPr id="8" name="Text Placeholder 2"/>
           <p:cNvSpPr>
             <a:spLocks noGrp="1"/>
           </p:cNvSpPr>
@@ -9500,35 +8209,9 @@
           <a:ln>
             <a:noFill/>
           </a:ln>
-          <a:extLst>
-            <a:ext uri="{909E8E84-426E-40dd-AFC4-6F175D3DCCD1}">
-              <a14:hiddenFill xmlns="" xmlns:a14="http://schemas.microsoft.com/office/drawing/2010/main">
-                <a:solidFill>
-                  <a:srgbClr val="FFFFFF"/>
-                </a:solidFill>
-              </a14:hiddenFill>
-            </a:ext>
-            <a:ext uri="{91240B29-F687-4f45-9708-019B960494DF}">
-              <a14:hiddenLine xmlns="" xmlns:a14="http://schemas.microsoft.com/office/drawing/2010/main" w="9525">
-                <a:solidFill>
-                  <a:srgbClr val="000000"/>
-                </a:solidFill>
-                <a:miter lim="800000"/>
-                <a:headEnd/>
-                <a:tailEnd/>
-              </a14:hiddenLine>
-            </a:ext>
-            <a:ext uri="{FAA26D3D-D897-4be2-8F04-BA451C77F1D7}">
-              <ma14:placeholderFlag xmlns="" xmlns:ma14="http://schemas.microsoft.com/office/mac/drawingml/2011/main" val="1"/>
-            </a:ext>
-          </a:extLst>
         </p:spPr>
         <p:txBody>
-          <a:bodyPr vert="horz" wrap="square" lIns="91440" tIns="45720" rIns="91440" bIns="45720" numCol="1" anchor="t" anchorCtr="0" compatLnSpc="1">
-            <a:prstTxWarp prst="textNoShape">
-              <a:avLst/>
-            </a:prstTxWarp>
-          </a:bodyPr>
+          <a:bodyPr vert="horz" wrap="square" lIns="91440" tIns="45720" rIns="91440" bIns="45720" numCol="1" anchor="t" anchorCtr="0" compatLnSpc="1"/>
           <a:lstStyle/>
           <a:p>
             <a:pPr lvl="0"/>
@@ -9536,6 +8219,7 @@
               <a:rPr lang="en-US" dirty="0"/>
               <a:t>Sub-heading Bold… 20pt</a:t>
             </a:r>
+            <a:endParaRPr lang="en-US" dirty="0"/>
           </a:p>
           <a:p>
             <a:pPr lvl="0"/>
@@ -9543,49 +8227,45 @@
               <a:rPr lang="en-US" dirty="0"/>
               <a:t>Add body copy </a:t>
             </a:r>
+            <a:endParaRPr lang="en-US" dirty="0"/>
           </a:p>
         </p:txBody>
       </p:sp>
     </p:spTree>
-    <p:extLst>
-      <p:ext uri="{BB962C8B-B14F-4D97-AF65-F5344CB8AC3E}">
-        <p14:creationId xmlns:p14="http://schemas.microsoft.com/office/powerpoint/2010/main" val="2228609886"/>
-      </p:ext>
-    </p:extLst>
   </p:cSld>
   <p:clrMap bg1="lt1" tx1="dk1" bg2="lt2" tx2="dk2" accent1="accent1" accent2="accent2" accent3="accent3" accent4="accent4" accent5="accent5" accent6="accent6" hlink="hlink" folHlink="folHlink"/>
   <p:sldLayoutIdLst>
-    <p:sldLayoutId id="2147483791" r:id="rId1"/>
-    <p:sldLayoutId id="2147483792" r:id="rId2"/>
-    <p:sldLayoutId id="2147483793" r:id="rId3"/>
-    <p:sldLayoutId id="2147483816" r:id="rId4"/>
-    <p:sldLayoutId id="2147483817" r:id="rId5"/>
-    <p:sldLayoutId id="2147483818" r:id="rId6"/>
-    <p:sldLayoutId id="2147483819" r:id="rId7"/>
-    <p:sldLayoutId id="2147483820" r:id="rId8"/>
-    <p:sldLayoutId id="2147483821" r:id="rId9"/>
-    <p:sldLayoutId id="2147483794" r:id="rId10"/>
-    <p:sldLayoutId id="2147483845" r:id="rId11"/>
-    <p:sldLayoutId id="2147483795" r:id="rId12"/>
-    <p:sldLayoutId id="2147483796" r:id="rId13"/>
-    <p:sldLayoutId id="2147483798" r:id="rId14"/>
-    <p:sldLayoutId id="2147483799" r:id="rId15"/>
-    <p:sldLayoutId id="2147483800" r:id="rId16"/>
-    <p:sldLayoutId id="2147483801" r:id="rId17"/>
-    <p:sldLayoutId id="2147483822" r:id="rId18"/>
-    <p:sldLayoutId id="2147483797" r:id="rId19"/>
-    <p:sldLayoutId id="2147483814" r:id="rId20"/>
-    <p:sldLayoutId id="2147483802" r:id="rId21"/>
-    <p:sldLayoutId id="2147483803" r:id="rId22"/>
-    <p:sldLayoutId id="2147483804" r:id="rId23"/>
-    <p:sldLayoutId id="2147483805" r:id="rId24"/>
-    <p:sldLayoutId id="2147483806" r:id="rId25"/>
-    <p:sldLayoutId id="2147483807" r:id="rId26"/>
-    <p:sldLayoutId id="2147483808" r:id="rId27"/>
-    <p:sldLayoutId id="2147483810" r:id="rId28"/>
-    <p:sldLayoutId id="2147483811" r:id="rId29"/>
-    <p:sldLayoutId id="2147483812" r:id="rId30"/>
-    <p:sldLayoutId id="2147483813" r:id="rId31"/>
+    <p:sldLayoutId id="2147483649" r:id="rId1"/>
+    <p:sldLayoutId id="2147483650" r:id="rId2"/>
+    <p:sldLayoutId id="2147483651" r:id="rId3"/>
+    <p:sldLayoutId id="2147483652" r:id="rId4"/>
+    <p:sldLayoutId id="2147483653" r:id="rId5"/>
+    <p:sldLayoutId id="2147483654" r:id="rId6"/>
+    <p:sldLayoutId id="2147483655" r:id="rId7"/>
+    <p:sldLayoutId id="2147483656" r:id="rId8"/>
+    <p:sldLayoutId id="2147483657" r:id="rId9"/>
+    <p:sldLayoutId id="2147483658" r:id="rId10"/>
+    <p:sldLayoutId id="2147483659" r:id="rId11"/>
+    <p:sldLayoutId id="2147483660" r:id="rId12"/>
+    <p:sldLayoutId id="2147483661" r:id="rId13"/>
+    <p:sldLayoutId id="2147483662" r:id="rId14"/>
+    <p:sldLayoutId id="2147483663" r:id="rId15"/>
+    <p:sldLayoutId id="2147483664" r:id="rId16"/>
+    <p:sldLayoutId id="2147483665" r:id="rId17"/>
+    <p:sldLayoutId id="2147483666" r:id="rId18"/>
+    <p:sldLayoutId id="2147483667" r:id="rId19"/>
+    <p:sldLayoutId id="2147483668" r:id="rId20"/>
+    <p:sldLayoutId id="2147483669" r:id="rId21"/>
+    <p:sldLayoutId id="2147483670" r:id="rId22"/>
+    <p:sldLayoutId id="2147483671" r:id="rId23"/>
+    <p:sldLayoutId id="2147483672" r:id="rId24"/>
+    <p:sldLayoutId id="2147483673" r:id="rId25"/>
+    <p:sldLayoutId id="2147483674" r:id="rId26"/>
+    <p:sldLayoutId id="2147483675" r:id="rId27"/>
+    <p:sldLayoutId id="2147483676" r:id="rId28"/>
+    <p:sldLayoutId id="2147483677" r:id="rId29"/>
+    <p:sldLayoutId id="2147483678" r:id="rId30"/>
+    <p:sldLayoutId id="2147483679" r:id="rId31"/>
   </p:sldLayoutIdLst>
   <p:txStyles>
     <p:titleStyle>
@@ -9601,7 +8281,7 @@
             <a:schemeClr val="accent1"/>
           </a:solidFill>
           <a:latin typeface="Tw Cen MT"/>
-          <a:ea typeface="ＭＳ Ｐゴシック" charset="0"/>
+          <a:ea typeface="MS PGothic" charset="0"/>
           <a:cs typeface="Tw Cen MT"/>
         </a:defRPr>
       </a:lvl1pPr>
@@ -9617,7 +8297,7 @@
             <a:schemeClr val="accent1"/>
           </a:solidFill>
           <a:latin typeface="Tw Cen MT" charset="0"/>
-          <a:ea typeface="ＭＳ Ｐゴシック" charset="0"/>
+          <a:ea typeface="MS PGothic" charset="0"/>
         </a:defRPr>
       </a:lvl2pPr>
       <a:lvl3pPr algn="l" defTabSz="342900" rtl="0" eaLnBrk="1" fontAlgn="base" hangingPunct="1">
@@ -9632,7 +8312,7 @@
             <a:schemeClr val="accent1"/>
           </a:solidFill>
           <a:latin typeface="Tw Cen MT" charset="0"/>
-          <a:ea typeface="ＭＳ Ｐゴシック" charset="0"/>
+          <a:ea typeface="MS PGothic" charset="0"/>
         </a:defRPr>
       </a:lvl3pPr>
       <a:lvl4pPr algn="l" defTabSz="342900" rtl="0" eaLnBrk="1" fontAlgn="base" hangingPunct="1">
@@ -9647,7 +8327,7 @@
             <a:schemeClr val="accent1"/>
           </a:solidFill>
           <a:latin typeface="Tw Cen MT" charset="0"/>
-          <a:ea typeface="ＭＳ Ｐゴシック" charset="0"/>
+          <a:ea typeface="MS PGothic" charset="0"/>
         </a:defRPr>
       </a:lvl4pPr>
       <a:lvl5pPr algn="l" defTabSz="342900" rtl="0" eaLnBrk="1" fontAlgn="base" hangingPunct="1">
@@ -9662,7 +8342,7 @@
             <a:schemeClr val="accent1"/>
           </a:solidFill>
           <a:latin typeface="Tw Cen MT" charset="0"/>
-          <a:ea typeface="ＭＳ Ｐゴシック" charset="0"/>
+          <a:ea typeface="MS PGothic" charset="0"/>
         </a:defRPr>
       </a:lvl5pPr>
       <a:lvl6pPr marL="342900" algn="l" defTabSz="342900" rtl="0" eaLnBrk="1" fontAlgn="base" hangingPunct="1">
@@ -9677,7 +8357,7 @@
             <a:schemeClr val="accent1"/>
           </a:solidFill>
           <a:latin typeface="Tw Cen MT" charset="0"/>
-          <a:ea typeface="ＭＳ Ｐゴシック" charset="0"/>
+          <a:ea typeface="MS PGothic" charset="0"/>
         </a:defRPr>
       </a:lvl6pPr>
       <a:lvl7pPr marL="685800" algn="l" defTabSz="342900" rtl="0" eaLnBrk="1" fontAlgn="base" hangingPunct="1">
@@ -9692,7 +8372,7 @@
             <a:schemeClr val="accent1"/>
           </a:solidFill>
           <a:latin typeface="Tw Cen MT" charset="0"/>
-          <a:ea typeface="ＭＳ Ｐゴシック" charset="0"/>
+          <a:ea typeface="MS PGothic" charset="0"/>
         </a:defRPr>
       </a:lvl7pPr>
       <a:lvl8pPr marL="1028700" algn="l" defTabSz="342900" rtl="0" eaLnBrk="1" fontAlgn="base" hangingPunct="1">
@@ -9707,7 +8387,7 @@
             <a:schemeClr val="accent1"/>
           </a:solidFill>
           <a:latin typeface="Tw Cen MT" charset="0"/>
-          <a:ea typeface="ＭＳ Ｐゴシック" charset="0"/>
+          <a:ea typeface="MS PGothic" charset="0"/>
         </a:defRPr>
       </a:lvl8pPr>
       <a:lvl9pPr marL="1371600" algn="l" defTabSz="342900" rtl="0" eaLnBrk="1" fontAlgn="base" hangingPunct="1">
@@ -9722,7 +8402,7 @@
             <a:schemeClr val="accent1"/>
           </a:solidFill>
           <a:latin typeface="Tw Cen MT" charset="0"/>
-          <a:ea typeface="ＭＳ Ｐゴシック" charset="0"/>
+          <a:ea typeface="MS PGothic" charset="0"/>
         </a:defRPr>
       </a:lvl9pPr>
     </p:titleStyle>
@@ -9734,32 +8414,32 @@
         <a:spcAft>
           <a:spcPct val="0"/>
         </a:spcAft>
-        <a:buFont typeface="Lucida Grande" charset="0"/>
+        <a:buFont typeface="Lucida Grande" panose="020B0600040502020204" charset="0"/>
         <a:buChar char="–"/>
         <a:defRPr sz="2400" b="1" kern="1200">
           <a:solidFill>
             <a:schemeClr val="tx1"/>
           </a:solidFill>
           <a:latin typeface="Tw Cen MT"/>
-          <a:ea typeface="ＭＳ Ｐゴシック" charset="0"/>
+          <a:ea typeface="MS PGothic" charset="0"/>
           <a:cs typeface="Tw Cen MT"/>
         </a:defRPr>
       </a:lvl1pPr>
-      <a:lvl2pPr marL="557213" indent="-214313" algn="l" defTabSz="342900" rtl="0" eaLnBrk="1" fontAlgn="base" hangingPunct="1">
+      <a:lvl2pPr marL="557530" indent="-214630" algn="l" defTabSz="342900" rtl="0" eaLnBrk="1" fontAlgn="base" hangingPunct="1">
         <a:spcBef>
           <a:spcPct val="20000"/>
         </a:spcBef>
         <a:spcAft>
           <a:spcPct val="0"/>
         </a:spcAft>
-        <a:buFont typeface="Arial" charset="0"/>
+        <a:buFont typeface="Arial" panose="020B0604020202090204" pitchFamily="34" charset="0"/>
         <a:buChar char="–"/>
         <a:defRPr sz="1500" kern="1200">
           <a:solidFill>
             <a:schemeClr val="tx1"/>
           </a:solidFill>
           <a:latin typeface="Tw Cen MT"/>
-          <a:ea typeface="ＭＳ Ｐゴシック" charset="0"/>
+          <a:ea typeface="MS PGothic" charset="0"/>
           <a:cs typeface="Tw Cen MT"/>
         </a:defRPr>
       </a:lvl2pPr>
@@ -9770,14 +8450,14 @@
         <a:spcAft>
           <a:spcPct val="0"/>
         </a:spcAft>
-        <a:buFont typeface="Arial" charset="0"/>
+        <a:buFont typeface="Arial" panose="020B0604020202090204" pitchFamily="34" charset="0"/>
         <a:buChar char="•"/>
         <a:defRPr sz="1500" kern="1200">
           <a:solidFill>
             <a:schemeClr val="tx1"/>
           </a:solidFill>
           <a:latin typeface="Tw Cen MT"/>
-          <a:ea typeface="ＭＳ Ｐゴシック" charset="0"/>
+          <a:ea typeface="MS PGothic" charset="0"/>
           <a:cs typeface="Tw Cen MT"/>
         </a:defRPr>
       </a:lvl3pPr>
@@ -9788,14 +8468,14 @@
         <a:spcAft>
           <a:spcPct val="0"/>
         </a:spcAft>
-        <a:buFont typeface="Arial" charset="0"/>
+        <a:buFont typeface="Arial" panose="020B0604020202090204" pitchFamily="34" charset="0"/>
         <a:buChar char="–"/>
         <a:defRPr sz="1500" kern="1200">
           <a:solidFill>
             <a:schemeClr val="tx1"/>
           </a:solidFill>
           <a:latin typeface="Tw Cen MT"/>
-          <a:ea typeface="ＭＳ Ｐゴシック" charset="0"/>
+          <a:ea typeface="MS PGothic" charset="0"/>
           <a:cs typeface="Tw Cen MT"/>
         </a:defRPr>
       </a:lvl4pPr>
@@ -9806,14 +8486,14 @@
         <a:spcAft>
           <a:spcPct val="0"/>
         </a:spcAft>
-        <a:buFont typeface="Arial" charset="0"/>
+        <a:buFont typeface="Arial" panose="020B0604020202090204" pitchFamily="34" charset="0"/>
         <a:buChar char="»"/>
         <a:defRPr sz="1500" kern="1200">
           <a:solidFill>
             <a:schemeClr val="tx1"/>
           </a:solidFill>
           <a:latin typeface="Tw Cen MT"/>
-          <a:ea typeface="ＭＳ Ｐゴシック" charset="0"/>
+          <a:ea typeface="MS PGothic" charset="0"/>
           <a:cs typeface="Tw Cen MT"/>
         </a:defRPr>
       </a:lvl5pPr>
@@ -9821,7 +8501,7 @@
         <a:spcBef>
           <a:spcPct val="20000"/>
         </a:spcBef>
-        <a:buFont typeface="Arial"/>
+        <a:buFont typeface="Arial" panose="020B0604020202090204"/>
         <a:buChar char="•"/>
         <a:defRPr sz="1500" kern="1200">
           <a:solidFill>
@@ -9836,7 +8516,7 @@
         <a:spcBef>
           <a:spcPct val="20000"/>
         </a:spcBef>
-        <a:buFont typeface="Arial"/>
+        <a:buFont typeface="Arial" panose="020B0604020202090204"/>
         <a:buChar char="•"/>
         <a:defRPr sz="1500" kern="1200">
           <a:solidFill>
@@ -9851,7 +8531,7 @@
         <a:spcBef>
           <a:spcPct val="20000"/>
         </a:spcBef>
-        <a:buFont typeface="Arial"/>
+        <a:buFont typeface="Arial" panose="020B0604020202090204"/>
         <a:buChar char="•"/>
         <a:defRPr sz="1500" kern="1200">
           <a:solidFill>
@@ -9866,7 +8546,7 @@
         <a:spcBef>
           <a:spcPct val="20000"/>
         </a:spcBef>
-        <a:buFont typeface="Arial"/>
+        <a:buFont typeface="Arial" panose="020B0604020202090204"/>
         <a:buChar char="•"/>
         <a:defRPr sz="1500" kern="1200">
           <a:solidFill>
@@ -9996,13 +8676,7 @@
       </p:grpSpPr>
       <p:sp>
         <p:nvSpPr>
-          <p:cNvPr id="2" name="Title 1">
-            <a:extLst>
-              <a:ext uri="{FF2B5EF4-FFF2-40B4-BE49-F238E27FC236}">
-                <a16:creationId xmlns:a16="http://schemas.microsoft.com/office/drawing/2014/main" id="{64E95A9A-19BB-234B-B0E4-7A37674E65EE}"/>
-              </a:ext>
-            </a:extLst>
-          </p:cNvPr>
+          <p:cNvPr id="2" name="Title 1"/>
           <p:cNvSpPr>
             <a:spLocks noGrp="1"/>
           </p:cNvSpPr>
@@ -10060,13 +8734,7 @@
       </p:sp>
       <p:sp>
         <p:nvSpPr>
-          <p:cNvPr id="3" name="Text Placeholder 2">
-            <a:extLst>
-              <a:ext uri="{FF2B5EF4-FFF2-40B4-BE49-F238E27FC236}">
-                <a16:creationId xmlns:a16="http://schemas.microsoft.com/office/drawing/2014/main" id="{E63350DD-FC46-AA4B-90A5-CADFEC4C0685}"/>
-              </a:ext>
-            </a:extLst>
-          </p:cNvPr>
+          <p:cNvPr id="3" name="Text Placeholder 2"/>
           <p:cNvSpPr>
             <a:spLocks noGrp="1"/>
           </p:cNvSpPr>
@@ -10093,6 +8761,7 @@
               <a:rPr lang="en-US" dirty="0"/>
               <a:t>Meeting minutes &amp;</a:t>
             </a:r>
+            <a:endParaRPr lang="en-US" dirty="0"/>
           </a:p>
           <a:p>
             <a:pPr marL="0" indent="0">
@@ -10102,6 +8771,7 @@
               <a:rPr lang="en-US" dirty="0"/>
               <a:t>Action point slides</a:t>
             </a:r>
+            <a:endParaRPr lang="en-US" dirty="0"/>
           </a:p>
           <a:p>
             <a:pPr marL="0" indent="0">
@@ -10125,6 +8795,7 @@
               <a:rPr lang="en-US" dirty="0"/>
               <a:t> (Week x)</a:t>
             </a:r>
+            <a:endParaRPr lang="en-US" dirty="0"/>
           </a:p>
           <a:p>
             <a:pPr marL="0" indent="0">
@@ -10135,11 +8806,6 @@
         </p:txBody>
       </p:sp>
     </p:spTree>
-    <p:extLst>
-      <p:ext uri="{BB962C8B-B14F-4D97-AF65-F5344CB8AC3E}">
-        <p14:creationId xmlns:p14="http://schemas.microsoft.com/office/powerpoint/2010/main" val="2196569219"/>
-      </p:ext>
-    </p:extLst>
   </p:cSld>
   <p:clrMapOvr>
     <a:masterClrMapping/>
@@ -10166,13 +8832,7 @@
       </p:grpSpPr>
       <p:sp>
         <p:nvSpPr>
-          <p:cNvPr id="4" name="Content Placeholder 3">
-            <a:extLst>
-              <a:ext uri="{FF2B5EF4-FFF2-40B4-BE49-F238E27FC236}">
-                <a16:creationId xmlns:a16="http://schemas.microsoft.com/office/drawing/2014/main" id="{DF9469D1-0D7B-664F-AA8A-24BA09945622}"/>
-              </a:ext>
-            </a:extLst>
-          </p:cNvPr>
+          <p:cNvPr id="4" name="Content Placeholder 3"/>
           <p:cNvSpPr>
             <a:spLocks noGrp="1"/>
           </p:cNvSpPr>
@@ -10189,18 +8849,13 @@
               <a:rPr lang="en-US" b="0" dirty="0"/>
               <a:t>At least one figure showing the evaluation result</a:t>
             </a:r>
+            <a:endParaRPr lang="en-US" b="0" dirty="0"/>
           </a:p>
         </p:txBody>
       </p:sp>
       <p:sp>
         <p:nvSpPr>
-          <p:cNvPr id="5" name="Picture Placeholder 4">
-            <a:extLst>
-              <a:ext uri="{FF2B5EF4-FFF2-40B4-BE49-F238E27FC236}">
-                <a16:creationId xmlns:a16="http://schemas.microsoft.com/office/drawing/2014/main" id="{EE1C8855-A556-7E4D-91DC-EC398D599EC3}"/>
-              </a:ext>
-            </a:extLst>
-          </p:cNvPr>
+          <p:cNvPr id="5" name="Picture Placeholder 4"/>
           <p:cNvSpPr>
             <a:spLocks noGrp="1"/>
           </p:cNvSpPr>
@@ -10212,13 +8867,7 @@
       </p:sp>
       <p:sp>
         <p:nvSpPr>
-          <p:cNvPr id="2" name="Title 1">
-            <a:extLst>
-              <a:ext uri="{FF2B5EF4-FFF2-40B4-BE49-F238E27FC236}">
-                <a16:creationId xmlns:a16="http://schemas.microsoft.com/office/drawing/2014/main" id="{E2AEAF44-F909-4580-862E-7EB331AAAEC3}"/>
-              </a:ext>
-            </a:extLst>
-          </p:cNvPr>
+          <p:cNvPr id="2" name="Title 1"/>
           <p:cNvSpPr>
             <a:spLocks noGrp="1"/>
           </p:cNvSpPr>
@@ -10239,15 +8888,11 @@
               <a:rPr lang="en-AU" dirty="0"/>
               <a:t>initial evaluation </a:t>
             </a:r>
+            <a:endParaRPr lang="en-AU" dirty="0"/>
           </a:p>
         </p:txBody>
       </p:sp>
     </p:spTree>
-    <p:extLst>
-      <p:ext uri="{BB962C8B-B14F-4D97-AF65-F5344CB8AC3E}">
-        <p14:creationId xmlns:p14="http://schemas.microsoft.com/office/powerpoint/2010/main" val="4113937976"/>
-      </p:ext>
-    </p:extLst>
   </p:cSld>
   <p:clrMapOvr>
     <a:masterClrMapping/>
@@ -10274,13 +8919,7 @@
       </p:grpSpPr>
       <p:sp>
         <p:nvSpPr>
-          <p:cNvPr id="2" name="Title 1">
-            <a:extLst>
-              <a:ext uri="{FF2B5EF4-FFF2-40B4-BE49-F238E27FC236}">
-                <a16:creationId xmlns:a16="http://schemas.microsoft.com/office/drawing/2014/main" id="{E2AEAF44-F909-4580-862E-7EB331AAAEC3}"/>
-              </a:ext>
-            </a:extLst>
-          </p:cNvPr>
+          <p:cNvPr id="2" name="Title 1"/>
           <p:cNvSpPr>
             <a:spLocks noGrp="1"/>
           </p:cNvSpPr>
@@ -10297,18 +8936,13 @@
               <a:rPr lang="en-AU" dirty="0"/>
               <a:t>Meeting minutes</a:t>
             </a:r>
+            <a:endParaRPr lang="en-AU" dirty="0"/>
           </a:p>
         </p:txBody>
       </p:sp>
       <p:graphicFrame>
         <p:nvGraphicFramePr>
-          <p:cNvPr id="8" name="Table 7">
-            <a:extLst>
-              <a:ext uri="{FF2B5EF4-FFF2-40B4-BE49-F238E27FC236}">
-                <a16:creationId xmlns:a16="http://schemas.microsoft.com/office/drawing/2014/main" id="{3A87D348-55EA-4938-B716-4176C77A2C27}"/>
-              </a:ext>
-            </a:extLst>
-          </p:cNvPr>
+          <p:cNvPr id="8" name="Table 7"/>
           <p:cNvGraphicFramePr>
             <a:graphicFrameLocks noGrp="1"/>
           </p:cNvGraphicFramePr>
@@ -10325,27 +8959,9 @@
                 <a:tableStyleId>{5C22544A-7EE6-4342-B048-85BDC9FD1C3A}</a:tableStyleId>
               </a:tblPr>
               <a:tblGrid>
-                <a:gridCol w="1373987">
-                  <a:extLst>
-                    <a:ext uri="{9D8B030D-6E8A-4147-A177-3AD203B41FA5}">
-                      <a16:colId xmlns:a16="http://schemas.microsoft.com/office/drawing/2014/main" val="1573866123"/>
-                    </a:ext>
-                  </a:extLst>
-                </a:gridCol>
-                <a:gridCol w="2534438">
-                  <a:extLst>
-                    <a:ext uri="{9D8B030D-6E8A-4147-A177-3AD203B41FA5}">
-                      <a16:colId xmlns:a16="http://schemas.microsoft.com/office/drawing/2014/main" val="83730095"/>
-                    </a:ext>
-                  </a:extLst>
-                </a:gridCol>
-                <a:gridCol w="4610290">
-                  <a:extLst>
-                    <a:ext uri="{9D8B030D-6E8A-4147-A177-3AD203B41FA5}">
-                      <a16:colId xmlns:a16="http://schemas.microsoft.com/office/drawing/2014/main" val="1624356449"/>
-                    </a:ext>
-                  </a:extLst>
-                </a:gridCol>
+                <a:gridCol w="1373987"/>
+                <a:gridCol w="2534438"/>
+                <a:gridCol w="4610290"/>
               </a:tblGrid>
               <a:tr h="564619">
                 <a:tc>
@@ -10369,7 +8985,7 @@
                       </a:r>
                       <a:endParaRPr lang="en-AU" sz="1600" dirty="0">
                         <a:effectLst/>
-                        <a:latin typeface="Tw Cen MT" panose="020B0602020104020603" pitchFamily="34" charset="0"/>
+                        <a:latin typeface="Tw Cen MT" charset="0"/>
                         <a:ea typeface="Calibri" panose="020F0502020204030204" pitchFamily="34" charset="0"/>
                         <a:cs typeface="Times New Roman" panose="02020603050405020304" pitchFamily="18" charset="0"/>
                       </a:endParaRPr>
@@ -10396,6 +9012,9 @@
                         </a:rPr>
                         <a:t>Discussion</a:t>
                       </a:r>
+                      <a:endParaRPr lang="en-AU" sz="1600" dirty="0">
+                        <a:effectLst/>
+                      </a:endParaRPr>
                     </a:p>
                     <a:p>
                       <a:pPr algn="ctr">
@@ -10409,12 +9028,18 @@
                       <a:r>
                         <a:rPr lang="en-AU" sz="1100" dirty="0">
                           <a:effectLst/>
-                          <a:latin typeface="Tw Cen MT" panose="020B0602020104020603" pitchFamily="34" charset="0"/>
+                          <a:latin typeface="Tw Cen MT" charset="0"/>
                           <a:ea typeface="Calibri" panose="020F0502020204030204" pitchFamily="34" charset="0"/>
                           <a:cs typeface="Times New Roman" panose="02020603050405020304" pitchFamily="18" charset="0"/>
                         </a:rPr>
                         <a:t>(you can refer to previous slides)</a:t>
                       </a:r>
+                      <a:endParaRPr lang="en-AU" sz="1100" dirty="0">
+                        <a:effectLst/>
+                        <a:latin typeface="Tw Cen MT" charset="0"/>
+                        <a:ea typeface="Calibri" panose="020F0502020204030204" pitchFamily="34" charset="0"/>
+                        <a:cs typeface="Times New Roman" panose="02020603050405020304" pitchFamily="18" charset="0"/>
+                      </a:endParaRPr>
                     </a:p>
                   </a:txBody>
                   <a:tcPr marL="81331" marR="81331" marT="0" marB="0" anchor="ctr"/>
@@ -10438,15 +9063,13 @@
                         </a:rPr>
                         <a:t>Actions (who) – action points for next week</a:t>
                       </a:r>
+                      <a:endParaRPr lang="en-AU" sz="1600" dirty="0">
+                        <a:effectLst/>
+                      </a:endParaRPr>
                     </a:p>
                   </a:txBody>
                   <a:tcPr marL="81331" marR="81331" marT="0" marB="0" anchor="ctr"/>
                 </a:tc>
-                <a:extLst>
-                  <a:ext uri="{0D108BD9-81ED-4DB2-BD59-A6C34878D82A}">
-                    <a16:rowId xmlns:a16="http://schemas.microsoft.com/office/drawing/2014/main" val="921860958"/>
-                  </a:ext>
-                </a:extLst>
               </a:tr>
               <a:tr h="474426">
                 <a:tc>
@@ -10506,11 +9129,6 @@
                   </a:txBody>
                   <a:tcPr marL="81331" marR="81331" marT="0" marB="0" anchor="b"/>
                 </a:tc>
-                <a:extLst>
-                  <a:ext uri="{0D108BD9-81ED-4DB2-BD59-A6C34878D82A}">
-                    <a16:rowId xmlns:a16="http://schemas.microsoft.com/office/drawing/2014/main" val="2191457816"/>
-                  </a:ext>
-                </a:extLst>
               </a:tr>
               <a:tr h="474426">
                 <a:tc>
@@ -10570,11 +9188,6 @@
                   </a:txBody>
                   <a:tcPr marL="81331" marR="81331" marT="0" marB="0" anchor="b"/>
                 </a:tc>
-                <a:extLst>
-                  <a:ext uri="{0D108BD9-81ED-4DB2-BD59-A6C34878D82A}">
-                    <a16:rowId xmlns:a16="http://schemas.microsoft.com/office/drawing/2014/main" val="2947246499"/>
-                  </a:ext>
-                </a:extLst>
               </a:tr>
               <a:tr h="474426">
                 <a:tc>
@@ -10634,11 +9247,6 @@
                   </a:txBody>
                   <a:tcPr marL="81331" marR="81331" marT="0" marB="0" anchor="b"/>
                 </a:tc>
-                <a:extLst>
-                  <a:ext uri="{0D108BD9-81ED-4DB2-BD59-A6C34878D82A}">
-                    <a16:rowId xmlns:a16="http://schemas.microsoft.com/office/drawing/2014/main" val="942335013"/>
-                  </a:ext>
-                </a:extLst>
               </a:tr>
               <a:tr h="474426">
                 <a:tc>
@@ -10698,11 +9306,6 @@
                   </a:txBody>
                   <a:tcPr marL="81331" marR="81331" marT="0" marB="0" anchor="b"/>
                 </a:tc>
-                <a:extLst>
-                  <a:ext uri="{0D108BD9-81ED-4DB2-BD59-A6C34878D82A}">
-                    <a16:rowId xmlns:a16="http://schemas.microsoft.com/office/drawing/2014/main" val="1757599085"/>
-                  </a:ext>
-                </a:extLst>
               </a:tr>
               <a:tr h="474426">
                 <a:tc>
@@ -10762,11 +9365,6 @@
                   </a:txBody>
                   <a:tcPr marL="81331" marR="81331" marT="0" marB="0" anchor="b"/>
                 </a:tc>
-                <a:extLst>
-                  <a:ext uri="{0D108BD9-81ED-4DB2-BD59-A6C34878D82A}">
-                    <a16:rowId xmlns:a16="http://schemas.microsoft.com/office/drawing/2014/main" val="927903413"/>
-                  </a:ext>
-                </a:extLst>
               </a:tr>
             </a:tbl>
           </a:graphicData>
@@ -10774,13 +9372,7 @@
       </p:graphicFrame>
       <p:sp>
         <p:nvSpPr>
-          <p:cNvPr id="9" name="Rectangle 2">
-            <a:extLst>
-              <a:ext uri="{FF2B5EF4-FFF2-40B4-BE49-F238E27FC236}">
-                <a16:creationId xmlns:a16="http://schemas.microsoft.com/office/drawing/2014/main" id="{A2ADCF7C-1D56-46C0-AA47-22DB2F49BF52}"/>
-              </a:ext>
-            </a:extLst>
-          </p:cNvPr>
+          <p:cNvPr id="9" name="Rectangle 2"/>
           <p:cNvSpPr>
             <a:spLocks noChangeArrowheads="1"/>
           </p:cNvSpPr>
@@ -10830,9 +9422,6 @@
         </p:spPr>
         <p:txBody>
           <a:bodyPr vert="horz" wrap="square" lIns="91440" tIns="45720" rIns="91440" bIns="45720" numCol="1" anchor="ctr" anchorCtr="0" compatLnSpc="1">
-            <a:prstTxWarp prst="textNoShape">
-              <a:avLst/>
-            </a:prstTxWarp>
             <a:spAutoFit/>
           </a:bodyPr>
           <a:lstStyle/>
@@ -10851,7 +9440,6 @@
               <a:buSzTx/>
               <a:buFontTx/>
               <a:buNone/>
-              <a:tabLst/>
             </a:pPr>
             <a:r>
               <a:rPr kumimoji="0" lang="en-AU" altLang="en-US" sz="1100" b="0" i="1" u="none" strike="noStrike" cap="none" normalizeH="0" baseline="0" dirty="0">
@@ -10862,7 +9450,7 @@
                   <a:schemeClr val="tx1"/>
                 </a:solidFill>
                 <a:effectLst/>
-                <a:latin typeface="Tw Cen MT" panose="020B0602020104020603" pitchFamily="34" charset="0"/>
+                <a:latin typeface="Tw Cen MT" charset="0"/>
                 <a:ea typeface="Calibri" panose="020F0502020204030204" pitchFamily="34" charset="0"/>
                 <a:cs typeface="Times New Roman" panose="02020603050405020304" pitchFamily="18" charset="0"/>
               </a:rPr>
@@ -10893,7 +9481,6 @@
               <a:buSzTx/>
               <a:buFontTx/>
               <a:buNone/>
-              <a:tabLst/>
             </a:pPr>
             <a:r>
               <a:rPr kumimoji="0" lang="en-AU" altLang="en-US" sz="1100" b="0" i="1" u="none" strike="noStrike" cap="none" normalizeH="0" baseline="0" dirty="0">
@@ -10904,12 +9491,24 @@
                   <a:schemeClr val="tx1"/>
                 </a:solidFill>
                 <a:effectLst/>
-                <a:latin typeface="Tw Cen MT" panose="020B0602020104020603" pitchFamily="34" charset="0"/>
+                <a:latin typeface="Tw Cen MT" charset="0"/>
                 <a:ea typeface="Calibri" panose="020F0502020204030204" pitchFamily="34" charset="0"/>
                 <a:cs typeface="Times New Roman" panose="02020603050405020304" pitchFamily="18" charset="0"/>
               </a:rPr>
               <a:t>Team members present:</a:t>
             </a:r>
+            <a:endParaRPr kumimoji="0" lang="en-AU" altLang="en-US" sz="1100" b="0" i="1" u="none" strike="noStrike" cap="none" normalizeH="0" baseline="0" dirty="0">
+              <a:ln>
+                <a:noFill/>
+              </a:ln>
+              <a:solidFill>
+                <a:schemeClr val="tx1"/>
+              </a:solidFill>
+              <a:effectLst/>
+              <a:latin typeface="Tw Cen MT" charset="0"/>
+              <a:ea typeface="Calibri" panose="020F0502020204030204" pitchFamily="34" charset="0"/>
+              <a:cs typeface="Times New Roman" panose="02020603050405020304" pitchFamily="18" charset="0"/>
+            </a:endParaRPr>
           </a:p>
           <a:p>
             <a:pPr marL="0" marR="0" lvl="0" indent="0" algn="l" defTabSz="914400" rtl="0" eaLnBrk="0" fontAlgn="base" latinLnBrk="0" hangingPunct="0">
@@ -10926,7 +9525,6 @@
               <a:buSzTx/>
               <a:buFontTx/>
               <a:buNone/>
-              <a:tabLst/>
             </a:pPr>
             <a:endParaRPr kumimoji="0" lang="en-AU" altLang="en-US" sz="500" b="0" i="0" u="none" strike="noStrike" cap="none" normalizeH="0" baseline="0" dirty="0">
               <a:ln>
@@ -10953,7 +9551,6 @@
               <a:buSzTx/>
               <a:buFontTx/>
               <a:buNone/>
-              <a:tabLst/>
             </a:pPr>
             <a:r>
               <a:rPr kumimoji="0" lang="en-AU" altLang="en-US" sz="1100" b="1" i="0" u="none" strike="noStrike" cap="none" normalizeH="0" baseline="0" dirty="0">
@@ -10964,7 +9561,7 @@
                   <a:schemeClr val="tx1"/>
                 </a:solidFill>
                 <a:effectLst/>
-                <a:latin typeface="Tw Cen MT" panose="020B0602020104020603" pitchFamily="34" charset="0"/>
+                <a:latin typeface="Tw Cen MT" charset="0"/>
                 <a:ea typeface="Calibri" panose="020F0502020204030204" pitchFamily="34" charset="0"/>
                 <a:cs typeface="Times New Roman" panose="02020603050405020304" pitchFamily="18" charset="0"/>
               </a:rPr>
@@ -10984,13 +9581,7 @@
       </p:sp>
       <p:sp>
         <p:nvSpPr>
-          <p:cNvPr id="10" name="Rectangle 9">
-            <a:extLst>
-              <a:ext uri="{FF2B5EF4-FFF2-40B4-BE49-F238E27FC236}">
-                <a16:creationId xmlns:a16="http://schemas.microsoft.com/office/drawing/2014/main" id="{0063FAC6-1059-490E-9D0D-3CEF59DD566B}"/>
-              </a:ext>
-            </a:extLst>
-          </p:cNvPr>
+          <p:cNvPr id="10" name="Rectangle 9"/>
           <p:cNvSpPr/>
           <p:nvPr/>
         </p:nvSpPr>
@@ -11012,22 +9603,31 @@
             <a:pPr lvl="0" defTabSz="914400" eaLnBrk="0" hangingPunct="0"/>
             <a:r>
               <a:rPr lang="en-AU" altLang="en-US" sz="1200" i="1" dirty="0">
-                <a:latin typeface="Tw Cen MT" panose="020B0602020104020603" pitchFamily="34" charset="0"/>
+                <a:latin typeface="Tw Cen MT" charset="0"/>
                 <a:ea typeface="Calibri" panose="020F0502020204030204" pitchFamily="34" charset="0"/>
                 <a:cs typeface="Times New Roman" panose="02020603050405020304" pitchFamily="18" charset="0"/>
               </a:rPr>
               <a:t>Next meeting date and time:</a:t>
             </a:r>
+            <a:endParaRPr lang="en-AU" altLang="en-US" sz="1200" i="1" dirty="0">
+              <a:latin typeface="Tw Cen MT" charset="0"/>
+              <a:ea typeface="Calibri" panose="020F0502020204030204" pitchFamily="34" charset="0"/>
+              <a:cs typeface="Times New Roman" panose="02020603050405020304" pitchFamily="18" charset="0"/>
+            </a:endParaRPr>
           </a:p>
           <a:p>
             <a:pPr lvl="0" defTabSz="914400" eaLnBrk="0" hangingPunct="0"/>
             <a:r>
               <a:rPr lang="en-AU" altLang="en-US" sz="1200" i="1" dirty="0">
-                <a:latin typeface="Tw Cen MT" panose="020B0602020104020603" pitchFamily="34" charset="0"/>
+                <a:latin typeface="Tw Cen MT" charset="0"/>
                 <a:cs typeface="Times New Roman" panose="02020603050405020304" pitchFamily="18" charset="0"/>
               </a:rPr>
               <a:t>Group member responsible for finalising/submitting minutes:</a:t>
             </a:r>
+            <a:endParaRPr lang="en-AU" altLang="en-US" sz="1200" i="1" dirty="0">
+              <a:latin typeface="Tw Cen MT" charset="0"/>
+              <a:cs typeface="Times New Roman" panose="02020603050405020304" pitchFamily="18" charset="0"/>
+            </a:endParaRPr>
           </a:p>
           <a:p>
             <a:pPr lvl="0" defTabSz="914400" eaLnBrk="0" hangingPunct="0"/>
@@ -11036,7 +9636,7 @@
                 <a:solidFill>
                   <a:srgbClr val="FF0000"/>
                 </a:solidFill>
-                <a:latin typeface="Tw Cen MT" panose="020B0602020104020603" pitchFamily="34" charset="0"/>
+                <a:latin typeface="Tw Cen MT" charset="0"/>
                 <a:cs typeface="Times New Roman" panose="02020603050405020304" pitchFamily="18" charset="0"/>
               </a:rPr>
               <a:t>To be posted on the CANVAS Individual group website</a:t>
@@ -11050,11 +9650,6 @@
         </p:txBody>
       </p:sp>
     </p:spTree>
-    <p:extLst>
-      <p:ext uri="{BB962C8B-B14F-4D97-AF65-F5344CB8AC3E}">
-        <p14:creationId xmlns:p14="http://schemas.microsoft.com/office/powerpoint/2010/main" val="1982411376"/>
-      </p:ext>
-    </p:extLst>
   </p:cSld>
   <p:clrMapOvr>
     <a:masterClrMapping/>
@@ -11081,13 +9676,7 @@
       </p:grpSpPr>
       <p:sp>
         <p:nvSpPr>
-          <p:cNvPr id="4" name="Content Placeholder 3">
-            <a:extLst>
-              <a:ext uri="{FF2B5EF4-FFF2-40B4-BE49-F238E27FC236}">
-                <a16:creationId xmlns:a16="http://schemas.microsoft.com/office/drawing/2014/main" id="{F79E8E1A-6AC7-3F4E-8F0D-D3A7F823361E}"/>
-              </a:ext>
-            </a:extLst>
-          </p:cNvPr>
+          <p:cNvPr id="4" name="Content Placeholder 3"/>
           <p:cNvSpPr>
             <a:spLocks noGrp="1"/>
           </p:cNvSpPr>
@@ -11104,18 +9693,21 @@
               <a:rPr lang="en-US" b="0" dirty="0"/>
               <a:t>Action points from last week … …</a:t>
             </a:r>
+            <a:endParaRPr lang="en-US" b="0" dirty="0"/>
           </a:p>
           <a:p>
             <a:r>
               <a:rPr lang="en-US" b="0" dirty="0"/>
               <a:t>…</a:t>
             </a:r>
+            <a:endParaRPr lang="en-US" b="0" dirty="0"/>
           </a:p>
           <a:p>
             <a:r>
               <a:rPr lang="en-US" b="0" dirty="0"/>
               <a:t>…</a:t>
             </a:r>
+            <a:endParaRPr lang="en-US" b="0" dirty="0"/>
           </a:p>
           <a:p>
             <a:pPr marL="0" indent="0">
@@ -11128,20 +9720,20 @@
               <a:rPr lang="en-US" b="0" dirty="0"/>
               <a:t>Key progress over last week …</a:t>
             </a:r>
+            <a:endParaRPr lang="en-US" b="0" dirty="0"/>
           </a:p>
           <a:p>
             <a:r>
               <a:rPr lang="en-US" b="0" dirty="0"/>
               <a:t>…</a:t>
             </a:r>
+            <a:endParaRPr lang="en-US" b="0" dirty="0"/>
           </a:p>
           <a:p>
             <a:r>
               <a:rPr lang="en-US" b="0" dirty="0"/>
               <a:t>…</a:t>
             </a:r>
-          </a:p>
-          <a:p>
             <a:endParaRPr lang="en-US" b="0" dirty="0"/>
           </a:p>
           <a:p>
@@ -11154,19 +9746,16 @@
             <a:endParaRPr lang="en-US" b="0" dirty="0"/>
           </a:p>
           <a:p>
+            <a:endParaRPr lang="en-US" b="0" dirty="0"/>
+          </a:p>
+          <a:p>
             <a:endParaRPr lang="en-US" dirty="0"/>
           </a:p>
         </p:txBody>
       </p:sp>
       <p:sp>
         <p:nvSpPr>
-          <p:cNvPr id="2" name="Title 1">
-            <a:extLst>
-              <a:ext uri="{FF2B5EF4-FFF2-40B4-BE49-F238E27FC236}">
-                <a16:creationId xmlns:a16="http://schemas.microsoft.com/office/drawing/2014/main" id="{E2AEAF44-F909-4580-862E-7EB331AAAEC3}"/>
-              </a:ext>
-            </a:extLst>
-          </p:cNvPr>
+          <p:cNvPr id="2" name="Title 1"/>
           <p:cNvSpPr>
             <a:spLocks noGrp="1"/>
           </p:cNvSpPr>
@@ -11183,21 +9772,14 @@
               <a:rPr lang="en-AU" dirty="0"/>
               <a:t>Progress and action points</a:t>
             </a:r>
+            <a:endParaRPr lang="en-AU" dirty="0"/>
           </a:p>
         </p:txBody>
       </p:sp>
       <p:sp>
         <p:nvSpPr>
-          <p:cNvPr id="3" name="Text Placeholder 2">
-            <a:extLst>
-              <a:ext uri="{FF2B5EF4-FFF2-40B4-BE49-F238E27FC236}">
-                <a16:creationId xmlns:a16="http://schemas.microsoft.com/office/drawing/2014/main" id="{93BAAD9B-F199-428F-8BD0-37301704CC09}"/>
-              </a:ext>
-            </a:extLst>
-          </p:cNvPr>
-          <p:cNvSpPr txBox="1">
-            <a:spLocks/>
-          </p:cNvSpPr>
+          <p:cNvPr id="3" name="Text Placeholder 2"/>
+          <p:cNvSpPr txBox="1"/>
           <p:nvPr/>
         </p:nvSpPr>
         <p:spPr bwMode="auto">
@@ -11212,35 +9794,9 @@
           <a:ln>
             <a:noFill/>
           </a:ln>
-          <a:extLst>
-            <a:ext uri="{909E8E84-426E-40dd-AFC4-6F175D3DCCD1}">
-              <a14:hiddenFill xmlns="" xmlns:a14="http://schemas.microsoft.com/office/drawing/2010/main">
-                <a:solidFill>
-                  <a:srgbClr val="FFFFFF"/>
-                </a:solidFill>
-              </a14:hiddenFill>
-            </a:ext>
-            <a:ext uri="{91240B29-F687-4f45-9708-019B960494DF}">
-              <a14:hiddenLine xmlns="" xmlns:a14="http://schemas.microsoft.com/office/drawing/2010/main" w="9525">
-                <a:solidFill>
-                  <a:srgbClr val="000000"/>
-                </a:solidFill>
-                <a:miter lim="800000"/>
-                <a:headEnd/>
-                <a:tailEnd/>
-              </a14:hiddenLine>
-            </a:ext>
-            <a:ext uri="{FAA26D3D-D897-4be2-8F04-BA451C77F1D7}">
-              <ma14:placeholderFlag xmlns="" xmlns:ma14="http://schemas.microsoft.com/office/mac/drawingml/2011/main" val="1"/>
-            </a:ext>
-          </a:extLst>
         </p:spPr>
         <p:txBody>
-          <a:bodyPr vert="horz" wrap="square" lIns="91440" tIns="45720" rIns="91440" bIns="45720" numCol="1" anchor="t" anchorCtr="0" compatLnSpc="1">
-            <a:prstTxWarp prst="textNoShape">
-              <a:avLst/>
-            </a:prstTxWarp>
-          </a:bodyPr>
+          <a:bodyPr vert="horz" wrap="square" lIns="91440" tIns="45720" rIns="91440" bIns="45720" numCol="1" anchor="t" anchorCtr="0" compatLnSpc="1"/>
           <a:lstStyle>
             <a:lvl1pPr marL="257175" indent="-257175" algn="l" defTabSz="342900" rtl="0" eaLnBrk="1" fontAlgn="base" hangingPunct="1">
               <a:spcBef>
@@ -11249,32 +9805,32 @@
               <a:spcAft>
                 <a:spcPct val="0"/>
               </a:spcAft>
-              <a:buFont typeface="Lucida Grande" charset="0"/>
+              <a:buFont typeface="Lucida Grande" panose="020B0600040502020204" charset="0"/>
               <a:buChar char="–"/>
               <a:defRPr sz="2400" b="1" kern="1200">
                 <a:solidFill>
                   <a:schemeClr val="tx1"/>
                 </a:solidFill>
                 <a:latin typeface="Tw Cen MT"/>
-                <a:ea typeface="ＭＳ Ｐゴシック" charset="0"/>
+                <a:ea typeface="MS PGothic" charset="0"/>
                 <a:cs typeface="Tw Cen MT"/>
               </a:defRPr>
             </a:lvl1pPr>
-            <a:lvl2pPr marL="557213" indent="-214313" algn="l" defTabSz="342900" rtl="0" eaLnBrk="1" fontAlgn="base" hangingPunct="1">
+            <a:lvl2pPr marL="557530" indent="-214630" algn="l" defTabSz="342900" rtl="0" eaLnBrk="1" fontAlgn="base" hangingPunct="1">
               <a:spcBef>
                 <a:spcPct val="20000"/>
               </a:spcBef>
               <a:spcAft>
                 <a:spcPct val="0"/>
               </a:spcAft>
-              <a:buFont typeface="Arial" charset="0"/>
+              <a:buFont typeface="Arial" panose="020B0604020202090204" pitchFamily="34" charset="0"/>
               <a:buChar char="–"/>
               <a:defRPr sz="1500" kern="1200">
                 <a:solidFill>
                   <a:schemeClr val="tx1"/>
                 </a:solidFill>
                 <a:latin typeface="Tw Cen MT"/>
-                <a:ea typeface="ＭＳ Ｐゴシック" charset="0"/>
+                <a:ea typeface="MS PGothic" charset="0"/>
                 <a:cs typeface="Tw Cen MT"/>
               </a:defRPr>
             </a:lvl2pPr>
@@ -11285,14 +9841,14 @@
               <a:spcAft>
                 <a:spcPct val="0"/>
               </a:spcAft>
-              <a:buFont typeface="Arial" charset="0"/>
+              <a:buFont typeface="Arial" panose="020B0604020202090204" pitchFamily="34" charset="0"/>
               <a:buChar char="•"/>
               <a:defRPr sz="1500" kern="1200">
                 <a:solidFill>
                   <a:schemeClr val="tx1"/>
                 </a:solidFill>
                 <a:latin typeface="Tw Cen MT"/>
-                <a:ea typeface="ＭＳ Ｐゴシック" charset="0"/>
+                <a:ea typeface="MS PGothic" charset="0"/>
                 <a:cs typeface="Tw Cen MT"/>
               </a:defRPr>
             </a:lvl3pPr>
@@ -11303,14 +9859,14 @@
               <a:spcAft>
                 <a:spcPct val="0"/>
               </a:spcAft>
-              <a:buFont typeface="Arial" charset="0"/>
+              <a:buFont typeface="Arial" panose="020B0604020202090204" pitchFamily="34" charset="0"/>
               <a:buChar char="–"/>
               <a:defRPr sz="1500" kern="1200">
                 <a:solidFill>
                   <a:schemeClr val="tx1"/>
                 </a:solidFill>
                 <a:latin typeface="Tw Cen MT"/>
-                <a:ea typeface="ＭＳ Ｐゴシック" charset="0"/>
+                <a:ea typeface="MS PGothic" charset="0"/>
                 <a:cs typeface="Tw Cen MT"/>
               </a:defRPr>
             </a:lvl4pPr>
@@ -11321,14 +9877,14 @@
               <a:spcAft>
                 <a:spcPct val="0"/>
               </a:spcAft>
-              <a:buFont typeface="Arial" charset="0"/>
+              <a:buFont typeface="Arial" panose="020B0604020202090204" pitchFamily="34" charset="0"/>
               <a:buChar char="»"/>
               <a:defRPr sz="1500" kern="1200">
                 <a:solidFill>
                   <a:schemeClr val="tx1"/>
                 </a:solidFill>
                 <a:latin typeface="Tw Cen MT"/>
-                <a:ea typeface="ＭＳ Ｐゴシック" charset="0"/>
+                <a:ea typeface="MS PGothic" charset="0"/>
                 <a:cs typeface="Tw Cen MT"/>
               </a:defRPr>
             </a:lvl5pPr>
@@ -11336,7 +9892,7 @@
               <a:spcBef>
                 <a:spcPct val="20000"/>
               </a:spcBef>
-              <a:buFont typeface="Arial"/>
+              <a:buFont typeface="Arial" panose="020B0604020202090204"/>
               <a:buChar char="•"/>
               <a:defRPr sz="1500" kern="1200">
                 <a:solidFill>
@@ -11351,7 +9907,7 @@
               <a:spcBef>
                 <a:spcPct val="20000"/>
               </a:spcBef>
-              <a:buFont typeface="Arial"/>
+              <a:buFont typeface="Arial" panose="020B0604020202090204"/>
               <a:buChar char="•"/>
               <a:defRPr sz="1500" kern="1200">
                 <a:solidFill>
@@ -11366,7 +9922,7 @@
               <a:spcBef>
                 <a:spcPct val="20000"/>
               </a:spcBef>
-              <a:buFont typeface="Arial"/>
+              <a:buFont typeface="Arial" panose="020B0604020202090204"/>
               <a:buChar char="•"/>
               <a:defRPr sz="1500" kern="1200">
                 <a:solidFill>
@@ -11381,7 +9937,7 @@
               <a:spcBef>
                 <a:spcPct val="20000"/>
               </a:spcBef>
-              <a:buFont typeface="Arial"/>
+              <a:buFont typeface="Arial" panose="020B0604020202090204"/>
               <a:buChar char="•"/>
               <a:defRPr sz="1500" kern="1200">
                 <a:solidFill>
@@ -11399,11 +9955,6 @@
         </p:txBody>
       </p:sp>
     </p:spTree>
-    <p:extLst>
-      <p:ext uri="{BB962C8B-B14F-4D97-AF65-F5344CB8AC3E}">
-        <p14:creationId xmlns:p14="http://schemas.microsoft.com/office/powerpoint/2010/main" val="2027635383"/>
-      </p:ext>
-    </p:extLst>
   </p:cSld>
   <p:clrMapOvr>
     <a:masterClrMapping/>
@@ -11430,13 +9981,7 @@
       </p:grpSpPr>
       <p:sp>
         <p:nvSpPr>
-          <p:cNvPr id="2" name="Content Placeholder 1">
-            <a:extLst>
-              <a:ext uri="{FF2B5EF4-FFF2-40B4-BE49-F238E27FC236}">
-                <a16:creationId xmlns:a16="http://schemas.microsoft.com/office/drawing/2014/main" id="{008D39C9-FC9D-224A-AFB2-78E9D6444972}"/>
-              </a:ext>
-            </a:extLst>
-          </p:cNvPr>
+          <p:cNvPr id="2" name="Content Placeholder 1"/>
           <p:cNvSpPr>
             <a:spLocks noGrp="1"/>
           </p:cNvSpPr>
@@ -11455,13 +10000,7 @@
       </p:sp>
       <p:sp>
         <p:nvSpPr>
-          <p:cNvPr id="3" name="Title 2">
-            <a:extLst>
-              <a:ext uri="{FF2B5EF4-FFF2-40B4-BE49-F238E27FC236}">
-                <a16:creationId xmlns:a16="http://schemas.microsoft.com/office/drawing/2014/main" id="{582E00C2-9FBC-D548-A151-D037DBBCFFFF}"/>
-              </a:ext>
-            </a:extLst>
-          </p:cNvPr>
+          <p:cNvPr id="3" name="Title 2"/>
           <p:cNvSpPr>
             <a:spLocks noGrp="1"/>
           </p:cNvSpPr>
@@ -11478,15 +10017,11 @@
               <a:rPr lang="en-US" dirty="0"/>
               <a:t>Figure 1: Schematic of the Project overview</a:t>
             </a:r>
+            <a:endParaRPr lang="en-US" dirty="0"/>
           </a:p>
         </p:txBody>
       </p:sp>
     </p:spTree>
-    <p:extLst>
-      <p:ext uri="{BB962C8B-B14F-4D97-AF65-F5344CB8AC3E}">
-        <p14:creationId xmlns:p14="http://schemas.microsoft.com/office/powerpoint/2010/main" val="748395405"/>
-      </p:ext>
-    </p:extLst>
   </p:cSld>
   <p:clrMapOvr>
     <a:masterClrMapping/>
@@ -11513,13 +10048,7 @@
       </p:grpSpPr>
       <p:sp>
         <p:nvSpPr>
-          <p:cNvPr id="2" name="Content Placeholder 1">
-            <a:extLst>
-              <a:ext uri="{FF2B5EF4-FFF2-40B4-BE49-F238E27FC236}">
-                <a16:creationId xmlns:a16="http://schemas.microsoft.com/office/drawing/2014/main" id="{12C88FAB-057B-A144-BC8F-BAAD335252D5}"/>
-              </a:ext>
-            </a:extLst>
-          </p:cNvPr>
+          <p:cNvPr id="2" name="Content Placeholder 1"/>
           <p:cNvSpPr>
             <a:spLocks noGrp="1"/>
           </p:cNvSpPr>
@@ -11536,36 +10065,33 @@
               <a:rPr lang="en-US" b="0" dirty="0"/>
               <a:t>Results 1: …</a:t>
             </a:r>
+            <a:endParaRPr lang="en-US" b="0" dirty="0"/>
           </a:p>
           <a:p>
             <a:r>
               <a:rPr lang="en-US" b="0" dirty="0"/>
               <a:t>Results 2: …</a:t>
             </a:r>
+            <a:endParaRPr lang="en-US" b="0" dirty="0"/>
           </a:p>
           <a:p>
             <a:r>
               <a:rPr lang="en-US" b="0" dirty="0"/>
               <a:t>Results 3: …</a:t>
             </a:r>
-          </a:p>
-          <a:p>
             <a:endParaRPr lang="en-US" b="0" dirty="0"/>
           </a:p>
           <a:p>
             <a:endParaRPr lang="en-US" b="0" dirty="0"/>
           </a:p>
+          <a:p>
+            <a:endParaRPr lang="en-US" b="0" dirty="0"/>
+          </a:p>
         </p:txBody>
       </p:sp>
       <p:sp>
         <p:nvSpPr>
-          <p:cNvPr id="3" name="Title 2">
-            <a:extLst>
-              <a:ext uri="{FF2B5EF4-FFF2-40B4-BE49-F238E27FC236}">
-                <a16:creationId xmlns:a16="http://schemas.microsoft.com/office/drawing/2014/main" id="{0C597ED5-62CF-EB42-AA5B-59DE9252A8AF}"/>
-              </a:ext>
-            </a:extLst>
-          </p:cNvPr>
+          <p:cNvPr id="3" name="Title 2"/>
           <p:cNvSpPr>
             <a:spLocks noGrp="1"/>
           </p:cNvSpPr>
@@ -11582,15 +10108,11 @@
               <a:rPr lang="en-US" dirty="0"/>
               <a:t>Key results or message from the project / analysis</a:t>
             </a:r>
+            <a:endParaRPr lang="en-US" dirty="0"/>
           </a:p>
         </p:txBody>
       </p:sp>
     </p:spTree>
-    <p:extLst>
-      <p:ext uri="{BB962C8B-B14F-4D97-AF65-F5344CB8AC3E}">
-        <p14:creationId xmlns:p14="http://schemas.microsoft.com/office/powerpoint/2010/main" val="964101216"/>
-      </p:ext>
-    </p:extLst>
   </p:cSld>
   <p:clrMapOvr>
     <a:masterClrMapping/>
@@ -11617,13 +10139,7 @@
       </p:grpSpPr>
       <p:sp>
         <p:nvSpPr>
-          <p:cNvPr id="4" name="Content Placeholder 3">
-            <a:extLst>
-              <a:ext uri="{FF2B5EF4-FFF2-40B4-BE49-F238E27FC236}">
-                <a16:creationId xmlns:a16="http://schemas.microsoft.com/office/drawing/2014/main" id="{DF9469D1-0D7B-664F-AA8A-24BA09945622}"/>
-              </a:ext>
-            </a:extLst>
-          </p:cNvPr>
+          <p:cNvPr id="4" name="Content Placeholder 3"/>
           <p:cNvSpPr>
             <a:spLocks noGrp="1"/>
           </p:cNvSpPr>
@@ -11640,18 +10156,13 @@
               <a:rPr lang="en-US" b="0" dirty="0"/>
               <a:t>At least one figure illustrating one of the selected result. </a:t>
             </a:r>
+            <a:endParaRPr lang="en-US" b="0" dirty="0"/>
           </a:p>
         </p:txBody>
       </p:sp>
       <p:sp>
         <p:nvSpPr>
-          <p:cNvPr id="5" name="Picture Placeholder 4">
-            <a:extLst>
-              <a:ext uri="{FF2B5EF4-FFF2-40B4-BE49-F238E27FC236}">
-                <a16:creationId xmlns:a16="http://schemas.microsoft.com/office/drawing/2014/main" id="{EE1C8855-A556-7E4D-91DC-EC398D599EC3}"/>
-              </a:ext>
-            </a:extLst>
-          </p:cNvPr>
+          <p:cNvPr id="5" name="Picture Placeholder 4"/>
           <p:cNvSpPr>
             <a:spLocks noGrp="1"/>
           </p:cNvSpPr>
@@ -11663,13 +10174,7 @@
       </p:sp>
       <p:sp>
         <p:nvSpPr>
-          <p:cNvPr id="2" name="Title 1">
-            <a:extLst>
-              <a:ext uri="{FF2B5EF4-FFF2-40B4-BE49-F238E27FC236}">
-                <a16:creationId xmlns:a16="http://schemas.microsoft.com/office/drawing/2014/main" id="{E2AEAF44-F909-4580-862E-7EB331AAAEC3}"/>
-              </a:ext>
-            </a:extLst>
-          </p:cNvPr>
+          <p:cNvPr id="2" name="Title 1"/>
           <p:cNvSpPr>
             <a:spLocks noGrp="1"/>
           </p:cNvSpPr>
@@ -11686,15 +10191,11 @@
               <a:rPr lang="en-AU" dirty="0"/>
               <a:t>Draft or final evaluation </a:t>
             </a:r>
+            <a:endParaRPr lang="en-AU" dirty="0"/>
           </a:p>
         </p:txBody>
       </p:sp>
     </p:spTree>
-    <p:extLst>
-      <p:ext uri="{BB962C8B-B14F-4D97-AF65-F5344CB8AC3E}">
-        <p14:creationId xmlns:p14="http://schemas.microsoft.com/office/powerpoint/2010/main" val="840884085"/>
-      </p:ext>
-    </p:extLst>
   </p:cSld>
   <p:clrMapOvr>
     <a:masterClrMapping/>
@@ -11721,13 +10222,7 @@
       </p:grpSpPr>
       <p:sp>
         <p:nvSpPr>
-          <p:cNvPr id="2" name="Title 1">
-            <a:extLst>
-              <a:ext uri="{FF2B5EF4-FFF2-40B4-BE49-F238E27FC236}">
-                <a16:creationId xmlns:a16="http://schemas.microsoft.com/office/drawing/2014/main" id="{E2AEAF44-F909-4580-862E-7EB331AAAEC3}"/>
-              </a:ext>
-            </a:extLst>
-          </p:cNvPr>
+          <p:cNvPr id="2" name="Title 1"/>
           <p:cNvSpPr>
             <a:spLocks noGrp="1"/>
           </p:cNvSpPr>
@@ -11744,18 +10239,13 @@
               <a:rPr lang="en-AU" dirty="0"/>
               <a:t>Meeting minutes</a:t>
             </a:r>
+            <a:endParaRPr lang="en-AU" dirty="0"/>
           </a:p>
         </p:txBody>
       </p:sp>
       <p:graphicFrame>
         <p:nvGraphicFramePr>
-          <p:cNvPr id="8" name="Table 7">
-            <a:extLst>
-              <a:ext uri="{FF2B5EF4-FFF2-40B4-BE49-F238E27FC236}">
-                <a16:creationId xmlns:a16="http://schemas.microsoft.com/office/drawing/2014/main" id="{3A87D348-55EA-4938-B716-4176C77A2C27}"/>
-              </a:ext>
-            </a:extLst>
-          </p:cNvPr>
+          <p:cNvPr id="8" name="Table 7"/>
           <p:cNvGraphicFramePr>
             <a:graphicFrameLocks noGrp="1"/>
           </p:cNvGraphicFramePr>
@@ -11772,27 +10262,9 @@
                 <a:tableStyleId>{5C22544A-7EE6-4342-B048-85BDC9FD1C3A}</a:tableStyleId>
               </a:tblPr>
               <a:tblGrid>
-                <a:gridCol w="1373987">
-                  <a:extLst>
-                    <a:ext uri="{9D8B030D-6E8A-4147-A177-3AD203B41FA5}">
-                      <a16:colId xmlns:a16="http://schemas.microsoft.com/office/drawing/2014/main" val="1573866123"/>
-                    </a:ext>
-                  </a:extLst>
-                </a:gridCol>
-                <a:gridCol w="2534438">
-                  <a:extLst>
-                    <a:ext uri="{9D8B030D-6E8A-4147-A177-3AD203B41FA5}">
-                      <a16:colId xmlns:a16="http://schemas.microsoft.com/office/drawing/2014/main" val="83730095"/>
-                    </a:ext>
-                  </a:extLst>
-                </a:gridCol>
-                <a:gridCol w="4610290">
-                  <a:extLst>
-                    <a:ext uri="{9D8B030D-6E8A-4147-A177-3AD203B41FA5}">
-                      <a16:colId xmlns:a16="http://schemas.microsoft.com/office/drawing/2014/main" val="1624356449"/>
-                    </a:ext>
-                  </a:extLst>
-                </a:gridCol>
+                <a:gridCol w="1373987"/>
+                <a:gridCol w="2534438"/>
+                <a:gridCol w="4610290"/>
               </a:tblGrid>
               <a:tr h="564619">
                 <a:tc>
@@ -11816,7 +10288,7 @@
                       </a:r>
                       <a:endParaRPr lang="en-AU" sz="1600" dirty="0">
                         <a:effectLst/>
-                        <a:latin typeface="Tw Cen MT" panose="020B0602020104020603" pitchFamily="34" charset="0"/>
+                        <a:latin typeface="Tw Cen MT" charset="0"/>
                         <a:ea typeface="Calibri" panose="020F0502020204030204" pitchFamily="34" charset="0"/>
                         <a:cs typeface="Times New Roman" panose="02020603050405020304" pitchFamily="18" charset="0"/>
                       </a:endParaRPr>
@@ -11843,6 +10315,9 @@
                         </a:rPr>
                         <a:t>Discussion</a:t>
                       </a:r>
+                      <a:endParaRPr lang="en-AU" sz="1600" dirty="0">
+                        <a:effectLst/>
+                      </a:endParaRPr>
                     </a:p>
                     <a:p>
                       <a:pPr algn="ctr">
@@ -11856,12 +10331,18 @@
                       <a:r>
                         <a:rPr lang="en-AU" sz="1100" dirty="0">
                           <a:effectLst/>
-                          <a:latin typeface="Tw Cen MT" panose="020B0602020104020603" pitchFamily="34" charset="0"/>
+                          <a:latin typeface="Tw Cen MT" charset="0"/>
                           <a:ea typeface="Calibri" panose="020F0502020204030204" pitchFamily="34" charset="0"/>
                           <a:cs typeface="Times New Roman" panose="02020603050405020304" pitchFamily="18" charset="0"/>
                         </a:rPr>
                         <a:t>(you can refer to previous slides)</a:t>
                       </a:r>
+                      <a:endParaRPr lang="en-AU" sz="1100" dirty="0">
+                        <a:effectLst/>
+                        <a:latin typeface="Tw Cen MT" charset="0"/>
+                        <a:ea typeface="Calibri" panose="020F0502020204030204" pitchFamily="34" charset="0"/>
+                        <a:cs typeface="Times New Roman" panose="02020603050405020304" pitchFamily="18" charset="0"/>
+                      </a:endParaRPr>
                     </a:p>
                   </a:txBody>
                   <a:tcPr marL="81331" marR="81331" marT="0" marB="0" anchor="ctr"/>
@@ -11885,15 +10366,13 @@
                         </a:rPr>
                         <a:t>Actions (who) – action points for next week</a:t>
                       </a:r>
+                      <a:endParaRPr lang="en-AU" sz="1600" dirty="0">
+                        <a:effectLst/>
+                      </a:endParaRPr>
                     </a:p>
                   </a:txBody>
                   <a:tcPr marL="81331" marR="81331" marT="0" marB="0" anchor="ctr"/>
                 </a:tc>
-                <a:extLst>
-                  <a:ext uri="{0D108BD9-81ED-4DB2-BD59-A6C34878D82A}">
-                    <a16:rowId xmlns:a16="http://schemas.microsoft.com/office/drawing/2014/main" val="921860958"/>
-                  </a:ext>
-                </a:extLst>
               </a:tr>
               <a:tr h="474426">
                 <a:tc>
@@ -11953,11 +10432,6 @@
                   </a:txBody>
                   <a:tcPr marL="81331" marR="81331" marT="0" marB="0" anchor="b"/>
                 </a:tc>
-                <a:extLst>
-                  <a:ext uri="{0D108BD9-81ED-4DB2-BD59-A6C34878D82A}">
-                    <a16:rowId xmlns:a16="http://schemas.microsoft.com/office/drawing/2014/main" val="2191457816"/>
-                  </a:ext>
-                </a:extLst>
               </a:tr>
               <a:tr h="474426">
                 <a:tc>
@@ -12017,11 +10491,6 @@
                   </a:txBody>
                   <a:tcPr marL="81331" marR="81331" marT="0" marB="0" anchor="b"/>
                 </a:tc>
-                <a:extLst>
-                  <a:ext uri="{0D108BD9-81ED-4DB2-BD59-A6C34878D82A}">
-                    <a16:rowId xmlns:a16="http://schemas.microsoft.com/office/drawing/2014/main" val="2947246499"/>
-                  </a:ext>
-                </a:extLst>
               </a:tr>
               <a:tr h="474426">
                 <a:tc>
@@ -12081,11 +10550,6 @@
                   </a:txBody>
                   <a:tcPr marL="81331" marR="81331" marT="0" marB="0" anchor="b"/>
                 </a:tc>
-                <a:extLst>
-                  <a:ext uri="{0D108BD9-81ED-4DB2-BD59-A6C34878D82A}">
-                    <a16:rowId xmlns:a16="http://schemas.microsoft.com/office/drawing/2014/main" val="942335013"/>
-                  </a:ext>
-                </a:extLst>
               </a:tr>
               <a:tr h="474426">
                 <a:tc>
@@ -12145,11 +10609,6 @@
                   </a:txBody>
                   <a:tcPr marL="81331" marR="81331" marT="0" marB="0" anchor="b"/>
                 </a:tc>
-                <a:extLst>
-                  <a:ext uri="{0D108BD9-81ED-4DB2-BD59-A6C34878D82A}">
-                    <a16:rowId xmlns:a16="http://schemas.microsoft.com/office/drawing/2014/main" val="1757599085"/>
-                  </a:ext>
-                </a:extLst>
               </a:tr>
               <a:tr h="474426">
                 <a:tc>
@@ -12209,11 +10668,6 @@
                   </a:txBody>
                   <a:tcPr marL="81331" marR="81331" marT="0" marB="0" anchor="b"/>
                 </a:tc>
-                <a:extLst>
-                  <a:ext uri="{0D108BD9-81ED-4DB2-BD59-A6C34878D82A}">
-                    <a16:rowId xmlns:a16="http://schemas.microsoft.com/office/drawing/2014/main" val="927903413"/>
-                  </a:ext>
-                </a:extLst>
               </a:tr>
             </a:tbl>
           </a:graphicData>
@@ -12221,13 +10675,7 @@
       </p:graphicFrame>
       <p:sp>
         <p:nvSpPr>
-          <p:cNvPr id="9" name="Rectangle 2">
-            <a:extLst>
-              <a:ext uri="{FF2B5EF4-FFF2-40B4-BE49-F238E27FC236}">
-                <a16:creationId xmlns:a16="http://schemas.microsoft.com/office/drawing/2014/main" id="{A2ADCF7C-1D56-46C0-AA47-22DB2F49BF52}"/>
-              </a:ext>
-            </a:extLst>
-          </p:cNvPr>
+          <p:cNvPr id="9" name="Rectangle 2"/>
           <p:cNvSpPr>
             <a:spLocks noChangeArrowheads="1"/>
           </p:cNvSpPr>
@@ -12277,9 +10725,6 @@
         </p:spPr>
         <p:txBody>
           <a:bodyPr vert="horz" wrap="square" lIns="91440" tIns="45720" rIns="91440" bIns="45720" numCol="1" anchor="ctr" anchorCtr="0" compatLnSpc="1">
-            <a:prstTxWarp prst="textNoShape">
-              <a:avLst/>
-            </a:prstTxWarp>
             <a:spAutoFit/>
           </a:bodyPr>
           <a:lstStyle/>
@@ -12298,7 +10743,6 @@
               <a:buSzTx/>
               <a:buFontTx/>
               <a:buNone/>
-              <a:tabLst/>
             </a:pPr>
             <a:r>
               <a:rPr kumimoji="0" lang="en-AU" altLang="en-US" sz="1100" b="0" i="1" u="none" strike="noStrike" cap="none" normalizeH="0" baseline="0" dirty="0">
@@ -12309,7 +10753,7 @@
                   <a:schemeClr val="tx1"/>
                 </a:solidFill>
                 <a:effectLst/>
-                <a:latin typeface="Tw Cen MT" panose="020B0602020104020603" pitchFamily="34" charset="0"/>
+                <a:latin typeface="Tw Cen MT" charset="0"/>
                 <a:ea typeface="Calibri" panose="020F0502020204030204" pitchFamily="34" charset="0"/>
                 <a:cs typeface="Times New Roman" panose="02020603050405020304" pitchFamily="18" charset="0"/>
               </a:rPr>
@@ -12340,7 +10784,6 @@
               <a:buSzTx/>
               <a:buFontTx/>
               <a:buNone/>
-              <a:tabLst/>
             </a:pPr>
             <a:r>
               <a:rPr kumimoji="0" lang="en-AU" altLang="en-US" sz="1100" b="0" i="1" u="none" strike="noStrike" cap="none" normalizeH="0" baseline="0" dirty="0">
@@ -12351,12 +10794,24 @@
                   <a:schemeClr val="tx1"/>
                 </a:solidFill>
                 <a:effectLst/>
-                <a:latin typeface="Tw Cen MT" panose="020B0602020104020603" pitchFamily="34" charset="0"/>
+                <a:latin typeface="Tw Cen MT" charset="0"/>
                 <a:ea typeface="Calibri" panose="020F0502020204030204" pitchFamily="34" charset="0"/>
                 <a:cs typeface="Times New Roman" panose="02020603050405020304" pitchFamily="18" charset="0"/>
               </a:rPr>
               <a:t>Team members present:</a:t>
             </a:r>
+            <a:endParaRPr kumimoji="0" lang="en-AU" altLang="en-US" sz="1100" b="0" i="1" u="none" strike="noStrike" cap="none" normalizeH="0" baseline="0" dirty="0">
+              <a:ln>
+                <a:noFill/>
+              </a:ln>
+              <a:solidFill>
+                <a:schemeClr val="tx1"/>
+              </a:solidFill>
+              <a:effectLst/>
+              <a:latin typeface="Tw Cen MT" charset="0"/>
+              <a:ea typeface="Calibri" panose="020F0502020204030204" pitchFamily="34" charset="0"/>
+              <a:cs typeface="Times New Roman" panose="02020603050405020304" pitchFamily="18" charset="0"/>
+            </a:endParaRPr>
           </a:p>
           <a:p>
             <a:pPr marL="0" marR="0" lvl="0" indent="0" algn="l" defTabSz="914400" rtl="0" eaLnBrk="0" fontAlgn="base" latinLnBrk="0" hangingPunct="0">
@@ -12373,7 +10828,6 @@
               <a:buSzTx/>
               <a:buFontTx/>
               <a:buNone/>
-              <a:tabLst/>
             </a:pPr>
             <a:endParaRPr kumimoji="0" lang="en-AU" altLang="en-US" sz="500" b="0" i="0" u="none" strike="noStrike" cap="none" normalizeH="0" baseline="0" dirty="0">
               <a:ln>
@@ -12400,7 +10854,6 @@
               <a:buSzTx/>
               <a:buFontTx/>
               <a:buNone/>
-              <a:tabLst/>
             </a:pPr>
             <a:r>
               <a:rPr kumimoji="0" lang="en-AU" altLang="en-US" sz="1100" b="1" i="0" u="none" strike="noStrike" cap="none" normalizeH="0" baseline="0" dirty="0">
@@ -12411,7 +10864,7 @@
                   <a:schemeClr val="tx1"/>
                 </a:solidFill>
                 <a:effectLst/>
-                <a:latin typeface="Tw Cen MT" panose="020B0602020104020603" pitchFamily="34" charset="0"/>
+                <a:latin typeface="Tw Cen MT" charset="0"/>
                 <a:ea typeface="Calibri" panose="020F0502020204030204" pitchFamily="34" charset="0"/>
                 <a:cs typeface="Times New Roman" panose="02020603050405020304" pitchFamily="18" charset="0"/>
               </a:rPr>
@@ -12431,13 +10884,7 @@
       </p:sp>
       <p:sp>
         <p:nvSpPr>
-          <p:cNvPr id="10" name="Rectangle 9">
-            <a:extLst>
-              <a:ext uri="{FF2B5EF4-FFF2-40B4-BE49-F238E27FC236}">
-                <a16:creationId xmlns:a16="http://schemas.microsoft.com/office/drawing/2014/main" id="{0063FAC6-1059-490E-9D0D-3CEF59DD566B}"/>
-              </a:ext>
-            </a:extLst>
-          </p:cNvPr>
+          <p:cNvPr id="10" name="Rectangle 9"/>
           <p:cNvSpPr/>
           <p:nvPr/>
         </p:nvSpPr>
@@ -12459,22 +10906,31 @@
             <a:pPr lvl="0" defTabSz="914400" eaLnBrk="0" hangingPunct="0"/>
             <a:r>
               <a:rPr lang="en-AU" altLang="en-US" sz="1200" i="1" dirty="0">
-                <a:latin typeface="Tw Cen MT" panose="020B0602020104020603" pitchFamily="34" charset="0"/>
+                <a:latin typeface="Tw Cen MT" charset="0"/>
                 <a:ea typeface="Calibri" panose="020F0502020204030204" pitchFamily="34" charset="0"/>
                 <a:cs typeface="Times New Roman" panose="02020603050405020304" pitchFamily="18" charset="0"/>
               </a:rPr>
               <a:t>Next meeting date and time:</a:t>
             </a:r>
+            <a:endParaRPr lang="en-AU" altLang="en-US" sz="1200" i="1" dirty="0">
+              <a:latin typeface="Tw Cen MT" charset="0"/>
+              <a:ea typeface="Calibri" panose="020F0502020204030204" pitchFamily="34" charset="0"/>
+              <a:cs typeface="Times New Roman" panose="02020603050405020304" pitchFamily="18" charset="0"/>
+            </a:endParaRPr>
           </a:p>
           <a:p>
             <a:pPr lvl="0" defTabSz="914400" eaLnBrk="0" hangingPunct="0"/>
             <a:r>
               <a:rPr lang="en-AU" altLang="en-US" sz="1200" i="1" dirty="0">
-                <a:latin typeface="Tw Cen MT" panose="020B0602020104020603" pitchFamily="34" charset="0"/>
+                <a:latin typeface="Tw Cen MT" charset="0"/>
                 <a:cs typeface="Times New Roman" panose="02020603050405020304" pitchFamily="18" charset="0"/>
               </a:rPr>
               <a:t>Group member responsible for finalising/submitting minutes:</a:t>
             </a:r>
+            <a:endParaRPr lang="en-AU" altLang="en-US" sz="1200" i="1" dirty="0">
+              <a:latin typeface="Tw Cen MT" charset="0"/>
+              <a:cs typeface="Times New Roman" panose="02020603050405020304" pitchFamily="18" charset="0"/>
+            </a:endParaRPr>
           </a:p>
           <a:p>
             <a:pPr lvl="0" defTabSz="914400" eaLnBrk="0" hangingPunct="0"/>
@@ -12483,7 +10939,7 @@
                 <a:solidFill>
                   <a:srgbClr val="FF0000"/>
                 </a:solidFill>
-                <a:latin typeface="Tw Cen MT" panose="020B0602020104020603" pitchFamily="34" charset="0"/>
+                <a:latin typeface="Tw Cen MT" charset="0"/>
                 <a:cs typeface="Times New Roman" panose="02020603050405020304" pitchFamily="18" charset="0"/>
               </a:rPr>
               <a:t>To be posted on the CANVAS Individual group website</a:t>
@@ -12497,11 +10953,6 @@
         </p:txBody>
       </p:sp>
     </p:spTree>
-    <p:extLst>
-      <p:ext uri="{BB962C8B-B14F-4D97-AF65-F5344CB8AC3E}">
-        <p14:creationId xmlns:p14="http://schemas.microsoft.com/office/powerpoint/2010/main" val="3534880242"/>
-      </p:ext>
-    </p:extLst>
   </p:cSld>
   <p:clrMapOvr>
     <a:masterClrMapping/>
@@ -12528,13 +10979,7 @@
       </p:grpSpPr>
       <p:sp>
         <p:nvSpPr>
-          <p:cNvPr id="3" name="Content Placeholder 2">
-            <a:extLst>
-              <a:ext uri="{FF2B5EF4-FFF2-40B4-BE49-F238E27FC236}">
-                <a16:creationId xmlns:a16="http://schemas.microsoft.com/office/drawing/2014/main" id="{26F8F04C-1340-D543-8635-152D6014CEE3}"/>
-              </a:ext>
-            </a:extLst>
-          </p:cNvPr>
+          <p:cNvPr id="3" name="Content Placeholder 2"/>
           <p:cNvSpPr>
             <a:spLocks noGrp="1"/>
           </p:cNvSpPr>
@@ -12551,18 +10996,21 @@
               <a:rPr lang="en-US" b="0" dirty="0"/>
               <a:t>Key message of the presentations. </a:t>
             </a:r>
+            <a:endParaRPr lang="en-US" b="0" dirty="0"/>
           </a:p>
           <a:p>
             <a:r>
               <a:rPr lang="en-US" b="0" dirty="0"/>
               <a:t>…</a:t>
             </a:r>
+            <a:endParaRPr lang="en-US" b="0" dirty="0"/>
           </a:p>
           <a:p>
             <a:r>
               <a:rPr lang="en-US" b="0" dirty="0"/>
               <a:t>…</a:t>
             </a:r>
+            <a:endParaRPr lang="en-US" b="0" dirty="0"/>
           </a:p>
           <a:p>
             <a:endParaRPr lang="en-US" b="0" dirty="0"/>
@@ -12575,20 +11023,20 @@
               <a:rPr lang="en-US" b="0" dirty="0"/>
               <a:t>Structure of the presentation</a:t>
             </a:r>
+            <a:endParaRPr lang="en-US" b="0" dirty="0"/>
           </a:p>
           <a:p>
             <a:r>
               <a:rPr lang="en-US" b="0" dirty="0"/>
               <a:t>…</a:t>
             </a:r>
+            <a:endParaRPr lang="en-US" b="0" dirty="0"/>
           </a:p>
           <a:p>
             <a:r>
               <a:rPr lang="en-US" b="0" dirty="0"/>
               <a:t>…</a:t>
             </a:r>
-          </a:p>
-          <a:p>
             <a:endParaRPr lang="en-US" b="0" dirty="0"/>
           </a:p>
           <a:p>
@@ -12597,17 +11045,14 @@
           <a:p>
             <a:endParaRPr lang="en-US" b="0" dirty="0"/>
           </a:p>
+          <a:p>
+            <a:endParaRPr lang="en-US" b="0" dirty="0"/>
+          </a:p>
         </p:txBody>
       </p:sp>
       <p:sp>
         <p:nvSpPr>
-          <p:cNvPr id="2" name="Title 1">
-            <a:extLst>
-              <a:ext uri="{FF2B5EF4-FFF2-40B4-BE49-F238E27FC236}">
-                <a16:creationId xmlns:a16="http://schemas.microsoft.com/office/drawing/2014/main" id="{C853D6B5-55F1-4B43-B2CC-366F297FFD42}"/>
-              </a:ext>
-            </a:extLst>
-          </p:cNvPr>
+          <p:cNvPr id="2" name="Title 1"/>
           <p:cNvSpPr>
             <a:spLocks noGrp="1"/>
           </p:cNvSpPr>
@@ -12624,15 +11069,11 @@
               <a:rPr lang="en-US" dirty="0"/>
               <a:t>Draft of the presentation outline</a:t>
             </a:r>
+            <a:endParaRPr lang="en-US" dirty="0"/>
           </a:p>
         </p:txBody>
       </p:sp>
     </p:spTree>
-    <p:extLst>
-      <p:ext uri="{BB962C8B-B14F-4D97-AF65-F5344CB8AC3E}">
-        <p14:creationId xmlns:p14="http://schemas.microsoft.com/office/powerpoint/2010/main" val="2264126969"/>
-      </p:ext>
-    </p:extLst>
   </p:cSld>
   <p:clrMapOvr>
     <a:masterClrMapping/>
@@ -12659,13 +11100,7 @@
       </p:grpSpPr>
       <p:sp>
         <p:nvSpPr>
-          <p:cNvPr id="2" name="Content Placeholder 1">
-            <a:extLst>
-              <a:ext uri="{FF2B5EF4-FFF2-40B4-BE49-F238E27FC236}">
-                <a16:creationId xmlns:a16="http://schemas.microsoft.com/office/drawing/2014/main" id="{12C88FAB-057B-A144-BC8F-BAAD335252D5}"/>
-              </a:ext>
-            </a:extLst>
-          </p:cNvPr>
+          <p:cNvPr id="2" name="Content Placeholder 1"/>
           <p:cNvSpPr>
             <a:spLocks noGrp="1"/>
           </p:cNvSpPr>
@@ -12682,42 +11117,40 @@
               <a:rPr lang="en-US" b="0" dirty="0"/>
               <a:t>Results 1: …</a:t>
             </a:r>
+            <a:endParaRPr lang="en-US" b="0" dirty="0"/>
           </a:p>
           <a:p>
             <a:r>
               <a:rPr lang="en-US" b="0" dirty="0"/>
               <a:t>Results 2: …</a:t>
             </a:r>
+            <a:endParaRPr lang="en-US" b="0" dirty="0"/>
           </a:p>
           <a:p>
             <a:r>
               <a:rPr lang="en-US" b="0" dirty="0"/>
               <a:t>…</a:t>
             </a:r>
+            <a:endParaRPr lang="en-US" b="0" dirty="0"/>
           </a:p>
           <a:p>
             <a:r>
               <a:rPr lang="en-US" b="0" dirty="0"/>
               <a:t>Results n: …</a:t>
             </a:r>
-          </a:p>
-          <a:p>
             <a:endParaRPr lang="en-US" b="0" dirty="0"/>
           </a:p>
           <a:p>
             <a:endParaRPr lang="en-US" b="0" dirty="0"/>
           </a:p>
+          <a:p>
+            <a:endParaRPr lang="en-US" b="0" dirty="0"/>
+          </a:p>
         </p:txBody>
       </p:sp>
       <p:sp>
         <p:nvSpPr>
-          <p:cNvPr id="3" name="Title 2">
-            <a:extLst>
-              <a:ext uri="{FF2B5EF4-FFF2-40B4-BE49-F238E27FC236}">
-                <a16:creationId xmlns:a16="http://schemas.microsoft.com/office/drawing/2014/main" id="{0C597ED5-62CF-EB42-AA5B-59DE9252A8AF}"/>
-              </a:ext>
-            </a:extLst>
-          </p:cNvPr>
+          <p:cNvPr id="3" name="Title 2"/>
           <p:cNvSpPr>
             <a:spLocks noGrp="1"/>
           </p:cNvSpPr>
@@ -12734,15 +11167,11 @@
               <a:rPr lang="en-US" dirty="0"/>
               <a:t>Final results or messages from the project / analysis</a:t>
             </a:r>
+            <a:endParaRPr lang="en-US" dirty="0"/>
           </a:p>
         </p:txBody>
       </p:sp>
     </p:spTree>
-    <p:extLst>
-      <p:ext uri="{BB962C8B-B14F-4D97-AF65-F5344CB8AC3E}">
-        <p14:creationId xmlns:p14="http://schemas.microsoft.com/office/powerpoint/2010/main" val="2405485095"/>
-      </p:ext>
-    </p:extLst>
   </p:cSld>
   <p:clrMapOvr>
     <a:masterClrMapping/>
@@ -12769,13 +11198,7 @@
       </p:grpSpPr>
       <p:sp>
         <p:nvSpPr>
-          <p:cNvPr id="10" name="Picture Placeholder 9">
-            <a:extLst>
-              <a:ext uri="{FF2B5EF4-FFF2-40B4-BE49-F238E27FC236}">
-                <a16:creationId xmlns:a16="http://schemas.microsoft.com/office/drawing/2014/main" id="{95BC7065-4970-D844-BAA5-3F7CAE4FDE02}"/>
-              </a:ext>
-            </a:extLst>
-          </p:cNvPr>
+          <p:cNvPr id="10" name="Picture Placeholder 9"/>
           <p:cNvSpPr>
             <a:spLocks noGrp="1"/>
           </p:cNvSpPr>
@@ -12787,13 +11210,7 @@
       </p:sp>
       <p:sp>
         <p:nvSpPr>
-          <p:cNvPr id="3" name="Title 2">
-            <a:extLst>
-              <a:ext uri="{FF2B5EF4-FFF2-40B4-BE49-F238E27FC236}">
-                <a16:creationId xmlns:a16="http://schemas.microsoft.com/office/drawing/2014/main" id="{4DB2CBD8-6B11-7742-8F55-0A6B929DBF62}"/>
-              </a:ext>
-            </a:extLst>
-          </p:cNvPr>
+          <p:cNvPr id="3" name="Title 2"/>
           <p:cNvSpPr>
             <a:spLocks noGrp="1"/>
           </p:cNvSpPr>
@@ -12819,13 +11236,7 @@
       </p:sp>
       <p:sp>
         <p:nvSpPr>
-          <p:cNvPr id="9" name="Text Placeholder 8">
-            <a:extLst>
-              <a:ext uri="{FF2B5EF4-FFF2-40B4-BE49-F238E27FC236}">
-                <a16:creationId xmlns:a16="http://schemas.microsoft.com/office/drawing/2014/main" id="{33E2E283-3D04-A142-9D66-E0EB45F64193}"/>
-              </a:ext>
-            </a:extLst>
-          </p:cNvPr>
+          <p:cNvPr id="9" name="Text Placeholder 8"/>
           <p:cNvSpPr>
             <a:spLocks noGrp="1"/>
           </p:cNvSpPr>
@@ -12847,15 +11258,11 @@
               <a:rPr lang="en-US" dirty="0"/>
               <a:t>Excluding Figure 1</a:t>
             </a:r>
+            <a:endParaRPr lang="en-US" dirty="0"/>
           </a:p>
         </p:txBody>
       </p:sp>
     </p:spTree>
-    <p:extLst>
-      <p:ext uri="{BB962C8B-B14F-4D97-AF65-F5344CB8AC3E}">
-        <p14:creationId xmlns:p14="http://schemas.microsoft.com/office/powerpoint/2010/main" val="2128485544"/>
-      </p:ext>
-    </p:extLst>
   </p:cSld>
   <p:clrMapOvr>
     <a:masterClrMapping/>
@@ -12882,13 +11289,7 @@
       </p:grpSpPr>
       <p:sp>
         <p:nvSpPr>
-          <p:cNvPr id="4" name="Content Placeholder 3">
-            <a:extLst>
-              <a:ext uri="{FF2B5EF4-FFF2-40B4-BE49-F238E27FC236}">
-                <a16:creationId xmlns:a16="http://schemas.microsoft.com/office/drawing/2014/main" id="{F79E8E1A-6AC7-3F4E-8F0D-D3A7F823361E}"/>
-              </a:ext>
-            </a:extLst>
-          </p:cNvPr>
+          <p:cNvPr id="4" name="Content Placeholder 3"/>
           <p:cNvSpPr>
             <a:spLocks noGrp="1"/>
           </p:cNvSpPr>
@@ -12905,18 +11306,24 @@
               <a:rPr lang="en-US" b="0" dirty="0"/>
               <a:t>Action points from last week … …</a:t>
             </a:r>
+            <a:endParaRPr lang="en-US" b="0" dirty="0"/>
           </a:p>
           <a:p>
             <a:r>
               <a:rPr lang="en-US" b="0" dirty="0"/>
-              <a:t>…</a:t>
-            </a:r>
-          </a:p>
-          <a:p>
+              <a:t>look at our data by self</a:t>
+            </a:r>
+            <a:endParaRPr lang="en-US" b="0" dirty="0"/>
+          </a:p>
+          <a:p>
+            <a:pPr marL="0" indent="0">
+              <a:buNone/>
+            </a:pPr>
             <a:r>
               <a:rPr lang="en-US" b="0" dirty="0"/>
-              <a:t>…</a:t>
-            </a:r>
+              <a:t>- think about our problems and goals</a:t>
+            </a:r>
+            <a:endParaRPr lang="en-US" b="0" dirty="0"/>
           </a:p>
           <a:p>
             <a:pPr marL="0" indent="0">
@@ -12929,20 +11336,20 @@
               <a:rPr lang="en-US" b="0" dirty="0"/>
               <a:t>Key progress over last week …</a:t>
             </a:r>
+            <a:endParaRPr lang="en-US" b="0" dirty="0"/>
           </a:p>
           <a:p>
             <a:r>
               <a:rPr lang="en-US" b="0" dirty="0"/>
-              <a:t>…</a:t>
-            </a:r>
+              <a:t>finish all the preliminary preparation of the project</a:t>
+            </a:r>
+            <a:endParaRPr lang="en-US" b="0" dirty="0"/>
           </a:p>
           <a:p>
             <a:r>
               <a:rPr lang="en-US" b="0" dirty="0"/>
-              <a:t>…</a:t>
-            </a:r>
-          </a:p>
-          <a:p>
+              <a:t>find out the specification of the project</a:t>
+            </a:r>
             <a:endParaRPr lang="en-US" b="0" dirty="0"/>
           </a:p>
           <a:p>
@@ -12955,19 +11362,16 @@
             <a:endParaRPr lang="en-US" b="0" dirty="0"/>
           </a:p>
           <a:p>
+            <a:endParaRPr lang="en-US" b="0" dirty="0"/>
+          </a:p>
+          <a:p>
             <a:endParaRPr lang="en-US" dirty="0"/>
           </a:p>
         </p:txBody>
       </p:sp>
       <p:sp>
         <p:nvSpPr>
-          <p:cNvPr id="2" name="Title 1">
-            <a:extLst>
-              <a:ext uri="{FF2B5EF4-FFF2-40B4-BE49-F238E27FC236}">
-                <a16:creationId xmlns:a16="http://schemas.microsoft.com/office/drawing/2014/main" id="{E2AEAF44-F909-4580-862E-7EB331AAAEC3}"/>
-              </a:ext>
-            </a:extLst>
-          </p:cNvPr>
+          <p:cNvPr id="2" name="Title 1"/>
           <p:cNvSpPr>
             <a:spLocks noGrp="1"/>
           </p:cNvSpPr>
@@ -12997,21 +11401,13 @@
       </p:sp>
       <p:sp>
         <p:nvSpPr>
-          <p:cNvPr id="3" name="Text Placeholder 2">
-            <a:extLst>
-              <a:ext uri="{FF2B5EF4-FFF2-40B4-BE49-F238E27FC236}">
-                <a16:creationId xmlns:a16="http://schemas.microsoft.com/office/drawing/2014/main" id="{93BAAD9B-F199-428F-8BD0-37301704CC09}"/>
-              </a:ext>
-            </a:extLst>
-          </p:cNvPr>
-          <p:cNvSpPr txBox="1">
-            <a:spLocks/>
-          </p:cNvSpPr>
+          <p:cNvPr id="3" name="Text Placeholder 2"/>
+          <p:cNvSpPr txBox="1"/>
           <p:nvPr/>
         </p:nvSpPr>
         <p:spPr bwMode="auto">
           <a:xfrm>
-            <a:off x="358775" y="1090063"/>
+            <a:off x="358775" y="1157373"/>
             <a:ext cx="3963817" cy="3299057"/>
           </a:xfrm>
           <a:prstGeom prst="rect">
@@ -13021,35 +11417,9 @@
           <a:ln>
             <a:noFill/>
           </a:ln>
-          <a:extLst>
-            <a:ext uri="{909E8E84-426E-40dd-AFC4-6F175D3DCCD1}">
-              <a14:hiddenFill xmlns="" xmlns:a14="http://schemas.microsoft.com/office/drawing/2010/main">
-                <a:solidFill>
-                  <a:srgbClr val="FFFFFF"/>
-                </a:solidFill>
-              </a14:hiddenFill>
-            </a:ext>
-            <a:ext uri="{91240B29-F687-4f45-9708-019B960494DF}">
-              <a14:hiddenLine xmlns="" xmlns:a14="http://schemas.microsoft.com/office/drawing/2010/main" w="9525">
-                <a:solidFill>
-                  <a:srgbClr val="000000"/>
-                </a:solidFill>
-                <a:miter lim="800000"/>
-                <a:headEnd/>
-                <a:tailEnd/>
-              </a14:hiddenLine>
-            </a:ext>
-            <a:ext uri="{FAA26D3D-D897-4be2-8F04-BA451C77F1D7}">
-              <ma14:placeholderFlag xmlns="" xmlns:ma14="http://schemas.microsoft.com/office/mac/drawingml/2011/main" val="1"/>
-            </a:ext>
-          </a:extLst>
         </p:spPr>
         <p:txBody>
-          <a:bodyPr vert="horz" wrap="square" lIns="91440" tIns="45720" rIns="91440" bIns="45720" numCol="1" anchor="t" anchorCtr="0" compatLnSpc="1">
-            <a:prstTxWarp prst="textNoShape">
-              <a:avLst/>
-            </a:prstTxWarp>
-          </a:bodyPr>
+          <a:bodyPr vert="horz" wrap="square" lIns="91440" tIns="45720" rIns="91440" bIns="45720" numCol="1" anchor="t" anchorCtr="0" compatLnSpc="1"/>
           <a:lstStyle>
             <a:lvl1pPr marL="257175" indent="-257175" algn="l" defTabSz="342900" rtl="0" eaLnBrk="1" fontAlgn="base" hangingPunct="1">
               <a:spcBef>
@@ -13058,32 +11428,32 @@
               <a:spcAft>
                 <a:spcPct val="0"/>
               </a:spcAft>
-              <a:buFont typeface="Lucida Grande" charset="0"/>
+              <a:buFont typeface="Lucida Grande" panose="020B0600040502020204" charset="0"/>
               <a:buChar char="–"/>
               <a:defRPr sz="2400" b="1" kern="1200">
                 <a:solidFill>
                   <a:schemeClr val="tx1"/>
                 </a:solidFill>
                 <a:latin typeface="Tw Cen MT"/>
-                <a:ea typeface="ＭＳ Ｐゴシック" charset="0"/>
+                <a:ea typeface="MS PGothic" charset="0"/>
                 <a:cs typeface="Tw Cen MT"/>
               </a:defRPr>
             </a:lvl1pPr>
-            <a:lvl2pPr marL="557213" indent="-214313" algn="l" defTabSz="342900" rtl="0" eaLnBrk="1" fontAlgn="base" hangingPunct="1">
+            <a:lvl2pPr marL="557530" indent="-214630" algn="l" defTabSz="342900" rtl="0" eaLnBrk="1" fontAlgn="base" hangingPunct="1">
               <a:spcBef>
                 <a:spcPct val="20000"/>
               </a:spcBef>
               <a:spcAft>
                 <a:spcPct val="0"/>
               </a:spcAft>
-              <a:buFont typeface="Arial" charset="0"/>
+              <a:buFont typeface="Arial" panose="020B0604020202090204" pitchFamily="34" charset="0"/>
               <a:buChar char="–"/>
               <a:defRPr sz="1500" kern="1200">
                 <a:solidFill>
                   <a:schemeClr val="tx1"/>
                 </a:solidFill>
                 <a:latin typeface="Tw Cen MT"/>
-                <a:ea typeface="ＭＳ Ｐゴシック" charset="0"/>
+                <a:ea typeface="MS PGothic" charset="0"/>
                 <a:cs typeface="Tw Cen MT"/>
               </a:defRPr>
             </a:lvl2pPr>
@@ -13094,14 +11464,14 @@
               <a:spcAft>
                 <a:spcPct val="0"/>
               </a:spcAft>
-              <a:buFont typeface="Arial" charset="0"/>
+              <a:buFont typeface="Arial" panose="020B0604020202090204" pitchFamily="34" charset="0"/>
               <a:buChar char="•"/>
               <a:defRPr sz="1500" kern="1200">
                 <a:solidFill>
                   <a:schemeClr val="tx1"/>
                 </a:solidFill>
                 <a:latin typeface="Tw Cen MT"/>
-                <a:ea typeface="ＭＳ Ｐゴシック" charset="0"/>
+                <a:ea typeface="MS PGothic" charset="0"/>
                 <a:cs typeface="Tw Cen MT"/>
               </a:defRPr>
             </a:lvl3pPr>
@@ -13112,14 +11482,14 @@
               <a:spcAft>
                 <a:spcPct val="0"/>
               </a:spcAft>
-              <a:buFont typeface="Arial" charset="0"/>
+              <a:buFont typeface="Arial" panose="020B0604020202090204" pitchFamily="34" charset="0"/>
               <a:buChar char="–"/>
               <a:defRPr sz="1500" kern="1200">
                 <a:solidFill>
                   <a:schemeClr val="tx1"/>
                 </a:solidFill>
                 <a:latin typeface="Tw Cen MT"/>
-                <a:ea typeface="ＭＳ Ｐゴシック" charset="0"/>
+                <a:ea typeface="MS PGothic" charset="0"/>
                 <a:cs typeface="Tw Cen MT"/>
               </a:defRPr>
             </a:lvl4pPr>
@@ -13130,14 +11500,14 @@
               <a:spcAft>
                 <a:spcPct val="0"/>
               </a:spcAft>
-              <a:buFont typeface="Arial" charset="0"/>
+              <a:buFont typeface="Arial" panose="020B0604020202090204" pitchFamily="34" charset="0"/>
               <a:buChar char="»"/>
               <a:defRPr sz="1500" kern="1200">
                 <a:solidFill>
                   <a:schemeClr val="tx1"/>
                 </a:solidFill>
                 <a:latin typeface="Tw Cen MT"/>
-                <a:ea typeface="ＭＳ Ｐゴシック" charset="0"/>
+                <a:ea typeface="MS PGothic" charset="0"/>
                 <a:cs typeface="Tw Cen MT"/>
               </a:defRPr>
             </a:lvl5pPr>
@@ -13145,7 +11515,7 @@
               <a:spcBef>
                 <a:spcPct val="20000"/>
               </a:spcBef>
-              <a:buFont typeface="Arial"/>
+              <a:buFont typeface="Arial" panose="020B0604020202090204"/>
               <a:buChar char="•"/>
               <a:defRPr sz="1500" kern="1200">
                 <a:solidFill>
@@ -13160,7 +11530,7 @@
               <a:spcBef>
                 <a:spcPct val="20000"/>
               </a:spcBef>
-              <a:buFont typeface="Arial"/>
+              <a:buFont typeface="Arial" panose="020B0604020202090204"/>
               <a:buChar char="•"/>
               <a:defRPr sz="1500" kern="1200">
                 <a:solidFill>
@@ -13175,7 +11545,7 @@
               <a:spcBef>
                 <a:spcPct val="20000"/>
               </a:spcBef>
-              <a:buFont typeface="Arial"/>
+              <a:buFont typeface="Arial" panose="020B0604020202090204"/>
               <a:buChar char="•"/>
               <a:defRPr sz="1500" kern="1200">
                 <a:solidFill>
@@ -13190,7 +11560,7 @@
               <a:spcBef>
                 <a:spcPct val="20000"/>
               </a:spcBef>
-              <a:buFont typeface="Arial"/>
+              <a:buFont typeface="Arial" panose="020B0604020202090204"/>
               <a:buChar char="•"/>
               <a:defRPr sz="1500" kern="1200">
                 <a:solidFill>
@@ -13208,11 +11578,6 @@
         </p:txBody>
       </p:sp>
     </p:spTree>
-    <p:extLst>
-      <p:ext uri="{BB962C8B-B14F-4D97-AF65-F5344CB8AC3E}">
-        <p14:creationId xmlns:p14="http://schemas.microsoft.com/office/powerpoint/2010/main" val="1414804741"/>
-      </p:ext>
-    </p:extLst>
   </p:cSld>
   <p:clrMapOvr>
     <a:masterClrMapping/>
@@ -13239,13 +11604,7 @@
       </p:grpSpPr>
       <p:sp>
         <p:nvSpPr>
-          <p:cNvPr id="2" name="Content Placeholder 1">
-            <a:extLst>
-              <a:ext uri="{FF2B5EF4-FFF2-40B4-BE49-F238E27FC236}">
-                <a16:creationId xmlns:a16="http://schemas.microsoft.com/office/drawing/2014/main" id="{32A88347-D643-8E49-9FCF-4EEE1039749C}"/>
-              </a:ext>
-            </a:extLst>
-          </p:cNvPr>
+          <p:cNvPr id="2" name="Content Placeholder 1"/>
           <p:cNvSpPr>
             <a:spLocks noGrp="1"/>
           </p:cNvSpPr>
@@ -13262,24 +11621,20 @@
               <a:rPr lang="en-US" b="0" dirty="0"/>
               <a:t>Prerecording ?</a:t>
             </a:r>
+            <a:endParaRPr lang="en-US" b="0" dirty="0"/>
           </a:p>
           <a:p>
             <a:r>
               <a:rPr lang="en-US" b="0" dirty="0"/>
               <a:t>Scaffold of the demonstration.</a:t>
             </a:r>
+            <a:endParaRPr lang="en-US" b="0" dirty="0"/>
           </a:p>
         </p:txBody>
       </p:sp>
       <p:sp>
         <p:nvSpPr>
-          <p:cNvPr id="3" name="Title 2">
-            <a:extLst>
-              <a:ext uri="{FF2B5EF4-FFF2-40B4-BE49-F238E27FC236}">
-                <a16:creationId xmlns:a16="http://schemas.microsoft.com/office/drawing/2014/main" id="{582780C0-BD03-B043-8BCA-FC3F2F97845D}"/>
-              </a:ext>
-            </a:extLst>
-          </p:cNvPr>
+          <p:cNvPr id="3" name="Title 2"/>
           <p:cNvSpPr>
             <a:spLocks noGrp="1"/>
           </p:cNvSpPr>
@@ -13296,15 +11651,11 @@
               <a:rPr lang="en-US" dirty="0"/>
               <a:t>Plan for demonstration</a:t>
             </a:r>
+            <a:endParaRPr lang="en-US" dirty="0"/>
           </a:p>
         </p:txBody>
       </p:sp>
     </p:spTree>
-    <p:extLst>
-      <p:ext uri="{BB962C8B-B14F-4D97-AF65-F5344CB8AC3E}">
-        <p14:creationId xmlns:p14="http://schemas.microsoft.com/office/powerpoint/2010/main" val="752901724"/>
-      </p:ext>
-    </p:extLst>
   </p:cSld>
   <p:clrMapOvr>
     <a:masterClrMapping/>
@@ -13331,13 +11682,7 @@
       </p:grpSpPr>
       <p:sp>
         <p:nvSpPr>
-          <p:cNvPr id="2" name="Title 1">
-            <a:extLst>
-              <a:ext uri="{FF2B5EF4-FFF2-40B4-BE49-F238E27FC236}">
-                <a16:creationId xmlns:a16="http://schemas.microsoft.com/office/drawing/2014/main" id="{E2AEAF44-F909-4580-862E-7EB331AAAEC3}"/>
-              </a:ext>
-            </a:extLst>
-          </p:cNvPr>
+          <p:cNvPr id="2" name="Title 1"/>
           <p:cNvSpPr>
             <a:spLocks noGrp="1"/>
           </p:cNvSpPr>
@@ -13354,18 +11699,13 @@
               <a:rPr lang="en-AU" dirty="0"/>
               <a:t>Meeting minutes</a:t>
             </a:r>
+            <a:endParaRPr lang="en-AU" dirty="0"/>
           </a:p>
         </p:txBody>
       </p:sp>
       <p:graphicFrame>
         <p:nvGraphicFramePr>
-          <p:cNvPr id="8" name="Table 7">
-            <a:extLst>
-              <a:ext uri="{FF2B5EF4-FFF2-40B4-BE49-F238E27FC236}">
-                <a16:creationId xmlns:a16="http://schemas.microsoft.com/office/drawing/2014/main" id="{3A87D348-55EA-4938-B716-4176C77A2C27}"/>
-              </a:ext>
-            </a:extLst>
-          </p:cNvPr>
+          <p:cNvPr id="8" name="Table 7"/>
           <p:cNvGraphicFramePr>
             <a:graphicFrameLocks noGrp="1"/>
           </p:cNvGraphicFramePr>
@@ -13382,27 +11722,9 @@
                 <a:tableStyleId>{5C22544A-7EE6-4342-B048-85BDC9FD1C3A}</a:tableStyleId>
               </a:tblPr>
               <a:tblGrid>
-                <a:gridCol w="1373987">
-                  <a:extLst>
-                    <a:ext uri="{9D8B030D-6E8A-4147-A177-3AD203B41FA5}">
-                      <a16:colId xmlns:a16="http://schemas.microsoft.com/office/drawing/2014/main" val="1573866123"/>
-                    </a:ext>
-                  </a:extLst>
-                </a:gridCol>
-                <a:gridCol w="2534438">
-                  <a:extLst>
-                    <a:ext uri="{9D8B030D-6E8A-4147-A177-3AD203B41FA5}">
-                      <a16:colId xmlns:a16="http://schemas.microsoft.com/office/drawing/2014/main" val="83730095"/>
-                    </a:ext>
-                  </a:extLst>
-                </a:gridCol>
-                <a:gridCol w="4610290">
-                  <a:extLst>
-                    <a:ext uri="{9D8B030D-6E8A-4147-A177-3AD203B41FA5}">
-                      <a16:colId xmlns:a16="http://schemas.microsoft.com/office/drawing/2014/main" val="1624356449"/>
-                    </a:ext>
-                  </a:extLst>
-                </a:gridCol>
+                <a:gridCol w="1373987"/>
+                <a:gridCol w="2534438"/>
+                <a:gridCol w="4610290"/>
               </a:tblGrid>
               <a:tr h="564619">
                 <a:tc>
@@ -13426,7 +11748,7 @@
                       </a:r>
                       <a:endParaRPr lang="en-AU" sz="1600" dirty="0">
                         <a:effectLst/>
-                        <a:latin typeface="Tw Cen MT" panose="020B0602020104020603" pitchFamily="34" charset="0"/>
+                        <a:latin typeface="Tw Cen MT" charset="0"/>
                         <a:ea typeface="Calibri" panose="020F0502020204030204" pitchFamily="34" charset="0"/>
                         <a:cs typeface="Times New Roman" panose="02020603050405020304" pitchFamily="18" charset="0"/>
                       </a:endParaRPr>
@@ -13453,6 +11775,9 @@
                         </a:rPr>
                         <a:t>Discussion</a:t>
                       </a:r>
+                      <a:endParaRPr lang="en-AU" sz="1600" dirty="0">
+                        <a:effectLst/>
+                      </a:endParaRPr>
                     </a:p>
                     <a:p>
                       <a:pPr algn="ctr">
@@ -13466,12 +11791,18 @@
                       <a:r>
                         <a:rPr lang="en-AU" sz="1100" dirty="0">
                           <a:effectLst/>
-                          <a:latin typeface="Tw Cen MT" panose="020B0602020104020603" pitchFamily="34" charset="0"/>
+                          <a:latin typeface="Tw Cen MT" charset="0"/>
                           <a:ea typeface="Calibri" panose="020F0502020204030204" pitchFamily="34" charset="0"/>
                           <a:cs typeface="Times New Roman" panose="02020603050405020304" pitchFamily="18" charset="0"/>
                         </a:rPr>
                         <a:t>(you can refer to previous slides)</a:t>
                       </a:r>
+                      <a:endParaRPr lang="en-AU" sz="1100" dirty="0">
+                        <a:effectLst/>
+                        <a:latin typeface="Tw Cen MT" charset="0"/>
+                        <a:ea typeface="Calibri" panose="020F0502020204030204" pitchFamily="34" charset="0"/>
+                        <a:cs typeface="Times New Roman" panose="02020603050405020304" pitchFamily="18" charset="0"/>
+                      </a:endParaRPr>
                     </a:p>
                   </a:txBody>
                   <a:tcPr marL="81331" marR="81331" marT="0" marB="0" anchor="ctr"/>
@@ -13495,15 +11826,13 @@
                         </a:rPr>
                         <a:t>Actions (who) – action points for next week</a:t>
                       </a:r>
+                      <a:endParaRPr lang="en-AU" sz="1600" dirty="0">
+                        <a:effectLst/>
+                      </a:endParaRPr>
                     </a:p>
                   </a:txBody>
                   <a:tcPr marL="81331" marR="81331" marT="0" marB="0" anchor="ctr"/>
                 </a:tc>
-                <a:extLst>
-                  <a:ext uri="{0D108BD9-81ED-4DB2-BD59-A6C34878D82A}">
-                    <a16:rowId xmlns:a16="http://schemas.microsoft.com/office/drawing/2014/main" val="921860958"/>
-                  </a:ext>
-                </a:extLst>
               </a:tr>
               <a:tr h="474426">
                 <a:tc>
@@ -13563,11 +11892,6 @@
                   </a:txBody>
                   <a:tcPr marL="81331" marR="81331" marT="0" marB="0" anchor="b"/>
                 </a:tc>
-                <a:extLst>
-                  <a:ext uri="{0D108BD9-81ED-4DB2-BD59-A6C34878D82A}">
-                    <a16:rowId xmlns:a16="http://schemas.microsoft.com/office/drawing/2014/main" val="2191457816"/>
-                  </a:ext>
-                </a:extLst>
               </a:tr>
               <a:tr h="474426">
                 <a:tc>
@@ -13627,11 +11951,6 @@
                   </a:txBody>
                   <a:tcPr marL="81331" marR="81331" marT="0" marB="0" anchor="b"/>
                 </a:tc>
-                <a:extLst>
-                  <a:ext uri="{0D108BD9-81ED-4DB2-BD59-A6C34878D82A}">
-                    <a16:rowId xmlns:a16="http://schemas.microsoft.com/office/drawing/2014/main" val="2947246499"/>
-                  </a:ext>
-                </a:extLst>
               </a:tr>
               <a:tr h="474426">
                 <a:tc>
@@ -13691,11 +12010,6 @@
                   </a:txBody>
                   <a:tcPr marL="81331" marR="81331" marT="0" marB="0" anchor="b"/>
                 </a:tc>
-                <a:extLst>
-                  <a:ext uri="{0D108BD9-81ED-4DB2-BD59-A6C34878D82A}">
-                    <a16:rowId xmlns:a16="http://schemas.microsoft.com/office/drawing/2014/main" val="942335013"/>
-                  </a:ext>
-                </a:extLst>
               </a:tr>
               <a:tr h="474426">
                 <a:tc>
@@ -13755,11 +12069,6 @@
                   </a:txBody>
                   <a:tcPr marL="81331" marR="81331" marT="0" marB="0" anchor="b"/>
                 </a:tc>
-                <a:extLst>
-                  <a:ext uri="{0D108BD9-81ED-4DB2-BD59-A6C34878D82A}">
-                    <a16:rowId xmlns:a16="http://schemas.microsoft.com/office/drawing/2014/main" val="1757599085"/>
-                  </a:ext>
-                </a:extLst>
               </a:tr>
               <a:tr h="474426">
                 <a:tc>
@@ -13819,11 +12128,6 @@
                   </a:txBody>
                   <a:tcPr marL="81331" marR="81331" marT="0" marB="0" anchor="b"/>
                 </a:tc>
-                <a:extLst>
-                  <a:ext uri="{0D108BD9-81ED-4DB2-BD59-A6C34878D82A}">
-                    <a16:rowId xmlns:a16="http://schemas.microsoft.com/office/drawing/2014/main" val="927903413"/>
-                  </a:ext>
-                </a:extLst>
               </a:tr>
             </a:tbl>
           </a:graphicData>
@@ -13831,13 +12135,7 @@
       </p:graphicFrame>
       <p:sp>
         <p:nvSpPr>
-          <p:cNvPr id="9" name="Rectangle 2">
-            <a:extLst>
-              <a:ext uri="{FF2B5EF4-FFF2-40B4-BE49-F238E27FC236}">
-                <a16:creationId xmlns:a16="http://schemas.microsoft.com/office/drawing/2014/main" id="{A2ADCF7C-1D56-46C0-AA47-22DB2F49BF52}"/>
-              </a:ext>
-            </a:extLst>
-          </p:cNvPr>
+          <p:cNvPr id="9" name="Rectangle 2"/>
           <p:cNvSpPr>
             <a:spLocks noChangeArrowheads="1"/>
           </p:cNvSpPr>
@@ -13887,9 +12185,6 @@
         </p:spPr>
         <p:txBody>
           <a:bodyPr vert="horz" wrap="square" lIns="91440" tIns="45720" rIns="91440" bIns="45720" numCol="1" anchor="ctr" anchorCtr="0" compatLnSpc="1">
-            <a:prstTxWarp prst="textNoShape">
-              <a:avLst/>
-            </a:prstTxWarp>
             <a:spAutoFit/>
           </a:bodyPr>
           <a:lstStyle/>
@@ -13908,7 +12203,6 @@
               <a:buSzTx/>
               <a:buFontTx/>
               <a:buNone/>
-              <a:tabLst/>
             </a:pPr>
             <a:r>
               <a:rPr kumimoji="0" lang="en-AU" altLang="en-US" sz="1100" b="0" i="1" u="none" strike="noStrike" cap="none" normalizeH="0" baseline="0" dirty="0">
@@ -13919,7 +12213,7 @@
                   <a:schemeClr val="tx1"/>
                 </a:solidFill>
                 <a:effectLst/>
-                <a:latin typeface="Tw Cen MT" panose="020B0602020104020603" pitchFamily="34" charset="0"/>
+                <a:latin typeface="Tw Cen MT" charset="0"/>
                 <a:ea typeface="Calibri" panose="020F0502020204030204" pitchFamily="34" charset="0"/>
                 <a:cs typeface="Times New Roman" panose="02020603050405020304" pitchFamily="18" charset="0"/>
               </a:rPr>
@@ -13950,7 +12244,6 @@
               <a:buSzTx/>
               <a:buFontTx/>
               <a:buNone/>
-              <a:tabLst/>
             </a:pPr>
             <a:r>
               <a:rPr kumimoji="0" lang="en-AU" altLang="en-US" sz="1100" b="0" i="1" u="none" strike="noStrike" cap="none" normalizeH="0" baseline="0" dirty="0">
@@ -13961,12 +12254,24 @@
                   <a:schemeClr val="tx1"/>
                 </a:solidFill>
                 <a:effectLst/>
-                <a:latin typeface="Tw Cen MT" panose="020B0602020104020603" pitchFamily="34" charset="0"/>
+                <a:latin typeface="Tw Cen MT" charset="0"/>
                 <a:ea typeface="Calibri" panose="020F0502020204030204" pitchFamily="34" charset="0"/>
                 <a:cs typeface="Times New Roman" panose="02020603050405020304" pitchFamily="18" charset="0"/>
               </a:rPr>
               <a:t>Team members present:</a:t>
             </a:r>
+            <a:endParaRPr kumimoji="0" lang="en-AU" altLang="en-US" sz="1100" b="0" i="1" u="none" strike="noStrike" cap="none" normalizeH="0" baseline="0" dirty="0">
+              <a:ln>
+                <a:noFill/>
+              </a:ln>
+              <a:solidFill>
+                <a:schemeClr val="tx1"/>
+              </a:solidFill>
+              <a:effectLst/>
+              <a:latin typeface="Tw Cen MT" charset="0"/>
+              <a:ea typeface="Calibri" panose="020F0502020204030204" pitchFamily="34" charset="0"/>
+              <a:cs typeface="Times New Roman" panose="02020603050405020304" pitchFamily="18" charset="0"/>
+            </a:endParaRPr>
           </a:p>
           <a:p>
             <a:pPr marL="0" marR="0" lvl="0" indent="0" algn="l" defTabSz="914400" rtl="0" eaLnBrk="0" fontAlgn="base" latinLnBrk="0" hangingPunct="0">
@@ -13983,7 +12288,6 @@
               <a:buSzTx/>
               <a:buFontTx/>
               <a:buNone/>
-              <a:tabLst/>
             </a:pPr>
             <a:endParaRPr kumimoji="0" lang="en-AU" altLang="en-US" sz="500" b="0" i="0" u="none" strike="noStrike" cap="none" normalizeH="0" baseline="0" dirty="0">
               <a:ln>
@@ -14010,7 +12314,6 @@
               <a:buSzTx/>
               <a:buFontTx/>
               <a:buNone/>
-              <a:tabLst/>
             </a:pPr>
             <a:r>
               <a:rPr kumimoji="0" lang="en-AU" altLang="en-US" sz="1100" b="1" i="0" u="none" strike="noStrike" cap="none" normalizeH="0" baseline="0" dirty="0">
@@ -14021,7 +12324,7 @@
                   <a:schemeClr val="tx1"/>
                 </a:solidFill>
                 <a:effectLst/>
-                <a:latin typeface="Tw Cen MT" panose="020B0602020104020603" pitchFamily="34" charset="0"/>
+                <a:latin typeface="Tw Cen MT" charset="0"/>
                 <a:ea typeface="Calibri" panose="020F0502020204030204" pitchFamily="34" charset="0"/>
                 <a:cs typeface="Times New Roman" panose="02020603050405020304" pitchFamily="18" charset="0"/>
               </a:rPr>
@@ -14041,13 +12344,7 @@
       </p:sp>
       <p:sp>
         <p:nvSpPr>
-          <p:cNvPr id="10" name="Rectangle 9">
-            <a:extLst>
-              <a:ext uri="{FF2B5EF4-FFF2-40B4-BE49-F238E27FC236}">
-                <a16:creationId xmlns:a16="http://schemas.microsoft.com/office/drawing/2014/main" id="{0063FAC6-1059-490E-9D0D-3CEF59DD566B}"/>
-              </a:ext>
-            </a:extLst>
-          </p:cNvPr>
+          <p:cNvPr id="10" name="Rectangle 9"/>
           <p:cNvSpPr/>
           <p:nvPr/>
         </p:nvSpPr>
@@ -14069,22 +12366,31 @@
             <a:pPr lvl="0" defTabSz="914400" eaLnBrk="0" hangingPunct="0"/>
             <a:r>
               <a:rPr lang="en-AU" altLang="en-US" sz="1200" i="1" dirty="0">
-                <a:latin typeface="Tw Cen MT" panose="020B0602020104020603" pitchFamily="34" charset="0"/>
+                <a:latin typeface="Tw Cen MT" charset="0"/>
                 <a:ea typeface="Calibri" panose="020F0502020204030204" pitchFamily="34" charset="0"/>
                 <a:cs typeface="Times New Roman" panose="02020603050405020304" pitchFamily="18" charset="0"/>
               </a:rPr>
               <a:t>Next meeting date and time:</a:t>
             </a:r>
+            <a:endParaRPr lang="en-AU" altLang="en-US" sz="1200" i="1" dirty="0">
+              <a:latin typeface="Tw Cen MT" charset="0"/>
+              <a:ea typeface="Calibri" panose="020F0502020204030204" pitchFamily="34" charset="0"/>
+              <a:cs typeface="Times New Roman" panose="02020603050405020304" pitchFamily="18" charset="0"/>
+            </a:endParaRPr>
           </a:p>
           <a:p>
             <a:pPr lvl="0" defTabSz="914400" eaLnBrk="0" hangingPunct="0"/>
             <a:r>
               <a:rPr lang="en-AU" altLang="en-US" sz="1200" i="1" dirty="0">
-                <a:latin typeface="Tw Cen MT" panose="020B0602020104020603" pitchFamily="34" charset="0"/>
+                <a:latin typeface="Tw Cen MT" charset="0"/>
                 <a:cs typeface="Times New Roman" panose="02020603050405020304" pitchFamily="18" charset="0"/>
               </a:rPr>
               <a:t>Group member responsible for finalising/submitting minutes:</a:t>
             </a:r>
+            <a:endParaRPr lang="en-AU" altLang="en-US" sz="1200" i="1" dirty="0">
+              <a:latin typeface="Tw Cen MT" charset="0"/>
+              <a:cs typeface="Times New Roman" panose="02020603050405020304" pitchFamily="18" charset="0"/>
+            </a:endParaRPr>
           </a:p>
           <a:p>
             <a:pPr lvl="0" defTabSz="914400" eaLnBrk="0" hangingPunct="0"/>
@@ -14093,7 +12399,7 @@
                 <a:solidFill>
                   <a:srgbClr val="FF0000"/>
                 </a:solidFill>
-                <a:latin typeface="Tw Cen MT" panose="020B0602020104020603" pitchFamily="34" charset="0"/>
+                <a:latin typeface="Tw Cen MT" charset="0"/>
                 <a:cs typeface="Times New Roman" panose="02020603050405020304" pitchFamily="18" charset="0"/>
               </a:rPr>
               <a:t>To be posted on the CANVAS Individual group website</a:t>
@@ -14107,11 +12413,6 @@
         </p:txBody>
       </p:sp>
     </p:spTree>
-    <p:extLst>
-      <p:ext uri="{BB962C8B-B14F-4D97-AF65-F5344CB8AC3E}">
-        <p14:creationId xmlns:p14="http://schemas.microsoft.com/office/powerpoint/2010/main" val="3980826411"/>
-      </p:ext>
-    </p:extLst>
   </p:cSld>
   <p:clrMapOvr>
     <a:masterClrMapping/>
@@ -14138,13 +12439,7 @@
       </p:grpSpPr>
       <p:sp>
         <p:nvSpPr>
-          <p:cNvPr id="5" name="Content Placeholder 4">
-            <a:extLst>
-              <a:ext uri="{FF2B5EF4-FFF2-40B4-BE49-F238E27FC236}">
-                <a16:creationId xmlns:a16="http://schemas.microsoft.com/office/drawing/2014/main" id="{B57A6476-87A0-B040-8A07-4807C222514B}"/>
-              </a:ext>
-            </a:extLst>
-          </p:cNvPr>
+          <p:cNvPr id="5" name="Content Placeholder 4"/>
           <p:cNvSpPr>
             <a:spLocks noGrp="1"/>
           </p:cNvSpPr>
@@ -14152,7 +12447,12 @@
             <p:ph idx="1"/>
           </p:nvPr>
         </p:nvSpPr>
-        <p:spPr/>
+        <p:spPr>
+          <a:xfrm>
+            <a:off x="222250" y="1316991"/>
+            <a:ext cx="8328025" cy="3575447"/>
+          </a:xfrm>
+        </p:spPr>
         <p:txBody>
           <a:bodyPr/>
           <a:lstStyle/>
@@ -14164,42 +12464,47 @@
               <a:rPr lang="en-US" sz="2000" b="0" dirty="0"/>
               <a:t>Brainstorm various questions and consider its scope and feasibility</a:t>
             </a:r>
+            <a:endParaRPr lang="en-US" sz="2000" b="0" dirty="0"/>
           </a:p>
           <a:p>
             <a:r>
               <a:rPr lang="en-US" sz="2000" b="0" dirty="0"/>
-              <a:t>Question 1: …</a:t>
-            </a:r>
+              <a:t>Question 1: What are the factors that affect the kidney graft outcome of Caucasian aged 20-60? (build a risk caculator to demonstrate our result.)</a:t>
+            </a:r>
+            <a:endParaRPr lang="en-US" sz="2000" b="0" dirty="0"/>
           </a:p>
           <a:p>
             <a:r>
               <a:rPr lang="en-US" sz="2000" b="0" dirty="0"/>
-              <a:t>…</a:t>
-            </a:r>
+              <a:t>Question 2: What is our risk calculator’s performance when it comes to other races of people, e.g. Asian Oriental. </a:t>
+            </a:r>
+            <a:endParaRPr lang="en-US" sz="2000" b="0" dirty="0"/>
           </a:p>
           <a:p>
             <a:r>
               <a:rPr lang="en-US" sz="2000" b="0" dirty="0"/>
-              <a:t>Question n: …</a:t>
-            </a:r>
-          </a:p>
-          <a:p>
+              <a:t>Question 3: Is the usage of hormones a factor of kidney graft outcome? (e.g. sugar cortical hormone) What about alcohol and cigarettes?</a:t>
+            </a:r>
             <a:endParaRPr lang="en-US" sz="2000" b="0" dirty="0"/>
           </a:p>
           <a:p>
+            <a:r>
+              <a:rPr lang="en-US" sz="2000" b="0" dirty="0"/>
+              <a:t>Question 4: How’s our risk calculator model’s stability (e.g. Blood vs Biopsy Biomarker)</a:t>
+            </a:r>
+            <a:endParaRPr lang="en-US" sz="2000" b="0" dirty="0"/>
+          </a:p>
+          <a:p>
+            <a:endParaRPr lang="en-US" sz="2000" b="0" dirty="0"/>
+          </a:p>
+          <a:p>
             <a:endParaRPr lang="en-US" sz="2000" dirty="0"/>
           </a:p>
         </p:txBody>
       </p:sp>
       <p:sp>
         <p:nvSpPr>
-          <p:cNvPr id="2" name="Title 1">
-            <a:extLst>
-              <a:ext uri="{FF2B5EF4-FFF2-40B4-BE49-F238E27FC236}">
-                <a16:creationId xmlns:a16="http://schemas.microsoft.com/office/drawing/2014/main" id="{E2AEAF44-F909-4580-862E-7EB331AAAEC3}"/>
-              </a:ext>
-            </a:extLst>
-          </p:cNvPr>
+          <p:cNvPr id="2" name="Title 1"/>
           <p:cNvSpPr>
             <a:spLocks noGrp="1"/>
           </p:cNvSpPr>
@@ -14216,15 +12521,11 @@
               <a:rPr lang="en-AU" dirty="0"/>
               <a:t>Define your project – What is your question/product</a:t>
             </a:r>
+            <a:endParaRPr lang="en-AU" dirty="0"/>
           </a:p>
         </p:txBody>
       </p:sp>
     </p:spTree>
-    <p:extLst>
-      <p:ext uri="{BB962C8B-B14F-4D97-AF65-F5344CB8AC3E}">
-        <p14:creationId xmlns:p14="http://schemas.microsoft.com/office/powerpoint/2010/main" val="1066560134"/>
-      </p:ext>
-    </p:extLst>
   </p:cSld>
   <p:clrMapOvr>
     <a:masterClrMapping/>
@@ -14251,13 +12552,7 @@
       </p:grpSpPr>
       <p:sp>
         <p:nvSpPr>
-          <p:cNvPr id="4" name="Content Placeholder 3">
-            <a:extLst>
-              <a:ext uri="{FF2B5EF4-FFF2-40B4-BE49-F238E27FC236}">
-                <a16:creationId xmlns:a16="http://schemas.microsoft.com/office/drawing/2014/main" id="{CF4C0C11-C2F1-8A49-9F3E-E319A4498A4B}"/>
-              </a:ext>
-            </a:extLst>
-          </p:cNvPr>
+          <p:cNvPr id="4" name="Content Placeholder 3"/>
           <p:cNvSpPr>
             <a:spLocks noGrp="1"/>
           </p:cNvSpPr>
@@ -14275,44 +12570,68 @@
             </a:pPr>
             <a:r>
               <a:rPr lang="en-US" b="0" dirty="0"/>
-              <a:t>For Project X or Question X: </a:t>
-            </a:r>
+              <a:t>For Question 1:</a:t>
+            </a:r>
+            <a:endParaRPr lang="en-US" b="0" dirty="0"/>
           </a:p>
           <a:p>
             <a:r>
               <a:rPr lang="en-US" b="0" dirty="0"/>
-              <a:t>Challenge 1: One sentence description</a:t>
-            </a:r>
-          </a:p>
-          <a:p>
+              <a:t>Challenge 1: How do we include gene data in our shiny app?</a:t>
+            </a:r>
+            <a:endParaRPr lang="en-US" b="0" dirty="0"/>
+          </a:p>
+          <a:p>
+            <a:pPr marL="0" indent="0">
+              <a:buNone/>
+            </a:pPr>
+            <a:endParaRPr lang="en-US" b="0" dirty="0"/>
+          </a:p>
+          <a:p>
+            <a:pPr marL="0" indent="0">
+              <a:buNone/>
+            </a:pPr>
             <a:r>
               <a:rPr lang="en-US" b="0" dirty="0"/>
-              <a:t>…</a:t>
-            </a:r>
+              <a:t>For Question 2: </a:t>
+            </a:r>
+            <a:endParaRPr lang="en-US" b="0" dirty="0"/>
           </a:p>
           <a:p>
             <a:r>
               <a:rPr lang="en-US" b="0" dirty="0"/>
-              <a:t>Challenge n: One sentence description</a:t>
-            </a:r>
-          </a:p>
-          <a:p>
+              <a:t>Challenge 2: Too little Asian Oriental data.</a:t>
+            </a:r>
             <a:endParaRPr lang="en-US" b="0" dirty="0"/>
           </a:p>
           <a:p>
+            <a:pPr marL="0" indent="0">
+              <a:buNone/>
+            </a:pPr>
+            <a:endParaRPr lang="en-US" b="0" dirty="0"/>
+          </a:p>
+          <a:p>
+            <a:pPr marL="0" indent="0">
+              <a:buNone/>
+            </a:pPr>
+            <a:r>
+              <a:rPr lang="en-US" b="0" dirty="0"/>
+              <a:t>For Question 3:</a:t>
+            </a:r>
+            <a:endParaRPr lang="en-US" b="0" dirty="0"/>
+          </a:p>
+          <a:p>
+            <a:r>
+              <a:rPr lang="en-US" b="0" dirty="0"/>
+              <a:t>Challenge 3: Cannot find appropriate datasets.</a:t>
+            </a:r>
             <a:endParaRPr lang="en-US" dirty="0"/>
           </a:p>
         </p:txBody>
       </p:sp>
       <p:sp>
         <p:nvSpPr>
-          <p:cNvPr id="2" name="Title 1">
-            <a:extLst>
-              <a:ext uri="{FF2B5EF4-FFF2-40B4-BE49-F238E27FC236}">
-                <a16:creationId xmlns:a16="http://schemas.microsoft.com/office/drawing/2014/main" id="{E2AEAF44-F909-4580-862E-7EB331AAAEC3}"/>
-              </a:ext>
-            </a:extLst>
-          </p:cNvPr>
+          <p:cNvPr id="2" name="Title 1"/>
           <p:cNvSpPr>
             <a:spLocks noGrp="1"/>
           </p:cNvSpPr>
@@ -14329,6 +12648,7 @@
               <a:rPr lang="en-AU" dirty="0"/>
               <a:t>Define your project – Anticipated challenges  </a:t>
             </a:r>
+            <a:endParaRPr lang="en-AU" dirty="0"/>
           </a:p>
         </p:txBody>
       </p:sp>
@@ -14359,13 +12679,7 @@
       </p:grpSpPr>
       <p:sp>
         <p:nvSpPr>
-          <p:cNvPr id="2" name="Title 1">
-            <a:extLst>
-              <a:ext uri="{FF2B5EF4-FFF2-40B4-BE49-F238E27FC236}">
-                <a16:creationId xmlns:a16="http://schemas.microsoft.com/office/drawing/2014/main" id="{E2AEAF44-F909-4580-862E-7EB331AAAEC3}"/>
-              </a:ext>
-            </a:extLst>
-          </p:cNvPr>
+          <p:cNvPr id="2" name="Title 1"/>
           <p:cNvSpPr>
             <a:spLocks noGrp="1"/>
           </p:cNvSpPr>
@@ -14373,41 +12687,49 @@
             <p:ph type="title"/>
           </p:nvPr>
         </p:nvSpPr>
-        <p:spPr/>
+        <p:spPr>
+          <a:xfrm>
+            <a:off x="358775" y="376555"/>
+            <a:ext cx="9544050" cy="701675"/>
+          </a:xfrm>
+        </p:spPr>
         <p:txBody>
           <a:bodyPr/>
           <a:lstStyle/>
           <a:p>
             <a:r>
-              <a:rPr lang="en-AU" dirty="0"/>
+              <a:rPr lang="en-AU" sz="2600" dirty="0">
+                <a:solidFill>
+                  <a:schemeClr val="accent1"/>
+                </a:solidFill>
+                <a:uFillTx/>
+              </a:rPr>
               <a:t>Define your project – who is your target audience</a:t>
             </a:r>
+            <a:endParaRPr lang="en-AU" sz="2600" dirty="0">
+              <a:solidFill>
+                <a:schemeClr val="accent1"/>
+              </a:solidFill>
+              <a:uFillTx/>
+            </a:endParaRPr>
           </a:p>
         </p:txBody>
       </p:sp>
       <p:graphicFrame>
         <p:nvGraphicFramePr>
-          <p:cNvPr id="8" name="Table 7">
-            <a:extLst>
-              <a:ext uri="{FF2B5EF4-FFF2-40B4-BE49-F238E27FC236}">
-                <a16:creationId xmlns:a16="http://schemas.microsoft.com/office/drawing/2014/main" id="{3A87D348-55EA-4938-B716-4176C77A2C27}"/>
-              </a:ext>
-            </a:extLst>
-          </p:cNvPr>
+          <p:cNvPr id="8" name="Table 7"/>
           <p:cNvGraphicFramePr>
             <a:graphicFrameLocks noGrp="1"/>
           </p:cNvGraphicFramePr>
           <p:nvPr>
-            <p:extLst>
-              <p:ext uri="{D42A27DB-BD31-4B8C-83A1-F6EECF244321}">
-                <p14:modId xmlns:p14="http://schemas.microsoft.com/office/powerpoint/2010/main" val="2531115316"/>
-              </p:ext>
-            </p:extLst>
+            <p:custDataLst>
+              <p:tags r:id="rId1"/>
+            </p:custDataLst>
           </p:nvPr>
         </p:nvGraphicFramePr>
         <p:xfrm>
-          <a:off x="358775" y="1684826"/>
-          <a:ext cx="8518715" cy="2813602"/>
+          <a:off x="429895" y="1718481"/>
+          <a:ext cx="8518525" cy="2813050"/>
         </p:xfrm>
         <a:graphic>
           <a:graphicData uri="http://schemas.openxmlformats.org/drawingml/2006/table">
@@ -14416,27 +12738,9 @@
                 <a:tableStyleId>{5C22544A-7EE6-4342-B048-85BDC9FD1C3A}</a:tableStyleId>
               </a:tblPr>
               <a:tblGrid>
-                <a:gridCol w="2069115">
-                  <a:extLst>
-                    <a:ext uri="{9D8B030D-6E8A-4147-A177-3AD203B41FA5}">
-                      <a16:colId xmlns:a16="http://schemas.microsoft.com/office/drawing/2014/main" val="1573866123"/>
-                    </a:ext>
-                  </a:extLst>
-                </a:gridCol>
-                <a:gridCol w="3112776">
-                  <a:extLst>
-                    <a:ext uri="{9D8B030D-6E8A-4147-A177-3AD203B41FA5}">
-                      <a16:colId xmlns:a16="http://schemas.microsoft.com/office/drawing/2014/main" val="83730095"/>
-                    </a:ext>
-                  </a:extLst>
-                </a:gridCol>
-                <a:gridCol w="3336824">
-                  <a:extLst>
-                    <a:ext uri="{9D8B030D-6E8A-4147-A177-3AD203B41FA5}">
-                      <a16:colId xmlns:a16="http://schemas.microsoft.com/office/drawing/2014/main" val="1624356449"/>
-                    </a:ext>
-                  </a:extLst>
-                </a:gridCol>
+                <a:gridCol w="2069115"/>
+                <a:gridCol w="3112776"/>
+                <a:gridCol w="3336824"/>
               </a:tblGrid>
               <a:tr h="700174">
                 <a:tc>
@@ -14455,12 +12759,18 @@
                       <a:r>
                         <a:rPr lang="en-AU" sz="1600" dirty="0">
                           <a:effectLst/>
-                          <a:latin typeface="Tw Cen MT" panose="020B0602020104020603" pitchFamily="34" charset="0"/>
+                          <a:latin typeface="Tw Cen MT" charset="0"/>
                           <a:ea typeface="Calibri" panose="020F0502020204030204" pitchFamily="34" charset="0"/>
                           <a:cs typeface="Times New Roman" panose="02020603050405020304" pitchFamily="18" charset="0"/>
                         </a:rPr>
                         <a:t>Target audience</a:t>
                       </a:r>
+                      <a:endParaRPr lang="en-AU" sz="1600" dirty="0">
+                        <a:effectLst/>
+                        <a:latin typeface="Tw Cen MT" charset="0"/>
+                        <a:ea typeface="Calibri" panose="020F0502020204030204" pitchFamily="34" charset="0"/>
+                        <a:cs typeface="Times New Roman" panose="02020603050405020304" pitchFamily="18" charset="0"/>
+                      </a:endParaRPr>
                     </a:p>
                   </a:txBody>
                   <a:tcPr marL="81331" marR="81331" marT="0" marB="0" anchor="ctr"/>
@@ -14481,12 +12791,18 @@
                       <a:r>
                         <a:rPr lang="en-AU" sz="1600" dirty="0">
                           <a:effectLst/>
-                          <a:latin typeface="Tw Cen MT" panose="020B0602020104020603" pitchFamily="34" charset="0"/>
+                          <a:latin typeface="Tw Cen MT" charset="0"/>
                           <a:ea typeface="Calibri" panose="020F0502020204030204" pitchFamily="34" charset="0"/>
                           <a:cs typeface="Times New Roman" panose="02020603050405020304" pitchFamily="18" charset="0"/>
                         </a:rPr>
                         <a:t>Characteristics of target audience</a:t>
                       </a:r>
+                      <a:endParaRPr lang="en-AU" sz="1600" dirty="0">
+                        <a:effectLst/>
+                        <a:latin typeface="Tw Cen MT" charset="0"/>
+                        <a:ea typeface="Calibri" panose="020F0502020204030204" pitchFamily="34" charset="0"/>
+                        <a:cs typeface="Times New Roman" panose="02020603050405020304" pitchFamily="18" charset="0"/>
+                      </a:endParaRPr>
                     </a:p>
                   </a:txBody>
                   <a:tcPr marL="81331" marR="81331" marT="0" marB="0" anchor="ctr"/>
@@ -14507,21 +12823,22 @@
                       <a:r>
                         <a:rPr lang="en-AU" sz="1600" dirty="0">
                           <a:effectLst/>
-                          <a:latin typeface="Tw Cen MT" panose="020B0602020104020603" pitchFamily="34" charset="0"/>
+                          <a:latin typeface="Tw Cen MT" charset="0"/>
                           <a:ea typeface="Calibri" panose="020F0502020204030204" pitchFamily="34" charset="0"/>
                           <a:cs typeface="Times New Roman" panose="02020603050405020304" pitchFamily="18" charset="0"/>
                         </a:rPr>
                         <a:t>How does it impact your project</a:t>
                       </a:r>
+                      <a:endParaRPr lang="en-AU" sz="1600" dirty="0">
+                        <a:effectLst/>
+                        <a:latin typeface="Tw Cen MT" charset="0"/>
+                        <a:ea typeface="Calibri" panose="020F0502020204030204" pitchFamily="34" charset="0"/>
+                        <a:cs typeface="Times New Roman" panose="02020603050405020304" pitchFamily="18" charset="0"/>
+                      </a:endParaRPr>
                     </a:p>
                   </a:txBody>
                   <a:tcPr marL="81331" marR="81331" marT="0" marB="0" anchor="ctr"/>
                 </a:tc>
-                <a:extLst>
-                  <a:ext uri="{0D108BD9-81ED-4DB2-BD59-A6C34878D82A}">
-                    <a16:rowId xmlns:a16="http://schemas.microsoft.com/office/drawing/2014/main" val="921860958"/>
-                  </a:ext>
-                </a:extLst>
               </a:tr>
               <a:tr h="704476">
                 <a:tc>
@@ -14534,6 +12851,22 @@
                           <a:spcPct val="107000"/>
                         </a:lnSpc>
                       </a:pPr>
+                      <a:r>
+                        <a:rPr lang="en-US" altLang="en-AU" sz="1600" dirty="0">
+                          <a:effectLst/>
+                          <a:latin typeface="Calibri" panose="020F0502020204030204" pitchFamily="34" charset="0"/>
+                          <a:cs typeface="Times New Roman" panose="02020603050405020304" pitchFamily="18" charset="0"/>
+                        </a:rPr>
+                        <a:t>D</a:t>
+                      </a:r>
+                      <a:r>
+                        <a:rPr lang="en-AU" sz="1600" dirty="0">
+                          <a:effectLst/>
+                          <a:latin typeface="Calibri" panose="020F0502020204030204" pitchFamily="34" charset="0"/>
+                          <a:cs typeface="Times New Roman" panose="02020603050405020304" pitchFamily="18" charset="0"/>
+                        </a:rPr>
+                        <a:t>octors</a:t>
+                      </a:r>
                       <a:endParaRPr lang="en-AU" sz="1600" dirty="0">
                         <a:effectLst/>
                         <a:latin typeface="Calibri" panose="020F0502020204030204" pitchFamily="34" charset="0"/>
@@ -14553,7 +12886,15 @@
                           <a:spcPct val="107000"/>
                         </a:lnSpc>
                       </a:pPr>
-                      <a:endParaRPr lang="en-AU" sz="1600" dirty="0">
+                      <a:r>
+                        <a:rPr lang="en-US" altLang="en-AU" sz="1600" dirty="0">
+                          <a:effectLst/>
+                          <a:latin typeface="Calibri" panose="020F0502020204030204" pitchFamily="34" charset="0"/>
+                          <a:cs typeface="Times New Roman" panose="02020603050405020304" pitchFamily="18" charset="0"/>
+                        </a:rPr>
+                        <a:t>Doctors have a great understanding of genomic data and care more about the accuracy of our prediction.</a:t>
+                      </a:r>
+                      <a:endParaRPr lang="en-US" altLang="en-AU" sz="1600" dirty="0">
                         <a:effectLst/>
                         <a:latin typeface="Calibri" panose="020F0502020204030204" pitchFamily="34" charset="0"/>
                         <a:cs typeface="Times New Roman" panose="02020603050405020304" pitchFamily="18" charset="0"/>
@@ -14572,7 +12913,15 @@
                           <a:spcPct val="107000"/>
                         </a:lnSpc>
                       </a:pPr>
-                      <a:endParaRPr lang="en-AU" sz="1600" dirty="0">
+                      <a:r>
+                        <a:rPr lang="en-US" altLang="en-AU" sz="1600" dirty="0">
+                          <a:effectLst/>
+                          <a:latin typeface="Calibri" panose="020F0502020204030204" pitchFamily="34" charset="0"/>
+                          <a:cs typeface="Times New Roman" panose="02020603050405020304" pitchFamily="18" charset="0"/>
+                        </a:rPr>
+                        <a:t>Show the model accuracy and the prediction CI to doctors. </a:t>
+                      </a:r>
+                      <a:endParaRPr lang="en-US" altLang="en-AU" sz="1600" dirty="0">
                         <a:effectLst/>
                         <a:latin typeface="Calibri" panose="020F0502020204030204" pitchFamily="34" charset="0"/>
                         <a:cs typeface="Times New Roman" panose="02020603050405020304" pitchFamily="18" charset="0"/>
@@ -14581,13 +12930,8 @@
                   </a:txBody>
                   <a:tcPr marL="81331" marR="81331" marT="0" marB="0" anchor="ctr"/>
                 </a:tc>
-                <a:extLst>
-                  <a:ext uri="{0D108BD9-81ED-4DB2-BD59-A6C34878D82A}">
-                    <a16:rowId xmlns:a16="http://schemas.microsoft.com/office/drawing/2014/main" val="2191457816"/>
-                  </a:ext>
-                </a:extLst>
               </a:tr>
-              <a:tr h="704476">
+              <a:tr h="704215">
                 <a:tc>
                   <a:txBody>
                     <a:bodyPr/>
@@ -14598,7 +12942,15 @@
                           <a:spcPct val="107000"/>
                         </a:lnSpc>
                       </a:pPr>
-                      <a:endParaRPr lang="en-AU" sz="1600">
+                      <a:r>
+                        <a:rPr lang="en-US" altLang="en-AU" sz="1600">
+                          <a:effectLst/>
+                          <a:latin typeface="Calibri" panose="020F0502020204030204" pitchFamily="34" charset="0"/>
+                          <a:cs typeface="Times New Roman" panose="02020603050405020304" pitchFamily="18" charset="0"/>
+                        </a:rPr>
+                        <a:t>Patients</a:t>
+                      </a:r>
+                      <a:endParaRPr lang="en-US" altLang="en-AU" sz="1600">
                         <a:effectLst/>
                         <a:latin typeface="Calibri" panose="020F0502020204030204" pitchFamily="34" charset="0"/>
                         <a:cs typeface="Times New Roman" panose="02020603050405020304" pitchFamily="18" charset="0"/>
@@ -14617,7 +12969,15 @@
                           <a:spcPct val="107000"/>
                         </a:lnSpc>
                       </a:pPr>
-                      <a:endParaRPr lang="en-AU" sz="1600">
+                      <a:r>
+                        <a:rPr lang="en-US" altLang="en-AU" sz="1600">
+                          <a:effectLst/>
+                          <a:latin typeface="Calibri" panose="020F0502020204030204" pitchFamily="34" charset="0"/>
+                          <a:cs typeface="Times New Roman" panose="02020603050405020304" pitchFamily="18" charset="0"/>
+                        </a:rPr>
+                        <a:t>Less familar with gene data.</a:t>
+                      </a:r>
+                      <a:endParaRPr lang="en-US" altLang="en-AU" sz="1600">
                         <a:effectLst/>
                         <a:latin typeface="Calibri" panose="020F0502020204030204" pitchFamily="34" charset="0"/>
                         <a:cs typeface="Times New Roman" panose="02020603050405020304" pitchFamily="18" charset="0"/>
@@ -14636,7 +12996,15 @@
                           <a:spcPct val="107000"/>
                         </a:lnSpc>
                       </a:pPr>
-                      <a:endParaRPr lang="en-AU" sz="1600">
+                      <a:r>
+                        <a:rPr lang="en-US" altLang="en-AU" sz="1600">
+                          <a:effectLst/>
+                          <a:latin typeface="Calibri" panose="020F0502020204030204" pitchFamily="34" charset="0"/>
+                          <a:cs typeface="Times New Roman" panose="02020603050405020304" pitchFamily="18" charset="0"/>
+                        </a:rPr>
+                        <a:t>Introduce the gene data to patients.</a:t>
+                      </a:r>
+                      <a:endParaRPr lang="en-US" altLang="en-AU" sz="1600">
                         <a:effectLst/>
                         <a:latin typeface="Calibri" panose="020F0502020204030204" pitchFamily="34" charset="0"/>
                         <a:cs typeface="Times New Roman" panose="02020603050405020304" pitchFamily="18" charset="0"/>
@@ -14645,11 +13013,6 @@
                   </a:txBody>
                   <a:tcPr marL="81331" marR="81331" marT="0" marB="0" anchor="ctr"/>
                 </a:tc>
-                <a:extLst>
-                  <a:ext uri="{0D108BD9-81ED-4DB2-BD59-A6C34878D82A}">
-                    <a16:rowId xmlns:a16="http://schemas.microsoft.com/office/drawing/2014/main" val="2947246499"/>
-                  </a:ext>
-                </a:extLst>
               </a:tr>
               <a:tr h="704476">
                 <a:tc>
@@ -14709,11 +13072,6 @@
                   </a:txBody>
                   <a:tcPr marL="81331" marR="81331" marT="0" marB="0" anchor="ctr"/>
                 </a:tc>
-                <a:extLst>
-                  <a:ext uri="{0D108BD9-81ED-4DB2-BD59-A6C34878D82A}">
-                    <a16:rowId xmlns:a16="http://schemas.microsoft.com/office/drawing/2014/main" val="942335013"/>
-                  </a:ext>
-                </a:extLst>
               </a:tr>
             </a:tbl>
           </a:graphicData>
@@ -14721,19 +13079,13 @@
       </p:graphicFrame>
       <p:sp>
         <p:nvSpPr>
-          <p:cNvPr id="5" name="TextBox 4">
-            <a:extLst>
-              <a:ext uri="{FF2B5EF4-FFF2-40B4-BE49-F238E27FC236}">
-                <a16:creationId xmlns:a16="http://schemas.microsoft.com/office/drawing/2014/main" id="{CD987332-518C-8C49-9E52-3780D8769E1B}"/>
-              </a:ext>
-            </a:extLst>
-          </p:cNvPr>
+          <p:cNvPr id="5" name="TextBox 4"/>
           <p:cNvSpPr txBox="1"/>
           <p:nvPr/>
         </p:nvSpPr>
         <p:spPr>
           <a:xfrm>
-            <a:off x="287531" y="924039"/>
+            <a:off x="358651" y="957694"/>
             <a:ext cx="8099781" cy="830997"/>
           </a:xfrm>
           <a:prstGeom prst="rect">
@@ -14751,16 +13103,18 @@
               <a:rPr lang="en-US" sz="1600" dirty="0"/>
               <a:t>Explore different types of target audience and its relationship to your project and select </a:t>
             </a:r>
+            <a:endParaRPr lang="en-US" sz="1600" dirty="0"/>
           </a:p>
           <a:p>
             <a:r>
               <a:rPr lang="en-US" sz="1600" dirty="0"/>
               <a:t>the most appropriate.</a:t>
             </a:r>
+            <a:endParaRPr lang="en-US" sz="1600" dirty="0"/>
           </a:p>
           <a:p>
             <a:pPr marL="285750" indent="-285750">
-              <a:buFont typeface="Arial" panose="020B0604020202020204" pitchFamily="34" charset="0"/>
+              <a:buFont typeface="Arial" panose="020B0604020202090204" pitchFamily="34" charset="0"/>
               <a:buChar char="•"/>
             </a:pPr>
             <a:endParaRPr lang="en-US" sz="1600" dirty="0"/>
@@ -14768,11 +13122,6 @@
         </p:txBody>
       </p:sp>
     </p:spTree>
-    <p:extLst>
-      <p:ext uri="{BB962C8B-B14F-4D97-AF65-F5344CB8AC3E}">
-        <p14:creationId xmlns:p14="http://schemas.microsoft.com/office/powerpoint/2010/main" val="419967489"/>
-      </p:ext>
-    </p:extLst>
   </p:cSld>
   <p:clrMapOvr>
     <a:masterClrMapping/>
@@ -14799,13 +13148,7 @@
       </p:grpSpPr>
       <p:sp>
         <p:nvSpPr>
-          <p:cNvPr id="2" name="Title 1">
-            <a:extLst>
-              <a:ext uri="{FF2B5EF4-FFF2-40B4-BE49-F238E27FC236}">
-                <a16:creationId xmlns:a16="http://schemas.microsoft.com/office/drawing/2014/main" id="{E2AEAF44-F909-4580-862E-7EB331AAAEC3}"/>
-              </a:ext>
-            </a:extLst>
-          </p:cNvPr>
+          <p:cNvPr id="2" name="Title 1"/>
           <p:cNvSpPr>
             <a:spLocks noGrp="1"/>
           </p:cNvSpPr>
@@ -14822,27 +13165,20 @@
               <a:rPr lang="en-AU" dirty="0"/>
               <a:t>Meeting minutes</a:t>
             </a:r>
+            <a:endParaRPr lang="en-AU" dirty="0"/>
           </a:p>
         </p:txBody>
       </p:sp>
       <p:graphicFrame>
         <p:nvGraphicFramePr>
-          <p:cNvPr id="8" name="Table 7">
-            <a:extLst>
-              <a:ext uri="{FF2B5EF4-FFF2-40B4-BE49-F238E27FC236}">
-                <a16:creationId xmlns:a16="http://schemas.microsoft.com/office/drawing/2014/main" id="{3A87D348-55EA-4938-B716-4176C77A2C27}"/>
-              </a:ext>
-            </a:extLst>
-          </p:cNvPr>
+          <p:cNvPr id="8" name="Table 7"/>
           <p:cNvGraphicFramePr>
             <a:graphicFrameLocks noGrp="1"/>
           </p:cNvGraphicFramePr>
           <p:nvPr>
-            <p:extLst>
-              <p:ext uri="{D42A27DB-BD31-4B8C-83A1-F6EECF244321}">
-                <p14:modId xmlns:p14="http://schemas.microsoft.com/office/powerpoint/2010/main" val="1265988804"/>
-              </p:ext>
-            </p:extLst>
+            <p:custDataLst>
+              <p:tags r:id="rId1"/>
+            </p:custDataLst>
           </p:nvPr>
         </p:nvGraphicFramePr>
         <p:xfrm>
@@ -14856,27 +13192,9 @@
                 <a:tableStyleId>{5C22544A-7EE6-4342-B048-85BDC9FD1C3A}</a:tableStyleId>
               </a:tblPr>
               <a:tblGrid>
-                <a:gridCol w="1373987">
-                  <a:extLst>
-                    <a:ext uri="{9D8B030D-6E8A-4147-A177-3AD203B41FA5}">
-                      <a16:colId xmlns:a16="http://schemas.microsoft.com/office/drawing/2014/main" val="1573866123"/>
-                    </a:ext>
-                  </a:extLst>
-                </a:gridCol>
-                <a:gridCol w="2534438">
-                  <a:extLst>
-                    <a:ext uri="{9D8B030D-6E8A-4147-A177-3AD203B41FA5}">
-                      <a16:colId xmlns:a16="http://schemas.microsoft.com/office/drawing/2014/main" val="83730095"/>
-                    </a:ext>
-                  </a:extLst>
-                </a:gridCol>
-                <a:gridCol w="4610290">
-                  <a:extLst>
-                    <a:ext uri="{9D8B030D-6E8A-4147-A177-3AD203B41FA5}">
-                      <a16:colId xmlns:a16="http://schemas.microsoft.com/office/drawing/2014/main" val="1624356449"/>
-                    </a:ext>
-                  </a:extLst>
-                </a:gridCol>
+                <a:gridCol w="1373987"/>
+                <a:gridCol w="2534285"/>
+                <a:gridCol w="4610443"/>
               </a:tblGrid>
               <a:tr h="564619">
                 <a:tc>
@@ -14900,7 +13218,7 @@
                       </a:r>
                       <a:endParaRPr lang="en-AU" sz="1600" dirty="0">
                         <a:effectLst/>
-                        <a:latin typeface="Tw Cen MT" panose="020B0602020104020603" pitchFamily="34" charset="0"/>
+                        <a:latin typeface="Tw Cen MT" charset="0"/>
                         <a:ea typeface="Calibri" panose="020F0502020204030204" pitchFamily="34" charset="0"/>
                         <a:cs typeface="Times New Roman" panose="02020603050405020304" pitchFamily="18" charset="0"/>
                       </a:endParaRPr>
@@ -14927,6 +13245,9 @@
                         </a:rPr>
                         <a:t>Discussion</a:t>
                       </a:r>
+                      <a:endParaRPr lang="en-AU" sz="1600" dirty="0">
+                        <a:effectLst/>
+                      </a:endParaRPr>
                     </a:p>
                     <a:p>
                       <a:pPr algn="ctr">
@@ -14940,12 +13261,18 @@
                       <a:r>
                         <a:rPr lang="en-AU" sz="1100" dirty="0">
                           <a:effectLst/>
-                          <a:latin typeface="Tw Cen MT" panose="020B0602020104020603" pitchFamily="34" charset="0"/>
+                          <a:latin typeface="Tw Cen MT" charset="0"/>
                           <a:ea typeface="Calibri" panose="020F0502020204030204" pitchFamily="34" charset="0"/>
                           <a:cs typeface="Times New Roman" panose="02020603050405020304" pitchFamily="18" charset="0"/>
                         </a:rPr>
                         <a:t>(you can refer to previous slides)</a:t>
                       </a:r>
+                      <a:endParaRPr lang="en-AU" sz="1100" dirty="0">
+                        <a:effectLst/>
+                        <a:latin typeface="Tw Cen MT" charset="0"/>
+                        <a:ea typeface="Calibri" panose="020F0502020204030204" pitchFamily="34" charset="0"/>
+                        <a:cs typeface="Times New Roman" panose="02020603050405020304" pitchFamily="18" charset="0"/>
+                      </a:endParaRPr>
                     </a:p>
                   </a:txBody>
                   <a:tcPr marL="81331" marR="81331" marT="0" marB="0" anchor="ctr"/>
@@ -14969,17 +13296,42 @@
                         </a:rPr>
                         <a:t>Actions (who) – action points for next week</a:t>
                       </a:r>
+                      <a:endParaRPr lang="en-AU" sz="1600" dirty="0">
+                        <a:effectLst/>
+                      </a:endParaRPr>
                     </a:p>
                   </a:txBody>
                   <a:tcPr marL="81331" marR="81331" marT="0" marB="0" anchor="ctr"/>
                 </a:tc>
-                <a:extLst>
-                  <a:ext uri="{0D108BD9-81ED-4DB2-BD59-A6C34878D82A}">
-                    <a16:rowId xmlns:a16="http://schemas.microsoft.com/office/drawing/2014/main" val="921860958"/>
-                  </a:ext>
-                </a:extLst>
               </a:tr>
-              <a:tr h="474426">
+              <a:tr h="474345">
+                <a:tc>
+                  <a:txBody>
+                    <a:bodyPr/>
+                    <a:lstStyle/>
+                    <a:p>
+                      <a:pPr algn="l">
+                        <a:lnSpc>
+                          <a:spcPct val="107000"/>
+                        </a:lnSpc>
+                      </a:pPr>
+                      <a:r>
+                        <a:rPr lang="en-US" altLang="en-AU" sz="1000" dirty="0">
+                          <a:effectLst/>
+                          <a:latin typeface="Calibri" panose="020F0502020204030204" pitchFamily="34" charset="0"/>
+                          <a:cs typeface="Times New Roman" panose="02020603050405020304" pitchFamily="18" charset="0"/>
+                        </a:rPr>
+                        <a:t>audience</a:t>
+                      </a:r>
+                      <a:endParaRPr lang="en-US" altLang="en-AU" sz="1000" dirty="0">
+                        <a:effectLst/>
+                        <a:latin typeface="Calibri" panose="020F0502020204030204" pitchFamily="34" charset="0"/>
+                        <a:cs typeface="Times New Roman" panose="02020603050405020304" pitchFamily="18" charset="0"/>
+                      </a:endParaRPr>
+                    </a:p>
+                  </a:txBody>
+                  <a:tcPr marL="81331" marR="81331" marT="0" marB="0" anchor="b"/>
+                </a:tc>
                 <a:tc>
                   <a:txBody>
                     <a:bodyPr/>
@@ -14990,7 +13342,15 @@
                           <a:spcPct val="107000"/>
                         </a:lnSpc>
                       </a:pPr>
-                      <a:endParaRPr lang="en-AU" sz="1000" dirty="0">
+                      <a:r>
+                        <a:rPr lang="en-US" altLang="en-AU" sz="1000" dirty="0">
+                          <a:effectLst/>
+                          <a:latin typeface="Calibri" panose="020F0502020204030204" pitchFamily="34" charset="0"/>
+                          <a:cs typeface="Times New Roman" panose="02020603050405020304" pitchFamily="18" charset="0"/>
+                        </a:rPr>
+                        <a:t>page5</a:t>
+                      </a:r>
+                      <a:endParaRPr lang="en-US" altLang="en-AU" sz="1000" dirty="0">
                         <a:effectLst/>
                         <a:latin typeface="Calibri" panose="020F0502020204030204" pitchFamily="34" charset="0"/>
                         <a:cs typeface="Times New Roman" panose="02020603050405020304" pitchFamily="18" charset="0"/>
@@ -15018,30 +13378,6 @@
                   </a:txBody>
                   <a:tcPr marL="81331" marR="81331" marT="0" marB="0" anchor="b"/>
                 </a:tc>
-                <a:tc>
-                  <a:txBody>
-                    <a:bodyPr/>
-                    <a:lstStyle/>
-                    <a:p>
-                      <a:pPr>
-                        <a:lnSpc>
-                          <a:spcPct val="107000"/>
-                        </a:lnSpc>
-                      </a:pPr>
-                      <a:endParaRPr lang="en-AU" sz="1000" dirty="0">
-                        <a:effectLst/>
-                        <a:latin typeface="Calibri" panose="020F0502020204030204" pitchFamily="34" charset="0"/>
-                        <a:cs typeface="Times New Roman" panose="02020603050405020304" pitchFamily="18" charset="0"/>
-                      </a:endParaRPr>
-                    </a:p>
-                  </a:txBody>
-                  <a:tcPr marL="81331" marR="81331" marT="0" marB="0" anchor="b"/>
-                </a:tc>
-                <a:extLst>
-                  <a:ext uri="{0D108BD9-81ED-4DB2-BD59-A6C34878D82A}">
-                    <a16:rowId xmlns:a16="http://schemas.microsoft.com/office/drawing/2014/main" val="2191457816"/>
-                  </a:ext>
-                </a:extLst>
               </a:tr>
               <a:tr h="474426">
                 <a:tc>
@@ -15054,7 +13390,42 @@
                           <a:spcPct val="107000"/>
                         </a:lnSpc>
                       </a:pPr>
-                      <a:endParaRPr lang="en-AU" sz="1000">
+                      <a:r>
+                        <a:rPr lang="en-US" altLang="en-AU" sz="1000">
+                          <a:effectLst/>
+                          <a:latin typeface="Calibri" panose="020F0502020204030204" pitchFamily="34" charset="0"/>
+                          <a:cs typeface="Times New Roman" panose="02020603050405020304" pitchFamily="18" charset="0"/>
+                        </a:rPr>
+                        <a:t>questions</a:t>
+                      </a:r>
+                      <a:endParaRPr lang="en-US" altLang="en-AU" sz="1000">
+                        <a:effectLst/>
+                        <a:latin typeface="Calibri" panose="020F0502020204030204" pitchFamily="34" charset="0"/>
+                        <a:cs typeface="Times New Roman" panose="02020603050405020304" pitchFamily="18" charset="0"/>
+                      </a:endParaRPr>
+                    </a:p>
+                  </a:txBody>
+                  <a:tcPr marL="81331" marR="81331" marT="0" marB="0" anchor="b"/>
+                </a:tc>
+                <a:tc>
+                  <a:txBody>
+                    <a:bodyPr/>
+                    <a:lstStyle/>
+                    <a:p>
+                      <a:pPr>
+                        <a:lnSpc>
+                          <a:spcPct val="107000"/>
+                        </a:lnSpc>
+                      </a:pPr>
+                      <a:r>
+                        <a:rPr lang="en-US" altLang="en-AU" sz="1000">
+                          <a:effectLst/>
+                          <a:latin typeface="Calibri" panose="020F0502020204030204" pitchFamily="34" charset="0"/>
+                          <a:cs typeface="Times New Roman" panose="02020603050405020304" pitchFamily="18" charset="0"/>
+                        </a:rPr>
+                        <a:t>page3, 4</a:t>
+                      </a:r>
+                      <a:endParaRPr lang="en-US" altLang="en-AU" sz="1000">
                         <a:effectLst/>
                         <a:latin typeface="Calibri" panose="020F0502020204030204" pitchFamily="34" charset="0"/>
                         <a:cs typeface="Times New Roman" panose="02020603050405020304" pitchFamily="18" charset="0"/>
@@ -15082,6 +13453,8 @@
                   </a:txBody>
                   <a:tcPr marL="81331" marR="81331" marT="0" marB="0" anchor="b"/>
                 </a:tc>
+              </a:tr>
+              <a:tr h="474345">
                 <a:tc>
                   <a:txBody>
                     <a:bodyPr/>
@@ -15092,33 +13465,15 @@
                           <a:spcPct val="107000"/>
                         </a:lnSpc>
                       </a:pPr>
-                      <a:endParaRPr lang="en-AU" sz="1000">
-                        <a:effectLst/>
-                        <a:latin typeface="Calibri" panose="020F0502020204030204" pitchFamily="34" charset="0"/>
-                        <a:cs typeface="Times New Roman" panose="02020603050405020304" pitchFamily="18" charset="0"/>
-                      </a:endParaRPr>
-                    </a:p>
-                  </a:txBody>
-                  <a:tcPr marL="81331" marR="81331" marT="0" marB="0" anchor="b"/>
-                </a:tc>
-                <a:extLst>
-                  <a:ext uri="{0D108BD9-81ED-4DB2-BD59-A6C34878D82A}">
-                    <a16:rowId xmlns:a16="http://schemas.microsoft.com/office/drawing/2014/main" val="2947246499"/>
-                  </a:ext>
-                </a:extLst>
-              </a:tr>
-              <a:tr h="474426">
-                <a:tc>
-                  <a:txBody>
-                    <a:bodyPr/>
-                    <a:lstStyle/>
-                    <a:p>
-                      <a:pPr>
-                        <a:lnSpc>
-                          <a:spcPct val="107000"/>
-                        </a:lnSpc>
-                      </a:pPr>
-                      <a:endParaRPr lang="en-AU" sz="1000">
+                      <a:r>
+                        <a:rPr lang="en-US" altLang="en-AU" sz="1000">
+                          <a:effectLst/>
+                          <a:latin typeface="Calibri" panose="020F0502020204030204" pitchFamily="34" charset="0"/>
+                          <a:cs typeface="Times New Roman" panose="02020603050405020304" pitchFamily="18" charset="0"/>
+                        </a:rPr>
+                        <a:t>data collection</a:t>
+                      </a:r>
+                      <a:endParaRPr lang="en-US" altLang="en-AU" sz="1000">
                         <a:effectLst/>
                         <a:latin typeface="Calibri" panose="020F0502020204030204" pitchFamily="34" charset="0"/>
                         <a:cs typeface="Times New Roman" panose="02020603050405020304" pitchFamily="18" charset="0"/>
@@ -15137,7 +13492,15 @@
                           <a:spcPct val="107000"/>
                         </a:lnSpc>
                       </a:pPr>
-                      <a:endParaRPr lang="en-AU" sz="1000">
+                      <a:r>
+                        <a:rPr lang="en-US" altLang="en-AU" sz="1000">
+                          <a:effectLst/>
+                          <a:latin typeface="Calibri" panose="020F0502020204030204" pitchFamily="34" charset="0"/>
+                          <a:cs typeface="Times New Roman" panose="02020603050405020304" pitchFamily="18" charset="0"/>
+                        </a:rPr>
+                        <a:t>collect extra data for our project</a:t>
+                      </a:r>
+                      <a:endParaRPr lang="en-US" altLang="en-AU" sz="1000">
                         <a:effectLst/>
                         <a:latin typeface="Calibri" panose="020F0502020204030204" pitchFamily="34" charset="0"/>
                         <a:cs typeface="Times New Roman" panose="02020603050405020304" pitchFamily="18" charset="0"/>
@@ -15156,7 +13519,15 @@
                           <a:spcPct val="107000"/>
                         </a:lnSpc>
                       </a:pPr>
-                      <a:endParaRPr lang="en-AU" sz="1000">
+                      <a:r>
+                        <a:rPr lang="en-US" altLang="en-AU" sz="1000">
+                          <a:effectLst/>
+                          <a:latin typeface="Calibri" panose="020F0502020204030204" pitchFamily="34" charset="0"/>
+                          <a:cs typeface="Times New Roman" panose="02020603050405020304" pitchFamily="18" charset="0"/>
+                        </a:rPr>
+                        <a:t>everyone find extra data this week.</a:t>
+                      </a:r>
+                      <a:endParaRPr lang="en-US" altLang="en-AU" sz="1000">
                         <a:effectLst/>
                         <a:latin typeface="Calibri" panose="020F0502020204030204" pitchFamily="34" charset="0"/>
                         <a:cs typeface="Times New Roman" panose="02020603050405020304" pitchFamily="18" charset="0"/>
@@ -15165,11 +13536,6 @@
                   </a:txBody>
                   <a:tcPr marL="81331" marR="81331" marT="0" marB="0" anchor="b"/>
                 </a:tc>
-                <a:extLst>
-                  <a:ext uri="{0D108BD9-81ED-4DB2-BD59-A6C34878D82A}">
-                    <a16:rowId xmlns:a16="http://schemas.microsoft.com/office/drawing/2014/main" val="942335013"/>
-                  </a:ext>
-                </a:extLst>
               </a:tr>
               <a:tr h="474426">
                 <a:tc>
@@ -15229,11 +13595,6 @@
                   </a:txBody>
                   <a:tcPr marL="81331" marR="81331" marT="0" marB="0" anchor="b"/>
                 </a:tc>
-                <a:extLst>
-                  <a:ext uri="{0D108BD9-81ED-4DB2-BD59-A6C34878D82A}">
-                    <a16:rowId xmlns:a16="http://schemas.microsoft.com/office/drawing/2014/main" val="1757599085"/>
-                  </a:ext>
-                </a:extLst>
               </a:tr>
               <a:tr h="474426">
                 <a:tc>
@@ -15293,11 +13654,6 @@
                   </a:txBody>
                   <a:tcPr marL="81331" marR="81331" marT="0" marB="0" anchor="b"/>
                 </a:tc>
-                <a:extLst>
-                  <a:ext uri="{0D108BD9-81ED-4DB2-BD59-A6C34878D82A}">
-                    <a16:rowId xmlns:a16="http://schemas.microsoft.com/office/drawing/2014/main" val="927903413"/>
-                  </a:ext>
-                </a:extLst>
               </a:tr>
             </a:tbl>
           </a:graphicData>
@@ -15305,13 +13661,7 @@
       </p:graphicFrame>
       <p:sp>
         <p:nvSpPr>
-          <p:cNvPr id="9" name="Rectangle 2">
-            <a:extLst>
-              <a:ext uri="{FF2B5EF4-FFF2-40B4-BE49-F238E27FC236}">
-                <a16:creationId xmlns:a16="http://schemas.microsoft.com/office/drawing/2014/main" id="{A2ADCF7C-1D56-46C0-AA47-22DB2F49BF52}"/>
-              </a:ext>
-            </a:extLst>
-          </p:cNvPr>
+          <p:cNvPr id="9" name="Rectangle 2"/>
           <p:cNvSpPr>
             <a:spLocks noChangeArrowheads="1"/>
           </p:cNvSpPr>
@@ -15319,8 +13669,8 @@
         </p:nvSpPr>
         <p:spPr bwMode="auto">
           <a:xfrm>
-            <a:off x="358775" y="820034"/>
-            <a:ext cx="4699191" cy="677108"/>
+            <a:off x="358775" y="704533"/>
+            <a:ext cx="6273800" cy="675640"/>
           </a:xfrm>
           <a:prstGeom prst="rect">
             <a:avLst/>
@@ -15361,9 +13711,6 @@
         </p:spPr>
         <p:txBody>
           <a:bodyPr vert="horz" wrap="square" lIns="91440" tIns="45720" rIns="91440" bIns="45720" numCol="1" anchor="ctr" anchorCtr="0" compatLnSpc="1">
-            <a:prstTxWarp prst="textNoShape">
-              <a:avLst/>
-            </a:prstTxWarp>
             <a:spAutoFit/>
           </a:bodyPr>
           <a:lstStyle/>
@@ -15382,7 +13729,6 @@
               <a:buSzTx/>
               <a:buFontTx/>
               <a:buNone/>
-              <a:tabLst/>
             </a:pPr>
             <a:r>
               <a:rPr kumimoji="0" lang="en-AU" altLang="en-US" sz="1100" b="0" i="1" u="none" strike="noStrike" cap="none" normalizeH="0" baseline="0" dirty="0">
@@ -15393,11 +13739,26 @@
                   <a:schemeClr val="tx1"/>
                 </a:solidFill>
                 <a:effectLst/>
-                <a:latin typeface="Tw Cen MT" panose="020B0602020104020603" pitchFamily="34" charset="0"/>
+                <a:latin typeface="Tw Cen MT" charset="0"/>
                 <a:ea typeface="Calibri" panose="020F0502020204030204" pitchFamily="34" charset="0"/>
                 <a:cs typeface="Times New Roman" panose="02020603050405020304" pitchFamily="18" charset="0"/>
               </a:rPr>
-              <a:t>Date and time of meeting:</a:t>
+              <a:t>Date and time of meeting: </a:t>
+            </a:r>
+            <a:r>
+              <a:rPr kumimoji="0" lang="en-US" altLang="en-AU" sz="1100" b="0" i="1" u="none" strike="noStrike" cap="none" normalizeH="0" baseline="0" dirty="0">
+                <a:ln>
+                  <a:noFill/>
+                </a:ln>
+                <a:solidFill>
+                  <a:schemeClr val="tx1"/>
+                </a:solidFill>
+                <a:effectLst/>
+                <a:latin typeface="Tw Cen MT" charset="0"/>
+                <a:ea typeface="Calibri" panose="020F0502020204030204" pitchFamily="34" charset="0"/>
+                <a:cs typeface="Times New Roman" panose="02020603050405020304" pitchFamily="18" charset="0"/>
+              </a:rPr>
+              <a:t>4/4/2022</a:t>
             </a:r>
             <a:endParaRPr kumimoji="0" lang="en-AU" altLang="en-US" sz="500" b="0" i="0" u="none" strike="noStrike" cap="none" normalizeH="0" baseline="0" dirty="0">
               <a:ln>
@@ -15424,7 +13785,6 @@
               <a:buSzTx/>
               <a:buFontTx/>
               <a:buNone/>
-              <a:tabLst/>
             </a:pPr>
             <a:r>
               <a:rPr kumimoji="0" lang="en-AU" altLang="en-US" sz="1100" b="0" i="1" u="none" strike="noStrike" cap="none" normalizeH="0" baseline="0" dirty="0">
@@ -15435,12 +13795,39 @@
                   <a:schemeClr val="tx1"/>
                 </a:solidFill>
                 <a:effectLst/>
-                <a:latin typeface="Tw Cen MT" panose="020B0602020104020603" pitchFamily="34" charset="0"/>
+                <a:latin typeface="Tw Cen MT" charset="0"/>
                 <a:ea typeface="Calibri" panose="020F0502020204030204" pitchFamily="34" charset="0"/>
                 <a:cs typeface="Times New Roman" panose="02020603050405020304" pitchFamily="18" charset="0"/>
               </a:rPr>
-              <a:t>Team members present:</a:t>
-            </a:r>
+              <a:t>Team members present: </a:t>
+            </a:r>
+            <a:r>
+              <a:rPr kumimoji="0" lang="en-US" altLang="en-AU" sz="1100" b="0" i="1" u="none" strike="noStrike" cap="none" normalizeH="0" baseline="0" dirty="0">
+                <a:ln>
+                  <a:noFill/>
+                </a:ln>
+                <a:solidFill>
+                  <a:schemeClr val="tx1"/>
+                </a:solidFill>
+                <a:effectLst/>
+                <a:latin typeface="Tw Cen MT" charset="0"/>
+                <a:ea typeface="Calibri" panose="020F0502020204030204" pitchFamily="34" charset="0"/>
+                <a:cs typeface="Times New Roman" panose="02020603050405020304" pitchFamily="18" charset="0"/>
+              </a:rPr>
+              <a:t>Hangyi Wu, Qinlin Gu, Xuening Ni, Danying Sun, Giri Zhou </a:t>
+            </a:r>
+            <a:endParaRPr kumimoji="0" lang="en-AU" altLang="en-US" sz="1100" b="0" i="1" u="none" strike="noStrike" cap="none" normalizeH="0" baseline="0" dirty="0">
+              <a:ln>
+                <a:noFill/>
+              </a:ln>
+              <a:solidFill>
+                <a:schemeClr val="tx1"/>
+              </a:solidFill>
+              <a:effectLst/>
+              <a:latin typeface="Tw Cen MT" charset="0"/>
+              <a:ea typeface="Calibri" panose="020F0502020204030204" pitchFamily="34" charset="0"/>
+              <a:cs typeface="Times New Roman" panose="02020603050405020304" pitchFamily="18" charset="0"/>
+            </a:endParaRPr>
           </a:p>
           <a:p>
             <a:pPr marL="0" marR="0" lvl="0" indent="0" algn="l" defTabSz="914400" rtl="0" eaLnBrk="0" fontAlgn="base" latinLnBrk="0" hangingPunct="0">
@@ -15457,7 +13844,6 @@
               <a:buSzTx/>
               <a:buFontTx/>
               <a:buNone/>
-              <a:tabLst/>
             </a:pPr>
             <a:endParaRPr kumimoji="0" lang="en-AU" altLang="en-US" sz="500" b="0" i="0" u="none" strike="noStrike" cap="none" normalizeH="0" baseline="0" dirty="0">
               <a:ln>
@@ -15484,7 +13870,6 @@
               <a:buSzTx/>
               <a:buFontTx/>
               <a:buNone/>
-              <a:tabLst/>
             </a:pPr>
             <a:r>
               <a:rPr kumimoji="0" lang="en-AU" altLang="en-US" sz="1100" b="1" i="0" u="none" strike="noStrike" cap="none" normalizeH="0" baseline="0" dirty="0">
@@ -15495,7 +13880,7 @@
                   <a:schemeClr val="tx1"/>
                 </a:solidFill>
                 <a:effectLst/>
-                <a:latin typeface="Tw Cen MT" panose="020B0602020104020603" pitchFamily="34" charset="0"/>
+                <a:latin typeface="Tw Cen MT" charset="0"/>
                 <a:ea typeface="Calibri" panose="020F0502020204030204" pitchFamily="34" charset="0"/>
                 <a:cs typeface="Times New Roman" panose="02020603050405020304" pitchFamily="18" charset="0"/>
               </a:rPr>
@@ -15515,13 +13900,7 @@
       </p:sp>
       <p:sp>
         <p:nvSpPr>
-          <p:cNvPr id="10" name="Rectangle 9">
-            <a:extLst>
-              <a:ext uri="{FF2B5EF4-FFF2-40B4-BE49-F238E27FC236}">
-                <a16:creationId xmlns:a16="http://schemas.microsoft.com/office/drawing/2014/main" id="{0063FAC6-1059-490E-9D0D-3CEF59DD566B}"/>
-              </a:ext>
-            </a:extLst>
-          </p:cNvPr>
+          <p:cNvPr id="10" name="Rectangle 9"/>
           <p:cNvSpPr/>
           <p:nvPr/>
         </p:nvSpPr>
@@ -15543,22 +13922,31 @@
             <a:pPr lvl="0" defTabSz="914400" eaLnBrk="0" hangingPunct="0"/>
             <a:r>
               <a:rPr lang="en-AU" altLang="en-US" sz="1200" i="1" dirty="0">
-                <a:latin typeface="Tw Cen MT" panose="020B0602020104020603" pitchFamily="34" charset="0"/>
+                <a:latin typeface="Tw Cen MT" charset="0"/>
                 <a:ea typeface="Calibri" panose="020F0502020204030204" pitchFamily="34" charset="0"/>
                 <a:cs typeface="Times New Roman" panose="02020603050405020304" pitchFamily="18" charset="0"/>
               </a:rPr>
               <a:t>Next meeting date and time:</a:t>
             </a:r>
+            <a:endParaRPr lang="en-AU" altLang="en-US" sz="1200" i="1" dirty="0">
+              <a:latin typeface="Tw Cen MT" charset="0"/>
+              <a:ea typeface="Calibri" panose="020F0502020204030204" pitchFamily="34" charset="0"/>
+              <a:cs typeface="Times New Roman" panose="02020603050405020304" pitchFamily="18" charset="0"/>
+            </a:endParaRPr>
           </a:p>
           <a:p>
             <a:pPr lvl="0" defTabSz="914400" eaLnBrk="0" hangingPunct="0"/>
             <a:r>
               <a:rPr lang="en-AU" altLang="en-US" sz="1200" i="1" dirty="0">
-                <a:latin typeface="Tw Cen MT" panose="020B0602020104020603" pitchFamily="34" charset="0"/>
+                <a:latin typeface="Tw Cen MT" charset="0"/>
                 <a:cs typeface="Times New Roman" panose="02020603050405020304" pitchFamily="18" charset="0"/>
               </a:rPr>
               <a:t>Group member responsible for finalising/submitting minutes:</a:t>
             </a:r>
+            <a:endParaRPr lang="en-AU" altLang="en-US" sz="1200" i="1" dirty="0">
+              <a:latin typeface="Tw Cen MT" charset="0"/>
+              <a:cs typeface="Times New Roman" panose="02020603050405020304" pitchFamily="18" charset="0"/>
+            </a:endParaRPr>
           </a:p>
           <a:p>
             <a:pPr lvl="0" defTabSz="914400" eaLnBrk="0" hangingPunct="0"/>
@@ -15567,7 +13955,7 @@
                 <a:solidFill>
                   <a:srgbClr val="FF0000"/>
                 </a:solidFill>
-                <a:latin typeface="Tw Cen MT" panose="020B0602020104020603" pitchFamily="34" charset="0"/>
+                <a:latin typeface="Tw Cen MT" charset="0"/>
                 <a:cs typeface="Times New Roman" panose="02020603050405020304" pitchFamily="18" charset="0"/>
               </a:rPr>
               <a:t>To be posted on the CANVAS Individual group website</a:t>
@@ -15581,11 +13969,6 @@
         </p:txBody>
       </p:sp>
     </p:spTree>
-    <p:extLst>
-      <p:ext uri="{BB962C8B-B14F-4D97-AF65-F5344CB8AC3E}">
-        <p14:creationId xmlns:p14="http://schemas.microsoft.com/office/powerpoint/2010/main" val="3311122397"/>
-      </p:ext>
-    </p:extLst>
   </p:cSld>
   <p:clrMapOvr>
     <a:masterClrMapping/>
@@ -15612,13 +13995,7 @@
       </p:grpSpPr>
       <p:sp>
         <p:nvSpPr>
-          <p:cNvPr id="4" name="Content Placeholder 3">
-            <a:extLst>
-              <a:ext uri="{FF2B5EF4-FFF2-40B4-BE49-F238E27FC236}">
-                <a16:creationId xmlns:a16="http://schemas.microsoft.com/office/drawing/2014/main" id="{F79E8E1A-6AC7-3F4E-8F0D-D3A7F823361E}"/>
-              </a:ext>
-            </a:extLst>
-          </p:cNvPr>
+          <p:cNvPr id="4" name="Content Placeholder 3"/>
           <p:cNvSpPr>
             <a:spLocks noGrp="1"/>
           </p:cNvSpPr>
@@ -15635,18 +14012,21 @@
               <a:rPr lang="en-US" b="0" dirty="0"/>
               <a:t>Action points from last week … …</a:t>
             </a:r>
+            <a:endParaRPr lang="en-US" b="0" dirty="0"/>
           </a:p>
           <a:p>
             <a:r>
               <a:rPr lang="en-US" b="0" dirty="0"/>
               <a:t>…</a:t>
             </a:r>
+            <a:endParaRPr lang="en-US" b="0" dirty="0"/>
           </a:p>
           <a:p>
             <a:r>
               <a:rPr lang="en-US" b="0" dirty="0"/>
               <a:t>…</a:t>
             </a:r>
+            <a:endParaRPr lang="en-US" b="0" dirty="0"/>
           </a:p>
           <a:p>
             <a:pPr marL="0" indent="0">
@@ -15659,20 +14039,20 @@
               <a:rPr lang="en-US" b="0" dirty="0"/>
               <a:t>Key progress over last week …</a:t>
             </a:r>
+            <a:endParaRPr lang="en-US" b="0" dirty="0"/>
           </a:p>
           <a:p>
             <a:r>
               <a:rPr lang="en-US" b="0" dirty="0"/>
               <a:t>…</a:t>
             </a:r>
+            <a:endParaRPr lang="en-US" b="0" dirty="0"/>
           </a:p>
           <a:p>
             <a:r>
               <a:rPr lang="en-US" b="0" dirty="0"/>
               <a:t>…</a:t>
             </a:r>
-          </a:p>
-          <a:p>
             <a:endParaRPr lang="en-US" b="0" dirty="0"/>
           </a:p>
           <a:p>
@@ -15685,19 +14065,16 @@
             <a:endParaRPr lang="en-US" b="0" dirty="0"/>
           </a:p>
           <a:p>
+            <a:endParaRPr lang="en-US" b="0" dirty="0"/>
+          </a:p>
+          <a:p>
             <a:endParaRPr lang="en-US" dirty="0"/>
           </a:p>
         </p:txBody>
       </p:sp>
       <p:sp>
         <p:nvSpPr>
-          <p:cNvPr id="2" name="Title 1">
-            <a:extLst>
-              <a:ext uri="{FF2B5EF4-FFF2-40B4-BE49-F238E27FC236}">
-                <a16:creationId xmlns:a16="http://schemas.microsoft.com/office/drawing/2014/main" id="{E2AEAF44-F909-4580-862E-7EB331AAAEC3}"/>
-              </a:ext>
-            </a:extLst>
-          </p:cNvPr>
+          <p:cNvPr id="2" name="Title 1"/>
           <p:cNvSpPr>
             <a:spLocks noGrp="1"/>
           </p:cNvSpPr>
@@ -15714,21 +14091,14 @@
               <a:rPr lang="en-AU" dirty="0"/>
               <a:t>Progress and action points</a:t>
             </a:r>
+            <a:endParaRPr lang="en-AU" dirty="0"/>
           </a:p>
         </p:txBody>
       </p:sp>
       <p:sp>
         <p:nvSpPr>
-          <p:cNvPr id="3" name="Text Placeholder 2">
-            <a:extLst>
-              <a:ext uri="{FF2B5EF4-FFF2-40B4-BE49-F238E27FC236}">
-                <a16:creationId xmlns:a16="http://schemas.microsoft.com/office/drawing/2014/main" id="{93BAAD9B-F199-428F-8BD0-37301704CC09}"/>
-              </a:ext>
-            </a:extLst>
-          </p:cNvPr>
-          <p:cNvSpPr txBox="1">
-            <a:spLocks/>
-          </p:cNvSpPr>
+          <p:cNvPr id="3" name="Text Placeholder 2"/>
+          <p:cNvSpPr txBox="1"/>
           <p:nvPr/>
         </p:nvSpPr>
         <p:spPr bwMode="auto">
@@ -15743,35 +14113,9 @@
           <a:ln>
             <a:noFill/>
           </a:ln>
-          <a:extLst>
-            <a:ext uri="{909E8E84-426E-40dd-AFC4-6F175D3DCCD1}">
-              <a14:hiddenFill xmlns="" xmlns:a14="http://schemas.microsoft.com/office/drawing/2010/main">
-                <a:solidFill>
-                  <a:srgbClr val="FFFFFF"/>
-                </a:solidFill>
-              </a14:hiddenFill>
-            </a:ext>
-            <a:ext uri="{91240B29-F687-4f45-9708-019B960494DF}">
-              <a14:hiddenLine xmlns="" xmlns:a14="http://schemas.microsoft.com/office/drawing/2010/main" w="9525">
-                <a:solidFill>
-                  <a:srgbClr val="000000"/>
-                </a:solidFill>
-                <a:miter lim="800000"/>
-                <a:headEnd/>
-                <a:tailEnd/>
-              </a14:hiddenLine>
-            </a:ext>
-            <a:ext uri="{FAA26D3D-D897-4be2-8F04-BA451C77F1D7}">
-              <ma14:placeholderFlag xmlns="" xmlns:ma14="http://schemas.microsoft.com/office/mac/drawingml/2011/main" val="1"/>
-            </a:ext>
-          </a:extLst>
         </p:spPr>
         <p:txBody>
-          <a:bodyPr vert="horz" wrap="square" lIns="91440" tIns="45720" rIns="91440" bIns="45720" numCol="1" anchor="t" anchorCtr="0" compatLnSpc="1">
-            <a:prstTxWarp prst="textNoShape">
-              <a:avLst/>
-            </a:prstTxWarp>
-          </a:bodyPr>
+          <a:bodyPr vert="horz" wrap="square" lIns="91440" tIns="45720" rIns="91440" bIns="45720" numCol="1" anchor="t" anchorCtr="0" compatLnSpc="1"/>
           <a:lstStyle>
             <a:lvl1pPr marL="257175" indent="-257175" algn="l" defTabSz="342900" rtl="0" eaLnBrk="1" fontAlgn="base" hangingPunct="1">
               <a:spcBef>
@@ -15780,32 +14124,32 @@
               <a:spcAft>
                 <a:spcPct val="0"/>
               </a:spcAft>
-              <a:buFont typeface="Lucida Grande" charset="0"/>
+              <a:buFont typeface="Lucida Grande" panose="020B0600040502020204" charset="0"/>
               <a:buChar char="–"/>
               <a:defRPr sz="2400" b="1" kern="1200">
                 <a:solidFill>
                   <a:schemeClr val="tx1"/>
                 </a:solidFill>
                 <a:latin typeface="Tw Cen MT"/>
-                <a:ea typeface="ＭＳ Ｐゴシック" charset="0"/>
+                <a:ea typeface="MS PGothic" charset="0"/>
                 <a:cs typeface="Tw Cen MT"/>
               </a:defRPr>
             </a:lvl1pPr>
-            <a:lvl2pPr marL="557213" indent="-214313" algn="l" defTabSz="342900" rtl="0" eaLnBrk="1" fontAlgn="base" hangingPunct="1">
+            <a:lvl2pPr marL="557530" indent="-214630" algn="l" defTabSz="342900" rtl="0" eaLnBrk="1" fontAlgn="base" hangingPunct="1">
               <a:spcBef>
                 <a:spcPct val="20000"/>
               </a:spcBef>
               <a:spcAft>
                 <a:spcPct val="0"/>
               </a:spcAft>
-              <a:buFont typeface="Arial" charset="0"/>
+              <a:buFont typeface="Arial" panose="020B0604020202090204" pitchFamily="34" charset="0"/>
               <a:buChar char="–"/>
               <a:defRPr sz="1500" kern="1200">
                 <a:solidFill>
                   <a:schemeClr val="tx1"/>
                 </a:solidFill>
                 <a:latin typeface="Tw Cen MT"/>
-                <a:ea typeface="ＭＳ Ｐゴシック" charset="0"/>
+                <a:ea typeface="MS PGothic" charset="0"/>
                 <a:cs typeface="Tw Cen MT"/>
               </a:defRPr>
             </a:lvl2pPr>
@@ -15816,14 +14160,14 @@
               <a:spcAft>
                 <a:spcPct val="0"/>
               </a:spcAft>
-              <a:buFont typeface="Arial" charset="0"/>
+              <a:buFont typeface="Arial" panose="020B0604020202090204" pitchFamily="34" charset="0"/>
               <a:buChar char="•"/>
               <a:defRPr sz="1500" kern="1200">
                 <a:solidFill>
                   <a:schemeClr val="tx1"/>
                 </a:solidFill>
                 <a:latin typeface="Tw Cen MT"/>
-                <a:ea typeface="ＭＳ Ｐゴシック" charset="0"/>
+                <a:ea typeface="MS PGothic" charset="0"/>
                 <a:cs typeface="Tw Cen MT"/>
               </a:defRPr>
             </a:lvl3pPr>
@@ -15834,14 +14178,14 @@
               <a:spcAft>
                 <a:spcPct val="0"/>
               </a:spcAft>
-              <a:buFont typeface="Arial" charset="0"/>
+              <a:buFont typeface="Arial" panose="020B0604020202090204" pitchFamily="34" charset="0"/>
               <a:buChar char="–"/>
               <a:defRPr sz="1500" kern="1200">
                 <a:solidFill>
                   <a:schemeClr val="tx1"/>
                 </a:solidFill>
                 <a:latin typeface="Tw Cen MT"/>
-                <a:ea typeface="ＭＳ Ｐゴシック" charset="0"/>
+                <a:ea typeface="MS PGothic" charset="0"/>
                 <a:cs typeface="Tw Cen MT"/>
               </a:defRPr>
             </a:lvl4pPr>
@@ -15852,14 +14196,14 @@
               <a:spcAft>
                 <a:spcPct val="0"/>
               </a:spcAft>
-              <a:buFont typeface="Arial" charset="0"/>
+              <a:buFont typeface="Arial" panose="020B0604020202090204" pitchFamily="34" charset="0"/>
               <a:buChar char="»"/>
               <a:defRPr sz="1500" kern="1200">
                 <a:solidFill>
                   <a:schemeClr val="tx1"/>
                 </a:solidFill>
                 <a:latin typeface="Tw Cen MT"/>
-                <a:ea typeface="ＭＳ Ｐゴシック" charset="0"/>
+                <a:ea typeface="MS PGothic" charset="0"/>
                 <a:cs typeface="Tw Cen MT"/>
               </a:defRPr>
             </a:lvl5pPr>
@@ -15867,7 +14211,7 @@
               <a:spcBef>
                 <a:spcPct val="20000"/>
               </a:spcBef>
-              <a:buFont typeface="Arial"/>
+              <a:buFont typeface="Arial" panose="020B0604020202090204"/>
               <a:buChar char="•"/>
               <a:defRPr sz="1500" kern="1200">
                 <a:solidFill>
@@ -15882,7 +14226,7 @@
               <a:spcBef>
                 <a:spcPct val="20000"/>
               </a:spcBef>
-              <a:buFont typeface="Arial"/>
+              <a:buFont typeface="Arial" panose="020B0604020202090204"/>
               <a:buChar char="•"/>
               <a:defRPr sz="1500" kern="1200">
                 <a:solidFill>
@@ -15897,7 +14241,7 @@
               <a:spcBef>
                 <a:spcPct val="20000"/>
               </a:spcBef>
-              <a:buFont typeface="Arial"/>
+              <a:buFont typeface="Arial" panose="020B0604020202090204"/>
               <a:buChar char="•"/>
               <a:defRPr sz="1500" kern="1200">
                 <a:solidFill>
@@ -15912,7 +14256,7 @@
               <a:spcBef>
                 <a:spcPct val="20000"/>
               </a:spcBef>
-              <a:buFont typeface="Arial"/>
+              <a:buFont typeface="Arial" panose="020B0604020202090204"/>
               <a:buChar char="•"/>
               <a:defRPr sz="1500" kern="1200">
                 <a:solidFill>
@@ -15930,11 +14274,6 @@
         </p:txBody>
       </p:sp>
     </p:spTree>
-    <p:extLst>
-      <p:ext uri="{BB962C8B-B14F-4D97-AF65-F5344CB8AC3E}">
-        <p14:creationId xmlns:p14="http://schemas.microsoft.com/office/powerpoint/2010/main" val="1205355963"/>
-      </p:ext>
-    </p:extLst>
   </p:cSld>
   <p:clrMapOvr>
     <a:masterClrMapping/>
@@ -15961,13 +14300,7 @@
       </p:grpSpPr>
       <p:sp>
         <p:nvSpPr>
-          <p:cNvPr id="3" name="Content Placeholder 2">
-            <a:extLst>
-              <a:ext uri="{FF2B5EF4-FFF2-40B4-BE49-F238E27FC236}">
-                <a16:creationId xmlns:a16="http://schemas.microsoft.com/office/drawing/2014/main" id="{09AABE22-4E0D-634D-AD9A-9FA33E2A0475}"/>
-              </a:ext>
-            </a:extLst>
-          </p:cNvPr>
+          <p:cNvPr id="3" name="Content Placeholder 2"/>
           <p:cNvSpPr>
             <a:spLocks noGrp="1"/>
           </p:cNvSpPr>
@@ -15984,21 +14317,16 @@
               <a:rPr lang="en-US" b="0" dirty="0"/>
               <a:t>Illustrate progress in data generation or data collection by showing some initial data analysis of your data. </a:t>
             </a:r>
-          </a:p>
-          <a:p>
             <a:endParaRPr lang="en-US" b="0" dirty="0"/>
           </a:p>
+          <a:p>
+            <a:endParaRPr lang="en-US" b="0" dirty="0"/>
+          </a:p>
         </p:txBody>
       </p:sp>
       <p:sp>
         <p:nvSpPr>
-          <p:cNvPr id="2" name="Title 1">
-            <a:extLst>
-              <a:ext uri="{FF2B5EF4-FFF2-40B4-BE49-F238E27FC236}">
-                <a16:creationId xmlns:a16="http://schemas.microsoft.com/office/drawing/2014/main" id="{424F715F-14FE-2747-8110-408D8A46F9B7}"/>
-              </a:ext>
-            </a:extLst>
-          </p:cNvPr>
+          <p:cNvPr id="2" name="Title 1"/>
           <p:cNvSpPr>
             <a:spLocks noGrp="1"/>
           </p:cNvSpPr>
@@ -16023,11 +14351,6 @@
         </p:txBody>
       </p:sp>
     </p:spTree>
-    <p:extLst>
-      <p:ext uri="{BB962C8B-B14F-4D97-AF65-F5344CB8AC3E}">
-        <p14:creationId xmlns:p14="http://schemas.microsoft.com/office/powerpoint/2010/main" val="1575878537"/>
-      </p:ext>
-    </p:extLst>
   </p:cSld>
   <p:clrMapOvr>
     <a:masterClrMapping/>
@@ -16054,13 +14377,7 @@
       </p:grpSpPr>
       <p:sp>
         <p:nvSpPr>
-          <p:cNvPr id="3" name="Content Placeholder 2">
-            <a:extLst>
-              <a:ext uri="{FF2B5EF4-FFF2-40B4-BE49-F238E27FC236}">
-                <a16:creationId xmlns:a16="http://schemas.microsoft.com/office/drawing/2014/main" id="{09AABE22-4E0D-634D-AD9A-9FA33E2A0475}"/>
-              </a:ext>
-            </a:extLst>
-          </p:cNvPr>
+          <p:cNvPr id="3" name="Content Placeholder 2"/>
           <p:cNvSpPr>
             <a:spLocks noGrp="1"/>
           </p:cNvSpPr>
@@ -16082,18 +14399,13 @@
               <a:rPr lang="en-US" b="0" dirty="0"/>
               <a:t>Proposed analytics or proposed methods.</a:t>
             </a:r>
+            <a:endParaRPr lang="en-US" b="0" dirty="0"/>
           </a:p>
         </p:txBody>
       </p:sp>
       <p:sp>
         <p:nvSpPr>
-          <p:cNvPr id="2" name="Title 1">
-            <a:extLst>
-              <a:ext uri="{FF2B5EF4-FFF2-40B4-BE49-F238E27FC236}">
-                <a16:creationId xmlns:a16="http://schemas.microsoft.com/office/drawing/2014/main" id="{424F715F-14FE-2747-8110-408D8A46F9B7}"/>
-              </a:ext>
-            </a:extLst>
-          </p:cNvPr>
+          <p:cNvPr id="2" name="Title 1"/>
           <p:cNvSpPr>
             <a:spLocks noGrp="1"/>
           </p:cNvSpPr>
@@ -16123,16 +14435,25 @@
         </p:txBody>
       </p:sp>
     </p:spTree>
-    <p:extLst>
-      <p:ext uri="{BB962C8B-B14F-4D97-AF65-F5344CB8AC3E}">
-        <p14:creationId xmlns:p14="http://schemas.microsoft.com/office/powerpoint/2010/main" val="3204104704"/>
-      </p:ext>
-    </p:extLst>
   </p:cSld>
   <p:clrMapOvr>
     <a:masterClrMapping/>
   </p:clrMapOvr>
 </p:sld>
+</file>
+
+<file path=ppt/tags/tag1.xml><?xml version="1.0" encoding="utf-8"?>
+<p:tagLst xmlns:p="http://schemas.openxmlformats.org/presentationml/2006/main">
+  <p:tag name="KSO_WM_UNIT_TABLE_BEAUTIFY" val="smartTable{839f1daa-bc31-489d-997f-4a88cdf4b07c}"/>
+  <p:tag name="TABLE_ENDDRAG_ORIGIN_RECT" val="670*221"/>
+  <p:tag name="TABLE_ENDDRAG_RECT" val="33*135*670*248"/>
+</p:tagLst>
+</file>
+
+<file path=ppt/tags/tag2.xml><?xml version="1.0" encoding="utf-8"?>
+<p:tagLst xmlns:p="http://schemas.openxmlformats.org/presentationml/2006/main">
+  <p:tag name="KSO_WM_UNIT_TABLE_BEAUTIFY" val="smartTable{36e4c482-61bf-45ee-9358-63affd84e7b5}"/>
+</p:tagLst>
 </file>
 
 <file path=ppt/theme/theme1.xml><?xml version="1.0" encoding="utf-8"?>
@@ -16453,7 +14774,11 @@
       </a:style>
     </a:lnDef>
   </a:objectDefaults>
-  <a:extraClrSchemeLst/>
+  <a:extLst>
+    <a:ext uri="{05A4C25C-085E-4340-85A3-A5531E510DB2}">
+      <thm15:themeFamily xmlns:thm15="http://schemas.microsoft.com/office/thememl/2012/main" name="Office Theme" id="{62F939B6-93AF-4DB8-9C6B-D6C7DFDC589F}" vid="{4A3C46E8-61CC-4603-A589-7422A47A8E4A}"/>
+    </a:ext>
+  </a:extLst>
 </a:theme>
 </file>
 
@@ -16500,7 +14825,7 @@
     </a:clrScheme>
     <a:fontScheme name="Office">
       <a:majorFont>
-        <a:latin typeface="Calibri Light" panose="020F0302020204030204"/>
+        <a:latin typeface="Calibri Light"/>
         <a:ea typeface=""/>
         <a:cs typeface=""/>
         <a:font script="Jpan" typeface="游ゴシック Light"/>
@@ -16533,26 +14858,9 @@
         <a:font script="Viet" typeface="Times New Roman"/>
         <a:font script="Uigh" typeface="Microsoft Uighur"/>
         <a:font script="Geor" typeface="Sylfaen"/>
-        <a:font script="Armn" typeface="Arial"/>
-        <a:font script="Bugi" typeface="Leelawadee UI"/>
-        <a:font script="Bopo" typeface="Microsoft JhengHei"/>
-        <a:font script="Java" typeface="Javanese Text"/>
-        <a:font script="Lisu" typeface="Segoe UI"/>
-        <a:font script="Mymr" typeface="Myanmar Text"/>
-        <a:font script="Nkoo" typeface="Ebrima"/>
-        <a:font script="Olck" typeface="Nirmala UI"/>
-        <a:font script="Osma" typeface="Ebrima"/>
-        <a:font script="Phag" typeface="Phagspa"/>
-        <a:font script="Syrn" typeface="Estrangelo Edessa"/>
-        <a:font script="Syrj" typeface="Estrangelo Edessa"/>
-        <a:font script="Syre" typeface="Estrangelo Edessa"/>
-        <a:font script="Sora" typeface="Nirmala UI"/>
-        <a:font script="Tale" typeface="Microsoft Tai Le"/>
-        <a:font script="Talu" typeface="Microsoft New Tai Lue"/>
-        <a:font script="Tfng" typeface="Ebrima"/>
       </a:majorFont>
       <a:minorFont>
-        <a:latin typeface="Calibri" panose="020F0502020204030204"/>
+        <a:latin typeface="Calibri"/>
         <a:ea typeface=""/>
         <a:cs typeface=""/>
         <a:font script="Jpan" typeface="游ゴシック"/>
@@ -16585,23 +14893,6 @@
         <a:font script="Viet" typeface="Arial"/>
         <a:font script="Uigh" typeface="Microsoft Uighur"/>
         <a:font script="Geor" typeface="Sylfaen"/>
-        <a:font script="Armn" typeface="Arial"/>
-        <a:font script="Bugi" typeface="Leelawadee UI"/>
-        <a:font script="Bopo" typeface="Microsoft JhengHei"/>
-        <a:font script="Java" typeface="Javanese Text"/>
-        <a:font script="Lisu" typeface="Segoe UI"/>
-        <a:font script="Mymr" typeface="Myanmar Text"/>
-        <a:font script="Nkoo" typeface="Ebrima"/>
-        <a:font script="Olck" typeface="Nirmala UI"/>
-        <a:font script="Osma" typeface="Ebrima"/>
-        <a:font script="Phag" typeface="Phagspa"/>
-        <a:font script="Syrn" typeface="Estrangelo Edessa"/>
-        <a:font script="Syrj" typeface="Estrangelo Edessa"/>
-        <a:font script="Syre" typeface="Estrangelo Edessa"/>
-        <a:font script="Sora" typeface="Nirmala UI"/>
-        <a:font script="Tale" typeface="Microsoft Tai Le"/>
-        <a:font script="Talu" typeface="Microsoft New Tai Lue"/>
-        <a:font script="Tfng" typeface="Ebrima"/>
       </a:minorFont>
     </a:fontScheme>
     <a:fmtScheme name="Office">
@@ -16742,8 +15033,6 @@
       </a:bgFillStyleLst>
     </a:fmtScheme>
   </a:themeElements>
-  <a:objectDefaults/>
-  <a:extraClrSchemeLst/>
   <a:extLst>
     <a:ext uri="{05A4C25C-085E-4340-85A3-A5531E510DB2}">
       <thm15:themeFamily xmlns:thm15="http://schemas.microsoft.com/office/thememl/2012/main" name="Office Theme" id="{62F939B6-93AF-4DB8-9C6B-D6C7DFDC589F}" vid="{4A3C46E8-61CC-4603-A589-7422A47A8E4A}"/>
@@ -16795,7 +15084,7 @@
     </a:clrScheme>
     <a:fontScheme name="Office">
       <a:majorFont>
-        <a:latin typeface="Calibri Light" panose="020F0302020204030204"/>
+        <a:latin typeface="Calibri Light"/>
         <a:ea typeface=""/>
         <a:cs typeface=""/>
         <a:font script="Jpan" typeface="游ゴシック Light"/>
@@ -16828,26 +15117,9 @@
         <a:font script="Viet" typeface="Times New Roman"/>
         <a:font script="Uigh" typeface="Microsoft Uighur"/>
         <a:font script="Geor" typeface="Sylfaen"/>
-        <a:font script="Armn" typeface="Arial"/>
-        <a:font script="Bugi" typeface="Leelawadee UI"/>
-        <a:font script="Bopo" typeface="Microsoft JhengHei"/>
-        <a:font script="Java" typeface="Javanese Text"/>
-        <a:font script="Lisu" typeface="Segoe UI"/>
-        <a:font script="Mymr" typeface="Myanmar Text"/>
-        <a:font script="Nkoo" typeface="Ebrima"/>
-        <a:font script="Olck" typeface="Nirmala UI"/>
-        <a:font script="Osma" typeface="Ebrima"/>
-        <a:font script="Phag" typeface="Phagspa"/>
-        <a:font script="Syrn" typeface="Estrangelo Edessa"/>
-        <a:font script="Syrj" typeface="Estrangelo Edessa"/>
-        <a:font script="Syre" typeface="Estrangelo Edessa"/>
-        <a:font script="Sora" typeface="Nirmala UI"/>
-        <a:font script="Tale" typeface="Microsoft Tai Le"/>
-        <a:font script="Talu" typeface="Microsoft New Tai Lue"/>
-        <a:font script="Tfng" typeface="Ebrima"/>
       </a:majorFont>
       <a:minorFont>
-        <a:latin typeface="Calibri" panose="020F0502020204030204"/>
+        <a:latin typeface="Calibri"/>
         <a:ea typeface=""/>
         <a:cs typeface=""/>
         <a:font script="Jpan" typeface="游ゴシック"/>
@@ -16880,23 +15152,6 @@
         <a:font script="Viet" typeface="Arial"/>
         <a:font script="Uigh" typeface="Microsoft Uighur"/>
         <a:font script="Geor" typeface="Sylfaen"/>
-        <a:font script="Armn" typeface="Arial"/>
-        <a:font script="Bugi" typeface="Leelawadee UI"/>
-        <a:font script="Bopo" typeface="Microsoft JhengHei"/>
-        <a:font script="Java" typeface="Javanese Text"/>
-        <a:font script="Lisu" typeface="Segoe UI"/>
-        <a:font script="Mymr" typeface="Myanmar Text"/>
-        <a:font script="Nkoo" typeface="Ebrima"/>
-        <a:font script="Olck" typeface="Nirmala UI"/>
-        <a:font script="Osma" typeface="Ebrima"/>
-        <a:font script="Phag" typeface="Phagspa"/>
-        <a:font script="Syrn" typeface="Estrangelo Edessa"/>
-        <a:font script="Syrj" typeface="Estrangelo Edessa"/>
-        <a:font script="Syre" typeface="Estrangelo Edessa"/>
-        <a:font script="Sora" typeface="Nirmala UI"/>
-        <a:font script="Tale" typeface="Microsoft Tai Le"/>
-        <a:font script="Talu" typeface="Microsoft New Tai Lue"/>
-        <a:font script="Tfng" typeface="Ebrima"/>
       </a:minorFont>
     </a:fontScheme>
     <a:fmtScheme name="Office">
@@ -17037,8 +15292,6 @@
       </a:bgFillStyleLst>
     </a:fmtScheme>
   </a:themeElements>
-  <a:objectDefaults/>
-  <a:extraClrSchemeLst/>
   <a:extLst>
     <a:ext uri="{05A4C25C-085E-4340-85A3-A5531E510DB2}">
       <thm15:themeFamily xmlns:thm15="http://schemas.microsoft.com/office/thememl/2012/main" name="Office Theme" id="{62F939B6-93AF-4DB8-9C6B-D6C7DFDC589F}" vid="{4A3C46E8-61CC-4603-A589-7422A47A8E4A}"/>

--- a/Weekly Updates/Meeting minutes and Action slides template-1.pptx
+++ b/Weekly Updates/Meeting minutes and Action slides template-1.pptx
@@ -1,37 +1,37 @@
 
 <file path=ppt/presentation.xml><?xml version="1.0" encoding="utf-8"?>
-<p:presentation xmlns:a="http://schemas.openxmlformats.org/drawingml/2006/main" xmlns:r="http://schemas.openxmlformats.org/officeDocument/2006/relationships" xmlns:p="http://schemas.openxmlformats.org/presentationml/2006/main" autoCompressPictures="0">
+<p:presentation xmlns:a="http://schemas.openxmlformats.org/drawingml/2006/main" xmlns:r="http://schemas.openxmlformats.org/officeDocument/2006/relationships" xmlns:p="http://schemas.openxmlformats.org/presentationml/2006/main" saveSubsetFonts="1" autoCompressPictures="0">
   <p:sldMasterIdLst>
-    <p:sldMasterId id="2147483648" r:id="rId1"/>
+    <p:sldMasterId id="2147483790" r:id="rId1"/>
   </p:sldMasterIdLst>
   <p:notesMasterIdLst>
-    <p:notesMasterId r:id="rId24"/>
+    <p:notesMasterId r:id="rId23"/>
   </p:notesMasterIdLst>
   <p:handoutMasterIdLst>
-    <p:handoutMasterId r:id="rId25"/>
+    <p:handoutMasterId r:id="rId24"/>
   </p:handoutMasterIdLst>
   <p:sldIdLst>
-    <p:sldId id="312" r:id="rId3"/>
-    <p:sldId id="328" r:id="rId4"/>
-    <p:sldId id="332" r:id="rId5"/>
-    <p:sldId id="259" r:id="rId6"/>
-    <p:sldId id="331" r:id="rId7"/>
-    <p:sldId id="314" r:id="rId8"/>
-    <p:sldId id="339" r:id="rId9"/>
-    <p:sldId id="333" r:id="rId10"/>
-    <p:sldId id="341" r:id="rId11"/>
-    <p:sldId id="345" r:id="rId12"/>
-    <p:sldId id="334" r:id="rId13"/>
-    <p:sldId id="340" r:id="rId14"/>
-    <p:sldId id="343" r:id="rId15"/>
-    <p:sldId id="344" r:id="rId16"/>
-    <p:sldId id="347" r:id="rId17"/>
-    <p:sldId id="335" r:id="rId18"/>
-    <p:sldId id="337" r:id="rId19"/>
-    <p:sldId id="348" r:id="rId20"/>
-    <p:sldId id="349" r:id="rId21"/>
-    <p:sldId id="342" r:id="rId22"/>
-    <p:sldId id="336" r:id="rId23"/>
+    <p:sldId id="312" r:id="rId2"/>
+    <p:sldId id="328" r:id="rId3"/>
+    <p:sldId id="332" r:id="rId4"/>
+    <p:sldId id="259" r:id="rId5"/>
+    <p:sldId id="331" r:id="rId6"/>
+    <p:sldId id="314" r:id="rId7"/>
+    <p:sldId id="339" r:id="rId8"/>
+    <p:sldId id="333" r:id="rId9"/>
+    <p:sldId id="341" r:id="rId10"/>
+    <p:sldId id="345" r:id="rId11"/>
+    <p:sldId id="334" r:id="rId12"/>
+    <p:sldId id="340" r:id="rId13"/>
+    <p:sldId id="343" r:id="rId14"/>
+    <p:sldId id="344" r:id="rId15"/>
+    <p:sldId id="347" r:id="rId16"/>
+    <p:sldId id="335" r:id="rId17"/>
+    <p:sldId id="337" r:id="rId18"/>
+    <p:sldId id="348" r:id="rId19"/>
+    <p:sldId id="349" r:id="rId20"/>
+    <p:sldId id="342" r:id="rId21"/>
+    <p:sldId id="336" r:id="rId22"/>
   </p:sldIdLst>
   <p:sldSz cx="9144000" cy="5143500" type="screen16x9"/>
   <p:notesSz cx="6858000" cy="9144000"/>
@@ -50,9 +50,9 @@
         <a:solidFill>
           <a:schemeClr val="tx1"/>
         </a:solidFill>
-        <a:latin typeface="Arial" panose="020B0604020202090204" pitchFamily="34" charset="0"/>
-        <a:ea typeface="MS PGothic" charset="0"/>
-        <a:cs typeface="MS PGothic" charset="0"/>
+        <a:latin typeface="Arial" charset="0"/>
+        <a:ea typeface="ＭＳ Ｐゴシック" charset="0"/>
+        <a:cs typeface="ＭＳ Ｐゴシック" charset="0"/>
       </a:defRPr>
     </a:lvl1pPr>
     <a:lvl2pPr marL="457200" algn="l" defTabSz="457200" rtl="0" fontAlgn="base">
@@ -66,9 +66,9 @@
         <a:solidFill>
           <a:schemeClr val="tx1"/>
         </a:solidFill>
-        <a:latin typeface="Arial" panose="020B0604020202090204" pitchFamily="34" charset="0"/>
-        <a:ea typeface="MS PGothic" charset="0"/>
-        <a:cs typeface="MS PGothic" charset="0"/>
+        <a:latin typeface="Arial" charset="0"/>
+        <a:ea typeface="ＭＳ Ｐゴシック" charset="0"/>
+        <a:cs typeface="ＭＳ Ｐゴシック" charset="0"/>
       </a:defRPr>
     </a:lvl2pPr>
     <a:lvl3pPr marL="914400" algn="l" defTabSz="457200" rtl="0" fontAlgn="base">
@@ -82,9 +82,9 @@
         <a:solidFill>
           <a:schemeClr val="tx1"/>
         </a:solidFill>
-        <a:latin typeface="Arial" panose="020B0604020202090204" pitchFamily="34" charset="0"/>
-        <a:ea typeface="MS PGothic" charset="0"/>
-        <a:cs typeface="MS PGothic" charset="0"/>
+        <a:latin typeface="Arial" charset="0"/>
+        <a:ea typeface="ＭＳ Ｐゴシック" charset="0"/>
+        <a:cs typeface="ＭＳ Ｐゴシック" charset="0"/>
       </a:defRPr>
     </a:lvl3pPr>
     <a:lvl4pPr marL="1371600" algn="l" defTabSz="457200" rtl="0" fontAlgn="base">
@@ -98,9 +98,9 @@
         <a:solidFill>
           <a:schemeClr val="tx1"/>
         </a:solidFill>
-        <a:latin typeface="Arial" panose="020B0604020202090204" pitchFamily="34" charset="0"/>
-        <a:ea typeface="MS PGothic" charset="0"/>
-        <a:cs typeface="MS PGothic" charset="0"/>
+        <a:latin typeface="Arial" charset="0"/>
+        <a:ea typeface="ＭＳ Ｐゴシック" charset="0"/>
+        <a:cs typeface="ＭＳ Ｐゴシック" charset="0"/>
       </a:defRPr>
     </a:lvl4pPr>
     <a:lvl5pPr marL="1828800" algn="l" defTabSz="457200" rtl="0" fontAlgn="base">
@@ -114,9 +114,9 @@
         <a:solidFill>
           <a:schemeClr val="tx1"/>
         </a:solidFill>
-        <a:latin typeface="Arial" panose="020B0604020202090204" pitchFamily="34" charset="0"/>
-        <a:ea typeface="MS PGothic" charset="0"/>
-        <a:cs typeface="MS PGothic" charset="0"/>
+        <a:latin typeface="Arial" charset="0"/>
+        <a:ea typeface="ＭＳ Ｐゴシック" charset="0"/>
+        <a:cs typeface="ＭＳ Ｐゴシック" charset="0"/>
       </a:defRPr>
     </a:lvl5pPr>
     <a:lvl6pPr marL="2286000" algn="l" defTabSz="457200" rtl="0" eaLnBrk="1" latinLnBrk="0" hangingPunct="1">
@@ -124,9 +124,9 @@
         <a:solidFill>
           <a:schemeClr val="tx1"/>
         </a:solidFill>
-        <a:latin typeface="Arial" panose="020B0604020202090204" pitchFamily="34" charset="0"/>
-        <a:ea typeface="MS PGothic" charset="0"/>
-        <a:cs typeface="MS PGothic" charset="0"/>
+        <a:latin typeface="Arial" charset="0"/>
+        <a:ea typeface="ＭＳ Ｐゴシック" charset="0"/>
+        <a:cs typeface="ＭＳ Ｐゴシック" charset="0"/>
       </a:defRPr>
     </a:lvl6pPr>
     <a:lvl7pPr marL="2743200" algn="l" defTabSz="457200" rtl="0" eaLnBrk="1" latinLnBrk="0" hangingPunct="1">
@@ -134,9 +134,9 @@
         <a:solidFill>
           <a:schemeClr val="tx1"/>
         </a:solidFill>
-        <a:latin typeface="Arial" panose="020B0604020202090204" pitchFamily="34" charset="0"/>
-        <a:ea typeface="MS PGothic" charset="0"/>
-        <a:cs typeface="MS PGothic" charset="0"/>
+        <a:latin typeface="Arial" charset="0"/>
+        <a:ea typeface="ＭＳ Ｐゴシック" charset="0"/>
+        <a:cs typeface="ＭＳ Ｐゴシック" charset="0"/>
       </a:defRPr>
     </a:lvl7pPr>
     <a:lvl8pPr marL="3200400" algn="l" defTabSz="457200" rtl="0" eaLnBrk="1" latinLnBrk="0" hangingPunct="1">
@@ -144,9 +144,9 @@
         <a:solidFill>
           <a:schemeClr val="tx1"/>
         </a:solidFill>
-        <a:latin typeface="Arial" panose="020B0604020202090204" pitchFamily="34" charset="0"/>
-        <a:ea typeface="MS PGothic" charset="0"/>
-        <a:cs typeface="MS PGothic" charset="0"/>
+        <a:latin typeface="Arial" charset="0"/>
+        <a:ea typeface="ＭＳ Ｐゴシック" charset="0"/>
+        <a:cs typeface="ＭＳ Ｐゴシック" charset="0"/>
       </a:defRPr>
     </a:lvl8pPr>
     <a:lvl9pPr marL="3657600" algn="l" defTabSz="457200" rtl="0" eaLnBrk="1" latinLnBrk="0" hangingPunct="1">
@@ -154,9 +154,9 @@
         <a:solidFill>
           <a:schemeClr val="tx1"/>
         </a:solidFill>
-        <a:latin typeface="Arial" panose="020B0604020202090204" pitchFamily="34" charset="0"/>
-        <a:ea typeface="MS PGothic" charset="0"/>
-        <a:cs typeface="MS PGothic" charset="0"/>
+        <a:latin typeface="Arial" charset="0"/>
+        <a:ea typeface="ＭＳ Ｐゴシック" charset="0"/>
+        <a:cs typeface="ＭＳ Ｐゴシック" charset="0"/>
       </a:defRPr>
     </a:lvl9pPr>
   </p:defaultTextStyle>
@@ -202,6 +202,23 @@
         </p14:section>
       </p14:sectionLst>
     </p:ext>
+    <p:ext uri="{EFAFB233-063F-42B5-8137-9DF3F51BA10A}">
+      <p15:sldGuideLst xmlns:p15="http://schemas.microsoft.com/office/powerpoint/2012/main">
+        <p15:guide id="1" orient="horz" pos="1620">
+          <p15:clr>
+            <a:srgbClr val="A4A3A4"/>
+          </p15:clr>
+        </p15:guide>
+        <p15:guide id="2" pos="2880">
+          <p15:clr>
+            <a:srgbClr val="A4A3A4"/>
+          </p15:clr>
+        </p15:guide>
+      </p15:sldGuideLst>
+    </p:ext>
+    <p:ext uri="{2D200454-40CA-4A62-9FC3-DE9A4176ACB9}">
+      <p15:notesGuideLst xmlns:p15="http://schemas.microsoft.com/office/powerpoint/2012/main"/>
+    </p:ext>
   </p:extLst>
 </p:presentation>
 </file>
@@ -230,7 +247,13 @@
       </p:grpSpPr>
       <p:sp>
         <p:nvSpPr>
-          <p:cNvPr id="2" name="Header Placeholder 1"/>
+          <p:cNvPr id="2" name="Header Placeholder 1">
+            <a:extLst>
+              <a:ext uri="{FF2B5EF4-FFF2-40B4-BE49-F238E27FC236}">
+                <a16:creationId xmlns:a16="http://schemas.microsoft.com/office/drawing/2014/main" id="{A7F27B51-57A6-844B-9DA7-683C5F8607D0}"/>
+              </a:ext>
+            </a:extLst>
+          </p:cNvPr>
           <p:cNvSpPr>
             <a:spLocks noGrp="1"/>
           </p:cNvSpPr>
@@ -261,7 +284,13 @@
       </p:sp>
       <p:sp>
         <p:nvSpPr>
-          <p:cNvPr id="3" name="Date Placeholder 2"/>
+          <p:cNvPr id="3" name="Date Placeholder 2">
+            <a:extLst>
+              <a:ext uri="{FF2B5EF4-FFF2-40B4-BE49-F238E27FC236}">
+                <a16:creationId xmlns:a16="http://schemas.microsoft.com/office/drawing/2014/main" id="{0BBA62AA-0342-CF43-B481-DA114DAADB6F}"/>
+              </a:ext>
+            </a:extLst>
+          </p:cNvPr>
           <p:cNvSpPr>
             <a:spLocks noGrp="1"/>
           </p:cNvSpPr>
@@ -288,6 +317,7 @@
           <a:p>
             <a:fld id="{BDA335CD-1F04-BE47-B798-E7E5B302FEE2}" type="datetimeFigureOut">
               <a:rPr lang="en-US" smtClean="0"/>
+              <a:t>2/5/22</a:t>
             </a:fld>
             <a:endParaRPr lang="en-US"/>
           </a:p>
@@ -295,7 +325,13 @@
       </p:sp>
       <p:sp>
         <p:nvSpPr>
-          <p:cNvPr id="4" name="Footer Placeholder 3"/>
+          <p:cNvPr id="4" name="Footer Placeholder 3">
+            <a:extLst>
+              <a:ext uri="{FF2B5EF4-FFF2-40B4-BE49-F238E27FC236}">
+                <a16:creationId xmlns:a16="http://schemas.microsoft.com/office/drawing/2014/main" id="{D8E65384-F942-4A49-B542-FADCC09BE016}"/>
+              </a:ext>
+            </a:extLst>
+          </p:cNvPr>
           <p:cNvSpPr>
             <a:spLocks noGrp="1"/>
           </p:cNvSpPr>
@@ -326,7 +362,13 @@
       </p:sp>
       <p:sp>
         <p:nvSpPr>
-          <p:cNvPr id="5" name="Slide Number Placeholder 4"/>
+          <p:cNvPr id="5" name="Slide Number Placeholder 4">
+            <a:extLst>
+              <a:ext uri="{FF2B5EF4-FFF2-40B4-BE49-F238E27FC236}">
+                <a16:creationId xmlns:a16="http://schemas.microsoft.com/office/drawing/2014/main" id="{9A0E53E6-90B7-1543-B38F-5BA5C6BC3680}"/>
+              </a:ext>
+            </a:extLst>
+          </p:cNvPr>
           <p:cNvSpPr>
             <a:spLocks noGrp="1"/>
           </p:cNvSpPr>
@@ -353,12 +395,18 @@
           <a:p>
             <a:fld id="{8FC9C213-2A45-3B47-88D6-254185129B62}" type="slidenum">
               <a:rPr lang="en-US" smtClean="0"/>
+              <a:t>‹#›</a:t>
             </a:fld>
             <a:endParaRPr lang="en-US"/>
           </a:p>
         </p:txBody>
       </p:sp>
     </p:spTree>
+    <p:extLst>
+      <p:ext uri="{BB962C8B-B14F-4D97-AF65-F5344CB8AC3E}">
+        <p14:creationId xmlns:p14="http://schemas.microsoft.com/office/powerpoint/2010/main" val="3954518253"/>
+      </p:ext>
+    </p:extLst>
   </p:cSld>
   <p:clrMap bg1="lt1" tx1="dk1" bg2="lt2" tx2="dk2" accent1="accent1" accent2="accent2" accent3="accent3" accent4="accent4" accent5="accent5" accent6="accent6" hlink="hlink" folHlink="folHlink"/>
 </p:handoutMaster>
@@ -446,6 +494,7 @@
           <a:p>
             <a:fld id="{54F5B07A-87A9-CF40-86D9-D2F6BB28DC45}" type="datetimeFigureOut">
               <a:rPr lang="en-US" smtClean="0"/>
+              <a:t>2/5/22</a:t>
             </a:fld>
             <a:endParaRPr lang="en-US"/>
           </a:p>
@@ -512,7 +561,6 @@
               <a:rPr lang="en-US"/>
               <a:t>Edit Master text styles</a:t>
             </a:r>
-            <a:endParaRPr lang="en-US"/>
           </a:p>
           <a:p>
             <a:pPr lvl="1"/>
@@ -520,7 +568,6 @@
               <a:rPr lang="en-US"/>
               <a:t>Second level</a:t>
             </a:r>
-            <a:endParaRPr lang="en-US"/>
           </a:p>
           <a:p>
             <a:pPr lvl="2"/>
@@ -528,7 +575,6 @@
               <a:rPr lang="en-US"/>
               <a:t>Third level</a:t>
             </a:r>
-            <a:endParaRPr lang="en-US"/>
           </a:p>
           <a:p>
             <a:pPr lvl="3"/>
@@ -536,7 +582,6 @@
               <a:rPr lang="en-US"/>
               <a:t>Fourth level</a:t>
             </a:r>
-            <a:endParaRPr lang="en-US"/>
           </a:p>
           <a:p>
             <a:pPr lvl="4"/>
@@ -544,7 +589,6 @@
               <a:rPr lang="en-US"/>
               <a:t>Fifth level</a:t>
             </a:r>
-            <a:endParaRPr lang="en-US"/>
           </a:p>
         </p:txBody>
       </p:sp>
@@ -608,12 +652,18 @@
           <a:p>
             <a:fld id="{BCA0A316-D1E1-9745-B24E-D11400EED8A1}" type="slidenum">
               <a:rPr lang="en-US" smtClean="0"/>
+              <a:t>‹#›</a:t>
             </a:fld>
             <a:endParaRPr lang="en-US"/>
           </a:p>
         </p:txBody>
       </p:sp>
     </p:spTree>
+    <p:extLst>
+      <p:ext uri="{BB962C8B-B14F-4D97-AF65-F5344CB8AC3E}">
+        <p14:creationId xmlns:p14="http://schemas.microsoft.com/office/powerpoint/2010/main" val="654163294"/>
+      </p:ext>
+    </p:extLst>
   </p:cSld>
   <p:clrMap bg1="lt1" tx1="dk1" bg2="lt2" tx2="dk2" accent1="accent1" accent2="accent2" accent3="accent3" accent4="accent4" accent5="accent5" accent6="accent6" hlink="hlink" folHlink="folHlink"/>
   <p:notesStyle>
@@ -730,7 +780,13 @@
       </p:grpSpPr>
       <p:sp>
         <p:nvSpPr>
-          <p:cNvPr id="6" name="Rectangle 5"/>
+          <p:cNvPr id="6" name="Rectangle 5">
+            <a:extLst>
+              <a:ext uri="{FF2B5EF4-FFF2-40B4-BE49-F238E27FC236}">
+                <a16:creationId xmlns:a16="http://schemas.microsoft.com/office/drawing/2014/main" id="{82AB734E-09E2-4C5B-B359-F44C155BFDAF}"/>
+              </a:ext>
+            </a:extLst>
+          </p:cNvPr>
           <p:cNvSpPr/>
           <p:nvPr userDrawn="1"/>
         </p:nvSpPr>
@@ -851,7 +907,7 @@
                   <a:schemeClr val="bg1"/>
                 </a:solidFill>
                 <a:latin typeface="+mj-lt"/>
-                <a:cs typeface="Arial" panose="020B0604020202090204" pitchFamily="34" charset="0"/>
+                <a:cs typeface="Arial" panose="020B0604020202020204" pitchFamily="34" charset="0"/>
               </a:defRPr>
             </a:lvl1pPr>
           </a:lstStyle>
@@ -860,7 +916,6 @@
               <a:rPr lang="en-US" dirty="0"/>
               <a:t>Click to edit Master title style</a:t>
             </a:r>
-            <a:endParaRPr lang="en-US" dirty="0"/>
           </a:p>
         </p:txBody>
       </p:sp>
@@ -918,7 +973,6 @@
               <a:rPr lang="en-US" dirty="0"/>
               <a:t>Click to edit Master text styles</a:t>
             </a:r>
-            <a:endParaRPr lang="en-US" dirty="0"/>
           </a:p>
           <a:p>
             <a:pPr lvl="1"/>
@@ -926,7 +980,6 @@
               <a:rPr lang="en-US" dirty="0"/>
               <a:t>Second level</a:t>
             </a:r>
-            <a:endParaRPr lang="en-US" dirty="0"/>
           </a:p>
           <a:p>
             <a:pPr lvl="2"/>
@@ -934,20 +987,31 @@
               <a:rPr lang="en-US" dirty="0"/>
               <a:t>Third level</a:t>
             </a:r>
-            <a:endParaRPr lang="en-US" dirty="0"/>
           </a:p>
         </p:txBody>
       </p:sp>
       <p:pic>
         <p:nvPicPr>
-          <p:cNvPr id="15" name="Picture 14" descr="A close up of a logo&#10;&#10;Description automatically generated"/>
+          <p:cNvPr id="15" name="Picture 14" descr="A close up of a logo&#10;&#10;Description automatically generated">
+            <a:extLst>
+              <a:ext uri="{FF2B5EF4-FFF2-40B4-BE49-F238E27FC236}">
+                <a16:creationId xmlns:a16="http://schemas.microsoft.com/office/drawing/2014/main" id="{FA42B4BB-E4AF-4E77-8720-34E6A0B4EC17}"/>
+              </a:ext>
+            </a:extLst>
+          </p:cNvPr>
           <p:cNvPicPr>
             <a:picLocks noChangeAspect="1"/>
           </p:cNvPicPr>
           <p:nvPr userDrawn="1"/>
         </p:nvPicPr>
         <p:blipFill>
-          <a:blip r:embed="rId2" cstate="email"/>
+          <a:blip r:embed="rId2" cstate="email">
+            <a:extLst>
+              <a:ext uri="{28A0092B-C50C-407E-A947-70E740481C1C}">
+                <a14:useLocalDpi xmlns:a14="http://schemas.microsoft.com/office/drawing/2010/main"/>
+              </a:ext>
+            </a:extLst>
+          </a:blip>
           <a:stretch>
             <a:fillRect/>
           </a:stretch>
@@ -963,6 +1027,11 @@
         </p:spPr>
       </p:pic>
     </p:spTree>
+    <p:extLst>
+      <p:ext uri="{BB962C8B-B14F-4D97-AF65-F5344CB8AC3E}">
+        <p14:creationId xmlns:p14="http://schemas.microsoft.com/office/powerpoint/2010/main" val="320322861"/>
+      </p:ext>
+    </p:extLst>
   </p:cSld>
   <p:clrMapOvr>
     <a:masterClrMapping/>
@@ -989,14 +1058,26 @@
       </p:grpSpPr>
       <p:pic>
         <p:nvPicPr>
-          <p:cNvPr id="11" name="Picture 10" descr="A close up of a logo&#10;&#10;Description automatically generated"/>
+          <p:cNvPr id="11" name="Picture 10" descr="A close up of a logo&#10;&#10;Description automatically generated">
+            <a:extLst>
+              <a:ext uri="{FF2B5EF4-FFF2-40B4-BE49-F238E27FC236}">
+                <a16:creationId xmlns:a16="http://schemas.microsoft.com/office/drawing/2014/main" id="{01474F3C-BF30-4838-BE7E-29B6762A0306}"/>
+              </a:ext>
+            </a:extLst>
+          </p:cNvPr>
           <p:cNvPicPr>
             <a:picLocks noChangeAspect="1"/>
           </p:cNvPicPr>
           <p:nvPr userDrawn="1"/>
         </p:nvPicPr>
         <p:blipFill>
-          <a:blip r:embed="rId2" cstate="email"/>
+          <a:blip r:embed="rId2" cstate="email">
+            <a:extLst>
+              <a:ext uri="{28A0092B-C50C-407E-A947-70E740481C1C}">
+                <a14:useLocalDpi xmlns:a14="http://schemas.microsoft.com/office/drawing/2010/main"/>
+              </a:ext>
+            </a:extLst>
+          </a:blip>
           <a:stretch>
             <a:fillRect/>
           </a:stretch>
@@ -1013,18 +1094,28 @@
       </p:pic>
       <p:pic>
         <p:nvPicPr>
-          <p:cNvPr id="10" name="Picture 9" descr="A picture containing building, outdoor&#10;&#10;Description automatically generated"/>
+          <p:cNvPr id="10" name="Picture 9" descr="A picture containing building, outdoor&#10;&#10;Description automatically generated">
+            <a:extLst>
+              <a:ext uri="{FF2B5EF4-FFF2-40B4-BE49-F238E27FC236}">
+                <a16:creationId xmlns:a16="http://schemas.microsoft.com/office/drawing/2014/main" id="{39EDEF0E-237F-6F49-A871-2C910D1EFA16}"/>
+              </a:ext>
+            </a:extLst>
+          </p:cNvPr>
           <p:cNvPicPr>
             <a:picLocks noChangeAspect="1"/>
           </p:cNvPicPr>
           <p:nvPr userDrawn="1"/>
         </p:nvPicPr>
         <p:blipFill rotWithShape="1">
-          <a:blip r:embed="rId3" cstate="email"/>
+          <a:blip r:embed="rId3" cstate="email">
+            <a:extLst>
+              <a:ext uri="{28A0092B-C50C-407E-A947-70E740481C1C}">
+                <a14:useLocalDpi xmlns:a14="http://schemas.microsoft.com/office/drawing/2010/main"/>
+              </a:ext>
+            </a:extLst>
+          </a:blip>
           <a:srcRect/>
-          <a:stretch>
-            <a:fillRect/>
-          </a:stretch>
+          <a:stretch/>
         </p:blipFill>
         <p:spPr>
           <a:xfrm>
@@ -1038,7 +1129,13 @@
       </p:pic>
       <p:sp>
         <p:nvSpPr>
-          <p:cNvPr id="6" name="Title 8"/>
+          <p:cNvPr id="6" name="Title 8">
+            <a:extLst>
+              <a:ext uri="{FF2B5EF4-FFF2-40B4-BE49-F238E27FC236}">
+                <a16:creationId xmlns:a16="http://schemas.microsoft.com/office/drawing/2014/main" id="{F50896C5-9111-8242-BCE0-7CC0BD50EAD4}"/>
+              </a:ext>
+            </a:extLst>
+          </p:cNvPr>
           <p:cNvSpPr>
             <a:spLocks noGrp="1"/>
           </p:cNvSpPr>
@@ -1064,7 +1161,7 @@
                   <a:srgbClr val="E64626"/>
                 </a:solidFill>
                 <a:latin typeface="+mj-lt"/>
-                <a:cs typeface="Arial" panose="020B0604020202090204" pitchFamily="34" charset="0"/>
+                <a:cs typeface="Arial" panose="020B0604020202020204" pitchFamily="34" charset="0"/>
               </a:defRPr>
             </a:lvl1pPr>
           </a:lstStyle>
@@ -1073,13 +1170,18 @@
               <a:rPr lang="en-US" dirty="0"/>
               <a:t>Click to edit Master title style</a:t>
             </a:r>
-            <a:endParaRPr lang="en-US" dirty="0"/>
           </a:p>
         </p:txBody>
       </p:sp>
       <p:sp>
         <p:nvSpPr>
-          <p:cNvPr id="9" name="Text Placeholder 4"/>
+          <p:cNvPr id="9" name="Text Placeholder 4">
+            <a:extLst>
+              <a:ext uri="{FF2B5EF4-FFF2-40B4-BE49-F238E27FC236}">
+                <a16:creationId xmlns:a16="http://schemas.microsoft.com/office/drawing/2014/main" id="{51F6DD38-B279-FA48-AB2C-5722EABCCA23}"/>
+              </a:ext>
+            </a:extLst>
+          </p:cNvPr>
           <p:cNvSpPr>
             <a:spLocks noGrp="1"/>
           </p:cNvSpPr>
@@ -1131,7 +1233,6 @@
               <a:rPr lang="en-US" dirty="0"/>
               <a:t>Click to edit Master text styles</a:t>
             </a:r>
-            <a:endParaRPr lang="en-US" dirty="0"/>
           </a:p>
           <a:p>
             <a:pPr lvl="1"/>
@@ -1139,7 +1240,6 @@
               <a:rPr lang="en-US" dirty="0"/>
               <a:t>Second level</a:t>
             </a:r>
-            <a:endParaRPr lang="en-US" dirty="0"/>
           </a:p>
           <a:p>
             <a:pPr lvl="2"/>
@@ -1147,11 +1247,15 @@
               <a:rPr lang="en-US" dirty="0"/>
               <a:t>Third level</a:t>
             </a:r>
-            <a:endParaRPr lang="en-US" dirty="0"/>
           </a:p>
         </p:txBody>
       </p:sp>
     </p:spTree>
+    <p:extLst>
+      <p:ext uri="{BB962C8B-B14F-4D97-AF65-F5344CB8AC3E}">
+        <p14:creationId xmlns:p14="http://schemas.microsoft.com/office/powerpoint/2010/main" val="3128823234"/>
+      </p:ext>
+    </p:extLst>
   </p:cSld>
   <p:clrMapOvr>
     <a:masterClrMapping/>
@@ -1178,14 +1282,26 @@
       </p:grpSpPr>
       <p:pic>
         <p:nvPicPr>
-          <p:cNvPr id="11" name="Picture 10" descr="A close up of a logo&#10;&#10;Description automatically generated"/>
+          <p:cNvPr id="11" name="Picture 10" descr="A close up of a logo&#10;&#10;Description automatically generated">
+            <a:extLst>
+              <a:ext uri="{FF2B5EF4-FFF2-40B4-BE49-F238E27FC236}">
+                <a16:creationId xmlns:a16="http://schemas.microsoft.com/office/drawing/2014/main" id="{01474F3C-BF30-4838-BE7E-29B6762A0306}"/>
+              </a:ext>
+            </a:extLst>
+          </p:cNvPr>
           <p:cNvPicPr>
             <a:picLocks noChangeAspect="1"/>
           </p:cNvPicPr>
           <p:nvPr userDrawn="1"/>
         </p:nvPicPr>
         <p:blipFill>
-          <a:blip r:embed="rId2" cstate="email"/>
+          <a:blip r:embed="rId2" cstate="email">
+            <a:extLst>
+              <a:ext uri="{28A0092B-C50C-407E-A947-70E740481C1C}">
+                <a14:useLocalDpi xmlns:a14="http://schemas.microsoft.com/office/drawing/2010/main"/>
+              </a:ext>
+            </a:extLst>
+          </a:blip>
           <a:stretch>
             <a:fillRect/>
           </a:stretch>
@@ -1202,18 +1318,28 @@
       </p:pic>
       <p:pic>
         <p:nvPicPr>
-          <p:cNvPr id="10" name="Picture 9" descr="A picture containing building, outdoor&#10;&#10;Description automatically generated"/>
+          <p:cNvPr id="10" name="Picture 9" descr="A picture containing building, outdoor&#10;&#10;Description automatically generated">
+            <a:extLst>
+              <a:ext uri="{FF2B5EF4-FFF2-40B4-BE49-F238E27FC236}">
+                <a16:creationId xmlns:a16="http://schemas.microsoft.com/office/drawing/2014/main" id="{39EDEF0E-237F-6F49-A871-2C910D1EFA16}"/>
+              </a:ext>
+            </a:extLst>
+          </p:cNvPr>
           <p:cNvPicPr>
             <a:picLocks noChangeAspect="1"/>
           </p:cNvPicPr>
           <p:nvPr userDrawn="1"/>
         </p:nvPicPr>
         <p:blipFill rotWithShape="1">
-          <a:blip r:embed="rId3" cstate="email"/>
+          <a:blip r:embed="rId3" cstate="email">
+            <a:extLst>
+              <a:ext uri="{28A0092B-C50C-407E-A947-70E740481C1C}">
+                <a14:useLocalDpi xmlns:a14="http://schemas.microsoft.com/office/drawing/2010/main"/>
+              </a:ext>
+            </a:extLst>
+          </a:blip>
           <a:srcRect/>
-          <a:stretch>
-            <a:fillRect/>
-          </a:stretch>
+          <a:stretch/>
         </p:blipFill>
         <p:spPr>
           <a:xfrm>
@@ -1227,18 +1353,28 @@
       </p:pic>
       <p:pic>
         <p:nvPicPr>
-          <p:cNvPr id="12" name="Picture 11" descr="A picture containing wooden, indoor, building, floor&#10;&#10;Description automatically generated"/>
+          <p:cNvPr id="12" name="Picture 11" descr="A picture containing wooden, indoor, building, floor&#10;&#10;Description automatically generated">
+            <a:extLst>
+              <a:ext uri="{FF2B5EF4-FFF2-40B4-BE49-F238E27FC236}">
+                <a16:creationId xmlns:a16="http://schemas.microsoft.com/office/drawing/2014/main" id="{A5010B32-7C91-414A-9463-50EDA9DDD9CA}"/>
+              </a:ext>
+            </a:extLst>
+          </p:cNvPr>
           <p:cNvPicPr>
             <a:picLocks noChangeAspect="1"/>
           </p:cNvPicPr>
           <p:nvPr userDrawn="1"/>
         </p:nvPicPr>
         <p:blipFill rotWithShape="1">
-          <a:blip r:embed="rId4" cstate="email"/>
+          <a:blip r:embed="rId4" cstate="email">
+            <a:extLst>
+              <a:ext uri="{28A0092B-C50C-407E-A947-70E740481C1C}">
+                <a14:useLocalDpi xmlns:a14="http://schemas.microsoft.com/office/drawing/2010/main"/>
+              </a:ext>
+            </a:extLst>
+          </a:blip>
           <a:srcRect/>
-          <a:stretch>
-            <a:fillRect/>
-          </a:stretch>
+          <a:stretch/>
         </p:blipFill>
         <p:spPr>
           <a:xfrm>
@@ -1252,7 +1388,13 @@
       </p:pic>
       <p:sp>
         <p:nvSpPr>
-          <p:cNvPr id="9" name="Title 8"/>
+          <p:cNvPr id="9" name="Title 8">
+            <a:extLst>
+              <a:ext uri="{FF2B5EF4-FFF2-40B4-BE49-F238E27FC236}">
+                <a16:creationId xmlns:a16="http://schemas.microsoft.com/office/drawing/2014/main" id="{B64715E0-8DEA-FB4F-A337-428CA273AD16}"/>
+              </a:ext>
+            </a:extLst>
+          </p:cNvPr>
           <p:cNvSpPr>
             <a:spLocks noGrp="1"/>
           </p:cNvSpPr>
@@ -1278,7 +1420,7 @@
                   <a:srgbClr val="E64626"/>
                 </a:solidFill>
                 <a:latin typeface="+mj-lt"/>
-                <a:cs typeface="Arial" panose="020B0604020202090204" pitchFamily="34" charset="0"/>
+                <a:cs typeface="Arial" panose="020B0604020202020204" pitchFamily="34" charset="0"/>
               </a:defRPr>
             </a:lvl1pPr>
           </a:lstStyle>
@@ -1287,13 +1429,18 @@
               <a:rPr lang="en-US" dirty="0"/>
               <a:t>Click to edit Master title style</a:t>
             </a:r>
-            <a:endParaRPr lang="en-US" dirty="0"/>
           </a:p>
         </p:txBody>
       </p:sp>
       <p:sp>
         <p:nvSpPr>
-          <p:cNvPr id="13" name="Text Placeholder 4"/>
+          <p:cNvPr id="13" name="Text Placeholder 4">
+            <a:extLst>
+              <a:ext uri="{FF2B5EF4-FFF2-40B4-BE49-F238E27FC236}">
+                <a16:creationId xmlns:a16="http://schemas.microsoft.com/office/drawing/2014/main" id="{7DAFEEDC-1B2B-8A47-BF9E-A02A65A59508}"/>
+              </a:ext>
+            </a:extLst>
+          </p:cNvPr>
           <p:cNvSpPr>
             <a:spLocks noGrp="1"/>
           </p:cNvSpPr>
@@ -1345,7 +1492,6 @@
               <a:rPr lang="en-US" dirty="0"/>
               <a:t>Click to edit Master text styles</a:t>
             </a:r>
-            <a:endParaRPr lang="en-US" dirty="0"/>
           </a:p>
           <a:p>
             <a:pPr lvl="1"/>
@@ -1353,7 +1499,6 @@
               <a:rPr lang="en-US" dirty="0"/>
               <a:t>Second level</a:t>
             </a:r>
-            <a:endParaRPr lang="en-US" dirty="0"/>
           </a:p>
           <a:p>
             <a:pPr lvl="2"/>
@@ -1361,11 +1506,15 @@
               <a:rPr lang="en-US" dirty="0"/>
               <a:t>Third level</a:t>
             </a:r>
-            <a:endParaRPr lang="en-US" dirty="0"/>
           </a:p>
         </p:txBody>
       </p:sp>
     </p:spTree>
+    <p:extLst>
+      <p:ext uri="{BB962C8B-B14F-4D97-AF65-F5344CB8AC3E}">
+        <p14:creationId xmlns:p14="http://schemas.microsoft.com/office/powerpoint/2010/main" val="3124597514"/>
+      </p:ext>
+    </p:extLst>
   </p:cSld>
   <p:clrMapOvr>
     <a:masterClrMapping/>
@@ -1392,14 +1541,26 @@
       </p:grpSpPr>
       <p:pic>
         <p:nvPicPr>
-          <p:cNvPr id="10" name="Picture 9" descr="A close up of a logo&#10;&#10;Description automatically generated"/>
+          <p:cNvPr id="10" name="Picture 9" descr="A close up of a logo&#10;&#10;Description automatically generated">
+            <a:extLst>
+              <a:ext uri="{FF2B5EF4-FFF2-40B4-BE49-F238E27FC236}">
+                <a16:creationId xmlns:a16="http://schemas.microsoft.com/office/drawing/2014/main" id="{B27217AD-F199-408C-87CD-6B9EAF72773E}"/>
+              </a:ext>
+            </a:extLst>
+          </p:cNvPr>
           <p:cNvPicPr>
             <a:picLocks noChangeAspect="1"/>
           </p:cNvPicPr>
           <p:nvPr userDrawn="1"/>
         </p:nvPicPr>
         <p:blipFill>
-          <a:blip r:embed="rId2" cstate="email"/>
+          <a:blip r:embed="rId2" cstate="email">
+            <a:extLst>
+              <a:ext uri="{28A0092B-C50C-407E-A947-70E740481C1C}">
+                <a14:useLocalDpi xmlns:a14="http://schemas.microsoft.com/office/drawing/2010/main"/>
+              </a:ext>
+            </a:extLst>
+          </a:blip>
           <a:stretch>
             <a:fillRect/>
           </a:stretch>
@@ -1416,18 +1577,28 @@
       </p:pic>
       <p:pic>
         <p:nvPicPr>
-          <p:cNvPr id="12" name="Picture 11" descr="A close up of a device&#10;&#10;Description automatically generated"/>
+          <p:cNvPr id="12" name="Picture 11" descr="A close up of a device&#10;&#10;Description automatically generated">
+            <a:extLst>
+              <a:ext uri="{FF2B5EF4-FFF2-40B4-BE49-F238E27FC236}">
+                <a16:creationId xmlns:a16="http://schemas.microsoft.com/office/drawing/2014/main" id="{B96438B9-5925-5042-9335-CD7B46F25CF3}"/>
+              </a:ext>
+            </a:extLst>
+          </p:cNvPr>
           <p:cNvPicPr>
             <a:picLocks noChangeAspect="1"/>
           </p:cNvPicPr>
           <p:nvPr userDrawn="1"/>
         </p:nvPicPr>
         <p:blipFill rotWithShape="1">
-          <a:blip r:embed="rId3" cstate="email"/>
+          <a:blip r:embed="rId3" cstate="email">
+            <a:extLst>
+              <a:ext uri="{28A0092B-C50C-407E-A947-70E740481C1C}">
+                <a14:useLocalDpi xmlns:a14="http://schemas.microsoft.com/office/drawing/2010/main"/>
+              </a:ext>
+            </a:extLst>
+          </a:blip>
           <a:srcRect/>
-          <a:stretch>
-            <a:fillRect/>
-          </a:stretch>
+          <a:stretch/>
         </p:blipFill>
         <p:spPr>
           <a:xfrm>
@@ -1441,7 +1612,13 @@
       </p:pic>
       <p:sp>
         <p:nvSpPr>
-          <p:cNvPr id="6" name="Title 8"/>
+          <p:cNvPr id="6" name="Title 8">
+            <a:extLst>
+              <a:ext uri="{FF2B5EF4-FFF2-40B4-BE49-F238E27FC236}">
+                <a16:creationId xmlns:a16="http://schemas.microsoft.com/office/drawing/2014/main" id="{645BC672-5E5B-4548-A603-8A42D88BE5AC}"/>
+              </a:ext>
+            </a:extLst>
+          </p:cNvPr>
           <p:cNvSpPr>
             <a:spLocks noGrp="1"/>
           </p:cNvSpPr>
@@ -1467,7 +1644,7 @@
                   <a:srgbClr val="E64626"/>
                 </a:solidFill>
                 <a:latin typeface="+mj-lt"/>
-                <a:cs typeface="Arial" panose="020B0604020202090204" pitchFamily="34" charset="0"/>
+                <a:cs typeface="Arial" panose="020B0604020202020204" pitchFamily="34" charset="0"/>
               </a:defRPr>
             </a:lvl1pPr>
           </a:lstStyle>
@@ -1476,13 +1653,18 @@
               <a:rPr lang="en-US" dirty="0"/>
               <a:t>Click to edit Master title style</a:t>
             </a:r>
-            <a:endParaRPr lang="en-US" dirty="0"/>
           </a:p>
         </p:txBody>
       </p:sp>
       <p:sp>
         <p:nvSpPr>
-          <p:cNvPr id="9" name="Text Placeholder 4"/>
+          <p:cNvPr id="9" name="Text Placeholder 4">
+            <a:extLst>
+              <a:ext uri="{FF2B5EF4-FFF2-40B4-BE49-F238E27FC236}">
+                <a16:creationId xmlns:a16="http://schemas.microsoft.com/office/drawing/2014/main" id="{A80F6BFC-829B-8342-9BB6-B0F938D83711}"/>
+              </a:ext>
+            </a:extLst>
+          </p:cNvPr>
           <p:cNvSpPr>
             <a:spLocks noGrp="1"/>
           </p:cNvSpPr>
@@ -1534,7 +1716,6 @@
               <a:rPr lang="en-US" dirty="0"/>
               <a:t>Click to edit Master text styles</a:t>
             </a:r>
-            <a:endParaRPr lang="en-US" dirty="0"/>
           </a:p>
           <a:p>
             <a:pPr lvl="1"/>
@@ -1542,7 +1723,6 @@
               <a:rPr lang="en-US" dirty="0"/>
               <a:t>Second level</a:t>
             </a:r>
-            <a:endParaRPr lang="en-US" dirty="0"/>
           </a:p>
           <a:p>
             <a:pPr lvl="2"/>
@@ -1550,11 +1730,15 @@
               <a:rPr lang="en-US" dirty="0"/>
               <a:t>Third level</a:t>
             </a:r>
-            <a:endParaRPr lang="en-US" dirty="0"/>
           </a:p>
         </p:txBody>
       </p:sp>
     </p:spTree>
+    <p:extLst>
+      <p:ext uri="{BB962C8B-B14F-4D97-AF65-F5344CB8AC3E}">
+        <p14:creationId xmlns:p14="http://schemas.microsoft.com/office/powerpoint/2010/main" val="1006123175"/>
+      </p:ext>
+    </p:extLst>
   </p:cSld>
   <p:clrMapOvr>
     <a:masterClrMapping/>
@@ -1581,14 +1765,26 @@
       </p:grpSpPr>
       <p:pic>
         <p:nvPicPr>
-          <p:cNvPr id="6" name="Picture 5" descr="A close up of a logo&#10;&#10;Description automatically generated"/>
+          <p:cNvPr id="6" name="Picture 5" descr="A close up of a logo&#10;&#10;Description automatically generated">
+            <a:extLst>
+              <a:ext uri="{FF2B5EF4-FFF2-40B4-BE49-F238E27FC236}">
+                <a16:creationId xmlns:a16="http://schemas.microsoft.com/office/drawing/2014/main" id="{8EA2DDC0-E24B-44C0-A773-C0BEC90B3BA9}"/>
+              </a:ext>
+            </a:extLst>
+          </p:cNvPr>
           <p:cNvPicPr>
             <a:picLocks noChangeAspect="1"/>
           </p:cNvPicPr>
           <p:nvPr userDrawn="1"/>
         </p:nvPicPr>
         <p:blipFill>
-          <a:blip r:embed="rId2" cstate="email"/>
+          <a:blip r:embed="rId2" cstate="email">
+            <a:extLst>
+              <a:ext uri="{28A0092B-C50C-407E-A947-70E740481C1C}">
+                <a14:useLocalDpi xmlns:a14="http://schemas.microsoft.com/office/drawing/2010/main"/>
+              </a:ext>
+            </a:extLst>
+          </a:blip>
           <a:stretch>
             <a:fillRect/>
           </a:stretch>
@@ -1605,18 +1801,28 @@
       </p:pic>
       <p:pic>
         <p:nvPicPr>
-          <p:cNvPr id="5" name="Picture 4" descr="A large brick building with many windows&#10;&#10;Description automatically generated"/>
+          <p:cNvPr id="5" name="Picture 4" descr="A large brick building with many windows&#10;&#10;Description automatically generated">
+            <a:extLst>
+              <a:ext uri="{FF2B5EF4-FFF2-40B4-BE49-F238E27FC236}">
+                <a16:creationId xmlns:a16="http://schemas.microsoft.com/office/drawing/2014/main" id="{D9DB67EB-CF0D-4447-8C77-9CD316FB6FBD}"/>
+              </a:ext>
+            </a:extLst>
+          </p:cNvPr>
           <p:cNvPicPr>
             <a:picLocks noChangeAspect="1"/>
           </p:cNvPicPr>
           <p:nvPr userDrawn="1"/>
         </p:nvPicPr>
         <p:blipFill rotWithShape="1">
-          <a:blip r:embed="rId3" cstate="email"/>
+          <a:blip r:embed="rId3" cstate="email">
+            <a:extLst>
+              <a:ext uri="{28A0092B-C50C-407E-A947-70E740481C1C}">
+                <a14:useLocalDpi xmlns:a14="http://schemas.microsoft.com/office/drawing/2010/main"/>
+              </a:ext>
+            </a:extLst>
+          </a:blip>
           <a:srcRect l="-91" t="-1"/>
-          <a:stretch>
-            <a:fillRect/>
-          </a:stretch>
+          <a:stretch/>
         </p:blipFill>
         <p:spPr>
           <a:xfrm>
@@ -1630,7 +1836,13 @@
       </p:pic>
       <p:sp>
         <p:nvSpPr>
-          <p:cNvPr id="7" name="Title 8"/>
+          <p:cNvPr id="7" name="Title 8">
+            <a:extLst>
+              <a:ext uri="{FF2B5EF4-FFF2-40B4-BE49-F238E27FC236}">
+                <a16:creationId xmlns:a16="http://schemas.microsoft.com/office/drawing/2014/main" id="{B7887FE3-B843-AB43-8133-90352A56239B}"/>
+              </a:ext>
+            </a:extLst>
+          </p:cNvPr>
           <p:cNvSpPr>
             <a:spLocks noGrp="1"/>
           </p:cNvSpPr>
@@ -1656,7 +1868,7 @@
                   <a:srgbClr val="E64626"/>
                 </a:solidFill>
                 <a:latin typeface="+mj-lt"/>
-                <a:cs typeface="Arial" panose="020B0604020202090204" pitchFamily="34" charset="0"/>
+                <a:cs typeface="Arial" panose="020B0604020202020204" pitchFamily="34" charset="0"/>
               </a:defRPr>
             </a:lvl1pPr>
           </a:lstStyle>
@@ -1665,13 +1877,18 @@
               <a:rPr lang="en-US" dirty="0"/>
               <a:t>Click to edit Master title style</a:t>
             </a:r>
-            <a:endParaRPr lang="en-US" dirty="0"/>
           </a:p>
         </p:txBody>
       </p:sp>
       <p:sp>
         <p:nvSpPr>
-          <p:cNvPr id="8" name="Text Placeholder 4"/>
+          <p:cNvPr id="8" name="Text Placeholder 4">
+            <a:extLst>
+              <a:ext uri="{FF2B5EF4-FFF2-40B4-BE49-F238E27FC236}">
+                <a16:creationId xmlns:a16="http://schemas.microsoft.com/office/drawing/2014/main" id="{E30898AC-7514-D64D-AAAC-3D568569ED99}"/>
+              </a:ext>
+            </a:extLst>
+          </p:cNvPr>
           <p:cNvSpPr>
             <a:spLocks noGrp="1"/>
           </p:cNvSpPr>
@@ -1723,7 +1940,6 @@
               <a:rPr lang="en-US" dirty="0"/>
               <a:t>Click to edit Master text styles</a:t>
             </a:r>
-            <a:endParaRPr lang="en-US" dirty="0"/>
           </a:p>
           <a:p>
             <a:pPr lvl="1"/>
@@ -1731,7 +1947,6 @@
               <a:rPr lang="en-US" dirty="0"/>
               <a:t>Second level</a:t>
             </a:r>
-            <a:endParaRPr lang="en-US" dirty="0"/>
           </a:p>
           <a:p>
             <a:pPr lvl="2"/>
@@ -1739,11 +1954,15 @@
               <a:rPr lang="en-US" dirty="0"/>
               <a:t>Third level</a:t>
             </a:r>
-            <a:endParaRPr lang="en-US" dirty="0"/>
           </a:p>
         </p:txBody>
       </p:sp>
     </p:spTree>
+    <p:extLst>
+      <p:ext uri="{BB962C8B-B14F-4D97-AF65-F5344CB8AC3E}">
+        <p14:creationId xmlns:p14="http://schemas.microsoft.com/office/powerpoint/2010/main" val="3809351033"/>
+      </p:ext>
+    </p:extLst>
   </p:cSld>
   <p:clrMapOvr>
     <a:masterClrMapping/>
@@ -1823,14 +2042,26 @@
       </p:sp>
       <p:pic>
         <p:nvPicPr>
-          <p:cNvPr id="8" name="Picture 7" descr="A close up of a logo&#10;&#10;Description automatically generated"/>
+          <p:cNvPr id="8" name="Picture 7" descr="A close up of a logo&#10;&#10;Description automatically generated">
+            <a:extLst>
+              <a:ext uri="{FF2B5EF4-FFF2-40B4-BE49-F238E27FC236}">
+                <a16:creationId xmlns:a16="http://schemas.microsoft.com/office/drawing/2014/main" id="{401895F3-6600-4703-81D0-F9299C9F68D8}"/>
+              </a:ext>
+            </a:extLst>
+          </p:cNvPr>
           <p:cNvPicPr>
             <a:picLocks noChangeAspect="1"/>
           </p:cNvPicPr>
           <p:nvPr userDrawn="1"/>
         </p:nvPicPr>
         <p:blipFill>
-          <a:blip r:embed="rId2" cstate="email"/>
+          <a:blip r:embed="rId2" cstate="email">
+            <a:extLst>
+              <a:ext uri="{28A0092B-C50C-407E-A947-70E740481C1C}">
+                <a14:useLocalDpi xmlns:a14="http://schemas.microsoft.com/office/drawing/2010/main"/>
+              </a:ext>
+            </a:extLst>
+          </a:blip>
           <a:stretch>
             <a:fillRect/>
           </a:stretch>
@@ -1847,18 +2078,28 @@
       </p:pic>
       <p:pic>
         <p:nvPicPr>
-          <p:cNvPr id="9" name="Picture 8" descr="An old stone building&#10;&#10;Description automatically generated"/>
+          <p:cNvPr id="9" name="Picture 8" descr="An old stone building&#10;&#10;Description automatically generated">
+            <a:extLst>
+              <a:ext uri="{FF2B5EF4-FFF2-40B4-BE49-F238E27FC236}">
+                <a16:creationId xmlns:a16="http://schemas.microsoft.com/office/drawing/2014/main" id="{D6DC994B-465B-994A-9B9B-E5E79BD746A0}"/>
+              </a:ext>
+            </a:extLst>
+          </p:cNvPr>
           <p:cNvPicPr>
             <a:picLocks noChangeAspect="1"/>
           </p:cNvPicPr>
           <p:nvPr userDrawn="1"/>
         </p:nvPicPr>
         <p:blipFill rotWithShape="1">
-          <a:blip r:embed="rId3" cstate="email"/>
+          <a:blip r:embed="rId3" cstate="email">
+            <a:extLst>
+              <a:ext uri="{28A0092B-C50C-407E-A947-70E740481C1C}">
+                <a14:useLocalDpi xmlns:a14="http://schemas.microsoft.com/office/drawing/2010/main"/>
+              </a:ext>
+            </a:extLst>
+          </a:blip>
           <a:srcRect t="-4194" r="-2755" b="-1"/>
-          <a:stretch>
-            <a:fillRect/>
-          </a:stretch>
+          <a:stretch/>
         </p:blipFill>
         <p:spPr>
           <a:xfrm rot="16200000">
@@ -1872,7 +2113,13 @@
       </p:pic>
       <p:sp>
         <p:nvSpPr>
-          <p:cNvPr id="7" name="Title 8"/>
+          <p:cNvPr id="7" name="Title 8">
+            <a:extLst>
+              <a:ext uri="{FF2B5EF4-FFF2-40B4-BE49-F238E27FC236}">
+                <a16:creationId xmlns:a16="http://schemas.microsoft.com/office/drawing/2014/main" id="{EEEBB5D8-B3F6-8746-82B9-1A1950962D1B}"/>
+              </a:ext>
+            </a:extLst>
+          </p:cNvPr>
           <p:cNvSpPr>
             <a:spLocks noGrp="1"/>
           </p:cNvSpPr>
@@ -1898,7 +2145,7 @@
                   <a:srgbClr val="E64626"/>
                 </a:solidFill>
                 <a:latin typeface="+mj-lt"/>
-                <a:cs typeface="Arial" panose="020B0604020202090204" pitchFamily="34" charset="0"/>
+                <a:cs typeface="Arial" panose="020B0604020202020204" pitchFamily="34" charset="0"/>
               </a:defRPr>
             </a:lvl1pPr>
           </a:lstStyle>
@@ -1907,13 +2154,18 @@
               <a:rPr lang="en-US" dirty="0"/>
               <a:t>Click to edit Master title style</a:t>
             </a:r>
-            <a:endParaRPr lang="en-US" dirty="0"/>
           </a:p>
         </p:txBody>
       </p:sp>
       <p:sp>
         <p:nvSpPr>
-          <p:cNvPr id="12" name="Text Placeholder 4"/>
+          <p:cNvPr id="12" name="Text Placeholder 4">
+            <a:extLst>
+              <a:ext uri="{FF2B5EF4-FFF2-40B4-BE49-F238E27FC236}">
+                <a16:creationId xmlns:a16="http://schemas.microsoft.com/office/drawing/2014/main" id="{E60780D3-67D5-A543-9998-77BA20446710}"/>
+              </a:ext>
+            </a:extLst>
+          </p:cNvPr>
           <p:cNvSpPr>
             <a:spLocks noGrp="1"/>
           </p:cNvSpPr>
@@ -1965,7 +2217,6 @@
               <a:rPr lang="en-US" dirty="0"/>
               <a:t>Click to edit Master text styles</a:t>
             </a:r>
-            <a:endParaRPr lang="en-US" dirty="0"/>
           </a:p>
           <a:p>
             <a:pPr lvl="1"/>
@@ -1973,7 +2224,6 @@
               <a:rPr lang="en-US" dirty="0"/>
               <a:t>Second level</a:t>
             </a:r>
-            <a:endParaRPr lang="en-US" dirty="0"/>
           </a:p>
           <a:p>
             <a:pPr lvl="2"/>
@@ -1981,11 +2231,15 @@
               <a:rPr lang="en-US" dirty="0"/>
               <a:t>Third level</a:t>
             </a:r>
-            <a:endParaRPr lang="en-US" dirty="0"/>
           </a:p>
         </p:txBody>
       </p:sp>
     </p:spTree>
+    <p:extLst>
+      <p:ext uri="{BB962C8B-B14F-4D97-AF65-F5344CB8AC3E}">
+        <p14:creationId xmlns:p14="http://schemas.microsoft.com/office/powerpoint/2010/main" val="3296431246"/>
+      </p:ext>
+    </p:extLst>
   </p:cSld>
   <p:clrMapOvr>
     <a:masterClrMapping/>
@@ -2065,14 +2319,26 @@
       </p:sp>
       <p:pic>
         <p:nvPicPr>
-          <p:cNvPr id="8" name="Picture 7" descr="A close up of a logo&#10;&#10;Description automatically generated"/>
+          <p:cNvPr id="8" name="Picture 7" descr="A close up of a logo&#10;&#10;Description automatically generated">
+            <a:extLst>
+              <a:ext uri="{FF2B5EF4-FFF2-40B4-BE49-F238E27FC236}">
+                <a16:creationId xmlns:a16="http://schemas.microsoft.com/office/drawing/2014/main" id="{E53D6B9D-DA9F-4DBB-A832-ADED78BEACFB}"/>
+              </a:ext>
+            </a:extLst>
+          </p:cNvPr>
           <p:cNvPicPr>
             <a:picLocks noChangeAspect="1"/>
           </p:cNvPicPr>
           <p:nvPr userDrawn="1"/>
         </p:nvPicPr>
         <p:blipFill>
-          <a:blip r:embed="rId2" cstate="email"/>
+          <a:blip r:embed="rId2" cstate="email">
+            <a:extLst>
+              <a:ext uri="{28A0092B-C50C-407E-A947-70E740481C1C}">
+                <a14:useLocalDpi xmlns:a14="http://schemas.microsoft.com/office/drawing/2010/main"/>
+              </a:ext>
+            </a:extLst>
+          </a:blip>
           <a:stretch>
             <a:fillRect/>
           </a:stretch>
@@ -2089,18 +2355,28 @@
       </p:pic>
       <p:pic>
         <p:nvPicPr>
-          <p:cNvPr id="9" name="Picture 8" descr="A picture containing building, indoor, wall&#10;&#10;Description automatically generated"/>
+          <p:cNvPr id="9" name="Picture 8" descr="A picture containing building, indoor, wall&#10;&#10;Description automatically generated">
+            <a:extLst>
+              <a:ext uri="{FF2B5EF4-FFF2-40B4-BE49-F238E27FC236}">
+                <a16:creationId xmlns:a16="http://schemas.microsoft.com/office/drawing/2014/main" id="{27B1F5B5-4B41-1F49-88EB-D146DE7759A4}"/>
+              </a:ext>
+            </a:extLst>
+          </p:cNvPr>
           <p:cNvPicPr>
             <a:picLocks noChangeAspect="1"/>
           </p:cNvPicPr>
           <p:nvPr userDrawn="1"/>
         </p:nvPicPr>
         <p:blipFill rotWithShape="1">
-          <a:blip r:embed="rId3" cstate="email"/>
+          <a:blip r:embed="rId3" cstate="email">
+            <a:extLst>
+              <a:ext uri="{28A0092B-C50C-407E-A947-70E740481C1C}">
+                <a14:useLocalDpi xmlns:a14="http://schemas.microsoft.com/office/drawing/2010/main"/>
+              </a:ext>
+            </a:extLst>
+          </a:blip>
           <a:srcRect/>
-          <a:stretch>
-            <a:fillRect/>
-          </a:stretch>
+          <a:stretch/>
         </p:blipFill>
         <p:spPr>
           <a:xfrm>
@@ -2114,7 +2390,13 @@
       </p:pic>
       <p:sp>
         <p:nvSpPr>
-          <p:cNvPr id="7" name="Title 8"/>
+          <p:cNvPr id="7" name="Title 8">
+            <a:extLst>
+              <a:ext uri="{FF2B5EF4-FFF2-40B4-BE49-F238E27FC236}">
+                <a16:creationId xmlns:a16="http://schemas.microsoft.com/office/drawing/2014/main" id="{DFD74F92-37B3-394E-B202-29A8A37B31C6}"/>
+              </a:ext>
+            </a:extLst>
+          </p:cNvPr>
           <p:cNvSpPr>
             <a:spLocks noGrp="1"/>
           </p:cNvSpPr>
@@ -2140,7 +2422,7 @@
                   <a:srgbClr val="E64626"/>
                 </a:solidFill>
                 <a:latin typeface="+mj-lt"/>
-                <a:cs typeface="Arial" panose="020B0604020202090204" pitchFamily="34" charset="0"/>
+                <a:cs typeface="Arial" panose="020B0604020202020204" pitchFamily="34" charset="0"/>
               </a:defRPr>
             </a:lvl1pPr>
           </a:lstStyle>
@@ -2149,13 +2431,18 @@
               <a:rPr lang="en-US" dirty="0"/>
               <a:t>Click to edit Master title style</a:t>
             </a:r>
-            <a:endParaRPr lang="en-US" dirty="0"/>
           </a:p>
         </p:txBody>
       </p:sp>
       <p:sp>
         <p:nvSpPr>
-          <p:cNvPr id="12" name="Text Placeholder 4"/>
+          <p:cNvPr id="12" name="Text Placeholder 4">
+            <a:extLst>
+              <a:ext uri="{FF2B5EF4-FFF2-40B4-BE49-F238E27FC236}">
+                <a16:creationId xmlns:a16="http://schemas.microsoft.com/office/drawing/2014/main" id="{03E6C43D-9388-3A4D-8A4D-386BB2AE3AF4}"/>
+              </a:ext>
+            </a:extLst>
+          </p:cNvPr>
           <p:cNvSpPr>
             <a:spLocks noGrp="1"/>
           </p:cNvSpPr>
@@ -2207,7 +2494,6 @@
               <a:rPr lang="en-US" dirty="0"/>
               <a:t>Click to edit Master text styles</a:t>
             </a:r>
-            <a:endParaRPr lang="en-US" dirty="0"/>
           </a:p>
           <a:p>
             <a:pPr lvl="1"/>
@@ -2215,7 +2501,6 @@
               <a:rPr lang="en-US" dirty="0"/>
               <a:t>Second level</a:t>
             </a:r>
-            <a:endParaRPr lang="en-US" dirty="0"/>
           </a:p>
           <a:p>
             <a:pPr lvl="2"/>
@@ -2223,11 +2508,15 @@
               <a:rPr lang="en-US" dirty="0"/>
               <a:t>Third level</a:t>
             </a:r>
-            <a:endParaRPr lang="en-US" dirty="0"/>
           </a:p>
         </p:txBody>
       </p:sp>
     </p:spTree>
+    <p:extLst>
+      <p:ext uri="{BB962C8B-B14F-4D97-AF65-F5344CB8AC3E}">
+        <p14:creationId xmlns:p14="http://schemas.microsoft.com/office/powerpoint/2010/main" val="1111638978"/>
+      </p:ext>
+    </p:extLst>
   </p:cSld>
   <p:clrMapOvr>
     <a:masterClrMapping/>
@@ -2307,14 +2596,26 @@
       </p:sp>
       <p:pic>
         <p:nvPicPr>
-          <p:cNvPr id="8" name="Picture 7" descr="A close up of a logo&#10;&#10;Description automatically generated"/>
+          <p:cNvPr id="8" name="Picture 7" descr="A close up of a logo&#10;&#10;Description automatically generated">
+            <a:extLst>
+              <a:ext uri="{FF2B5EF4-FFF2-40B4-BE49-F238E27FC236}">
+                <a16:creationId xmlns:a16="http://schemas.microsoft.com/office/drawing/2014/main" id="{A9AC8E03-D9CF-4419-A394-1206FE31243F}"/>
+              </a:ext>
+            </a:extLst>
+          </p:cNvPr>
           <p:cNvPicPr>
             <a:picLocks noChangeAspect="1"/>
           </p:cNvPicPr>
           <p:nvPr userDrawn="1"/>
         </p:nvPicPr>
         <p:blipFill>
-          <a:blip r:embed="rId2" cstate="email"/>
+          <a:blip r:embed="rId2" cstate="email">
+            <a:extLst>
+              <a:ext uri="{28A0092B-C50C-407E-A947-70E740481C1C}">
+                <a14:useLocalDpi xmlns:a14="http://schemas.microsoft.com/office/drawing/2010/main"/>
+              </a:ext>
+            </a:extLst>
+          </a:blip>
           <a:stretch>
             <a:fillRect/>
           </a:stretch>
@@ -2331,18 +2632,28 @@
       </p:pic>
       <p:pic>
         <p:nvPicPr>
-          <p:cNvPr id="7" name="Picture 6" descr="A person standing in front of a building&#10;&#10;Description automatically generated"/>
+          <p:cNvPr id="7" name="Picture 6" descr="A person standing in front of a building&#10;&#10;Description automatically generated">
+            <a:extLst>
+              <a:ext uri="{FF2B5EF4-FFF2-40B4-BE49-F238E27FC236}">
+                <a16:creationId xmlns:a16="http://schemas.microsoft.com/office/drawing/2014/main" id="{41A14488-47A9-A945-B125-A2DF5ABC69AA}"/>
+              </a:ext>
+            </a:extLst>
+          </p:cNvPr>
           <p:cNvPicPr>
             <a:picLocks noChangeAspect="1"/>
           </p:cNvPicPr>
           <p:nvPr userDrawn="1"/>
         </p:nvPicPr>
         <p:blipFill rotWithShape="1">
-          <a:blip r:embed="rId3" cstate="email"/>
+          <a:blip r:embed="rId3" cstate="email">
+            <a:extLst>
+              <a:ext uri="{28A0092B-C50C-407E-A947-70E740481C1C}">
+                <a14:useLocalDpi xmlns:a14="http://schemas.microsoft.com/office/drawing/2010/main"/>
+              </a:ext>
+            </a:extLst>
+          </a:blip>
           <a:srcRect/>
-          <a:stretch>
-            <a:fillRect/>
-          </a:stretch>
+          <a:stretch/>
         </p:blipFill>
         <p:spPr>
           <a:xfrm>
@@ -2356,7 +2667,13 @@
       </p:pic>
       <p:sp>
         <p:nvSpPr>
-          <p:cNvPr id="9" name="Title 8"/>
+          <p:cNvPr id="9" name="Title 8">
+            <a:extLst>
+              <a:ext uri="{FF2B5EF4-FFF2-40B4-BE49-F238E27FC236}">
+                <a16:creationId xmlns:a16="http://schemas.microsoft.com/office/drawing/2014/main" id="{F461E885-3D24-3E49-B4F1-F3DFEC9F49E9}"/>
+              </a:ext>
+            </a:extLst>
+          </p:cNvPr>
           <p:cNvSpPr>
             <a:spLocks noGrp="1"/>
           </p:cNvSpPr>
@@ -2382,7 +2699,7 @@
                   <a:srgbClr val="E64626"/>
                 </a:solidFill>
                 <a:latin typeface="+mj-lt"/>
-                <a:cs typeface="Arial" panose="020B0604020202090204" pitchFamily="34" charset="0"/>
+                <a:cs typeface="Arial" panose="020B0604020202020204" pitchFamily="34" charset="0"/>
               </a:defRPr>
             </a:lvl1pPr>
           </a:lstStyle>
@@ -2391,13 +2708,18 @@
               <a:rPr lang="en-US" dirty="0"/>
               <a:t>Click to edit Master title style</a:t>
             </a:r>
-            <a:endParaRPr lang="en-US" dirty="0"/>
           </a:p>
         </p:txBody>
       </p:sp>
       <p:sp>
         <p:nvSpPr>
-          <p:cNvPr id="12" name="Text Placeholder 4"/>
+          <p:cNvPr id="12" name="Text Placeholder 4">
+            <a:extLst>
+              <a:ext uri="{FF2B5EF4-FFF2-40B4-BE49-F238E27FC236}">
+                <a16:creationId xmlns:a16="http://schemas.microsoft.com/office/drawing/2014/main" id="{15566B4F-A041-714E-8C6B-B064CCCCFDF7}"/>
+              </a:ext>
+            </a:extLst>
+          </p:cNvPr>
           <p:cNvSpPr>
             <a:spLocks noGrp="1"/>
           </p:cNvSpPr>
@@ -2449,7 +2771,6 @@
               <a:rPr lang="en-US" dirty="0"/>
               <a:t>Click to edit Master text styles</a:t>
             </a:r>
-            <a:endParaRPr lang="en-US" dirty="0"/>
           </a:p>
           <a:p>
             <a:pPr lvl="1"/>
@@ -2457,7 +2778,6 @@
               <a:rPr lang="en-US" dirty="0"/>
               <a:t>Second level</a:t>
             </a:r>
-            <a:endParaRPr lang="en-US" dirty="0"/>
           </a:p>
           <a:p>
             <a:pPr lvl="2"/>
@@ -2465,11 +2785,15 @@
               <a:rPr lang="en-US" dirty="0"/>
               <a:t>Third level</a:t>
             </a:r>
-            <a:endParaRPr lang="en-US" dirty="0"/>
           </a:p>
         </p:txBody>
       </p:sp>
     </p:spTree>
+    <p:extLst>
+      <p:ext uri="{BB962C8B-B14F-4D97-AF65-F5344CB8AC3E}">
+        <p14:creationId xmlns:p14="http://schemas.microsoft.com/office/powerpoint/2010/main" val="1827678181"/>
+      </p:ext>
+    </p:extLst>
   </p:cSld>
   <p:clrMapOvr>
     <a:masterClrMapping/>
@@ -2549,14 +2873,26 @@
       </p:sp>
       <p:pic>
         <p:nvPicPr>
-          <p:cNvPr id="7" name="Picture 6" descr="A close up of a logo&#10;&#10;Description automatically generated"/>
+          <p:cNvPr id="7" name="Picture 6" descr="A close up of a logo&#10;&#10;Description automatically generated">
+            <a:extLst>
+              <a:ext uri="{FF2B5EF4-FFF2-40B4-BE49-F238E27FC236}">
+                <a16:creationId xmlns:a16="http://schemas.microsoft.com/office/drawing/2014/main" id="{396E9556-837F-4DA9-91CD-BD19A69947B1}"/>
+              </a:ext>
+            </a:extLst>
+          </p:cNvPr>
           <p:cNvPicPr>
             <a:picLocks noChangeAspect="1"/>
           </p:cNvPicPr>
           <p:nvPr userDrawn="1"/>
         </p:nvPicPr>
         <p:blipFill>
-          <a:blip r:embed="rId2" cstate="email"/>
+          <a:blip r:embed="rId2" cstate="email">
+            <a:extLst>
+              <a:ext uri="{28A0092B-C50C-407E-A947-70E740481C1C}">
+                <a14:useLocalDpi xmlns:a14="http://schemas.microsoft.com/office/drawing/2010/main"/>
+              </a:ext>
+            </a:extLst>
+          </a:blip>
           <a:stretch>
             <a:fillRect/>
           </a:stretch>
@@ -2573,18 +2909,28 @@
       </p:pic>
       <p:pic>
         <p:nvPicPr>
-          <p:cNvPr id="6" name="Picture 5" descr="A sign on the side of a building&#10;&#10;Description automatically generated"/>
+          <p:cNvPr id="6" name="Picture 5" descr="A sign on the side of a building&#10;&#10;Description automatically generated">
+            <a:extLst>
+              <a:ext uri="{FF2B5EF4-FFF2-40B4-BE49-F238E27FC236}">
+                <a16:creationId xmlns:a16="http://schemas.microsoft.com/office/drawing/2014/main" id="{5930A8DD-DC0F-AD49-94A8-52E7C1C378BC}"/>
+              </a:ext>
+            </a:extLst>
+          </p:cNvPr>
           <p:cNvPicPr>
             <a:picLocks noChangeAspect="1"/>
           </p:cNvPicPr>
           <p:nvPr userDrawn="1"/>
         </p:nvPicPr>
         <p:blipFill rotWithShape="1">
-          <a:blip r:embed="rId3" cstate="email"/>
+          <a:blip r:embed="rId3" cstate="email">
+            <a:extLst>
+              <a:ext uri="{28A0092B-C50C-407E-A947-70E740481C1C}">
+                <a14:useLocalDpi xmlns:a14="http://schemas.microsoft.com/office/drawing/2010/main"/>
+              </a:ext>
+            </a:extLst>
+          </a:blip>
           <a:srcRect/>
-          <a:stretch>
-            <a:fillRect/>
-          </a:stretch>
+          <a:stretch/>
         </p:blipFill>
         <p:spPr>
           <a:xfrm>
@@ -2598,7 +2944,13 @@
       </p:pic>
       <p:sp>
         <p:nvSpPr>
-          <p:cNvPr id="8" name="Title 8"/>
+          <p:cNvPr id="8" name="Title 8">
+            <a:extLst>
+              <a:ext uri="{FF2B5EF4-FFF2-40B4-BE49-F238E27FC236}">
+                <a16:creationId xmlns:a16="http://schemas.microsoft.com/office/drawing/2014/main" id="{6A3B0B07-DCE3-B146-9B6A-3994B003FCF0}"/>
+              </a:ext>
+            </a:extLst>
+          </p:cNvPr>
           <p:cNvSpPr>
             <a:spLocks noGrp="1"/>
           </p:cNvSpPr>
@@ -2624,7 +2976,7 @@
                   <a:srgbClr val="E64626"/>
                 </a:solidFill>
                 <a:latin typeface="+mj-lt"/>
-                <a:cs typeface="Arial" panose="020B0604020202090204" pitchFamily="34" charset="0"/>
+                <a:cs typeface="Arial" panose="020B0604020202020204" pitchFamily="34" charset="0"/>
               </a:defRPr>
             </a:lvl1pPr>
           </a:lstStyle>
@@ -2633,13 +2985,18 @@
               <a:rPr lang="en-US" dirty="0"/>
               <a:t>Click to edit Master title style</a:t>
             </a:r>
-            <a:endParaRPr lang="en-US" dirty="0"/>
           </a:p>
         </p:txBody>
       </p:sp>
       <p:sp>
         <p:nvSpPr>
-          <p:cNvPr id="9" name="Text Placeholder 4"/>
+          <p:cNvPr id="9" name="Text Placeholder 4">
+            <a:extLst>
+              <a:ext uri="{FF2B5EF4-FFF2-40B4-BE49-F238E27FC236}">
+                <a16:creationId xmlns:a16="http://schemas.microsoft.com/office/drawing/2014/main" id="{6C92D8F4-96A2-874D-BF99-4E97000C7B61}"/>
+              </a:ext>
+            </a:extLst>
+          </p:cNvPr>
           <p:cNvSpPr>
             <a:spLocks noGrp="1"/>
           </p:cNvSpPr>
@@ -2691,7 +3048,6 @@
               <a:rPr lang="en-US" dirty="0"/>
               <a:t>Click to edit Master text styles</a:t>
             </a:r>
-            <a:endParaRPr lang="en-US" dirty="0"/>
           </a:p>
           <a:p>
             <a:pPr lvl="1"/>
@@ -2699,7 +3055,6 @@
               <a:rPr lang="en-US" dirty="0"/>
               <a:t>Second level</a:t>
             </a:r>
-            <a:endParaRPr lang="en-US" dirty="0"/>
           </a:p>
           <a:p>
             <a:pPr lvl="2"/>
@@ -2707,11 +3062,15 @@
               <a:rPr lang="en-US" dirty="0"/>
               <a:t>Third level</a:t>
             </a:r>
-            <a:endParaRPr lang="en-US" dirty="0"/>
           </a:p>
         </p:txBody>
       </p:sp>
     </p:spTree>
+    <p:extLst>
+      <p:ext uri="{BB962C8B-B14F-4D97-AF65-F5344CB8AC3E}">
+        <p14:creationId xmlns:p14="http://schemas.microsoft.com/office/powerpoint/2010/main" val="1705297901"/>
+      </p:ext>
+    </p:extLst>
   </p:cSld>
   <p:clrMapOvr>
     <a:masterClrMapping/>
@@ -2791,14 +3150,26 @@
       </p:sp>
       <p:pic>
         <p:nvPicPr>
-          <p:cNvPr id="7" name="Picture 6" descr="A close up of a logo&#10;&#10;Description automatically generated"/>
+          <p:cNvPr id="7" name="Picture 6" descr="A close up of a logo&#10;&#10;Description automatically generated">
+            <a:extLst>
+              <a:ext uri="{FF2B5EF4-FFF2-40B4-BE49-F238E27FC236}">
+                <a16:creationId xmlns:a16="http://schemas.microsoft.com/office/drawing/2014/main" id="{396E9556-837F-4DA9-91CD-BD19A69947B1}"/>
+              </a:ext>
+            </a:extLst>
+          </p:cNvPr>
           <p:cNvPicPr>
             <a:picLocks noChangeAspect="1"/>
           </p:cNvPicPr>
           <p:nvPr userDrawn="1"/>
         </p:nvPicPr>
         <p:blipFill>
-          <a:blip r:embed="rId2" cstate="email"/>
+          <a:blip r:embed="rId2" cstate="email">
+            <a:extLst>
+              <a:ext uri="{28A0092B-C50C-407E-A947-70E740481C1C}">
+                <a14:useLocalDpi xmlns:a14="http://schemas.microsoft.com/office/drawing/2010/main"/>
+              </a:ext>
+            </a:extLst>
+          </a:blip>
           <a:stretch>
             <a:fillRect/>
           </a:stretch>
@@ -2815,18 +3186,28 @@
       </p:pic>
       <p:pic>
         <p:nvPicPr>
-          <p:cNvPr id="9" name="Picture 8" descr="A picture containing indoor, cabinet, wall&#10;&#10;Description automatically generated"/>
+          <p:cNvPr id="9" name="Picture 8" descr="A picture containing indoor, cabinet, wall&#10;&#10;Description automatically generated">
+            <a:extLst>
+              <a:ext uri="{FF2B5EF4-FFF2-40B4-BE49-F238E27FC236}">
+                <a16:creationId xmlns:a16="http://schemas.microsoft.com/office/drawing/2014/main" id="{89702472-5231-D549-9CEF-FFE6B3F4016D}"/>
+              </a:ext>
+            </a:extLst>
+          </p:cNvPr>
           <p:cNvPicPr>
             <a:picLocks noChangeAspect="1"/>
           </p:cNvPicPr>
           <p:nvPr userDrawn="1"/>
         </p:nvPicPr>
         <p:blipFill rotWithShape="1">
-          <a:blip r:embed="rId3" cstate="email"/>
+          <a:blip r:embed="rId3" cstate="email">
+            <a:extLst>
+              <a:ext uri="{28A0092B-C50C-407E-A947-70E740481C1C}">
+                <a14:useLocalDpi xmlns:a14="http://schemas.microsoft.com/office/drawing/2010/main"/>
+              </a:ext>
+            </a:extLst>
+          </a:blip>
           <a:srcRect/>
-          <a:stretch>
-            <a:fillRect/>
-          </a:stretch>
+          <a:stretch/>
         </p:blipFill>
         <p:spPr>
           <a:xfrm>
@@ -2840,7 +3221,13 @@
       </p:pic>
       <p:sp>
         <p:nvSpPr>
-          <p:cNvPr id="8" name="Title 8"/>
+          <p:cNvPr id="8" name="Title 8">
+            <a:extLst>
+              <a:ext uri="{FF2B5EF4-FFF2-40B4-BE49-F238E27FC236}">
+                <a16:creationId xmlns:a16="http://schemas.microsoft.com/office/drawing/2014/main" id="{38858BE2-0703-F94C-AC5A-D375D26FEF69}"/>
+              </a:ext>
+            </a:extLst>
+          </p:cNvPr>
           <p:cNvSpPr>
             <a:spLocks noGrp="1"/>
           </p:cNvSpPr>
@@ -2866,7 +3253,7 @@
                   <a:srgbClr val="E64626"/>
                 </a:solidFill>
                 <a:latin typeface="+mj-lt"/>
-                <a:cs typeface="Arial" panose="020B0604020202090204" pitchFamily="34" charset="0"/>
+                <a:cs typeface="Arial" panose="020B0604020202020204" pitchFamily="34" charset="0"/>
               </a:defRPr>
             </a:lvl1pPr>
           </a:lstStyle>
@@ -2875,13 +3262,18 @@
               <a:rPr lang="en-US" dirty="0"/>
               <a:t>Click to edit Master title style</a:t>
             </a:r>
-            <a:endParaRPr lang="en-US" dirty="0"/>
           </a:p>
         </p:txBody>
       </p:sp>
       <p:sp>
         <p:nvSpPr>
-          <p:cNvPr id="12" name="Text Placeholder 4"/>
+          <p:cNvPr id="12" name="Text Placeholder 4">
+            <a:extLst>
+              <a:ext uri="{FF2B5EF4-FFF2-40B4-BE49-F238E27FC236}">
+                <a16:creationId xmlns:a16="http://schemas.microsoft.com/office/drawing/2014/main" id="{131B73F3-BB2F-7649-9898-67A78F7247B8}"/>
+              </a:ext>
+            </a:extLst>
+          </p:cNvPr>
           <p:cNvSpPr>
             <a:spLocks noGrp="1"/>
           </p:cNvSpPr>
@@ -2933,7 +3325,6 @@
               <a:rPr lang="en-US" dirty="0"/>
               <a:t>Click to edit Master text styles</a:t>
             </a:r>
-            <a:endParaRPr lang="en-US" dirty="0"/>
           </a:p>
           <a:p>
             <a:pPr lvl="1"/>
@@ -2941,7 +3332,6 @@
               <a:rPr lang="en-US" dirty="0"/>
               <a:t>Second level</a:t>
             </a:r>
-            <a:endParaRPr lang="en-US" dirty="0"/>
           </a:p>
           <a:p>
             <a:pPr lvl="2"/>
@@ -2949,11 +3339,15 @@
               <a:rPr lang="en-US" dirty="0"/>
               <a:t>Third level</a:t>
             </a:r>
-            <a:endParaRPr lang="en-US" dirty="0"/>
           </a:p>
         </p:txBody>
       </p:sp>
     </p:spTree>
+    <p:extLst>
+      <p:ext uri="{BB962C8B-B14F-4D97-AF65-F5344CB8AC3E}">
+        <p14:creationId xmlns:p14="http://schemas.microsoft.com/office/powerpoint/2010/main" val="1855301458"/>
+      </p:ext>
+    </p:extLst>
   </p:cSld>
   <p:clrMapOvr>
     <a:masterClrMapping/>
@@ -3078,14 +3472,26 @@
       </p:sp>
       <p:pic>
         <p:nvPicPr>
-          <p:cNvPr id="10" name="Picture 9" descr="A close up of a logo&#10;&#10;Description automatically generated"/>
+          <p:cNvPr id="10" name="Picture 9" descr="A close up of a logo&#10;&#10;Description automatically generated">
+            <a:extLst>
+              <a:ext uri="{FF2B5EF4-FFF2-40B4-BE49-F238E27FC236}">
+                <a16:creationId xmlns:a16="http://schemas.microsoft.com/office/drawing/2014/main" id="{84F9BD62-11D8-462A-B64E-C30BAC85B36B}"/>
+              </a:ext>
+            </a:extLst>
+          </p:cNvPr>
           <p:cNvPicPr>
             <a:picLocks noChangeAspect="1"/>
           </p:cNvPicPr>
           <p:nvPr userDrawn="1"/>
         </p:nvPicPr>
         <p:blipFill>
-          <a:blip r:embed="rId2" cstate="email"/>
+          <a:blip r:embed="rId2" cstate="email">
+            <a:extLst>
+              <a:ext uri="{28A0092B-C50C-407E-A947-70E740481C1C}">
+                <a14:useLocalDpi xmlns:a14="http://schemas.microsoft.com/office/drawing/2010/main"/>
+              </a:ext>
+            </a:extLst>
+          </a:blip>
           <a:stretch>
             <a:fillRect/>
           </a:stretch>
@@ -3102,7 +3508,13 @@
       </p:pic>
       <p:sp>
         <p:nvSpPr>
-          <p:cNvPr id="7" name="Title 8"/>
+          <p:cNvPr id="7" name="Title 8">
+            <a:extLst>
+              <a:ext uri="{FF2B5EF4-FFF2-40B4-BE49-F238E27FC236}">
+                <a16:creationId xmlns:a16="http://schemas.microsoft.com/office/drawing/2014/main" id="{4643FC5D-68CC-524A-A2AA-180E44A70BE1}"/>
+              </a:ext>
+            </a:extLst>
+          </p:cNvPr>
           <p:cNvSpPr>
             <a:spLocks noGrp="1"/>
           </p:cNvSpPr>
@@ -3128,7 +3540,7 @@
                   <a:srgbClr val="E64626"/>
                 </a:solidFill>
                 <a:latin typeface="+mj-lt"/>
-                <a:cs typeface="Arial" panose="020B0604020202090204" pitchFamily="34" charset="0"/>
+                <a:cs typeface="Arial" panose="020B0604020202020204" pitchFamily="34" charset="0"/>
               </a:defRPr>
             </a:lvl1pPr>
           </a:lstStyle>
@@ -3137,13 +3549,18 @@
               <a:rPr lang="en-US" dirty="0"/>
               <a:t>Click to edit Master title style</a:t>
             </a:r>
-            <a:endParaRPr lang="en-US" dirty="0"/>
           </a:p>
         </p:txBody>
       </p:sp>
       <p:sp>
         <p:nvSpPr>
-          <p:cNvPr id="11" name="Text Placeholder 4"/>
+          <p:cNvPr id="11" name="Text Placeholder 4">
+            <a:extLst>
+              <a:ext uri="{FF2B5EF4-FFF2-40B4-BE49-F238E27FC236}">
+                <a16:creationId xmlns:a16="http://schemas.microsoft.com/office/drawing/2014/main" id="{4301ADD1-6AF0-EB4D-BFC7-6145C24D2B9A}"/>
+              </a:ext>
+            </a:extLst>
+          </p:cNvPr>
           <p:cNvSpPr>
             <a:spLocks noGrp="1"/>
           </p:cNvSpPr>
@@ -3195,7 +3612,6 @@
               <a:rPr lang="en-US" dirty="0"/>
               <a:t>Click to edit Master text styles</a:t>
             </a:r>
-            <a:endParaRPr lang="en-US" dirty="0"/>
           </a:p>
           <a:p>
             <a:pPr lvl="1"/>
@@ -3203,7 +3619,6 @@
               <a:rPr lang="en-US" dirty="0"/>
               <a:t>Second level</a:t>
             </a:r>
-            <a:endParaRPr lang="en-US" dirty="0"/>
           </a:p>
           <a:p>
             <a:pPr lvl="2"/>
@@ -3211,11 +3626,15 @@
               <a:rPr lang="en-US" dirty="0"/>
               <a:t>Third level</a:t>
             </a:r>
-            <a:endParaRPr lang="en-US" dirty="0"/>
           </a:p>
         </p:txBody>
       </p:sp>
     </p:spTree>
+    <p:extLst>
+      <p:ext uri="{BB962C8B-B14F-4D97-AF65-F5344CB8AC3E}">
+        <p14:creationId xmlns:p14="http://schemas.microsoft.com/office/powerpoint/2010/main" val="535102347"/>
+      </p:ext>
+    </p:extLst>
   </p:cSld>
   <p:clrMapOvr>
     <a:masterClrMapping/>
@@ -3242,7 +3661,13 @@
       </p:grpSpPr>
       <p:sp>
         <p:nvSpPr>
-          <p:cNvPr id="12" name="Rectangle 11"/>
+          <p:cNvPr id="12" name="Rectangle 11">
+            <a:extLst>
+              <a:ext uri="{FF2B5EF4-FFF2-40B4-BE49-F238E27FC236}">
+                <a16:creationId xmlns:a16="http://schemas.microsoft.com/office/drawing/2014/main" id="{C6464A0A-2E52-4325-8E9A-4FE513E8B588}"/>
+              </a:ext>
+            </a:extLst>
+          </p:cNvPr>
           <p:cNvSpPr/>
           <p:nvPr userDrawn="1"/>
         </p:nvSpPr>
@@ -3295,14 +3720,26 @@
       </p:sp>
       <p:pic>
         <p:nvPicPr>
-          <p:cNvPr id="14" name="Picture 13" descr="A close up of a logo&#10;&#10;Description automatically generated"/>
+          <p:cNvPr id="14" name="Picture 13" descr="A close up of a logo&#10;&#10;Description automatically generated">
+            <a:extLst>
+              <a:ext uri="{FF2B5EF4-FFF2-40B4-BE49-F238E27FC236}">
+                <a16:creationId xmlns:a16="http://schemas.microsoft.com/office/drawing/2014/main" id="{B1AC6F61-871E-4989-A8F8-D68037365963}"/>
+              </a:ext>
+            </a:extLst>
+          </p:cNvPr>
           <p:cNvPicPr>
             <a:picLocks noChangeAspect="1"/>
           </p:cNvPicPr>
           <p:nvPr userDrawn="1"/>
         </p:nvPicPr>
         <p:blipFill>
-          <a:blip r:embed="rId2" cstate="email"/>
+          <a:blip r:embed="rId2" cstate="email">
+            <a:extLst>
+              <a:ext uri="{28A0092B-C50C-407E-A947-70E740481C1C}">
+                <a14:useLocalDpi xmlns:a14="http://schemas.microsoft.com/office/drawing/2010/main"/>
+              </a:ext>
+            </a:extLst>
+          </a:blip>
           <a:stretch>
             <a:fillRect/>
           </a:stretch>
@@ -3319,18 +3756,28 @@
       </p:pic>
       <p:pic>
         <p:nvPicPr>
-          <p:cNvPr id="11" name="Picture 10" descr="A view of a city street&#10;&#10;Description automatically generated"/>
+          <p:cNvPr id="11" name="Picture 10" descr="A view of a city street&#10;&#10;Description automatically generated">
+            <a:extLst>
+              <a:ext uri="{FF2B5EF4-FFF2-40B4-BE49-F238E27FC236}">
+                <a16:creationId xmlns:a16="http://schemas.microsoft.com/office/drawing/2014/main" id="{2B220021-3B22-7E45-9076-398C1519C99B}"/>
+              </a:ext>
+            </a:extLst>
+          </p:cNvPr>
           <p:cNvPicPr>
             <a:picLocks noChangeAspect="1"/>
           </p:cNvPicPr>
           <p:nvPr userDrawn="1"/>
         </p:nvPicPr>
         <p:blipFill rotWithShape="1">
-          <a:blip r:embed="rId3" cstate="email"/>
+          <a:blip r:embed="rId3" cstate="email">
+            <a:extLst>
+              <a:ext uri="{28A0092B-C50C-407E-A947-70E740481C1C}">
+                <a14:useLocalDpi xmlns:a14="http://schemas.microsoft.com/office/drawing/2010/main"/>
+              </a:ext>
+            </a:extLst>
+          </a:blip>
           <a:srcRect/>
-          <a:stretch>
-            <a:fillRect/>
-          </a:stretch>
+          <a:stretch/>
         </p:blipFill>
         <p:spPr>
           <a:xfrm>
@@ -3344,7 +3791,13 @@
       </p:pic>
       <p:sp>
         <p:nvSpPr>
-          <p:cNvPr id="7" name="Title 8"/>
+          <p:cNvPr id="7" name="Title 8">
+            <a:extLst>
+              <a:ext uri="{FF2B5EF4-FFF2-40B4-BE49-F238E27FC236}">
+                <a16:creationId xmlns:a16="http://schemas.microsoft.com/office/drawing/2014/main" id="{C79F5080-F28E-F44F-9B25-C31F7F3A1F4B}"/>
+              </a:ext>
+            </a:extLst>
+          </p:cNvPr>
           <p:cNvSpPr>
             <a:spLocks noGrp="1"/>
           </p:cNvSpPr>
@@ -3370,7 +3823,7 @@
                   <a:schemeClr val="bg1"/>
                 </a:solidFill>
                 <a:latin typeface="+mj-lt"/>
-                <a:cs typeface="Arial" panose="020B0604020202090204" pitchFamily="34" charset="0"/>
+                <a:cs typeface="Arial" panose="020B0604020202020204" pitchFamily="34" charset="0"/>
               </a:defRPr>
             </a:lvl1pPr>
           </a:lstStyle>
@@ -3379,13 +3832,18 @@
               <a:rPr lang="en-US" dirty="0"/>
               <a:t>Click to edit Master title style</a:t>
             </a:r>
-            <a:endParaRPr lang="en-US" dirty="0"/>
           </a:p>
         </p:txBody>
       </p:sp>
       <p:sp>
         <p:nvSpPr>
-          <p:cNvPr id="9" name="Text Placeholder 4"/>
+          <p:cNvPr id="9" name="Text Placeholder 4">
+            <a:extLst>
+              <a:ext uri="{FF2B5EF4-FFF2-40B4-BE49-F238E27FC236}">
+                <a16:creationId xmlns:a16="http://schemas.microsoft.com/office/drawing/2014/main" id="{C7867AF6-A955-C34B-B908-6464AA12DD26}"/>
+              </a:ext>
+            </a:extLst>
+          </p:cNvPr>
           <p:cNvSpPr>
             <a:spLocks noGrp="1"/>
           </p:cNvSpPr>
@@ -3437,7 +3895,6 @@
               <a:rPr lang="en-US" dirty="0"/>
               <a:t>Click to edit Master text styles</a:t>
             </a:r>
-            <a:endParaRPr lang="en-US" dirty="0"/>
           </a:p>
           <a:p>
             <a:pPr lvl="1"/>
@@ -3445,7 +3902,6 @@
               <a:rPr lang="en-US" dirty="0"/>
               <a:t>Second level</a:t>
             </a:r>
-            <a:endParaRPr lang="en-US" dirty="0"/>
           </a:p>
           <a:p>
             <a:pPr lvl="2"/>
@@ -3453,11 +3909,15 @@
               <a:rPr lang="en-US" dirty="0"/>
               <a:t>Third level</a:t>
             </a:r>
-            <a:endParaRPr lang="en-US" dirty="0"/>
           </a:p>
         </p:txBody>
       </p:sp>
     </p:spTree>
+    <p:extLst>
+      <p:ext uri="{BB962C8B-B14F-4D97-AF65-F5344CB8AC3E}">
+        <p14:creationId xmlns:p14="http://schemas.microsoft.com/office/powerpoint/2010/main" val="2657332968"/>
+      </p:ext>
+    </p:extLst>
   </p:cSld>
   <p:clrMapOvr>
     <a:masterClrMapping/>
@@ -3484,7 +3944,13 @@
       </p:grpSpPr>
       <p:sp>
         <p:nvSpPr>
-          <p:cNvPr id="2" name="Title 1"/>
+          <p:cNvPr id="2" name="Title 1">
+            <a:extLst>
+              <a:ext uri="{FF2B5EF4-FFF2-40B4-BE49-F238E27FC236}">
+                <a16:creationId xmlns:a16="http://schemas.microsoft.com/office/drawing/2014/main" id="{2D683605-FFBB-DF40-9F65-A763316E8C46}"/>
+              </a:ext>
+            </a:extLst>
+          </p:cNvPr>
           <p:cNvSpPr>
             <a:spLocks noGrp="1"/>
           </p:cNvSpPr>
@@ -3506,13 +3972,18 @@
               <a:rPr lang="en-US" dirty="0"/>
               <a:t>Click to edit Master title style</a:t>
             </a:r>
-            <a:endParaRPr lang="en-US" dirty="0"/>
           </a:p>
         </p:txBody>
       </p:sp>
       <p:sp>
         <p:nvSpPr>
-          <p:cNvPr id="3" name="Content Placeholder 2"/>
+          <p:cNvPr id="3" name="Content Placeholder 2">
+            <a:extLst>
+              <a:ext uri="{FF2B5EF4-FFF2-40B4-BE49-F238E27FC236}">
+                <a16:creationId xmlns:a16="http://schemas.microsoft.com/office/drawing/2014/main" id="{9E38F0D4-8996-1340-9692-21C5B4DC5D31}"/>
+              </a:ext>
+            </a:extLst>
+          </p:cNvPr>
           <p:cNvSpPr>
             <a:spLocks noGrp="1"/>
           </p:cNvSpPr>
@@ -3548,9 +4019,6 @@
               </a:rPr>
               <a:t>Sub-heading bold… 24pt</a:t>
             </a:r>
-            <a:endParaRPr lang="en-US" b="1" dirty="0">
-              <a:ea typeface="+mn-ea"/>
-            </a:endParaRPr>
           </a:p>
           <a:p>
             <a:pPr fontAlgn="auto">
@@ -3568,19 +4036,13 @@
               </a:rPr>
               <a:t>Body copy… 24pt</a:t>
             </a:r>
-            <a:endParaRPr lang="en-US" dirty="0">
-              <a:solidFill>
-                <a:prstClr val="black"/>
-              </a:solidFill>
-              <a:ea typeface="+mn-ea"/>
-            </a:endParaRPr>
           </a:p>
           <a:p>
             <a:pPr fontAlgn="auto">
               <a:spcAft>
                 <a:spcPts val="450"/>
               </a:spcAft>
-              <a:buFont typeface="Lucida Grande" panose="020B0600040502020204"/>
+              <a:buFont typeface="Lucida Grande"/>
               <a:buChar char="–"/>
               <a:defRPr/>
             </a:pPr>
@@ -3593,22 +4055,28 @@
               </a:rPr>
               <a:t>Bullet point… 24pt</a:t>
             </a:r>
-            <a:endParaRPr lang="en-US" dirty="0">
-              <a:solidFill>
-                <a:prstClr val="black"/>
-              </a:solidFill>
-              <a:ea typeface="+mn-ea"/>
-            </a:endParaRPr>
           </a:p>
         </p:txBody>
       </p:sp>
       <p:graphicFrame>
         <p:nvGraphicFramePr>
-          <p:cNvPr id="4" name="Table 3"/>
+          <p:cNvPr id="4" name="Table 3">
+            <a:extLst>
+              <a:ext uri="{FF2B5EF4-FFF2-40B4-BE49-F238E27FC236}">
+                <a16:creationId xmlns:a16="http://schemas.microsoft.com/office/drawing/2014/main" id="{53F5080A-DFFE-664C-B514-2BB0E750C953}"/>
+              </a:ext>
+            </a:extLst>
+          </p:cNvPr>
           <p:cNvGraphicFramePr>
             <a:graphicFrameLocks noGrp="1"/>
           </p:cNvGraphicFramePr>
-          <p:nvPr userDrawn="1"/>
+          <p:nvPr userDrawn="1">
+            <p:extLst>
+              <p:ext uri="{D42A27DB-BD31-4B8C-83A1-F6EECF244321}">
+                <p14:modId xmlns:p14="http://schemas.microsoft.com/office/powerpoint/2010/main" val="2959288708"/>
+              </p:ext>
+            </p:extLst>
+          </p:nvPr>
         </p:nvGraphicFramePr>
         <p:xfrm>
           <a:off x="358774" y="2422923"/>
@@ -3621,9 +4089,27 @@
                 <a:tableStyleId>{0660B408-B3CF-4A94-85FC-2B1E0A45F4A2}</a:tableStyleId>
               </a:tblPr>
               <a:tblGrid>
-                <a:gridCol w="2808816"/>
-                <a:gridCol w="2808816"/>
-                <a:gridCol w="2808816"/>
+                <a:gridCol w="2808816">
+                  <a:extLst>
+                    <a:ext uri="{9D8B030D-6E8A-4147-A177-3AD203B41FA5}">
+                      <a16:colId xmlns:a16="http://schemas.microsoft.com/office/drawing/2014/main" val="20000"/>
+                    </a:ext>
+                  </a:extLst>
+                </a:gridCol>
+                <a:gridCol w="2808816">
+                  <a:extLst>
+                    <a:ext uri="{9D8B030D-6E8A-4147-A177-3AD203B41FA5}">
+                      <a16:colId xmlns:a16="http://schemas.microsoft.com/office/drawing/2014/main" val="20001"/>
+                    </a:ext>
+                  </a:extLst>
+                </a:gridCol>
+                <a:gridCol w="2808816">
+                  <a:extLst>
+                    <a:ext uri="{9D8B030D-6E8A-4147-A177-3AD203B41FA5}">
+                      <a16:colId xmlns:a16="http://schemas.microsoft.com/office/drawing/2014/main" val="20002"/>
+                    </a:ext>
+                  </a:extLst>
+                </a:gridCol>
               </a:tblGrid>
               <a:tr h="251460">
                 <a:tc>
@@ -3685,6 +4171,7 @@
                         <a:buSzTx/>
                         <a:buFontTx/>
                         <a:buNone/>
+                        <a:tabLst/>
                         <a:defRPr/>
                       </a:pPr>
                       <a:r>
@@ -3741,6 +4228,7 @@
                         <a:buSzTx/>
                         <a:buFontTx/>
                         <a:buNone/>
+                        <a:tabLst/>
                         <a:defRPr/>
                       </a:pPr>
                       <a:r>
@@ -3778,6 +4266,11 @@
                     </a:solidFill>
                   </a:tcPr>
                 </a:tc>
+                <a:extLst>
+                  <a:ext uri="{0D108BD9-81ED-4DB2-BD59-A6C34878D82A}">
+                    <a16:rowId xmlns:a16="http://schemas.microsoft.com/office/drawing/2014/main" val="10000"/>
+                  </a:ext>
+                </a:extLst>
               </a:tr>
               <a:tr h="251460">
                 <a:tc>
@@ -3785,7 +4278,7 @@
                     <a:bodyPr/>
                     <a:lstStyle/>
                     <a:p>
-                      <a:pPr marL="0" marR="0" indent="0" algn="l" defTabSz="456565" rtl="0" eaLnBrk="1" fontAlgn="auto" latinLnBrk="0" hangingPunct="1">
+                      <a:pPr marL="0" marR="0" indent="0" algn="l" defTabSz="457187" rtl="0" eaLnBrk="1" fontAlgn="auto" latinLnBrk="0" hangingPunct="1">
                         <a:lnSpc>
                           <a:spcPct val="100000"/>
                         </a:lnSpc>
@@ -3799,6 +4292,7 @@
                         <a:buSzTx/>
                         <a:buFontTx/>
                         <a:buNone/>
+                        <a:tabLst/>
                         <a:defRPr/>
                       </a:pPr>
                       <a:r>
@@ -3847,7 +4341,7 @@
                     <a:bodyPr/>
                     <a:lstStyle/>
                     <a:p>
-                      <a:pPr marL="0" marR="0" indent="0" algn="l" defTabSz="456565" rtl="0" eaLnBrk="1" fontAlgn="auto" latinLnBrk="0" hangingPunct="1">
+                      <a:pPr marL="0" marR="0" indent="0" algn="l" defTabSz="457187" rtl="0" eaLnBrk="1" fontAlgn="auto" latinLnBrk="0" hangingPunct="1">
                         <a:lnSpc>
                           <a:spcPct val="100000"/>
                         </a:lnSpc>
@@ -3861,6 +4355,7 @@
                         <a:buSzTx/>
                         <a:buFontTx/>
                         <a:buNone/>
+                        <a:tabLst/>
                         <a:defRPr/>
                       </a:pPr>
                       <a:endParaRPr lang="en-US" sz="2400" dirty="0">
@@ -3895,7 +4390,7 @@
                     <a:bodyPr/>
                     <a:lstStyle/>
                     <a:p>
-                      <a:pPr marL="0" marR="0" indent="0" algn="l" defTabSz="456565" rtl="0" eaLnBrk="1" fontAlgn="auto" latinLnBrk="0" hangingPunct="1">
+                      <a:pPr marL="0" marR="0" indent="0" algn="l" defTabSz="457187" rtl="0" eaLnBrk="1" fontAlgn="auto" latinLnBrk="0" hangingPunct="1">
                         <a:lnSpc>
                           <a:spcPct val="100000"/>
                         </a:lnSpc>
@@ -3909,6 +4404,7 @@
                         <a:buSzTx/>
                         <a:buFontTx/>
                         <a:buNone/>
+                        <a:tabLst/>
                         <a:defRPr/>
                       </a:pPr>
                       <a:endParaRPr lang="en-US" sz="2400" dirty="0">
@@ -3938,6 +4434,11 @@
                     </a:lnB>
                   </a:tcPr>
                 </a:tc>
+                <a:extLst>
+                  <a:ext uri="{0D108BD9-81ED-4DB2-BD59-A6C34878D82A}">
+                    <a16:rowId xmlns:a16="http://schemas.microsoft.com/office/drawing/2014/main" val="10001"/>
+                  </a:ext>
+                </a:extLst>
               </a:tr>
               <a:tr h="251460">
                 <a:tc>
@@ -3952,10 +4453,6 @@
                         </a:rPr>
                         <a:t>xxx</a:t>
                       </a:r>
-                      <a:endParaRPr lang="en-US" sz="2400" dirty="0">
-                        <a:latin typeface="Tw Cen MT"/>
-                        <a:cs typeface="Tw Cen MT"/>
-                      </a:endParaRPr>
                     </a:p>
                   </a:txBody>
                   <a:tcPr marL="68580" marR="68580" marT="34290" marB="34290">
@@ -4043,6 +4540,11 @@
                     </a:lnB>
                   </a:tcPr>
                 </a:tc>
+                <a:extLst>
+                  <a:ext uri="{0D108BD9-81ED-4DB2-BD59-A6C34878D82A}">
+                    <a16:rowId xmlns:a16="http://schemas.microsoft.com/office/drawing/2014/main" val="10002"/>
+                  </a:ext>
+                </a:extLst>
               </a:tr>
               <a:tr h="251460">
                 <a:tc>
@@ -4057,10 +4559,6 @@
                         </a:rPr>
                         <a:t>xxx</a:t>
                       </a:r>
-                      <a:endParaRPr lang="en-US" sz="2400" dirty="0">
-                        <a:latin typeface="Tw Cen MT"/>
-                        <a:cs typeface="Tw Cen MT"/>
-                      </a:endParaRPr>
                     </a:p>
                   </a:txBody>
                   <a:tcPr marL="68580" marR="68580" marT="34290" marB="34290">
@@ -4148,6 +4646,11 @@
                     </a:lnB>
                   </a:tcPr>
                 </a:tc>
+                <a:extLst>
+                  <a:ext uri="{0D108BD9-81ED-4DB2-BD59-A6C34878D82A}">
+                    <a16:rowId xmlns:a16="http://schemas.microsoft.com/office/drawing/2014/main" val="10003"/>
+                  </a:ext>
+                </a:extLst>
               </a:tr>
               <a:tr h="251460">
                 <a:tc>
@@ -4162,10 +4665,6 @@
                         </a:rPr>
                         <a:t>xxx</a:t>
                       </a:r>
-                      <a:endParaRPr lang="en-US" sz="2400" dirty="0">
-                        <a:latin typeface="Tw Cen MT"/>
-                        <a:cs typeface="Tw Cen MT"/>
-                      </a:endParaRPr>
                     </a:p>
                   </a:txBody>
                   <a:tcPr marL="68580" marR="68580" marT="34290" marB="34290">
@@ -4226,12 +4725,22 @@
                     </a:lnT>
                   </a:tcPr>
                 </a:tc>
+                <a:extLst>
+                  <a:ext uri="{0D108BD9-81ED-4DB2-BD59-A6C34878D82A}">
+                    <a16:rowId xmlns:a16="http://schemas.microsoft.com/office/drawing/2014/main" val="10004"/>
+                  </a:ext>
+                </a:extLst>
               </a:tr>
             </a:tbl>
           </a:graphicData>
         </a:graphic>
       </p:graphicFrame>
     </p:spTree>
+    <p:extLst>
+      <p:ext uri="{BB962C8B-B14F-4D97-AF65-F5344CB8AC3E}">
+        <p14:creationId xmlns:p14="http://schemas.microsoft.com/office/powerpoint/2010/main" val="1703555224"/>
+      </p:ext>
+    </p:extLst>
   </p:cSld>
   <p:clrMapOvr>
     <a:masterClrMapping/>
@@ -4284,11 +4793,11 @@
               </a:lnSpc>
               <a:defRPr/>
             </a:lvl1pPr>
-            <a:lvl2pPr marL="557530" indent="-214630">
+            <a:lvl2pPr marL="557213" indent="-214313">
               <a:lnSpc>
                 <a:spcPct val="90000"/>
               </a:lnSpc>
-              <a:buFont typeface="Lucida Grande" panose="020B0600040502020204"/>
+              <a:buFont typeface="Lucida Grande"/>
               <a:buChar char="–"/>
               <a:defRPr sz="2400"/>
             </a:lvl2pPr>
@@ -4305,7 +4814,6 @@
               <a:rPr lang="en-US" dirty="0"/>
               <a:t>Click to edit Master text styles</a:t>
             </a:r>
-            <a:endParaRPr lang="en-US" dirty="0"/>
           </a:p>
           <a:p>
             <a:pPr lvl="1"/>
@@ -4313,7 +4821,6 @@
               <a:rPr lang="en-US" dirty="0"/>
               <a:t>Second level</a:t>
             </a:r>
-            <a:endParaRPr lang="en-US" dirty="0"/>
           </a:p>
           <a:p>
             <a:pPr lvl="2"/>
@@ -4321,13 +4828,18 @@
               <a:rPr lang="en-US" dirty="0"/>
               <a:t>Third level</a:t>
             </a:r>
-            <a:endParaRPr lang="en-US" dirty="0"/>
           </a:p>
         </p:txBody>
       </p:sp>
       <p:sp>
         <p:nvSpPr>
-          <p:cNvPr id="5" name="Title Placeholder 1"/>
+          <p:cNvPr id="5" name="Title Placeholder 1">
+            <a:extLst>
+              <a:ext uri="{FF2B5EF4-FFF2-40B4-BE49-F238E27FC236}">
+                <a16:creationId xmlns:a16="http://schemas.microsoft.com/office/drawing/2014/main" id="{63D16220-4F50-6A45-8A5C-0AB56F7CE96C}"/>
+              </a:ext>
+            </a:extLst>
+          </p:cNvPr>
           <p:cNvSpPr>
             <a:spLocks noGrp="1"/>
           </p:cNvSpPr>
@@ -4347,9 +4859,35 @@
           <a:ln>
             <a:noFill/>
           </a:ln>
+          <a:extLst>
+            <a:ext uri="{909E8E84-426E-40dd-AFC4-6F175D3DCCD1}">
+              <a14:hiddenFill xmlns="" xmlns:a14="http://schemas.microsoft.com/office/drawing/2010/main">
+                <a:solidFill>
+                  <a:srgbClr val="FFFFFF"/>
+                </a:solidFill>
+              </a14:hiddenFill>
+            </a:ext>
+            <a:ext uri="{91240B29-F687-4f45-9708-019B960494DF}">
+              <a14:hiddenLine xmlns="" xmlns:a14="http://schemas.microsoft.com/office/drawing/2010/main" w="9525">
+                <a:solidFill>
+                  <a:srgbClr val="000000"/>
+                </a:solidFill>
+                <a:miter lim="800000"/>
+                <a:headEnd/>
+                <a:tailEnd/>
+              </a14:hiddenLine>
+            </a:ext>
+            <a:ext uri="{FAA26D3D-D897-4be2-8F04-BA451C77F1D7}">
+              <ma14:placeholderFlag xmlns="" xmlns:ma14="http://schemas.microsoft.com/office/mac/drawingml/2011/main" val="1"/>
+            </a:ext>
+          </a:extLst>
         </p:spPr>
         <p:txBody>
-          <a:bodyPr vert="horz" wrap="square" lIns="0" tIns="0" rIns="0" bIns="0" numCol="1" anchor="t" anchorCtr="0" compatLnSpc="1"/>
+          <a:bodyPr vert="horz" wrap="square" lIns="0" tIns="0" rIns="0" bIns="0" numCol="1" anchor="t" anchorCtr="0" compatLnSpc="1">
+            <a:prstTxWarp prst="textNoShape">
+              <a:avLst/>
+            </a:prstTxWarp>
+          </a:bodyPr>
           <a:lstStyle/>
           <a:p>
             <a:pPr lvl="0"/>
@@ -4357,11 +4895,15 @@
               <a:rPr lang="en-US" dirty="0"/>
               <a:t>Insert slide title </a:t>
             </a:r>
-            <a:endParaRPr lang="en-US" dirty="0"/>
           </a:p>
         </p:txBody>
       </p:sp>
     </p:spTree>
+    <p:extLst>
+      <p:ext uri="{BB962C8B-B14F-4D97-AF65-F5344CB8AC3E}">
+        <p14:creationId xmlns:p14="http://schemas.microsoft.com/office/powerpoint/2010/main" val="1180499330"/>
+      </p:ext>
+    </p:extLst>
   </p:cSld>
   <p:clrMapOvr>
     <a:masterClrMapping/>
@@ -4388,7 +4930,13 @@
       </p:grpSpPr>
       <p:sp>
         <p:nvSpPr>
-          <p:cNvPr id="5" name="Title Placeholder 1"/>
+          <p:cNvPr id="5" name="Title Placeholder 1">
+            <a:extLst>
+              <a:ext uri="{FF2B5EF4-FFF2-40B4-BE49-F238E27FC236}">
+                <a16:creationId xmlns:a16="http://schemas.microsoft.com/office/drawing/2014/main" id="{70A60416-C836-0E45-976A-13A986DE89E8}"/>
+              </a:ext>
+            </a:extLst>
+          </p:cNvPr>
           <p:cNvSpPr>
             <a:spLocks noGrp="1"/>
           </p:cNvSpPr>
@@ -4408,9 +4956,35 @@
           <a:ln>
             <a:noFill/>
           </a:ln>
+          <a:extLst>
+            <a:ext uri="{909E8E84-426E-40dd-AFC4-6F175D3DCCD1}">
+              <a14:hiddenFill xmlns="" xmlns:a14="http://schemas.microsoft.com/office/drawing/2010/main">
+                <a:solidFill>
+                  <a:srgbClr val="FFFFFF"/>
+                </a:solidFill>
+              </a14:hiddenFill>
+            </a:ext>
+            <a:ext uri="{91240B29-F687-4f45-9708-019B960494DF}">
+              <a14:hiddenLine xmlns="" xmlns:a14="http://schemas.microsoft.com/office/drawing/2010/main" w="9525">
+                <a:solidFill>
+                  <a:srgbClr val="000000"/>
+                </a:solidFill>
+                <a:miter lim="800000"/>
+                <a:headEnd/>
+                <a:tailEnd/>
+              </a14:hiddenLine>
+            </a:ext>
+            <a:ext uri="{FAA26D3D-D897-4be2-8F04-BA451C77F1D7}">
+              <ma14:placeholderFlag xmlns="" xmlns:ma14="http://schemas.microsoft.com/office/mac/drawingml/2011/main" val="1"/>
+            </a:ext>
+          </a:extLst>
         </p:spPr>
         <p:txBody>
-          <a:bodyPr vert="horz" wrap="square" lIns="0" tIns="0" rIns="0" bIns="0" numCol="1" anchor="t" anchorCtr="0" compatLnSpc="1"/>
+          <a:bodyPr vert="horz" wrap="square" lIns="0" tIns="0" rIns="0" bIns="0" numCol="1" anchor="t" anchorCtr="0" compatLnSpc="1">
+            <a:prstTxWarp prst="textNoShape">
+              <a:avLst/>
+            </a:prstTxWarp>
+          </a:bodyPr>
           <a:lstStyle/>
           <a:p>
             <a:pPr lvl="0"/>
@@ -4418,13 +4992,18 @@
               <a:rPr lang="en-US" dirty="0"/>
               <a:t>Insert slide title</a:t>
             </a:r>
-            <a:endParaRPr lang="en-US" dirty="0"/>
           </a:p>
         </p:txBody>
       </p:sp>
       <p:sp>
         <p:nvSpPr>
-          <p:cNvPr id="7" name="Content Placeholder 2"/>
+          <p:cNvPr id="7" name="Content Placeholder 2">
+            <a:extLst>
+              <a:ext uri="{FF2B5EF4-FFF2-40B4-BE49-F238E27FC236}">
+                <a16:creationId xmlns:a16="http://schemas.microsoft.com/office/drawing/2014/main" id="{8337E35D-E929-4CDD-AFA3-DDA5D95A9F9F}"/>
+              </a:ext>
+            </a:extLst>
+          </p:cNvPr>
           <p:cNvSpPr>
             <a:spLocks noGrp="1"/>
           </p:cNvSpPr>
@@ -4480,7 +5059,6 @@
               <a:rPr lang="en-US" dirty="0"/>
               <a:t>Click to edit Master text styles</a:t>
             </a:r>
-            <a:endParaRPr lang="en-US" dirty="0"/>
           </a:p>
           <a:p>
             <a:pPr lvl="1"/>
@@ -4488,7 +5066,6 @@
               <a:rPr lang="en-US" dirty="0"/>
               <a:t>Second level</a:t>
             </a:r>
-            <a:endParaRPr lang="en-US" dirty="0"/>
           </a:p>
           <a:p>
             <a:pPr lvl="2"/>
@@ -4496,13 +5073,18 @@
               <a:rPr lang="en-US" dirty="0"/>
               <a:t>Third level</a:t>
             </a:r>
-            <a:endParaRPr lang="en-US" dirty="0"/>
           </a:p>
         </p:txBody>
       </p:sp>
       <p:sp>
         <p:nvSpPr>
-          <p:cNvPr id="9" name="Content Placeholder 3"/>
+          <p:cNvPr id="9" name="Content Placeholder 3">
+            <a:extLst>
+              <a:ext uri="{FF2B5EF4-FFF2-40B4-BE49-F238E27FC236}">
+                <a16:creationId xmlns:a16="http://schemas.microsoft.com/office/drawing/2014/main" id="{DBCD8866-5C79-4769-B022-E56134A505BB}"/>
+              </a:ext>
+            </a:extLst>
+          </p:cNvPr>
           <p:cNvSpPr>
             <a:spLocks noGrp="1"/>
           </p:cNvSpPr>
@@ -4558,7 +5140,6 @@
               <a:rPr lang="en-US" dirty="0"/>
               <a:t>Click to edit Master text styles</a:t>
             </a:r>
-            <a:endParaRPr lang="en-US" dirty="0"/>
           </a:p>
           <a:p>
             <a:pPr lvl="1"/>
@@ -4566,7 +5147,6 @@
               <a:rPr lang="en-US" dirty="0"/>
               <a:t>Second level</a:t>
             </a:r>
-            <a:endParaRPr lang="en-US" dirty="0"/>
           </a:p>
           <a:p>
             <a:pPr lvl="2"/>
@@ -4574,11 +5154,15 @@
               <a:rPr lang="en-US" dirty="0"/>
               <a:t>Third level</a:t>
             </a:r>
-            <a:endParaRPr lang="en-US" dirty="0"/>
           </a:p>
         </p:txBody>
       </p:sp>
     </p:spTree>
+    <p:extLst>
+      <p:ext uri="{BB962C8B-B14F-4D97-AF65-F5344CB8AC3E}">
+        <p14:creationId xmlns:p14="http://schemas.microsoft.com/office/powerpoint/2010/main" val="1899059807"/>
+      </p:ext>
+    </p:extLst>
   </p:cSld>
   <p:clrMapOvr>
     <a:masterClrMapping/>
@@ -4636,13 +5220,18 @@
               <a:rPr lang="en-US" noProof="0" dirty="0"/>
               <a:t>Click icon to add picture</a:t>
             </a:r>
-            <a:endParaRPr lang="en-US" noProof="0" dirty="0"/>
           </a:p>
         </p:txBody>
       </p:sp>
       <p:sp>
         <p:nvSpPr>
-          <p:cNvPr id="8" name="Text Placeholder 2"/>
+          <p:cNvPr id="8" name="Text Placeholder 2">
+            <a:extLst>
+              <a:ext uri="{FF2B5EF4-FFF2-40B4-BE49-F238E27FC236}">
+                <a16:creationId xmlns:a16="http://schemas.microsoft.com/office/drawing/2014/main" id="{6B9C7BF1-6F0E-974D-9D90-8D2E3B8614D2}"/>
+              </a:ext>
+            </a:extLst>
+          </p:cNvPr>
           <p:cNvSpPr>
             <a:spLocks noGrp="1"/>
           </p:cNvSpPr>
@@ -4670,13 +5259,18 @@
               <a:rPr lang="en-US" dirty="0"/>
               <a:t>* Include source</a:t>
             </a:r>
-            <a:endParaRPr lang="en-US" dirty="0"/>
           </a:p>
         </p:txBody>
       </p:sp>
       <p:sp>
         <p:nvSpPr>
-          <p:cNvPr id="9" name="Title Placeholder 1"/>
+          <p:cNvPr id="9" name="Title Placeholder 1">
+            <a:extLst>
+              <a:ext uri="{FF2B5EF4-FFF2-40B4-BE49-F238E27FC236}">
+                <a16:creationId xmlns:a16="http://schemas.microsoft.com/office/drawing/2014/main" id="{1A6E8EBA-F725-4134-BDCE-9523A37EB37D}"/>
+              </a:ext>
+            </a:extLst>
+          </p:cNvPr>
           <p:cNvSpPr>
             <a:spLocks noGrp="1"/>
           </p:cNvSpPr>
@@ -4696,9 +5290,35 @@
           <a:ln>
             <a:noFill/>
           </a:ln>
+          <a:extLst>
+            <a:ext uri="{909E8E84-426E-40dd-AFC4-6F175D3DCCD1}">
+              <a14:hiddenFill xmlns="" xmlns:a14="http://schemas.microsoft.com/office/drawing/2010/main">
+                <a:solidFill>
+                  <a:srgbClr val="FFFFFF"/>
+                </a:solidFill>
+              </a14:hiddenFill>
+            </a:ext>
+            <a:ext uri="{91240B29-F687-4f45-9708-019B960494DF}">
+              <a14:hiddenLine xmlns="" xmlns:a14="http://schemas.microsoft.com/office/drawing/2010/main" w="9525">
+                <a:solidFill>
+                  <a:srgbClr val="000000"/>
+                </a:solidFill>
+                <a:miter lim="800000"/>
+                <a:headEnd/>
+                <a:tailEnd/>
+              </a14:hiddenLine>
+            </a:ext>
+            <a:ext uri="{FAA26D3D-D897-4be2-8F04-BA451C77F1D7}">
+              <ma14:placeholderFlag xmlns="" xmlns:ma14="http://schemas.microsoft.com/office/mac/drawingml/2011/main" val="1"/>
+            </a:ext>
+          </a:extLst>
         </p:spPr>
         <p:txBody>
-          <a:bodyPr vert="horz" wrap="square" lIns="0" tIns="0" rIns="0" bIns="0" numCol="1" anchor="t" anchorCtr="0" compatLnSpc="1"/>
+          <a:bodyPr vert="horz" wrap="square" lIns="0" tIns="0" rIns="0" bIns="0" numCol="1" anchor="t" anchorCtr="0" compatLnSpc="1">
+            <a:prstTxWarp prst="textNoShape">
+              <a:avLst/>
+            </a:prstTxWarp>
+          </a:bodyPr>
           <a:lstStyle/>
           <a:p>
             <a:pPr lvl="0"/>
@@ -4706,13 +5326,18 @@
               <a:rPr lang="en-US" dirty="0"/>
               <a:t>Insert slide title</a:t>
             </a:r>
-            <a:endParaRPr lang="en-US" dirty="0"/>
           </a:p>
         </p:txBody>
       </p:sp>
       <p:sp>
         <p:nvSpPr>
-          <p:cNvPr id="10" name="Content Placeholder 3"/>
+          <p:cNvPr id="10" name="Content Placeholder 3">
+            <a:extLst>
+              <a:ext uri="{FF2B5EF4-FFF2-40B4-BE49-F238E27FC236}">
+                <a16:creationId xmlns:a16="http://schemas.microsoft.com/office/drawing/2014/main" id="{F396C485-F9F3-4645-B4AF-D94B2D375008}"/>
+              </a:ext>
+            </a:extLst>
+          </p:cNvPr>
           <p:cNvSpPr>
             <a:spLocks noGrp="1"/>
           </p:cNvSpPr>
@@ -4768,7 +5393,6 @@
               <a:rPr lang="en-US" dirty="0"/>
               <a:t>Click to edit Master text styles</a:t>
             </a:r>
-            <a:endParaRPr lang="en-US" dirty="0"/>
           </a:p>
           <a:p>
             <a:pPr lvl="1"/>
@@ -4776,7 +5400,6 @@
               <a:rPr lang="en-US" dirty="0"/>
               <a:t>Second level</a:t>
             </a:r>
-            <a:endParaRPr lang="en-US" dirty="0"/>
           </a:p>
           <a:p>
             <a:pPr lvl="2"/>
@@ -4784,11 +5407,15 @@
               <a:rPr lang="en-US" dirty="0"/>
               <a:t>Third level</a:t>
             </a:r>
-            <a:endParaRPr lang="en-US" dirty="0"/>
           </a:p>
         </p:txBody>
       </p:sp>
     </p:spTree>
+    <p:extLst>
+      <p:ext uri="{BB962C8B-B14F-4D97-AF65-F5344CB8AC3E}">
+        <p14:creationId xmlns:p14="http://schemas.microsoft.com/office/powerpoint/2010/main" val="2758245220"/>
+      </p:ext>
+    </p:extLst>
   </p:cSld>
   <p:clrMapOvr>
     <a:masterClrMapping/>
@@ -4820,7 +5447,7 @@
             <a:spLocks noGrp="1"/>
           </p:cNvSpPr>
           <p:nvPr>
-            <p:ph type="tbl" sz="quarter" idx="12" hasCustomPrompt="1"/>
+            <p:ph type="tbl" sz="quarter" idx="12"/>
           </p:nvPr>
         </p:nvSpPr>
         <p:spPr>
@@ -4846,13 +5473,18 @@
               <a:rPr lang="en-US" noProof="0" dirty="0"/>
               <a:t>Click icon to add table</a:t>
             </a:r>
-            <a:endParaRPr lang="en-US" noProof="0" dirty="0"/>
           </a:p>
         </p:txBody>
       </p:sp>
       <p:sp>
         <p:nvSpPr>
-          <p:cNvPr id="6" name="Title Placeholder 1"/>
+          <p:cNvPr id="6" name="Title Placeholder 1">
+            <a:extLst>
+              <a:ext uri="{FF2B5EF4-FFF2-40B4-BE49-F238E27FC236}">
+                <a16:creationId xmlns:a16="http://schemas.microsoft.com/office/drawing/2014/main" id="{9842CB90-B2C6-9F49-B023-F8F8398B98F1}"/>
+              </a:ext>
+            </a:extLst>
+          </p:cNvPr>
           <p:cNvSpPr>
             <a:spLocks noGrp="1"/>
           </p:cNvSpPr>
@@ -4872,9 +5504,35 @@
           <a:ln>
             <a:noFill/>
           </a:ln>
+          <a:extLst>
+            <a:ext uri="{909E8E84-426E-40dd-AFC4-6F175D3DCCD1}">
+              <a14:hiddenFill xmlns="" xmlns:a14="http://schemas.microsoft.com/office/drawing/2010/main">
+                <a:solidFill>
+                  <a:srgbClr val="FFFFFF"/>
+                </a:solidFill>
+              </a14:hiddenFill>
+            </a:ext>
+            <a:ext uri="{91240B29-F687-4f45-9708-019B960494DF}">
+              <a14:hiddenLine xmlns="" xmlns:a14="http://schemas.microsoft.com/office/drawing/2010/main" w="9525">
+                <a:solidFill>
+                  <a:srgbClr val="000000"/>
+                </a:solidFill>
+                <a:miter lim="800000"/>
+                <a:headEnd/>
+                <a:tailEnd/>
+              </a14:hiddenLine>
+            </a:ext>
+            <a:ext uri="{FAA26D3D-D897-4be2-8F04-BA451C77F1D7}">
+              <ma14:placeholderFlag xmlns="" xmlns:ma14="http://schemas.microsoft.com/office/mac/drawingml/2011/main" val="1"/>
+            </a:ext>
+          </a:extLst>
         </p:spPr>
         <p:txBody>
-          <a:bodyPr vert="horz" wrap="square" lIns="0" tIns="0" rIns="0" bIns="0" numCol="1" anchor="t" anchorCtr="0" compatLnSpc="1"/>
+          <a:bodyPr vert="horz" wrap="square" lIns="0" tIns="0" rIns="0" bIns="0" numCol="1" anchor="t" anchorCtr="0" compatLnSpc="1">
+            <a:prstTxWarp prst="textNoShape">
+              <a:avLst/>
+            </a:prstTxWarp>
+          </a:bodyPr>
           <a:lstStyle/>
           <a:p>
             <a:pPr lvl="0"/>
@@ -4882,13 +5540,18 @@
               <a:rPr lang="en-US" dirty="0"/>
               <a:t>Insert slide title</a:t>
             </a:r>
-            <a:endParaRPr lang="en-US" dirty="0"/>
           </a:p>
         </p:txBody>
       </p:sp>
       <p:sp>
         <p:nvSpPr>
-          <p:cNvPr id="9" name="Text Placeholder 2"/>
+          <p:cNvPr id="9" name="Text Placeholder 2">
+            <a:extLst>
+              <a:ext uri="{FF2B5EF4-FFF2-40B4-BE49-F238E27FC236}">
+                <a16:creationId xmlns:a16="http://schemas.microsoft.com/office/drawing/2014/main" id="{DCFEABC9-8CBC-4BFF-A091-0B1175D7A66C}"/>
+              </a:ext>
+            </a:extLst>
+          </p:cNvPr>
           <p:cNvSpPr>
             <a:spLocks noGrp="1"/>
           </p:cNvSpPr>
@@ -4916,13 +5579,18 @@
               <a:rPr lang="en-US" dirty="0"/>
               <a:t>* Include source</a:t>
             </a:r>
-            <a:endParaRPr lang="en-US" dirty="0"/>
           </a:p>
         </p:txBody>
       </p:sp>
       <p:sp>
         <p:nvSpPr>
-          <p:cNvPr id="10" name="Content Placeholder 3"/>
+          <p:cNvPr id="10" name="Content Placeholder 3">
+            <a:extLst>
+              <a:ext uri="{FF2B5EF4-FFF2-40B4-BE49-F238E27FC236}">
+                <a16:creationId xmlns:a16="http://schemas.microsoft.com/office/drawing/2014/main" id="{FC11E0B3-4BC6-4FDE-8A73-E95CF528DD93}"/>
+              </a:ext>
+            </a:extLst>
+          </p:cNvPr>
           <p:cNvSpPr>
             <a:spLocks noGrp="1"/>
           </p:cNvSpPr>
@@ -4978,7 +5646,6 @@
               <a:rPr lang="en-US" dirty="0"/>
               <a:t>Click to edit Master text styles</a:t>
             </a:r>
-            <a:endParaRPr lang="en-US" dirty="0"/>
           </a:p>
           <a:p>
             <a:pPr lvl="1"/>
@@ -4986,7 +5653,6 @@
               <a:rPr lang="en-US" dirty="0"/>
               <a:t>Second level</a:t>
             </a:r>
-            <a:endParaRPr lang="en-US" dirty="0"/>
           </a:p>
           <a:p>
             <a:pPr lvl="2"/>
@@ -4994,11 +5660,15 @@
               <a:rPr lang="en-US" dirty="0"/>
               <a:t>Third level</a:t>
             </a:r>
-            <a:endParaRPr lang="en-US" dirty="0"/>
           </a:p>
         </p:txBody>
       </p:sp>
     </p:spTree>
+    <p:extLst>
+      <p:ext uri="{BB962C8B-B14F-4D97-AF65-F5344CB8AC3E}">
+        <p14:creationId xmlns:p14="http://schemas.microsoft.com/office/powerpoint/2010/main" val="3588238536"/>
+      </p:ext>
+    </p:extLst>
   </p:cSld>
   <p:clrMapOvr>
     <a:masterClrMapping/>
@@ -5030,7 +5700,7 @@
             <a:spLocks noGrp="1"/>
           </p:cNvSpPr>
           <p:nvPr>
-            <p:ph type="chart" sz="quarter" idx="13" hasCustomPrompt="1"/>
+            <p:ph type="chart" sz="quarter" idx="13"/>
           </p:nvPr>
         </p:nvSpPr>
         <p:spPr>
@@ -5057,8 +5727,9 @@
               </a:spcAft>
               <a:buClrTx/>
               <a:buSzTx/>
-              <a:buFont typeface="Lucida Grande" panose="020B0600040502020204"/>
+              <a:buFont typeface="Lucida Grande"/>
               <a:buNone/>
+              <a:tabLst/>
               <a:defRPr/>
             </a:lvl1pPr>
           </a:lstStyle>
@@ -5074,7 +5745,13 @@
       </p:sp>
       <p:sp>
         <p:nvSpPr>
-          <p:cNvPr id="7" name="Title Placeholder 1"/>
+          <p:cNvPr id="7" name="Title Placeholder 1">
+            <a:extLst>
+              <a:ext uri="{FF2B5EF4-FFF2-40B4-BE49-F238E27FC236}">
+                <a16:creationId xmlns:a16="http://schemas.microsoft.com/office/drawing/2014/main" id="{A9E197AB-B83A-F542-A11A-CDE4241E8C70}"/>
+              </a:ext>
+            </a:extLst>
+          </p:cNvPr>
           <p:cNvSpPr>
             <a:spLocks noGrp="1"/>
           </p:cNvSpPr>
@@ -5094,9 +5771,35 @@
           <a:ln>
             <a:noFill/>
           </a:ln>
+          <a:extLst>
+            <a:ext uri="{909E8E84-426E-40dd-AFC4-6F175D3DCCD1}">
+              <a14:hiddenFill xmlns="" xmlns:a14="http://schemas.microsoft.com/office/drawing/2010/main">
+                <a:solidFill>
+                  <a:srgbClr val="FFFFFF"/>
+                </a:solidFill>
+              </a14:hiddenFill>
+            </a:ext>
+            <a:ext uri="{91240B29-F687-4f45-9708-019B960494DF}">
+              <a14:hiddenLine xmlns="" xmlns:a14="http://schemas.microsoft.com/office/drawing/2010/main" w="9525">
+                <a:solidFill>
+                  <a:srgbClr val="000000"/>
+                </a:solidFill>
+                <a:miter lim="800000"/>
+                <a:headEnd/>
+                <a:tailEnd/>
+              </a14:hiddenLine>
+            </a:ext>
+            <a:ext uri="{FAA26D3D-D897-4be2-8F04-BA451C77F1D7}">
+              <ma14:placeholderFlag xmlns="" xmlns:ma14="http://schemas.microsoft.com/office/mac/drawingml/2011/main" val="1"/>
+            </a:ext>
+          </a:extLst>
         </p:spPr>
         <p:txBody>
-          <a:bodyPr vert="horz" wrap="square" lIns="0" tIns="0" rIns="0" bIns="0" numCol="1" anchor="t" anchorCtr="0" compatLnSpc="1"/>
+          <a:bodyPr vert="horz" wrap="square" lIns="0" tIns="0" rIns="0" bIns="0" numCol="1" anchor="t" anchorCtr="0" compatLnSpc="1">
+            <a:prstTxWarp prst="textNoShape">
+              <a:avLst/>
+            </a:prstTxWarp>
+          </a:bodyPr>
           <a:lstStyle/>
           <a:p>
             <a:pPr lvl="0"/>
@@ -5104,13 +5807,18 @@
               <a:rPr lang="en-US" dirty="0"/>
               <a:t>Insert slide title</a:t>
             </a:r>
-            <a:endParaRPr lang="en-US" dirty="0"/>
           </a:p>
         </p:txBody>
       </p:sp>
       <p:sp>
         <p:nvSpPr>
-          <p:cNvPr id="8" name="Text Placeholder 2"/>
+          <p:cNvPr id="8" name="Text Placeholder 2">
+            <a:extLst>
+              <a:ext uri="{FF2B5EF4-FFF2-40B4-BE49-F238E27FC236}">
+                <a16:creationId xmlns:a16="http://schemas.microsoft.com/office/drawing/2014/main" id="{FDEF6A8B-FE55-424B-91EF-87F23AFF3A8E}"/>
+              </a:ext>
+            </a:extLst>
+          </p:cNvPr>
           <p:cNvSpPr>
             <a:spLocks noGrp="1"/>
           </p:cNvSpPr>
@@ -5138,13 +5846,18 @@
               <a:rPr lang="en-US" dirty="0"/>
               <a:t>* Include source</a:t>
             </a:r>
-            <a:endParaRPr lang="en-US" dirty="0"/>
           </a:p>
         </p:txBody>
       </p:sp>
       <p:sp>
         <p:nvSpPr>
-          <p:cNvPr id="10" name="Content Placeholder 3"/>
+          <p:cNvPr id="10" name="Content Placeholder 3">
+            <a:extLst>
+              <a:ext uri="{FF2B5EF4-FFF2-40B4-BE49-F238E27FC236}">
+                <a16:creationId xmlns:a16="http://schemas.microsoft.com/office/drawing/2014/main" id="{FBDBDC34-494F-4FD9-8BD2-78F992CF9F94}"/>
+              </a:ext>
+            </a:extLst>
+          </p:cNvPr>
           <p:cNvSpPr>
             <a:spLocks noGrp="1"/>
           </p:cNvSpPr>
@@ -5198,7 +5911,6 @@
               <a:rPr lang="en-US" dirty="0"/>
               <a:t>Click to edit Master text styles</a:t>
             </a:r>
-            <a:endParaRPr lang="en-US" dirty="0"/>
           </a:p>
           <a:p>
             <a:pPr lvl="1"/>
@@ -5206,7 +5918,6 @@
               <a:rPr lang="en-US" dirty="0"/>
               <a:t>Second level</a:t>
             </a:r>
-            <a:endParaRPr lang="en-US" dirty="0"/>
           </a:p>
           <a:p>
             <a:pPr lvl="2"/>
@@ -5214,11 +5925,15 @@
               <a:rPr lang="en-US" dirty="0"/>
               <a:t>Third level</a:t>
             </a:r>
-            <a:endParaRPr lang="en-US" dirty="0"/>
           </a:p>
         </p:txBody>
       </p:sp>
     </p:spTree>
+    <p:extLst>
+      <p:ext uri="{BB962C8B-B14F-4D97-AF65-F5344CB8AC3E}">
+        <p14:creationId xmlns:p14="http://schemas.microsoft.com/office/powerpoint/2010/main" val="4265977939"/>
+      </p:ext>
+    </p:extLst>
   </p:cSld>
   <p:clrMapOvr>
     <a:masterClrMapping/>
@@ -5282,7 +5997,13 @@
       </p:sp>
       <p:sp>
         <p:nvSpPr>
-          <p:cNvPr id="4" name="Title Placeholder 1"/>
+          <p:cNvPr id="4" name="Title Placeholder 1">
+            <a:extLst>
+              <a:ext uri="{FF2B5EF4-FFF2-40B4-BE49-F238E27FC236}">
+                <a16:creationId xmlns:a16="http://schemas.microsoft.com/office/drawing/2014/main" id="{716DB442-97F9-2241-AE70-FE1000B8FF4F}"/>
+              </a:ext>
+            </a:extLst>
+          </p:cNvPr>
           <p:cNvSpPr>
             <a:spLocks noGrp="1"/>
           </p:cNvSpPr>
@@ -5302,9 +6023,35 @@
           <a:ln>
             <a:noFill/>
           </a:ln>
+          <a:extLst>
+            <a:ext uri="{909E8E84-426E-40dd-AFC4-6F175D3DCCD1}">
+              <a14:hiddenFill xmlns="" xmlns:a14="http://schemas.microsoft.com/office/drawing/2010/main">
+                <a:solidFill>
+                  <a:srgbClr val="FFFFFF"/>
+                </a:solidFill>
+              </a14:hiddenFill>
+            </a:ext>
+            <a:ext uri="{91240B29-F687-4f45-9708-019B960494DF}">
+              <a14:hiddenLine xmlns="" xmlns:a14="http://schemas.microsoft.com/office/drawing/2010/main" w="9525">
+                <a:solidFill>
+                  <a:srgbClr val="000000"/>
+                </a:solidFill>
+                <a:miter lim="800000"/>
+                <a:headEnd/>
+                <a:tailEnd/>
+              </a14:hiddenLine>
+            </a:ext>
+            <a:ext uri="{FAA26D3D-D897-4be2-8F04-BA451C77F1D7}">
+              <ma14:placeholderFlag xmlns="" xmlns:ma14="http://schemas.microsoft.com/office/mac/drawingml/2011/main" val="1"/>
+            </a:ext>
+          </a:extLst>
         </p:spPr>
         <p:txBody>
-          <a:bodyPr vert="horz" wrap="square" lIns="0" tIns="0" rIns="0" bIns="0" numCol="1" anchor="t" anchorCtr="0" compatLnSpc="1"/>
+          <a:bodyPr vert="horz" wrap="square" lIns="0" tIns="0" rIns="0" bIns="0" numCol="1" anchor="t" anchorCtr="0" compatLnSpc="1">
+            <a:prstTxWarp prst="textNoShape">
+              <a:avLst/>
+            </a:prstTxWarp>
+          </a:bodyPr>
           <a:lstStyle/>
           <a:p>
             <a:pPr lvl="0"/>
@@ -5312,11 +6059,15 @@
               <a:rPr lang="en-US" dirty="0"/>
               <a:t>Insert slide title</a:t>
             </a:r>
-            <a:endParaRPr lang="en-US" dirty="0"/>
           </a:p>
         </p:txBody>
       </p:sp>
     </p:spTree>
+    <p:extLst>
+      <p:ext uri="{BB962C8B-B14F-4D97-AF65-F5344CB8AC3E}">
+        <p14:creationId xmlns:p14="http://schemas.microsoft.com/office/powerpoint/2010/main" val="1996099708"/>
+      </p:ext>
+    </p:extLst>
   </p:cSld>
   <p:clrMapOvr>
     <a:masterClrMapping/>
@@ -5343,7 +6094,13 @@
       </p:grpSpPr>
       <p:sp>
         <p:nvSpPr>
-          <p:cNvPr id="3" name="Title Placeholder 1"/>
+          <p:cNvPr id="3" name="Title Placeholder 1">
+            <a:extLst>
+              <a:ext uri="{FF2B5EF4-FFF2-40B4-BE49-F238E27FC236}">
+                <a16:creationId xmlns:a16="http://schemas.microsoft.com/office/drawing/2014/main" id="{861D717C-1AC4-394E-91B8-A016BB12DA1B}"/>
+              </a:ext>
+            </a:extLst>
+          </p:cNvPr>
           <p:cNvSpPr>
             <a:spLocks noGrp="1"/>
           </p:cNvSpPr>
@@ -5363,9 +6120,35 @@
           <a:ln>
             <a:noFill/>
           </a:ln>
+          <a:extLst>
+            <a:ext uri="{909E8E84-426E-40dd-AFC4-6F175D3DCCD1}">
+              <a14:hiddenFill xmlns="" xmlns:a14="http://schemas.microsoft.com/office/drawing/2010/main">
+                <a:solidFill>
+                  <a:srgbClr val="FFFFFF"/>
+                </a:solidFill>
+              </a14:hiddenFill>
+            </a:ext>
+            <a:ext uri="{91240B29-F687-4f45-9708-019B960494DF}">
+              <a14:hiddenLine xmlns="" xmlns:a14="http://schemas.microsoft.com/office/drawing/2010/main" w="9525">
+                <a:solidFill>
+                  <a:srgbClr val="000000"/>
+                </a:solidFill>
+                <a:miter lim="800000"/>
+                <a:headEnd/>
+                <a:tailEnd/>
+              </a14:hiddenLine>
+            </a:ext>
+            <a:ext uri="{FAA26D3D-D897-4be2-8F04-BA451C77F1D7}">
+              <ma14:placeholderFlag xmlns="" xmlns:ma14="http://schemas.microsoft.com/office/mac/drawingml/2011/main" val="1"/>
+            </a:ext>
+          </a:extLst>
         </p:spPr>
         <p:txBody>
-          <a:bodyPr vert="horz" wrap="square" lIns="0" tIns="0" rIns="0" bIns="0" numCol="1" anchor="t" anchorCtr="0" compatLnSpc="1"/>
+          <a:bodyPr vert="horz" wrap="square" lIns="0" tIns="0" rIns="0" bIns="0" numCol="1" anchor="t" anchorCtr="0" compatLnSpc="1">
+            <a:prstTxWarp prst="textNoShape">
+              <a:avLst/>
+            </a:prstTxWarp>
+          </a:bodyPr>
           <a:lstStyle/>
           <a:p>
             <a:pPr lvl="0"/>
@@ -5373,11 +6156,15 @@
               <a:rPr lang="en-US" dirty="0"/>
               <a:t>Insert slide title</a:t>
             </a:r>
-            <a:endParaRPr lang="en-US" dirty="0"/>
           </a:p>
         </p:txBody>
       </p:sp>
     </p:spTree>
+    <p:extLst>
+      <p:ext uri="{BB962C8B-B14F-4D97-AF65-F5344CB8AC3E}">
+        <p14:creationId xmlns:p14="http://schemas.microsoft.com/office/powerpoint/2010/main" val="1605899515"/>
+      </p:ext>
+    </p:extLst>
   </p:cSld>
   <p:clrMapOvr>
     <a:masterClrMapping/>
@@ -5411,7 +6198,13 @@
           <p:nvPr/>
         </p:nvPicPr>
         <p:blipFill>
-          <a:blip r:embed="rId2" cstate="email"/>
+          <a:blip r:embed="rId2" cstate="email">
+            <a:extLst>
+              <a:ext uri="{28A0092B-C50C-407E-A947-70E740481C1C}">
+                <a14:useLocalDpi xmlns:a14="http://schemas.microsoft.com/office/drawing/2010/main"/>
+              </a:ext>
+            </a:extLst>
+          </a:blip>
           <a:srcRect/>
           <a:stretch>
             <a:fillRect/>
@@ -5429,6 +6222,25 @@
           <a:ln>
             <a:noFill/>
           </a:ln>
+          <a:extLst>
+            <a:ext uri="{909E8E84-426E-40dd-AFC4-6F175D3DCCD1}">
+              <a14:hiddenFill xmlns="" xmlns:a14="http://schemas.microsoft.com/office/drawing/2010/main">
+                <a:solidFill>
+                  <a:srgbClr val="FFFFFF"/>
+                </a:solidFill>
+              </a14:hiddenFill>
+            </a:ext>
+            <a:ext uri="{91240B29-F687-4f45-9708-019B960494DF}">
+              <a14:hiddenLine xmlns="" xmlns:a14="http://schemas.microsoft.com/office/drawing/2010/main" w="9525">
+                <a:solidFill>
+                  <a:srgbClr val="000000"/>
+                </a:solidFill>
+                <a:miter lim="800000"/>
+                <a:headEnd/>
+                <a:tailEnd/>
+              </a14:hiddenLine>
+            </a:ext>
+          </a:extLst>
         </p:spPr>
       </p:pic>
       <p:sp>
@@ -5488,7 +6300,6 @@
               <a:rPr lang="en-US" dirty="0"/>
               <a:t>Click to edit Master text styles</a:t>
             </a:r>
-            <a:endParaRPr lang="en-US" dirty="0"/>
           </a:p>
         </p:txBody>
       </p:sp>
@@ -5534,7 +6345,13 @@
       </p:sp>
       <p:sp>
         <p:nvSpPr>
-          <p:cNvPr id="10" name="Title Placeholder 1"/>
+          <p:cNvPr id="10" name="Title Placeholder 1">
+            <a:extLst>
+              <a:ext uri="{FF2B5EF4-FFF2-40B4-BE49-F238E27FC236}">
+                <a16:creationId xmlns:a16="http://schemas.microsoft.com/office/drawing/2014/main" id="{8AB9FAD1-F758-AF4C-BAD5-AFAD67046B97}"/>
+              </a:ext>
+            </a:extLst>
+          </p:cNvPr>
           <p:cNvSpPr>
             <a:spLocks noGrp="1"/>
           </p:cNvSpPr>
@@ -5554,9 +6371,35 @@
           <a:ln>
             <a:noFill/>
           </a:ln>
+          <a:extLst>
+            <a:ext uri="{909E8E84-426E-40dd-AFC4-6F175D3DCCD1}">
+              <a14:hiddenFill xmlns="" xmlns:a14="http://schemas.microsoft.com/office/drawing/2010/main">
+                <a:solidFill>
+                  <a:srgbClr val="FFFFFF"/>
+                </a:solidFill>
+              </a14:hiddenFill>
+            </a:ext>
+            <a:ext uri="{91240B29-F687-4f45-9708-019B960494DF}">
+              <a14:hiddenLine xmlns="" xmlns:a14="http://schemas.microsoft.com/office/drawing/2010/main" w="9525">
+                <a:solidFill>
+                  <a:srgbClr val="000000"/>
+                </a:solidFill>
+                <a:miter lim="800000"/>
+                <a:headEnd/>
+                <a:tailEnd/>
+              </a14:hiddenLine>
+            </a:ext>
+            <a:ext uri="{FAA26D3D-D897-4be2-8F04-BA451C77F1D7}">
+              <ma14:placeholderFlag xmlns="" xmlns:ma14="http://schemas.microsoft.com/office/mac/drawingml/2011/main" val="1"/>
+            </a:ext>
+          </a:extLst>
         </p:spPr>
         <p:txBody>
-          <a:bodyPr vert="horz" wrap="square" lIns="0" tIns="0" rIns="0" bIns="0" numCol="1" anchor="t" anchorCtr="0" compatLnSpc="1"/>
+          <a:bodyPr vert="horz" wrap="square" lIns="0" tIns="0" rIns="0" bIns="0" numCol="1" anchor="t" anchorCtr="0" compatLnSpc="1">
+            <a:prstTxWarp prst="textNoShape">
+              <a:avLst/>
+            </a:prstTxWarp>
+          </a:bodyPr>
           <a:lstStyle/>
           <a:p>
             <a:pPr lvl="0"/>
@@ -5564,11 +6407,15 @@
               <a:rPr lang="en-US" dirty="0"/>
               <a:t>Insert slide title</a:t>
             </a:r>
-            <a:endParaRPr lang="en-US" dirty="0"/>
           </a:p>
         </p:txBody>
       </p:sp>
     </p:spTree>
+    <p:extLst>
+      <p:ext uri="{BB962C8B-B14F-4D97-AF65-F5344CB8AC3E}">
+        <p14:creationId xmlns:p14="http://schemas.microsoft.com/office/powerpoint/2010/main" val="941797567"/>
+      </p:ext>
+    </p:extLst>
   </p:cSld>
   <p:clrMapOvr>
     <a:masterClrMapping/>
@@ -5595,7 +6442,13 @@
       </p:grpSpPr>
       <p:sp>
         <p:nvSpPr>
-          <p:cNvPr id="6" name="Rectangle 5"/>
+          <p:cNvPr id="6" name="Rectangle 5">
+            <a:extLst>
+              <a:ext uri="{FF2B5EF4-FFF2-40B4-BE49-F238E27FC236}">
+                <a16:creationId xmlns:a16="http://schemas.microsoft.com/office/drawing/2014/main" id="{C4382753-51C7-0C46-B853-1DBA86E4E953}"/>
+              </a:ext>
+            </a:extLst>
+          </p:cNvPr>
           <p:cNvSpPr/>
           <p:nvPr userDrawn="1"/>
         </p:nvSpPr>
@@ -5648,7 +6501,13 @@
       </p:sp>
       <p:sp>
         <p:nvSpPr>
-          <p:cNvPr id="8" name="Title 8"/>
+          <p:cNvPr id="8" name="Title 8">
+            <a:extLst>
+              <a:ext uri="{FF2B5EF4-FFF2-40B4-BE49-F238E27FC236}">
+                <a16:creationId xmlns:a16="http://schemas.microsoft.com/office/drawing/2014/main" id="{F6164CB4-EC8E-0144-9230-9A41AA8066A6}"/>
+              </a:ext>
+            </a:extLst>
+          </p:cNvPr>
           <p:cNvSpPr>
             <a:spLocks noGrp="1"/>
           </p:cNvSpPr>
@@ -5678,13 +6537,18 @@
               <a:rPr lang="en-US" dirty="0"/>
               <a:t>Title heading here</a:t>
             </a:r>
-            <a:endParaRPr lang="en-US" dirty="0"/>
           </a:p>
         </p:txBody>
       </p:sp>
       <p:sp>
         <p:nvSpPr>
-          <p:cNvPr id="10" name="Text Placeholder 4"/>
+          <p:cNvPr id="10" name="Text Placeholder 4">
+            <a:extLst>
+              <a:ext uri="{FF2B5EF4-FFF2-40B4-BE49-F238E27FC236}">
+                <a16:creationId xmlns:a16="http://schemas.microsoft.com/office/drawing/2014/main" id="{C7C3DC85-C5E4-9F4F-9A53-A30541465834}"/>
+              </a:ext>
+            </a:extLst>
+          </p:cNvPr>
           <p:cNvSpPr>
             <a:spLocks noGrp="1"/>
           </p:cNvSpPr>
@@ -5735,20 +6599,31 @@
               <a:rPr lang="en-US" dirty="0"/>
               <a:t>Presented by</a:t>
             </a:r>
-            <a:endParaRPr lang="en-US" dirty="0"/>
           </a:p>
         </p:txBody>
       </p:sp>
       <p:pic>
         <p:nvPicPr>
-          <p:cNvPr id="9" name="Picture 8"/>
+          <p:cNvPr id="9" name="Picture 8">
+            <a:extLst>
+              <a:ext uri="{FF2B5EF4-FFF2-40B4-BE49-F238E27FC236}">
+                <a16:creationId xmlns:a16="http://schemas.microsoft.com/office/drawing/2014/main" id="{C4F743E6-42C8-45D8-A63F-90FE0651F22C}"/>
+              </a:ext>
+            </a:extLst>
+          </p:cNvPr>
           <p:cNvPicPr>
             <a:picLocks noChangeAspect="1"/>
           </p:cNvPicPr>
           <p:nvPr userDrawn="1"/>
         </p:nvPicPr>
         <p:blipFill>
-          <a:blip r:embed="rId2" cstate="email"/>
+          <a:blip r:embed="rId2" cstate="email">
+            <a:extLst>
+              <a:ext uri="{28A0092B-C50C-407E-A947-70E740481C1C}">
+                <a14:useLocalDpi xmlns:a14="http://schemas.microsoft.com/office/drawing/2010/main"/>
+              </a:ext>
+            </a:extLst>
+          </a:blip>
           <a:stretch>
             <a:fillRect/>
           </a:stretch>
@@ -5764,6 +6639,11 @@
         </p:spPr>
       </p:pic>
     </p:spTree>
+    <p:extLst>
+      <p:ext uri="{BB962C8B-B14F-4D97-AF65-F5344CB8AC3E}">
+        <p14:creationId xmlns:p14="http://schemas.microsoft.com/office/powerpoint/2010/main" val="113176616"/>
+      </p:ext>
+    </p:extLst>
   </p:cSld>
   <p:clrMapOvr>
     <a:masterClrMapping/>
@@ -5790,7 +6670,13 @@
       </p:grpSpPr>
       <p:sp>
         <p:nvSpPr>
-          <p:cNvPr id="6" name="Rectangle 5"/>
+          <p:cNvPr id="6" name="Rectangle 5">
+            <a:extLst>
+              <a:ext uri="{FF2B5EF4-FFF2-40B4-BE49-F238E27FC236}">
+                <a16:creationId xmlns:a16="http://schemas.microsoft.com/office/drawing/2014/main" id="{B576A394-6B1F-4D42-AB9D-E8AC240619B4}"/>
+              </a:ext>
+            </a:extLst>
+          </p:cNvPr>
           <p:cNvSpPr/>
           <p:nvPr userDrawn="1"/>
         </p:nvSpPr>
@@ -5843,14 +6729,26 @@
       </p:sp>
       <p:pic>
         <p:nvPicPr>
-          <p:cNvPr id="10" name="Picture 9" descr="A close up of a logo&#10;&#10;Description automatically generated"/>
+          <p:cNvPr id="10" name="Picture 9" descr="A close up of a logo&#10;&#10;Description automatically generated">
+            <a:extLst>
+              <a:ext uri="{FF2B5EF4-FFF2-40B4-BE49-F238E27FC236}">
+                <a16:creationId xmlns:a16="http://schemas.microsoft.com/office/drawing/2014/main" id="{1811C849-DF8E-4316-9166-B19E70AB3203}"/>
+              </a:ext>
+            </a:extLst>
+          </p:cNvPr>
           <p:cNvPicPr>
             <a:picLocks noChangeAspect="1"/>
           </p:cNvPicPr>
           <p:nvPr userDrawn="1"/>
         </p:nvPicPr>
         <p:blipFill>
-          <a:blip r:embed="rId2" cstate="email"/>
+          <a:blip r:embed="rId2" cstate="email">
+            <a:extLst>
+              <a:ext uri="{28A0092B-C50C-407E-A947-70E740481C1C}">
+                <a14:useLocalDpi xmlns:a14="http://schemas.microsoft.com/office/drawing/2010/main"/>
+              </a:ext>
+            </a:extLst>
+          </a:blip>
           <a:stretch>
             <a:fillRect/>
           </a:stretch>
@@ -5867,18 +6765,28 @@
       </p:pic>
       <p:pic>
         <p:nvPicPr>
-          <p:cNvPr id="9" name="Picture 8" descr="A picture containing outdoor, tree, sky, grass&#10;&#10;Description automatically generated"/>
+          <p:cNvPr id="9" name="Picture 8" descr="A picture containing outdoor, tree, sky, grass&#10;&#10;Description automatically generated">
+            <a:extLst>
+              <a:ext uri="{FF2B5EF4-FFF2-40B4-BE49-F238E27FC236}">
+                <a16:creationId xmlns:a16="http://schemas.microsoft.com/office/drawing/2014/main" id="{8900E50B-2392-CD4C-BA60-1A5D1F6E0EFB}"/>
+              </a:ext>
+            </a:extLst>
+          </p:cNvPr>
           <p:cNvPicPr>
             <a:picLocks noChangeAspect="1"/>
           </p:cNvPicPr>
           <p:nvPr userDrawn="1"/>
         </p:nvPicPr>
         <p:blipFill rotWithShape="1">
-          <a:blip r:embed="rId3" cstate="email"/>
+          <a:blip r:embed="rId3" cstate="email">
+            <a:extLst>
+              <a:ext uri="{28A0092B-C50C-407E-A947-70E740481C1C}">
+                <a14:useLocalDpi xmlns:a14="http://schemas.microsoft.com/office/drawing/2010/main"/>
+              </a:ext>
+            </a:extLst>
+          </a:blip>
           <a:srcRect/>
-          <a:stretch>
-            <a:fillRect/>
-          </a:stretch>
+          <a:stretch/>
         </p:blipFill>
         <p:spPr>
           <a:xfrm>
@@ -5892,7 +6800,13 @@
       </p:pic>
       <p:sp>
         <p:nvSpPr>
-          <p:cNvPr id="11" name="Title 8"/>
+          <p:cNvPr id="11" name="Title 8">
+            <a:extLst>
+              <a:ext uri="{FF2B5EF4-FFF2-40B4-BE49-F238E27FC236}">
+                <a16:creationId xmlns:a16="http://schemas.microsoft.com/office/drawing/2014/main" id="{C7E383C9-FC2F-DD40-A99B-D1719CB2976F}"/>
+              </a:ext>
+            </a:extLst>
+          </p:cNvPr>
           <p:cNvSpPr>
             <a:spLocks noGrp="1"/>
           </p:cNvSpPr>
@@ -5918,7 +6832,7 @@
                   <a:schemeClr val="bg1"/>
                 </a:solidFill>
                 <a:latin typeface="+mj-lt"/>
-                <a:cs typeface="Arial" panose="020B0604020202090204" pitchFamily="34" charset="0"/>
+                <a:cs typeface="Arial" panose="020B0604020202020204" pitchFamily="34" charset="0"/>
               </a:defRPr>
             </a:lvl1pPr>
           </a:lstStyle>
@@ -5927,13 +6841,18 @@
               <a:rPr lang="en-US" dirty="0"/>
               <a:t>Click to edit Master title style</a:t>
             </a:r>
-            <a:endParaRPr lang="en-US" dirty="0"/>
           </a:p>
         </p:txBody>
       </p:sp>
       <p:sp>
         <p:nvSpPr>
-          <p:cNvPr id="12" name="Text Placeholder 4"/>
+          <p:cNvPr id="12" name="Text Placeholder 4">
+            <a:extLst>
+              <a:ext uri="{FF2B5EF4-FFF2-40B4-BE49-F238E27FC236}">
+                <a16:creationId xmlns:a16="http://schemas.microsoft.com/office/drawing/2014/main" id="{CA598213-522E-B64C-9CF2-29DA95C5F932}"/>
+              </a:ext>
+            </a:extLst>
+          </p:cNvPr>
           <p:cNvSpPr>
             <a:spLocks noGrp="1"/>
           </p:cNvSpPr>
@@ -5985,7 +6904,6 @@
               <a:rPr lang="en-US" dirty="0"/>
               <a:t>Click to edit Master text styles</a:t>
             </a:r>
-            <a:endParaRPr lang="en-US" dirty="0"/>
           </a:p>
           <a:p>
             <a:pPr lvl="1"/>
@@ -5993,7 +6911,6 @@
               <a:rPr lang="en-US" dirty="0"/>
               <a:t>Second level</a:t>
             </a:r>
-            <a:endParaRPr lang="en-US" dirty="0"/>
           </a:p>
           <a:p>
             <a:pPr lvl="2"/>
@@ -6001,11 +6918,15 @@
               <a:rPr lang="en-US" dirty="0"/>
               <a:t>Third level</a:t>
             </a:r>
-            <a:endParaRPr lang="en-US" dirty="0"/>
           </a:p>
         </p:txBody>
       </p:sp>
     </p:spTree>
+    <p:extLst>
+      <p:ext uri="{BB962C8B-B14F-4D97-AF65-F5344CB8AC3E}">
+        <p14:creationId xmlns:p14="http://schemas.microsoft.com/office/powerpoint/2010/main" val="1384628647"/>
+      </p:ext>
+    </p:extLst>
   </p:cSld>
   <p:clrMapOvr>
     <a:masterClrMapping/>
@@ -6032,7 +6953,13 @@
       </p:grpSpPr>
       <p:sp>
         <p:nvSpPr>
-          <p:cNvPr id="13" name="Rectangle 12"/>
+          <p:cNvPr id="13" name="Rectangle 12">
+            <a:extLst>
+              <a:ext uri="{FF2B5EF4-FFF2-40B4-BE49-F238E27FC236}">
+                <a16:creationId xmlns:a16="http://schemas.microsoft.com/office/drawing/2014/main" id="{CF277205-D819-0E49-850F-A3DCF077A5B8}"/>
+              </a:ext>
+            </a:extLst>
+          </p:cNvPr>
           <p:cNvSpPr/>
           <p:nvPr userDrawn="1"/>
         </p:nvSpPr>
@@ -6071,6 +6998,7 @@
               <a:buSzTx/>
               <a:buFontTx/>
               <a:buNone/>
+              <a:tabLst/>
               <a:defRPr/>
             </a:pPr>
             <a:endParaRPr kumimoji="0" lang="en-US" sz="1800" b="0" i="0" u="none" strike="noStrike" kern="0" cap="none" spc="0" normalizeH="0" baseline="0" noProof="0">
@@ -6083,7 +7011,7 @@
               <a:effectLst/>
               <a:uLnTx/>
               <a:uFillTx/>
-              <a:latin typeface="Arial" panose="020B0604020202090204"/>
+              <a:latin typeface="Arial" panose="020B0604020202020204"/>
               <a:ea typeface="+mn-ea"/>
               <a:cs typeface="+mn-cs"/>
             </a:endParaRPr>
@@ -6092,7 +7020,13 @@
       </p:sp>
       <p:sp>
         <p:nvSpPr>
-          <p:cNvPr id="7" name="Title 8"/>
+          <p:cNvPr id="7" name="Title 8">
+            <a:extLst>
+              <a:ext uri="{FF2B5EF4-FFF2-40B4-BE49-F238E27FC236}">
+                <a16:creationId xmlns:a16="http://schemas.microsoft.com/office/drawing/2014/main" id="{C20D03EA-04EC-3E4D-A8DD-25B0B1CFB907}"/>
+              </a:ext>
+            </a:extLst>
+          </p:cNvPr>
           <p:cNvSpPr>
             <a:spLocks noGrp="1"/>
           </p:cNvSpPr>
@@ -6122,13 +7056,18 @@
               <a:rPr lang="en-US" dirty="0"/>
               <a:t>Title heading here</a:t>
             </a:r>
-            <a:endParaRPr lang="en-US" dirty="0"/>
           </a:p>
         </p:txBody>
       </p:sp>
       <p:sp>
         <p:nvSpPr>
-          <p:cNvPr id="8" name="Text Placeholder 4"/>
+          <p:cNvPr id="8" name="Text Placeholder 4">
+            <a:extLst>
+              <a:ext uri="{FF2B5EF4-FFF2-40B4-BE49-F238E27FC236}">
+                <a16:creationId xmlns:a16="http://schemas.microsoft.com/office/drawing/2014/main" id="{77BCA0C8-FD5B-AE4C-9999-548657AE139B}"/>
+              </a:ext>
+            </a:extLst>
+          </p:cNvPr>
           <p:cNvSpPr>
             <a:spLocks noGrp="1"/>
           </p:cNvSpPr>
@@ -6179,20 +7118,31 @@
               <a:rPr lang="en-US" dirty="0"/>
               <a:t>Presented by</a:t>
             </a:r>
-            <a:endParaRPr lang="en-US" dirty="0"/>
           </a:p>
         </p:txBody>
       </p:sp>
       <p:pic>
         <p:nvPicPr>
-          <p:cNvPr id="9" name="Picture 8" descr="A close up of a logo&#10;&#10;Description automatically generated"/>
+          <p:cNvPr id="9" name="Picture 8" descr="A close up of a logo&#10;&#10;Description automatically generated">
+            <a:extLst>
+              <a:ext uri="{FF2B5EF4-FFF2-40B4-BE49-F238E27FC236}">
+                <a16:creationId xmlns:a16="http://schemas.microsoft.com/office/drawing/2014/main" id="{2C89BC04-6416-479F-AF58-1E9563CF6521}"/>
+              </a:ext>
+            </a:extLst>
+          </p:cNvPr>
           <p:cNvPicPr>
             <a:picLocks noChangeAspect="1"/>
           </p:cNvPicPr>
           <p:nvPr userDrawn="1"/>
         </p:nvPicPr>
         <p:blipFill>
-          <a:blip r:embed="rId2" cstate="email"/>
+          <a:blip r:embed="rId2" cstate="email">
+            <a:extLst>
+              <a:ext uri="{28A0092B-C50C-407E-A947-70E740481C1C}">
+                <a14:useLocalDpi xmlns:a14="http://schemas.microsoft.com/office/drawing/2010/main"/>
+              </a:ext>
+            </a:extLst>
+          </a:blip>
           <a:stretch>
             <a:fillRect/>
           </a:stretch>
@@ -6208,6 +7158,11 @@
         </p:spPr>
       </p:pic>
     </p:spTree>
+    <p:extLst>
+      <p:ext uri="{BB962C8B-B14F-4D97-AF65-F5344CB8AC3E}">
+        <p14:creationId xmlns:p14="http://schemas.microsoft.com/office/powerpoint/2010/main" val="1783416009"/>
+      </p:ext>
+    </p:extLst>
   </p:cSld>
   <p:clrMapOvr>
     <a:masterClrMapping/>
@@ -6234,7 +7189,13 @@
       </p:grpSpPr>
       <p:sp>
         <p:nvSpPr>
-          <p:cNvPr id="11" name="Rectangle 10"/>
+          <p:cNvPr id="11" name="Rectangle 10">
+            <a:extLst>
+              <a:ext uri="{FF2B5EF4-FFF2-40B4-BE49-F238E27FC236}">
+                <a16:creationId xmlns:a16="http://schemas.microsoft.com/office/drawing/2014/main" id="{21437180-96FB-744F-865F-A5F1DCF5F20E}"/>
+              </a:ext>
+            </a:extLst>
+          </p:cNvPr>
           <p:cNvSpPr/>
           <p:nvPr userDrawn="1"/>
         </p:nvSpPr>
@@ -6278,7 +7239,13 @@
       </p:sp>
       <p:sp>
         <p:nvSpPr>
-          <p:cNvPr id="13" name="Title 8"/>
+          <p:cNvPr id="13" name="Title 8">
+            <a:extLst>
+              <a:ext uri="{FF2B5EF4-FFF2-40B4-BE49-F238E27FC236}">
+                <a16:creationId xmlns:a16="http://schemas.microsoft.com/office/drawing/2014/main" id="{378A92A4-48B7-0340-8B92-C0F9AC1FDA6C}"/>
+              </a:ext>
+            </a:extLst>
+          </p:cNvPr>
           <p:cNvSpPr>
             <a:spLocks noGrp="1"/>
           </p:cNvSpPr>
@@ -6308,13 +7275,18 @@
               <a:rPr lang="en-US" dirty="0"/>
               <a:t>Title heading here</a:t>
             </a:r>
-            <a:endParaRPr lang="en-US" dirty="0"/>
           </a:p>
         </p:txBody>
       </p:sp>
       <p:sp>
         <p:nvSpPr>
-          <p:cNvPr id="14" name="Text Placeholder 4"/>
+          <p:cNvPr id="14" name="Text Placeholder 4">
+            <a:extLst>
+              <a:ext uri="{FF2B5EF4-FFF2-40B4-BE49-F238E27FC236}">
+                <a16:creationId xmlns:a16="http://schemas.microsoft.com/office/drawing/2014/main" id="{55933010-02AF-864A-B29C-468E3DDEEA5E}"/>
+              </a:ext>
+            </a:extLst>
+          </p:cNvPr>
           <p:cNvSpPr>
             <a:spLocks noGrp="1"/>
           </p:cNvSpPr>
@@ -6365,20 +7337,31 @@
               <a:rPr lang="en-US" dirty="0"/>
               <a:t>Presented by</a:t>
             </a:r>
-            <a:endParaRPr lang="en-US" dirty="0"/>
           </a:p>
         </p:txBody>
       </p:sp>
       <p:pic>
         <p:nvPicPr>
-          <p:cNvPr id="7" name="Picture 6"/>
+          <p:cNvPr id="7" name="Picture 6">
+            <a:extLst>
+              <a:ext uri="{FF2B5EF4-FFF2-40B4-BE49-F238E27FC236}">
+                <a16:creationId xmlns:a16="http://schemas.microsoft.com/office/drawing/2014/main" id="{A8B4EEB1-42E3-41C0-B7C0-8A0DC6F52F0A}"/>
+              </a:ext>
+            </a:extLst>
+          </p:cNvPr>
           <p:cNvPicPr>
             <a:picLocks noChangeAspect="1"/>
           </p:cNvPicPr>
           <p:nvPr userDrawn="1"/>
         </p:nvPicPr>
         <p:blipFill>
-          <a:blip r:embed="rId2" cstate="email"/>
+          <a:blip r:embed="rId2" cstate="email">
+            <a:extLst>
+              <a:ext uri="{28A0092B-C50C-407E-A947-70E740481C1C}">
+                <a14:useLocalDpi xmlns:a14="http://schemas.microsoft.com/office/drawing/2010/main"/>
+              </a:ext>
+            </a:extLst>
+          </a:blip>
           <a:stretch>
             <a:fillRect/>
           </a:stretch>
@@ -6394,6 +7377,11 @@
         </p:spPr>
       </p:pic>
     </p:spTree>
+    <p:extLst>
+      <p:ext uri="{BB962C8B-B14F-4D97-AF65-F5344CB8AC3E}">
+        <p14:creationId xmlns:p14="http://schemas.microsoft.com/office/powerpoint/2010/main" val="3811738344"/>
+      </p:ext>
+    </p:extLst>
   </p:cSld>
   <p:clrMapOvr>
     <a:masterClrMapping/>
@@ -6420,7 +7408,13 @@
       </p:grpSpPr>
       <p:sp>
         <p:nvSpPr>
-          <p:cNvPr id="6" name="Rectangle 5"/>
+          <p:cNvPr id="6" name="Rectangle 5">
+            <a:extLst>
+              <a:ext uri="{FF2B5EF4-FFF2-40B4-BE49-F238E27FC236}">
+                <a16:creationId xmlns:a16="http://schemas.microsoft.com/office/drawing/2014/main" id="{B576A394-6B1F-4D42-AB9D-E8AC240619B4}"/>
+              </a:ext>
+            </a:extLst>
+          </p:cNvPr>
           <p:cNvSpPr/>
           <p:nvPr userDrawn="1"/>
         </p:nvSpPr>
@@ -6473,14 +7467,26 @@
       </p:sp>
       <p:pic>
         <p:nvPicPr>
-          <p:cNvPr id="10" name="Picture 9" descr="A close up of a logo&#10;&#10;Description automatically generated"/>
+          <p:cNvPr id="10" name="Picture 9" descr="A close up of a logo&#10;&#10;Description automatically generated">
+            <a:extLst>
+              <a:ext uri="{FF2B5EF4-FFF2-40B4-BE49-F238E27FC236}">
+                <a16:creationId xmlns:a16="http://schemas.microsoft.com/office/drawing/2014/main" id="{1811C849-DF8E-4316-9166-B19E70AB3203}"/>
+              </a:ext>
+            </a:extLst>
+          </p:cNvPr>
           <p:cNvPicPr>
             <a:picLocks noChangeAspect="1"/>
           </p:cNvPicPr>
           <p:nvPr userDrawn="1"/>
         </p:nvPicPr>
         <p:blipFill>
-          <a:blip r:embed="rId2" cstate="email"/>
+          <a:blip r:embed="rId2" cstate="email">
+            <a:extLst>
+              <a:ext uri="{28A0092B-C50C-407E-A947-70E740481C1C}">
+                <a14:useLocalDpi xmlns:a14="http://schemas.microsoft.com/office/drawing/2010/main"/>
+              </a:ext>
+            </a:extLst>
+          </a:blip>
           <a:stretch>
             <a:fillRect/>
           </a:stretch>
@@ -6497,18 +7503,28 @@
       </p:pic>
       <p:pic>
         <p:nvPicPr>
-          <p:cNvPr id="11" name="Picture 10" descr="A picture containing building, outdoor&#10;&#10;Description automatically generated"/>
+          <p:cNvPr id="11" name="Picture 10" descr="A picture containing building, outdoor&#10;&#10;Description automatically generated">
+            <a:extLst>
+              <a:ext uri="{FF2B5EF4-FFF2-40B4-BE49-F238E27FC236}">
+                <a16:creationId xmlns:a16="http://schemas.microsoft.com/office/drawing/2014/main" id="{7F04E902-5E8F-2341-BD2B-645DFE5A032C}"/>
+              </a:ext>
+            </a:extLst>
+          </p:cNvPr>
           <p:cNvPicPr>
             <a:picLocks noChangeAspect="1"/>
           </p:cNvPicPr>
           <p:nvPr userDrawn="1"/>
         </p:nvPicPr>
         <p:blipFill rotWithShape="1">
-          <a:blip r:embed="rId3" cstate="email"/>
+          <a:blip r:embed="rId3" cstate="email">
+            <a:extLst>
+              <a:ext uri="{28A0092B-C50C-407E-A947-70E740481C1C}">
+                <a14:useLocalDpi xmlns:a14="http://schemas.microsoft.com/office/drawing/2010/main"/>
+              </a:ext>
+            </a:extLst>
+          </a:blip>
           <a:srcRect/>
-          <a:stretch>
-            <a:fillRect/>
-          </a:stretch>
+          <a:stretch/>
         </p:blipFill>
         <p:spPr>
           <a:xfrm>
@@ -6522,7 +7538,13 @@
       </p:pic>
       <p:sp>
         <p:nvSpPr>
-          <p:cNvPr id="9" name="Title 8"/>
+          <p:cNvPr id="9" name="Title 8">
+            <a:extLst>
+              <a:ext uri="{FF2B5EF4-FFF2-40B4-BE49-F238E27FC236}">
+                <a16:creationId xmlns:a16="http://schemas.microsoft.com/office/drawing/2014/main" id="{2247765B-C297-9D4C-88A6-DD7AAB3B7E08}"/>
+              </a:ext>
+            </a:extLst>
+          </p:cNvPr>
           <p:cNvSpPr>
             <a:spLocks noGrp="1"/>
           </p:cNvSpPr>
@@ -6548,7 +7570,7 @@
                   <a:schemeClr val="bg1"/>
                 </a:solidFill>
                 <a:latin typeface="+mj-lt"/>
-                <a:cs typeface="Arial" panose="020B0604020202090204" pitchFamily="34" charset="0"/>
+                <a:cs typeface="Arial" panose="020B0604020202020204" pitchFamily="34" charset="0"/>
               </a:defRPr>
             </a:lvl1pPr>
           </a:lstStyle>
@@ -6557,13 +7579,18 @@
               <a:rPr lang="en-US" dirty="0"/>
               <a:t>Click to edit Master title style</a:t>
             </a:r>
-            <a:endParaRPr lang="en-US" dirty="0"/>
           </a:p>
         </p:txBody>
       </p:sp>
       <p:sp>
         <p:nvSpPr>
-          <p:cNvPr id="12" name="Text Placeholder 4"/>
+          <p:cNvPr id="12" name="Text Placeholder 4">
+            <a:extLst>
+              <a:ext uri="{FF2B5EF4-FFF2-40B4-BE49-F238E27FC236}">
+                <a16:creationId xmlns:a16="http://schemas.microsoft.com/office/drawing/2014/main" id="{46AA5A77-B4AD-FB4D-9C50-E5814553BF0E}"/>
+              </a:ext>
+            </a:extLst>
+          </p:cNvPr>
           <p:cNvSpPr>
             <a:spLocks noGrp="1"/>
           </p:cNvSpPr>
@@ -6615,7 +7642,6 @@
               <a:rPr lang="en-US" dirty="0"/>
               <a:t>Click to edit Master text styles</a:t>
             </a:r>
-            <a:endParaRPr lang="en-US" dirty="0"/>
           </a:p>
           <a:p>
             <a:pPr lvl="1"/>
@@ -6623,7 +7649,6 @@
               <a:rPr lang="en-US" dirty="0"/>
               <a:t>Second level</a:t>
             </a:r>
-            <a:endParaRPr lang="en-US" dirty="0"/>
           </a:p>
           <a:p>
             <a:pPr lvl="2"/>
@@ -6631,11 +7656,15 @@
               <a:rPr lang="en-US" dirty="0"/>
               <a:t>Third level</a:t>
             </a:r>
-            <a:endParaRPr lang="en-US" dirty="0"/>
           </a:p>
         </p:txBody>
       </p:sp>
     </p:spTree>
+    <p:extLst>
+      <p:ext uri="{BB962C8B-B14F-4D97-AF65-F5344CB8AC3E}">
+        <p14:creationId xmlns:p14="http://schemas.microsoft.com/office/powerpoint/2010/main" val="2598805060"/>
+      </p:ext>
+    </p:extLst>
   </p:cSld>
   <p:clrMapOvr>
     <a:masterClrMapping/>
@@ -6662,7 +7691,13 @@
       </p:grpSpPr>
       <p:sp>
         <p:nvSpPr>
-          <p:cNvPr id="6" name="Rectangle 5"/>
+          <p:cNvPr id="6" name="Rectangle 5">
+            <a:extLst>
+              <a:ext uri="{FF2B5EF4-FFF2-40B4-BE49-F238E27FC236}">
+                <a16:creationId xmlns:a16="http://schemas.microsoft.com/office/drawing/2014/main" id="{B576A394-6B1F-4D42-AB9D-E8AC240619B4}"/>
+              </a:ext>
+            </a:extLst>
+          </p:cNvPr>
           <p:cNvSpPr/>
           <p:nvPr userDrawn="1"/>
         </p:nvSpPr>
@@ -6715,14 +7750,26 @@
       </p:sp>
       <p:pic>
         <p:nvPicPr>
-          <p:cNvPr id="10" name="Picture 9" descr="A close up of a logo&#10;&#10;Description automatically generated"/>
+          <p:cNvPr id="10" name="Picture 9" descr="A close up of a logo&#10;&#10;Description automatically generated">
+            <a:extLst>
+              <a:ext uri="{FF2B5EF4-FFF2-40B4-BE49-F238E27FC236}">
+                <a16:creationId xmlns:a16="http://schemas.microsoft.com/office/drawing/2014/main" id="{1811C849-DF8E-4316-9166-B19E70AB3203}"/>
+              </a:ext>
+            </a:extLst>
+          </p:cNvPr>
           <p:cNvPicPr>
             <a:picLocks noChangeAspect="1"/>
           </p:cNvPicPr>
           <p:nvPr userDrawn="1"/>
         </p:nvPicPr>
         <p:blipFill>
-          <a:blip r:embed="rId2" cstate="email"/>
+          <a:blip r:embed="rId2" cstate="email">
+            <a:extLst>
+              <a:ext uri="{28A0092B-C50C-407E-A947-70E740481C1C}">
+                <a14:useLocalDpi xmlns:a14="http://schemas.microsoft.com/office/drawing/2010/main"/>
+              </a:ext>
+            </a:extLst>
+          </a:blip>
           <a:stretch>
             <a:fillRect/>
           </a:stretch>
@@ -6739,18 +7786,28 @@
       </p:pic>
       <p:pic>
         <p:nvPicPr>
-          <p:cNvPr id="11" name="Picture 10" descr="A picture containing wall, indoor, ceiling, floor&#10;&#10;Description automatically generated"/>
+          <p:cNvPr id="11" name="Picture 10" descr="A picture containing wall, indoor, ceiling, floor&#10;&#10;Description automatically generated">
+            <a:extLst>
+              <a:ext uri="{FF2B5EF4-FFF2-40B4-BE49-F238E27FC236}">
+                <a16:creationId xmlns:a16="http://schemas.microsoft.com/office/drawing/2014/main" id="{A0E5CEAC-0663-5246-91BD-F5AF7EAADAD2}"/>
+              </a:ext>
+            </a:extLst>
+          </p:cNvPr>
           <p:cNvPicPr>
             <a:picLocks noChangeAspect="1"/>
           </p:cNvPicPr>
           <p:nvPr userDrawn="1"/>
         </p:nvPicPr>
         <p:blipFill rotWithShape="1">
-          <a:blip r:embed="rId3" cstate="email"/>
+          <a:blip r:embed="rId3" cstate="email">
+            <a:extLst>
+              <a:ext uri="{28A0092B-C50C-407E-A947-70E740481C1C}">
+                <a14:useLocalDpi xmlns:a14="http://schemas.microsoft.com/office/drawing/2010/main"/>
+              </a:ext>
+            </a:extLst>
+          </a:blip>
           <a:srcRect/>
-          <a:stretch>
-            <a:fillRect/>
-          </a:stretch>
+          <a:stretch/>
         </p:blipFill>
         <p:spPr>
           <a:xfrm>
@@ -6764,7 +7821,13 @@
       </p:pic>
       <p:sp>
         <p:nvSpPr>
-          <p:cNvPr id="9" name="Title 8"/>
+          <p:cNvPr id="9" name="Title 8">
+            <a:extLst>
+              <a:ext uri="{FF2B5EF4-FFF2-40B4-BE49-F238E27FC236}">
+                <a16:creationId xmlns:a16="http://schemas.microsoft.com/office/drawing/2014/main" id="{812F6B4B-1723-1A4C-AF09-F05B8AB2C51D}"/>
+              </a:ext>
+            </a:extLst>
+          </p:cNvPr>
           <p:cNvSpPr>
             <a:spLocks noGrp="1"/>
           </p:cNvSpPr>
@@ -6790,7 +7853,7 @@
                   <a:schemeClr val="bg1"/>
                 </a:solidFill>
                 <a:latin typeface="+mj-lt"/>
-                <a:cs typeface="Arial" panose="020B0604020202090204" pitchFamily="34" charset="0"/>
+                <a:cs typeface="Arial" panose="020B0604020202020204" pitchFamily="34" charset="0"/>
               </a:defRPr>
             </a:lvl1pPr>
           </a:lstStyle>
@@ -6799,13 +7862,18 @@
               <a:rPr lang="en-US" dirty="0"/>
               <a:t>Click to edit Master title style</a:t>
             </a:r>
-            <a:endParaRPr lang="en-US" dirty="0"/>
           </a:p>
         </p:txBody>
       </p:sp>
       <p:sp>
         <p:nvSpPr>
-          <p:cNvPr id="12" name="Text Placeholder 4"/>
+          <p:cNvPr id="12" name="Text Placeholder 4">
+            <a:extLst>
+              <a:ext uri="{FF2B5EF4-FFF2-40B4-BE49-F238E27FC236}">
+                <a16:creationId xmlns:a16="http://schemas.microsoft.com/office/drawing/2014/main" id="{F4AA7A69-63DD-8B41-B717-35D96A7976FE}"/>
+              </a:ext>
+            </a:extLst>
+          </p:cNvPr>
           <p:cNvSpPr>
             <a:spLocks noGrp="1"/>
           </p:cNvSpPr>
@@ -6857,7 +7925,6 @@
               <a:rPr lang="en-US" dirty="0"/>
               <a:t>Click to edit Master text styles</a:t>
             </a:r>
-            <a:endParaRPr lang="en-US" dirty="0"/>
           </a:p>
           <a:p>
             <a:pPr lvl="1"/>
@@ -6865,7 +7932,6 @@
               <a:rPr lang="en-US" dirty="0"/>
               <a:t>Second level</a:t>
             </a:r>
-            <a:endParaRPr lang="en-US" dirty="0"/>
           </a:p>
           <a:p>
             <a:pPr lvl="2"/>
@@ -6873,11 +7939,15 @@
               <a:rPr lang="en-US" dirty="0"/>
               <a:t>Third level</a:t>
             </a:r>
-            <a:endParaRPr lang="en-US" dirty="0"/>
           </a:p>
         </p:txBody>
       </p:sp>
     </p:spTree>
+    <p:extLst>
+      <p:ext uri="{BB962C8B-B14F-4D97-AF65-F5344CB8AC3E}">
+        <p14:creationId xmlns:p14="http://schemas.microsoft.com/office/powerpoint/2010/main" val="331193768"/>
+      </p:ext>
+    </p:extLst>
   </p:cSld>
   <p:clrMapOvr>
     <a:masterClrMapping/>
@@ -6904,7 +7974,13 @@
       </p:grpSpPr>
       <p:sp>
         <p:nvSpPr>
-          <p:cNvPr id="6" name="Rectangle 5"/>
+          <p:cNvPr id="6" name="Rectangle 5">
+            <a:extLst>
+              <a:ext uri="{FF2B5EF4-FFF2-40B4-BE49-F238E27FC236}">
+                <a16:creationId xmlns:a16="http://schemas.microsoft.com/office/drawing/2014/main" id="{B576A394-6B1F-4D42-AB9D-E8AC240619B4}"/>
+              </a:ext>
+            </a:extLst>
+          </p:cNvPr>
           <p:cNvSpPr/>
           <p:nvPr userDrawn="1"/>
         </p:nvSpPr>
@@ -6957,14 +8033,26 @@
       </p:sp>
       <p:pic>
         <p:nvPicPr>
-          <p:cNvPr id="10" name="Picture 9" descr="A close up of a logo&#10;&#10;Description automatically generated"/>
+          <p:cNvPr id="10" name="Picture 9" descr="A close up of a logo&#10;&#10;Description automatically generated">
+            <a:extLst>
+              <a:ext uri="{FF2B5EF4-FFF2-40B4-BE49-F238E27FC236}">
+                <a16:creationId xmlns:a16="http://schemas.microsoft.com/office/drawing/2014/main" id="{1811C849-DF8E-4316-9166-B19E70AB3203}"/>
+              </a:ext>
+            </a:extLst>
+          </p:cNvPr>
           <p:cNvPicPr>
             <a:picLocks noChangeAspect="1"/>
           </p:cNvPicPr>
           <p:nvPr userDrawn="1"/>
         </p:nvPicPr>
         <p:blipFill>
-          <a:blip r:embed="rId2" cstate="email"/>
+          <a:blip r:embed="rId2" cstate="email">
+            <a:extLst>
+              <a:ext uri="{28A0092B-C50C-407E-A947-70E740481C1C}">
+                <a14:useLocalDpi xmlns:a14="http://schemas.microsoft.com/office/drawing/2010/main"/>
+              </a:ext>
+            </a:extLst>
+          </a:blip>
           <a:stretch>
             <a:fillRect/>
           </a:stretch>
@@ -6981,18 +8069,28 @@
       </p:pic>
       <p:pic>
         <p:nvPicPr>
-          <p:cNvPr id="11" name="Picture 10" descr="A view of a large building&#10;&#10;Description automatically generated"/>
+          <p:cNvPr id="11" name="Picture 10" descr="A view of a large building&#10;&#10;Description automatically generated">
+            <a:extLst>
+              <a:ext uri="{FF2B5EF4-FFF2-40B4-BE49-F238E27FC236}">
+                <a16:creationId xmlns:a16="http://schemas.microsoft.com/office/drawing/2014/main" id="{B1EF443F-1551-0648-BE62-2C268A5287F3}"/>
+              </a:ext>
+            </a:extLst>
+          </p:cNvPr>
           <p:cNvPicPr>
             <a:picLocks noChangeAspect="1"/>
           </p:cNvPicPr>
           <p:nvPr userDrawn="1"/>
         </p:nvPicPr>
         <p:blipFill rotWithShape="1">
-          <a:blip r:embed="rId3" cstate="email"/>
+          <a:blip r:embed="rId3" cstate="email">
+            <a:extLst>
+              <a:ext uri="{28A0092B-C50C-407E-A947-70E740481C1C}">
+                <a14:useLocalDpi xmlns:a14="http://schemas.microsoft.com/office/drawing/2010/main"/>
+              </a:ext>
+            </a:extLst>
+          </a:blip>
           <a:srcRect/>
-          <a:stretch>
-            <a:fillRect/>
-          </a:stretch>
+          <a:stretch/>
         </p:blipFill>
         <p:spPr>
           <a:xfrm>
@@ -7006,7 +8104,13 @@
       </p:pic>
       <p:sp>
         <p:nvSpPr>
-          <p:cNvPr id="9" name="Title 8"/>
+          <p:cNvPr id="9" name="Title 8">
+            <a:extLst>
+              <a:ext uri="{FF2B5EF4-FFF2-40B4-BE49-F238E27FC236}">
+                <a16:creationId xmlns:a16="http://schemas.microsoft.com/office/drawing/2014/main" id="{071A3A1C-E272-4843-89CE-EDECE6BC73FE}"/>
+              </a:ext>
+            </a:extLst>
+          </p:cNvPr>
           <p:cNvSpPr>
             <a:spLocks noGrp="1"/>
           </p:cNvSpPr>
@@ -7032,7 +8136,7 @@
                   <a:schemeClr val="bg1"/>
                 </a:solidFill>
                 <a:latin typeface="+mj-lt"/>
-                <a:cs typeface="Arial" panose="020B0604020202090204" pitchFamily="34" charset="0"/>
+                <a:cs typeface="Arial" panose="020B0604020202020204" pitchFamily="34" charset="0"/>
               </a:defRPr>
             </a:lvl1pPr>
           </a:lstStyle>
@@ -7041,13 +8145,18 @@
               <a:rPr lang="en-US" dirty="0"/>
               <a:t>Click to edit Master title style</a:t>
             </a:r>
-            <a:endParaRPr lang="en-US" dirty="0"/>
           </a:p>
         </p:txBody>
       </p:sp>
       <p:sp>
         <p:nvSpPr>
-          <p:cNvPr id="12" name="Text Placeholder 4"/>
+          <p:cNvPr id="12" name="Text Placeholder 4">
+            <a:extLst>
+              <a:ext uri="{FF2B5EF4-FFF2-40B4-BE49-F238E27FC236}">
+                <a16:creationId xmlns:a16="http://schemas.microsoft.com/office/drawing/2014/main" id="{024402D9-880D-8140-95EC-69FB769CC429}"/>
+              </a:ext>
+            </a:extLst>
+          </p:cNvPr>
           <p:cNvSpPr>
             <a:spLocks noGrp="1"/>
           </p:cNvSpPr>
@@ -7099,7 +8208,6 @@
               <a:rPr lang="en-US" dirty="0"/>
               <a:t>Click to edit Master text styles</a:t>
             </a:r>
-            <a:endParaRPr lang="en-US" dirty="0"/>
           </a:p>
           <a:p>
             <a:pPr lvl="1"/>
@@ -7107,7 +8215,6 @@
               <a:rPr lang="en-US" dirty="0"/>
               <a:t>Second level</a:t>
             </a:r>
-            <a:endParaRPr lang="en-US" dirty="0"/>
           </a:p>
           <a:p>
             <a:pPr lvl="2"/>
@@ -7115,11 +8222,15 @@
               <a:rPr lang="en-US" dirty="0"/>
               <a:t>Third level</a:t>
             </a:r>
-            <a:endParaRPr lang="en-US" dirty="0"/>
           </a:p>
         </p:txBody>
       </p:sp>
     </p:spTree>
+    <p:extLst>
+      <p:ext uri="{BB962C8B-B14F-4D97-AF65-F5344CB8AC3E}">
+        <p14:creationId xmlns:p14="http://schemas.microsoft.com/office/powerpoint/2010/main" val="1054383595"/>
+      </p:ext>
+    </p:extLst>
   </p:cSld>
   <p:clrMapOvr>
     <a:masterClrMapping/>
@@ -7146,7 +8257,13 @@
       </p:grpSpPr>
       <p:sp>
         <p:nvSpPr>
-          <p:cNvPr id="6" name="Rectangle 5"/>
+          <p:cNvPr id="6" name="Rectangle 5">
+            <a:extLst>
+              <a:ext uri="{FF2B5EF4-FFF2-40B4-BE49-F238E27FC236}">
+                <a16:creationId xmlns:a16="http://schemas.microsoft.com/office/drawing/2014/main" id="{B576A394-6B1F-4D42-AB9D-E8AC240619B4}"/>
+              </a:ext>
+            </a:extLst>
+          </p:cNvPr>
           <p:cNvSpPr/>
           <p:nvPr userDrawn="1"/>
         </p:nvSpPr>
@@ -7199,14 +8316,26 @@
       </p:sp>
       <p:pic>
         <p:nvPicPr>
-          <p:cNvPr id="10" name="Picture 9" descr="A close up of a logo&#10;&#10;Description automatically generated"/>
+          <p:cNvPr id="10" name="Picture 9" descr="A close up of a logo&#10;&#10;Description automatically generated">
+            <a:extLst>
+              <a:ext uri="{FF2B5EF4-FFF2-40B4-BE49-F238E27FC236}">
+                <a16:creationId xmlns:a16="http://schemas.microsoft.com/office/drawing/2014/main" id="{1811C849-DF8E-4316-9166-B19E70AB3203}"/>
+              </a:ext>
+            </a:extLst>
+          </p:cNvPr>
           <p:cNvPicPr>
             <a:picLocks noChangeAspect="1"/>
           </p:cNvPicPr>
           <p:nvPr userDrawn="1"/>
         </p:nvPicPr>
         <p:blipFill>
-          <a:blip r:embed="rId2" cstate="email"/>
+          <a:blip r:embed="rId2" cstate="email">
+            <a:extLst>
+              <a:ext uri="{28A0092B-C50C-407E-A947-70E740481C1C}">
+                <a14:useLocalDpi xmlns:a14="http://schemas.microsoft.com/office/drawing/2010/main"/>
+              </a:ext>
+            </a:extLst>
+          </a:blip>
           <a:stretch>
             <a:fillRect/>
           </a:stretch>
@@ -7223,18 +8352,28 @@
       </p:pic>
       <p:pic>
         <p:nvPicPr>
-          <p:cNvPr id="12" name="Picture 11" descr="A view of a large window&#10;&#10;Description automatically generated"/>
+          <p:cNvPr id="12" name="Picture 11" descr="A view of a large window&#10;&#10;Description automatically generated">
+            <a:extLst>
+              <a:ext uri="{FF2B5EF4-FFF2-40B4-BE49-F238E27FC236}">
+                <a16:creationId xmlns:a16="http://schemas.microsoft.com/office/drawing/2014/main" id="{420423EE-BBB8-3641-9440-EA11434269FF}"/>
+              </a:ext>
+            </a:extLst>
+          </p:cNvPr>
           <p:cNvPicPr>
             <a:picLocks noChangeAspect="1"/>
           </p:cNvPicPr>
           <p:nvPr userDrawn="1"/>
         </p:nvPicPr>
         <p:blipFill rotWithShape="1">
-          <a:blip r:embed="rId3" cstate="email"/>
+          <a:blip r:embed="rId3" cstate="email">
+            <a:extLst>
+              <a:ext uri="{28A0092B-C50C-407E-A947-70E740481C1C}">
+                <a14:useLocalDpi xmlns:a14="http://schemas.microsoft.com/office/drawing/2010/main"/>
+              </a:ext>
+            </a:extLst>
+          </a:blip>
           <a:srcRect/>
-          <a:stretch>
-            <a:fillRect/>
-          </a:stretch>
+          <a:stretch/>
         </p:blipFill>
         <p:spPr>
           <a:xfrm>
@@ -7248,7 +8387,13 @@
       </p:pic>
       <p:sp>
         <p:nvSpPr>
-          <p:cNvPr id="9" name="Title 8"/>
+          <p:cNvPr id="9" name="Title 8">
+            <a:extLst>
+              <a:ext uri="{FF2B5EF4-FFF2-40B4-BE49-F238E27FC236}">
+                <a16:creationId xmlns:a16="http://schemas.microsoft.com/office/drawing/2014/main" id="{CA20B820-D2E2-C848-9E8F-F76BE1FE3980}"/>
+              </a:ext>
+            </a:extLst>
+          </p:cNvPr>
           <p:cNvSpPr>
             <a:spLocks noGrp="1"/>
           </p:cNvSpPr>
@@ -7274,7 +8419,7 @@
                   <a:schemeClr val="bg1"/>
                 </a:solidFill>
                 <a:latin typeface="+mj-lt"/>
-                <a:cs typeface="Arial" panose="020B0604020202090204" pitchFamily="34" charset="0"/>
+                <a:cs typeface="Arial" panose="020B0604020202020204" pitchFamily="34" charset="0"/>
               </a:defRPr>
             </a:lvl1pPr>
           </a:lstStyle>
@@ -7283,13 +8428,18 @@
               <a:rPr lang="en-US" dirty="0"/>
               <a:t>Click to edit Master title style</a:t>
             </a:r>
-            <a:endParaRPr lang="en-US" dirty="0"/>
           </a:p>
         </p:txBody>
       </p:sp>
       <p:sp>
         <p:nvSpPr>
-          <p:cNvPr id="11" name="Text Placeholder 4"/>
+          <p:cNvPr id="11" name="Text Placeholder 4">
+            <a:extLst>
+              <a:ext uri="{FF2B5EF4-FFF2-40B4-BE49-F238E27FC236}">
+                <a16:creationId xmlns:a16="http://schemas.microsoft.com/office/drawing/2014/main" id="{3A26D019-3A8C-1B41-B128-5C2268769584}"/>
+              </a:ext>
+            </a:extLst>
+          </p:cNvPr>
           <p:cNvSpPr>
             <a:spLocks noGrp="1"/>
           </p:cNvSpPr>
@@ -7341,7 +8491,6 @@
               <a:rPr lang="en-US" dirty="0"/>
               <a:t>Click to edit Master text styles</a:t>
             </a:r>
-            <a:endParaRPr lang="en-US" dirty="0"/>
           </a:p>
           <a:p>
             <a:pPr lvl="1"/>
@@ -7349,7 +8498,6 @@
               <a:rPr lang="en-US" dirty="0"/>
               <a:t>Second level</a:t>
             </a:r>
-            <a:endParaRPr lang="en-US" dirty="0"/>
           </a:p>
           <a:p>
             <a:pPr lvl="2"/>
@@ -7357,11 +8505,15 @@
               <a:rPr lang="en-US" dirty="0"/>
               <a:t>Third level</a:t>
             </a:r>
-            <a:endParaRPr lang="en-US" dirty="0"/>
           </a:p>
         </p:txBody>
       </p:sp>
     </p:spTree>
+    <p:extLst>
+      <p:ext uri="{BB962C8B-B14F-4D97-AF65-F5344CB8AC3E}">
+        <p14:creationId xmlns:p14="http://schemas.microsoft.com/office/powerpoint/2010/main" val="3184526765"/>
+      </p:ext>
+    </p:extLst>
   </p:cSld>
   <p:clrMapOvr>
     <a:masterClrMapping/>
@@ -7388,7 +8540,13 @@
       </p:grpSpPr>
       <p:sp>
         <p:nvSpPr>
-          <p:cNvPr id="6" name="Rectangle 5"/>
+          <p:cNvPr id="6" name="Rectangle 5">
+            <a:extLst>
+              <a:ext uri="{FF2B5EF4-FFF2-40B4-BE49-F238E27FC236}">
+                <a16:creationId xmlns:a16="http://schemas.microsoft.com/office/drawing/2014/main" id="{B576A394-6B1F-4D42-AB9D-E8AC240619B4}"/>
+              </a:ext>
+            </a:extLst>
+          </p:cNvPr>
           <p:cNvSpPr/>
           <p:nvPr userDrawn="1"/>
         </p:nvSpPr>
@@ -7441,14 +8599,26 @@
       </p:sp>
       <p:pic>
         <p:nvPicPr>
-          <p:cNvPr id="10" name="Picture 9" descr="A close up of a logo&#10;&#10;Description automatically generated"/>
+          <p:cNvPr id="10" name="Picture 9" descr="A close up of a logo&#10;&#10;Description automatically generated">
+            <a:extLst>
+              <a:ext uri="{FF2B5EF4-FFF2-40B4-BE49-F238E27FC236}">
+                <a16:creationId xmlns:a16="http://schemas.microsoft.com/office/drawing/2014/main" id="{1811C849-DF8E-4316-9166-B19E70AB3203}"/>
+              </a:ext>
+            </a:extLst>
+          </p:cNvPr>
           <p:cNvPicPr>
             <a:picLocks noChangeAspect="1"/>
           </p:cNvPicPr>
           <p:nvPr userDrawn="1"/>
         </p:nvPicPr>
         <p:blipFill>
-          <a:blip r:embed="rId2" cstate="email"/>
+          <a:blip r:embed="rId2" cstate="email">
+            <a:extLst>
+              <a:ext uri="{28A0092B-C50C-407E-A947-70E740481C1C}">
+                <a14:useLocalDpi xmlns:a14="http://schemas.microsoft.com/office/drawing/2010/main"/>
+              </a:ext>
+            </a:extLst>
+          </a:blip>
           <a:stretch>
             <a:fillRect/>
           </a:stretch>
@@ -7465,18 +8635,28 @@
       </p:pic>
       <p:pic>
         <p:nvPicPr>
-          <p:cNvPr id="12" name="Picture 11" descr="A bench in front of a building&#10;&#10;Description automatically generated"/>
+          <p:cNvPr id="12" name="Picture 11" descr="A bench in front of a building&#10;&#10;Description automatically generated">
+            <a:extLst>
+              <a:ext uri="{FF2B5EF4-FFF2-40B4-BE49-F238E27FC236}">
+                <a16:creationId xmlns:a16="http://schemas.microsoft.com/office/drawing/2014/main" id="{9DA25CDA-EEDD-A747-B55E-843FD2345DED}"/>
+              </a:ext>
+            </a:extLst>
+          </p:cNvPr>
           <p:cNvPicPr>
             <a:picLocks noChangeAspect="1"/>
           </p:cNvPicPr>
           <p:nvPr userDrawn="1"/>
         </p:nvPicPr>
         <p:blipFill rotWithShape="1">
-          <a:blip r:embed="rId3" cstate="email"/>
+          <a:blip r:embed="rId3" cstate="email">
+            <a:extLst>
+              <a:ext uri="{28A0092B-C50C-407E-A947-70E740481C1C}">
+                <a14:useLocalDpi xmlns:a14="http://schemas.microsoft.com/office/drawing/2010/main"/>
+              </a:ext>
+            </a:extLst>
+          </a:blip>
           <a:srcRect b="-3014"/>
-          <a:stretch>
-            <a:fillRect/>
-          </a:stretch>
+          <a:stretch/>
         </p:blipFill>
         <p:spPr>
           <a:xfrm>
@@ -7490,7 +8670,13 @@
       </p:pic>
       <p:sp>
         <p:nvSpPr>
-          <p:cNvPr id="9" name="Title 8"/>
+          <p:cNvPr id="9" name="Title 8">
+            <a:extLst>
+              <a:ext uri="{FF2B5EF4-FFF2-40B4-BE49-F238E27FC236}">
+                <a16:creationId xmlns:a16="http://schemas.microsoft.com/office/drawing/2014/main" id="{D4F558B5-645F-6C4B-801D-D20713615862}"/>
+              </a:ext>
+            </a:extLst>
+          </p:cNvPr>
           <p:cNvSpPr>
             <a:spLocks noGrp="1"/>
           </p:cNvSpPr>
@@ -7516,7 +8702,7 @@
                   <a:schemeClr val="bg1"/>
                 </a:solidFill>
                 <a:latin typeface="+mj-lt"/>
-                <a:cs typeface="Arial" panose="020B0604020202090204" pitchFamily="34" charset="0"/>
+                <a:cs typeface="Arial" panose="020B0604020202020204" pitchFamily="34" charset="0"/>
               </a:defRPr>
             </a:lvl1pPr>
           </a:lstStyle>
@@ -7525,13 +8711,18 @@
               <a:rPr lang="en-US" dirty="0"/>
               <a:t>Click to edit Master title style</a:t>
             </a:r>
-            <a:endParaRPr lang="en-US" dirty="0"/>
           </a:p>
         </p:txBody>
       </p:sp>
       <p:sp>
         <p:nvSpPr>
-          <p:cNvPr id="11" name="Text Placeholder 4"/>
+          <p:cNvPr id="11" name="Text Placeholder 4">
+            <a:extLst>
+              <a:ext uri="{FF2B5EF4-FFF2-40B4-BE49-F238E27FC236}">
+                <a16:creationId xmlns:a16="http://schemas.microsoft.com/office/drawing/2014/main" id="{29DC9766-3762-D345-9507-0129C70C46C6}"/>
+              </a:ext>
+            </a:extLst>
+          </p:cNvPr>
           <p:cNvSpPr>
             <a:spLocks noGrp="1"/>
           </p:cNvSpPr>
@@ -7583,7 +8774,6 @@
               <a:rPr lang="en-US" dirty="0"/>
               <a:t>Click to edit Master text styles</a:t>
             </a:r>
-            <a:endParaRPr lang="en-US" dirty="0"/>
           </a:p>
           <a:p>
             <a:pPr lvl="1"/>
@@ -7591,7 +8781,6 @@
               <a:rPr lang="en-US" dirty="0"/>
               <a:t>Second level</a:t>
             </a:r>
-            <a:endParaRPr lang="en-US" dirty="0"/>
           </a:p>
           <a:p>
             <a:pPr lvl="2"/>
@@ -7599,11 +8788,15 @@
               <a:rPr lang="en-US" dirty="0"/>
               <a:t>Third level</a:t>
             </a:r>
-            <a:endParaRPr lang="en-US" dirty="0"/>
           </a:p>
         </p:txBody>
       </p:sp>
     </p:spTree>
+    <p:extLst>
+      <p:ext uri="{BB962C8B-B14F-4D97-AF65-F5344CB8AC3E}">
+        <p14:creationId xmlns:p14="http://schemas.microsoft.com/office/powerpoint/2010/main" val="1217307955"/>
+      </p:ext>
+    </p:extLst>
   </p:cSld>
   <p:clrMapOvr>
     <a:masterClrMapping/>
@@ -7630,7 +8823,13 @@
       </p:grpSpPr>
       <p:sp>
         <p:nvSpPr>
-          <p:cNvPr id="6" name="Rectangle 5"/>
+          <p:cNvPr id="6" name="Rectangle 5">
+            <a:extLst>
+              <a:ext uri="{FF2B5EF4-FFF2-40B4-BE49-F238E27FC236}">
+                <a16:creationId xmlns:a16="http://schemas.microsoft.com/office/drawing/2014/main" id="{B576A394-6B1F-4D42-AB9D-E8AC240619B4}"/>
+              </a:ext>
+            </a:extLst>
+          </p:cNvPr>
           <p:cNvSpPr/>
           <p:nvPr userDrawn="1"/>
         </p:nvSpPr>
@@ -7683,14 +8882,26 @@
       </p:sp>
       <p:pic>
         <p:nvPicPr>
-          <p:cNvPr id="10" name="Picture 9" descr="A close up of a logo&#10;&#10;Description automatically generated"/>
+          <p:cNvPr id="10" name="Picture 9" descr="A close up of a logo&#10;&#10;Description automatically generated">
+            <a:extLst>
+              <a:ext uri="{FF2B5EF4-FFF2-40B4-BE49-F238E27FC236}">
+                <a16:creationId xmlns:a16="http://schemas.microsoft.com/office/drawing/2014/main" id="{1811C849-DF8E-4316-9166-B19E70AB3203}"/>
+              </a:ext>
+            </a:extLst>
+          </p:cNvPr>
           <p:cNvPicPr>
             <a:picLocks noChangeAspect="1"/>
           </p:cNvPicPr>
           <p:nvPr userDrawn="1"/>
         </p:nvPicPr>
         <p:blipFill>
-          <a:blip r:embed="rId2" cstate="email"/>
+          <a:blip r:embed="rId2" cstate="email">
+            <a:extLst>
+              <a:ext uri="{28A0092B-C50C-407E-A947-70E740481C1C}">
+                <a14:useLocalDpi xmlns:a14="http://schemas.microsoft.com/office/drawing/2010/main"/>
+              </a:ext>
+            </a:extLst>
+          </a:blip>
           <a:stretch>
             <a:fillRect/>
           </a:stretch>
@@ -7707,18 +8918,28 @@
       </p:pic>
       <p:pic>
         <p:nvPicPr>
-          <p:cNvPr id="11" name="Picture 10" descr="A close up of a brick building&#10;&#10;Description automatically generated"/>
+          <p:cNvPr id="11" name="Picture 10" descr="A close up of a brick building&#10;&#10;Description automatically generated">
+            <a:extLst>
+              <a:ext uri="{FF2B5EF4-FFF2-40B4-BE49-F238E27FC236}">
+                <a16:creationId xmlns:a16="http://schemas.microsoft.com/office/drawing/2014/main" id="{42F16A81-DDB6-9744-A640-ECE9CE4414F5}"/>
+              </a:ext>
+            </a:extLst>
+          </p:cNvPr>
           <p:cNvPicPr>
             <a:picLocks noChangeAspect="1"/>
           </p:cNvPicPr>
           <p:nvPr userDrawn="1"/>
         </p:nvPicPr>
         <p:blipFill rotWithShape="1">
-          <a:blip r:embed="rId3" cstate="email"/>
+          <a:blip r:embed="rId3" cstate="email">
+            <a:extLst>
+              <a:ext uri="{28A0092B-C50C-407E-A947-70E740481C1C}">
+                <a14:useLocalDpi xmlns:a14="http://schemas.microsoft.com/office/drawing/2010/main"/>
+              </a:ext>
+            </a:extLst>
+          </a:blip>
           <a:srcRect/>
-          <a:stretch>
-            <a:fillRect/>
-          </a:stretch>
+          <a:stretch/>
         </p:blipFill>
         <p:spPr>
           <a:xfrm>
@@ -7732,7 +8953,13 @@
       </p:pic>
       <p:sp>
         <p:nvSpPr>
-          <p:cNvPr id="9" name="Title 8"/>
+          <p:cNvPr id="9" name="Title 8">
+            <a:extLst>
+              <a:ext uri="{FF2B5EF4-FFF2-40B4-BE49-F238E27FC236}">
+                <a16:creationId xmlns:a16="http://schemas.microsoft.com/office/drawing/2014/main" id="{D3EFE137-6AA8-5146-BB5B-1B41A5B34CB7}"/>
+              </a:ext>
+            </a:extLst>
+          </p:cNvPr>
           <p:cNvSpPr>
             <a:spLocks noGrp="1"/>
           </p:cNvSpPr>
@@ -7758,7 +8985,7 @@
                   <a:schemeClr val="bg1"/>
                 </a:solidFill>
                 <a:latin typeface="+mj-lt"/>
-                <a:cs typeface="Arial" panose="020B0604020202090204" pitchFamily="34" charset="0"/>
+                <a:cs typeface="Arial" panose="020B0604020202020204" pitchFamily="34" charset="0"/>
               </a:defRPr>
             </a:lvl1pPr>
           </a:lstStyle>
@@ -7767,13 +8994,18 @@
               <a:rPr lang="en-US" dirty="0"/>
               <a:t>Click to edit Master title style</a:t>
             </a:r>
-            <a:endParaRPr lang="en-US" dirty="0"/>
           </a:p>
         </p:txBody>
       </p:sp>
       <p:sp>
         <p:nvSpPr>
-          <p:cNvPr id="12" name="Text Placeholder 4"/>
+          <p:cNvPr id="12" name="Text Placeholder 4">
+            <a:extLst>
+              <a:ext uri="{FF2B5EF4-FFF2-40B4-BE49-F238E27FC236}">
+                <a16:creationId xmlns:a16="http://schemas.microsoft.com/office/drawing/2014/main" id="{9BF42F2D-F344-4347-A77A-879196FB6781}"/>
+              </a:ext>
+            </a:extLst>
+          </p:cNvPr>
           <p:cNvSpPr>
             <a:spLocks noGrp="1"/>
           </p:cNvSpPr>
@@ -7825,7 +9057,6 @@
               <a:rPr lang="en-US" dirty="0"/>
               <a:t>Click to edit Master text styles</a:t>
             </a:r>
-            <a:endParaRPr lang="en-US" dirty="0"/>
           </a:p>
           <a:p>
             <a:pPr lvl="1"/>
@@ -7833,7 +9064,6 @@
               <a:rPr lang="en-US" dirty="0"/>
               <a:t>Second level</a:t>
             </a:r>
-            <a:endParaRPr lang="en-US" dirty="0"/>
           </a:p>
           <a:p>
             <a:pPr lvl="2"/>
@@ -7841,11 +9071,15 @@
               <a:rPr lang="en-US" dirty="0"/>
               <a:t>Third level</a:t>
             </a:r>
-            <a:endParaRPr lang="en-US" dirty="0"/>
           </a:p>
         </p:txBody>
       </p:sp>
     </p:spTree>
+    <p:extLst>
+      <p:ext uri="{BB962C8B-B14F-4D97-AF65-F5344CB8AC3E}">
+        <p14:creationId xmlns:p14="http://schemas.microsoft.com/office/powerpoint/2010/main" val="2791457534"/>
+      </p:ext>
+    </p:extLst>
   </p:cSld>
   <p:clrMapOvr>
     <a:masterClrMapping/>
@@ -7878,7 +9112,9 @@
       <p:sp>
         <p:nvSpPr>
           <p:cNvPr id="12" name="Slide Number Placeholder 5"/>
-          <p:cNvSpPr txBox="1"/>
+          <p:cNvSpPr txBox="1">
+            <a:spLocks/>
+          </p:cNvSpPr>
           <p:nvPr/>
         </p:nvSpPr>
         <p:spPr>
@@ -8003,6 +9239,16 @@
             </a:r>
             <a:fld id="{3B11C02F-2186-5E4E-90C0-5210A150EF90}" type="slidenum">
               <a:rPr lang="en-US" sz="675" smtClean="0"/>
+              <a:pPr fontAlgn="auto">
+                <a:spcBef>
+                  <a:spcPts val="0"/>
+                </a:spcBef>
+                <a:spcAft>
+                  <a:spcPts val="0"/>
+                </a:spcAft>
+                <a:defRPr/>
+              </a:pPr>
+              <a:t>‹#›</a:t>
             </a:fld>
             <a:endParaRPr lang="en-US" sz="675" dirty="0"/>
           </a:p>
@@ -8010,8 +9256,16 @@
       </p:sp>
       <p:sp>
         <p:nvSpPr>
-          <p:cNvPr id="6" name="Date Placeholder 3"/>
-          <p:cNvSpPr txBox="1"/>
+          <p:cNvPr id="6" name="Date Placeholder 3">
+            <a:extLst>
+              <a:ext uri="{FF2B5EF4-FFF2-40B4-BE49-F238E27FC236}">
+                <a16:creationId xmlns:a16="http://schemas.microsoft.com/office/drawing/2014/main" id="{B454F75B-D7A2-4B14-8535-B803517C2A15}"/>
+              </a:ext>
+            </a:extLst>
+          </p:cNvPr>
+          <p:cNvSpPr txBox="1">
+            <a:spLocks/>
+          </p:cNvSpPr>
           <p:nvPr userDrawn="1"/>
         </p:nvSpPr>
         <p:spPr>
@@ -8132,28 +9386,34 @@
             </a:pPr>
             <a:r>
               <a:rPr dirty="0">
-                <a:latin typeface="Arial" panose="020B0604020202090204" pitchFamily="34" charset="0"/>
-                <a:cs typeface="Arial" panose="020B0604020202090204" pitchFamily="34" charset="0"/>
+                <a:latin typeface="Arial" panose="020B0604020202020204" pitchFamily="34" charset="0"/>
+                <a:cs typeface="Arial" panose="020B0604020202020204" pitchFamily="34" charset="0"/>
               </a:rPr>
               <a:t>The </a:t>
             </a:r>
             <a:r>
               <a:rPr lang="en-AU" dirty="0">
-                <a:latin typeface="Arial" panose="020B0604020202090204" pitchFamily="34" charset="0"/>
-                <a:cs typeface="Arial" panose="020B0604020202090204" pitchFamily="34" charset="0"/>
+                <a:latin typeface="Arial" panose="020B0604020202020204" pitchFamily="34" charset="0"/>
+                <a:cs typeface="Arial" panose="020B0604020202020204" pitchFamily="34" charset="0"/>
               </a:rPr>
               <a:t>University of Sydney</a:t>
             </a:r>
             <a:endParaRPr dirty="0">
-              <a:latin typeface="Arial" panose="020B0604020202090204" pitchFamily="34" charset="0"/>
-              <a:cs typeface="Arial" panose="020B0604020202090204" pitchFamily="34" charset="0"/>
+              <a:latin typeface="Arial" panose="020B0604020202020204" pitchFamily="34" charset="0"/>
+              <a:cs typeface="Arial" panose="020B0604020202020204" pitchFamily="34" charset="0"/>
             </a:endParaRPr>
           </a:p>
         </p:txBody>
       </p:sp>
       <p:sp>
         <p:nvSpPr>
-          <p:cNvPr id="7" name="Title Placeholder 1"/>
+          <p:cNvPr id="7" name="Title Placeholder 1">
+            <a:extLst>
+              <a:ext uri="{FF2B5EF4-FFF2-40B4-BE49-F238E27FC236}">
+                <a16:creationId xmlns:a16="http://schemas.microsoft.com/office/drawing/2014/main" id="{BE9EF11D-F5BE-ED40-AB5F-104A2C9A67EF}"/>
+              </a:ext>
+            </a:extLst>
+          </p:cNvPr>
           <p:cNvSpPr>
             <a:spLocks noGrp="1"/>
           </p:cNvSpPr>
@@ -8173,9 +9433,35 @@
           <a:ln>
             <a:noFill/>
           </a:ln>
+          <a:extLst>
+            <a:ext uri="{909E8E84-426E-40dd-AFC4-6F175D3DCCD1}">
+              <a14:hiddenFill xmlns="" xmlns:a14="http://schemas.microsoft.com/office/drawing/2010/main">
+                <a:solidFill>
+                  <a:srgbClr val="FFFFFF"/>
+                </a:solidFill>
+              </a14:hiddenFill>
+            </a:ext>
+            <a:ext uri="{91240B29-F687-4f45-9708-019B960494DF}">
+              <a14:hiddenLine xmlns="" xmlns:a14="http://schemas.microsoft.com/office/drawing/2010/main" w="9525">
+                <a:solidFill>
+                  <a:srgbClr val="000000"/>
+                </a:solidFill>
+                <a:miter lim="800000"/>
+                <a:headEnd/>
+                <a:tailEnd/>
+              </a14:hiddenLine>
+            </a:ext>
+            <a:ext uri="{FAA26D3D-D897-4be2-8F04-BA451C77F1D7}">
+              <ma14:placeholderFlag xmlns="" xmlns:ma14="http://schemas.microsoft.com/office/mac/drawingml/2011/main" val="1"/>
+            </a:ext>
+          </a:extLst>
         </p:spPr>
         <p:txBody>
-          <a:bodyPr vert="horz" wrap="square" lIns="0" tIns="0" rIns="0" bIns="0" numCol="1" anchor="t" anchorCtr="0" compatLnSpc="1"/>
+          <a:bodyPr vert="horz" wrap="square" lIns="0" tIns="0" rIns="0" bIns="0" numCol="1" anchor="t" anchorCtr="0" compatLnSpc="1">
+            <a:prstTxWarp prst="textNoShape">
+              <a:avLst/>
+            </a:prstTxWarp>
+          </a:bodyPr>
           <a:lstStyle/>
           <a:p>
             <a:pPr lvl="0"/>
@@ -8183,13 +9469,18 @@
               <a:rPr lang="en-US" dirty="0"/>
               <a:t>Insert title here</a:t>
             </a:r>
-            <a:endParaRPr lang="en-US" dirty="0"/>
           </a:p>
         </p:txBody>
       </p:sp>
       <p:sp>
         <p:nvSpPr>
-          <p:cNvPr id="8" name="Text Placeholder 2"/>
+          <p:cNvPr id="8" name="Text Placeholder 2">
+            <a:extLst>
+              <a:ext uri="{FF2B5EF4-FFF2-40B4-BE49-F238E27FC236}">
+                <a16:creationId xmlns:a16="http://schemas.microsoft.com/office/drawing/2014/main" id="{31D8007C-8639-1A4A-A2BB-5F88DD41E22F}"/>
+              </a:ext>
+            </a:extLst>
+          </p:cNvPr>
           <p:cNvSpPr>
             <a:spLocks noGrp="1"/>
           </p:cNvSpPr>
@@ -8209,9 +9500,35 @@
           <a:ln>
             <a:noFill/>
           </a:ln>
+          <a:extLst>
+            <a:ext uri="{909E8E84-426E-40dd-AFC4-6F175D3DCCD1}">
+              <a14:hiddenFill xmlns="" xmlns:a14="http://schemas.microsoft.com/office/drawing/2010/main">
+                <a:solidFill>
+                  <a:srgbClr val="FFFFFF"/>
+                </a:solidFill>
+              </a14:hiddenFill>
+            </a:ext>
+            <a:ext uri="{91240B29-F687-4f45-9708-019B960494DF}">
+              <a14:hiddenLine xmlns="" xmlns:a14="http://schemas.microsoft.com/office/drawing/2010/main" w="9525">
+                <a:solidFill>
+                  <a:srgbClr val="000000"/>
+                </a:solidFill>
+                <a:miter lim="800000"/>
+                <a:headEnd/>
+                <a:tailEnd/>
+              </a14:hiddenLine>
+            </a:ext>
+            <a:ext uri="{FAA26D3D-D897-4be2-8F04-BA451C77F1D7}">
+              <ma14:placeholderFlag xmlns="" xmlns:ma14="http://schemas.microsoft.com/office/mac/drawingml/2011/main" val="1"/>
+            </a:ext>
+          </a:extLst>
         </p:spPr>
         <p:txBody>
-          <a:bodyPr vert="horz" wrap="square" lIns="91440" tIns="45720" rIns="91440" bIns="45720" numCol="1" anchor="t" anchorCtr="0" compatLnSpc="1"/>
+          <a:bodyPr vert="horz" wrap="square" lIns="91440" tIns="45720" rIns="91440" bIns="45720" numCol="1" anchor="t" anchorCtr="0" compatLnSpc="1">
+            <a:prstTxWarp prst="textNoShape">
+              <a:avLst/>
+            </a:prstTxWarp>
+          </a:bodyPr>
           <a:lstStyle/>
           <a:p>
             <a:pPr lvl="0"/>
@@ -8219,7 +9536,6 @@
               <a:rPr lang="en-US" dirty="0"/>
               <a:t>Sub-heading Bold… 20pt</a:t>
             </a:r>
-            <a:endParaRPr lang="en-US" dirty="0"/>
           </a:p>
           <a:p>
             <a:pPr lvl="0"/>
@@ -8227,45 +9543,49 @@
               <a:rPr lang="en-US" dirty="0"/>
               <a:t>Add body copy </a:t>
             </a:r>
-            <a:endParaRPr lang="en-US" dirty="0"/>
           </a:p>
         </p:txBody>
       </p:sp>
     </p:spTree>
+    <p:extLst>
+      <p:ext uri="{BB962C8B-B14F-4D97-AF65-F5344CB8AC3E}">
+        <p14:creationId xmlns:p14="http://schemas.microsoft.com/office/powerpoint/2010/main" val="2228609886"/>
+      </p:ext>
+    </p:extLst>
   </p:cSld>
   <p:clrMap bg1="lt1" tx1="dk1" bg2="lt2" tx2="dk2" accent1="accent1" accent2="accent2" accent3="accent3" accent4="accent4" accent5="accent5" accent6="accent6" hlink="hlink" folHlink="folHlink"/>
   <p:sldLayoutIdLst>
-    <p:sldLayoutId id="2147483649" r:id="rId1"/>
-    <p:sldLayoutId id="2147483650" r:id="rId2"/>
-    <p:sldLayoutId id="2147483651" r:id="rId3"/>
-    <p:sldLayoutId id="2147483652" r:id="rId4"/>
-    <p:sldLayoutId id="2147483653" r:id="rId5"/>
-    <p:sldLayoutId id="2147483654" r:id="rId6"/>
-    <p:sldLayoutId id="2147483655" r:id="rId7"/>
-    <p:sldLayoutId id="2147483656" r:id="rId8"/>
-    <p:sldLayoutId id="2147483657" r:id="rId9"/>
-    <p:sldLayoutId id="2147483658" r:id="rId10"/>
-    <p:sldLayoutId id="2147483659" r:id="rId11"/>
-    <p:sldLayoutId id="2147483660" r:id="rId12"/>
-    <p:sldLayoutId id="2147483661" r:id="rId13"/>
-    <p:sldLayoutId id="2147483662" r:id="rId14"/>
-    <p:sldLayoutId id="2147483663" r:id="rId15"/>
-    <p:sldLayoutId id="2147483664" r:id="rId16"/>
-    <p:sldLayoutId id="2147483665" r:id="rId17"/>
-    <p:sldLayoutId id="2147483666" r:id="rId18"/>
-    <p:sldLayoutId id="2147483667" r:id="rId19"/>
-    <p:sldLayoutId id="2147483668" r:id="rId20"/>
-    <p:sldLayoutId id="2147483669" r:id="rId21"/>
-    <p:sldLayoutId id="2147483670" r:id="rId22"/>
-    <p:sldLayoutId id="2147483671" r:id="rId23"/>
-    <p:sldLayoutId id="2147483672" r:id="rId24"/>
-    <p:sldLayoutId id="2147483673" r:id="rId25"/>
-    <p:sldLayoutId id="2147483674" r:id="rId26"/>
-    <p:sldLayoutId id="2147483675" r:id="rId27"/>
-    <p:sldLayoutId id="2147483676" r:id="rId28"/>
-    <p:sldLayoutId id="2147483677" r:id="rId29"/>
-    <p:sldLayoutId id="2147483678" r:id="rId30"/>
-    <p:sldLayoutId id="2147483679" r:id="rId31"/>
+    <p:sldLayoutId id="2147483791" r:id="rId1"/>
+    <p:sldLayoutId id="2147483792" r:id="rId2"/>
+    <p:sldLayoutId id="2147483793" r:id="rId3"/>
+    <p:sldLayoutId id="2147483816" r:id="rId4"/>
+    <p:sldLayoutId id="2147483817" r:id="rId5"/>
+    <p:sldLayoutId id="2147483818" r:id="rId6"/>
+    <p:sldLayoutId id="2147483819" r:id="rId7"/>
+    <p:sldLayoutId id="2147483820" r:id="rId8"/>
+    <p:sldLayoutId id="2147483821" r:id="rId9"/>
+    <p:sldLayoutId id="2147483794" r:id="rId10"/>
+    <p:sldLayoutId id="2147483845" r:id="rId11"/>
+    <p:sldLayoutId id="2147483795" r:id="rId12"/>
+    <p:sldLayoutId id="2147483796" r:id="rId13"/>
+    <p:sldLayoutId id="2147483798" r:id="rId14"/>
+    <p:sldLayoutId id="2147483799" r:id="rId15"/>
+    <p:sldLayoutId id="2147483800" r:id="rId16"/>
+    <p:sldLayoutId id="2147483801" r:id="rId17"/>
+    <p:sldLayoutId id="2147483822" r:id="rId18"/>
+    <p:sldLayoutId id="2147483797" r:id="rId19"/>
+    <p:sldLayoutId id="2147483814" r:id="rId20"/>
+    <p:sldLayoutId id="2147483802" r:id="rId21"/>
+    <p:sldLayoutId id="2147483803" r:id="rId22"/>
+    <p:sldLayoutId id="2147483804" r:id="rId23"/>
+    <p:sldLayoutId id="2147483805" r:id="rId24"/>
+    <p:sldLayoutId id="2147483806" r:id="rId25"/>
+    <p:sldLayoutId id="2147483807" r:id="rId26"/>
+    <p:sldLayoutId id="2147483808" r:id="rId27"/>
+    <p:sldLayoutId id="2147483810" r:id="rId28"/>
+    <p:sldLayoutId id="2147483811" r:id="rId29"/>
+    <p:sldLayoutId id="2147483812" r:id="rId30"/>
+    <p:sldLayoutId id="2147483813" r:id="rId31"/>
   </p:sldLayoutIdLst>
   <p:txStyles>
     <p:titleStyle>
@@ -8281,7 +9601,7 @@
             <a:schemeClr val="accent1"/>
           </a:solidFill>
           <a:latin typeface="Tw Cen MT"/>
-          <a:ea typeface="MS PGothic" charset="0"/>
+          <a:ea typeface="ＭＳ Ｐゴシック" charset="0"/>
           <a:cs typeface="Tw Cen MT"/>
         </a:defRPr>
       </a:lvl1pPr>
@@ -8297,7 +9617,7 @@
             <a:schemeClr val="accent1"/>
           </a:solidFill>
           <a:latin typeface="Tw Cen MT" charset="0"/>
-          <a:ea typeface="MS PGothic" charset="0"/>
+          <a:ea typeface="ＭＳ Ｐゴシック" charset="0"/>
         </a:defRPr>
       </a:lvl2pPr>
       <a:lvl3pPr algn="l" defTabSz="342900" rtl="0" eaLnBrk="1" fontAlgn="base" hangingPunct="1">
@@ -8312,7 +9632,7 @@
             <a:schemeClr val="accent1"/>
           </a:solidFill>
           <a:latin typeface="Tw Cen MT" charset="0"/>
-          <a:ea typeface="MS PGothic" charset="0"/>
+          <a:ea typeface="ＭＳ Ｐゴシック" charset="0"/>
         </a:defRPr>
       </a:lvl3pPr>
       <a:lvl4pPr algn="l" defTabSz="342900" rtl="0" eaLnBrk="1" fontAlgn="base" hangingPunct="1">
@@ -8327,7 +9647,7 @@
             <a:schemeClr val="accent1"/>
           </a:solidFill>
           <a:latin typeface="Tw Cen MT" charset="0"/>
-          <a:ea typeface="MS PGothic" charset="0"/>
+          <a:ea typeface="ＭＳ Ｐゴシック" charset="0"/>
         </a:defRPr>
       </a:lvl4pPr>
       <a:lvl5pPr algn="l" defTabSz="342900" rtl="0" eaLnBrk="1" fontAlgn="base" hangingPunct="1">
@@ -8342,7 +9662,7 @@
             <a:schemeClr val="accent1"/>
           </a:solidFill>
           <a:latin typeface="Tw Cen MT" charset="0"/>
-          <a:ea typeface="MS PGothic" charset="0"/>
+          <a:ea typeface="ＭＳ Ｐゴシック" charset="0"/>
         </a:defRPr>
       </a:lvl5pPr>
       <a:lvl6pPr marL="342900" algn="l" defTabSz="342900" rtl="0" eaLnBrk="1" fontAlgn="base" hangingPunct="1">
@@ -8357,7 +9677,7 @@
             <a:schemeClr val="accent1"/>
           </a:solidFill>
           <a:latin typeface="Tw Cen MT" charset="0"/>
-          <a:ea typeface="MS PGothic" charset="0"/>
+          <a:ea typeface="ＭＳ Ｐゴシック" charset="0"/>
         </a:defRPr>
       </a:lvl6pPr>
       <a:lvl7pPr marL="685800" algn="l" defTabSz="342900" rtl="0" eaLnBrk="1" fontAlgn="base" hangingPunct="1">
@@ -8372,7 +9692,7 @@
             <a:schemeClr val="accent1"/>
           </a:solidFill>
           <a:latin typeface="Tw Cen MT" charset="0"/>
-          <a:ea typeface="MS PGothic" charset="0"/>
+          <a:ea typeface="ＭＳ Ｐゴシック" charset="0"/>
         </a:defRPr>
       </a:lvl7pPr>
       <a:lvl8pPr marL="1028700" algn="l" defTabSz="342900" rtl="0" eaLnBrk="1" fontAlgn="base" hangingPunct="1">
@@ -8387,7 +9707,7 @@
             <a:schemeClr val="accent1"/>
           </a:solidFill>
           <a:latin typeface="Tw Cen MT" charset="0"/>
-          <a:ea typeface="MS PGothic" charset="0"/>
+          <a:ea typeface="ＭＳ Ｐゴシック" charset="0"/>
         </a:defRPr>
       </a:lvl8pPr>
       <a:lvl9pPr marL="1371600" algn="l" defTabSz="342900" rtl="0" eaLnBrk="1" fontAlgn="base" hangingPunct="1">
@@ -8402,7 +9722,7 @@
             <a:schemeClr val="accent1"/>
           </a:solidFill>
           <a:latin typeface="Tw Cen MT" charset="0"/>
-          <a:ea typeface="MS PGothic" charset="0"/>
+          <a:ea typeface="ＭＳ Ｐゴシック" charset="0"/>
         </a:defRPr>
       </a:lvl9pPr>
     </p:titleStyle>
@@ -8414,32 +9734,32 @@
         <a:spcAft>
           <a:spcPct val="0"/>
         </a:spcAft>
-        <a:buFont typeface="Lucida Grande" panose="020B0600040502020204" charset="0"/>
+        <a:buFont typeface="Lucida Grande" charset="0"/>
         <a:buChar char="–"/>
         <a:defRPr sz="2400" b="1" kern="1200">
           <a:solidFill>
             <a:schemeClr val="tx1"/>
           </a:solidFill>
           <a:latin typeface="Tw Cen MT"/>
-          <a:ea typeface="MS PGothic" charset="0"/>
+          <a:ea typeface="ＭＳ Ｐゴシック" charset="0"/>
           <a:cs typeface="Tw Cen MT"/>
         </a:defRPr>
       </a:lvl1pPr>
-      <a:lvl2pPr marL="557530" indent="-214630" algn="l" defTabSz="342900" rtl="0" eaLnBrk="1" fontAlgn="base" hangingPunct="1">
+      <a:lvl2pPr marL="557213" indent="-214313" algn="l" defTabSz="342900" rtl="0" eaLnBrk="1" fontAlgn="base" hangingPunct="1">
         <a:spcBef>
           <a:spcPct val="20000"/>
         </a:spcBef>
         <a:spcAft>
           <a:spcPct val="0"/>
         </a:spcAft>
-        <a:buFont typeface="Arial" panose="020B0604020202090204" pitchFamily="34" charset="0"/>
+        <a:buFont typeface="Arial" charset="0"/>
         <a:buChar char="–"/>
         <a:defRPr sz="1500" kern="1200">
           <a:solidFill>
             <a:schemeClr val="tx1"/>
           </a:solidFill>
           <a:latin typeface="Tw Cen MT"/>
-          <a:ea typeface="MS PGothic" charset="0"/>
+          <a:ea typeface="ＭＳ Ｐゴシック" charset="0"/>
           <a:cs typeface="Tw Cen MT"/>
         </a:defRPr>
       </a:lvl2pPr>
@@ -8450,14 +9770,14 @@
         <a:spcAft>
           <a:spcPct val="0"/>
         </a:spcAft>
-        <a:buFont typeface="Arial" panose="020B0604020202090204" pitchFamily="34" charset="0"/>
+        <a:buFont typeface="Arial" charset="0"/>
         <a:buChar char="•"/>
         <a:defRPr sz="1500" kern="1200">
           <a:solidFill>
             <a:schemeClr val="tx1"/>
           </a:solidFill>
           <a:latin typeface="Tw Cen MT"/>
-          <a:ea typeface="MS PGothic" charset="0"/>
+          <a:ea typeface="ＭＳ Ｐゴシック" charset="0"/>
           <a:cs typeface="Tw Cen MT"/>
         </a:defRPr>
       </a:lvl3pPr>
@@ -8468,14 +9788,14 @@
         <a:spcAft>
           <a:spcPct val="0"/>
         </a:spcAft>
-        <a:buFont typeface="Arial" panose="020B0604020202090204" pitchFamily="34" charset="0"/>
+        <a:buFont typeface="Arial" charset="0"/>
         <a:buChar char="–"/>
         <a:defRPr sz="1500" kern="1200">
           <a:solidFill>
             <a:schemeClr val="tx1"/>
           </a:solidFill>
           <a:latin typeface="Tw Cen MT"/>
-          <a:ea typeface="MS PGothic" charset="0"/>
+          <a:ea typeface="ＭＳ Ｐゴシック" charset="0"/>
           <a:cs typeface="Tw Cen MT"/>
         </a:defRPr>
       </a:lvl4pPr>
@@ -8486,14 +9806,14 @@
         <a:spcAft>
           <a:spcPct val="0"/>
         </a:spcAft>
-        <a:buFont typeface="Arial" panose="020B0604020202090204" pitchFamily="34" charset="0"/>
+        <a:buFont typeface="Arial" charset="0"/>
         <a:buChar char="»"/>
         <a:defRPr sz="1500" kern="1200">
           <a:solidFill>
             <a:schemeClr val="tx1"/>
           </a:solidFill>
           <a:latin typeface="Tw Cen MT"/>
-          <a:ea typeface="MS PGothic" charset="0"/>
+          <a:ea typeface="ＭＳ Ｐゴシック" charset="0"/>
           <a:cs typeface="Tw Cen MT"/>
         </a:defRPr>
       </a:lvl5pPr>
@@ -8501,7 +9821,7 @@
         <a:spcBef>
           <a:spcPct val="20000"/>
         </a:spcBef>
-        <a:buFont typeface="Arial" panose="020B0604020202090204"/>
+        <a:buFont typeface="Arial"/>
         <a:buChar char="•"/>
         <a:defRPr sz="1500" kern="1200">
           <a:solidFill>
@@ -8516,7 +9836,7 @@
         <a:spcBef>
           <a:spcPct val="20000"/>
         </a:spcBef>
-        <a:buFont typeface="Arial" panose="020B0604020202090204"/>
+        <a:buFont typeface="Arial"/>
         <a:buChar char="•"/>
         <a:defRPr sz="1500" kern="1200">
           <a:solidFill>
@@ -8531,7 +9851,7 @@
         <a:spcBef>
           <a:spcPct val="20000"/>
         </a:spcBef>
-        <a:buFont typeface="Arial" panose="020B0604020202090204"/>
+        <a:buFont typeface="Arial"/>
         <a:buChar char="•"/>
         <a:defRPr sz="1500" kern="1200">
           <a:solidFill>
@@ -8546,7 +9866,7 @@
         <a:spcBef>
           <a:spcPct val="20000"/>
         </a:spcBef>
-        <a:buFont typeface="Arial" panose="020B0604020202090204"/>
+        <a:buFont typeface="Arial"/>
         <a:buChar char="•"/>
         <a:defRPr sz="1500" kern="1200">
           <a:solidFill>
@@ -8676,7 +9996,13 @@
       </p:grpSpPr>
       <p:sp>
         <p:nvSpPr>
-          <p:cNvPr id="2" name="Title 1"/>
+          <p:cNvPr id="2" name="Title 1">
+            <a:extLst>
+              <a:ext uri="{FF2B5EF4-FFF2-40B4-BE49-F238E27FC236}">
+                <a16:creationId xmlns:a16="http://schemas.microsoft.com/office/drawing/2014/main" id="{64E95A9A-19BB-234B-B0E4-7A37674E65EE}"/>
+              </a:ext>
+            </a:extLst>
+          </p:cNvPr>
           <p:cNvSpPr>
             <a:spLocks noGrp="1"/>
           </p:cNvSpPr>
@@ -8734,7 +10060,13 @@
       </p:sp>
       <p:sp>
         <p:nvSpPr>
-          <p:cNvPr id="3" name="Text Placeholder 2"/>
+          <p:cNvPr id="3" name="Text Placeholder 2">
+            <a:extLst>
+              <a:ext uri="{FF2B5EF4-FFF2-40B4-BE49-F238E27FC236}">
+                <a16:creationId xmlns:a16="http://schemas.microsoft.com/office/drawing/2014/main" id="{E63350DD-FC46-AA4B-90A5-CADFEC4C0685}"/>
+              </a:ext>
+            </a:extLst>
+          </p:cNvPr>
           <p:cNvSpPr>
             <a:spLocks noGrp="1"/>
           </p:cNvSpPr>
@@ -8761,7 +10093,6 @@
               <a:rPr lang="en-US" dirty="0"/>
               <a:t>Meeting minutes &amp;</a:t>
             </a:r>
-            <a:endParaRPr lang="en-US" dirty="0"/>
           </a:p>
           <a:p>
             <a:pPr marL="0" indent="0">
@@ -8771,7 +10102,6 @@
               <a:rPr lang="en-US" dirty="0"/>
               <a:t>Action point slides</a:t>
             </a:r>
-            <a:endParaRPr lang="en-US" dirty="0"/>
           </a:p>
           <a:p>
             <a:pPr marL="0" indent="0">
@@ -8795,7 +10125,6 @@
               <a:rPr lang="en-US" dirty="0"/>
               <a:t> (Week x)</a:t>
             </a:r>
-            <a:endParaRPr lang="en-US" dirty="0"/>
           </a:p>
           <a:p>
             <a:pPr marL="0" indent="0">
@@ -8806,6 +10135,11 @@
         </p:txBody>
       </p:sp>
     </p:spTree>
+    <p:extLst>
+      <p:ext uri="{BB962C8B-B14F-4D97-AF65-F5344CB8AC3E}">
+        <p14:creationId xmlns:p14="http://schemas.microsoft.com/office/powerpoint/2010/main" val="2196569219"/>
+      </p:ext>
+    </p:extLst>
   </p:cSld>
   <p:clrMapOvr>
     <a:masterClrMapping/>
@@ -8832,7 +10166,13 @@
       </p:grpSpPr>
       <p:sp>
         <p:nvSpPr>
-          <p:cNvPr id="4" name="Content Placeholder 3"/>
+          <p:cNvPr id="4" name="Content Placeholder 3">
+            <a:extLst>
+              <a:ext uri="{FF2B5EF4-FFF2-40B4-BE49-F238E27FC236}">
+                <a16:creationId xmlns:a16="http://schemas.microsoft.com/office/drawing/2014/main" id="{DF9469D1-0D7B-664F-AA8A-24BA09945622}"/>
+              </a:ext>
+            </a:extLst>
+          </p:cNvPr>
           <p:cNvSpPr>
             <a:spLocks noGrp="1"/>
           </p:cNvSpPr>
@@ -8849,13 +10189,18 @@
               <a:rPr lang="en-US" b="0" dirty="0"/>
               <a:t>At least one figure showing the evaluation result</a:t>
             </a:r>
-            <a:endParaRPr lang="en-US" b="0" dirty="0"/>
           </a:p>
         </p:txBody>
       </p:sp>
       <p:sp>
         <p:nvSpPr>
-          <p:cNvPr id="5" name="Picture Placeholder 4"/>
+          <p:cNvPr id="5" name="Picture Placeholder 4">
+            <a:extLst>
+              <a:ext uri="{FF2B5EF4-FFF2-40B4-BE49-F238E27FC236}">
+                <a16:creationId xmlns:a16="http://schemas.microsoft.com/office/drawing/2014/main" id="{EE1C8855-A556-7E4D-91DC-EC398D599EC3}"/>
+              </a:ext>
+            </a:extLst>
+          </p:cNvPr>
           <p:cNvSpPr>
             <a:spLocks noGrp="1"/>
           </p:cNvSpPr>
@@ -8867,7 +10212,13 @@
       </p:sp>
       <p:sp>
         <p:nvSpPr>
-          <p:cNvPr id="2" name="Title 1"/>
+          <p:cNvPr id="2" name="Title 1">
+            <a:extLst>
+              <a:ext uri="{FF2B5EF4-FFF2-40B4-BE49-F238E27FC236}">
+                <a16:creationId xmlns:a16="http://schemas.microsoft.com/office/drawing/2014/main" id="{E2AEAF44-F909-4580-862E-7EB331AAAEC3}"/>
+              </a:ext>
+            </a:extLst>
+          </p:cNvPr>
           <p:cNvSpPr>
             <a:spLocks noGrp="1"/>
           </p:cNvSpPr>
@@ -8888,11 +10239,15 @@
               <a:rPr lang="en-AU" dirty="0"/>
               <a:t>initial evaluation </a:t>
             </a:r>
-            <a:endParaRPr lang="en-AU" dirty="0"/>
           </a:p>
         </p:txBody>
       </p:sp>
     </p:spTree>
+    <p:extLst>
+      <p:ext uri="{BB962C8B-B14F-4D97-AF65-F5344CB8AC3E}">
+        <p14:creationId xmlns:p14="http://schemas.microsoft.com/office/powerpoint/2010/main" val="4113937976"/>
+      </p:ext>
+    </p:extLst>
   </p:cSld>
   <p:clrMapOvr>
     <a:masterClrMapping/>
@@ -8919,7 +10274,13 @@
       </p:grpSpPr>
       <p:sp>
         <p:nvSpPr>
-          <p:cNvPr id="2" name="Title 1"/>
+          <p:cNvPr id="2" name="Title 1">
+            <a:extLst>
+              <a:ext uri="{FF2B5EF4-FFF2-40B4-BE49-F238E27FC236}">
+                <a16:creationId xmlns:a16="http://schemas.microsoft.com/office/drawing/2014/main" id="{E2AEAF44-F909-4580-862E-7EB331AAAEC3}"/>
+              </a:ext>
+            </a:extLst>
+          </p:cNvPr>
           <p:cNvSpPr>
             <a:spLocks noGrp="1"/>
           </p:cNvSpPr>
@@ -8936,13 +10297,18 @@
               <a:rPr lang="en-AU" dirty="0"/>
               <a:t>Meeting minutes</a:t>
             </a:r>
-            <a:endParaRPr lang="en-AU" dirty="0"/>
           </a:p>
         </p:txBody>
       </p:sp>
       <p:graphicFrame>
         <p:nvGraphicFramePr>
-          <p:cNvPr id="8" name="Table 7"/>
+          <p:cNvPr id="8" name="Table 7">
+            <a:extLst>
+              <a:ext uri="{FF2B5EF4-FFF2-40B4-BE49-F238E27FC236}">
+                <a16:creationId xmlns:a16="http://schemas.microsoft.com/office/drawing/2014/main" id="{3A87D348-55EA-4938-B716-4176C77A2C27}"/>
+              </a:ext>
+            </a:extLst>
+          </p:cNvPr>
           <p:cNvGraphicFramePr>
             <a:graphicFrameLocks noGrp="1"/>
           </p:cNvGraphicFramePr>
@@ -8959,9 +10325,27 @@
                 <a:tableStyleId>{5C22544A-7EE6-4342-B048-85BDC9FD1C3A}</a:tableStyleId>
               </a:tblPr>
               <a:tblGrid>
-                <a:gridCol w="1373987"/>
-                <a:gridCol w="2534438"/>
-                <a:gridCol w="4610290"/>
+                <a:gridCol w="1373987">
+                  <a:extLst>
+                    <a:ext uri="{9D8B030D-6E8A-4147-A177-3AD203B41FA5}">
+                      <a16:colId xmlns:a16="http://schemas.microsoft.com/office/drawing/2014/main" val="1573866123"/>
+                    </a:ext>
+                  </a:extLst>
+                </a:gridCol>
+                <a:gridCol w="2534438">
+                  <a:extLst>
+                    <a:ext uri="{9D8B030D-6E8A-4147-A177-3AD203B41FA5}">
+                      <a16:colId xmlns:a16="http://schemas.microsoft.com/office/drawing/2014/main" val="83730095"/>
+                    </a:ext>
+                  </a:extLst>
+                </a:gridCol>
+                <a:gridCol w="4610290">
+                  <a:extLst>
+                    <a:ext uri="{9D8B030D-6E8A-4147-A177-3AD203B41FA5}">
+                      <a16:colId xmlns:a16="http://schemas.microsoft.com/office/drawing/2014/main" val="1624356449"/>
+                    </a:ext>
+                  </a:extLst>
+                </a:gridCol>
               </a:tblGrid>
               <a:tr h="564619">
                 <a:tc>
@@ -8985,7 +10369,7 @@
                       </a:r>
                       <a:endParaRPr lang="en-AU" sz="1600" dirty="0">
                         <a:effectLst/>
-                        <a:latin typeface="Tw Cen MT" charset="0"/>
+                        <a:latin typeface="Tw Cen MT" panose="020B0602020104020603" pitchFamily="34" charset="0"/>
                         <a:ea typeface="Calibri" panose="020F0502020204030204" pitchFamily="34" charset="0"/>
                         <a:cs typeface="Times New Roman" panose="02020603050405020304" pitchFamily="18" charset="0"/>
                       </a:endParaRPr>
@@ -9012,9 +10396,6 @@
                         </a:rPr>
                         <a:t>Discussion</a:t>
                       </a:r>
-                      <a:endParaRPr lang="en-AU" sz="1600" dirty="0">
-                        <a:effectLst/>
-                      </a:endParaRPr>
                     </a:p>
                     <a:p>
                       <a:pPr algn="ctr">
@@ -9028,18 +10409,12 @@
                       <a:r>
                         <a:rPr lang="en-AU" sz="1100" dirty="0">
                           <a:effectLst/>
-                          <a:latin typeface="Tw Cen MT" charset="0"/>
+                          <a:latin typeface="Tw Cen MT" panose="020B0602020104020603" pitchFamily="34" charset="0"/>
                           <a:ea typeface="Calibri" panose="020F0502020204030204" pitchFamily="34" charset="0"/>
                           <a:cs typeface="Times New Roman" panose="02020603050405020304" pitchFamily="18" charset="0"/>
                         </a:rPr>
                         <a:t>(you can refer to previous slides)</a:t>
                       </a:r>
-                      <a:endParaRPr lang="en-AU" sz="1100" dirty="0">
-                        <a:effectLst/>
-                        <a:latin typeface="Tw Cen MT" charset="0"/>
-                        <a:ea typeface="Calibri" panose="020F0502020204030204" pitchFamily="34" charset="0"/>
-                        <a:cs typeface="Times New Roman" panose="02020603050405020304" pitchFamily="18" charset="0"/>
-                      </a:endParaRPr>
                     </a:p>
                   </a:txBody>
                   <a:tcPr marL="81331" marR="81331" marT="0" marB="0" anchor="ctr"/>
@@ -9063,13 +10438,15 @@
                         </a:rPr>
                         <a:t>Actions (who) – action points for next week</a:t>
                       </a:r>
-                      <a:endParaRPr lang="en-AU" sz="1600" dirty="0">
-                        <a:effectLst/>
-                      </a:endParaRPr>
                     </a:p>
                   </a:txBody>
                   <a:tcPr marL="81331" marR="81331" marT="0" marB="0" anchor="ctr"/>
                 </a:tc>
+                <a:extLst>
+                  <a:ext uri="{0D108BD9-81ED-4DB2-BD59-A6C34878D82A}">
+                    <a16:rowId xmlns:a16="http://schemas.microsoft.com/office/drawing/2014/main" val="921860958"/>
+                  </a:ext>
+                </a:extLst>
               </a:tr>
               <a:tr h="474426">
                 <a:tc>
@@ -9129,6 +10506,11 @@
                   </a:txBody>
                   <a:tcPr marL="81331" marR="81331" marT="0" marB="0" anchor="b"/>
                 </a:tc>
+                <a:extLst>
+                  <a:ext uri="{0D108BD9-81ED-4DB2-BD59-A6C34878D82A}">
+                    <a16:rowId xmlns:a16="http://schemas.microsoft.com/office/drawing/2014/main" val="2191457816"/>
+                  </a:ext>
+                </a:extLst>
               </a:tr>
               <a:tr h="474426">
                 <a:tc>
@@ -9188,6 +10570,11 @@
                   </a:txBody>
                   <a:tcPr marL="81331" marR="81331" marT="0" marB="0" anchor="b"/>
                 </a:tc>
+                <a:extLst>
+                  <a:ext uri="{0D108BD9-81ED-4DB2-BD59-A6C34878D82A}">
+                    <a16:rowId xmlns:a16="http://schemas.microsoft.com/office/drawing/2014/main" val="2947246499"/>
+                  </a:ext>
+                </a:extLst>
               </a:tr>
               <a:tr h="474426">
                 <a:tc>
@@ -9247,6 +10634,11 @@
                   </a:txBody>
                   <a:tcPr marL="81331" marR="81331" marT="0" marB="0" anchor="b"/>
                 </a:tc>
+                <a:extLst>
+                  <a:ext uri="{0D108BD9-81ED-4DB2-BD59-A6C34878D82A}">
+                    <a16:rowId xmlns:a16="http://schemas.microsoft.com/office/drawing/2014/main" val="942335013"/>
+                  </a:ext>
+                </a:extLst>
               </a:tr>
               <a:tr h="474426">
                 <a:tc>
@@ -9306,6 +10698,11 @@
                   </a:txBody>
                   <a:tcPr marL="81331" marR="81331" marT="0" marB="0" anchor="b"/>
                 </a:tc>
+                <a:extLst>
+                  <a:ext uri="{0D108BD9-81ED-4DB2-BD59-A6C34878D82A}">
+                    <a16:rowId xmlns:a16="http://schemas.microsoft.com/office/drawing/2014/main" val="1757599085"/>
+                  </a:ext>
+                </a:extLst>
               </a:tr>
               <a:tr h="474426">
                 <a:tc>
@@ -9365,6 +10762,11 @@
                   </a:txBody>
                   <a:tcPr marL="81331" marR="81331" marT="0" marB="0" anchor="b"/>
                 </a:tc>
+                <a:extLst>
+                  <a:ext uri="{0D108BD9-81ED-4DB2-BD59-A6C34878D82A}">
+                    <a16:rowId xmlns:a16="http://schemas.microsoft.com/office/drawing/2014/main" val="927903413"/>
+                  </a:ext>
+                </a:extLst>
               </a:tr>
             </a:tbl>
           </a:graphicData>
@@ -9372,7 +10774,13 @@
       </p:graphicFrame>
       <p:sp>
         <p:nvSpPr>
-          <p:cNvPr id="9" name="Rectangle 2"/>
+          <p:cNvPr id="9" name="Rectangle 2">
+            <a:extLst>
+              <a:ext uri="{FF2B5EF4-FFF2-40B4-BE49-F238E27FC236}">
+                <a16:creationId xmlns:a16="http://schemas.microsoft.com/office/drawing/2014/main" id="{A2ADCF7C-1D56-46C0-AA47-22DB2F49BF52}"/>
+              </a:ext>
+            </a:extLst>
+          </p:cNvPr>
           <p:cNvSpPr>
             <a:spLocks noChangeArrowheads="1"/>
           </p:cNvSpPr>
@@ -9422,6 +10830,9 @@
         </p:spPr>
         <p:txBody>
           <a:bodyPr vert="horz" wrap="square" lIns="91440" tIns="45720" rIns="91440" bIns="45720" numCol="1" anchor="ctr" anchorCtr="0" compatLnSpc="1">
+            <a:prstTxWarp prst="textNoShape">
+              <a:avLst/>
+            </a:prstTxWarp>
             <a:spAutoFit/>
           </a:bodyPr>
           <a:lstStyle/>
@@ -9440,6 +10851,7 @@
               <a:buSzTx/>
               <a:buFontTx/>
               <a:buNone/>
+              <a:tabLst/>
             </a:pPr>
             <a:r>
               <a:rPr kumimoji="0" lang="en-AU" altLang="en-US" sz="1100" b="0" i="1" u="none" strike="noStrike" cap="none" normalizeH="0" baseline="0" dirty="0">
@@ -9450,7 +10862,7 @@
                   <a:schemeClr val="tx1"/>
                 </a:solidFill>
                 <a:effectLst/>
-                <a:latin typeface="Tw Cen MT" charset="0"/>
+                <a:latin typeface="Tw Cen MT" panose="020B0602020104020603" pitchFamily="34" charset="0"/>
                 <a:ea typeface="Calibri" panose="020F0502020204030204" pitchFamily="34" charset="0"/>
                 <a:cs typeface="Times New Roman" panose="02020603050405020304" pitchFamily="18" charset="0"/>
               </a:rPr>
@@ -9481,6 +10893,7 @@
               <a:buSzTx/>
               <a:buFontTx/>
               <a:buNone/>
+              <a:tabLst/>
             </a:pPr>
             <a:r>
               <a:rPr kumimoji="0" lang="en-AU" altLang="en-US" sz="1100" b="0" i="1" u="none" strike="noStrike" cap="none" normalizeH="0" baseline="0" dirty="0">
@@ -9491,24 +10904,12 @@
                   <a:schemeClr val="tx1"/>
                 </a:solidFill>
                 <a:effectLst/>
-                <a:latin typeface="Tw Cen MT" charset="0"/>
+                <a:latin typeface="Tw Cen MT" panose="020B0602020104020603" pitchFamily="34" charset="0"/>
                 <a:ea typeface="Calibri" panose="020F0502020204030204" pitchFamily="34" charset="0"/>
                 <a:cs typeface="Times New Roman" panose="02020603050405020304" pitchFamily="18" charset="0"/>
               </a:rPr>
               <a:t>Team members present:</a:t>
             </a:r>
-            <a:endParaRPr kumimoji="0" lang="en-AU" altLang="en-US" sz="1100" b="0" i="1" u="none" strike="noStrike" cap="none" normalizeH="0" baseline="0" dirty="0">
-              <a:ln>
-                <a:noFill/>
-              </a:ln>
-              <a:solidFill>
-                <a:schemeClr val="tx1"/>
-              </a:solidFill>
-              <a:effectLst/>
-              <a:latin typeface="Tw Cen MT" charset="0"/>
-              <a:ea typeface="Calibri" panose="020F0502020204030204" pitchFamily="34" charset="0"/>
-              <a:cs typeface="Times New Roman" panose="02020603050405020304" pitchFamily="18" charset="0"/>
-            </a:endParaRPr>
           </a:p>
           <a:p>
             <a:pPr marL="0" marR="0" lvl="0" indent="0" algn="l" defTabSz="914400" rtl="0" eaLnBrk="0" fontAlgn="base" latinLnBrk="0" hangingPunct="0">
@@ -9525,6 +10926,7 @@
               <a:buSzTx/>
               <a:buFontTx/>
               <a:buNone/>
+              <a:tabLst/>
             </a:pPr>
             <a:endParaRPr kumimoji="0" lang="en-AU" altLang="en-US" sz="500" b="0" i="0" u="none" strike="noStrike" cap="none" normalizeH="0" baseline="0" dirty="0">
               <a:ln>
@@ -9551,6 +10953,7 @@
               <a:buSzTx/>
               <a:buFontTx/>
               <a:buNone/>
+              <a:tabLst/>
             </a:pPr>
             <a:r>
               <a:rPr kumimoji="0" lang="en-AU" altLang="en-US" sz="1100" b="1" i="0" u="none" strike="noStrike" cap="none" normalizeH="0" baseline="0" dirty="0">
@@ -9561,7 +10964,7 @@
                   <a:schemeClr val="tx1"/>
                 </a:solidFill>
                 <a:effectLst/>
-                <a:latin typeface="Tw Cen MT" charset="0"/>
+                <a:latin typeface="Tw Cen MT" panose="020B0602020104020603" pitchFamily="34" charset="0"/>
                 <a:ea typeface="Calibri" panose="020F0502020204030204" pitchFamily="34" charset="0"/>
                 <a:cs typeface="Times New Roman" panose="02020603050405020304" pitchFamily="18" charset="0"/>
               </a:rPr>
@@ -9581,7 +10984,13 @@
       </p:sp>
       <p:sp>
         <p:nvSpPr>
-          <p:cNvPr id="10" name="Rectangle 9"/>
+          <p:cNvPr id="10" name="Rectangle 9">
+            <a:extLst>
+              <a:ext uri="{FF2B5EF4-FFF2-40B4-BE49-F238E27FC236}">
+                <a16:creationId xmlns:a16="http://schemas.microsoft.com/office/drawing/2014/main" id="{0063FAC6-1059-490E-9D0D-3CEF59DD566B}"/>
+              </a:ext>
+            </a:extLst>
+          </p:cNvPr>
           <p:cNvSpPr/>
           <p:nvPr/>
         </p:nvSpPr>
@@ -9603,31 +11012,22 @@
             <a:pPr lvl="0" defTabSz="914400" eaLnBrk="0" hangingPunct="0"/>
             <a:r>
               <a:rPr lang="en-AU" altLang="en-US" sz="1200" i="1" dirty="0">
-                <a:latin typeface="Tw Cen MT" charset="0"/>
+                <a:latin typeface="Tw Cen MT" panose="020B0602020104020603" pitchFamily="34" charset="0"/>
                 <a:ea typeface="Calibri" panose="020F0502020204030204" pitchFamily="34" charset="0"/>
                 <a:cs typeface="Times New Roman" panose="02020603050405020304" pitchFamily="18" charset="0"/>
               </a:rPr>
               <a:t>Next meeting date and time:</a:t>
             </a:r>
-            <a:endParaRPr lang="en-AU" altLang="en-US" sz="1200" i="1" dirty="0">
-              <a:latin typeface="Tw Cen MT" charset="0"/>
-              <a:ea typeface="Calibri" panose="020F0502020204030204" pitchFamily="34" charset="0"/>
-              <a:cs typeface="Times New Roman" panose="02020603050405020304" pitchFamily="18" charset="0"/>
-            </a:endParaRPr>
           </a:p>
           <a:p>
             <a:pPr lvl="0" defTabSz="914400" eaLnBrk="0" hangingPunct="0"/>
             <a:r>
               <a:rPr lang="en-AU" altLang="en-US" sz="1200" i="1" dirty="0">
-                <a:latin typeface="Tw Cen MT" charset="0"/>
+                <a:latin typeface="Tw Cen MT" panose="020B0602020104020603" pitchFamily="34" charset="0"/>
                 <a:cs typeface="Times New Roman" panose="02020603050405020304" pitchFamily="18" charset="0"/>
               </a:rPr>
               <a:t>Group member responsible for finalising/submitting minutes:</a:t>
             </a:r>
-            <a:endParaRPr lang="en-AU" altLang="en-US" sz="1200" i="1" dirty="0">
-              <a:latin typeface="Tw Cen MT" charset="0"/>
-              <a:cs typeface="Times New Roman" panose="02020603050405020304" pitchFamily="18" charset="0"/>
-            </a:endParaRPr>
           </a:p>
           <a:p>
             <a:pPr lvl="0" defTabSz="914400" eaLnBrk="0" hangingPunct="0"/>
@@ -9636,7 +11036,7 @@
                 <a:solidFill>
                   <a:srgbClr val="FF0000"/>
                 </a:solidFill>
-                <a:latin typeface="Tw Cen MT" charset="0"/>
+                <a:latin typeface="Tw Cen MT" panose="020B0602020104020603" pitchFamily="34" charset="0"/>
                 <a:cs typeface="Times New Roman" panose="02020603050405020304" pitchFamily="18" charset="0"/>
               </a:rPr>
               <a:t>To be posted on the CANVAS Individual group website</a:t>
@@ -9650,6 +11050,11 @@
         </p:txBody>
       </p:sp>
     </p:spTree>
+    <p:extLst>
+      <p:ext uri="{BB962C8B-B14F-4D97-AF65-F5344CB8AC3E}">
+        <p14:creationId xmlns:p14="http://schemas.microsoft.com/office/powerpoint/2010/main" val="1982411376"/>
+      </p:ext>
+    </p:extLst>
   </p:cSld>
   <p:clrMapOvr>
     <a:masterClrMapping/>
@@ -9676,7 +11081,13 @@
       </p:grpSpPr>
       <p:sp>
         <p:nvSpPr>
-          <p:cNvPr id="4" name="Content Placeholder 3"/>
+          <p:cNvPr id="4" name="Content Placeholder 3">
+            <a:extLst>
+              <a:ext uri="{FF2B5EF4-FFF2-40B4-BE49-F238E27FC236}">
+                <a16:creationId xmlns:a16="http://schemas.microsoft.com/office/drawing/2014/main" id="{F79E8E1A-6AC7-3F4E-8F0D-D3A7F823361E}"/>
+              </a:ext>
+            </a:extLst>
+          </p:cNvPr>
           <p:cNvSpPr>
             <a:spLocks noGrp="1"/>
           </p:cNvSpPr>
@@ -9693,21 +11104,18 @@
               <a:rPr lang="en-US" b="0" dirty="0"/>
               <a:t>Action points from last week … …</a:t>
             </a:r>
-            <a:endParaRPr lang="en-US" b="0" dirty="0"/>
           </a:p>
           <a:p>
             <a:r>
               <a:rPr lang="en-US" b="0" dirty="0"/>
               <a:t>…</a:t>
             </a:r>
-            <a:endParaRPr lang="en-US" b="0" dirty="0"/>
           </a:p>
           <a:p>
             <a:r>
               <a:rPr lang="en-US" b="0" dirty="0"/>
               <a:t>…</a:t>
             </a:r>
-            <a:endParaRPr lang="en-US" b="0" dirty="0"/>
           </a:p>
           <a:p>
             <a:pPr marL="0" indent="0">
@@ -9720,21 +11128,18 @@
               <a:rPr lang="en-US" b="0" dirty="0"/>
               <a:t>Key progress over last week …</a:t>
             </a:r>
-            <a:endParaRPr lang="en-US" b="0" dirty="0"/>
           </a:p>
           <a:p>
             <a:r>
               <a:rPr lang="en-US" b="0" dirty="0"/>
               <a:t>…</a:t>
             </a:r>
-            <a:endParaRPr lang="en-US" b="0" dirty="0"/>
           </a:p>
           <a:p>
             <a:r>
               <a:rPr lang="en-US" b="0" dirty="0"/>
               <a:t>…</a:t>
             </a:r>
-            <a:endParaRPr lang="en-US" b="0" dirty="0"/>
           </a:p>
           <a:p>
             <a:endParaRPr lang="en-US" b="0" dirty="0"/>
@@ -9755,7 +11160,13 @@
       </p:sp>
       <p:sp>
         <p:nvSpPr>
-          <p:cNvPr id="2" name="Title 1"/>
+          <p:cNvPr id="2" name="Title 1">
+            <a:extLst>
+              <a:ext uri="{FF2B5EF4-FFF2-40B4-BE49-F238E27FC236}">
+                <a16:creationId xmlns:a16="http://schemas.microsoft.com/office/drawing/2014/main" id="{E2AEAF44-F909-4580-862E-7EB331AAAEC3}"/>
+              </a:ext>
+            </a:extLst>
+          </p:cNvPr>
           <p:cNvSpPr>
             <a:spLocks noGrp="1"/>
           </p:cNvSpPr>
@@ -9772,14 +11183,21 @@
               <a:rPr lang="en-AU" dirty="0"/>
               <a:t>Progress and action points</a:t>
             </a:r>
-            <a:endParaRPr lang="en-AU" dirty="0"/>
           </a:p>
         </p:txBody>
       </p:sp>
       <p:sp>
         <p:nvSpPr>
-          <p:cNvPr id="3" name="Text Placeholder 2"/>
-          <p:cNvSpPr txBox="1"/>
+          <p:cNvPr id="3" name="Text Placeholder 2">
+            <a:extLst>
+              <a:ext uri="{FF2B5EF4-FFF2-40B4-BE49-F238E27FC236}">
+                <a16:creationId xmlns:a16="http://schemas.microsoft.com/office/drawing/2014/main" id="{93BAAD9B-F199-428F-8BD0-37301704CC09}"/>
+              </a:ext>
+            </a:extLst>
+          </p:cNvPr>
+          <p:cNvSpPr txBox="1">
+            <a:spLocks/>
+          </p:cNvSpPr>
           <p:nvPr/>
         </p:nvSpPr>
         <p:spPr bwMode="auto">
@@ -9794,9 +11212,35 @@
           <a:ln>
             <a:noFill/>
           </a:ln>
+          <a:extLst>
+            <a:ext uri="{909E8E84-426E-40dd-AFC4-6F175D3DCCD1}">
+              <a14:hiddenFill xmlns="" xmlns:a14="http://schemas.microsoft.com/office/drawing/2010/main">
+                <a:solidFill>
+                  <a:srgbClr val="FFFFFF"/>
+                </a:solidFill>
+              </a14:hiddenFill>
+            </a:ext>
+            <a:ext uri="{91240B29-F687-4f45-9708-019B960494DF}">
+              <a14:hiddenLine xmlns="" xmlns:a14="http://schemas.microsoft.com/office/drawing/2010/main" w="9525">
+                <a:solidFill>
+                  <a:srgbClr val="000000"/>
+                </a:solidFill>
+                <a:miter lim="800000"/>
+                <a:headEnd/>
+                <a:tailEnd/>
+              </a14:hiddenLine>
+            </a:ext>
+            <a:ext uri="{FAA26D3D-D897-4be2-8F04-BA451C77F1D7}">
+              <ma14:placeholderFlag xmlns="" xmlns:ma14="http://schemas.microsoft.com/office/mac/drawingml/2011/main" val="1"/>
+            </a:ext>
+          </a:extLst>
         </p:spPr>
         <p:txBody>
-          <a:bodyPr vert="horz" wrap="square" lIns="91440" tIns="45720" rIns="91440" bIns="45720" numCol="1" anchor="t" anchorCtr="0" compatLnSpc="1"/>
+          <a:bodyPr vert="horz" wrap="square" lIns="91440" tIns="45720" rIns="91440" bIns="45720" numCol="1" anchor="t" anchorCtr="0" compatLnSpc="1">
+            <a:prstTxWarp prst="textNoShape">
+              <a:avLst/>
+            </a:prstTxWarp>
+          </a:bodyPr>
           <a:lstStyle>
             <a:lvl1pPr marL="257175" indent="-257175" algn="l" defTabSz="342900" rtl="0" eaLnBrk="1" fontAlgn="base" hangingPunct="1">
               <a:spcBef>
@@ -9805,32 +11249,32 @@
               <a:spcAft>
                 <a:spcPct val="0"/>
               </a:spcAft>
-              <a:buFont typeface="Lucida Grande" panose="020B0600040502020204" charset="0"/>
+              <a:buFont typeface="Lucida Grande" charset="0"/>
               <a:buChar char="–"/>
               <a:defRPr sz="2400" b="1" kern="1200">
                 <a:solidFill>
                   <a:schemeClr val="tx1"/>
                 </a:solidFill>
                 <a:latin typeface="Tw Cen MT"/>
-                <a:ea typeface="MS PGothic" charset="0"/>
+                <a:ea typeface="ＭＳ Ｐゴシック" charset="0"/>
                 <a:cs typeface="Tw Cen MT"/>
               </a:defRPr>
             </a:lvl1pPr>
-            <a:lvl2pPr marL="557530" indent="-214630" algn="l" defTabSz="342900" rtl="0" eaLnBrk="1" fontAlgn="base" hangingPunct="1">
+            <a:lvl2pPr marL="557213" indent="-214313" algn="l" defTabSz="342900" rtl="0" eaLnBrk="1" fontAlgn="base" hangingPunct="1">
               <a:spcBef>
                 <a:spcPct val="20000"/>
               </a:spcBef>
               <a:spcAft>
                 <a:spcPct val="0"/>
               </a:spcAft>
-              <a:buFont typeface="Arial" panose="020B0604020202090204" pitchFamily="34" charset="0"/>
+              <a:buFont typeface="Arial" charset="0"/>
               <a:buChar char="–"/>
               <a:defRPr sz="1500" kern="1200">
                 <a:solidFill>
                   <a:schemeClr val="tx1"/>
                 </a:solidFill>
                 <a:latin typeface="Tw Cen MT"/>
-                <a:ea typeface="MS PGothic" charset="0"/>
+                <a:ea typeface="ＭＳ Ｐゴシック" charset="0"/>
                 <a:cs typeface="Tw Cen MT"/>
               </a:defRPr>
             </a:lvl2pPr>
@@ -9841,14 +11285,14 @@
               <a:spcAft>
                 <a:spcPct val="0"/>
               </a:spcAft>
-              <a:buFont typeface="Arial" panose="020B0604020202090204" pitchFamily="34" charset="0"/>
+              <a:buFont typeface="Arial" charset="0"/>
               <a:buChar char="•"/>
               <a:defRPr sz="1500" kern="1200">
                 <a:solidFill>
                   <a:schemeClr val="tx1"/>
                 </a:solidFill>
                 <a:latin typeface="Tw Cen MT"/>
-                <a:ea typeface="MS PGothic" charset="0"/>
+                <a:ea typeface="ＭＳ Ｐゴシック" charset="0"/>
                 <a:cs typeface="Tw Cen MT"/>
               </a:defRPr>
             </a:lvl3pPr>
@@ -9859,14 +11303,14 @@
               <a:spcAft>
                 <a:spcPct val="0"/>
               </a:spcAft>
-              <a:buFont typeface="Arial" panose="020B0604020202090204" pitchFamily="34" charset="0"/>
+              <a:buFont typeface="Arial" charset="0"/>
               <a:buChar char="–"/>
               <a:defRPr sz="1500" kern="1200">
                 <a:solidFill>
                   <a:schemeClr val="tx1"/>
                 </a:solidFill>
                 <a:latin typeface="Tw Cen MT"/>
-                <a:ea typeface="MS PGothic" charset="0"/>
+                <a:ea typeface="ＭＳ Ｐゴシック" charset="0"/>
                 <a:cs typeface="Tw Cen MT"/>
               </a:defRPr>
             </a:lvl4pPr>
@@ -9877,14 +11321,14 @@
               <a:spcAft>
                 <a:spcPct val="0"/>
               </a:spcAft>
-              <a:buFont typeface="Arial" panose="020B0604020202090204" pitchFamily="34" charset="0"/>
+              <a:buFont typeface="Arial" charset="0"/>
               <a:buChar char="»"/>
               <a:defRPr sz="1500" kern="1200">
                 <a:solidFill>
                   <a:schemeClr val="tx1"/>
                 </a:solidFill>
                 <a:latin typeface="Tw Cen MT"/>
-                <a:ea typeface="MS PGothic" charset="0"/>
+                <a:ea typeface="ＭＳ Ｐゴシック" charset="0"/>
                 <a:cs typeface="Tw Cen MT"/>
               </a:defRPr>
             </a:lvl5pPr>
@@ -9892,7 +11336,7 @@
               <a:spcBef>
                 <a:spcPct val="20000"/>
               </a:spcBef>
-              <a:buFont typeface="Arial" panose="020B0604020202090204"/>
+              <a:buFont typeface="Arial"/>
               <a:buChar char="•"/>
               <a:defRPr sz="1500" kern="1200">
                 <a:solidFill>
@@ -9907,7 +11351,7 @@
               <a:spcBef>
                 <a:spcPct val="20000"/>
               </a:spcBef>
-              <a:buFont typeface="Arial" panose="020B0604020202090204"/>
+              <a:buFont typeface="Arial"/>
               <a:buChar char="•"/>
               <a:defRPr sz="1500" kern="1200">
                 <a:solidFill>
@@ -9922,7 +11366,7 @@
               <a:spcBef>
                 <a:spcPct val="20000"/>
               </a:spcBef>
-              <a:buFont typeface="Arial" panose="020B0604020202090204"/>
+              <a:buFont typeface="Arial"/>
               <a:buChar char="•"/>
               <a:defRPr sz="1500" kern="1200">
                 <a:solidFill>
@@ -9937,7 +11381,7 @@
               <a:spcBef>
                 <a:spcPct val="20000"/>
               </a:spcBef>
-              <a:buFont typeface="Arial" panose="020B0604020202090204"/>
+              <a:buFont typeface="Arial"/>
               <a:buChar char="•"/>
               <a:defRPr sz="1500" kern="1200">
                 <a:solidFill>
@@ -9955,6 +11399,11 @@
         </p:txBody>
       </p:sp>
     </p:spTree>
+    <p:extLst>
+      <p:ext uri="{BB962C8B-B14F-4D97-AF65-F5344CB8AC3E}">
+        <p14:creationId xmlns:p14="http://schemas.microsoft.com/office/powerpoint/2010/main" val="2027635383"/>
+      </p:ext>
+    </p:extLst>
   </p:cSld>
   <p:clrMapOvr>
     <a:masterClrMapping/>
@@ -9981,7 +11430,13 @@
       </p:grpSpPr>
       <p:sp>
         <p:nvSpPr>
-          <p:cNvPr id="2" name="Content Placeholder 1"/>
+          <p:cNvPr id="2" name="Content Placeholder 1">
+            <a:extLst>
+              <a:ext uri="{FF2B5EF4-FFF2-40B4-BE49-F238E27FC236}">
+                <a16:creationId xmlns:a16="http://schemas.microsoft.com/office/drawing/2014/main" id="{008D39C9-FC9D-224A-AFB2-78E9D6444972}"/>
+              </a:ext>
+            </a:extLst>
+          </p:cNvPr>
           <p:cNvSpPr>
             <a:spLocks noGrp="1"/>
           </p:cNvSpPr>
@@ -10000,7 +11455,13 @@
       </p:sp>
       <p:sp>
         <p:nvSpPr>
-          <p:cNvPr id="3" name="Title 2"/>
+          <p:cNvPr id="3" name="Title 2">
+            <a:extLst>
+              <a:ext uri="{FF2B5EF4-FFF2-40B4-BE49-F238E27FC236}">
+                <a16:creationId xmlns:a16="http://schemas.microsoft.com/office/drawing/2014/main" id="{582E00C2-9FBC-D548-A151-D037DBBCFFFF}"/>
+              </a:ext>
+            </a:extLst>
+          </p:cNvPr>
           <p:cNvSpPr>
             <a:spLocks noGrp="1"/>
           </p:cNvSpPr>
@@ -10017,11 +11478,15 @@
               <a:rPr lang="en-US" dirty="0"/>
               <a:t>Figure 1: Schematic of the Project overview</a:t>
             </a:r>
-            <a:endParaRPr lang="en-US" dirty="0"/>
           </a:p>
         </p:txBody>
       </p:sp>
     </p:spTree>
+    <p:extLst>
+      <p:ext uri="{BB962C8B-B14F-4D97-AF65-F5344CB8AC3E}">
+        <p14:creationId xmlns:p14="http://schemas.microsoft.com/office/powerpoint/2010/main" val="748395405"/>
+      </p:ext>
+    </p:extLst>
   </p:cSld>
   <p:clrMapOvr>
     <a:masterClrMapping/>
@@ -10048,7 +11513,13 @@
       </p:grpSpPr>
       <p:sp>
         <p:nvSpPr>
-          <p:cNvPr id="2" name="Content Placeholder 1"/>
+          <p:cNvPr id="2" name="Content Placeholder 1">
+            <a:extLst>
+              <a:ext uri="{FF2B5EF4-FFF2-40B4-BE49-F238E27FC236}">
+                <a16:creationId xmlns:a16="http://schemas.microsoft.com/office/drawing/2014/main" id="{12C88FAB-057B-A144-BC8F-BAAD335252D5}"/>
+              </a:ext>
+            </a:extLst>
+          </p:cNvPr>
           <p:cNvSpPr>
             <a:spLocks noGrp="1"/>
           </p:cNvSpPr>
@@ -10065,21 +11536,18 @@
               <a:rPr lang="en-US" b="0" dirty="0"/>
               <a:t>Results 1: …</a:t>
             </a:r>
-            <a:endParaRPr lang="en-US" b="0" dirty="0"/>
           </a:p>
           <a:p>
             <a:r>
               <a:rPr lang="en-US" b="0" dirty="0"/>
               <a:t>Results 2: …</a:t>
             </a:r>
-            <a:endParaRPr lang="en-US" b="0" dirty="0"/>
           </a:p>
           <a:p>
             <a:r>
               <a:rPr lang="en-US" b="0" dirty="0"/>
               <a:t>Results 3: …</a:t>
             </a:r>
-            <a:endParaRPr lang="en-US" b="0" dirty="0"/>
           </a:p>
           <a:p>
             <a:endParaRPr lang="en-US" b="0" dirty="0"/>
@@ -10091,7 +11559,13 @@
       </p:sp>
       <p:sp>
         <p:nvSpPr>
-          <p:cNvPr id="3" name="Title 2"/>
+          <p:cNvPr id="3" name="Title 2">
+            <a:extLst>
+              <a:ext uri="{FF2B5EF4-FFF2-40B4-BE49-F238E27FC236}">
+                <a16:creationId xmlns:a16="http://schemas.microsoft.com/office/drawing/2014/main" id="{0C597ED5-62CF-EB42-AA5B-59DE9252A8AF}"/>
+              </a:ext>
+            </a:extLst>
+          </p:cNvPr>
           <p:cNvSpPr>
             <a:spLocks noGrp="1"/>
           </p:cNvSpPr>
@@ -10108,11 +11582,15 @@
               <a:rPr lang="en-US" dirty="0"/>
               <a:t>Key results or message from the project / analysis</a:t>
             </a:r>
-            <a:endParaRPr lang="en-US" dirty="0"/>
           </a:p>
         </p:txBody>
       </p:sp>
     </p:spTree>
+    <p:extLst>
+      <p:ext uri="{BB962C8B-B14F-4D97-AF65-F5344CB8AC3E}">
+        <p14:creationId xmlns:p14="http://schemas.microsoft.com/office/powerpoint/2010/main" val="964101216"/>
+      </p:ext>
+    </p:extLst>
   </p:cSld>
   <p:clrMapOvr>
     <a:masterClrMapping/>
@@ -10139,7 +11617,13 @@
       </p:grpSpPr>
       <p:sp>
         <p:nvSpPr>
-          <p:cNvPr id="4" name="Content Placeholder 3"/>
+          <p:cNvPr id="4" name="Content Placeholder 3">
+            <a:extLst>
+              <a:ext uri="{FF2B5EF4-FFF2-40B4-BE49-F238E27FC236}">
+                <a16:creationId xmlns:a16="http://schemas.microsoft.com/office/drawing/2014/main" id="{DF9469D1-0D7B-664F-AA8A-24BA09945622}"/>
+              </a:ext>
+            </a:extLst>
+          </p:cNvPr>
           <p:cNvSpPr>
             <a:spLocks noGrp="1"/>
           </p:cNvSpPr>
@@ -10156,13 +11640,18 @@
               <a:rPr lang="en-US" b="0" dirty="0"/>
               <a:t>At least one figure illustrating one of the selected result. </a:t>
             </a:r>
-            <a:endParaRPr lang="en-US" b="0" dirty="0"/>
           </a:p>
         </p:txBody>
       </p:sp>
       <p:sp>
         <p:nvSpPr>
-          <p:cNvPr id="5" name="Picture Placeholder 4"/>
+          <p:cNvPr id="5" name="Picture Placeholder 4">
+            <a:extLst>
+              <a:ext uri="{FF2B5EF4-FFF2-40B4-BE49-F238E27FC236}">
+                <a16:creationId xmlns:a16="http://schemas.microsoft.com/office/drawing/2014/main" id="{EE1C8855-A556-7E4D-91DC-EC398D599EC3}"/>
+              </a:ext>
+            </a:extLst>
+          </p:cNvPr>
           <p:cNvSpPr>
             <a:spLocks noGrp="1"/>
           </p:cNvSpPr>
@@ -10174,7 +11663,13 @@
       </p:sp>
       <p:sp>
         <p:nvSpPr>
-          <p:cNvPr id="2" name="Title 1"/>
+          <p:cNvPr id="2" name="Title 1">
+            <a:extLst>
+              <a:ext uri="{FF2B5EF4-FFF2-40B4-BE49-F238E27FC236}">
+                <a16:creationId xmlns:a16="http://schemas.microsoft.com/office/drawing/2014/main" id="{E2AEAF44-F909-4580-862E-7EB331AAAEC3}"/>
+              </a:ext>
+            </a:extLst>
+          </p:cNvPr>
           <p:cNvSpPr>
             <a:spLocks noGrp="1"/>
           </p:cNvSpPr>
@@ -10191,11 +11686,15 @@
               <a:rPr lang="en-AU" dirty="0"/>
               <a:t>Draft or final evaluation </a:t>
             </a:r>
-            <a:endParaRPr lang="en-AU" dirty="0"/>
           </a:p>
         </p:txBody>
       </p:sp>
     </p:spTree>
+    <p:extLst>
+      <p:ext uri="{BB962C8B-B14F-4D97-AF65-F5344CB8AC3E}">
+        <p14:creationId xmlns:p14="http://schemas.microsoft.com/office/powerpoint/2010/main" val="840884085"/>
+      </p:ext>
+    </p:extLst>
   </p:cSld>
   <p:clrMapOvr>
     <a:masterClrMapping/>
@@ -10222,7 +11721,13 @@
       </p:grpSpPr>
       <p:sp>
         <p:nvSpPr>
-          <p:cNvPr id="2" name="Title 1"/>
+          <p:cNvPr id="2" name="Title 1">
+            <a:extLst>
+              <a:ext uri="{FF2B5EF4-FFF2-40B4-BE49-F238E27FC236}">
+                <a16:creationId xmlns:a16="http://schemas.microsoft.com/office/drawing/2014/main" id="{E2AEAF44-F909-4580-862E-7EB331AAAEC3}"/>
+              </a:ext>
+            </a:extLst>
+          </p:cNvPr>
           <p:cNvSpPr>
             <a:spLocks noGrp="1"/>
           </p:cNvSpPr>
@@ -10239,13 +11744,18 @@
               <a:rPr lang="en-AU" dirty="0"/>
               <a:t>Meeting minutes</a:t>
             </a:r>
-            <a:endParaRPr lang="en-AU" dirty="0"/>
           </a:p>
         </p:txBody>
       </p:sp>
       <p:graphicFrame>
         <p:nvGraphicFramePr>
-          <p:cNvPr id="8" name="Table 7"/>
+          <p:cNvPr id="8" name="Table 7">
+            <a:extLst>
+              <a:ext uri="{FF2B5EF4-FFF2-40B4-BE49-F238E27FC236}">
+                <a16:creationId xmlns:a16="http://schemas.microsoft.com/office/drawing/2014/main" id="{3A87D348-55EA-4938-B716-4176C77A2C27}"/>
+              </a:ext>
+            </a:extLst>
+          </p:cNvPr>
           <p:cNvGraphicFramePr>
             <a:graphicFrameLocks noGrp="1"/>
           </p:cNvGraphicFramePr>
@@ -10262,9 +11772,27 @@
                 <a:tableStyleId>{5C22544A-7EE6-4342-B048-85BDC9FD1C3A}</a:tableStyleId>
               </a:tblPr>
               <a:tblGrid>
-                <a:gridCol w="1373987"/>
-                <a:gridCol w="2534438"/>
-                <a:gridCol w="4610290"/>
+                <a:gridCol w="1373987">
+                  <a:extLst>
+                    <a:ext uri="{9D8B030D-6E8A-4147-A177-3AD203B41FA5}">
+                      <a16:colId xmlns:a16="http://schemas.microsoft.com/office/drawing/2014/main" val="1573866123"/>
+                    </a:ext>
+                  </a:extLst>
+                </a:gridCol>
+                <a:gridCol w="2534438">
+                  <a:extLst>
+                    <a:ext uri="{9D8B030D-6E8A-4147-A177-3AD203B41FA5}">
+                      <a16:colId xmlns:a16="http://schemas.microsoft.com/office/drawing/2014/main" val="83730095"/>
+                    </a:ext>
+                  </a:extLst>
+                </a:gridCol>
+                <a:gridCol w="4610290">
+                  <a:extLst>
+                    <a:ext uri="{9D8B030D-6E8A-4147-A177-3AD203B41FA5}">
+                      <a16:colId xmlns:a16="http://schemas.microsoft.com/office/drawing/2014/main" val="1624356449"/>
+                    </a:ext>
+                  </a:extLst>
+                </a:gridCol>
               </a:tblGrid>
               <a:tr h="564619">
                 <a:tc>
@@ -10288,7 +11816,7 @@
                       </a:r>
                       <a:endParaRPr lang="en-AU" sz="1600" dirty="0">
                         <a:effectLst/>
-                        <a:latin typeface="Tw Cen MT" charset="0"/>
+                        <a:latin typeface="Tw Cen MT" panose="020B0602020104020603" pitchFamily="34" charset="0"/>
                         <a:ea typeface="Calibri" panose="020F0502020204030204" pitchFamily="34" charset="0"/>
                         <a:cs typeface="Times New Roman" panose="02020603050405020304" pitchFamily="18" charset="0"/>
                       </a:endParaRPr>
@@ -10315,9 +11843,6 @@
                         </a:rPr>
                         <a:t>Discussion</a:t>
                       </a:r>
-                      <a:endParaRPr lang="en-AU" sz="1600" dirty="0">
-                        <a:effectLst/>
-                      </a:endParaRPr>
                     </a:p>
                     <a:p>
                       <a:pPr algn="ctr">
@@ -10331,18 +11856,12 @@
                       <a:r>
                         <a:rPr lang="en-AU" sz="1100" dirty="0">
                           <a:effectLst/>
-                          <a:latin typeface="Tw Cen MT" charset="0"/>
+                          <a:latin typeface="Tw Cen MT" panose="020B0602020104020603" pitchFamily="34" charset="0"/>
                           <a:ea typeface="Calibri" panose="020F0502020204030204" pitchFamily="34" charset="0"/>
                           <a:cs typeface="Times New Roman" panose="02020603050405020304" pitchFamily="18" charset="0"/>
                         </a:rPr>
                         <a:t>(you can refer to previous slides)</a:t>
                       </a:r>
-                      <a:endParaRPr lang="en-AU" sz="1100" dirty="0">
-                        <a:effectLst/>
-                        <a:latin typeface="Tw Cen MT" charset="0"/>
-                        <a:ea typeface="Calibri" panose="020F0502020204030204" pitchFamily="34" charset="0"/>
-                        <a:cs typeface="Times New Roman" panose="02020603050405020304" pitchFamily="18" charset="0"/>
-                      </a:endParaRPr>
                     </a:p>
                   </a:txBody>
                   <a:tcPr marL="81331" marR="81331" marT="0" marB="0" anchor="ctr"/>
@@ -10366,13 +11885,15 @@
                         </a:rPr>
                         <a:t>Actions (who) – action points for next week</a:t>
                       </a:r>
-                      <a:endParaRPr lang="en-AU" sz="1600" dirty="0">
-                        <a:effectLst/>
-                      </a:endParaRPr>
                     </a:p>
                   </a:txBody>
                   <a:tcPr marL="81331" marR="81331" marT="0" marB="0" anchor="ctr"/>
                 </a:tc>
+                <a:extLst>
+                  <a:ext uri="{0D108BD9-81ED-4DB2-BD59-A6C34878D82A}">
+                    <a16:rowId xmlns:a16="http://schemas.microsoft.com/office/drawing/2014/main" val="921860958"/>
+                  </a:ext>
+                </a:extLst>
               </a:tr>
               <a:tr h="474426">
                 <a:tc>
@@ -10432,6 +11953,11 @@
                   </a:txBody>
                   <a:tcPr marL="81331" marR="81331" marT="0" marB="0" anchor="b"/>
                 </a:tc>
+                <a:extLst>
+                  <a:ext uri="{0D108BD9-81ED-4DB2-BD59-A6C34878D82A}">
+                    <a16:rowId xmlns:a16="http://schemas.microsoft.com/office/drawing/2014/main" val="2191457816"/>
+                  </a:ext>
+                </a:extLst>
               </a:tr>
               <a:tr h="474426">
                 <a:tc>
@@ -10491,6 +12017,11 @@
                   </a:txBody>
                   <a:tcPr marL="81331" marR="81331" marT="0" marB="0" anchor="b"/>
                 </a:tc>
+                <a:extLst>
+                  <a:ext uri="{0D108BD9-81ED-4DB2-BD59-A6C34878D82A}">
+                    <a16:rowId xmlns:a16="http://schemas.microsoft.com/office/drawing/2014/main" val="2947246499"/>
+                  </a:ext>
+                </a:extLst>
               </a:tr>
               <a:tr h="474426">
                 <a:tc>
@@ -10550,6 +12081,11 @@
                   </a:txBody>
                   <a:tcPr marL="81331" marR="81331" marT="0" marB="0" anchor="b"/>
                 </a:tc>
+                <a:extLst>
+                  <a:ext uri="{0D108BD9-81ED-4DB2-BD59-A6C34878D82A}">
+                    <a16:rowId xmlns:a16="http://schemas.microsoft.com/office/drawing/2014/main" val="942335013"/>
+                  </a:ext>
+                </a:extLst>
               </a:tr>
               <a:tr h="474426">
                 <a:tc>
@@ -10609,6 +12145,11 @@
                   </a:txBody>
                   <a:tcPr marL="81331" marR="81331" marT="0" marB="0" anchor="b"/>
                 </a:tc>
+                <a:extLst>
+                  <a:ext uri="{0D108BD9-81ED-4DB2-BD59-A6C34878D82A}">
+                    <a16:rowId xmlns:a16="http://schemas.microsoft.com/office/drawing/2014/main" val="1757599085"/>
+                  </a:ext>
+                </a:extLst>
               </a:tr>
               <a:tr h="474426">
                 <a:tc>
@@ -10668,6 +12209,11 @@
                   </a:txBody>
                   <a:tcPr marL="81331" marR="81331" marT="0" marB="0" anchor="b"/>
                 </a:tc>
+                <a:extLst>
+                  <a:ext uri="{0D108BD9-81ED-4DB2-BD59-A6C34878D82A}">
+                    <a16:rowId xmlns:a16="http://schemas.microsoft.com/office/drawing/2014/main" val="927903413"/>
+                  </a:ext>
+                </a:extLst>
               </a:tr>
             </a:tbl>
           </a:graphicData>
@@ -10675,7 +12221,13 @@
       </p:graphicFrame>
       <p:sp>
         <p:nvSpPr>
-          <p:cNvPr id="9" name="Rectangle 2"/>
+          <p:cNvPr id="9" name="Rectangle 2">
+            <a:extLst>
+              <a:ext uri="{FF2B5EF4-FFF2-40B4-BE49-F238E27FC236}">
+                <a16:creationId xmlns:a16="http://schemas.microsoft.com/office/drawing/2014/main" id="{A2ADCF7C-1D56-46C0-AA47-22DB2F49BF52}"/>
+              </a:ext>
+            </a:extLst>
+          </p:cNvPr>
           <p:cNvSpPr>
             <a:spLocks noChangeArrowheads="1"/>
           </p:cNvSpPr>
@@ -10725,6 +12277,9 @@
         </p:spPr>
         <p:txBody>
           <a:bodyPr vert="horz" wrap="square" lIns="91440" tIns="45720" rIns="91440" bIns="45720" numCol="1" anchor="ctr" anchorCtr="0" compatLnSpc="1">
+            <a:prstTxWarp prst="textNoShape">
+              <a:avLst/>
+            </a:prstTxWarp>
             <a:spAutoFit/>
           </a:bodyPr>
           <a:lstStyle/>
@@ -10743,6 +12298,7 @@
               <a:buSzTx/>
               <a:buFontTx/>
               <a:buNone/>
+              <a:tabLst/>
             </a:pPr>
             <a:r>
               <a:rPr kumimoji="0" lang="en-AU" altLang="en-US" sz="1100" b="0" i="1" u="none" strike="noStrike" cap="none" normalizeH="0" baseline="0" dirty="0">
@@ -10753,7 +12309,7 @@
                   <a:schemeClr val="tx1"/>
                 </a:solidFill>
                 <a:effectLst/>
-                <a:latin typeface="Tw Cen MT" charset="0"/>
+                <a:latin typeface="Tw Cen MT" panose="020B0602020104020603" pitchFamily="34" charset="0"/>
                 <a:ea typeface="Calibri" panose="020F0502020204030204" pitchFamily="34" charset="0"/>
                 <a:cs typeface="Times New Roman" panose="02020603050405020304" pitchFamily="18" charset="0"/>
               </a:rPr>
@@ -10784,6 +12340,7 @@
               <a:buSzTx/>
               <a:buFontTx/>
               <a:buNone/>
+              <a:tabLst/>
             </a:pPr>
             <a:r>
               <a:rPr kumimoji="0" lang="en-AU" altLang="en-US" sz="1100" b="0" i="1" u="none" strike="noStrike" cap="none" normalizeH="0" baseline="0" dirty="0">
@@ -10794,24 +12351,12 @@
                   <a:schemeClr val="tx1"/>
                 </a:solidFill>
                 <a:effectLst/>
-                <a:latin typeface="Tw Cen MT" charset="0"/>
+                <a:latin typeface="Tw Cen MT" panose="020B0602020104020603" pitchFamily="34" charset="0"/>
                 <a:ea typeface="Calibri" panose="020F0502020204030204" pitchFamily="34" charset="0"/>
                 <a:cs typeface="Times New Roman" panose="02020603050405020304" pitchFamily="18" charset="0"/>
               </a:rPr>
               <a:t>Team members present:</a:t>
             </a:r>
-            <a:endParaRPr kumimoji="0" lang="en-AU" altLang="en-US" sz="1100" b="0" i="1" u="none" strike="noStrike" cap="none" normalizeH="0" baseline="0" dirty="0">
-              <a:ln>
-                <a:noFill/>
-              </a:ln>
-              <a:solidFill>
-                <a:schemeClr val="tx1"/>
-              </a:solidFill>
-              <a:effectLst/>
-              <a:latin typeface="Tw Cen MT" charset="0"/>
-              <a:ea typeface="Calibri" panose="020F0502020204030204" pitchFamily="34" charset="0"/>
-              <a:cs typeface="Times New Roman" panose="02020603050405020304" pitchFamily="18" charset="0"/>
-            </a:endParaRPr>
           </a:p>
           <a:p>
             <a:pPr marL="0" marR="0" lvl="0" indent="0" algn="l" defTabSz="914400" rtl="0" eaLnBrk="0" fontAlgn="base" latinLnBrk="0" hangingPunct="0">
@@ -10828,6 +12373,7 @@
               <a:buSzTx/>
               <a:buFontTx/>
               <a:buNone/>
+              <a:tabLst/>
             </a:pPr>
             <a:endParaRPr kumimoji="0" lang="en-AU" altLang="en-US" sz="500" b="0" i="0" u="none" strike="noStrike" cap="none" normalizeH="0" baseline="0" dirty="0">
               <a:ln>
@@ -10854,6 +12400,7 @@
               <a:buSzTx/>
               <a:buFontTx/>
               <a:buNone/>
+              <a:tabLst/>
             </a:pPr>
             <a:r>
               <a:rPr kumimoji="0" lang="en-AU" altLang="en-US" sz="1100" b="1" i="0" u="none" strike="noStrike" cap="none" normalizeH="0" baseline="0" dirty="0">
@@ -10864,7 +12411,7 @@
                   <a:schemeClr val="tx1"/>
                 </a:solidFill>
                 <a:effectLst/>
-                <a:latin typeface="Tw Cen MT" charset="0"/>
+                <a:latin typeface="Tw Cen MT" panose="020B0602020104020603" pitchFamily="34" charset="0"/>
                 <a:ea typeface="Calibri" panose="020F0502020204030204" pitchFamily="34" charset="0"/>
                 <a:cs typeface="Times New Roman" panose="02020603050405020304" pitchFamily="18" charset="0"/>
               </a:rPr>
@@ -10884,7 +12431,13 @@
       </p:sp>
       <p:sp>
         <p:nvSpPr>
-          <p:cNvPr id="10" name="Rectangle 9"/>
+          <p:cNvPr id="10" name="Rectangle 9">
+            <a:extLst>
+              <a:ext uri="{FF2B5EF4-FFF2-40B4-BE49-F238E27FC236}">
+                <a16:creationId xmlns:a16="http://schemas.microsoft.com/office/drawing/2014/main" id="{0063FAC6-1059-490E-9D0D-3CEF59DD566B}"/>
+              </a:ext>
+            </a:extLst>
+          </p:cNvPr>
           <p:cNvSpPr/>
           <p:nvPr/>
         </p:nvSpPr>
@@ -10906,31 +12459,22 @@
             <a:pPr lvl="0" defTabSz="914400" eaLnBrk="0" hangingPunct="0"/>
             <a:r>
               <a:rPr lang="en-AU" altLang="en-US" sz="1200" i="1" dirty="0">
-                <a:latin typeface="Tw Cen MT" charset="0"/>
+                <a:latin typeface="Tw Cen MT" panose="020B0602020104020603" pitchFamily="34" charset="0"/>
                 <a:ea typeface="Calibri" panose="020F0502020204030204" pitchFamily="34" charset="0"/>
                 <a:cs typeface="Times New Roman" panose="02020603050405020304" pitchFamily="18" charset="0"/>
               </a:rPr>
               <a:t>Next meeting date and time:</a:t>
             </a:r>
-            <a:endParaRPr lang="en-AU" altLang="en-US" sz="1200" i="1" dirty="0">
-              <a:latin typeface="Tw Cen MT" charset="0"/>
-              <a:ea typeface="Calibri" panose="020F0502020204030204" pitchFamily="34" charset="0"/>
-              <a:cs typeface="Times New Roman" panose="02020603050405020304" pitchFamily="18" charset="0"/>
-            </a:endParaRPr>
           </a:p>
           <a:p>
             <a:pPr lvl="0" defTabSz="914400" eaLnBrk="0" hangingPunct="0"/>
             <a:r>
               <a:rPr lang="en-AU" altLang="en-US" sz="1200" i="1" dirty="0">
-                <a:latin typeface="Tw Cen MT" charset="0"/>
+                <a:latin typeface="Tw Cen MT" panose="020B0602020104020603" pitchFamily="34" charset="0"/>
                 <a:cs typeface="Times New Roman" panose="02020603050405020304" pitchFamily="18" charset="0"/>
               </a:rPr>
               <a:t>Group member responsible for finalising/submitting minutes:</a:t>
             </a:r>
-            <a:endParaRPr lang="en-AU" altLang="en-US" sz="1200" i="1" dirty="0">
-              <a:latin typeface="Tw Cen MT" charset="0"/>
-              <a:cs typeface="Times New Roman" panose="02020603050405020304" pitchFamily="18" charset="0"/>
-            </a:endParaRPr>
           </a:p>
           <a:p>
             <a:pPr lvl="0" defTabSz="914400" eaLnBrk="0" hangingPunct="0"/>
@@ -10939,7 +12483,7 @@
                 <a:solidFill>
                   <a:srgbClr val="FF0000"/>
                 </a:solidFill>
-                <a:latin typeface="Tw Cen MT" charset="0"/>
+                <a:latin typeface="Tw Cen MT" panose="020B0602020104020603" pitchFamily="34" charset="0"/>
                 <a:cs typeface="Times New Roman" panose="02020603050405020304" pitchFamily="18" charset="0"/>
               </a:rPr>
               <a:t>To be posted on the CANVAS Individual group website</a:t>
@@ -10953,6 +12497,11 @@
         </p:txBody>
       </p:sp>
     </p:spTree>
+    <p:extLst>
+      <p:ext uri="{BB962C8B-B14F-4D97-AF65-F5344CB8AC3E}">
+        <p14:creationId xmlns:p14="http://schemas.microsoft.com/office/powerpoint/2010/main" val="3534880242"/>
+      </p:ext>
+    </p:extLst>
   </p:cSld>
   <p:clrMapOvr>
     <a:masterClrMapping/>
@@ -10979,7 +12528,13 @@
       </p:grpSpPr>
       <p:sp>
         <p:nvSpPr>
-          <p:cNvPr id="3" name="Content Placeholder 2"/>
+          <p:cNvPr id="3" name="Content Placeholder 2">
+            <a:extLst>
+              <a:ext uri="{FF2B5EF4-FFF2-40B4-BE49-F238E27FC236}">
+                <a16:creationId xmlns:a16="http://schemas.microsoft.com/office/drawing/2014/main" id="{26F8F04C-1340-D543-8635-152D6014CEE3}"/>
+              </a:ext>
+            </a:extLst>
+          </p:cNvPr>
           <p:cNvSpPr>
             <a:spLocks noGrp="1"/>
           </p:cNvSpPr>
@@ -10996,21 +12551,18 @@
               <a:rPr lang="en-US" b="0" dirty="0"/>
               <a:t>Key message of the presentations. </a:t>
             </a:r>
-            <a:endParaRPr lang="en-US" b="0" dirty="0"/>
           </a:p>
           <a:p>
             <a:r>
               <a:rPr lang="en-US" b="0" dirty="0"/>
               <a:t>…</a:t>
             </a:r>
-            <a:endParaRPr lang="en-US" b="0" dirty="0"/>
           </a:p>
           <a:p>
             <a:r>
               <a:rPr lang="en-US" b="0" dirty="0"/>
               <a:t>…</a:t>
             </a:r>
-            <a:endParaRPr lang="en-US" b="0" dirty="0"/>
           </a:p>
           <a:p>
             <a:endParaRPr lang="en-US" b="0" dirty="0"/>
@@ -11023,21 +12575,18 @@
               <a:rPr lang="en-US" b="0" dirty="0"/>
               <a:t>Structure of the presentation</a:t>
             </a:r>
-            <a:endParaRPr lang="en-US" b="0" dirty="0"/>
           </a:p>
           <a:p>
             <a:r>
               <a:rPr lang="en-US" b="0" dirty="0"/>
               <a:t>…</a:t>
             </a:r>
-            <a:endParaRPr lang="en-US" b="0" dirty="0"/>
           </a:p>
           <a:p>
             <a:r>
               <a:rPr lang="en-US" b="0" dirty="0"/>
               <a:t>…</a:t>
             </a:r>
-            <a:endParaRPr lang="en-US" b="0" dirty="0"/>
           </a:p>
           <a:p>
             <a:endParaRPr lang="en-US" b="0" dirty="0"/>
@@ -11052,7 +12601,13 @@
       </p:sp>
       <p:sp>
         <p:nvSpPr>
-          <p:cNvPr id="2" name="Title 1"/>
+          <p:cNvPr id="2" name="Title 1">
+            <a:extLst>
+              <a:ext uri="{FF2B5EF4-FFF2-40B4-BE49-F238E27FC236}">
+                <a16:creationId xmlns:a16="http://schemas.microsoft.com/office/drawing/2014/main" id="{C853D6B5-55F1-4B43-B2CC-366F297FFD42}"/>
+              </a:ext>
+            </a:extLst>
+          </p:cNvPr>
           <p:cNvSpPr>
             <a:spLocks noGrp="1"/>
           </p:cNvSpPr>
@@ -11069,11 +12624,15 @@
               <a:rPr lang="en-US" dirty="0"/>
               <a:t>Draft of the presentation outline</a:t>
             </a:r>
-            <a:endParaRPr lang="en-US" dirty="0"/>
           </a:p>
         </p:txBody>
       </p:sp>
     </p:spTree>
+    <p:extLst>
+      <p:ext uri="{BB962C8B-B14F-4D97-AF65-F5344CB8AC3E}">
+        <p14:creationId xmlns:p14="http://schemas.microsoft.com/office/powerpoint/2010/main" val="2264126969"/>
+      </p:ext>
+    </p:extLst>
   </p:cSld>
   <p:clrMapOvr>
     <a:masterClrMapping/>
@@ -11100,7 +12659,13 @@
       </p:grpSpPr>
       <p:sp>
         <p:nvSpPr>
-          <p:cNvPr id="2" name="Content Placeholder 1"/>
+          <p:cNvPr id="2" name="Content Placeholder 1">
+            <a:extLst>
+              <a:ext uri="{FF2B5EF4-FFF2-40B4-BE49-F238E27FC236}">
+                <a16:creationId xmlns:a16="http://schemas.microsoft.com/office/drawing/2014/main" id="{12C88FAB-057B-A144-BC8F-BAAD335252D5}"/>
+              </a:ext>
+            </a:extLst>
+          </p:cNvPr>
           <p:cNvSpPr>
             <a:spLocks noGrp="1"/>
           </p:cNvSpPr>
@@ -11117,28 +12682,24 @@
               <a:rPr lang="en-US" b="0" dirty="0"/>
               <a:t>Results 1: …</a:t>
             </a:r>
-            <a:endParaRPr lang="en-US" b="0" dirty="0"/>
           </a:p>
           <a:p>
             <a:r>
               <a:rPr lang="en-US" b="0" dirty="0"/>
               <a:t>Results 2: …</a:t>
             </a:r>
-            <a:endParaRPr lang="en-US" b="0" dirty="0"/>
           </a:p>
           <a:p>
             <a:r>
               <a:rPr lang="en-US" b="0" dirty="0"/>
               <a:t>…</a:t>
             </a:r>
-            <a:endParaRPr lang="en-US" b="0" dirty="0"/>
           </a:p>
           <a:p>
             <a:r>
               <a:rPr lang="en-US" b="0" dirty="0"/>
               <a:t>Results n: …</a:t>
             </a:r>
-            <a:endParaRPr lang="en-US" b="0" dirty="0"/>
           </a:p>
           <a:p>
             <a:endParaRPr lang="en-US" b="0" dirty="0"/>
@@ -11150,7 +12711,13 @@
       </p:sp>
       <p:sp>
         <p:nvSpPr>
-          <p:cNvPr id="3" name="Title 2"/>
+          <p:cNvPr id="3" name="Title 2">
+            <a:extLst>
+              <a:ext uri="{FF2B5EF4-FFF2-40B4-BE49-F238E27FC236}">
+                <a16:creationId xmlns:a16="http://schemas.microsoft.com/office/drawing/2014/main" id="{0C597ED5-62CF-EB42-AA5B-59DE9252A8AF}"/>
+              </a:ext>
+            </a:extLst>
+          </p:cNvPr>
           <p:cNvSpPr>
             <a:spLocks noGrp="1"/>
           </p:cNvSpPr>
@@ -11167,11 +12734,15 @@
               <a:rPr lang="en-US" dirty="0"/>
               <a:t>Final results or messages from the project / analysis</a:t>
             </a:r>
-            <a:endParaRPr lang="en-US" dirty="0"/>
           </a:p>
         </p:txBody>
       </p:sp>
     </p:spTree>
+    <p:extLst>
+      <p:ext uri="{BB962C8B-B14F-4D97-AF65-F5344CB8AC3E}">
+        <p14:creationId xmlns:p14="http://schemas.microsoft.com/office/powerpoint/2010/main" val="2405485095"/>
+      </p:ext>
+    </p:extLst>
   </p:cSld>
   <p:clrMapOvr>
     <a:masterClrMapping/>
@@ -11198,7 +12769,13 @@
       </p:grpSpPr>
       <p:sp>
         <p:nvSpPr>
-          <p:cNvPr id="10" name="Picture Placeholder 9"/>
+          <p:cNvPr id="10" name="Picture Placeholder 9">
+            <a:extLst>
+              <a:ext uri="{FF2B5EF4-FFF2-40B4-BE49-F238E27FC236}">
+                <a16:creationId xmlns:a16="http://schemas.microsoft.com/office/drawing/2014/main" id="{95BC7065-4970-D844-BAA5-3F7CAE4FDE02}"/>
+              </a:ext>
+            </a:extLst>
+          </p:cNvPr>
           <p:cNvSpPr>
             <a:spLocks noGrp="1"/>
           </p:cNvSpPr>
@@ -11210,7 +12787,13 @@
       </p:sp>
       <p:sp>
         <p:nvSpPr>
-          <p:cNvPr id="3" name="Title 2"/>
+          <p:cNvPr id="3" name="Title 2">
+            <a:extLst>
+              <a:ext uri="{FF2B5EF4-FFF2-40B4-BE49-F238E27FC236}">
+                <a16:creationId xmlns:a16="http://schemas.microsoft.com/office/drawing/2014/main" id="{4DB2CBD8-6B11-7742-8F55-0A6B929DBF62}"/>
+              </a:ext>
+            </a:extLst>
+          </p:cNvPr>
           <p:cNvSpPr>
             <a:spLocks noGrp="1"/>
           </p:cNvSpPr>
@@ -11236,7 +12819,13 @@
       </p:sp>
       <p:sp>
         <p:nvSpPr>
-          <p:cNvPr id="9" name="Text Placeholder 8"/>
+          <p:cNvPr id="9" name="Text Placeholder 8">
+            <a:extLst>
+              <a:ext uri="{FF2B5EF4-FFF2-40B4-BE49-F238E27FC236}">
+                <a16:creationId xmlns:a16="http://schemas.microsoft.com/office/drawing/2014/main" id="{33E2E283-3D04-A142-9D66-E0EB45F64193}"/>
+              </a:ext>
+            </a:extLst>
+          </p:cNvPr>
           <p:cNvSpPr>
             <a:spLocks noGrp="1"/>
           </p:cNvSpPr>
@@ -11258,11 +12847,15 @@
               <a:rPr lang="en-US" dirty="0"/>
               <a:t>Excluding Figure 1</a:t>
             </a:r>
-            <a:endParaRPr lang="en-US" dirty="0"/>
           </a:p>
         </p:txBody>
       </p:sp>
     </p:spTree>
+    <p:extLst>
+      <p:ext uri="{BB962C8B-B14F-4D97-AF65-F5344CB8AC3E}">
+        <p14:creationId xmlns:p14="http://schemas.microsoft.com/office/powerpoint/2010/main" val="2128485544"/>
+      </p:ext>
+    </p:extLst>
   </p:cSld>
   <p:clrMapOvr>
     <a:masterClrMapping/>
@@ -11289,7 +12882,13 @@
       </p:grpSpPr>
       <p:sp>
         <p:nvSpPr>
-          <p:cNvPr id="4" name="Content Placeholder 3"/>
+          <p:cNvPr id="4" name="Content Placeholder 3">
+            <a:extLst>
+              <a:ext uri="{FF2B5EF4-FFF2-40B4-BE49-F238E27FC236}">
+                <a16:creationId xmlns:a16="http://schemas.microsoft.com/office/drawing/2014/main" id="{F79E8E1A-6AC7-3F4E-8F0D-D3A7F823361E}"/>
+              </a:ext>
+            </a:extLst>
+          </p:cNvPr>
           <p:cNvSpPr>
             <a:spLocks noGrp="1"/>
           </p:cNvSpPr>
@@ -11306,24 +12905,18 @@
               <a:rPr lang="en-US" b="0" dirty="0"/>
               <a:t>Action points from last week … …</a:t>
             </a:r>
-            <a:endParaRPr lang="en-US" b="0" dirty="0"/>
           </a:p>
           <a:p>
             <a:r>
               <a:rPr lang="en-US" b="0" dirty="0"/>
-              <a:t>look at our data by self</a:t>
-            </a:r>
-            <a:endParaRPr lang="en-US" b="0" dirty="0"/>
-          </a:p>
-          <a:p>
-            <a:pPr marL="0" indent="0">
-              <a:buNone/>
-            </a:pPr>
+              <a:t>…</a:t>
+            </a:r>
+          </a:p>
+          <a:p>
             <a:r>
               <a:rPr lang="en-US" b="0" dirty="0"/>
-              <a:t>- think about our problems and goals</a:t>
-            </a:r>
-            <a:endParaRPr lang="en-US" b="0" dirty="0"/>
+              <a:t>…</a:t>
+            </a:r>
           </a:p>
           <a:p>
             <a:pPr marL="0" indent="0">
@@ -11336,21 +12929,18 @@
               <a:rPr lang="en-US" b="0" dirty="0"/>
               <a:t>Key progress over last week …</a:t>
             </a:r>
-            <a:endParaRPr lang="en-US" b="0" dirty="0"/>
           </a:p>
           <a:p>
             <a:r>
               <a:rPr lang="en-US" b="0" dirty="0"/>
-              <a:t>finish all the preliminary preparation of the project</a:t>
-            </a:r>
-            <a:endParaRPr lang="en-US" b="0" dirty="0"/>
+              <a:t>…</a:t>
+            </a:r>
           </a:p>
           <a:p>
             <a:r>
               <a:rPr lang="en-US" b="0" dirty="0"/>
-              <a:t>find out the specification of the project</a:t>
-            </a:r>
-            <a:endParaRPr lang="en-US" b="0" dirty="0"/>
+              <a:t>…</a:t>
+            </a:r>
           </a:p>
           <a:p>
             <a:endParaRPr lang="en-US" b="0" dirty="0"/>
@@ -11371,7 +12961,13 @@
       </p:sp>
       <p:sp>
         <p:nvSpPr>
-          <p:cNvPr id="2" name="Title 1"/>
+          <p:cNvPr id="2" name="Title 1">
+            <a:extLst>
+              <a:ext uri="{FF2B5EF4-FFF2-40B4-BE49-F238E27FC236}">
+                <a16:creationId xmlns:a16="http://schemas.microsoft.com/office/drawing/2014/main" id="{E2AEAF44-F909-4580-862E-7EB331AAAEC3}"/>
+              </a:ext>
+            </a:extLst>
+          </p:cNvPr>
           <p:cNvSpPr>
             <a:spLocks noGrp="1"/>
           </p:cNvSpPr>
@@ -11401,13 +12997,21 @@
       </p:sp>
       <p:sp>
         <p:nvSpPr>
-          <p:cNvPr id="3" name="Text Placeholder 2"/>
-          <p:cNvSpPr txBox="1"/>
+          <p:cNvPr id="3" name="Text Placeholder 2">
+            <a:extLst>
+              <a:ext uri="{FF2B5EF4-FFF2-40B4-BE49-F238E27FC236}">
+                <a16:creationId xmlns:a16="http://schemas.microsoft.com/office/drawing/2014/main" id="{93BAAD9B-F199-428F-8BD0-37301704CC09}"/>
+              </a:ext>
+            </a:extLst>
+          </p:cNvPr>
+          <p:cNvSpPr txBox="1">
+            <a:spLocks/>
+          </p:cNvSpPr>
           <p:nvPr/>
         </p:nvSpPr>
         <p:spPr bwMode="auto">
           <a:xfrm>
-            <a:off x="358775" y="1157373"/>
+            <a:off x="358775" y="1090063"/>
             <a:ext cx="3963817" cy="3299057"/>
           </a:xfrm>
           <a:prstGeom prst="rect">
@@ -11417,9 +13021,35 @@
           <a:ln>
             <a:noFill/>
           </a:ln>
+          <a:extLst>
+            <a:ext uri="{909E8E84-426E-40dd-AFC4-6F175D3DCCD1}">
+              <a14:hiddenFill xmlns="" xmlns:a14="http://schemas.microsoft.com/office/drawing/2010/main">
+                <a:solidFill>
+                  <a:srgbClr val="FFFFFF"/>
+                </a:solidFill>
+              </a14:hiddenFill>
+            </a:ext>
+            <a:ext uri="{91240B29-F687-4f45-9708-019B960494DF}">
+              <a14:hiddenLine xmlns="" xmlns:a14="http://schemas.microsoft.com/office/drawing/2010/main" w="9525">
+                <a:solidFill>
+                  <a:srgbClr val="000000"/>
+                </a:solidFill>
+                <a:miter lim="800000"/>
+                <a:headEnd/>
+                <a:tailEnd/>
+              </a14:hiddenLine>
+            </a:ext>
+            <a:ext uri="{FAA26D3D-D897-4be2-8F04-BA451C77F1D7}">
+              <ma14:placeholderFlag xmlns="" xmlns:ma14="http://schemas.microsoft.com/office/mac/drawingml/2011/main" val="1"/>
+            </a:ext>
+          </a:extLst>
         </p:spPr>
         <p:txBody>
-          <a:bodyPr vert="horz" wrap="square" lIns="91440" tIns="45720" rIns="91440" bIns="45720" numCol="1" anchor="t" anchorCtr="0" compatLnSpc="1"/>
+          <a:bodyPr vert="horz" wrap="square" lIns="91440" tIns="45720" rIns="91440" bIns="45720" numCol="1" anchor="t" anchorCtr="0" compatLnSpc="1">
+            <a:prstTxWarp prst="textNoShape">
+              <a:avLst/>
+            </a:prstTxWarp>
+          </a:bodyPr>
           <a:lstStyle>
             <a:lvl1pPr marL="257175" indent="-257175" algn="l" defTabSz="342900" rtl="0" eaLnBrk="1" fontAlgn="base" hangingPunct="1">
               <a:spcBef>
@@ -11428,32 +13058,32 @@
               <a:spcAft>
                 <a:spcPct val="0"/>
               </a:spcAft>
-              <a:buFont typeface="Lucida Grande" panose="020B0600040502020204" charset="0"/>
+              <a:buFont typeface="Lucida Grande" charset="0"/>
               <a:buChar char="–"/>
               <a:defRPr sz="2400" b="1" kern="1200">
                 <a:solidFill>
                   <a:schemeClr val="tx1"/>
                 </a:solidFill>
                 <a:latin typeface="Tw Cen MT"/>
-                <a:ea typeface="MS PGothic" charset="0"/>
+                <a:ea typeface="ＭＳ Ｐゴシック" charset="0"/>
                 <a:cs typeface="Tw Cen MT"/>
               </a:defRPr>
             </a:lvl1pPr>
-            <a:lvl2pPr marL="557530" indent="-214630" algn="l" defTabSz="342900" rtl="0" eaLnBrk="1" fontAlgn="base" hangingPunct="1">
+            <a:lvl2pPr marL="557213" indent="-214313" algn="l" defTabSz="342900" rtl="0" eaLnBrk="1" fontAlgn="base" hangingPunct="1">
               <a:spcBef>
                 <a:spcPct val="20000"/>
               </a:spcBef>
               <a:spcAft>
                 <a:spcPct val="0"/>
               </a:spcAft>
-              <a:buFont typeface="Arial" panose="020B0604020202090204" pitchFamily="34" charset="0"/>
+              <a:buFont typeface="Arial" charset="0"/>
               <a:buChar char="–"/>
               <a:defRPr sz="1500" kern="1200">
                 <a:solidFill>
                   <a:schemeClr val="tx1"/>
                 </a:solidFill>
                 <a:latin typeface="Tw Cen MT"/>
-                <a:ea typeface="MS PGothic" charset="0"/>
+                <a:ea typeface="ＭＳ Ｐゴシック" charset="0"/>
                 <a:cs typeface="Tw Cen MT"/>
               </a:defRPr>
             </a:lvl2pPr>
@@ -11464,14 +13094,14 @@
               <a:spcAft>
                 <a:spcPct val="0"/>
               </a:spcAft>
-              <a:buFont typeface="Arial" panose="020B0604020202090204" pitchFamily="34" charset="0"/>
+              <a:buFont typeface="Arial" charset="0"/>
               <a:buChar char="•"/>
               <a:defRPr sz="1500" kern="1200">
                 <a:solidFill>
                   <a:schemeClr val="tx1"/>
                 </a:solidFill>
                 <a:latin typeface="Tw Cen MT"/>
-                <a:ea typeface="MS PGothic" charset="0"/>
+                <a:ea typeface="ＭＳ Ｐゴシック" charset="0"/>
                 <a:cs typeface="Tw Cen MT"/>
               </a:defRPr>
             </a:lvl3pPr>
@@ -11482,14 +13112,14 @@
               <a:spcAft>
                 <a:spcPct val="0"/>
               </a:spcAft>
-              <a:buFont typeface="Arial" panose="020B0604020202090204" pitchFamily="34" charset="0"/>
+              <a:buFont typeface="Arial" charset="0"/>
               <a:buChar char="–"/>
               <a:defRPr sz="1500" kern="1200">
                 <a:solidFill>
                   <a:schemeClr val="tx1"/>
                 </a:solidFill>
                 <a:latin typeface="Tw Cen MT"/>
-                <a:ea typeface="MS PGothic" charset="0"/>
+                <a:ea typeface="ＭＳ Ｐゴシック" charset="0"/>
                 <a:cs typeface="Tw Cen MT"/>
               </a:defRPr>
             </a:lvl4pPr>
@@ -11500,14 +13130,14 @@
               <a:spcAft>
                 <a:spcPct val="0"/>
               </a:spcAft>
-              <a:buFont typeface="Arial" panose="020B0604020202090204" pitchFamily="34" charset="0"/>
+              <a:buFont typeface="Arial" charset="0"/>
               <a:buChar char="»"/>
               <a:defRPr sz="1500" kern="1200">
                 <a:solidFill>
                   <a:schemeClr val="tx1"/>
                 </a:solidFill>
                 <a:latin typeface="Tw Cen MT"/>
-                <a:ea typeface="MS PGothic" charset="0"/>
+                <a:ea typeface="ＭＳ Ｐゴシック" charset="0"/>
                 <a:cs typeface="Tw Cen MT"/>
               </a:defRPr>
             </a:lvl5pPr>
@@ -11515,7 +13145,7 @@
               <a:spcBef>
                 <a:spcPct val="20000"/>
               </a:spcBef>
-              <a:buFont typeface="Arial" panose="020B0604020202090204"/>
+              <a:buFont typeface="Arial"/>
               <a:buChar char="•"/>
               <a:defRPr sz="1500" kern="1200">
                 <a:solidFill>
@@ -11530,7 +13160,7 @@
               <a:spcBef>
                 <a:spcPct val="20000"/>
               </a:spcBef>
-              <a:buFont typeface="Arial" panose="020B0604020202090204"/>
+              <a:buFont typeface="Arial"/>
               <a:buChar char="•"/>
               <a:defRPr sz="1500" kern="1200">
                 <a:solidFill>
@@ -11545,7 +13175,7 @@
               <a:spcBef>
                 <a:spcPct val="20000"/>
               </a:spcBef>
-              <a:buFont typeface="Arial" panose="020B0604020202090204"/>
+              <a:buFont typeface="Arial"/>
               <a:buChar char="•"/>
               <a:defRPr sz="1500" kern="1200">
                 <a:solidFill>
@@ -11560,7 +13190,7 @@
               <a:spcBef>
                 <a:spcPct val="20000"/>
               </a:spcBef>
-              <a:buFont typeface="Arial" panose="020B0604020202090204"/>
+              <a:buFont typeface="Arial"/>
               <a:buChar char="•"/>
               <a:defRPr sz="1500" kern="1200">
                 <a:solidFill>
@@ -11578,6 +13208,11 @@
         </p:txBody>
       </p:sp>
     </p:spTree>
+    <p:extLst>
+      <p:ext uri="{BB962C8B-B14F-4D97-AF65-F5344CB8AC3E}">
+        <p14:creationId xmlns:p14="http://schemas.microsoft.com/office/powerpoint/2010/main" val="1414804741"/>
+      </p:ext>
+    </p:extLst>
   </p:cSld>
   <p:clrMapOvr>
     <a:masterClrMapping/>
@@ -11604,7 +13239,13 @@
       </p:grpSpPr>
       <p:sp>
         <p:nvSpPr>
-          <p:cNvPr id="2" name="Content Placeholder 1"/>
+          <p:cNvPr id="2" name="Content Placeholder 1">
+            <a:extLst>
+              <a:ext uri="{FF2B5EF4-FFF2-40B4-BE49-F238E27FC236}">
+                <a16:creationId xmlns:a16="http://schemas.microsoft.com/office/drawing/2014/main" id="{32A88347-D643-8E49-9FCF-4EEE1039749C}"/>
+              </a:ext>
+            </a:extLst>
+          </p:cNvPr>
           <p:cNvSpPr>
             <a:spLocks noGrp="1"/>
           </p:cNvSpPr>
@@ -11621,20 +13262,24 @@
               <a:rPr lang="en-US" b="0" dirty="0"/>
               <a:t>Prerecording ?</a:t>
             </a:r>
-            <a:endParaRPr lang="en-US" b="0" dirty="0"/>
           </a:p>
           <a:p>
             <a:r>
               <a:rPr lang="en-US" b="0" dirty="0"/>
               <a:t>Scaffold of the demonstration.</a:t>
             </a:r>
-            <a:endParaRPr lang="en-US" b="0" dirty="0"/>
           </a:p>
         </p:txBody>
       </p:sp>
       <p:sp>
         <p:nvSpPr>
-          <p:cNvPr id="3" name="Title 2"/>
+          <p:cNvPr id="3" name="Title 2">
+            <a:extLst>
+              <a:ext uri="{FF2B5EF4-FFF2-40B4-BE49-F238E27FC236}">
+                <a16:creationId xmlns:a16="http://schemas.microsoft.com/office/drawing/2014/main" id="{582780C0-BD03-B043-8BCA-FC3F2F97845D}"/>
+              </a:ext>
+            </a:extLst>
+          </p:cNvPr>
           <p:cNvSpPr>
             <a:spLocks noGrp="1"/>
           </p:cNvSpPr>
@@ -11651,11 +13296,15 @@
               <a:rPr lang="en-US" dirty="0"/>
               <a:t>Plan for demonstration</a:t>
             </a:r>
-            <a:endParaRPr lang="en-US" dirty="0"/>
           </a:p>
         </p:txBody>
       </p:sp>
     </p:spTree>
+    <p:extLst>
+      <p:ext uri="{BB962C8B-B14F-4D97-AF65-F5344CB8AC3E}">
+        <p14:creationId xmlns:p14="http://schemas.microsoft.com/office/powerpoint/2010/main" val="752901724"/>
+      </p:ext>
+    </p:extLst>
   </p:cSld>
   <p:clrMapOvr>
     <a:masterClrMapping/>
@@ -11682,7 +13331,13 @@
       </p:grpSpPr>
       <p:sp>
         <p:nvSpPr>
-          <p:cNvPr id="2" name="Title 1"/>
+          <p:cNvPr id="2" name="Title 1">
+            <a:extLst>
+              <a:ext uri="{FF2B5EF4-FFF2-40B4-BE49-F238E27FC236}">
+                <a16:creationId xmlns:a16="http://schemas.microsoft.com/office/drawing/2014/main" id="{E2AEAF44-F909-4580-862E-7EB331AAAEC3}"/>
+              </a:ext>
+            </a:extLst>
+          </p:cNvPr>
           <p:cNvSpPr>
             <a:spLocks noGrp="1"/>
           </p:cNvSpPr>
@@ -11699,13 +13354,18 @@
               <a:rPr lang="en-AU" dirty="0"/>
               <a:t>Meeting minutes</a:t>
             </a:r>
-            <a:endParaRPr lang="en-AU" dirty="0"/>
           </a:p>
         </p:txBody>
       </p:sp>
       <p:graphicFrame>
         <p:nvGraphicFramePr>
-          <p:cNvPr id="8" name="Table 7"/>
+          <p:cNvPr id="8" name="Table 7">
+            <a:extLst>
+              <a:ext uri="{FF2B5EF4-FFF2-40B4-BE49-F238E27FC236}">
+                <a16:creationId xmlns:a16="http://schemas.microsoft.com/office/drawing/2014/main" id="{3A87D348-55EA-4938-B716-4176C77A2C27}"/>
+              </a:ext>
+            </a:extLst>
+          </p:cNvPr>
           <p:cNvGraphicFramePr>
             <a:graphicFrameLocks noGrp="1"/>
           </p:cNvGraphicFramePr>
@@ -11722,9 +13382,27 @@
                 <a:tableStyleId>{5C22544A-7EE6-4342-B048-85BDC9FD1C3A}</a:tableStyleId>
               </a:tblPr>
               <a:tblGrid>
-                <a:gridCol w="1373987"/>
-                <a:gridCol w="2534438"/>
-                <a:gridCol w="4610290"/>
+                <a:gridCol w="1373987">
+                  <a:extLst>
+                    <a:ext uri="{9D8B030D-6E8A-4147-A177-3AD203B41FA5}">
+                      <a16:colId xmlns:a16="http://schemas.microsoft.com/office/drawing/2014/main" val="1573866123"/>
+                    </a:ext>
+                  </a:extLst>
+                </a:gridCol>
+                <a:gridCol w="2534438">
+                  <a:extLst>
+                    <a:ext uri="{9D8B030D-6E8A-4147-A177-3AD203B41FA5}">
+                      <a16:colId xmlns:a16="http://schemas.microsoft.com/office/drawing/2014/main" val="83730095"/>
+                    </a:ext>
+                  </a:extLst>
+                </a:gridCol>
+                <a:gridCol w="4610290">
+                  <a:extLst>
+                    <a:ext uri="{9D8B030D-6E8A-4147-A177-3AD203B41FA5}">
+                      <a16:colId xmlns:a16="http://schemas.microsoft.com/office/drawing/2014/main" val="1624356449"/>
+                    </a:ext>
+                  </a:extLst>
+                </a:gridCol>
               </a:tblGrid>
               <a:tr h="564619">
                 <a:tc>
@@ -11748,7 +13426,7 @@
                       </a:r>
                       <a:endParaRPr lang="en-AU" sz="1600" dirty="0">
                         <a:effectLst/>
-                        <a:latin typeface="Tw Cen MT" charset="0"/>
+                        <a:latin typeface="Tw Cen MT" panose="020B0602020104020603" pitchFamily="34" charset="0"/>
                         <a:ea typeface="Calibri" panose="020F0502020204030204" pitchFamily="34" charset="0"/>
                         <a:cs typeface="Times New Roman" panose="02020603050405020304" pitchFamily="18" charset="0"/>
                       </a:endParaRPr>
@@ -11775,9 +13453,6 @@
                         </a:rPr>
                         <a:t>Discussion</a:t>
                       </a:r>
-                      <a:endParaRPr lang="en-AU" sz="1600" dirty="0">
-                        <a:effectLst/>
-                      </a:endParaRPr>
                     </a:p>
                     <a:p>
                       <a:pPr algn="ctr">
@@ -11791,18 +13466,12 @@
                       <a:r>
                         <a:rPr lang="en-AU" sz="1100" dirty="0">
                           <a:effectLst/>
-                          <a:latin typeface="Tw Cen MT" charset="0"/>
+                          <a:latin typeface="Tw Cen MT" panose="020B0602020104020603" pitchFamily="34" charset="0"/>
                           <a:ea typeface="Calibri" panose="020F0502020204030204" pitchFamily="34" charset="0"/>
                           <a:cs typeface="Times New Roman" panose="02020603050405020304" pitchFamily="18" charset="0"/>
                         </a:rPr>
                         <a:t>(you can refer to previous slides)</a:t>
                       </a:r>
-                      <a:endParaRPr lang="en-AU" sz="1100" dirty="0">
-                        <a:effectLst/>
-                        <a:latin typeface="Tw Cen MT" charset="0"/>
-                        <a:ea typeface="Calibri" panose="020F0502020204030204" pitchFamily="34" charset="0"/>
-                        <a:cs typeface="Times New Roman" panose="02020603050405020304" pitchFamily="18" charset="0"/>
-                      </a:endParaRPr>
                     </a:p>
                   </a:txBody>
                   <a:tcPr marL="81331" marR="81331" marT="0" marB="0" anchor="ctr"/>
@@ -11826,13 +13495,15 @@
                         </a:rPr>
                         <a:t>Actions (who) – action points for next week</a:t>
                       </a:r>
-                      <a:endParaRPr lang="en-AU" sz="1600" dirty="0">
-                        <a:effectLst/>
-                      </a:endParaRPr>
                     </a:p>
                   </a:txBody>
                   <a:tcPr marL="81331" marR="81331" marT="0" marB="0" anchor="ctr"/>
                 </a:tc>
+                <a:extLst>
+                  <a:ext uri="{0D108BD9-81ED-4DB2-BD59-A6C34878D82A}">
+                    <a16:rowId xmlns:a16="http://schemas.microsoft.com/office/drawing/2014/main" val="921860958"/>
+                  </a:ext>
+                </a:extLst>
               </a:tr>
               <a:tr h="474426">
                 <a:tc>
@@ -11892,6 +13563,11 @@
                   </a:txBody>
                   <a:tcPr marL="81331" marR="81331" marT="0" marB="0" anchor="b"/>
                 </a:tc>
+                <a:extLst>
+                  <a:ext uri="{0D108BD9-81ED-4DB2-BD59-A6C34878D82A}">
+                    <a16:rowId xmlns:a16="http://schemas.microsoft.com/office/drawing/2014/main" val="2191457816"/>
+                  </a:ext>
+                </a:extLst>
               </a:tr>
               <a:tr h="474426">
                 <a:tc>
@@ -11951,6 +13627,11 @@
                   </a:txBody>
                   <a:tcPr marL="81331" marR="81331" marT="0" marB="0" anchor="b"/>
                 </a:tc>
+                <a:extLst>
+                  <a:ext uri="{0D108BD9-81ED-4DB2-BD59-A6C34878D82A}">
+                    <a16:rowId xmlns:a16="http://schemas.microsoft.com/office/drawing/2014/main" val="2947246499"/>
+                  </a:ext>
+                </a:extLst>
               </a:tr>
               <a:tr h="474426">
                 <a:tc>
@@ -12010,6 +13691,11 @@
                   </a:txBody>
                   <a:tcPr marL="81331" marR="81331" marT="0" marB="0" anchor="b"/>
                 </a:tc>
+                <a:extLst>
+                  <a:ext uri="{0D108BD9-81ED-4DB2-BD59-A6C34878D82A}">
+                    <a16:rowId xmlns:a16="http://schemas.microsoft.com/office/drawing/2014/main" val="942335013"/>
+                  </a:ext>
+                </a:extLst>
               </a:tr>
               <a:tr h="474426">
                 <a:tc>
@@ -12069,6 +13755,11 @@
                   </a:txBody>
                   <a:tcPr marL="81331" marR="81331" marT="0" marB="0" anchor="b"/>
                 </a:tc>
+                <a:extLst>
+                  <a:ext uri="{0D108BD9-81ED-4DB2-BD59-A6C34878D82A}">
+                    <a16:rowId xmlns:a16="http://schemas.microsoft.com/office/drawing/2014/main" val="1757599085"/>
+                  </a:ext>
+                </a:extLst>
               </a:tr>
               <a:tr h="474426">
                 <a:tc>
@@ -12128,6 +13819,11 @@
                   </a:txBody>
                   <a:tcPr marL="81331" marR="81331" marT="0" marB="0" anchor="b"/>
                 </a:tc>
+                <a:extLst>
+                  <a:ext uri="{0D108BD9-81ED-4DB2-BD59-A6C34878D82A}">
+                    <a16:rowId xmlns:a16="http://schemas.microsoft.com/office/drawing/2014/main" val="927903413"/>
+                  </a:ext>
+                </a:extLst>
               </a:tr>
             </a:tbl>
           </a:graphicData>
@@ -12135,7 +13831,13 @@
       </p:graphicFrame>
       <p:sp>
         <p:nvSpPr>
-          <p:cNvPr id="9" name="Rectangle 2"/>
+          <p:cNvPr id="9" name="Rectangle 2">
+            <a:extLst>
+              <a:ext uri="{FF2B5EF4-FFF2-40B4-BE49-F238E27FC236}">
+                <a16:creationId xmlns:a16="http://schemas.microsoft.com/office/drawing/2014/main" id="{A2ADCF7C-1D56-46C0-AA47-22DB2F49BF52}"/>
+              </a:ext>
+            </a:extLst>
+          </p:cNvPr>
           <p:cNvSpPr>
             <a:spLocks noChangeArrowheads="1"/>
           </p:cNvSpPr>
@@ -12185,6 +13887,9 @@
         </p:spPr>
         <p:txBody>
           <a:bodyPr vert="horz" wrap="square" lIns="91440" tIns="45720" rIns="91440" bIns="45720" numCol="1" anchor="ctr" anchorCtr="0" compatLnSpc="1">
+            <a:prstTxWarp prst="textNoShape">
+              <a:avLst/>
+            </a:prstTxWarp>
             <a:spAutoFit/>
           </a:bodyPr>
           <a:lstStyle/>
@@ -12203,6 +13908,7 @@
               <a:buSzTx/>
               <a:buFontTx/>
               <a:buNone/>
+              <a:tabLst/>
             </a:pPr>
             <a:r>
               <a:rPr kumimoji="0" lang="en-AU" altLang="en-US" sz="1100" b="0" i="1" u="none" strike="noStrike" cap="none" normalizeH="0" baseline="0" dirty="0">
@@ -12213,7 +13919,7 @@
                   <a:schemeClr val="tx1"/>
                 </a:solidFill>
                 <a:effectLst/>
-                <a:latin typeface="Tw Cen MT" charset="0"/>
+                <a:latin typeface="Tw Cen MT" panose="020B0602020104020603" pitchFamily="34" charset="0"/>
                 <a:ea typeface="Calibri" panose="020F0502020204030204" pitchFamily="34" charset="0"/>
                 <a:cs typeface="Times New Roman" panose="02020603050405020304" pitchFamily="18" charset="0"/>
               </a:rPr>
@@ -12244,6 +13950,7 @@
               <a:buSzTx/>
               <a:buFontTx/>
               <a:buNone/>
+              <a:tabLst/>
             </a:pPr>
             <a:r>
               <a:rPr kumimoji="0" lang="en-AU" altLang="en-US" sz="1100" b="0" i="1" u="none" strike="noStrike" cap="none" normalizeH="0" baseline="0" dirty="0">
@@ -12254,24 +13961,12 @@
                   <a:schemeClr val="tx1"/>
                 </a:solidFill>
                 <a:effectLst/>
-                <a:latin typeface="Tw Cen MT" charset="0"/>
+                <a:latin typeface="Tw Cen MT" panose="020B0602020104020603" pitchFamily="34" charset="0"/>
                 <a:ea typeface="Calibri" panose="020F0502020204030204" pitchFamily="34" charset="0"/>
                 <a:cs typeface="Times New Roman" panose="02020603050405020304" pitchFamily="18" charset="0"/>
               </a:rPr>
               <a:t>Team members present:</a:t>
             </a:r>
-            <a:endParaRPr kumimoji="0" lang="en-AU" altLang="en-US" sz="1100" b="0" i="1" u="none" strike="noStrike" cap="none" normalizeH="0" baseline="0" dirty="0">
-              <a:ln>
-                <a:noFill/>
-              </a:ln>
-              <a:solidFill>
-                <a:schemeClr val="tx1"/>
-              </a:solidFill>
-              <a:effectLst/>
-              <a:latin typeface="Tw Cen MT" charset="0"/>
-              <a:ea typeface="Calibri" panose="020F0502020204030204" pitchFamily="34" charset="0"/>
-              <a:cs typeface="Times New Roman" panose="02020603050405020304" pitchFamily="18" charset="0"/>
-            </a:endParaRPr>
           </a:p>
           <a:p>
             <a:pPr marL="0" marR="0" lvl="0" indent="0" algn="l" defTabSz="914400" rtl="0" eaLnBrk="0" fontAlgn="base" latinLnBrk="0" hangingPunct="0">
@@ -12288,6 +13983,7 @@
               <a:buSzTx/>
               <a:buFontTx/>
               <a:buNone/>
+              <a:tabLst/>
             </a:pPr>
             <a:endParaRPr kumimoji="0" lang="en-AU" altLang="en-US" sz="500" b="0" i="0" u="none" strike="noStrike" cap="none" normalizeH="0" baseline="0" dirty="0">
               <a:ln>
@@ -12314,6 +14010,7 @@
               <a:buSzTx/>
               <a:buFontTx/>
               <a:buNone/>
+              <a:tabLst/>
             </a:pPr>
             <a:r>
               <a:rPr kumimoji="0" lang="en-AU" altLang="en-US" sz="1100" b="1" i="0" u="none" strike="noStrike" cap="none" normalizeH="0" baseline="0" dirty="0">
@@ -12324,7 +14021,7 @@
                   <a:schemeClr val="tx1"/>
                 </a:solidFill>
                 <a:effectLst/>
-                <a:latin typeface="Tw Cen MT" charset="0"/>
+                <a:latin typeface="Tw Cen MT" panose="020B0602020104020603" pitchFamily="34" charset="0"/>
                 <a:ea typeface="Calibri" panose="020F0502020204030204" pitchFamily="34" charset="0"/>
                 <a:cs typeface="Times New Roman" panose="02020603050405020304" pitchFamily="18" charset="0"/>
               </a:rPr>
@@ -12344,7 +14041,13 @@
       </p:sp>
       <p:sp>
         <p:nvSpPr>
-          <p:cNvPr id="10" name="Rectangle 9"/>
+          <p:cNvPr id="10" name="Rectangle 9">
+            <a:extLst>
+              <a:ext uri="{FF2B5EF4-FFF2-40B4-BE49-F238E27FC236}">
+                <a16:creationId xmlns:a16="http://schemas.microsoft.com/office/drawing/2014/main" id="{0063FAC6-1059-490E-9D0D-3CEF59DD566B}"/>
+              </a:ext>
+            </a:extLst>
+          </p:cNvPr>
           <p:cNvSpPr/>
           <p:nvPr/>
         </p:nvSpPr>
@@ -12366,31 +14069,22 @@
             <a:pPr lvl="0" defTabSz="914400" eaLnBrk="0" hangingPunct="0"/>
             <a:r>
               <a:rPr lang="en-AU" altLang="en-US" sz="1200" i="1" dirty="0">
-                <a:latin typeface="Tw Cen MT" charset="0"/>
+                <a:latin typeface="Tw Cen MT" panose="020B0602020104020603" pitchFamily="34" charset="0"/>
                 <a:ea typeface="Calibri" panose="020F0502020204030204" pitchFamily="34" charset="0"/>
                 <a:cs typeface="Times New Roman" panose="02020603050405020304" pitchFamily="18" charset="0"/>
               </a:rPr>
               <a:t>Next meeting date and time:</a:t>
             </a:r>
-            <a:endParaRPr lang="en-AU" altLang="en-US" sz="1200" i="1" dirty="0">
-              <a:latin typeface="Tw Cen MT" charset="0"/>
-              <a:ea typeface="Calibri" panose="020F0502020204030204" pitchFamily="34" charset="0"/>
-              <a:cs typeface="Times New Roman" panose="02020603050405020304" pitchFamily="18" charset="0"/>
-            </a:endParaRPr>
           </a:p>
           <a:p>
             <a:pPr lvl="0" defTabSz="914400" eaLnBrk="0" hangingPunct="0"/>
             <a:r>
               <a:rPr lang="en-AU" altLang="en-US" sz="1200" i="1" dirty="0">
-                <a:latin typeface="Tw Cen MT" charset="0"/>
+                <a:latin typeface="Tw Cen MT" panose="020B0602020104020603" pitchFamily="34" charset="0"/>
                 <a:cs typeface="Times New Roman" panose="02020603050405020304" pitchFamily="18" charset="0"/>
               </a:rPr>
               <a:t>Group member responsible for finalising/submitting minutes:</a:t>
             </a:r>
-            <a:endParaRPr lang="en-AU" altLang="en-US" sz="1200" i="1" dirty="0">
-              <a:latin typeface="Tw Cen MT" charset="0"/>
-              <a:cs typeface="Times New Roman" panose="02020603050405020304" pitchFamily="18" charset="0"/>
-            </a:endParaRPr>
           </a:p>
           <a:p>
             <a:pPr lvl="0" defTabSz="914400" eaLnBrk="0" hangingPunct="0"/>
@@ -12399,7 +14093,7 @@
                 <a:solidFill>
                   <a:srgbClr val="FF0000"/>
                 </a:solidFill>
-                <a:latin typeface="Tw Cen MT" charset="0"/>
+                <a:latin typeface="Tw Cen MT" panose="020B0602020104020603" pitchFamily="34" charset="0"/>
                 <a:cs typeface="Times New Roman" panose="02020603050405020304" pitchFamily="18" charset="0"/>
               </a:rPr>
               <a:t>To be posted on the CANVAS Individual group website</a:t>
@@ -12413,6 +14107,11 @@
         </p:txBody>
       </p:sp>
     </p:spTree>
+    <p:extLst>
+      <p:ext uri="{BB962C8B-B14F-4D97-AF65-F5344CB8AC3E}">
+        <p14:creationId xmlns:p14="http://schemas.microsoft.com/office/powerpoint/2010/main" val="3980826411"/>
+      </p:ext>
+    </p:extLst>
   </p:cSld>
   <p:clrMapOvr>
     <a:masterClrMapping/>
@@ -12439,7 +14138,13 @@
       </p:grpSpPr>
       <p:sp>
         <p:nvSpPr>
-          <p:cNvPr id="5" name="Content Placeholder 4"/>
+          <p:cNvPr id="5" name="Content Placeholder 4">
+            <a:extLst>
+              <a:ext uri="{FF2B5EF4-FFF2-40B4-BE49-F238E27FC236}">
+                <a16:creationId xmlns:a16="http://schemas.microsoft.com/office/drawing/2014/main" id="{B57A6476-87A0-B040-8A07-4807C222514B}"/>
+              </a:ext>
+            </a:extLst>
+          </p:cNvPr>
           <p:cNvSpPr>
             <a:spLocks noGrp="1"/>
           </p:cNvSpPr>
@@ -12447,12 +14152,7 @@
             <p:ph idx="1"/>
           </p:nvPr>
         </p:nvSpPr>
-        <p:spPr>
-          <a:xfrm>
-            <a:off x="222250" y="1316991"/>
-            <a:ext cx="8328025" cy="3575447"/>
-          </a:xfrm>
-        </p:spPr>
+        <p:spPr/>
         <p:txBody>
           <a:bodyPr/>
           <a:lstStyle/>
@@ -12464,35 +14164,24 @@
               <a:rPr lang="en-US" sz="2000" b="0" dirty="0"/>
               <a:t>Brainstorm various questions and consider its scope and feasibility</a:t>
             </a:r>
-            <a:endParaRPr lang="en-US" sz="2000" b="0" dirty="0"/>
           </a:p>
           <a:p>
             <a:r>
               <a:rPr lang="en-US" sz="2000" b="0" dirty="0"/>
-              <a:t>Question 1: What are the factors that affect the kidney graft outcome of Caucasian aged 20-60? (build a risk caculator to demonstrate our result.)</a:t>
-            </a:r>
-            <a:endParaRPr lang="en-US" sz="2000" b="0" dirty="0"/>
+              <a:t>Question 1: …</a:t>
+            </a:r>
           </a:p>
           <a:p>
             <a:r>
               <a:rPr lang="en-US" sz="2000" b="0" dirty="0"/>
-              <a:t>Question 2: What is our risk calculator’s performance when it comes to other races of people, e.g. Asian Oriental. </a:t>
-            </a:r>
-            <a:endParaRPr lang="en-US" sz="2000" b="0" dirty="0"/>
+              <a:t>…</a:t>
+            </a:r>
           </a:p>
           <a:p>
             <a:r>
               <a:rPr lang="en-US" sz="2000" b="0" dirty="0"/>
-              <a:t>Question 3: Is the usage of hormones a factor of kidney graft outcome? (e.g. sugar cortical hormone) What about alcohol and cigarettes?</a:t>
-            </a:r>
-            <a:endParaRPr lang="en-US" sz="2000" b="0" dirty="0"/>
-          </a:p>
-          <a:p>
-            <a:r>
-              <a:rPr lang="en-US" sz="2000" b="0" dirty="0"/>
-              <a:t>Question 4: How’s our risk calculator model’s stability (e.g. Blood vs Biopsy Biomarker)</a:t>
-            </a:r>
-            <a:endParaRPr lang="en-US" sz="2000" b="0" dirty="0"/>
+              <a:t>Question n: …</a:t>
+            </a:r>
           </a:p>
           <a:p>
             <a:endParaRPr lang="en-US" sz="2000" b="0" dirty="0"/>
@@ -12504,7 +14193,13 @@
       </p:sp>
       <p:sp>
         <p:nvSpPr>
-          <p:cNvPr id="2" name="Title 1"/>
+          <p:cNvPr id="2" name="Title 1">
+            <a:extLst>
+              <a:ext uri="{FF2B5EF4-FFF2-40B4-BE49-F238E27FC236}">
+                <a16:creationId xmlns:a16="http://schemas.microsoft.com/office/drawing/2014/main" id="{E2AEAF44-F909-4580-862E-7EB331AAAEC3}"/>
+              </a:ext>
+            </a:extLst>
+          </p:cNvPr>
           <p:cNvSpPr>
             <a:spLocks noGrp="1"/>
           </p:cNvSpPr>
@@ -12521,11 +14216,15 @@
               <a:rPr lang="en-AU" dirty="0"/>
               <a:t>Define your project – What is your question/product</a:t>
             </a:r>
-            <a:endParaRPr lang="en-AU" dirty="0"/>
           </a:p>
         </p:txBody>
       </p:sp>
     </p:spTree>
+    <p:extLst>
+      <p:ext uri="{BB962C8B-B14F-4D97-AF65-F5344CB8AC3E}">
+        <p14:creationId xmlns:p14="http://schemas.microsoft.com/office/powerpoint/2010/main" val="1066560134"/>
+      </p:ext>
+    </p:extLst>
   </p:cSld>
   <p:clrMapOvr>
     <a:masterClrMapping/>
@@ -12552,7 +14251,13 @@
       </p:grpSpPr>
       <p:sp>
         <p:nvSpPr>
-          <p:cNvPr id="4" name="Content Placeholder 3"/>
+          <p:cNvPr id="4" name="Content Placeholder 3">
+            <a:extLst>
+              <a:ext uri="{FF2B5EF4-FFF2-40B4-BE49-F238E27FC236}">
+                <a16:creationId xmlns:a16="http://schemas.microsoft.com/office/drawing/2014/main" id="{CF4C0C11-C2F1-8A49-9F3E-E319A4498A4B}"/>
+              </a:ext>
+            </a:extLst>
+          </p:cNvPr>
           <p:cNvSpPr>
             <a:spLocks noGrp="1"/>
           </p:cNvSpPr>
@@ -12570,68 +14275,44 @@
             </a:pPr>
             <a:r>
               <a:rPr lang="en-US" b="0" dirty="0"/>
-              <a:t>For Question 1:</a:t>
-            </a:r>
+              <a:t>For Project X or Question X: </a:t>
+            </a:r>
+          </a:p>
+          <a:p>
+            <a:r>
+              <a:rPr lang="en-US" b="0" dirty="0"/>
+              <a:t>Challenge 1: One sentence description</a:t>
+            </a:r>
+          </a:p>
+          <a:p>
+            <a:r>
+              <a:rPr lang="en-US" b="0" dirty="0"/>
+              <a:t>…</a:t>
+            </a:r>
+          </a:p>
+          <a:p>
+            <a:r>
+              <a:rPr lang="en-US" b="0" dirty="0"/>
+              <a:t>Challenge n: One sentence description</a:t>
+            </a:r>
+          </a:p>
+          <a:p>
             <a:endParaRPr lang="en-US" b="0" dirty="0"/>
           </a:p>
           <a:p>
-            <a:r>
-              <a:rPr lang="en-US" b="0" dirty="0"/>
-              <a:t>Challenge 1: How do we include gene data in our shiny app?</a:t>
-            </a:r>
-            <a:endParaRPr lang="en-US" b="0" dirty="0"/>
-          </a:p>
-          <a:p>
-            <a:pPr marL="0" indent="0">
-              <a:buNone/>
-            </a:pPr>
-            <a:endParaRPr lang="en-US" b="0" dirty="0"/>
-          </a:p>
-          <a:p>
-            <a:pPr marL="0" indent="0">
-              <a:buNone/>
-            </a:pPr>
-            <a:r>
-              <a:rPr lang="en-US" b="0" dirty="0"/>
-              <a:t>For Question 2: </a:t>
-            </a:r>
-            <a:endParaRPr lang="en-US" b="0" dirty="0"/>
-          </a:p>
-          <a:p>
-            <a:r>
-              <a:rPr lang="en-US" b="0" dirty="0"/>
-              <a:t>Challenge 2: Too little Asian Oriental data.</a:t>
-            </a:r>
-            <a:endParaRPr lang="en-US" b="0" dirty="0"/>
-          </a:p>
-          <a:p>
-            <a:pPr marL="0" indent="0">
-              <a:buNone/>
-            </a:pPr>
-            <a:endParaRPr lang="en-US" b="0" dirty="0"/>
-          </a:p>
-          <a:p>
-            <a:pPr marL="0" indent="0">
-              <a:buNone/>
-            </a:pPr>
-            <a:r>
-              <a:rPr lang="en-US" b="0" dirty="0"/>
-              <a:t>For Question 3:</a:t>
-            </a:r>
-            <a:endParaRPr lang="en-US" b="0" dirty="0"/>
-          </a:p>
-          <a:p>
-            <a:r>
-              <a:rPr lang="en-US" b="0" dirty="0"/>
-              <a:t>Challenge 3: Cannot find appropriate datasets.</a:t>
-            </a:r>
             <a:endParaRPr lang="en-US" dirty="0"/>
           </a:p>
         </p:txBody>
       </p:sp>
       <p:sp>
         <p:nvSpPr>
-          <p:cNvPr id="2" name="Title 1"/>
+          <p:cNvPr id="2" name="Title 1">
+            <a:extLst>
+              <a:ext uri="{FF2B5EF4-FFF2-40B4-BE49-F238E27FC236}">
+                <a16:creationId xmlns:a16="http://schemas.microsoft.com/office/drawing/2014/main" id="{E2AEAF44-F909-4580-862E-7EB331AAAEC3}"/>
+              </a:ext>
+            </a:extLst>
+          </p:cNvPr>
           <p:cNvSpPr>
             <a:spLocks noGrp="1"/>
           </p:cNvSpPr>
@@ -12648,7 +14329,6 @@
               <a:rPr lang="en-AU" dirty="0"/>
               <a:t>Define your project – Anticipated challenges  </a:t>
             </a:r>
-            <a:endParaRPr lang="en-AU" dirty="0"/>
           </a:p>
         </p:txBody>
       </p:sp>
@@ -12679,7 +14359,13 @@
       </p:grpSpPr>
       <p:sp>
         <p:nvSpPr>
-          <p:cNvPr id="2" name="Title 1"/>
+          <p:cNvPr id="2" name="Title 1">
+            <a:extLst>
+              <a:ext uri="{FF2B5EF4-FFF2-40B4-BE49-F238E27FC236}">
+                <a16:creationId xmlns:a16="http://schemas.microsoft.com/office/drawing/2014/main" id="{E2AEAF44-F909-4580-862E-7EB331AAAEC3}"/>
+              </a:ext>
+            </a:extLst>
+          </p:cNvPr>
           <p:cNvSpPr>
             <a:spLocks noGrp="1"/>
           </p:cNvSpPr>
@@ -12687,49 +14373,41 @@
             <p:ph type="title"/>
           </p:nvPr>
         </p:nvSpPr>
-        <p:spPr>
-          <a:xfrm>
-            <a:off x="358775" y="376555"/>
-            <a:ext cx="9544050" cy="701675"/>
-          </a:xfrm>
-        </p:spPr>
+        <p:spPr/>
         <p:txBody>
           <a:bodyPr/>
           <a:lstStyle/>
           <a:p>
             <a:r>
-              <a:rPr lang="en-AU" sz="2600" dirty="0">
-                <a:solidFill>
-                  <a:schemeClr val="accent1"/>
-                </a:solidFill>
-                <a:uFillTx/>
-              </a:rPr>
+              <a:rPr lang="en-AU" dirty="0"/>
               <a:t>Define your project – who is your target audience</a:t>
             </a:r>
-            <a:endParaRPr lang="en-AU" sz="2600" dirty="0">
-              <a:solidFill>
-                <a:schemeClr val="accent1"/>
-              </a:solidFill>
-              <a:uFillTx/>
-            </a:endParaRPr>
           </a:p>
         </p:txBody>
       </p:sp>
       <p:graphicFrame>
         <p:nvGraphicFramePr>
-          <p:cNvPr id="8" name="Table 7"/>
+          <p:cNvPr id="8" name="Table 7">
+            <a:extLst>
+              <a:ext uri="{FF2B5EF4-FFF2-40B4-BE49-F238E27FC236}">
+                <a16:creationId xmlns:a16="http://schemas.microsoft.com/office/drawing/2014/main" id="{3A87D348-55EA-4938-B716-4176C77A2C27}"/>
+              </a:ext>
+            </a:extLst>
+          </p:cNvPr>
           <p:cNvGraphicFramePr>
             <a:graphicFrameLocks noGrp="1"/>
           </p:cNvGraphicFramePr>
           <p:nvPr>
-            <p:custDataLst>
-              <p:tags r:id="rId1"/>
-            </p:custDataLst>
+            <p:extLst>
+              <p:ext uri="{D42A27DB-BD31-4B8C-83A1-F6EECF244321}">
+                <p14:modId xmlns:p14="http://schemas.microsoft.com/office/powerpoint/2010/main" val="2531115316"/>
+              </p:ext>
+            </p:extLst>
           </p:nvPr>
         </p:nvGraphicFramePr>
         <p:xfrm>
-          <a:off x="429895" y="1718481"/>
-          <a:ext cx="8518525" cy="2813050"/>
+          <a:off x="358775" y="1684826"/>
+          <a:ext cx="8518715" cy="2813602"/>
         </p:xfrm>
         <a:graphic>
           <a:graphicData uri="http://schemas.openxmlformats.org/drawingml/2006/table">
@@ -12738,9 +14416,27 @@
                 <a:tableStyleId>{5C22544A-7EE6-4342-B048-85BDC9FD1C3A}</a:tableStyleId>
               </a:tblPr>
               <a:tblGrid>
-                <a:gridCol w="2069115"/>
-                <a:gridCol w="3112776"/>
-                <a:gridCol w="3336824"/>
+                <a:gridCol w="2069115">
+                  <a:extLst>
+                    <a:ext uri="{9D8B030D-6E8A-4147-A177-3AD203B41FA5}">
+                      <a16:colId xmlns:a16="http://schemas.microsoft.com/office/drawing/2014/main" val="1573866123"/>
+                    </a:ext>
+                  </a:extLst>
+                </a:gridCol>
+                <a:gridCol w="3112776">
+                  <a:extLst>
+                    <a:ext uri="{9D8B030D-6E8A-4147-A177-3AD203B41FA5}">
+                      <a16:colId xmlns:a16="http://schemas.microsoft.com/office/drawing/2014/main" val="83730095"/>
+                    </a:ext>
+                  </a:extLst>
+                </a:gridCol>
+                <a:gridCol w="3336824">
+                  <a:extLst>
+                    <a:ext uri="{9D8B030D-6E8A-4147-A177-3AD203B41FA5}">
+                      <a16:colId xmlns:a16="http://schemas.microsoft.com/office/drawing/2014/main" val="1624356449"/>
+                    </a:ext>
+                  </a:extLst>
+                </a:gridCol>
               </a:tblGrid>
               <a:tr h="700174">
                 <a:tc>
@@ -12759,18 +14455,12 @@
                       <a:r>
                         <a:rPr lang="en-AU" sz="1600" dirty="0">
                           <a:effectLst/>
-                          <a:latin typeface="Tw Cen MT" charset="0"/>
+                          <a:latin typeface="Tw Cen MT" panose="020B0602020104020603" pitchFamily="34" charset="0"/>
                           <a:ea typeface="Calibri" panose="020F0502020204030204" pitchFamily="34" charset="0"/>
                           <a:cs typeface="Times New Roman" panose="02020603050405020304" pitchFamily="18" charset="0"/>
                         </a:rPr>
                         <a:t>Target audience</a:t>
                       </a:r>
-                      <a:endParaRPr lang="en-AU" sz="1600" dirty="0">
-                        <a:effectLst/>
-                        <a:latin typeface="Tw Cen MT" charset="0"/>
-                        <a:ea typeface="Calibri" panose="020F0502020204030204" pitchFamily="34" charset="0"/>
-                        <a:cs typeface="Times New Roman" panose="02020603050405020304" pitchFamily="18" charset="0"/>
-                      </a:endParaRPr>
                     </a:p>
                   </a:txBody>
                   <a:tcPr marL="81331" marR="81331" marT="0" marB="0" anchor="ctr"/>
@@ -12791,18 +14481,12 @@
                       <a:r>
                         <a:rPr lang="en-AU" sz="1600" dirty="0">
                           <a:effectLst/>
-                          <a:latin typeface="Tw Cen MT" charset="0"/>
+                          <a:latin typeface="Tw Cen MT" panose="020B0602020104020603" pitchFamily="34" charset="0"/>
                           <a:ea typeface="Calibri" panose="020F0502020204030204" pitchFamily="34" charset="0"/>
                           <a:cs typeface="Times New Roman" panose="02020603050405020304" pitchFamily="18" charset="0"/>
                         </a:rPr>
                         <a:t>Characteristics of target audience</a:t>
                       </a:r>
-                      <a:endParaRPr lang="en-AU" sz="1600" dirty="0">
-                        <a:effectLst/>
-                        <a:latin typeface="Tw Cen MT" charset="0"/>
-                        <a:ea typeface="Calibri" panose="020F0502020204030204" pitchFamily="34" charset="0"/>
-                        <a:cs typeface="Times New Roman" panose="02020603050405020304" pitchFamily="18" charset="0"/>
-                      </a:endParaRPr>
                     </a:p>
                   </a:txBody>
                   <a:tcPr marL="81331" marR="81331" marT="0" marB="0" anchor="ctr"/>
@@ -12823,22 +14507,21 @@
                       <a:r>
                         <a:rPr lang="en-AU" sz="1600" dirty="0">
                           <a:effectLst/>
-                          <a:latin typeface="Tw Cen MT" charset="0"/>
+                          <a:latin typeface="Tw Cen MT" panose="020B0602020104020603" pitchFamily="34" charset="0"/>
                           <a:ea typeface="Calibri" panose="020F0502020204030204" pitchFamily="34" charset="0"/>
                           <a:cs typeface="Times New Roman" panose="02020603050405020304" pitchFamily="18" charset="0"/>
                         </a:rPr>
                         <a:t>How does it impact your project</a:t>
                       </a:r>
-                      <a:endParaRPr lang="en-AU" sz="1600" dirty="0">
-                        <a:effectLst/>
-                        <a:latin typeface="Tw Cen MT" charset="0"/>
-                        <a:ea typeface="Calibri" panose="020F0502020204030204" pitchFamily="34" charset="0"/>
-                        <a:cs typeface="Times New Roman" panose="02020603050405020304" pitchFamily="18" charset="0"/>
-                      </a:endParaRPr>
                     </a:p>
                   </a:txBody>
                   <a:tcPr marL="81331" marR="81331" marT="0" marB="0" anchor="ctr"/>
                 </a:tc>
+                <a:extLst>
+                  <a:ext uri="{0D108BD9-81ED-4DB2-BD59-A6C34878D82A}">
+                    <a16:rowId xmlns:a16="http://schemas.microsoft.com/office/drawing/2014/main" val="921860958"/>
+                  </a:ext>
+                </a:extLst>
               </a:tr>
               <a:tr h="704476">
                 <a:tc>
@@ -12851,22 +14534,6 @@
                           <a:spcPct val="107000"/>
                         </a:lnSpc>
                       </a:pPr>
-                      <a:r>
-                        <a:rPr lang="en-US" altLang="en-AU" sz="1600" dirty="0">
-                          <a:effectLst/>
-                          <a:latin typeface="Calibri" panose="020F0502020204030204" pitchFamily="34" charset="0"/>
-                          <a:cs typeface="Times New Roman" panose="02020603050405020304" pitchFamily="18" charset="0"/>
-                        </a:rPr>
-                        <a:t>D</a:t>
-                      </a:r>
-                      <a:r>
-                        <a:rPr lang="en-AU" sz="1600" dirty="0">
-                          <a:effectLst/>
-                          <a:latin typeface="Calibri" panose="020F0502020204030204" pitchFamily="34" charset="0"/>
-                          <a:cs typeface="Times New Roman" panose="02020603050405020304" pitchFamily="18" charset="0"/>
-                        </a:rPr>
-                        <a:t>octors</a:t>
-                      </a:r>
                       <a:endParaRPr lang="en-AU" sz="1600" dirty="0">
                         <a:effectLst/>
                         <a:latin typeface="Calibri" panose="020F0502020204030204" pitchFamily="34" charset="0"/>
@@ -12886,15 +14553,7 @@
                           <a:spcPct val="107000"/>
                         </a:lnSpc>
                       </a:pPr>
-                      <a:r>
-                        <a:rPr lang="en-US" altLang="en-AU" sz="1600" dirty="0">
-                          <a:effectLst/>
-                          <a:latin typeface="Calibri" panose="020F0502020204030204" pitchFamily="34" charset="0"/>
-                          <a:cs typeface="Times New Roman" panose="02020603050405020304" pitchFamily="18" charset="0"/>
-                        </a:rPr>
-                        <a:t>Doctors have a great understanding of genomic data and care more about the accuracy of our prediction.</a:t>
-                      </a:r>
-                      <a:endParaRPr lang="en-US" altLang="en-AU" sz="1600" dirty="0">
+                      <a:endParaRPr lang="en-AU" sz="1600" dirty="0">
                         <a:effectLst/>
                         <a:latin typeface="Calibri" panose="020F0502020204030204" pitchFamily="34" charset="0"/>
                         <a:cs typeface="Times New Roman" panose="02020603050405020304" pitchFamily="18" charset="0"/>
@@ -12913,15 +14572,7 @@
                           <a:spcPct val="107000"/>
                         </a:lnSpc>
                       </a:pPr>
-                      <a:r>
-                        <a:rPr lang="en-US" altLang="en-AU" sz="1600" dirty="0">
-                          <a:effectLst/>
-                          <a:latin typeface="Calibri" panose="020F0502020204030204" pitchFamily="34" charset="0"/>
-                          <a:cs typeface="Times New Roman" panose="02020603050405020304" pitchFamily="18" charset="0"/>
-                        </a:rPr>
-                        <a:t>Show the model accuracy and the prediction CI to doctors. </a:t>
-                      </a:r>
-                      <a:endParaRPr lang="en-US" altLang="en-AU" sz="1600" dirty="0">
+                      <a:endParaRPr lang="en-AU" sz="1600" dirty="0">
                         <a:effectLst/>
                         <a:latin typeface="Calibri" panose="020F0502020204030204" pitchFamily="34" charset="0"/>
                         <a:cs typeface="Times New Roman" panose="02020603050405020304" pitchFamily="18" charset="0"/>
@@ -12930,8 +14581,13 @@
                   </a:txBody>
                   <a:tcPr marL="81331" marR="81331" marT="0" marB="0" anchor="ctr"/>
                 </a:tc>
+                <a:extLst>
+                  <a:ext uri="{0D108BD9-81ED-4DB2-BD59-A6C34878D82A}">
+                    <a16:rowId xmlns:a16="http://schemas.microsoft.com/office/drawing/2014/main" val="2191457816"/>
+                  </a:ext>
+                </a:extLst>
               </a:tr>
-              <a:tr h="704215">
+              <a:tr h="704476">
                 <a:tc>
                   <a:txBody>
                     <a:bodyPr/>
@@ -12942,15 +14598,7 @@
                           <a:spcPct val="107000"/>
                         </a:lnSpc>
                       </a:pPr>
-                      <a:r>
-                        <a:rPr lang="en-US" altLang="en-AU" sz="1600">
-                          <a:effectLst/>
-                          <a:latin typeface="Calibri" panose="020F0502020204030204" pitchFamily="34" charset="0"/>
-                          <a:cs typeface="Times New Roman" panose="02020603050405020304" pitchFamily="18" charset="0"/>
-                        </a:rPr>
-                        <a:t>Patients</a:t>
-                      </a:r>
-                      <a:endParaRPr lang="en-US" altLang="en-AU" sz="1600">
+                      <a:endParaRPr lang="en-AU" sz="1600">
                         <a:effectLst/>
                         <a:latin typeface="Calibri" panose="020F0502020204030204" pitchFamily="34" charset="0"/>
                         <a:cs typeface="Times New Roman" panose="02020603050405020304" pitchFamily="18" charset="0"/>
@@ -12969,15 +14617,7 @@
                           <a:spcPct val="107000"/>
                         </a:lnSpc>
                       </a:pPr>
-                      <a:r>
-                        <a:rPr lang="en-US" altLang="en-AU" sz="1600">
-                          <a:effectLst/>
-                          <a:latin typeface="Calibri" panose="020F0502020204030204" pitchFamily="34" charset="0"/>
-                          <a:cs typeface="Times New Roman" panose="02020603050405020304" pitchFamily="18" charset="0"/>
-                        </a:rPr>
-                        <a:t>Less familar with gene data.</a:t>
-                      </a:r>
-                      <a:endParaRPr lang="en-US" altLang="en-AU" sz="1600">
+                      <a:endParaRPr lang="en-AU" sz="1600">
                         <a:effectLst/>
                         <a:latin typeface="Calibri" panose="020F0502020204030204" pitchFamily="34" charset="0"/>
                         <a:cs typeface="Times New Roman" panose="02020603050405020304" pitchFamily="18" charset="0"/>
@@ -12996,15 +14636,7 @@
                           <a:spcPct val="107000"/>
                         </a:lnSpc>
                       </a:pPr>
-                      <a:r>
-                        <a:rPr lang="en-US" altLang="en-AU" sz="1600">
-                          <a:effectLst/>
-                          <a:latin typeface="Calibri" panose="020F0502020204030204" pitchFamily="34" charset="0"/>
-                          <a:cs typeface="Times New Roman" panose="02020603050405020304" pitchFamily="18" charset="0"/>
-                        </a:rPr>
-                        <a:t>Introduce the gene data to patients.</a:t>
-                      </a:r>
-                      <a:endParaRPr lang="en-US" altLang="en-AU" sz="1600">
+                      <a:endParaRPr lang="en-AU" sz="1600">
                         <a:effectLst/>
                         <a:latin typeface="Calibri" panose="020F0502020204030204" pitchFamily="34" charset="0"/>
                         <a:cs typeface="Times New Roman" panose="02020603050405020304" pitchFamily="18" charset="0"/>
@@ -13013,6 +14645,11 @@
                   </a:txBody>
                   <a:tcPr marL="81331" marR="81331" marT="0" marB="0" anchor="ctr"/>
                 </a:tc>
+                <a:extLst>
+                  <a:ext uri="{0D108BD9-81ED-4DB2-BD59-A6C34878D82A}">
+                    <a16:rowId xmlns:a16="http://schemas.microsoft.com/office/drawing/2014/main" val="2947246499"/>
+                  </a:ext>
+                </a:extLst>
               </a:tr>
               <a:tr h="704476">
                 <a:tc>
@@ -13072,6 +14709,11 @@
                   </a:txBody>
                   <a:tcPr marL="81331" marR="81331" marT="0" marB="0" anchor="ctr"/>
                 </a:tc>
+                <a:extLst>
+                  <a:ext uri="{0D108BD9-81ED-4DB2-BD59-A6C34878D82A}">
+                    <a16:rowId xmlns:a16="http://schemas.microsoft.com/office/drawing/2014/main" val="942335013"/>
+                  </a:ext>
+                </a:extLst>
               </a:tr>
             </a:tbl>
           </a:graphicData>
@@ -13079,13 +14721,19 @@
       </p:graphicFrame>
       <p:sp>
         <p:nvSpPr>
-          <p:cNvPr id="5" name="TextBox 4"/>
+          <p:cNvPr id="5" name="TextBox 4">
+            <a:extLst>
+              <a:ext uri="{FF2B5EF4-FFF2-40B4-BE49-F238E27FC236}">
+                <a16:creationId xmlns:a16="http://schemas.microsoft.com/office/drawing/2014/main" id="{CD987332-518C-8C49-9E52-3780D8769E1B}"/>
+              </a:ext>
+            </a:extLst>
+          </p:cNvPr>
           <p:cNvSpPr txBox="1"/>
           <p:nvPr/>
         </p:nvSpPr>
         <p:spPr>
           <a:xfrm>
-            <a:off x="358651" y="957694"/>
+            <a:off x="287531" y="924039"/>
             <a:ext cx="8099781" cy="830997"/>
           </a:xfrm>
           <a:prstGeom prst="rect">
@@ -13103,18 +14751,16 @@
               <a:rPr lang="en-US" sz="1600" dirty="0"/>
               <a:t>Explore different types of target audience and its relationship to your project and select </a:t>
             </a:r>
-            <a:endParaRPr lang="en-US" sz="1600" dirty="0"/>
           </a:p>
           <a:p>
             <a:r>
               <a:rPr lang="en-US" sz="1600" dirty="0"/>
               <a:t>the most appropriate.</a:t>
             </a:r>
-            <a:endParaRPr lang="en-US" sz="1600" dirty="0"/>
           </a:p>
           <a:p>
             <a:pPr marL="285750" indent="-285750">
-              <a:buFont typeface="Arial" panose="020B0604020202090204" pitchFamily="34" charset="0"/>
+              <a:buFont typeface="Arial" panose="020B0604020202020204" pitchFamily="34" charset="0"/>
               <a:buChar char="•"/>
             </a:pPr>
             <a:endParaRPr lang="en-US" sz="1600" dirty="0"/>
@@ -13122,6 +14768,11 @@
         </p:txBody>
       </p:sp>
     </p:spTree>
+    <p:extLst>
+      <p:ext uri="{BB962C8B-B14F-4D97-AF65-F5344CB8AC3E}">
+        <p14:creationId xmlns:p14="http://schemas.microsoft.com/office/powerpoint/2010/main" val="419967489"/>
+      </p:ext>
+    </p:extLst>
   </p:cSld>
   <p:clrMapOvr>
     <a:masterClrMapping/>
@@ -13148,7 +14799,13 @@
       </p:grpSpPr>
       <p:sp>
         <p:nvSpPr>
-          <p:cNvPr id="2" name="Title 1"/>
+          <p:cNvPr id="2" name="Title 1">
+            <a:extLst>
+              <a:ext uri="{FF2B5EF4-FFF2-40B4-BE49-F238E27FC236}">
+                <a16:creationId xmlns:a16="http://schemas.microsoft.com/office/drawing/2014/main" id="{E2AEAF44-F909-4580-862E-7EB331AAAEC3}"/>
+              </a:ext>
+            </a:extLst>
+          </p:cNvPr>
           <p:cNvSpPr>
             <a:spLocks noGrp="1"/>
           </p:cNvSpPr>
@@ -13165,20 +14822,27 @@
               <a:rPr lang="en-AU" dirty="0"/>
               <a:t>Meeting minutes</a:t>
             </a:r>
-            <a:endParaRPr lang="en-AU" dirty="0"/>
           </a:p>
         </p:txBody>
       </p:sp>
       <p:graphicFrame>
         <p:nvGraphicFramePr>
-          <p:cNvPr id="8" name="Table 7"/>
+          <p:cNvPr id="8" name="Table 7">
+            <a:extLst>
+              <a:ext uri="{FF2B5EF4-FFF2-40B4-BE49-F238E27FC236}">
+                <a16:creationId xmlns:a16="http://schemas.microsoft.com/office/drawing/2014/main" id="{3A87D348-55EA-4938-B716-4176C77A2C27}"/>
+              </a:ext>
+            </a:extLst>
+          </p:cNvPr>
           <p:cNvGraphicFramePr>
             <a:graphicFrameLocks noGrp="1"/>
           </p:cNvGraphicFramePr>
           <p:nvPr>
-            <p:custDataLst>
-              <p:tags r:id="rId1"/>
-            </p:custDataLst>
+            <p:extLst>
+              <p:ext uri="{D42A27DB-BD31-4B8C-83A1-F6EECF244321}">
+                <p14:modId xmlns:p14="http://schemas.microsoft.com/office/powerpoint/2010/main" val="1265988804"/>
+              </p:ext>
+            </p:extLst>
           </p:nvPr>
         </p:nvGraphicFramePr>
         <p:xfrm>
@@ -13192,9 +14856,27 @@
                 <a:tableStyleId>{5C22544A-7EE6-4342-B048-85BDC9FD1C3A}</a:tableStyleId>
               </a:tblPr>
               <a:tblGrid>
-                <a:gridCol w="1373987"/>
-                <a:gridCol w="2534285"/>
-                <a:gridCol w="4610443"/>
+                <a:gridCol w="1373987">
+                  <a:extLst>
+                    <a:ext uri="{9D8B030D-6E8A-4147-A177-3AD203B41FA5}">
+                      <a16:colId xmlns:a16="http://schemas.microsoft.com/office/drawing/2014/main" val="1573866123"/>
+                    </a:ext>
+                  </a:extLst>
+                </a:gridCol>
+                <a:gridCol w="2534438">
+                  <a:extLst>
+                    <a:ext uri="{9D8B030D-6E8A-4147-A177-3AD203B41FA5}">
+                      <a16:colId xmlns:a16="http://schemas.microsoft.com/office/drawing/2014/main" val="83730095"/>
+                    </a:ext>
+                  </a:extLst>
+                </a:gridCol>
+                <a:gridCol w="4610290">
+                  <a:extLst>
+                    <a:ext uri="{9D8B030D-6E8A-4147-A177-3AD203B41FA5}">
+                      <a16:colId xmlns:a16="http://schemas.microsoft.com/office/drawing/2014/main" val="1624356449"/>
+                    </a:ext>
+                  </a:extLst>
+                </a:gridCol>
               </a:tblGrid>
               <a:tr h="564619">
                 <a:tc>
@@ -13218,7 +14900,7 @@
                       </a:r>
                       <a:endParaRPr lang="en-AU" sz="1600" dirty="0">
                         <a:effectLst/>
-                        <a:latin typeface="Tw Cen MT" charset="0"/>
+                        <a:latin typeface="Tw Cen MT" panose="020B0602020104020603" pitchFamily="34" charset="0"/>
                         <a:ea typeface="Calibri" panose="020F0502020204030204" pitchFamily="34" charset="0"/>
                         <a:cs typeface="Times New Roman" panose="02020603050405020304" pitchFamily="18" charset="0"/>
                       </a:endParaRPr>
@@ -13245,9 +14927,6 @@
                         </a:rPr>
                         <a:t>Discussion</a:t>
                       </a:r>
-                      <a:endParaRPr lang="en-AU" sz="1600" dirty="0">
-                        <a:effectLst/>
-                      </a:endParaRPr>
                     </a:p>
                     <a:p>
                       <a:pPr algn="ctr">
@@ -13261,18 +14940,12 @@
                       <a:r>
                         <a:rPr lang="en-AU" sz="1100" dirty="0">
                           <a:effectLst/>
-                          <a:latin typeface="Tw Cen MT" charset="0"/>
+                          <a:latin typeface="Tw Cen MT" panose="020B0602020104020603" pitchFamily="34" charset="0"/>
                           <a:ea typeface="Calibri" panose="020F0502020204030204" pitchFamily="34" charset="0"/>
                           <a:cs typeface="Times New Roman" panose="02020603050405020304" pitchFamily="18" charset="0"/>
                         </a:rPr>
                         <a:t>(you can refer to previous slides)</a:t>
                       </a:r>
-                      <a:endParaRPr lang="en-AU" sz="1100" dirty="0">
-                        <a:effectLst/>
-                        <a:latin typeface="Tw Cen MT" charset="0"/>
-                        <a:ea typeface="Calibri" panose="020F0502020204030204" pitchFamily="34" charset="0"/>
-                        <a:cs typeface="Times New Roman" panose="02020603050405020304" pitchFamily="18" charset="0"/>
-                      </a:endParaRPr>
                     </a:p>
                   </a:txBody>
                   <a:tcPr marL="81331" marR="81331" marT="0" marB="0" anchor="ctr"/>
@@ -13296,42 +14969,17 @@
                         </a:rPr>
                         <a:t>Actions (who) – action points for next week</a:t>
                       </a:r>
-                      <a:endParaRPr lang="en-AU" sz="1600" dirty="0">
-                        <a:effectLst/>
-                      </a:endParaRPr>
                     </a:p>
                   </a:txBody>
                   <a:tcPr marL="81331" marR="81331" marT="0" marB="0" anchor="ctr"/>
                 </a:tc>
+                <a:extLst>
+                  <a:ext uri="{0D108BD9-81ED-4DB2-BD59-A6C34878D82A}">
+                    <a16:rowId xmlns:a16="http://schemas.microsoft.com/office/drawing/2014/main" val="921860958"/>
+                  </a:ext>
+                </a:extLst>
               </a:tr>
-              <a:tr h="474345">
-                <a:tc>
-                  <a:txBody>
-                    <a:bodyPr/>
-                    <a:lstStyle/>
-                    <a:p>
-                      <a:pPr algn="l">
-                        <a:lnSpc>
-                          <a:spcPct val="107000"/>
-                        </a:lnSpc>
-                      </a:pPr>
-                      <a:r>
-                        <a:rPr lang="en-US" altLang="en-AU" sz="1000" dirty="0">
-                          <a:effectLst/>
-                          <a:latin typeface="Calibri" panose="020F0502020204030204" pitchFamily="34" charset="0"/>
-                          <a:cs typeface="Times New Roman" panose="02020603050405020304" pitchFamily="18" charset="0"/>
-                        </a:rPr>
-                        <a:t>audience</a:t>
-                      </a:r>
-                      <a:endParaRPr lang="en-US" altLang="en-AU" sz="1000" dirty="0">
-                        <a:effectLst/>
-                        <a:latin typeface="Calibri" panose="020F0502020204030204" pitchFamily="34" charset="0"/>
-                        <a:cs typeface="Times New Roman" panose="02020603050405020304" pitchFamily="18" charset="0"/>
-                      </a:endParaRPr>
-                    </a:p>
-                  </a:txBody>
-                  <a:tcPr marL="81331" marR="81331" marT="0" marB="0" anchor="b"/>
-                </a:tc>
+              <a:tr h="474426">
                 <a:tc>
                   <a:txBody>
                     <a:bodyPr/>
@@ -13342,15 +14990,7 @@
                           <a:spcPct val="107000"/>
                         </a:lnSpc>
                       </a:pPr>
-                      <a:r>
-                        <a:rPr lang="en-US" altLang="en-AU" sz="1000" dirty="0">
-                          <a:effectLst/>
-                          <a:latin typeface="Calibri" panose="020F0502020204030204" pitchFamily="34" charset="0"/>
-                          <a:cs typeface="Times New Roman" panose="02020603050405020304" pitchFamily="18" charset="0"/>
-                        </a:rPr>
-                        <a:t>page5</a:t>
-                      </a:r>
-                      <a:endParaRPr lang="en-US" altLang="en-AU" sz="1000" dirty="0">
+                      <a:endParaRPr lang="en-AU" sz="1000" dirty="0">
                         <a:effectLst/>
                         <a:latin typeface="Calibri" panose="020F0502020204030204" pitchFamily="34" charset="0"/>
                         <a:cs typeface="Times New Roman" panose="02020603050405020304" pitchFamily="18" charset="0"/>
@@ -13378,6 +15018,30 @@
                   </a:txBody>
                   <a:tcPr marL="81331" marR="81331" marT="0" marB="0" anchor="b"/>
                 </a:tc>
+                <a:tc>
+                  <a:txBody>
+                    <a:bodyPr/>
+                    <a:lstStyle/>
+                    <a:p>
+                      <a:pPr>
+                        <a:lnSpc>
+                          <a:spcPct val="107000"/>
+                        </a:lnSpc>
+                      </a:pPr>
+                      <a:endParaRPr lang="en-AU" sz="1000" dirty="0">
+                        <a:effectLst/>
+                        <a:latin typeface="Calibri" panose="020F0502020204030204" pitchFamily="34" charset="0"/>
+                        <a:cs typeface="Times New Roman" panose="02020603050405020304" pitchFamily="18" charset="0"/>
+                      </a:endParaRPr>
+                    </a:p>
+                  </a:txBody>
+                  <a:tcPr marL="81331" marR="81331" marT="0" marB="0" anchor="b"/>
+                </a:tc>
+                <a:extLst>
+                  <a:ext uri="{0D108BD9-81ED-4DB2-BD59-A6C34878D82A}">
+                    <a16:rowId xmlns:a16="http://schemas.microsoft.com/office/drawing/2014/main" val="2191457816"/>
+                  </a:ext>
+                </a:extLst>
               </a:tr>
               <a:tr h="474426">
                 <a:tc>
@@ -13390,42 +15054,7 @@
                           <a:spcPct val="107000"/>
                         </a:lnSpc>
                       </a:pPr>
-                      <a:r>
-                        <a:rPr lang="en-US" altLang="en-AU" sz="1000">
-                          <a:effectLst/>
-                          <a:latin typeface="Calibri" panose="020F0502020204030204" pitchFamily="34" charset="0"/>
-                          <a:cs typeface="Times New Roman" panose="02020603050405020304" pitchFamily="18" charset="0"/>
-                        </a:rPr>
-                        <a:t>questions</a:t>
-                      </a:r>
-                      <a:endParaRPr lang="en-US" altLang="en-AU" sz="1000">
-                        <a:effectLst/>
-                        <a:latin typeface="Calibri" panose="020F0502020204030204" pitchFamily="34" charset="0"/>
-                        <a:cs typeface="Times New Roman" panose="02020603050405020304" pitchFamily="18" charset="0"/>
-                      </a:endParaRPr>
-                    </a:p>
-                  </a:txBody>
-                  <a:tcPr marL="81331" marR="81331" marT="0" marB="0" anchor="b"/>
-                </a:tc>
-                <a:tc>
-                  <a:txBody>
-                    <a:bodyPr/>
-                    <a:lstStyle/>
-                    <a:p>
-                      <a:pPr>
-                        <a:lnSpc>
-                          <a:spcPct val="107000"/>
-                        </a:lnSpc>
-                      </a:pPr>
-                      <a:r>
-                        <a:rPr lang="en-US" altLang="en-AU" sz="1000">
-                          <a:effectLst/>
-                          <a:latin typeface="Calibri" panose="020F0502020204030204" pitchFamily="34" charset="0"/>
-                          <a:cs typeface="Times New Roman" panose="02020603050405020304" pitchFamily="18" charset="0"/>
-                        </a:rPr>
-                        <a:t>page3, 4</a:t>
-                      </a:r>
-                      <a:endParaRPr lang="en-US" altLang="en-AU" sz="1000">
+                      <a:endParaRPr lang="en-AU" sz="1000">
                         <a:effectLst/>
                         <a:latin typeface="Calibri" panose="020F0502020204030204" pitchFamily="34" charset="0"/>
                         <a:cs typeface="Times New Roman" panose="02020603050405020304" pitchFamily="18" charset="0"/>
@@ -13453,8 +15082,6 @@
                   </a:txBody>
                   <a:tcPr marL="81331" marR="81331" marT="0" marB="0" anchor="b"/>
                 </a:tc>
-              </a:tr>
-              <a:tr h="474345">
                 <a:tc>
                   <a:txBody>
                     <a:bodyPr/>
@@ -13465,15 +15092,33 @@
                           <a:spcPct val="107000"/>
                         </a:lnSpc>
                       </a:pPr>
-                      <a:r>
-                        <a:rPr lang="en-US" altLang="en-AU" sz="1000">
-                          <a:effectLst/>
-                          <a:latin typeface="Calibri" panose="020F0502020204030204" pitchFamily="34" charset="0"/>
-                          <a:cs typeface="Times New Roman" panose="02020603050405020304" pitchFamily="18" charset="0"/>
-                        </a:rPr>
-                        <a:t>data collection</a:t>
-                      </a:r>
-                      <a:endParaRPr lang="en-US" altLang="en-AU" sz="1000">
+                      <a:endParaRPr lang="en-AU" sz="1000">
+                        <a:effectLst/>
+                        <a:latin typeface="Calibri" panose="020F0502020204030204" pitchFamily="34" charset="0"/>
+                        <a:cs typeface="Times New Roman" panose="02020603050405020304" pitchFamily="18" charset="0"/>
+                      </a:endParaRPr>
+                    </a:p>
+                  </a:txBody>
+                  <a:tcPr marL="81331" marR="81331" marT="0" marB="0" anchor="b"/>
+                </a:tc>
+                <a:extLst>
+                  <a:ext uri="{0D108BD9-81ED-4DB2-BD59-A6C34878D82A}">
+                    <a16:rowId xmlns:a16="http://schemas.microsoft.com/office/drawing/2014/main" val="2947246499"/>
+                  </a:ext>
+                </a:extLst>
+              </a:tr>
+              <a:tr h="474426">
+                <a:tc>
+                  <a:txBody>
+                    <a:bodyPr/>
+                    <a:lstStyle/>
+                    <a:p>
+                      <a:pPr>
+                        <a:lnSpc>
+                          <a:spcPct val="107000"/>
+                        </a:lnSpc>
+                      </a:pPr>
+                      <a:endParaRPr lang="en-AU" sz="1000">
                         <a:effectLst/>
                         <a:latin typeface="Calibri" panose="020F0502020204030204" pitchFamily="34" charset="0"/>
                         <a:cs typeface="Times New Roman" panose="02020603050405020304" pitchFamily="18" charset="0"/>
@@ -13492,15 +15137,7 @@
                           <a:spcPct val="107000"/>
                         </a:lnSpc>
                       </a:pPr>
-                      <a:r>
-                        <a:rPr lang="en-US" altLang="en-AU" sz="1000">
-                          <a:effectLst/>
-                          <a:latin typeface="Calibri" panose="020F0502020204030204" pitchFamily="34" charset="0"/>
-                          <a:cs typeface="Times New Roman" panose="02020603050405020304" pitchFamily="18" charset="0"/>
-                        </a:rPr>
-                        <a:t>collect extra data for our project</a:t>
-                      </a:r>
-                      <a:endParaRPr lang="en-US" altLang="en-AU" sz="1000">
+                      <a:endParaRPr lang="en-AU" sz="1000">
                         <a:effectLst/>
                         <a:latin typeface="Calibri" panose="020F0502020204030204" pitchFamily="34" charset="0"/>
                         <a:cs typeface="Times New Roman" panose="02020603050405020304" pitchFamily="18" charset="0"/>
@@ -13519,15 +15156,7 @@
                           <a:spcPct val="107000"/>
                         </a:lnSpc>
                       </a:pPr>
-                      <a:r>
-                        <a:rPr lang="en-US" altLang="en-AU" sz="1000">
-                          <a:effectLst/>
-                          <a:latin typeface="Calibri" panose="020F0502020204030204" pitchFamily="34" charset="0"/>
-                          <a:cs typeface="Times New Roman" panose="02020603050405020304" pitchFamily="18" charset="0"/>
-                        </a:rPr>
-                        <a:t>everyone find extra data this week.</a:t>
-                      </a:r>
-                      <a:endParaRPr lang="en-US" altLang="en-AU" sz="1000">
+                      <a:endParaRPr lang="en-AU" sz="1000">
                         <a:effectLst/>
                         <a:latin typeface="Calibri" panose="020F0502020204030204" pitchFamily="34" charset="0"/>
                         <a:cs typeface="Times New Roman" panose="02020603050405020304" pitchFamily="18" charset="0"/>
@@ -13536,6 +15165,11 @@
                   </a:txBody>
                   <a:tcPr marL="81331" marR="81331" marT="0" marB="0" anchor="b"/>
                 </a:tc>
+                <a:extLst>
+                  <a:ext uri="{0D108BD9-81ED-4DB2-BD59-A6C34878D82A}">
+                    <a16:rowId xmlns:a16="http://schemas.microsoft.com/office/drawing/2014/main" val="942335013"/>
+                  </a:ext>
+                </a:extLst>
               </a:tr>
               <a:tr h="474426">
                 <a:tc>
@@ -13595,6 +15229,11 @@
                   </a:txBody>
                   <a:tcPr marL="81331" marR="81331" marT="0" marB="0" anchor="b"/>
                 </a:tc>
+                <a:extLst>
+                  <a:ext uri="{0D108BD9-81ED-4DB2-BD59-A6C34878D82A}">
+                    <a16:rowId xmlns:a16="http://schemas.microsoft.com/office/drawing/2014/main" val="1757599085"/>
+                  </a:ext>
+                </a:extLst>
               </a:tr>
               <a:tr h="474426">
                 <a:tc>
@@ -13654,6 +15293,11 @@
                   </a:txBody>
                   <a:tcPr marL="81331" marR="81331" marT="0" marB="0" anchor="b"/>
                 </a:tc>
+                <a:extLst>
+                  <a:ext uri="{0D108BD9-81ED-4DB2-BD59-A6C34878D82A}">
+                    <a16:rowId xmlns:a16="http://schemas.microsoft.com/office/drawing/2014/main" val="927903413"/>
+                  </a:ext>
+                </a:extLst>
               </a:tr>
             </a:tbl>
           </a:graphicData>
@@ -13661,7 +15305,13 @@
       </p:graphicFrame>
       <p:sp>
         <p:nvSpPr>
-          <p:cNvPr id="9" name="Rectangle 2"/>
+          <p:cNvPr id="9" name="Rectangle 2">
+            <a:extLst>
+              <a:ext uri="{FF2B5EF4-FFF2-40B4-BE49-F238E27FC236}">
+                <a16:creationId xmlns:a16="http://schemas.microsoft.com/office/drawing/2014/main" id="{A2ADCF7C-1D56-46C0-AA47-22DB2F49BF52}"/>
+              </a:ext>
+            </a:extLst>
+          </p:cNvPr>
           <p:cNvSpPr>
             <a:spLocks noChangeArrowheads="1"/>
           </p:cNvSpPr>
@@ -13669,8 +15319,8 @@
         </p:nvSpPr>
         <p:spPr bwMode="auto">
           <a:xfrm>
-            <a:off x="358775" y="704533"/>
-            <a:ext cx="6273800" cy="675640"/>
+            <a:off x="358775" y="820034"/>
+            <a:ext cx="4699191" cy="677108"/>
           </a:xfrm>
           <a:prstGeom prst="rect">
             <a:avLst/>
@@ -13711,6 +15361,9 @@
         </p:spPr>
         <p:txBody>
           <a:bodyPr vert="horz" wrap="square" lIns="91440" tIns="45720" rIns="91440" bIns="45720" numCol="1" anchor="ctr" anchorCtr="0" compatLnSpc="1">
+            <a:prstTxWarp prst="textNoShape">
+              <a:avLst/>
+            </a:prstTxWarp>
             <a:spAutoFit/>
           </a:bodyPr>
           <a:lstStyle/>
@@ -13729,6 +15382,7 @@
               <a:buSzTx/>
               <a:buFontTx/>
               <a:buNone/>
+              <a:tabLst/>
             </a:pPr>
             <a:r>
               <a:rPr kumimoji="0" lang="en-AU" altLang="en-US" sz="1100" b="0" i="1" u="none" strike="noStrike" cap="none" normalizeH="0" baseline="0" dirty="0">
@@ -13739,26 +15393,11 @@
                   <a:schemeClr val="tx1"/>
                 </a:solidFill>
                 <a:effectLst/>
-                <a:latin typeface="Tw Cen MT" charset="0"/>
+                <a:latin typeface="Tw Cen MT" panose="020B0602020104020603" pitchFamily="34" charset="0"/>
                 <a:ea typeface="Calibri" panose="020F0502020204030204" pitchFamily="34" charset="0"/>
                 <a:cs typeface="Times New Roman" panose="02020603050405020304" pitchFamily="18" charset="0"/>
               </a:rPr>
-              <a:t>Date and time of meeting: </a:t>
-            </a:r>
-            <a:r>
-              <a:rPr kumimoji="0" lang="en-US" altLang="en-AU" sz="1100" b="0" i="1" u="none" strike="noStrike" cap="none" normalizeH="0" baseline="0" dirty="0">
-                <a:ln>
-                  <a:noFill/>
-                </a:ln>
-                <a:solidFill>
-                  <a:schemeClr val="tx1"/>
-                </a:solidFill>
-                <a:effectLst/>
-                <a:latin typeface="Tw Cen MT" charset="0"/>
-                <a:ea typeface="Calibri" panose="020F0502020204030204" pitchFamily="34" charset="0"/>
-                <a:cs typeface="Times New Roman" panose="02020603050405020304" pitchFamily="18" charset="0"/>
-              </a:rPr>
-              <a:t>4/4/2022</a:t>
+              <a:t>Date and time of meeting:</a:t>
             </a:r>
             <a:endParaRPr kumimoji="0" lang="en-AU" altLang="en-US" sz="500" b="0" i="0" u="none" strike="noStrike" cap="none" normalizeH="0" baseline="0" dirty="0">
               <a:ln>
@@ -13785,6 +15424,7 @@
               <a:buSzTx/>
               <a:buFontTx/>
               <a:buNone/>
+              <a:tabLst/>
             </a:pPr>
             <a:r>
               <a:rPr kumimoji="0" lang="en-AU" altLang="en-US" sz="1100" b="0" i="1" u="none" strike="noStrike" cap="none" normalizeH="0" baseline="0" dirty="0">
@@ -13795,39 +15435,12 @@
                   <a:schemeClr val="tx1"/>
                 </a:solidFill>
                 <a:effectLst/>
-                <a:latin typeface="Tw Cen MT" charset="0"/>
+                <a:latin typeface="Tw Cen MT" panose="020B0602020104020603" pitchFamily="34" charset="0"/>
                 <a:ea typeface="Calibri" panose="020F0502020204030204" pitchFamily="34" charset="0"/>
                 <a:cs typeface="Times New Roman" panose="02020603050405020304" pitchFamily="18" charset="0"/>
               </a:rPr>
-              <a:t>Team members present: </a:t>
-            </a:r>
-            <a:r>
-              <a:rPr kumimoji="0" lang="en-US" altLang="en-AU" sz="1100" b="0" i="1" u="none" strike="noStrike" cap="none" normalizeH="0" baseline="0" dirty="0">
-                <a:ln>
-                  <a:noFill/>
-                </a:ln>
-                <a:solidFill>
-                  <a:schemeClr val="tx1"/>
-                </a:solidFill>
-                <a:effectLst/>
-                <a:latin typeface="Tw Cen MT" charset="0"/>
-                <a:ea typeface="Calibri" panose="020F0502020204030204" pitchFamily="34" charset="0"/>
-                <a:cs typeface="Times New Roman" panose="02020603050405020304" pitchFamily="18" charset="0"/>
-              </a:rPr>
-              <a:t>Hangyi Wu, Qinlin Gu, Xuening Ni, Danying Sun, Giri Zhou </a:t>
-            </a:r>
-            <a:endParaRPr kumimoji="0" lang="en-AU" altLang="en-US" sz="1100" b="0" i="1" u="none" strike="noStrike" cap="none" normalizeH="0" baseline="0" dirty="0">
-              <a:ln>
-                <a:noFill/>
-              </a:ln>
-              <a:solidFill>
-                <a:schemeClr val="tx1"/>
-              </a:solidFill>
-              <a:effectLst/>
-              <a:latin typeface="Tw Cen MT" charset="0"/>
-              <a:ea typeface="Calibri" panose="020F0502020204030204" pitchFamily="34" charset="0"/>
-              <a:cs typeface="Times New Roman" panose="02020603050405020304" pitchFamily="18" charset="0"/>
-            </a:endParaRPr>
+              <a:t>Team members present:</a:t>
+            </a:r>
           </a:p>
           <a:p>
             <a:pPr marL="0" marR="0" lvl="0" indent="0" algn="l" defTabSz="914400" rtl="0" eaLnBrk="0" fontAlgn="base" latinLnBrk="0" hangingPunct="0">
@@ -13844,6 +15457,7 @@
               <a:buSzTx/>
               <a:buFontTx/>
               <a:buNone/>
+              <a:tabLst/>
             </a:pPr>
             <a:endParaRPr kumimoji="0" lang="en-AU" altLang="en-US" sz="500" b="0" i="0" u="none" strike="noStrike" cap="none" normalizeH="0" baseline="0" dirty="0">
               <a:ln>
@@ -13870,6 +15484,7 @@
               <a:buSzTx/>
               <a:buFontTx/>
               <a:buNone/>
+              <a:tabLst/>
             </a:pPr>
             <a:r>
               <a:rPr kumimoji="0" lang="en-AU" altLang="en-US" sz="1100" b="1" i="0" u="none" strike="noStrike" cap="none" normalizeH="0" baseline="0" dirty="0">
@@ -13880,7 +15495,7 @@
                   <a:schemeClr val="tx1"/>
                 </a:solidFill>
                 <a:effectLst/>
-                <a:latin typeface="Tw Cen MT" charset="0"/>
+                <a:latin typeface="Tw Cen MT" panose="020B0602020104020603" pitchFamily="34" charset="0"/>
                 <a:ea typeface="Calibri" panose="020F0502020204030204" pitchFamily="34" charset="0"/>
                 <a:cs typeface="Times New Roman" panose="02020603050405020304" pitchFamily="18" charset="0"/>
               </a:rPr>
@@ -13900,7 +15515,13 @@
       </p:sp>
       <p:sp>
         <p:nvSpPr>
-          <p:cNvPr id="10" name="Rectangle 9"/>
+          <p:cNvPr id="10" name="Rectangle 9">
+            <a:extLst>
+              <a:ext uri="{FF2B5EF4-FFF2-40B4-BE49-F238E27FC236}">
+                <a16:creationId xmlns:a16="http://schemas.microsoft.com/office/drawing/2014/main" id="{0063FAC6-1059-490E-9D0D-3CEF59DD566B}"/>
+              </a:ext>
+            </a:extLst>
+          </p:cNvPr>
           <p:cNvSpPr/>
           <p:nvPr/>
         </p:nvSpPr>
@@ -13922,31 +15543,22 @@
             <a:pPr lvl="0" defTabSz="914400" eaLnBrk="0" hangingPunct="0"/>
             <a:r>
               <a:rPr lang="en-AU" altLang="en-US" sz="1200" i="1" dirty="0">
-                <a:latin typeface="Tw Cen MT" charset="0"/>
+                <a:latin typeface="Tw Cen MT" panose="020B0602020104020603" pitchFamily="34" charset="0"/>
                 <a:ea typeface="Calibri" panose="020F0502020204030204" pitchFamily="34" charset="0"/>
                 <a:cs typeface="Times New Roman" panose="02020603050405020304" pitchFamily="18" charset="0"/>
               </a:rPr>
               <a:t>Next meeting date and time:</a:t>
             </a:r>
-            <a:endParaRPr lang="en-AU" altLang="en-US" sz="1200" i="1" dirty="0">
-              <a:latin typeface="Tw Cen MT" charset="0"/>
-              <a:ea typeface="Calibri" panose="020F0502020204030204" pitchFamily="34" charset="0"/>
-              <a:cs typeface="Times New Roman" panose="02020603050405020304" pitchFamily="18" charset="0"/>
-            </a:endParaRPr>
           </a:p>
           <a:p>
             <a:pPr lvl="0" defTabSz="914400" eaLnBrk="0" hangingPunct="0"/>
             <a:r>
               <a:rPr lang="en-AU" altLang="en-US" sz="1200" i="1" dirty="0">
-                <a:latin typeface="Tw Cen MT" charset="0"/>
+                <a:latin typeface="Tw Cen MT" panose="020B0602020104020603" pitchFamily="34" charset="0"/>
                 <a:cs typeface="Times New Roman" panose="02020603050405020304" pitchFamily="18" charset="0"/>
               </a:rPr>
               <a:t>Group member responsible for finalising/submitting minutes:</a:t>
             </a:r>
-            <a:endParaRPr lang="en-AU" altLang="en-US" sz="1200" i="1" dirty="0">
-              <a:latin typeface="Tw Cen MT" charset="0"/>
-              <a:cs typeface="Times New Roman" panose="02020603050405020304" pitchFamily="18" charset="0"/>
-            </a:endParaRPr>
           </a:p>
           <a:p>
             <a:pPr lvl="0" defTabSz="914400" eaLnBrk="0" hangingPunct="0"/>
@@ -13955,7 +15567,7 @@
                 <a:solidFill>
                   <a:srgbClr val="FF0000"/>
                 </a:solidFill>
-                <a:latin typeface="Tw Cen MT" charset="0"/>
+                <a:latin typeface="Tw Cen MT" panose="020B0602020104020603" pitchFamily="34" charset="0"/>
                 <a:cs typeface="Times New Roman" panose="02020603050405020304" pitchFamily="18" charset="0"/>
               </a:rPr>
               <a:t>To be posted on the CANVAS Individual group website</a:t>
@@ -13969,6 +15581,11 @@
         </p:txBody>
       </p:sp>
     </p:spTree>
+    <p:extLst>
+      <p:ext uri="{BB962C8B-B14F-4D97-AF65-F5344CB8AC3E}">
+        <p14:creationId xmlns:p14="http://schemas.microsoft.com/office/powerpoint/2010/main" val="3311122397"/>
+      </p:ext>
+    </p:extLst>
   </p:cSld>
   <p:clrMapOvr>
     <a:masterClrMapping/>
@@ -13995,7 +15612,13 @@
       </p:grpSpPr>
       <p:sp>
         <p:nvSpPr>
-          <p:cNvPr id="4" name="Content Placeholder 3"/>
+          <p:cNvPr id="4" name="Content Placeholder 3">
+            <a:extLst>
+              <a:ext uri="{FF2B5EF4-FFF2-40B4-BE49-F238E27FC236}">
+                <a16:creationId xmlns:a16="http://schemas.microsoft.com/office/drawing/2014/main" id="{F79E8E1A-6AC7-3F4E-8F0D-D3A7F823361E}"/>
+              </a:ext>
+            </a:extLst>
+          </p:cNvPr>
           <p:cNvSpPr>
             <a:spLocks noGrp="1"/>
           </p:cNvSpPr>
@@ -14012,21 +15635,18 @@
               <a:rPr lang="en-US" b="0" dirty="0"/>
               <a:t>Action points from last week … …</a:t>
             </a:r>
-            <a:endParaRPr lang="en-US" b="0" dirty="0"/>
           </a:p>
           <a:p>
             <a:r>
               <a:rPr lang="en-US" b="0" dirty="0"/>
               <a:t>…</a:t>
             </a:r>
-            <a:endParaRPr lang="en-US" b="0" dirty="0"/>
           </a:p>
           <a:p>
             <a:r>
               <a:rPr lang="en-US" b="0" dirty="0"/>
               <a:t>…</a:t>
             </a:r>
-            <a:endParaRPr lang="en-US" b="0" dirty="0"/>
           </a:p>
           <a:p>
             <a:pPr marL="0" indent="0">
@@ -14039,21 +15659,18 @@
               <a:rPr lang="en-US" b="0" dirty="0"/>
               <a:t>Key progress over last week …</a:t>
             </a:r>
-            <a:endParaRPr lang="en-US" b="0" dirty="0"/>
           </a:p>
           <a:p>
             <a:r>
               <a:rPr lang="en-US" b="0" dirty="0"/>
               <a:t>…</a:t>
             </a:r>
-            <a:endParaRPr lang="en-US" b="0" dirty="0"/>
           </a:p>
           <a:p>
             <a:r>
               <a:rPr lang="en-US" b="0" dirty="0"/>
               <a:t>…</a:t>
             </a:r>
-            <a:endParaRPr lang="en-US" b="0" dirty="0"/>
           </a:p>
           <a:p>
             <a:endParaRPr lang="en-US" b="0" dirty="0"/>
@@ -14074,7 +15691,13 @@
       </p:sp>
       <p:sp>
         <p:nvSpPr>
-          <p:cNvPr id="2" name="Title 1"/>
+          <p:cNvPr id="2" name="Title 1">
+            <a:extLst>
+              <a:ext uri="{FF2B5EF4-FFF2-40B4-BE49-F238E27FC236}">
+                <a16:creationId xmlns:a16="http://schemas.microsoft.com/office/drawing/2014/main" id="{E2AEAF44-F909-4580-862E-7EB331AAAEC3}"/>
+              </a:ext>
+            </a:extLst>
+          </p:cNvPr>
           <p:cNvSpPr>
             <a:spLocks noGrp="1"/>
           </p:cNvSpPr>
@@ -14091,14 +15714,21 @@
               <a:rPr lang="en-AU" dirty="0"/>
               <a:t>Progress and action points</a:t>
             </a:r>
-            <a:endParaRPr lang="en-AU" dirty="0"/>
           </a:p>
         </p:txBody>
       </p:sp>
       <p:sp>
         <p:nvSpPr>
-          <p:cNvPr id="3" name="Text Placeholder 2"/>
-          <p:cNvSpPr txBox="1"/>
+          <p:cNvPr id="3" name="Text Placeholder 2">
+            <a:extLst>
+              <a:ext uri="{FF2B5EF4-FFF2-40B4-BE49-F238E27FC236}">
+                <a16:creationId xmlns:a16="http://schemas.microsoft.com/office/drawing/2014/main" id="{93BAAD9B-F199-428F-8BD0-37301704CC09}"/>
+              </a:ext>
+            </a:extLst>
+          </p:cNvPr>
+          <p:cNvSpPr txBox="1">
+            <a:spLocks/>
+          </p:cNvSpPr>
           <p:nvPr/>
         </p:nvSpPr>
         <p:spPr bwMode="auto">
@@ -14113,9 +15743,35 @@
           <a:ln>
             <a:noFill/>
           </a:ln>
+          <a:extLst>
+            <a:ext uri="{909E8E84-426E-40dd-AFC4-6F175D3DCCD1}">
+              <a14:hiddenFill xmlns="" xmlns:a14="http://schemas.microsoft.com/office/drawing/2010/main">
+                <a:solidFill>
+                  <a:srgbClr val="FFFFFF"/>
+                </a:solidFill>
+              </a14:hiddenFill>
+            </a:ext>
+            <a:ext uri="{91240B29-F687-4f45-9708-019B960494DF}">
+              <a14:hiddenLine xmlns="" xmlns:a14="http://schemas.microsoft.com/office/drawing/2010/main" w="9525">
+                <a:solidFill>
+                  <a:srgbClr val="000000"/>
+                </a:solidFill>
+                <a:miter lim="800000"/>
+                <a:headEnd/>
+                <a:tailEnd/>
+              </a14:hiddenLine>
+            </a:ext>
+            <a:ext uri="{FAA26D3D-D897-4be2-8F04-BA451C77F1D7}">
+              <ma14:placeholderFlag xmlns="" xmlns:ma14="http://schemas.microsoft.com/office/mac/drawingml/2011/main" val="1"/>
+            </a:ext>
+          </a:extLst>
         </p:spPr>
         <p:txBody>
-          <a:bodyPr vert="horz" wrap="square" lIns="91440" tIns="45720" rIns="91440" bIns="45720" numCol="1" anchor="t" anchorCtr="0" compatLnSpc="1"/>
+          <a:bodyPr vert="horz" wrap="square" lIns="91440" tIns="45720" rIns="91440" bIns="45720" numCol="1" anchor="t" anchorCtr="0" compatLnSpc="1">
+            <a:prstTxWarp prst="textNoShape">
+              <a:avLst/>
+            </a:prstTxWarp>
+          </a:bodyPr>
           <a:lstStyle>
             <a:lvl1pPr marL="257175" indent="-257175" algn="l" defTabSz="342900" rtl="0" eaLnBrk="1" fontAlgn="base" hangingPunct="1">
               <a:spcBef>
@@ -14124,32 +15780,32 @@
               <a:spcAft>
                 <a:spcPct val="0"/>
               </a:spcAft>
-              <a:buFont typeface="Lucida Grande" panose="020B0600040502020204" charset="0"/>
+              <a:buFont typeface="Lucida Grande" charset="0"/>
               <a:buChar char="–"/>
               <a:defRPr sz="2400" b="1" kern="1200">
                 <a:solidFill>
                   <a:schemeClr val="tx1"/>
                 </a:solidFill>
                 <a:latin typeface="Tw Cen MT"/>
-                <a:ea typeface="MS PGothic" charset="0"/>
+                <a:ea typeface="ＭＳ Ｐゴシック" charset="0"/>
                 <a:cs typeface="Tw Cen MT"/>
               </a:defRPr>
             </a:lvl1pPr>
-            <a:lvl2pPr marL="557530" indent="-214630" algn="l" defTabSz="342900" rtl="0" eaLnBrk="1" fontAlgn="base" hangingPunct="1">
+            <a:lvl2pPr marL="557213" indent="-214313" algn="l" defTabSz="342900" rtl="0" eaLnBrk="1" fontAlgn="base" hangingPunct="1">
               <a:spcBef>
                 <a:spcPct val="20000"/>
               </a:spcBef>
               <a:spcAft>
                 <a:spcPct val="0"/>
               </a:spcAft>
-              <a:buFont typeface="Arial" panose="020B0604020202090204" pitchFamily="34" charset="0"/>
+              <a:buFont typeface="Arial" charset="0"/>
               <a:buChar char="–"/>
               <a:defRPr sz="1500" kern="1200">
                 <a:solidFill>
                   <a:schemeClr val="tx1"/>
                 </a:solidFill>
                 <a:latin typeface="Tw Cen MT"/>
-                <a:ea typeface="MS PGothic" charset="0"/>
+                <a:ea typeface="ＭＳ Ｐゴシック" charset="0"/>
                 <a:cs typeface="Tw Cen MT"/>
               </a:defRPr>
             </a:lvl2pPr>
@@ -14160,14 +15816,14 @@
               <a:spcAft>
                 <a:spcPct val="0"/>
               </a:spcAft>
-              <a:buFont typeface="Arial" panose="020B0604020202090204" pitchFamily="34" charset="0"/>
+              <a:buFont typeface="Arial" charset="0"/>
               <a:buChar char="•"/>
               <a:defRPr sz="1500" kern="1200">
                 <a:solidFill>
                   <a:schemeClr val="tx1"/>
                 </a:solidFill>
                 <a:latin typeface="Tw Cen MT"/>
-                <a:ea typeface="MS PGothic" charset="0"/>
+                <a:ea typeface="ＭＳ Ｐゴシック" charset="0"/>
                 <a:cs typeface="Tw Cen MT"/>
               </a:defRPr>
             </a:lvl3pPr>
@@ -14178,14 +15834,14 @@
               <a:spcAft>
                 <a:spcPct val="0"/>
               </a:spcAft>
-              <a:buFont typeface="Arial" panose="020B0604020202090204" pitchFamily="34" charset="0"/>
+              <a:buFont typeface="Arial" charset="0"/>
               <a:buChar char="–"/>
               <a:defRPr sz="1500" kern="1200">
                 <a:solidFill>
                   <a:schemeClr val="tx1"/>
                 </a:solidFill>
                 <a:latin typeface="Tw Cen MT"/>
-                <a:ea typeface="MS PGothic" charset="0"/>
+                <a:ea typeface="ＭＳ Ｐゴシック" charset="0"/>
                 <a:cs typeface="Tw Cen MT"/>
               </a:defRPr>
             </a:lvl4pPr>
@@ -14196,14 +15852,14 @@
               <a:spcAft>
                 <a:spcPct val="0"/>
               </a:spcAft>
-              <a:buFont typeface="Arial" panose="020B0604020202090204" pitchFamily="34" charset="0"/>
+              <a:buFont typeface="Arial" charset="0"/>
               <a:buChar char="»"/>
               <a:defRPr sz="1500" kern="1200">
                 <a:solidFill>
                   <a:schemeClr val="tx1"/>
                 </a:solidFill>
                 <a:latin typeface="Tw Cen MT"/>
-                <a:ea typeface="MS PGothic" charset="0"/>
+                <a:ea typeface="ＭＳ Ｐゴシック" charset="0"/>
                 <a:cs typeface="Tw Cen MT"/>
               </a:defRPr>
             </a:lvl5pPr>
@@ -14211,7 +15867,7 @@
               <a:spcBef>
                 <a:spcPct val="20000"/>
               </a:spcBef>
-              <a:buFont typeface="Arial" panose="020B0604020202090204"/>
+              <a:buFont typeface="Arial"/>
               <a:buChar char="•"/>
               <a:defRPr sz="1500" kern="1200">
                 <a:solidFill>
@@ -14226,7 +15882,7 @@
               <a:spcBef>
                 <a:spcPct val="20000"/>
               </a:spcBef>
-              <a:buFont typeface="Arial" panose="020B0604020202090204"/>
+              <a:buFont typeface="Arial"/>
               <a:buChar char="•"/>
               <a:defRPr sz="1500" kern="1200">
                 <a:solidFill>
@@ -14241,7 +15897,7 @@
               <a:spcBef>
                 <a:spcPct val="20000"/>
               </a:spcBef>
-              <a:buFont typeface="Arial" panose="020B0604020202090204"/>
+              <a:buFont typeface="Arial"/>
               <a:buChar char="•"/>
               <a:defRPr sz="1500" kern="1200">
                 <a:solidFill>
@@ -14256,7 +15912,7 @@
               <a:spcBef>
                 <a:spcPct val="20000"/>
               </a:spcBef>
-              <a:buFont typeface="Arial" panose="020B0604020202090204"/>
+              <a:buFont typeface="Arial"/>
               <a:buChar char="•"/>
               <a:defRPr sz="1500" kern="1200">
                 <a:solidFill>
@@ -14274,6 +15930,11 @@
         </p:txBody>
       </p:sp>
     </p:spTree>
+    <p:extLst>
+      <p:ext uri="{BB962C8B-B14F-4D97-AF65-F5344CB8AC3E}">
+        <p14:creationId xmlns:p14="http://schemas.microsoft.com/office/powerpoint/2010/main" val="1205355963"/>
+      </p:ext>
+    </p:extLst>
   </p:cSld>
   <p:clrMapOvr>
     <a:masterClrMapping/>
@@ -14300,7 +15961,13 @@
       </p:grpSpPr>
       <p:sp>
         <p:nvSpPr>
-          <p:cNvPr id="3" name="Content Placeholder 2"/>
+          <p:cNvPr id="3" name="Content Placeholder 2">
+            <a:extLst>
+              <a:ext uri="{FF2B5EF4-FFF2-40B4-BE49-F238E27FC236}">
+                <a16:creationId xmlns:a16="http://schemas.microsoft.com/office/drawing/2014/main" id="{09AABE22-4E0D-634D-AD9A-9FA33E2A0475}"/>
+              </a:ext>
+            </a:extLst>
+          </p:cNvPr>
           <p:cNvSpPr>
             <a:spLocks noGrp="1"/>
           </p:cNvSpPr>
@@ -14317,7 +15984,6 @@
               <a:rPr lang="en-US" b="0" dirty="0"/>
               <a:t>Illustrate progress in data generation or data collection by showing some initial data analysis of your data. </a:t>
             </a:r>
-            <a:endParaRPr lang="en-US" b="0" dirty="0"/>
           </a:p>
           <a:p>
             <a:endParaRPr lang="en-US" b="0" dirty="0"/>
@@ -14326,7 +15992,13 @@
       </p:sp>
       <p:sp>
         <p:nvSpPr>
-          <p:cNvPr id="2" name="Title 1"/>
+          <p:cNvPr id="2" name="Title 1">
+            <a:extLst>
+              <a:ext uri="{FF2B5EF4-FFF2-40B4-BE49-F238E27FC236}">
+                <a16:creationId xmlns:a16="http://schemas.microsoft.com/office/drawing/2014/main" id="{424F715F-14FE-2747-8110-408D8A46F9B7}"/>
+              </a:ext>
+            </a:extLst>
+          </p:cNvPr>
           <p:cNvSpPr>
             <a:spLocks noGrp="1"/>
           </p:cNvSpPr>
@@ -14351,6 +16023,11 @@
         </p:txBody>
       </p:sp>
     </p:spTree>
+    <p:extLst>
+      <p:ext uri="{BB962C8B-B14F-4D97-AF65-F5344CB8AC3E}">
+        <p14:creationId xmlns:p14="http://schemas.microsoft.com/office/powerpoint/2010/main" val="1575878537"/>
+      </p:ext>
+    </p:extLst>
   </p:cSld>
   <p:clrMapOvr>
     <a:masterClrMapping/>
@@ -14377,7 +16054,13 @@
       </p:grpSpPr>
       <p:sp>
         <p:nvSpPr>
-          <p:cNvPr id="3" name="Content Placeholder 2"/>
+          <p:cNvPr id="3" name="Content Placeholder 2">
+            <a:extLst>
+              <a:ext uri="{FF2B5EF4-FFF2-40B4-BE49-F238E27FC236}">
+                <a16:creationId xmlns:a16="http://schemas.microsoft.com/office/drawing/2014/main" id="{09AABE22-4E0D-634D-AD9A-9FA33E2A0475}"/>
+              </a:ext>
+            </a:extLst>
+          </p:cNvPr>
           <p:cNvSpPr>
             <a:spLocks noGrp="1"/>
           </p:cNvSpPr>
@@ -14399,13 +16082,18 @@
               <a:rPr lang="en-US" b="0" dirty="0"/>
               <a:t>Proposed analytics or proposed methods.</a:t>
             </a:r>
-            <a:endParaRPr lang="en-US" b="0" dirty="0"/>
           </a:p>
         </p:txBody>
       </p:sp>
       <p:sp>
         <p:nvSpPr>
-          <p:cNvPr id="2" name="Title 1"/>
+          <p:cNvPr id="2" name="Title 1">
+            <a:extLst>
+              <a:ext uri="{FF2B5EF4-FFF2-40B4-BE49-F238E27FC236}">
+                <a16:creationId xmlns:a16="http://schemas.microsoft.com/office/drawing/2014/main" id="{424F715F-14FE-2747-8110-408D8A46F9B7}"/>
+              </a:ext>
+            </a:extLst>
+          </p:cNvPr>
           <p:cNvSpPr>
             <a:spLocks noGrp="1"/>
           </p:cNvSpPr>
@@ -14435,25 +16123,16 @@
         </p:txBody>
       </p:sp>
     </p:spTree>
+    <p:extLst>
+      <p:ext uri="{BB962C8B-B14F-4D97-AF65-F5344CB8AC3E}">
+        <p14:creationId xmlns:p14="http://schemas.microsoft.com/office/powerpoint/2010/main" val="3204104704"/>
+      </p:ext>
+    </p:extLst>
   </p:cSld>
   <p:clrMapOvr>
     <a:masterClrMapping/>
   </p:clrMapOvr>
 </p:sld>
-</file>
-
-<file path=ppt/tags/tag1.xml><?xml version="1.0" encoding="utf-8"?>
-<p:tagLst xmlns:p="http://schemas.openxmlformats.org/presentationml/2006/main">
-  <p:tag name="KSO_WM_UNIT_TABLE_BEAUTIFY" val="smartTable{839f1daa-bc31-489d-997f-4a88cdf4b07c}"/>
-  <p:tag name="TABLE_ENDDRAG_ORIGIN_RECT" val="670*221"/>
-  <p:tag name="TABLE_ENDDRAG_RECT" val="33*135*670*248"/>
-</p:tagLst>
-</file>
-
-<file path=ppt/tags/tag2.xml><?xml version="1.0" encoding="utf-8"?>
-<p:tagLst xmlns:p="http://schemas.openxmlformats.org/presentationml/2006/main">
-  <p:tag name="KSO_WM_UNIT_TABLE_BEAUTIFY" val="smartTable{36e4c482-61bf-45ee-9358-63affd84e7b5}"/>
-</p:tagLst>
 </file>
 
 <file path=ppt/theme/theme1.xml><?xml version="1.0" encoding="utf-8"?>
@@ -14774,11 +16453,7 @@
       </a:style>
     </a:lnDef>
   </a:objectDefaults>
-  <a:extLst>
-    <a:ext uri="{05A4C25C-085E-4340-85A3-A5531E510DB2}">
-      <thm15:themeFamily xmlns:thm15="http://schemas.microsoft.com/office/thememl/2012/main" name="Office Theme" id="{62F939B6-93AF-4DB8-9C6B-D6C7DFDC589F}" vid="{4A3C46E8-61CC-4603-A589-7422A47A8E4A}"/>
-    </a:ext>
-  </a:extLst>
+  <a:extraClrSchemeLst/>
 </a:theme>
 </file>
 
@@ -14825,7 +16500,7 @@
     </a:clrScheme>
     <a:fontScheme name="Office">
       <a:majorFont>
-        <a:latin typeface="Calibri Light"/>
+        <a:latin typeface="Calibri Light" panose="020F0302020204030204"/>
         <a:ea typeface=""/>
         <a:cs typeface=""/>
         <a:font script="Jpan" typeface="游ゴシック Light"/>
@@ -14858,9 +16533,26 @@
         <a:font script="Viet" typeface="Times New Roman"/>
         <a:font script="Uigh" typeface="Microsoft Uighur"/>
         <a:font script="Geor" typeface="Sylfaen"/>
+        <a:font script="Armn" typeface="Arial"/>
+        <a:font script="Bugi" typeface="Leelawadee UI"/>
+        <a:font script="Bopo" typeface="Microsoft JhengHei"/>
+        <a:font script="Java" typeface="Javanese Text"/>
+        <a:font script="Lisu" typeface="Segoe UI"/>
+        <a:font script="Mymr" typeface="Myanmar Text"/>
+        <a:font script="Nkoo" typeface="Ebrima"/>
+        <a:font script="Olck" typeface="Nirmala UI"/>
+        <a:font script="Osma" typeface="Ebrima"/>
+        <a:font script="Phag" typeface="Phagspa"/>
+        <a:font script="Syrn" typeface="Estrangelo Edessa"/>
+        <a:font script="Syrj" typeface="Estrangelo Edessa"/>
+        <a:font script="Syre" typeface="Estrangelo Edessa"/>
+        <a:font script="Sora" typeface="Nirmala UI"/>
+        <a:font script="Tale" typeface="Microsoft Tai Le"/>
+        <a:font script="Talu" typeface="Microsoft New Tai Lue"/>
+        <a:font script="Tfng" typeface="Ebrima"/>
       </a:majorFont>
       <a:minorFont>
-        <a:latin typeface="Calibri"/>
+        <a:latin typeface="Calibri" panose="020F0502020204030204"/>
         <a:ea typeface=""/>
         <a:cs typeface=""/>
         <a:font script="Jpan" typeface="游ゴシック"/>
@@ -14893,6 +16585,23 @@
         <a:font script="Viet" typeface="Arial"/>
         <a:font script="Uigh" typeface="Microsoft Uighur"/>
         <a:font script="Geor" typeface="Sylfaen"/>
+        <a:font script="Armn" typeface="Arial"/>
+        <a:font script="Bugi" typeface="Leelawadee UI"/>
+        <a:font script="Bopo" typeface="Microsoft JhengHei"/>
+        <a:font script="Java" typeface="Javanese Text"/>
+        <a:font script="Lisu" typeface="Segoe UI"/>
+        <a:font script="Mymr" typeface="Myanmar Text"/>
+        <a:font script="Nkoo" typeface="Ebrima"/>
+        <a:font script="Olck" typeface="Nirmala UI"/>
+        <a:font script="Osma" typeface="Ebrima"/>
+        <a:font script="Phag" typeface="Phagspa"/>
+        <a:font script="Syrn" typeface="Estrangelo Edessa"/>
+        <a:font script="Syrj" typeface="Estrangelo Edessa"/>
+        <a:font script="Syre" typeface="Estrangelo Edessa"/>
+        <a:font script="Sora" typeface="Nirmala UI"/>
+        <a:font script="Tale" typeface="Microsoft Tai Le"/>
+        <a:font script="Talu" typeface="Microsoft New Tai Lue"/>
+        <a:font script="Tfng" typeface="Ebrima"/>
       </a:minorFont>
     </a:fontScheme>
     <a:fmtScheme name="Office">
@@ -15033,6 +16742,8 @@
       </a:bgFillStyleLst>
     </a:fmtScheme>
   </a:themeElements>
+  <a:objectDefaults/>
+  <a:extraClrSchemeLst/>
   <a:extLst>
     <a:ext uri="{05A4C25C-085E-4340-85A3-A5531E510DB2}">
       <thm15:themeFamily xmlns:thm15="http://schemas.microsoft.com/office/thememl/2012/main" name="Office Theme" id="{62F939B6-93AF-4DB8-9C6B-D6C7DFDC589F}" vid="{4A3C46E8-61CC-4603-A589-7422A47A8E4A}"/>
@@ -15084,7 +16795,7 @@
     </a:clrScheme>
     <a:fontScheme name="Office">
       <a:majorFont>
-        <a:latin typeface="Calibri Light"/>
+        <a:latin typeface="Calibri Light" panose="020F0302020204030204"/>
         <a:ea typeface=""/>
         <a:cs typeface=""/>
         <a:font script="Jpan" typeface="游ゴシック Light"/>
@@ -15117,9 +16828,26 @@
         <a:font script="Viet" typeface="Times New Roman"/>
         <a:font script="Uigh" typeface="Microsoft Uighur"/>
         <a:font script="Geor" typeface="Sylfaen"/>
+        <a:font script="Armn" typeface="Arial"/>
+        <a:font script="Bugi" typeface="Leelawadee UI"/>
+        <a:font script="Bopo" typeface="Microsoft JhengHei"/>
+        <a:font script="Java" typeface="Javanese Text"/>
+        <a:font script="Lisu" typeface="Segoe UI"/>
+        <a:font script="Mymr" typeface="Myanmar Text"/>
+        <a:font script="Nkoo" typeface="Ebrima"/>
+        <a:font script="Olck" typeface="Nirmala UI"/>
+        <a:font script="Osma" typeface="Ebrima"/>
+        <a:font script="Phag" typeface="Phagspa"/>
+        <a:font script="Syrn" typeface="Estrangelo Edessa"/>
+        <a:font script="Syrj" typeface="Estrangelo Edessa"/>
+        <a:font script="Syre" typeface="Estrangelo Edessa"/>
+        <a:font script="Sora" typeface="Nirmala UI"/>
+        <a:font script="Tale" typeface="Microsoft Tai Le"/>
+        <a:font script="Talu" typeface="Microsoft New Tai Lue"/>
+        <a:font script="Tfng" typeface="Ebrima"/>
       </a:majorFont>
       <a:minorFont>
-        <a:latin typeface="Calibri"/>
+        <a:latin typeface="Calibri" panose="020F0502020204030204"/>
         <a:ea typeface=""/>
         <a:cs typeface=""/>
         <a:font script="Jpan" typeface="游ゴシック"/>
@@ -15152,6 +16880,23 @@
         <a:font script="Viet" typeface="Arial"/>
         <a:font script="Uigh" typeface="Microsoft Uighur"/>
         <a:font script="Geor" typeface="Sylfaen"/>
+        <a:font script="Armn" typeface="Arial"/>
+        <a:font script="Bugi" typeface="Leelawadee UI"/>
+        <a:font script="Bopo" typeface="Microsoft JhengHei"/>
+        <a:font script="Java" typeface="Javanese Text"/>
+        <a:font script="Lisu" typeface="Segoe UI"/>
+        <a:font script="Mymr" typeface="Myanmar Text"/>
+        <a:font script="Nkoo" typeface="Ebrima"/>
+        <a:font script="Olck" typeface="Nirmala UI"/>
+        <a:font script="Osma" typeface="Ebrima"/>
+        <a:font script="Phag" typeface="Phagspa"/>
+        <a:font script="Syrn" typeface="Estrangelo Edessa"/>
+        <a:font script="Syrj" typeface="Estrangelo Edessa"/>
+        <a:font script="Syre" typeface="Estrangelo Edessa"/>
+        <a:font script="Sora" typeface="Nirmala UI"/>
+        <a:font script="Tale" typeface="Microsoft Tai Le"/>
+        <a:font script="Talu" typeface="Microsoft New Tai Lue"/>
+        <a:font script="Tfng" typeface="Ebrima"/>
       </a:minorFont>
     </a:fontScheme>
     <a:fmtScheme name="Office">
@@ -15292,6 +17037,8 @@
       </a:bgFillStyleLst>
     </a:fmtScheme>
   </a:themeElements>
+  <a:objectDefaults/>
+  <a:extraClrSchemeLst/>
   <a:extLst>
     <a:ext uri="{05A4C25C-085E-4340-85A3-A5531E510DB2}">
       <thm15:themeFamily xmlns:thm15="http://schemas.microsoft.com/office/thememl/2012/main" name="Office Theme" id="{62F939B6-93AF-4DB8-9C6B-D6C7DFDC589F}" vid="{4A3C46E8-61CC-4603-A589-7422A47A8E4A}"/>
